--- a/kubernetes/02_pods.pptx
+++ b/kubernetes/02_pods.pptx
@@ -5,10 +5,10 @@
     <p:sldMasterId id="2147483733" r:id="rId1"/>
   </p:sldMasterIdLst>
   <p:notesMasterIdLst>
-    <p:notesMasterId r:id="rId13"/>
+    <p:notesMasterId r:id="rId15"/>
   </p:notesMasterIdLst>
   <p:handoutMasterIdLst>
-    <p:handoutMasterId r:id="rId14"/>
+    <p:handoutMasterId r:id="rId16"/>
   </p:handoutMasterIdLst>
   <p:sldIdLst>
     <p:sldId id="433" r:id="rId2"/>
@@ -17,11 +17,13 @@
     <p:sldId id="441" r:id="rId5"/>
     <p:sldId id="447" r:id="rId6"/>
     <p:sldId id="445" r:id="rId7"/>
-    <p:sldId id="438" r:id="rId8"/>
-    <p:sldId id="446" r:id="rId9"/>
-    <p:sldId id="443" r:id="rId10"/>
-    <p:sldId id="444" r:id="rId11"/>
-    <p:sldId id="265" r:id="rId12"/>
+    <p:sldId id="450" r:id="rId8"/>
+    <p:sldId id="451" r:id="rId9"/>
+    <p:sldId id="438" r:id="rId10"/>
+    <p:sldId id="446" r:id="rId11"/>
+    <p:sldId id="443" r:id="rId12"/>
+    <p:sldId id="444" r:id="rId13"/>
+    <p:sldId id="265" r:id="rId14"/>
   </p:sldIdLst>
   <p:sldSz cx="12195175" cy="6858000"/>
   <p:notesSz cx="6858000" cy="9144000"/>
@@ -654,7 +656,101 @@
           <a:bodyPr/>
           <a:lstStyle/>
           <a:p>
-            <a:endParaRPr lang="en-US"/>
+            <a:r>
+              <a:rPr lang="en-US" dirty="0"/>
+              <a:t>Demo: http &amp; exec</a:t>
+            </a:r>
+            <a:r>
+              <a:rPr lang="en-US" baseline="0" dirty="0"/>
+              <a:t> liveness pods (see </a:t>
+            </a:r>
+            <a:r>
+              <a:rPr lang="en-US" baseline="0" dirty="0" err="1"/>
+              <a:t>pod_exec_liveness</a:t>
+            </a:r>
+            <a:r>
+              <a:rPr lang="en-US" baseline="0" dirty="0"/>
+              <a:t> &amp; </a:t>
+            </a:r>
+            <a:r>
+              <a:rPr lang="en-US" baseline="0" dirty="0" err="1"/>
+              <a:t>pod_http_liveness</a:t>
+            </a:r>
+            <a:r>
+              <a:rPr lang="en-US" baseline="0" dirty="0"/>
+              <a:t> </a:t>
+            </a:r>
+            <a:r>
+              <a:rPr lang="en-US" baseline="0" dirty="0" err="1"/>
+              <a:t>yaml</a:t>
+            </a:r>
+            <a:r>
+              <a:rPr lang="en-US" baseline="0" dirty="0"/>
+              <a:t> files in the solutions folder)</a:t>
+            </a:r>
+            <a:endParaRPr lang="en-US" dirty="0"/>
+          </a:p>
+          <a:p>
+            <a:r>
+              <a:rPr lang="en-US" dirty="0"/>
+              <a:t>Consequence of failed probe:</a:t>
+            </a:r>
+          </a:p>
+          <a:p>
+            <a:pPr marL="285750" indent="-285750">
+              <a:buFontTx/>
+              <a:buChar char="-"/>
+            </a:pPr>
+            <a:r>
+              <a:rPr lang="en-US" dirty="0"/>
+              <a:t>liveness: kill the container and restart it depending on the restart policy.</a:t>
+            </a:r>
+          </a:p>
+          <a:p>
+            <a:pPr marL="285750" indent="-285750">
+              <a:buFontTx/>
+              <a:buChar char="-"/>
+            </a:pPr>
+            <a:r>
+              <a:rPr lang="en-US" dirty="0"/>
+              <a:t>Readiness: mark pod</a:t>
+            </a:r>
+            <a:r>
+              <a:rPr lang="en-US" baseline="0" dirty="0"/>
+              <a:t> as not ready and don’t route service traffic to it</a:t>
+            </a:r>
+            <a:endParaRPr lang="en-US" dirty="0"/>
+          </a:p>
+          <a:p>
+            <a:r>
+              <a:rPr lang="en-US" dirty="0"/>
+              <a:t>Other options</a:t>
+            </a:r>
+            <a:r>
+              <a:rPr lang="en-US" baseline="0" dirty="0"/>
+              <a:t> for probes: </a:t>
+            </a:r>
+          </a:p>
+          <a:p>
+            <a:pPr marL="285750" indent="-285750">
+              <a:buFontTx/>
+              <a:buChar char="-"/>
+            </a:pPr>
+            <a:r>
+              <a:rPr lang="en-US" baseline="0" dirty="0"/>
+              <a:t>TCP: can a connection be opened successfully?</a:t>
+            </a:r>
+          </a:p>
+          <a:p>
+            <a:pPr marL="285750" indent="-285750">
+              <a:buFontTx/>
+              <a:buChar char="-"/>
+            </a:pPr>
+            <a:r>
+              <a:rPr lang="en-US" baseline="0" dirty="0"/>
+              <a:t>EXEC: run a command and evaluate return/exit code</a:t>
+            </a:r>
+            <a:endParaRPr lang="en-US" dirty="0"/>
           </a:p>
         </p:txBody>
       </p:sp>
@@ -685,6 +781,390 @@
     </p:spTree>
     <p:extLst>
       <p:ext uri="{BB962C8B-B14F-4D97-AF65-F5344CB8AC3E}">
+        <p14:creationId xmlns:p14="http://schemas.microsoft.com/office/powerpoint/2010/main" val="3950672114"/>
+      </p:ext>
+    </p:extLst>
+  </p:cSld>
+  <p:clrMapOvr>
+    <a:masterClrMapping/>
+  </p:clrMapOvr>
+</p:notes>
+</file>
+
+<file path=ppt/notesSlides/notesSlide11.xml><?xml version="1.0" encoding="utf-8"?>
+<p:notes xmlns:a="http://schemas.openxmlformats.org/drawingml/2006/main" xmlns:r="http://schemas.openxmlformats.org/officeDocument/2006/relationships" xmlns:p="http://schemas.openxmlformats.org/presentationml/2006/main">
+  <p:cSld>
+    <p:spTree>
+      <p:nvGrpSpPr>
+        <p:cNvPr id="1" name=""/>
+        <p:cNvGrpSpPr/>
+        <p:nvPr/>
+      </p:nvGrpSpPr>
+      <p:grpSpPr>
+        <a:xfrm>
+          <a:off x="0" y="0"/>
+          <a:ext cx="0" cy="0"/>
+          <a:chOff x="0" y="0"/>
+          <a:chExt cx="0" cy="0"/>
+        </a:xfrm>
+      </p:grpSpPr>
+      <p:sp>
+        <p:nvSpPr>
+          <p:cNvPr id="2" name="Slide Image Placeholder 1"/>
+          <p:cNvSpPr>
+            <a:spLocks noGrp="1" noRot="1" noChangeAspect="1"/>
+          </p:cNvSpPr>
+          <p:nvPr>
+            <p:ph type="sldImg"/>
+          </p:nvPr>
+        </p:nvSpPr>
+        <p:spPr/>
+      </p:sp>
+      <p:sp>
+        <p:nvSpPr>
+          <p:cNvPr id="3" name="Notes Placeholder 2"/>
+          <p:cNvSpPr>
+            <a:spLocks noGrp="1"/>
+          </p:cNvSpPr>
+          <p:nvPr>
+            <p:ph type="body" idx="1"/>
+          </p:nvPr>
+        </p:nvSpPr>
+        <p:spPr/>
+        <p:txBody>
+          <a:bodyPr/>
+          <a:lstStyle/>
+          <a:p>
+            <a:pPr marL="342900" indent="-342900">
+              <a:buFontTx/>
+              <a:buChar char="-"/>
+            </a:pPr>
+            <a:r>
+              <a:rPr lang="en-US" dirty="0"/>
+              <a:t>Start with the “</a:t>
+            </a:r>
+            <a:r>
+              <a:rPr lang="en-US" dirty="0" err="1"/>
+              <a:t>kubectl</a:t>
+            </a:r>
+            <a:r>
+              <a:rPr lang="en-US" dirty="0"/>
+              <a:t> explain pod” and “</a:t>
+            </a:r>
+            <a:r>
+              <a:rPr lang="en-US" dirty="0" err="1"/>
+              <a:t>kubectl</a:t>
+            </a:r>
+            <a:r>
+              <a:rPr lang="en-US" dirty="0"/>
+              <a:t> explain </a:t>
+            </a:r>
+            <a:r>
+              <a:rPr lang="en-US" dirty="0" err="1"/>
+              <a:t>pod.spec</a:t>
+            </a:r>
+            <a:r>
+              <a:rPr lang="en-US" dirty="0"/>
+              <a:t>”</a:t>
+            </a:r>
+          </a:p>
+          <a:p>
+            <a:pPr marL="342900" indent="-342900">
+              <a:buFontTx/>
+              <a:buChar char="-"/>
+            </a:pPr>
+            <a:r>
+              <a:rPr lang="en-US" dirty="0"/>
+              <a:t>Show how to get an overview as well as detailed info about a resource type.</a:t>
+            </a:r>
+          </a:p>
+          <a:p>
+            <a:pPr marL="342900" indent="-342900">
+              <a:buFontTx/>
+              <a:buChar char="-"/>
+            </a:pPr>
+            <a:r>
+              <a:rPr lang="en-US" dirty="0"/>
+              <a:t>Create a pod: ~/</a:t>
+            </a:r>
+            <a:r>
+              <a:rPr lang="en-US" dirty="0" err="1"/>
+              <a:t>kubernetes</a:t>
+            </a:r>
+            <a:r>
+              <a:rPr lang="en-US" dirty="0"/>
+              <a:t>/demo/02_pod_exec_liveness.yaml</a:t>
+            </a:r>
+          </a:p>
+          <a:p>
+            <a:pPr marL="522900" lvl="1" indent="-342900">
+              <a:buFontTx/>
+              <a:buChar char="-"/>
+            </a:pPr>
+            <a:r>
+              <a:rPr lang="en-US" dirty="0"/>
+              <a:t>Discuss the probe and how it should fail</a:t>
+            </a:r>
+          </a:p>
+          <a:p>
+            <a:pPr marL="522900" lvl="1" indent="-342900">
+              <a:buFontTx/>
+              <a:buChar char="-"/>
+            </a:pPr>
+            <a:r>
+              <a:rPr lang="en-US" dirty="0"/>
+              <a:t>Show how it fails &amp; get restarted</a:t>
+            </a:r>
+          </a:p>
+          <a:p>
+            <a:pPr marL="522900" lvl="1" indent="-342900">
+              <a:buFontTx/>
+              <a:buChar char="-"/>
+            </a:pPr>
+            <a:r>
+              <a:rPr lang="en-US" dirty="0"/>
+              <a:t>Point out the failure threshold</a:t>
+            </a:r>
+          </a:p>
+          <a:p>
+            <a:pPr marL="342900" indent="-342900">
+              <a:buFontTx/>
+              <a:buChar char="-"/>
+            </a:pPr>
+            <a:r>
+              <a:rPr lang="en-US" dirty="0"/>
+              <a:t>Create a 2</a:t>
+            </a:r>
+            <a:r>
+              <a:rPr lang="en-US" baseline="30000" dirty="0"/>
+              <a:t>nd</a:t>
+            </a:r>
+            <a:r>
+              <a:rPr lang="en-US" dirty="0"/>
+              <a:t> pod, this time with a web server: ~/</a:t>
+            </a:r>
+            <a:r>
+              <a:rPr lang="en-US" dirty="0" err="1"/>
+              <a:t>kubernetes</a:t>
+            </a:r>
+            <a:r>
+              <a:rPr lang="en-US" dirty="0"/>
+              <a:t>/demo/02_pod_http_liveness.yaml</a:t>
+            </a:r>
+          </a:p>
+          <a:p>
+            <a:pPr marL="522900" lvl="1" indent="-342900">
+              <a:buFontTx/>
+              <a:buChar char="-"/>
+            </a:pPr>
+            <a:r>
+              <a:rPr lang="en-US" dirty="0"/>
+              <a:t>Explain the http probe and how it should fill up the logs</a:t>
+            </a:r>
+          </a:p>
+          <a:p>
+            <a:pPr marL="522900" marR="0" lvl="1" indent="-342900" algn="l" defTabSz="1088776" rtl="0" eaLnBrk="1" fontAlgn="auto" latinLnBrk="0" hangingPunct="1">
+              <a:lnSpc>
+                <a:spcPct val="100000"/>
+              </a:lnSpc>
+              <a:spcBef>
+                <a:spcPts val="0"/>
+              </a:spcBef>
+              <a:spcAft>
+                <a:spcPts val="0"/>
+              </a:spcAft>
+              <a:buClr>
+                <a:schemeClr val="accent1"/>
+              </a:buClr>
+              <a:buSzPct val="100000"/>
+              <a:buFontTx/>
+              <a:buChar char="-"/>
+              <a:tabLst/>
+              <a:defRPr/>
+            </a:pPr>
+            <a:r>
+              <a:rPr lang="en-US" dirty="0"/>
+              <a:t>Show logs of the container (will be the access log) and discuss the effect of the liveness probe</a:t>
+            </a:r>
+          </a:p>
+          <a:p>
+            <a:pPr marL="342900" indent="-342900">
+              <a:buFontTx/>
+              <a:buChar char="-"/>
+            </a:pPr>
+            <a:r>
+              <a:rPr lang="en-US" dirty="0"/>
+              <a:t>Access </a:t>
+            </a:r>
+            <a:r>
+              <a:rPr lang="en-US" dirty="0" err="1"/>
+              <a:t>nginx</a:t>
+            </a:r>
+            <a:r>
+              <a:rPr lang="en-US" dirty="0"/>
+              <a:t>:</a:t>
+            </a:r>
+          </a:p>
+          <a:p>
+            <a:pPr marL="522864" lvl="1" indent="-342900">
+              <a:buFontTx/>
+              <a:buChar char="-"/>
+            </a:pPr>
+            <a:r>
+              <a:rPr lang="en-US" dirty="0"/>
+              <a:t>Run  </a:t>
+            </a:r>
+            <a:r>
+              <a:rPr lang="en-US" dirty="0" err="1"/>
+              <a:t>kubectl</a:t>
+            </a:r>
+            <a:r>
+              <a:rPr lang="en-US" dirty="0"/>
+              <a:t> port-forward pod/</a:t>
+            </a:r>
+            <a:r>
+              <a:rPr lang="en-US" dirty="0" err="1"/>
+              <a:t>nginx</a:t>
+            </a:r>
+            <a:r>
+              <a:rPr lang="en-US" dirty="0"/>
+              <a:t>-liveness-pod 8080:80</a:t>
+            </a:r>
+          </a:p>
+          <a:p>
+            <a:pPr marL="522864" lvl="1" indent="-342900">
+              <a:buFontTx/>
+              <a:buChar char="-"/>
+            </a:pPr>
+            <a:r>
+              <a:rPr lang="en-US" dirty="0"/>
+              <a:t>Open a browser and connect to 127.0.0.1:8080</a:t>
+            </a:r>
+          </a:p>
+          <a:p>
+            <a:pPr marL="522864" lvl="1" indent="-342900">
+              <a:buFontTx/>
+              <a:buChar char="-"/>
+            </a:pPr>
+            <a:r>
+              <a:rPr lang="en-US" dirty="0"/>
+              <a:t>Port-forward is a nice command to test access to something that you don’t want to expose (yet). However it is not recommended for any production like setup as the traffic is routed via the cluster’s API server</a:t>
+            </a:r>
+          </a:p>
+        </p:txBody>
+      </p:sp>
+      <p:sp>
+        <p:nvSpPr>
+          <p:cNvPr id="4" name="Slide Number Placeholder 3"/>
+          <p:cNvSpPr>
+            <a:spLocks noGrp="1"/>
+          </p:cNvSpPr>
+          <p:nvPr>
+            <p:ph type="sldNum" sz="quarter" idx="10"/>
+          </p:nvPr>
+        </p:nvSpPr>
+        <p:spPr/>
+        <p:txBody>
+          <a:bodyPr/>
+          <a:lstStyle/>
+          <a:p>
+            <a:fld id="{7D8C2C35-2B8A-446E-BEC0-FD36716C29AC}" type="slidenum">
+              <a:rPr lang="de-DE" smtClean="0"/>
+              <a:pPr/>
+              <a:t>11</a:t>
+            </a:fld>
+            <a:endParaRPr lang="de-DE" dirty="0"/>
+          </a:p>
+        </p:txBody>
+      </p:sp>
+    </p:spTree>
+    <p:extLst>
+      <p:ext uri="{BB962C8B-B14F-4D97-AF65-F5344CB8AC3E}">
+        <p14:creationId xmlns:p14="http://schemas.microsoft.com/office/powerpoint/2010/main" val="2327213927"/>
+      </p:ext>
+    </p:extLst>
+  </p:cSld>
+  <p:clrMapOvr>
+    <a:masterClrMapping/>
+  </p:clrMapOvr>
+</p:notes>
+</file>
+
+<file path=ppt/notesSlides/notesSlide12.xml><?xml version="1.0" encoding="utf-8"?>
+<p:notes xmlns:a="http://schemas.openxmlformats.org/drawingml/2006/main" xmlns:r="http://schemas.openxmlformats.org/officeDocument/2006/relationships" xmlns:p="http://schemas.openxmlformats.org/presentationml/2006/main">
+  <p:cSld>
+    <p:spTree>
+      <p:nvGrpSpPr>
+        <p:cNvPr id="1" name=""/>
+        <p:cNvGrpSpPr/>
+        <p:nvPr/>
+      </p:nvGrpSpPr>
+      <p:grpSpPr>
+        <a:xfrm>
+          <a:off x="0" y="0"/>
+          <a:ext cx="0" cy="0"/>
+          <a:chOff x="0" y="0"/>
+          <a:chExt cx="0" cy="0"/>
+        </a:xfrm>
+      </p:grpSpPr>
+      <p:sp>
+        <p:nvSpPr>
+          <p:cNvPr id="2" name="Slide Image Placeholder 1"/>
+          <p:cNvSpPr>
+            <a:spLocks noGrp="1" noRot="1" noChangeAspect="1"/>
+          </p:cNvSpPr>
+          <p:nvPr>
+            <p:ph type="sldImg"/>
+          </p:nvPr>
+        </p:nvSpPr>
+        <p:spPr/>
+      </p:sp>
+      <p:sp>
+        <p:nvSpPr>
+          <p:cNvPr id="3" name="Notes Placeholder 2"/>
+          <p:cNvSpPr>
+            <a:spLocks noGrp="1"/>
+          </p:cNvSpPr>
+          <p:nvPr>
+            <p:ph type="body" idx="1"/>
+          </p:nvPr>
+        </p:nvSpPr>
+        <p:spPr/>
+        <p:txBody>
+          <a:bodyPr/>
+          <a:lstStyle/>
+          <a:p>
+            <a:endParaRPr lang="en-US"/>
+          </a:p>
+        </p:txBody>
+      </p:sp>
+      <p:sp>
+        <p:nvSpPr>
+          <p:cNvPr id="4" name="Slide Number Placeholder 3"/>
+          <p:cNvSpPr>
+            <a:spLocks noGrp="1"/>
+          </p:cNvSpPr>
+          <p:nvPr>
+            <p:ph type="sldNum" sz="quarter" idx="10"/>
+          </p:nvPr>
+        </p:nvSpPr>
+        <p:spPr/>
+        <p:txBody>
+          <a:bodyPr/>
+          <a:lstStyle/>
+          <a:p>
+            <a:fld id="{7D8C2C35-2B8A-446E-BEC0-FD36716C29AC}" type="slidenum">
+              <a:rPr lang="de-DE" smtClean="0"/>
+              <a:pPr/>
+              <a:t>12</a:t>
+            </a:fld>
+            <a:endParaRPr lang="de-DE" dirty="0"/>
+          </a:p>
+        </p:txBody>
+      </p:sp>
+    </p:spTree>
+    <p:extLst>
+      <p:ext uri="{BB962C8B-B14F-4D97-AF65-F5344CB8AC3E}">
         <p14:creationId xmlns:p14="http://schemas.microsoft.com/office/powerpoint/2010/main" val="2480745755"/>
       </p:ext>
     </p:extLst>
@@ -695,7 +1175,7 @@
 </p:notes>
 </file>
 
-<file path=ppt/notesSlides/notesSlide11.xml><?xml version="1.0" encoding="utf-8"?>
+<file path=ppt/notesSlides/notesSlide13.xml><?xml version="1.0" encoding="utf-8"?>
 <p:notes xmlns:a="http://schemas.openxmlformats.org/drawingml/2006/main" xmlns:r="http://schemas.openxmlformats.org/officeDocument/2006/relationships" xmlns:p="http://schemas.openxmlformats.org/presentationml/2006/main">
   <p:cSld>
     <p:spTree>
@@ -730,7 +1210,7 @@
             <a:fld id="{7D8C2C35-2B8A-446E-BEC0-FD36716C29AC}" type="slidenum">
               <a:rPr lang="de-DE" smtClean="0"/>
               <a:pPr/>
-              <a:t>11</a:t>
+              <a:t>13</a:t>
             </a:fld>
             <a:endParaRPr lang="de-DE" dirty="0"/>
           </a:p>
@@ -1521,6 +2001,59 @@
       </p:grpSpPr>
       <p:sp>
         <p:nvSpPr>
+          <p:cNvPr id="2" name="Slide Image Placeholder 1"/>
+          <p:cNvSpPr>
+            <a:spLocks noGrp="1" noRot="1" noChangeAspect="1"/>
+          </p:cNvSpPr>
+          <p:nvPr>
+            <p:ph type="sldImg"/>
+          </p:nvPr>
+        </p:nvSpPr>
+        <p:spPr/>
+      </p:sp>
+      <p:sp>
+        <p:nvSpPr>
+          <p:cNvPr id="3" name="Notes Placeholder 2"/>
+          <p:cNvSpPr>
+            <a:spLocks noGrp="1"/>
+          </p:cNvSpPr>
+          <p:nvPr>
+            <p:ph type="body" idx="1"/>
+          </p:nvPr>
+        </p:nvSpPr>
+        <p:spPr/>
+        <p:txBody>
+          <a:bodyPr/>
+          <a:lstStyle/>
+          <a:p>
+            <a:r>
+              <a:rPr lang="en-US" dirty="0"/>
+              <a:t>If you want to know more about the structure of any </a:t>
+            </a:r>
+            <a:r>
+              <a:rPr lang="en-US" dirty="0" err="1"/>
+              <a:t>kubernetes</a:t>
+            </a:r>
+            <a:r>
+              <a:rPr lang="en-US" dirty="0"/>
+              <a:t> resource, you can go to the official API documentation on https://kubernetes.io/docs/reference/#api-reference or use “</a:t>
+            </a:r>
+            <a:r>
+              <a:rPr lang="en-US" dirty="0" err="1"/>
+              <a:t>kubectl</a:t>
+            </a:r>
+            <a:r>
+              <a:rPr lang="en-US" dirty="0"/>
+              <a:t> explain &lt;resource&gt;” command.</a:t>
+            </a:r>
+          </a:p>
+          <a:p>
+            <a:endParaRPr lang="en-US" dirty="0"/>
+          </a:p>
+        </p:txBody>
+      </p:sp>
+      <p:sp>
+        <p:nvSpPr>
           <p:cNvPr id="4" name="Slide Number Placeholder 3"/>
           <p:cNvSpPr>
             <a:spLocks noGrp="1"/>
@@ -1543,48 +2076,10 @@
           </a:p>
         </p:txBody>
       </p:sp>
-      <p:sp>
-        <p:nvSpPr>
-          <p:cNvPr id="9" name="Slide Image Placeholder 8"/>
-          <p:cNvSpPr>
-            <a:spLocks noGrp="1" noRot="1" noChangeAspect="1"/>
-          </p:cNvSpPr>
-          <p:nvPr>
-            <p:ph type="sldImg"/>
-          </p:nvPr>
-        </p:nvSpPr>
-        <p:spPr>
-          <a:xfrm>
-            <a:off x="547688" y="612775"/>
-            <a:ext cx="5762625" cy="3241675"/>
-          </a:xfrm>
-        </p:spPr>
-      </p:sp>
-      <p:sp>
-        <p:nvSpPr>
-          <p:cNvPr id="10" name="Notes Placeholder 9"/>
-          <p:cNvSpPr>
-            <a:spLocks noGrp="1"/>
-          </p:cNvSpPr>
-          <p:nvPr>
-            <p:ph type="body" idx="1"/>
-          </p:nvPr>
-        </p:nvSpPr>
-        <p:spPr/>
-        <p:txBody>
-          <a:bodyPr>
-            <a:normAutofit/>
-          </a:bodyPr>
-          <a:lstStyle/>
-          <a:p>
-            <a:endParaRPr lang="en-US" dirty="0"/>
-          </a:p>
-        </p:txBody>
-      </p:sp>
     </p:spTree>
     <p:extLst>
       <p:ext uri="{BB962C8B-B14F-4D97-AF65-F5344CB8AC3E}">
-        <p14:creationId xmlns:p14="http://schemas.microsoft.com/office/powerpoint/2010/main" val="3968705523"/>
+        <p14:creationId xmlns:p14="http://schemas.microsoft.com/office/powerpoint/2010/main" val="1276059447"/>
       </p:ext>
     </p:extLst>
   </p:cSld>
@@ -1639,100 +2134,48 @@
           <a:lstStyle/>
           <a:p>
             <a:r>
-              <a:rPr lang="en-US" dirty="0"/>
-              <a:t>Demo: http &amp; exec</a:t>
-            </a:r>
-            <a:r>
-              <a:rPr lang="en-US" baseline="0" dirty="0"/>
-              <a:t> liveness pods (see </a:t>
-            </a:r>
-            <a:r>
-              <a:rPr lang="en-US" baseline="0" dirty="0" err="1"/>
-              <a:t>pod_exec_liveness</a:t>
-            </a:r>
-            <a:r>
-              <a:rPr lang="en-US" baseline="0" dirty="0"/>
-              <a:t> &amp; </a:t>
-            </a:r>
-            <a:r>
-              <a:rPr lang="en-US" baseline="0" dirty="0" err="1"/>
-              <a:t>pod_http_liveness</a:t>
-            </a:r>
-            <a:r>
-              <a:rPr lang="en-US" baseline="0" dirty="0"/>
-              <a:t> </a:t>
-            </a:r>
-            <a:r>
-              <a:rPr lang="en-US" baseline="0" dirty="0" err="1"/>
-              <a:t>yaml</a:t>
-            </a:r>
-            <a:r>
-              <a:rPr lang="en-US" baseline="0" dirty="0"/>
-              <a:t> files in the solutions folder)</a:t>
-            </a:r>
+              <a:rPr lang="en-US" dirty="0" err="1"/>
+              <a:t>kubectl</a:t>
+            </a:r>
+            <a:r>
+              <a:rPr lang="en-US" dirty="0"/>
+              <a:t> explain &lt;resource&gt; is the command line access to the </a:t>
+            </a:r>
+            <a:r>
+              <a:rPr lang="en-US" dirty="0" err="1"/>
+              <a:t>api</a:t>
+            </a:r>
+            <a:r>
+              <a:rPr lang="en-US" dirty="0"/>
+              <a:t> documentation. It gives the same information as the online documentation. </a:t>
+            </a:r>
+          </a:p>
+          <a:p>
             <a:endParaRPr lang="en-US" dirty="0"/>
           </a:p>
           <a:p>
             <a:r>
               <a:rPr lang="en-US" dirty="0"/>
-              <a:t>Consequence of failed probe:</a:t>
-            </a:r>
-          </a:p>
-          <a:p>
-            <a:pPr marL="285750" indent="-285750">
-              <a:buFontTx/>
-              <a:buChar char="-"/>
-            </a:pPr>
-            <a:r>
-              <a:rPr lang="en-US" dirty="0"/>
-              <a:t>liveness: kill the container and restart it depending on the restart policy.</a:t>
-            </a:r>
-          </a:p>
-          <a:p>
-            <a:pPr marL="285750" indent="-285750">
-              <a:buFontTx/>
-              <a:buChar char="-"/>
-            </a:pPr>
-            <a:r>
-              <a:rPr lang="en-US" dirty="0"/>
-              <a:t>Readiness: mark pod</a:t>
-            </a:r>
-            <a:r>
-              <a:rPr lang="en-US" baseline="0" dirty="0"/>
-              <a:t> as not ready and don’t route service traffic to it</a:t>
-            </a:r>
-            <a:endParaRPr lang="en-US" dirty="0"/>
-          </a:p>
-          <a:p>
-            <a:r>
-              <a:rPr lang="en-US" dirty="0"/>
-              <a:t>Other options</a:t>
-            </a:r>
-            <a:r>
-              <a:rPr lang="en-US" baseline="0" dirty="0"/>
-              <a:t> for probes: </a:t>
-            </a:r>
-          </a:p>
-          <a:p>
-            <a:pPr marL="285750" indent="-285750">
-              <a:buFontTx/>
-              <a:buChar char="-"/>
-            </a:pPr>
-            <a:r>
-              <a:rPr lang="en-US" baseline="0" dirty="0"/>
-              <a:t>TCP: can a connection be opened successfully?</a:t>
-            </a:r>
-          </a:p>
-          <a:p>
-            <a:pPr marL="285750" indent="-285750">
-              <a:buFontTx/>
-              <a:buChar char="-"/>
-            </a:pPr>
-            <a:r>
-              <a:rPr lang="en-US" baseline="0" dirty="0"/>
-              <a:t>EXEC: run a command and evaluate return/exit code</a:t>
-            </a:r>
-            <a:endParaRPr lang="en-US" dirty="0"/>
+              <a:t>You can get more details on specific objects or fields by appending them with .&lt;field&gt; </a:t>
+            </a:r>
+            <a:r>
+              <a:rPr lang="en-US" dirty="0">
+                <a:sym typeface="Wingdings" panose="05000000000000000000" pitchFamily="2" charset="2"/>
+              </a:rPr>
+              <a:t> e.g. </a:t>
+            </a:r>
+            <a:r>
+              <a:rPr lang="en-US" dirty="0"/>
+              <a:t>“.spec” or “.</a:t>
+            </a:r>
+            <a:r>
+              <a:rPr lang="en-US" dirty="0" err="1"/>
+              <a:t>apiVersion</a:t>
+            </a:r>
+            <a:r>
+              <a:rPr lang="en-US" dirty="0"/>
+              <a:t>” </a:t>
+            </a:r>
           </a:p>
         </p:txBody>
       </p:sp>
@@ -1763,7 +2206,7 @@
     </p:spTree>
     <p:extLst>
       <p:ext uri="{BB962C8B-B14F-4D97-AF65-F5344CB8AC3E}">
-        <p14:creationId xmlns:p14="http://schemas.microsoft.com/office/powerpoint/2010/main" val="3950672114"/>
+        <p14:creationId xmlns:p14="http://schemas.microsoft.com/office/powerpoint/2010/main" val="624260277"/>
       </p:ext>
     </p:extLst>
   </p:cSld>
@@ -1792,207 +2235,6 @@
       </p:grpSpPr>
       <p:sp>
         <p:nvSpPr>
-          <p:cNvPr id="2" name="Slide Image Placeholder 1"/>
-          <p:cNvSpPr>
-            <a:spLocks noGrp="1" noRot="1" noChangeAspect="1"/>
-          </p:cNvSpPr>
-          <p:nvPr>
-            <p:ph type="sldImg"/>
-          </p:nvPr>
-        </p:nvSpPr>
-        <p:spPr/>
-      </p:sp>
-      <p:sp>
-        <p:nvSpPr>
-          <p:cNvPr id="3" name="Notes Placeholder 2"/>
-          <p:cNvSpPr>
-            <a:spLocks noGrp="1"/>
-          </p:cNvSpPr>
-          <p:nvPr>
-            <p:ph type="body" idx="1"/>
-          </p:nvPr>
-        </p:nvSpPr>
-        <p:spPr/>
-        <p:txBody>
-          <a:bodyPr/>
-          <a:lstStyle/>
-          <a:p>
-            <a:pPr marL="342900" indent="-342900">
-              <a:buFontTx/>
-              <a:buChar char="-"/>
-            </a:pPr>
-            <a:r>
-              <a:rPr lang="en-US" dirty="0"/>
-              <a:t>Create a pod: ~/</a:t>
-            </a:r>
-            <a:r>
-              <a:rPr lang="en-US" dirty="0" err="1"/>
-              <a:t>kubernetes</a:t>
-            </a:r>
-            <a:r>
-              <a:rPr lang="en-US" dirty="0"/>
-              <a:t>/demo/02_pod_exec_liveness.yaml</a:t>
-            </a:r>
-          </a:p>
-          <a:p>
-            <a:pPr marL="522900" lvl="1" indent="-342900">
-              <a:buFontTx/>
-              <a:buChar char="-"/>
-            </a:pPr>
-            <a:r>
-              <a:rPr lang="en-US" dirty="0"/>
-              <a:t>Discuss the probe and how it should fail</a:t>
-            </a:r>
-          </a:p>
-          <a:p>
-            <a:pPr marL="522900" lvl="1" indent="-342900">
-              <a:buFontTx/>
-              <a:buChar char="-"/>
-            </a:pPr>
-            <a:r>
-              <a:rPr lang="en-US" dirty="0"/>
-              <a:t>Show how it fails &amp; get restarted</a:t>
-            </a:r>
-          </a:p>
-          <a:p>
-            <a:pPr marL="522900" lvl="1" indent="-342900">
-              <a:buFontTx/>
-              <a:buChar char="-"/>
-            </a:pPr>
-            <a:r>
-              <a:rPr lang="en-US" dirty="0"/>
-              <a:t>Point out the failure threshold</a:t>
-            </a:r>
-          </a:p>
-          <a:p>
-            <a:pPr marL="342900" indent="-342900">
-              <a:buFontTx/>
-              <a:buChar char="-"/>
-            </a:pPr>
-            <a:r>
-              <a:rPr lang="en-US" dirty="0"/>
-              <a:t>Create a 2</a:t>
-            </a:r>
-            <a:r>
-              <a:rPr lang="en-US" baseline="30000" dirty="0"/>
-              <a:t>nd</a:t>
-            </a:r>
-            <a:r>
-              <a:rPr lang="en-US" dirty="0"/>
-              <a:t> pod, this time with a web server: ~/</a:t>
-            </a:r>
-            <a:r>
-              <a:rPr lang="en-US" dirty="0" err="1"/>
-              <a:t>kubernetes</a:t>
-            </a:r>
-            <a:r>
-              <a:rPr lang="en-US" dirty="0"/>
-              <a:t>/demo/02_pod_http_liveness.yaml</a:t>
-            </a:r>
-          </a:p>
-          <a:p>
-            <a:pPr marL="522900" lvl="1" indent="-342900">
-              <a:buFontTx/>
-              <a:buChar char="-"/>
-            </a:pPr>
-            <a:r>
-              <a:rPr lang="en-US" dirty="0"/>
-              <a:t>Explain the http probe and how it should fill up the logs</a:t>
-            </a:r>
-          </a:p>
-          <a:p>
-            <a:pPr marL="522900" marR="0" lvl="1" indent="-342900" algn="l" defTabSz="1088776" rtl="0" eaLnBrk="1" fontAlgn="auto" latinLnBrk="0" hangingPunct="1">
-              <a:lnSpc>
-                <a:spcPct val="100000"/>
-              </a:lnSpc>
-              <a:spcBef>
-                <a:spcPts val="0"/>
-              </a:spcBef>
-              <a:spcAft>
-                <a:spcPts val="0"/>
-              </a:spcAft>
-              <a:buClr>
-                <a:schemeClr val="accent1"/>
-              </a:buClr>
-              <a:buSzPct val="100000"/>
-              <a:buFontTx/>
-              <a:buChar char="-"/>
-              <a:tabLst/>
-              <a:defRPr/>
-            </a:pPr>
-            <a:r>
-              <a:rPr lang="en-US" dirty="0"/>
-              <a:t>Show logs of the container (will be the access log) and discuss the effect of the liveness probe</a:t>
-            </a:r>
-          </a:p>
-          <a:p>
-            <a:pPr marL="342900" indent="-342900">
-              <a:buFontTx/>
-              <a:buChar char="-"/>
-            </a:pPr>
-            <a:r>
-              <a:rPr lang="en-US" dirty="0"/>
-              <a:t>Access </a:t>
-            </a:r>
-            <a:r>
-              <a:rPr lang="en-US" dirty="0" err="1"/>
-              <a:t>nginx</a:t>
-            </a:r>
-            <a:r>
-              <a:rPr lang="en-US" dirty="0"/>
-              <a:t>:</a:t>
-            </a:r>
-          </a:p>
-          <a:p>
-            <a:pPr marL="522864" lvl="1" indent="-342900">
-              <a:buFontTx/>
-              <a:buChar char="-"/>
-            </a:pPr>
-            <a:r>
-              <a:rPr lang="en-US" dirty="0"/>
-              <a:t>Run  </a:t>
-            </a:r>
-            <a:r>
-              <a:rPr lang="en-US" dirty="0" err="1"/>
-              <a:t>kubectl</a:t>
-            </a:r>
-            <a:r>
-              <a:rPr lang="en-US" dirty="0"/>
-              <a:t> port-forward pod/</a:t>
-            </a:r>
-            <a:r>
-              <a:rPr lang="en-US" dirty="0" err="1"/>
-              <a:t>nginx</a:t>
-            </a:r>
-            <a:r>
-              <a:rPr lang="en-US" dirty="0"/>
-              <a:t>-liveness-pod 8080:80</a:t>
-            </a:r>
-          </a:p>
-          <a:p>
-            <a:pPr marL="522864" lvl="1" indent="-342900">
-              <a:buFontTx/>
-              <a:buChar char="-"/>
-            </a:pPr>
-            <a:r>
-              <a:rPr lang="en-US" dirty="0"/>
-              <a:t>Open a browser and connect to 127.0.0.1:8080</a:t>
-            </a:r>
-          </a:p>
-          <a:p>
-            <a:pPr marL="522864" lvl="1" indent="-342900">
-              <a:buFontTx/>
-              <a:buChar char="-"/>
-            </a:pPr>
-            <a:r>
-              <a:rPr lang="en-US" dirty="0"/>
-              <a:t>Port-forward is a nice command to test access to something that you don’t want to expose (yet). However it is not recommended for any production like setup as the traffic is routed via the cluster’s API server</a:t>
-            </a:r>
-          </a:p>
-        </p:txBody>
-      </p:sp>
-      <p:sp>
-        <p:nvSpPr>
           <p:cNvPr id="4" name="Slide Number Placeholder 3"/>
           <p:cNvSpPr>
             <a:spLocks noGrp="1"/>
@@ -2015,10 +2257,48 @@
           </a:p>
         </p:txBody>
       </p:sp>
+      <p:sp>
+        <p:nvSpPr>
+          <p:cNvPr id="9" name="Slide Image Placeholder 8"/>
+          <p:cNvSpPr>
+            <a:spLocks noGrp="1" noRot="1" noChangeAspect="1"/>
+          </p:cNvSpPr>
+          <p:nvPr>
+            <p:ph type="sldImg"/>
+          </p:nvPr>
+        </p:nvSpPr>
+        <p:spPr>
+          <a:xfrm>
+            <a:off x="547688" y="612775"/>
+            <a:ext cx="5762625" cy="3241675"/>
+          </a:xfrm>
+        </p:spPr>
+      </p:sp>
+      <p:sp>
+        <p:nvSpPr>
+          <p:cNvPr id="10" name="Notes Placeholder 9"/>
+          <p:cNvSpPr>
+            <a:spLocks noGrp="1"/>
+          </p:cNvSpPr>
+          <p:nvPr>
+            <p:ph type="body" idx="1"/>
+          </p:nvPr>
+        </p:nvSpPr>
+        <p:spPr/>
+        <p:txBody>
+          <a:bodyPr>
+            <a:normAutofit/>
+          </a:bodyPr>
+          <a:lstStyle/>
+          <a:p>
+            <a:endParaRPr lang="en-US" dirty="0"/>
+          </a:p>
+        </p:txBody>
+      </p:sp>
     </p:spTree>
     <p:extLst>
       <p:ext uri="{BB962C8B-B14F-4D97-AF65-F5344CB8AC3E}">
-        <p14:creationId xmlns:p14="http://schemas.microsoft.com/office/powerpoint/2010/main" val="2327213927"/>
+        <p14:creationId xmlns:p14="http://schemas.microsoft.com/office/powerpoint/2010/main" val="3968705523"/>
       </p:ext>
     </p:extLst>
   </p:cSld>
@@ -9663,6 +9943,578 @@
 </file>
 
 <file path=ppt/slides/slide10.xml><?xml version="1.0" encoding="utf-8"?>
+<p:sld xmlns:a="http://schemas.openxmlformats.org/drawingml/2006/main" xmlns:r="http://schemas.openxmlformats.org/officeDocument/2006/relationships" xmlns:p="http://schemas.openxmlformats.org/presentationml/2006/main">
+  <p:cSld>
+    <p:spTree>
+      <p:nvGrpSpPr>
+        <p:cNvPr id="1" name=""/>
+        <p:cNvGrpSpPr/>
+        <p:nvPr/>
+      </p:nvGrpSpPr>
+      <p:grpSpPr>
+        <a:xfrm>
+          <a:off x="0" y="0"/>
+          <a:ext cx="0" cy="0"/>
+          <a:chOff x="0" y="0"/>
+          <a:chExt cx="0" cy="0"/>
+        </a:xfrm>
+      </p:grpSpPr>
+      <p:sp>
+        <p:nvSpPr>
+          <p:cNvPr id="3" name="Title 2"/>
+          <p:cNvSpPr>
+            <a:spLocks noGrp="1"/>
+          </p:cNvSpPr>
+          <p:nvPr>
+            <p:ph type="title"/>
+          </p:nvPr>
+        </p:nvSpPr>
+        <p:spPr/>
+        <p:txBody>
+          <a:bodyPr/>
+          <a:lstStyle/>
+          <a:p>
+            <a:r>
+              <a:rPr lang="en-US" dirty="0"/>
+              <a:t>Liveness &amp; Readiness Probes</a:t>
+            </a:r>
+          </a:p>
+        </p:txBody>
+      </p:sp>
+      <p:sp>
+        <p:nvSpPr>
+          <p:cNvPr id="4" name="Rectangle 3"/>
+          <p:cNvSpPr/>
+          <p:nvPr/>
+        </p:nvSpPr>
+        <p:spPr bwMode="gray">
+          <a:xfrm>
+            <a:off x="4886151" y="4398607"/>
+            <a:ext cx="2422872" cy="1775537"/>
+          </a:xfrm>
+          <a:prstGeom prst="rect">
+            <a:avLst/>
+          </a:prstGeom>
+          <a:ln>
+            <a:headEnd/>
+            <a:tailEnd/>
+          </a:ln>
+        </p:spPr>
+        <p:style>
+          <a:lnRef idx="2">
+            <a:schemeClr val="accent2">
+              <a:shade val="50000"/>
+            </a:schemeClr>
+          </a:lnRef>
+          <a:fillRef idx="1">
+            <a:schemeClr val="accent2"/>
+          </a:fillRef>
+          <a:effectRef idx="0">
+            <a:schemeClr val="accent2"/>
+          </a:effectRef>
+          <a:fontRef idx="minor">
+            <a:schemeClr val="lt1"/>
+          </a:fontRef>
+        </p:style>
+        <p:txBody>
+          <a:bodyPr lIns="90000" tIns="72000" rIns="90000" bIns="72000" rtlCol="0" anchor="ctr"/>
+          <a:lstStyle/>
+          <a:p>
+            <a:pPr marR="0" algn="ctr" defTabSz="914400" eaLnBrk="1" fontAlgn="base" latinLnBrk="0" hangingPunct="1">
+              <a:lnSpc>
+                <a:spcPct val="100000"/>
+              </a:lnSpc>
+              <a:spcBef>
+                <a:spcPct val="50000"/>
+              </a:spcBef>
+              <a:spcAft>
+                <a:spcPct val="0"/>
+              </a:spcAft>
+              <a:buClr>
+                <a:srgbClr val="F0AB00"/>
+              </a:buClr>
+              <a:buSzPct val="80000"/>
+              <a:tabLst/>
+            </a:pPr>
+            <a:r>
+              <a:rPr lang="de-DE" sz="2800" b="1" kern="0" noProof="0" dirty="0" err="1">
+                <a:ea typeface="Arial Unicode MS" pitchFamily="34" charset="-128"/>
+                <a:cs typeface="Arial Unicode MS" pitchFamily="34" charset="-128"/>
+              </a:rPr>
+              <a:t>nginx-pod</a:t>
+            </a:r>
+            <a:endParaRPr kumimoji="0" lang="de-DE" sz="2800" b="1" i="0" u="none" strike="noStrike" kern="0" cap="none" spc="0" normalizeH="0" baseline="0" noProof="0" dirty="0">
+              <a:ln>
+                <a:noFill/>
+              </a:ln>
+              <a:effectLst/>
+              <a:uLnTx/>
+              <a:uFillTx/>
+              <a:ea typeface="Arial Unicode MS" pitchFamily="34" charset="-128"/>
+              <a:cs typeface="Arial Unicode MS" pitchFamily="34" charset="-128"/>
+            </a:endParaRPr>
+          </a:p>
+        </p:txBody>
+      </p:sp>
+      <p:sp>
+        <p:nvSpPr>
+          <p:cNvPr id="5" name="Speech Bubble: Rectangle 4"/>
+          <p:cNvSpPr/>
+          <p:nvPr/>
+        </p:nvSpPr>
+        <p:spPr bwMode="gray">
+          <a:xfrm>
+            <a:off x="3867149" y="3333751"/>
+            <a:ext cx="1746423" cy="912456"/>
+          </a:xfrm>
+          <a:prstGeom prst="wedgeRectCallout">
+            <a:avLst>
+              <a:gd name="adj1" fmla="val 46475"/>
+              <a:gd name="adj2" fmla="val 98925"/>
+            </a:avLst>
+          </a:prstGeom>
+          <a:solidFill>
+            <a:schemeClr val="accent1"/>
+          </a:solidFill>
+          <a:ln w="6350" algn="ctr">
+            <a:noFill/>
+            <a:miter lim="800000"/>
+            <a:headEnd/>
+            <a:tailEnd/>
+          </a:ln>
+        </p:spPr>
+        <p:txBody>
+          <a:bodyPr lIns="90000" tIns="72000" rIns="90000" bIns="72000" rtlCol="0" anchor="ctr"/>
+          <a:lstStyle/>
+          <a:p>
+            <a:pPr marR="0" algn="ctr" defTabSz="914400" eaLnBrk="1" fontAlgn="base" latinLnBrk="0" hangingPunct="1">
+              <a:lnSpc>
+                <a:spcPct val="100000"/>
+              </a:lnSpc>
+              <a:spcBef>
+                <a:spcPct val="50000"/>
+              </a:spcBef>
+              <a:spcAft>
+                <a:spcPct val="0"/>
+              </a:spcAft>
+              <a:buClr>
+                <a:srgbClr val="F0AB00"/>
+              </a:buClr>
+              <a:buSzPct val="80000"/>
+              <a:tabLst/>
+            </a:pPr>
+            <a:r>
+              <a:rPr kumimoji="0" lang="en-US" sz="1800" b="0" i="0" u="none" strike="noStrike" kern="0" cap="none" spc="0" normalizeH="0" baseline="0" noProof="0" dirty="0">
+                <a:ln>
+                  <a:noFill/>
+                </a:ln>
+                <a:effectLst/>
+                <a:uLnTx/>
+                <a:uFillTx/>
+                <a:ea typeface="Arial Unicode MS" pitchFamily="34" charset="-128"/>
+                <a:cs typeface="Arial Unicode MS" pitchFamily="34" charset="-128"/>
+              </a:rPr>
+              <a:t>HTTP 200 ‘OK’</a:t>
+            </a:r>
+          </a:p>
+        </p:txBody>
+      </p:sp>
+      <p:sp>
+        <p:nvSpPr>
+          <p:cNvPr id="7" name="Speech Bubble: Rectangle 6"/>
+          <p:cNvSpPr/>
+          <p:nvPr/>
+        </p:nvSpPr>
+        <p:spPr bwMode="gray">
+          <a:xfrm>
+            <a:off x="6616786" y="3333751"/>
+            <a:ext cx="1746423" cy="912456"/>
+          </a:xfrm>
+          <a:prstGeom prst="wedgeRectCallout">
+            <a:avLst>
+              <a:gd name="adj1" fmla="val -48425"/>
+              <a:gd name="adj2" fmla="val 98925"/>
+            </a:avLst>
+          </a:prstGeom>
+          <a:solidFill>
+            <a:schemeClr val="accent1"/>
+          </a:solidFill>
+          <a:ln w="6350" algn="ctr">
+            <a:noFill/>
+            <a:miter lim="800000"/>
+            <a:headEnd/>
+            <a:tailEnd/>
+          </a:ln>
+        </p:spPr>
+        <p:txBody>
+          <a:bodyPr lIns="90000" tIns="72000" rIns="90000" bIns="72000" rtlCol="0" anchor="ctr"/>
+          <a:lstStyle/>
+          <a:p>
+            <a:pPr marR="0" algn="ctr" defTabSz="914400" eaLnBrk="1" fontAlgn="base" latinLnBrk="0" hangingPunct="1">
+              <a:lnSpc>
+                <a:spcPct val="100000"/>
+              </a:lnSpc>
+              <a:spcBef>
+                <a:spcPct val="50000"/>
+              </a:spcBef>
+              <a:spcAft>
+                <a:spcPct val="0"/>
+              </a:spcAft>
+              <a:buClr>
+                <a:srgbClr val="F0AB00"/>
+              </a:buClr>
+              <a:buSzPct val="80000"/>
+              <a:tabLst/>
+            </a:pPr>
+            <a:r>
+              <a:rPr lang="en-US" sz="1800" kern="0" dirty="0">
+                <a:ea typeface="Arial Unicode MS" pitchFamily="34" charset="-128"/>
+                <a:cs typeface="Arial Unicode MS" pitchFamily="34" charset="-128"/>
+              </a:rPr>
+              <a:t>i</a:t>
+            </a:r>
+            <a:r>
+              <a:rPr kumimoji="0" lang="en-US" sz="1800" b="0" i="0" u="none" strike="noStrike" kern="0" cap="none" spc="0" normalizeH="0" baseline="0" noProof="0" dirty="0">
+                <a:ln>
+                  <a:noFill/>
+                </a:ln>
+                <a:effectLst/>
+                <a:uLnTx/>
+                <a:uFillTx/>
+                <a:ea typeface="Arial Unicode MS" pitchFamily="34" charset="-128"/>
+                <a:cs typeface="Arial Unicode MS" pitchFamily="34" charset="-128"/>
+              </a:rPr>
+              <a:t>ndex.html</a:t>
+            </a:r>
+          </a:p>
+        </p:txBody>
+      </p:sp>
+      <p:sp>
+        <p:nvSpPr>
+          <p:cNvPr id="8" name="Rectangle 7"/>
+          <p:cNvSpPr/>
+          <p:nvPr/>
+        </p:nvSpPr>
+        <p:spPr bwMode="gray">
+          <a:xfrm>
+            <a:off x="739647" y="1215772"/>
+            <a:ext cx="3127502" cy="1775537"/>
+          </a:xfrm>
+          <a:prstGeom prst="rect">
+            <a:avLst/>
+          </a:prstGeom>
+          <a:ln>
+            <a:headEnd/>
+            <a:tailEnd/>
+          </a:ln>
+        </p:spPr>
+        <p:style>
+          <a:lnRef idx="2">
+            <a:schemeClr val="accent2">
+              <a:shade val="50000"/>
+            </a:schemeClr>
+          </a:lnRef>
+          <a:fillRef idx="1">
+            <a:schemeClr val="accent2"/>
+          </a:fillRef>
+          <a:effectRef idx="0">
+            <a:schemeClr val="accent2"/>
+          </a:effectRef>
+          <a:fontRef idx="minor">
+            <a:schemeClr val="lt1"/>
+          </a:fontRef>
+        </p:style>
+        <p:txBody>
+          <a:bodyPr lIns="90000" tIns="72000" rIns="90000" bIns="72000" rtlCol="0" anchor="ctr"/>
+          <a:lstStyle/>
+          <a:p>
+            <a:pPr marR="0" algn="ctr" defTabSz="914400" eaLnBrk="1" fontAlgn="base" latinLnBrk="0" hangingPunct="1">
+              <a:lnSpc>
+                <a:spcPct val="100000"/>
+              </a:lnSpc>
+              <a:spcBef>
+                <a:spcPct val="50000"/>
+              </a:spcBef>
+              <a:spcAft>
+                <a:spcPct val="0"/>
+              </a:spcAft>
+              <a:buClr>
+                <a:srgbClr val="F0AB00"/>
+              </a:buClr>
+              <a:buSzPct val="80000"/>
+              <a:tabLst/>
+            </a:pPr>
+            <a:r>
+              <a:rPr lang="en-US" sz="2800" b="1" kern="0" dirty="0">
+                <a:ea typeface="Arial Unicode MS" pitchFamily="34" charset="-128"/>
+                <a:cs typeface="Arial Unicode MS" pitchFamily="34" charset="-128"/>
+              </a:rPr>
+              <a:t>Respond with HTTP 200, if you are alive!</a:t>
+            </a:r>
+            <a:endParaRPr kumimoji="0" lang="en-US" sz="2800" b="1" i="0" u="none" strike="noStrike" kern="0" cap="none" spc="0" normalizeH="0" baseline="0" dirty="0">
+              <a:ln>
+                <a:noFill/>
+              </a:ln>
+              <a:effectLst/>
+              <a:uLnTx/>
+              <a:uFillTx/>
+              <a:ea typeface="Arial Unicode MS" pitchFamily="34" charset="-128"/>
+              <a:cs typeface="Arial Unicode MS" pitchFamily="34" charset="-128"/>
+            </a:endParaRPr>
+          </a:p>
+        </p:txBody>
+      </p:sp>
+      <p:sp>
+        <p:nvSpPr>
+          <p:cNvPr id="9" name="Rectangle 8"/>
+          <p:cNvSpPr/>
+          <p:nvPr/>
+        </p:nvSpPr>
+        <p:spPr bwMode="gray">
+          <a:xfrm>
+            <a:off x="8363209" y="1215771"/>
+            <a:ext cx="3127502" cy="1775537"/>
+          </a:xfrm>
+          <a:prstGeom prst="rect">
+            <a:avLst/>
+          </a:prstGeom>
+          <a:ln>
+            <a:headEnd/>
+            <a:tailEnd/>
+          </a:ln>
+        </p:spPr>
+        <p:style>
+          <a:lnRef idx="2">
+            <a:schemeClr val="accent2">
+              <a:shade val="50000"/>
+            </a:schemeClr>
+          </a:lnRef>
+          <a:fillRef idx="1">
+            <a:schemeClr val="accent2"/>
+          </a:fillRef>
+          <a:effectRef idx="0">
+            <a:schemeClr val="accent2"/>
+          </a:effectRef>
+          <a:fontRef idx="minor">
+            <a:schemeClr val="lt1"/>
+          </a:fontRef>
+        </p:style>
+        <p:txBody>
+          <a:bodyPr lIns="90000" tIns="72000" rIns="90000" bIns="72000" rtlCol="0" anchor="ctr"/>
+          <a:lstStyle/>
+          <a:p>
+            <a:pPr marR="0" algn="ctr" defTabSz="914400" eaLnBrk="1" fontAlgn="base" latinLnBrk="0" hangingPunct="1">
+              <a:lnSpc>
+                <a:spcPct val="100000"/>
+              </a:lnSpc>
+              <a:spcBef>
+                <a:spcPct val="50000"/>
+              </a:spcBef>
+              <a:spcAft>
+                <a:spcPct val="0"/>
+              </a:spcAft>
+              <a:buClr>
+                <a:srgbClr val="F0AB00"/>
+              </a:buClr>
+              <a:buSzPct val="80000"/>
+              <a:tabLst/>
+            </a:pPr>
+            <a:r>
+              <a:rPr lang="en-US" sz="2800" b="1" kern="0" dirty="0">
+                <a:ea typeface="Arial Unicode MS" pitchFamily="34" charset="-128"/>
+                <a:cs typeface="Arial Unicode MS" pitchFamily="34" charset="-128"/>
+              </a:rPr>
+              <a:t>Send back the index.html, if you are ready!</a:t>
+            </a:r>
+            <a:endParaRPr kumimoji="0" lang="en-US" sz="2800" b="1" i="0" u="none" strike="noStrike" kern="0" cap="none" spc="0" normalizeH="0" baseline="0" dirty="0">
+              <a:ln>
+                <a:noFill/>
+              </a:ln>
+              <a:effectLst/>
+              <a:uLnTx/>
+              <a:uFillTx/>
+              <a:ea typeface="Arial Unicode MS" pitchFamily="34" charset="-128"/>
+              <a:cs typeface="Arial Unicode MS" pitchFamily="34" charset="-128"/>
+            </a:endParaRPr>
+          </a:p>
+        </p:txBody>
+      </p:sp>
+      <p:cxnSp>
+        <p:nvCxnSpPr>
+          <p:cNvPr id="14" name="Connector: Elbow 13"/>
+          <p:cNvCxnSpPr>
+            <a:stCxn id="8" idx="2"/>
+            <a:endCxn id="4" idx="1"/>
+          </p:cNvCxnSpPr>
+          <p:nvPr/>
+        </p:nvCxnSpPr>
+        <p:spPr>
+          <a:xfrm rot="16200000" flipH="1">
+            <a:off x="2447241" y="2847465"/>
+            <a:ext cx="2295067" cy="2582753"/>
+          </a:xfrm>
+          <a:prstGeom prst="bentConnector2">
+            <a:avLst/>
+          </a:prstGeom>
+          <a:ln w="76200">
+            <a:solidFill>
+              <a:schemeClr val="tx2"/>
+            </a:solidFill>
+            <a:headEnd type="none" w="med" len="med"/>
+            <a:tailEnd type="triangle"/>
+          </a:ln>
+        </p:spPr>
+        <p:style>
+          <a:lnRef idx="1">
+            <a:schemeClr val="accent1"/>
+          </a:lnRef>
+          <a:fillRef idx="0">
+            <a:schemeClr val="accent1"/>
+          </a:fillRef>
+          <a:effectRef idx="0">
+            <a:schemeClr val="accent1"/>
+          </a:effectRef>
+          <a:fontRef idx="minor">
+            <a:schemeClr val="tx1"/>
+          </a:fontRef>
+        </p:style>
+      </p:cxnSp>
+      <p:cxnSp>
+        <p:nvCxnSpPr>
+          <p:cNvPr id="16" name="Connector: Elbow 15"/>
+          <p:cNvCxnSpPr>
+            <a:stCxn id="9" idx="2"/>
+            <a:endCxn id="4" idx="3"/>
+          </p:cNvCxnSpPr>
+          <p:nvPr/>
+        </p:nvCxnSpPr>
+        <p:spPr>
+          <a:xfrm rot="5400000">
+            <a:off x="7470458" y="2829874"/>
+            <a:ext cx="2295068" cy="2617937"/>
+          </a:xfrm>
+          <a:prstGeom prst="bentConnector2">
+            <a:avLst/>
+          </a:prstGeom>
+          <a:ln w="76200">
+            <a:solidFill>
+              <a:schemeClr val="tx2"/>
+            </a:solidFill>
+            <a:headEnd type="none" w="med" len="med"/>
+            <a:tailEnd type="triangle"/>
+          </a:ln>
+        </p:spPr>
+        <p:style>
+          <a:lnRef idx="1">
+            <a:schemeClr val="accent1"/>
+          </a:lnRef>
+          <a:fillRef idx="0">
+            <a:schemeClr val="accent1"/>
+          </a:fillRef>
+          <a:effectRef idx="0">
+            <a:schemeClr val="accent1"/>
+          </a:effectRef>
+          <a:fontRef idx="minor">
+            <a:schemeClr val="tx1"/>
+          </a:fontRef>
+        </p:style>
+      </p:cxnSp>
+    </p:spTree>
+    <p:extLst>
+      <p:ext uri="{BB962C8B-B14F-4D97-AF65-F5344CB8AC3E}">
+        <p14:creationId xmlns:p14="http://schemas.microsoft.com/office/powerpoint/2010/main" val="3826080233"/>
+      </p:ext>
+    </p:extLst>
+  </p:cSld>
+  <p:clrMapOvr>
+    <a:masterClrMapping/>
+  </p:clrMapOvr>
+</p:sld>
+</file>
+
+<file path=ppt/slides/slide11.xml><?xml version="1.0" encoding="utf-8"?>
+<p:sld xmlns:a="http://schemas.openxmlformats.org/drawingml/2006/main" xmlns:r="http://schemas.openxmlformats.org/officeDocument/2006/relationships" xmlns:p="http://schemas.openxmlformats.org/presentationml/2006/main">
+  <p:cSld>
+    <p:spTree>
+      <p:nvGrpSpPr>
+        <p:cNvPr id="1" name=""/>
+        <p:cNvGrpSpPr/>
+        <p:nvPr/>
+      </p:nvGrpSpPr>
+      <p:grpSpPr>
+        <a:xfrm>
+          <a:off x="0" y="0"/>
+          <a:ext cx="0" cy="0"/>
+          <a:chOff x="0" y="0"/>
+          <a:chExt cx="0" cy="0"/>
+        </a:xfrm>
+      </p:grpSpPr>
+      <p:sp>
+        <p:nvSpPr>
+          <p:cNvPr id="3" name="Title 2"/>
+          <p:cNvSpPr>
+            <a:spLocks noGrp="1"/>
+          </p:cNvSpPr>
+          <p:nvPr>
+            <p:ph type="title"/>
+          </p:nvPr>
+        </p:nvSpPr>
+        <p:spPr/>
+        <p:txBody>
+          <a:bodyPr/>
+          <a:lstStyle/>
+          <a:p>
+            <a:r>
+              <a:rPr lang="en-US" dirty="0"/>
+              <a:t>Demo</a:t>
+            </a:r>
+          </a:p>
+        </p:txBody>
+      </p:sp>
+      <p:pic>
+        <p:nvPicPr>
+          <p:cNvPr id="4" name="Picture 3">
+            <a:extLst>
+              <a:ext uri="{FF2B5EF4-FFF2-40B4-BE49-F238E27FC236}">
+                <a16:creationId xmlns:a16="http://schemas.microsoft.com/office/drawing/2014/main" id="{667C7630-D1BA-44ED-BD0C-E0F24DE56B91}"/>
+              </a:ext>
+            </a:extLst>
+          </p:cNvPr>
+          <p:cNvPicPr>
+            <a:picLocks noChangeAspect="1"/>
+          </p:cNvPicPr>
+          <p:nvPr/>
+        </p:nvPicPr>
+        <p:blipFill>
+          <a:blip r:embed="rId3"/>
+          <a:stretch>
+            <a:fillRect/>
+          </a:stretch>
+        </p:blipFill>
+        <p:spPr>
+          <a:xfrm>
+            <a:off x="3849419" y="1181180"/>
+            <a:ext cx="4495640" cy="4495640"/>
+          </a:xfrm>
+          <a:prstGeom prst="rect">
+            <a:avLst/>
+          </a:prstGeom>
+        </p:spPr>
+      </p:pic>
+    </p:spTree>
+    <p:extLst>
+      <p:ext uri="{BB962C8B-B14F-4D97-AF65-F5344CB8AC3E}">
+        <p14:creationId xmlns:p14="http://schemas.microsoft.com/office/powerpoint/2010/main" val="2631106931"/>
+      </p:ext>
+    </p:extLst>
+  </p:cSld>
+  <p:clrMapOvr>
+    <a:masterClrMapping/>
+  </p:clrMapOvr>
+</p:sld>
+</file>
+
+<file path=ppt/slides/slide12.xml><?xml version="1.0" encoding="utf-8"?>
 <p:sld xmlns:a="http://schemas.openxmlformats.org/drawingml/2006/main" xmlns:r="http://schemas.openxmlformats.org/officeDocument/2006/relationships" xmlns:p="http://schemas.openxmlformats.org/presentationml/2006/main">
   <p:cSld>
     <p:spTree>
@@ -10520,7 +11372,7 @@
 </p:sld>
 </file>
 
-<file path=ppt/slides/slide11.xml><?xml version="1.0" encoding="utf-8"?>
+<file path=ppt/slides/slide13.xml><?xml version="1.0" encoding="utf-8"?>
 <p:sld xmlns:a="http://schemas.openxmlformats.org/drawingml/2006/main" xmlns:r="http://schemas.openxmlformats.org/officeDocument/2006/relationships" xmlns:p="http://schemas.openxmlformats.org/presentationml/2006/main" show="0">
   <p:cSld>
     <p:spTree>
@@ -14387,6 +15239,627 @@
           <a:chExt cx="0" cy="0"/>
         </a:xfrm>
       </p:grpSpPr>
+      <p:sp>
+        <p:nvSpPr>
+          <p:cNvPr id="3" name="Title 2">
+            <a:extLst>
+              <a:ext uri="{FF2B5EF4-FFF2-40B4-BE49-F238E27FC236}">
+                <a16:creationId xmlns:a16="http://schemas.microsoft.com/office/drawing/2014/main" id="{2F5E5200-1EBB-48AC-9E3E-540D7D300B31}"/>
+              </a:ext>
+            </a:extLst>
+          </p:cNvPr>
+          <p:cNvSpPr>
+            <a:spLocks noGrp="1"/>
+          </p:cNvSpPr>
+          <p:nvPr>
+            <p:ph type="title"/>
+          </p:nvPr>
+        </p:nvSpPr>
+        <p:spPr/>
+        <p:txBody>
+          <a:bodyPr/>
+          <a:lstStyle/>
+          <a:p>
+            <a:r>
+              <a:rPr lang="en-US" dirty="0"/>
+              <a:t>API documentation – Pod structure</a:t>
+            </a:r>
+          </a:p>
+        </p:txBody>
+      </p:sp>
+      <p:sp>
+        <p:nvSpPr>
+          <p:cNvPr id="4" name="Rectangle 3">
+            <a:extLst>
+              <a:ext uri="{FF2B5EF4-FFF2-40B4-BE49-F238E27FC236}">
+                <a16:creationId xmlns:a16="http://schemas.microsoft.com/office/drawing/2014/main" id="{DCB60DFE-A47A-423D-B9E3-AF96A86F71E7}"/>
+              </a:ext>
+            </a:extLst>
+          </p:cNvPr>
+          <p:cNvSpPr/>
+          <p:nvPr/>
+        </p:nvSpPr>
+        <p:spPr>
+          <a:xfrm>
+            <a:off x="504001" y="1240262"/>
+            <a:ext cx="6014786" cy="400110"/>
+          </a:xfrm>
+          <a:prstGeom prst="rect">
+            <a:avLst/>
+          </a:prstGeom>
+        </p:spPr>
+        <p:txBody>
+          <a:bodyPr wrap="square">
+            <a:spAutoFit/>
+          </a:bodyPr>
+          <a:lstStyle/>
+          <a:p>
+            <a:r>
+              <a:rPr lang="en-US" sz="2000" dirty="0">
+                <a:hlinkClick r:id="rId3"/>
+              </a:rPr>
+              <a:t>https://kubernetes.io/docs/reference/#api-reference</a:t>
+            </a:r>
+            <a:endParaRPr lang="en-US" sz="2000" dirty="0"/>
+          </a:p>
+        </p:txBody>
+      </p:sp>
+      <p:pic>
+        <p:nvPicPr>
+          <p:cNvPr id="5" name="Picture 4">
+            <a:extLst>
+              <a:ext uri="{FF2B5EF4-FFF2-40B4-BE49-F238E27FC236}">
+                <a16:creationId xmlns:a16="http://schemas.microsoft.com/office/drawing/2014/main" id="{0DA3CA79-31C1-456A-8B01-BF80B3DD19A4}"/>
+              </a:ext>
+            </a:extLst>
+          </p:cNvPr>
+          <p:cNvPicPr>
+            <a:picLocks noChangeAspect="1"/>
+          </p:cNvPicPr>
+          <p:nvPr/>
+        </p:nvPicPr>
+        <p:blipFill>
+          <a:blip r:embed="rId4"/>
+          <a:stretch>
+            <a:fillRect/>
+          </a:stretch>
+        </p:blipFill>
+        <p:spPr>
+          <a:xfrm>
+            <a:off x="504001" y="1823734"/>
+            <a:ext cx="8708825" cy="4632354"/>
+          </a:xfrm>
+          <a:prstGeom prst="rect">
+            <a:avLst/>
+          </a:prstGeom>
+        </p:spPr>
+      </p:pic>
+    </p:spTree>
+    <p:extLst>
+      <p:ext uri="{BB962C8B-B14F-4D97-AF65-F5344CB8AC3E}">
+        <p14:creationId xmlns:p14="http://schemas.microsoft.com/office/powerpoint/2010/main" val="2822595700"/>
+      </p:ext>
+    </p:extLst>
+  </p:cSld>
+  <p:clrMapOvr>
+    <a:masterClrMapping/>
+  </p:clrMapOvr>
+</p:sld>
+</file>
+
+<file path=ppt/slides/slide8.xml><?xml version="1.0" encoding="utf-8"?>
+<p:sld xmlns:a="http://schemas.openxmlformats.org/drawingml/2006/main" xmlns:r="http://schemas.openxmlformats.org/officeDocument/2006/relationships" xmlns:p="http://schemas.openxmlformats.org/presentationml/2006/main">
+  <p:cSld>
+    <p:spTree>
+      <p:nvGrpSpPr>
+        <p:cNvPr id="1" name=""/>
+        <p:cNvGrpSpPr/>
+        <p:nvPr/>
+      </p:nvGrpSpPr>
+      <p:grpSpPr>
+        <a:xfrm>
+          <a:off x="0" y="0"/>
+          <a:ext cx="0" cy="0"/>
+          <a:chOff x="0" y="0"/>
+          <a:chExt cx="0" cy="0"/>
+        </a:xfrm>
+      </p:grpSpPr>
+      <p:sp>
+        <p:nvSpPr>
+          <p:cNvPr id="3" name="Title 2">
+            <a:extLst>
+              <a:ext uri="{FF2B5EF4-FFF2-40B4-BE49-F238E27FC236}">
+                <a16:creationId xmlns:a16="http://schemas.microsoft.com/office/drawing/2014/main" id="{80F2C493-42F3-4142-80BB-153E7286291F}"/>
+              </a:ext>
+            </a:extLst>
+          </p:cNvPr>
+          <p:cNvSpPr>
+            <a:spLocks noGrp="1"/>
+          </p:cNvSpPr>
+          <p:nvPr>
+            <p:ph type="title"/>
+          </p:nvPr>
+        </p:nvSpPr>
+        <p:spPr/>
+        <p:txBody>
+          <a:bodyPr/>
+          <a:lstStyle/>
+          <a:p>
+            <a:r>
+              <a:rPr lang="en-US" dirty="0" err="1"/>
+              <a:t>kubectl</a:t>
+            </a:r>
+            <a:r>
+              <a:rPr lang="en-US" dirty="0"/>
+              <a:t> explain pod</a:t>
+            </a:r>
+          </a:p>
+        </p:txBody>
+      </p:sp>
+      <p:sp>
+        <p:nvSpPr>
+          <p:cNvPr id="7" name="Rectangle 6">
+            <a:extLst>
+              <a:ext uri="{FF2B5EF4-FFF2-40B4-BE49-F238E27FC236}">
+                <a16:creationId xmlns:a16="http://schemas.microsoft.com/office/drawing/2014/main" id="{0337A0A3-E55E-4366-89D8-55CF7D014A21}"/>
+              </a:ext>
+            </a:extLst>
+          </p:cNvPr>
+          <p:cNvSpPr/>
+          <p:nvPr/>
+        </p:nvSpPr>
+        <p:spPr>
+          <a:xfrm>
+            <a:off x="504001" y="998984"/>
+            <a:ext cx="10675276" cy="5509200"/>
+          </a:xfrm>
+          <a:prstGeom prst="rect">
+            <a:avLst/>
+          </a:prstGeom>
+        </p:spPr>
+        <p:txBody>
+          <a:bodyPr wrap="square">
+            <a:spAutoFit/>
+          </a:bodyPr>
+          <a:lstStyle/>
+          <a:p>
+            <a:r>
+              <a:rPr lang="en-US" sz="1200" b="1" dirty="0">
+                <a:latin typeface="Courier New" panose="02070309020205020404" pitchFamily="49" charset="0"/>
+                <a:cs typeface="Courier New" panose="02070309020205020404" pitchFamily="49" charset="0"/>
+              </a:rPr>
+              <a:t>$: </a:t>
+            </a:r>
+            <a:r>
+              <a:rPr lang="en-US" sz="1200" b="1" dirty="0" err="1">
+                <a:latin typeface="Courier New" panose="02070309020205020404" pitchFamily="49" charset="0"/>
+                <a:cs typeface="Courier New" panose="02070309020205020404" pitchFamily="49" charset="0"/>
+              </a:rPr>
+              <a:t>kubectl</a:t>
+            </a:r>
+            <a:r>
+              <a:rPr lang="en-US" sz="1200" b="1" dirty="0">
+                <a:latin typeface="Courier New" panose="02070309020205020404" pitchFamily="49" charset="0"/>
+                <a:cs typeface="Courier New" panose="02070309020205020404" pitchFamily="49" charset="0"/>
+              </a:rPr>
+              <a:t> explain pods</a:t>
+            </a:r>
+          </a:p>
+          <a:p>
+            <a:r>
+              <a:rPr lang="en-US" sz="1100" b="1" dirty="0">
+                <a:latin typeface="Courier New" panose="02070309020205020404" pitchFamily="49" charset="0"/>
+                <a:cs typeface="Courier New" panose="02070309020205020404" pitchFamily="49" charset="0"/>
+              </a:rPr>
+              <a:t>KIND</a:t>
+            </a:r>
+            <a:r>
+              <a:rPr lang="en-US" sz="1100" dirty="0">
+                <a:latin typeface="Courier New" panose="02070309020205020404" pitchFamily="49" charset="0"/>
+                <a:cs typeface="Courier New" panose="02070309020205020404" pitchFamily="49" charset="0"/>
+              </a:rPr>
+              <a:t>:	Pod</a:t>
+            </a:r>
+          </a:p>
+          <a:p>
+            <a:r>
+              <a:rPr lang="en-US" sz="1100" b="1" dirty="0">
+                <a:latin typeface="Courier New" panose="02070309020205020404" pitchFamily="49" charset="0"/>
+                <a:cs typeface="Courier New" panose="02070309020205020404" pitchFamily="49" charset="0"/>
+              </a:rPr>
+              <a:t>VERSION</a:t>
+            </a:r>
+            <a:r>
+              <a:rPr lang="en-US" sz="1100" dirty="0">
+                <a:latin typeface="Courier New" panose="02070309020205020404" pitchFamily="49" charset="0"/>
+                <a:cs typeface="Courier New" panose="02070309020205020404" pitchFamily="49" charset="0"/>
+              </a:rPr>
+              <a:t>: 	v1</a:t>
+            </a:r>
+          </a:p>
+          <a:p>
+            <a:r>
+              <a:rPr lang="en-US" sz="1100" b="1" dirty="0">
+                <a:latin typeface="Courier New" panose="02070309020205020404" pitchFamily="49" charset="0"/>
+                <a:cs typeface="Courier New" panose="02070309020205020404" pitchFamily="49" charset="0"/>
+              </a:rPr>
+              <a:t>DESCRIPTION</a:t>
+            </a:r>
+            <a:r>
+              <a:rPr lang="en-US" sz="1100" dirty="0">
+                <a:latin typeface="Courier New" panose="02070309020205020404" pitchFamily="49" charset="0"/>
+                <a:cs typeface="Courier New" panose="02070309020205020404" pitchFamily="49" charset="0"/>
+              </a:rPr>
+              <a:t>:</a:t>
+            </a:r>
+          </a:p>
+          <a:p>
+            <a:r>
+              <a:rPr lang="en-US" sz="1100" dirty="0">
+                <a:latin typeface="Courier New" panose="02070309020205020404" pitchFamily="49" charset="0"/>
+                <a:cs typeface="Courier New" panose="02070309020205020404" pitchFamily="49" charset="0"/>
+              </a:rPr>
+              <a:t>     Pod is a collection of containers that can run on a host. This resource is</a:t>
+            </a:r>
+          </a:p>
+          <a:p>
+            <a:r>
+              <a:rPr lang="en-US" sz="1100" dirty="0">
+                <a:latin typeface="Courier New" panose="02070309020205020404" pitchFamily="49" charset="0"/>
+                <a:cs typeface="Courier New" panose="02070309020205020404" pitchFamily="49" charset="0"/>
+              </a:rPr>
+              <a:t>     created by clients and scheduled onto hosts.</a:t>
+            </a:r>
+          </a:p>
+          <a:p>
+            <a:endParaRPr lang="en-US" sz="1100" dirty="0">
+              <a:latin typeface="Courier New" panose="02070309020205020404" pitchFamily="49" charset="0"/>
+              <a:cs typeface="Courier New" panose="02070309020205020404" pitchFamily="49" charset="0"/>
+            </a:endParaRPr>
+          </a:p>
+          <a:p>
+            <a:r>
+              <a:rPr lang="en-US" sz="1100" b="1" dirty="0">
+                <a:latin typeface="Courier New" panose="02070309020205020404" pitchFamily="49" charset="0"/>
+                <a:cs typeface="Courier New" panose="02070309020205020404" pitchFamily="49" charset="0"/>
+              </a:rPr>
+              <a:t>FIELDS</a:t>
+            </a:r>
+            <a:r>
+              <a:rPr lang="en-US" sz="1100" dirty="0">
+                <a:latin typeface="Courier New" panose="02070309020205020404" pitchFamily="49" charset="0"/>
+                <a:cs typeface="Courier New" panose="02070309020205020404" pitchFamily="49" charset="0"/>
+              </a:rPr>
+              <a:t>:</a:t>
+            </a:r>
+          </a:p>
+          <a:p>
+            <a:r>
+              <a:rPr lang="en-US" sz="1100" dirty="0">
+                <a:latin typeface="Courier New" panose="02070309020205020404" pitchFamily="49" charset="0"/>
+                <a:cs typeface="Courier New" panose="02070309020205020404" pitchFamily="49" charset="0"/>
+              </a:rPr>
+              <a:t>   </a:t>
+            </a:r>
+            <a:r>
+              <a:rPr lang="en-US" sz="1100" b="1" dirty="0" err="1">
+                <a:latin typeface="Courier New" panose="02070309020205020404" pitchFamily="49" charset="0"/>
+                <a:cs typeface="Courier New" panose="02070309020205020404" pitchFamily="49" charset="0"/>
+              </a:rPr>
+              <a:t>apiVersion</a:t>
+            </a:r>
+            <a:r>
+              <a:rPr lang="en-US" sz="1100" b="1" dirty="0">
+                <a:latin typeface="Courier New" panose="02070309020205020404" pitchFamily="49" charset="0"/>
+                <a:cs typeface="Courier New" panose="02070309020205020404" pitchFamily="49" charset="0"/>
+              </a:rPr>
+              <a:t> </a:t>
+            </a:r>
+            <a:r>
+              <a:rPr lang="en-US" sz="1100" dirty="0">
+                <a:latin typeface="Courier New" panose="02070309020205020404" pitchFamily="49" charset="0"/>
+                <a:cs typeface="Courier New" panose="02070309020205020404" pitchFamily="49" charset="0"/>
+              </a:rPr>
+              <a:t>&lt;string&gt;</a:t>
+            </a:r>
+          </a:p>
+          <a:p>
+            <a:r>
+              <a:rPr lang="en-US" sz="1100" dirty="0">
+                <a:latin typeface="Courier New" panose="02070309020205020404" pitchFamily="49" charset="0"/>
+                <a:cs typeface="Courier New" panose="02070309020205020404" pitchFamily="49" charset="0"/>
+              </a:rPr>
+              <a:t>     </a:t>
+            </a:r>
+            <a:r>
+              <a:rPr lang="en-US" sz="1100" dirty="0" err="1">
+                <a:latin typeface="Courier New" panose="02070309020205020404" pitchFamily="49" charset="0"/>
+                <a:cs typeface="Courier New" panose="02070309020205020404" pitchFamily="49" charset="0"/>
+              </a:rPr>
+              <a:t>APIVersion</a:t>
+            </a:r>
+            <a:r>
+              <a:rPr lang="en-US" sz="1100" dirty="0">
+                <a:latin typeface="Courier New" panose="02070309020205020404" pitchFamily="49" charset="0"/>
+                <a:cs typeface="Courier New" panose="02070309020205020404" pitchFamily="49" charset="0"/>
+              </a:rPr>
+              <a:t> defines the versioned schema of this representation of an</a:t>
+            </a:r>
+          </a:p>
+          <a:p>
+            <a:r>
+              <a:rPr lang="en-US" sz="1100" dirty="0">
+                <a:latin typeface="Courier New" panose="02070309020205020404" pitchFamily="49" charset="0"/>
+                <a:cs typeface="Courier New" panose="02070309020205020404" pitchFamily="49" charset="0"/>
+              </a:rPr>
+              <a:t>     object. Servers should convert recognized schemas to the latest internal</a:t>
+            </a:r>
+          </a:p>
+          <a:p>
+            <a:r>
+              <a:rPr lang="en-US" sz="1100" dirty="0">
+                <a:latin typeface="Courier New" panose="02070309020205020404" pitchFamily="49" charset="0"/>
+                <a:cs typeface="Courier New" panose="02070309020205020404" pitchFamily="49" charset="0"/>
+              </a:rPr>
+              <a:t>     value, and may reject unrecognized values. More info:</a:t>
+            </a:r>
+          </a:p>
+          <a:p>
+            <a:r>
+              <a:rPr lang="en-US" sz="1100" dirty="0">
+                <a:latin typeface="Courier New" panose="02070309020205020404" pitchFamily="49" charset="0"/>
+                <a:cs typeface="Courier New" panose="02070309020205020404" pitchFamily="49" charset="0"/>
+              </a:rPr>
+              <a:t>     https://git.k8s.io/community/contributors/devel/api-conventions.md#resources</a:t>
+            </a:r>
+          </a:p>
+          <a:p>
+            <a:endParaRPr lang="en-US" sz="1100" dirty="0">
+              <a:latin typeface="Courier New" panose="02070309020205020404" pitchFamily="49" charset="0"/>
+              <a:cs typeface="Courier New" panose="02070309020205020404" pitchFamily="49" charset="0"/>
+            </a:endParaRPr>
+          </a:p>
+          <a:p>
+            <a:r>
+              <a:rPr lang="en-US" sz="1100" dirty="0">
+                <a:latin typeface="Courier New" panose="02070309020205020404" pitchFamily="49" charset="0"/>
+                <a:cs typeface="Courier New" panose="02070309020205020404" pitchFamily="49" charset="0"/>
+              </a:rPr>
+              <a:t>   </a:t>
+            </a:r>
+            <a:r>
+              <a:rPr lang="en-US" sz="1100" b="1" dirty="0">
+                <a:latin typeface="Courier New" panose="02070309020205020404" pitchFamily="49" charset="0"/>
+                <a:cs typeface="Courier New" panose="02070309020205020404" pitchFamily="49" charset="0"/>
+              </a:rPr>
+              <a:t>kind	</a:t>
+            </a:r>
+            <a:r>
+              <a:rPr lang="en-US" sz="1100" dirty="0">
+                <a:latin typeface="Courier New" panose="02070309020205020404" pitchFamily="49" charset="0"/>
+                <a:cs typeface="Courier New" panose="02070309020205020404" pitchFamily="49" charset="0"/>
+              </a:rPr>
+              <a:t>&lt;string&gt;</a:t>
+            </a:r>
+          </a:p>
+          <a:p>
+            <a:r>
+              <a:rPr lang="en-US" sz="1100" dirty="0">
+                <a:latin typeface="Courier New" panose="02070309020205020404" pitchFamily="49" charset="0"/>
+                <a:cs typeface="Courier New" panose="02070309020205020404" pitchFamily="49" charset="0"/>
+              </a:rPr>
+              <a:t>     Kind is a string value representing the REST resource this object</a:t>
+            </a:r>
+          </a:p>
+          <a:p>
+            <a:r>
+              <a:rPr lang="en-US" sz="1100" dirty="0">
+                <a:latin typeface="Courier New" panose="02070309020205020404" pitchFamily="49" charset="0"/>
+                <a:cs typeface="Courier New" panose="02070309020205020404" pitchFamily="49" charset="0"/>
+              </a:rPr>
+              <a:t>     represents. Servers may infer this from the endpoint the client submits</a:t>
+            </a:r>
+          </a:p>
+          <a:p>
+            <a:r>
+              <a:rPr lang="en-US" sz="1100" dirty="0">
+                <a:latin typeface="Courier New" panose="02070309020205020404" pitchFamily="49" charset="0"/>
+                <a:cs typeface="Courier New" panose="02070309020205020404" pitchFamily="49" charset="0"/>
+              </a:rPr>
+              <a:t>     requests to. Cannot be updated. In CamelCase. More info:</a:t>
+            </a:r>
+          </a:p>
+          <a:p>
+            <a:r>
+              <a:rPr lang="en-US" sz="1100" dirty="0">
+                <a:latin typeface="Courier New" panose="02070309020205020404" pitchFamily="49" charset="0"/>
+                <a:cs typeface="Courier New" panose="02070309020205020404" pitchFamily="49" charset="0"/>
+              </a:rPr>
+              <a:t>     https://git.k8s.io/community/contributors/devel/api-conventions.md#types-kinds</a:t>
+            </a:r>
+          </a:p>
+          <a:p>
+            <a:endParaRPr lang="en-US" sz="1100" dirty="0">
+              <a:latin typeface="Courier New" panose="02070309020205020404" pitchFamily="49" charset="0"/>
+              <a:cs typeface="Courier New" panose="02070309020205020404" pitchFamily="49" charset="0"/>
+            </a:endParaRPr>
+          </a:p>
+          <a:p>
+            <a:r>
+              <a:rPr lang="en-US" sz="1100" dirty="0">
+                <a:latin typeface="Courier New" panose="02070309020205020404" pitchFamily="49" charset="0"/>
+                <a:cs typeface="Courier New" panose="02070309020205020404" pitchFamily="49" charset="0"/>
+              </a:rPr>
+              <a:t>   </a:t>
+            </a:r>
+            <a:r>
+              <a:rPr lang="en-US" sz="1100" b="1" dirty="0">
+                <a:latin typeface="Courier New" panose="02070309020205020404" pitchFamily="49" charset="0"/>
+                <a:cs typeface="Courier New" panose="02070309020205020404" pitchFamily="49" charset="0"/>
+              </a:rPr>
+              <a:t>metadata	</a:t>
+            </a:r>
+            <a:r>
+              <a:rPr lang="en-US" sz="1100" dirty="0">
+                <a:latin typeface="Courier New" panose="02070309020205020404" pitchFamily="49" charset="0"/>
+                <a:cs typeface="Courier New" panose="02070309020205020404" pitchFamily="49" charset="0"/>
+              </a:rPr>
+              <a:t>&lt;Object&gt;</a:t>
+            </a:r>
+          </a:p>
+          <a:p>
+            <a:r>
+              <a:rPr lang="en-US" sz="1100" dirty="0">
+                <a:latin typeface="Courier New" panose="02070309020205020404" pitchFamily="49" charset="0"/>
+                <a:cs typeface="Courier New" panose="02070309020205020404" pitchFamily="49" charset="0"/>
+              </a:rPr>
+              <a:t>     Standard object's metadata. More info:</a:t>
+            </a:r>
+          </a:p>
+          <a:p>
+            <a:r>
+              <a:rPr lang="en-US" sz="1100" dirty="0">
+                <a:latin typeface="Courier New" panose="02070309020205020404" pitchFamily="49" charset="0"/>
+                <a:cs typeface="Courier New" panose="02070309020205020404" pitchFamily="49" charset="0"/>
+              </a:rPr>
+              <a:t>     https://git.k8s.io/community/contributors/devel/api-conventions.md#metadata</a:t>
+            </a:r>
+          </a:p>
+          <a:p>
+            <a:endParaRPr lang="en-US" sz="1100" dirty="0">
+              <a:latin typeface="Courier New" panose="02070309020205020404" pitchFamily="49" charset="0"/>
+              <a:cs typeface="Courier New" panose="02070309020205020404" pitchFamily="49" charset="0"/>
+            </a:endParaRPr>
+          </a:p>
+          <a:p>
+            <a:r>
+              <a:rPr lang="en-US" sz="1100" dirty="0">
+                <a:latin typeface="Courier New" panose="02070309020205020404" pitchFamily="49" charset="0"/>
+                <a:cs typeface="Courier New" panose="02070309020205020404" pitchFamily="49" charset="0"/>
+              </a:rPr>
+              <a:t>   </a:t>
+            </a:r>
+            <a:r>
+              <a:rPr lang="en-US" sz="1100" b="1" dirty="0">
+                <a:latin typeface="Courier New" panose="02070309020205020404" pitchFamily="49" charset="0"/>
+                <a:cs typeface="Courier New" panose="02070309020205020404" pitchFamily="49" charset="0"/>
+              </a:rPr>
+              <a:t>spec	</a:t>
+            </a:r>
+            <a:r>
+              <a:rPr lang="en-US" sz="1100" dirty="0">
+                <a:latin typeface="Courier New" panose="02070309020205020404" pitchFamily="49" charset="0"/>
+                <a:cs typeface="Courier New" panose="02070309020205020404" pitchFamily="49" charset="0"/>
+              </a:rPr>
+              <a:t>&lt;Object&gt;</a:t>
+            </a:r>
+          </a:p>
+          <a:p>
+            <a:r>
+              <a:rPr lang="en-US" sz="1100" dirty="0">
+                <a:latin typeface="Courier New" panose="02070309020205020404" pitchFamily="49" charset="0"/>
+                <a:cs typeface="Courier New" panose="02070309020205020404" pitchFamily="49" charset="0"/>
+              </a:rPr>
+              <a:t>     Specification of the desired behavior of the pod. More info:</a:t>
+            </a:r>
+          </a:p>
+          <a:p>
+            <a:r>
+              <a:rPr lang="en-US" sz="1100" dirty="0">
+                <a:latin typeface="Courier New" panose="02070309020205020404" pitchFamily="49" charset="0"/>
+                <a:cs typeface="Courier New" panose="02070309020205020404" pitchFamily="49" charset="0"/>
+              </a:rPr>
+              <a:t>     https://git.k8s.io/community/contributors/devel/api-conventions.md#spec-and-status</a:t>
+            </a:r>
+          </a:p>
+          <a:p>
+            <a:endParaRPr lang="en-US" sz="1100" dirty="0">
+              <a:latin typeface="Courier New" panose="02070309020205020404" pitchFamily="49" charset="0"/>
+              <a:cs typeface="Courier New" panose="02070309020205020404" pitchFamily="49" charset="0"/>
+            </a:endParaRPr>
+          </a:p>
+          <a:p>
+            <a:r>
+              <a:rPr lang="en-US" sz="1100" dirty="0">
+                <a:latin typeface="Courier New" panose="02070309020205020404" pitchFamily="49" charset="0"/>
+                <a:cs typeface="Courier New" panose="02070309020205020404" pitchFamily="49" charset="0"/>
+              </a:rPr>
+              <a:t>   </a:t>
+            </a:r>
+            <a:r>
+              <a:rPr lang="en-US" sz="1100" b="1" dirty="0">
+                <a:latin typeface="Courier New" panose="02070309020205020404" pitchFamily="49" charset="0"/>
+                <a:cs typeface="Courier New" panose="02070309020205020404" pitchFamily="49" charset="0"/>
+              </a:rPr>
+              <a:t>status	</a:t>
+            </a:r>
+            <a:r>
+              <a:rPr lang="en-US" sz="1100" dirty="0">
+                <a:latin typeface="Courier New" panose="02070309020205020404" pitchFamily="49" charset="0"/>
+                <a:cs typeface="Courier New" panose="02070309020205020404" pitchFamily="49" charset="0"/>
+              </a:rPr>
+              <a:t>&lt;Object&gt;</a:t>
+            </a:r>
+          </a:p>
+          <a:p>
+            <a:r>
+              <a:rPr lang="en-US" sz="1100" dirty="0">
+                <a:latin typeface="Courier New" panose="02070309020205020404" pitchFamily="49" charset="0"/>
+                <a:cs typeface="Courier New" panose="02070309020205020404" pitchFamily="49" charset="0"/>
+              </a:rPr>
+              <a:t>     Most recently observed status of the pod. This data may not be up to date.</a:t>
+            </a:r>
+          </a:p>
+          <a:p>
+            <a:r>
+              <a:rPr lang="en-US" sz="1100" dirty="0">
+                <a:latin typeface="Courier New" panose="02070309020205020404" pitchFamily="49" charset="0"/>
+                <a:cs typeface="Courier New" panose="02070309020205020404" pitchFamily="49" charset="0"/>
+              </a:rPr>
+              <a:t>     Populated by the system. Read-only. More info:</a:t>
+            </a:r>
+          </a:p>
+          <a:p>
+            <a:r>
+              <a:rPr lang="en-US" sz="1100" dirty="0">
+                <a:latin typeface="Courier New" panose="02070309020205020404" pitchFamily="49" charset="0"/>
+                <a:cs typeface="Courier New" panose="02070309020205020404" pitchFamily="49" charset="0"/>
+              </a:rPr>
+              <a:t>     https://git.k8s.io/community/contributors/devel/api-conventions.md#spec-and-status</a:t>
+            </a:r>
+          </a:p>
+        </p:txBody>
+      </p:sp>
+    </p:spTree>
+    <p:extLst>
+      <p:ext uri="{BB962C8B-B14F-4D97-AF65-F5344CB8AC3E}">
+        <p14:creationId xmlns:p14="http://schemas.microsoft.com/office/powerpoint/2010/main" val="3531034441"/>
+      </p:ext>
+    </p:extLst>
+  </p:cSld>
+  <p:clrMapOvr>
+    <a:masterClrMapping/>
+  </p:clrMapOvr>
+</p:sld>
+</file>
+
+<file path=ppt/slides/slide9.xml><?xml version="1.0" encoding="utf-8"?>
+<p:sld xmlns:a="http://schemas.openxmlformats.org/drawingml/2006/main" xmlns:r="http://schemas.openxmlformats.org/officeDocument/2006/relationships" xmlns:p="http://schemas.openxmlformats.org/presentationml/2006/main">
+  <p:cSld>
+    <p:spTree>
+      <p:nvGrpSpPr>
+        <p:cNvPr id="1" name=""/>
+        <p:cNvGrpSpPr/>
+        <p:nvPr/>
+      </p:nvGrpSpPr>
+      <p:grpSpPr>
+        <a:xfrm>
+          <a:off x="0" y="0"/>
+          <a:ext cx="0" cy="0"/>
+          <a:chOff x="0" y="0"/>
+          <a:chExt cx="0" cy="0"/>
+        </a:xfrm>
+      </p:grpSpPr>
       <p:pic>
         <p:nvPicPr>
           <p:cNvPr id="3" name="Picture 2"/>
@@ -14793,578 +16266,6 @@
     <p:extLst>
       <p:ext uri="{BB962C8B-B14F-4D97-AF65-F5344CB8AC3E}">
         <p14:creationId xmlns:p14="http://schemas.microsoft.com/office/powerpoint/2010/main" val="2266641752"/>
-      </p:ext>
-    </p:extLst>
-  </p:cSld>
-  <p:clrMapOvr>
-    <a:masterClrMapping/>
-  </p:clrMapOvr>
-</p:sld>
-</file>
-
-<file path=ppt/slides/slide8.xml><?xml version="1.0" encoding="utf-8"?>
-<p:sld xmlns:a="http://schemas.openxmlformats.org/drawingml/2006/main" xmlns:r="http://schemas.openxmlformats.org/officeDocument/2006/relationships" xmlns:p="http://schemas.openxmlformats.org/presentationml/2006/main">
-  <p:cSld>
-    <p:spTree>
-      <p:nvGrpSpPr>
-        <p:cNvPr id="1" name=""/>
-        <p:cNvGrpSpPr/>
-        <p:nvPr/>
-      </p:nvGrpSpPr>
-      <p:grpSpPr>
-        <a:xfrm>
-          <a:off x="0" y="0"/>
-          <a:ext cx="0" cy="0"/>
-          <a:chOff x="0" y="0"/>
-          <a:chExt cx="0" cy="0"/>
-        </a:xfrm>
-      </p:grpSpPr>
-      <p:sp>
-        <p:nvSpPr>
-          <p:cNvPr id="3" name="Title 2"/>
-          <p:cNvSpPr>
-            <a:spLocks noGrp="1"/>
-          </p:cNvSpPr>
-          <p:nvPr>
-            <p:ph type="title"/>
-          </p:nvPr>
-        </p:nvSpPr>
-        <p:spPr/>
-        <p:txBody>
-          <a:bodyPr/>
-          <a:lstStyle/>
-          <a:p>
-            <a:r>
-              <a:rPr lang="en-US" dirty="0"/>
-              <a:t>Liveness &amp; Readiness Probes</a:t>
-            </a:r>
-          </a:p>
-        </p:txBody>
-      </p:sp>
-      <p:sp>
-        <p:nvSpPr>
-          <p:cNvPr id="4" name="Rectangle 3"/>
-          <p:cNvSpPr/>
-          <p:nvPr/>
-        </p:nvSpPr>
-        <p:spPr bwMode="gray">
-          <a:xfrm>
-            <a:off x="4886151" y="4398607"/>
-            <a:ext cx="2422872" cy="1775537"/>
-          </a:xfrm>
-          <a:prstGeom prst="rect">
-            <a:avLst/>
-          </a:prstGeom>
-          <a:ln>
-            <a:headEnd/>
-            <a:tailEnd/>
-          </a:ln>
-        </p:spPr>
-        <p:style>
-          <a:lnRef idx="2">
-            <a:schemeClr val="accent2">
-              <a:shade val="50000"/>
-            </a:schemeClr>
-          </a:lnRef>
-          <a:fillRef idx="1">
-            <a:schemeClr val="accent2"/>
-          </a:fillRef>
-          <a:effectRef idx="0">
-            <a:schemeClr val="accent2"/>
-          </a:effectRef>
-          <a:fontRef idx="minor">
-            <a:schemeClr val="lt1"/>
-          </a:fontRef>
-        </p:style>
-        <p:txBody>
-          <a:bodyPr lIns="90000" tIns="72000" rIns="90000" bIns="72000" rtlCol="0" anchor="ctr"/>
-          <a:lstStyle/>
-          <a:p>
-            <a:pPr marR="0" algn="ctr" defTabSz="914400" eaLnBrk="1" fontAlgn="base" latinLnBrk="0" hangingPunct="1">
-              <a:lnSpc>
-                <a:spcPct val="100000"/>
-              </a:lnSpc>
-              <a:spcBef>
-                <a:spcPct val="50000"/>
-              </a:spcBef>
-              <a:spcAft>
-                <a:spcPct val="0"/>
-              </a:spcAft>
-              <a:buClr>
-                <a:srgbClr val="F0AB00"/>
-              </a:buClr>
-              <a:buSzPct val="80000"/>
-              <a:tabLst/>
-            </a:pPr>
-            <a:r>
-              <a:rPr lang="de-DE" sz="2800" b="1" kern="0" noProof="0" dirty="0" err="1">
-                <a:ea typeface="Arial Unicode MS" pitchFamily="34" charset="-128"/>
-                <a:cs typeface="Arial Unicode MS" pitchFamily="34" charset="-128"/>
-              </a:rPr>
-              <a:t>nginx-pod</a:t>
-            </a:r>
-            <a:endParaRPr kumimoji="0" lang="de-DE" sz="2800" b="1" i="0" u="none" strike="noStrike" kern="0" cap="none" spc="0" normalizeH="0" baseline="0" noProof="0" dirty="0">
-              <a:ln>
-                <a:noFill/>
-              </a:ln>
-              <a:effectLst/>
-              <a:uLnTx/>
-              <a:uFillTx/>
-              <a:ea typeface="Arial Unicode MS" pitchFamily="34" charset="-128"/>
-              <a:cs typeface="Arial Unicode MS" pitchFamily="34" charset="-128"/>
-            </a:endParaRPr>
-          </a:p>
-        </p:txBody>
-      </p:sp>
-      <p:sp>
-        <p:nvSpPr>
-          <p:cNvPr id="5" name="Speech Bubble: Rectangle 4"/>
-          <p:cNvSpPr/>
-          <p:nvPr/>
-        </p:nvSpPr>
-        <p:spPr bwMode="gray">
-          <a:xfrm>
-            <a:off x="3867149" y="3333751"/>
-            <a:ext cx="1746423" cy="912456"/>
-          </a:xfrm>
-          <a:prstGeom prst="wedgeRectCallout">
-            <a:avLst>
-              <a:gd name="adj1" fmla="val 46475"/>
-              <a:gd name="adj2" fmla="val 98925"/>
-            </a:avLst>
-          </a:prstGeom>
-          <a:solidFill>
-            <a:schemeClr val="accent1"/>
-          </a:solidFill>
-          <a:ln w="6350" algn="ctr">
-            <a:noFill/>
-            <a:miter lim="800000"/>
-            <a:headEnd/>
-            <a:tailEnd/>
-          </a:ln>
-        </p:spPr>
-        <p:txBody>
-          <a:bodyPr lIns="90000" tIns="72000" rIns="90000" bIns="72000" rtlCol="0" anchor="ctr"/>
-          <a:lstStyle/>
-          <a:p>
-            <a:pPr marR="0" algn="ctr" defTabSz="914400" eaLnBrk="1" fontAlgn="base" latinLnBrk="0" hangingPunct="1">
-              <a:lnSpc>
-                <a:spcPct val="100000"/>
-              </a:lnSpc>
-              <a:spcBef>
-                <a:spcPct val="50000"/>
-              </a:spcBef>
-              <a:spcAft>
-                <a:spcPct val="0"/>
-              </a:spcAft>
-              <a:buClr>
-                <a:srgbClr val="F0AB00"/>
-              </a:buClr>
-              <a:buSzPct val="80000"/>
-              <a:tabLst/>
-            </a:pPr>
-            <a:r>
-              <a:rPr kumimoji="0" lang="en-US" sz="1800" b="0" i="0" u="none" strike="noStrike" kern="0" cap="none" spc="0" normalizeH="0" baseline="0" noProof="0" dirty="0">
-                <a:ln>
-                  <a:noFill/>
-                </a:ln>
-                <a:effectLst/>
-                <a:uLnTx/>
-                <a:uFillTx/>
-                <a:ea typeface="Arial Unicode MS" pitchFamily="34" charset="-128"/>
-                <a:cs typeface="Arial Unicode MS" pitchFamily="34" charset="-128"/>
-              </a:rPr>
-              <a:t>HTTP 200 ‘OK’</a:t>
-            </a:r>
-          </a:p>
-        </p:txBody>
-      </p:sp>
-      <p:sp>
-        <p:nvSpPr>
-          <p:cNvPr id="7" name="Speech Bubble: Rectangle 6"/>
-          <p:cNvSpPr/>
-          <p:nvPr/>
-        </p:nvSpPr>
-        <p:spPr bwMode="gray">
-          <a:xfrm>
-            <a:off x="6616786" y="3333751"/>
-            <a:ext cx="1746423" cy="912456"/>
-          </a:xfrm>
-          <a:prstGeom prst="wedgeRectCallout">
-            <a:avLst>
-              <a:gd name="adj1" fmla="val -48425"/>
-              <a:gd name="adj2" fmla="val 98925"/>
-            </a:avLst>
-          </a:prstGeom>
-          <a:solidFill>
-            <a:schemeClr val="accent1"/>
-          </a:solidFill>
-          <a:ln w="6350" algn="ctr">
-            <a:noFill/>
-            <a:miter lim="800000"/>
-            <a:headEnd/>
-            <a:tailEnd/>
-          </a:ln>
-        </p:spPr>
-        <p:txBody>
-          <a:bodyPr lIns="90000" tIns="72000" rIns="90000" bIns="72000" rtlCol="0" anchor="ctr"/>
-          <a:lstStyle/>
-          <a:p>
-            <a:pPr marR="0" algn="ctr" defTabSz="914400" eaLnBrk="1" fontAlgn="base" latinLnBrk="0" hangingPunct="1">
-              <a:lnSpc>
-                <a:spcPct val="100000"/>
-              </a:lnSpc>
-              <a:spcBef>
-                <a:spcPct val="50000"/>
-              </a:spcBef>
-              <a:spcAft>
-                <a:spcPct val="0"/>
-              </a:spcAft>
-              <a:buClr>
-                <a:srgbClr val="F0AB00"/>
-              </a:buClr>
-              <a:buSzPct val="80000"/>
-              <a:tabLst/>
-            </a:pPr>
-            <a:r>
-              <a:rPr lang="en-US" sz="1800" kern="0" dirty="0">
-                <a:ea typeface="Arial Unicode MS" pitchFamily="34" charset="-128"/>
-                <a:cs typeface="Arial Unicode MS" pitchFamily="34" charset="-128"/>
-              </a:rPr>
-              <a:t>i</a:t>
-            </a:r>
-            <a:r>
-              <a:rPr kumimoji="0" lang="en-US" sz="1800" b="0" i="0" u="none" strike="noStrike" kern="0" cap="none" spc="0" normalizeH="0" baseline="0" noProof="0" dirty="0">
-                <a:ln>
-                  <a:noFill/>
-                </a:ln>
-                <a:effectLst/>
-                <a:uLnTx/>
-                <a:uFillTx/>
-                <a:ea typeface="Arial Unicode MS" pitchFamily="34" charset="-128"/>
-                <a:cs typeface="Arial Unicode MS" pitchFamily="34" charset="-128"/>
-              </a:rPr>
-              <a:t>ndex.html</a:t>
-            </a:r>
-          </a:p>
-        </p:txBody>
-      </p:sp>
-      <p:sp>
-        <p:nvSpPr>
-          <p:cNvPr id="8" name="Rectangle 7"/>
-          <p:cNvSpPr/>
-          <p:nvPr/>
-        </p:nvSpPr>
-        <p:spPr bwMode="gray">
-          <a:xfrm>
-            <a:off x="739647" y="1215772"/>
-            <a:ext cx="3127502" cy="1775537"/>
-          </a:xfrm>
-          <a:prstGeom prst="rect">
-            <a:avLst/>
-          </a:prstGeom>
-          <a:ln>
-            <a:headEnd/>
-            <a:tailEnd/>
-          </a:ln>
-        </p:spPr>
-        <p:style>
-          <a:lnRef idx="2">
-            <a:schemeClr val="accent2">
-              <a:shade val="50000"/>
-            </a:schemeClr>
-          </a:lnRef>
-          <a:fillRef idx="1">
-            <a:schemeClr val="accent2"/>
-          </a:fillRef>
-          <a:effectRef idx="0">
-            <a:schemeClr val="accent2"/>
-          </a:effectRef>
-          <a:fontRef idx="minor">
-            <a:schemeClr val="lt1"/>
-          </a:fontRef>
-        </p:style>
-        <p:txBody>
-          <a:bodyPr lIns="90000" tIns="72000" rIns="90000" bIns="72000" rtlCol="0" anchor="ctr"/>
-          <a:lstStyle/>
-          <a:p>
-            <a:pPr marR="0" algn="ctr" defTabSz="914400" eaLnBrk="1" fontAlgn="base" latinLnBrk="0" hangingPunct="1">
-              <a:lnSpc>
-                <a:spcPct val="100000"/>
-              </a:lnSpc>
-              <a:spcBef>
-                <a:spcPct val="50000"/>
-              </a:spcBef>
-              <a:spcAft>
-                <a:spcPct val="0"/>
-              </a:spcAft>
-              <a:buClr>
-                <a:srgbClr val="F0AB00"/>
-              </a:buClr>
-              <a:buSzPct val="80000"/>
-              <a:tabLst/>
-            </a:pPr>
-            <a:r>
-              <a:rPr lang="en-US" sz="2800" b="1" kern="0" dirty="0">
-                <a:ea typeface="Arial Unicode MS" pitchFamily="34" charset="-128"/>
-                <a:cs typeface="Arial Unicode MS" pitchFamily="34" charset="-128"/>
-              </a:rPr>
-              <a:t>Respond with HTTP 200, if you are alive!</a:t>
-            </a:r>
-            <a:endParaRPr kumimoji="0" lang="en-US" sz="2800" b="1" i="0" u="none" strike="noStrike" kern="0" cap="none" spc="0" normalizeH="0" baseline="0" dirty="0">
-              <a:ln>
-                <a:noFill/>
-              </a:ln>
-              <a:effectLst/>
-              <a:uLnTx/>
-              <a:uFillTx/>
-              <a:ea typeface="Arial Unicode MS" pitchFamily="34" charset="-128"/>
-              <a:cs typeface="Arial Unicode MS" pitchFamily="34" charset="-128"/>
-            </a:endParaRPr>
-          </a:p>
-        </p:txBody>
-      </p:sp>
-      <p:sp>
-        <p:nvSpPr>
-          <p:cNvPr id="9" name="Rectangle 8"/>
-          <p:cNvSpPr/>
-          <p:nvPr/>
-        </p:nvSpPr>
-        <p:spPr bwMode="gray">
-          <a:xfrm>
-            <a:off x="8363209" y="1215771"/>
-            <a:ext cx="3127502" cy="1775537"/>
-          </a:xfrm>
-          <a:prstGeom prst="rect">
-            <a:avLst/>
-          </a:prstGeom>
-          <a:ln>
-            <a:headEnd/>
-            <a:tailEnd/>
-          </a:ln>
-        </p:spPr>
-        <p:style>
-          <a:lnRef idx="2">
-            <a:schemeClr val="accent2">
-              <a:shade val="50000"/>
-            </a:schemeClr>
-          </a:lnRef>
-          <a:fillRef idx="1">
-            <a:schemeClr val="accent2"/>
-          </a:fillRef>
-          <a:effectRef idx="0">
-            <a:schemeClr val="accent2"/>
-          </a:effectRef>
-          <a:fontRef idx="minor">
-            <a:schemeClr val="lt1"/>
-          </a:fontRef>
-        </p:style>
-        <p:txBody>
-          <a:bodyPr lIns="90000" tIns="72000" rIns="90000" bIns="72000" rtlCol="0" anchor="ctr"/>
-          <a:lstStyle/>
-          <a:p>
-            <a:pPr marR="0" algn="ctr" defTabSz="914400" eaLnBrk="1" fontAlgn="base" latinLnBrk="0" hangingPunct="1">
-              <a:lnSpc>
-                <a:spcPct val="100000"/>
-              </a:lnSpc>
-              <a:spcBef>
-                <a:spcPct val="50000"/>
-              </a:spcBef>
-              <a:spcAft>
-                <a:spcPct val="0"/>
-              </a:spcAft>
-              <a:buClr>
-                <a:srgbClr val="F0AB00"/>
-              </a:buClr>
-              <a:buSzPct val="80000"/>
-              <a:tabLst/>
-            </a:pPr>
-            <a:r>
-              <a:rPr lang="en-US" sz="2800" b="1" kern="0" dirty="0">
-                <a:ea typeface="Arial Unicode MS" pitchFamily="34" charset="-128"/>
-                <a:cs typeface="Arial Unicode MS" pitchFamily="34" charset="-128"/>
-              </a:rPr>
-              <a:t>Send back the index.html, if you are ready!</a:t>
-            </a:r>
-            <a:endParaRPr kumimoji="0" lang="en-US" sz="2800" b="1" i="0" u="none" strike="noStrike" kern="0" cap="none" spc="0" normalizeH="0" baseline="0" dirty="0">
-              <a:ln>
-                <a:noFill/>
-              </a:ln>
-              <a:effectLst/>
-              <a:uLnTx/>
-              <a:uFillTx/>
-              <a:ea typeface="Arial Unicode MS" pitchFamily="34" charset="-128"/>
-              <a:cs typeface="Arial Unicode MS" pitchFamily="34" charset="-128"/>
-            </a:endParaRPr>
-          </a:p>
-        </p:txBody>
-      </p:sp>
-      <p:cxnSp>
-        <p:nvCxnSpPr>
-          <p:cNvPr id="14" name="Connector: Elbow 13"/>
-          <p:cNvCxnSpPr>
-            <a:stCxn id="8" idx="2"/>
-            <a:endCxn id="4" idx="1"/>
-          </p:cNvCxnSpPr>
-          <p:nvPr/>
-        </p:nvCxnSpPr>
-        <p:spPr>
-          <a:xfrm rot="16200000" flipH="1">
-            <a:off x="2447241" y="2847465"/>
-            <a:ext cx="2295067" cy="2582753"/>
-          </a:xfrm>
-          <a:prstGeom prst="bentConnector2">
-            <a:avLst/>
-          </a:prstGeom>
-          <a:ln w="76200">
-            <a:solidFill>
-              <a:schemeClr val="tx2"/>
-            </a:solidFill>
-            <a:headEnd type="none" w="med" len="med"/>
-            <a:tailEnd type="triangle"/>
-          </a:ln>
-        </p:spPr>
-        <p:style>
-          <a:lnRef idx="1">
-            <a:schemeClr val="accent1"/>
-          </a:lnRef>
-          <a:fillRef idx="0">
-            <a:schemeClr val="accent1"/>
-          </a:fillRef>
-          <a:effectRef idx="0">
-            <a:schemeClr val="accent1"/>
-          </a:effectRef>
-          <a:fontRef idx="minor">
-            <a:schemeClr val="tx1"/>
-          </a:fontRef>
-        </p:style>
-      </p:cxnSp>
-      <p:cxnSp>
-        <p:nvCxnSpPr>
-          <p:cNvPr id="16" name="Connector: Elbow 15"/>
-          <p:cNvCxnSpPr>
-            <a:stCxn id="9" idx="2"/>
-            <a:endCxn id="4" idx="3"/>
-          </p:cNvCxnSpPr>
-          <p:nvPr/>
-        </p:nvCxnSpPr>
-        <p:spPr>
-          <a:xfrm rot="5400000">
-            <a:off x="7470458" y="2829874"/>
-            <a:ext cx="2295068" cy="2617937"/>
-          </a:xfrm>
-          <a:prstGeom prst="bentConnector2">
-            <a:avLst/>
-          </a:prstGeom>
-          <a:ln w="76200">
-            <a:solidFill>
-              <a:schemeClr val="tx2"/>
-            </a:solidFill>
-            <a:headEnd type="none" w="med" len="med"/>
-            <a:tailEnd type="triangle"/>
-          </a:ln>
-        </p:spPr>
-        <p:style>
-          <a:lnRef idx="1">
-            <a:schemeClr val="accent1"/>
-          </a:lnRef>
-          <a:fillRef idx="0">
-            <a:schemeClr val="accent1"/>
-          </a:fillRef>
-          <a:effectRef idx="0">
-            <a:schemeClr val="accent1"/>
-          </a:effectRef>
-          <a:fontRef idx="minor">
-            <a:schemeClr val="tx1"/>
-          </a:fontRef>
-        </p:style>
-      </p:cxnSp>
-    </p:spTree>
-    <p:extLst>
-      <p:ext uri="{BB962C8B-B14F-4D97-AF65-F5344CB8AC3E}">
-        <p14:creationId xmlns:p14="http://schemas.microsoft.com/office/powerpoint/2010/main" val="3826080233"/>
-      </p:ext>
-    </p:extLst>
-  </p:cSld>
-  <p:clrMapOvr>
-    <a:masterClrMapping/>
-  </p:clrMapOvr>
-</p:sld>
-</file>
-
-<file path=ppt/slides/slide9.xml><?xml version="1.0" encoding="utf-8"?>
-<p:sld xmlns:a="http://schemas.openxmlformats.org/drawingml/2006/main" xmlns:r="http://schemas.openxmlformats.org/officeDocument/2006/relationships" xmlns:p="http://schemas.openxmlformats.org/presentationml/2006/main">
-  <p:cSld>
-    <p:spTree>
-      <p:nvGrpSpPr>
-        <p:cNvPr id="1" name=""/>
-        <p:cNvGrpSpPr/>
-        <p:nvPr/>
-      </p:nvGrpSpPr>
-      <p:grpSpPr>
-        <a:xfrm>
-          <a:off x="0" y="0"/>
-          <a:ext cx="0" cy="0"/>
-          <a:chOff x="0" y="0"/>
-          <a:chExt cx="0" cy="0"/>
-        </a:xfrm>
-      </p:grpSpPr>
-      <p:sp>
-        <p:nvSpPr>
-          <p:cNvPr id="3" name="Title 2"/>
-          <p:cNvSpPr>
-            <a:spLocks noGrp="1"/>
-          </p:cNvSpPr>
-          <p:nvPr>
-            <p:ph type="title"/>
-          </p:nvPr>
-        </p:nvSpPr>
-        <p:spPr/>
-        <p:txBody>
-          <a:bodyPr/>
-          <a:lstStyle/>
-          <a:p>
-            <a:r>
-              <a:rPr lang="en-US" dirty="0"/>
-              <a:t>Demo</a:t>
-            </a:r>
-          </a:p>
-        </p:txBody>
-      </p:sp>
-      <p:pic>
-        <p:nvPicPr>
-          <p:cNvPr id="4" name="Picture 3">
-            <a:extLst>
-              <a:ext uri="{FF2B5EF4-FFF2-40B4-BE49-F238E27FC236}">
-                <a16:creationId xmlns:a16="http://schemas.microsoft.com/office/drawing/2014/main" id="{667C7630-D1BA-44ED-BD0C-E0F24DE56B91}"/>
-              </a:ext>
-            </a:extLst>
-          </p:cNvPr>
-          <p:cNvPicPr>
-            <a:picLocks noChangeAspect="1"/>
-          </p:cNvPicPr>
-          <p:nvPr/>
-        </p:nvPicPr>
-        <p:blipFill>
-          <a:blip r:embed="rId3"/>
-          <a:stretch>
-            <a:fillRect/>
-          </a:stretch>
-        </p:blipFill>
-        <p:spPr>
-          <a:xfrm>
-            <a:off x="3849419" y="1181180"/>
-            <a:ext cx="4495640" cy="4495640"/>
-          </a:xfrm>
-          <a:prstGeom prst="rect">
-            <a:avLst/>
-          </a:prstGeom>
-        </p:spPr>
-      </p:pic>
-    </p:spTree>
-    <p:extLst>
-      <p:ext uri="{BB962C8B-B14F-4D97-AF65-F5344CB8AC3E}">
-        <p14:creationId xmlns:p14="http://schemas.microsoft.com/office/powerpoint/2010/main" val="2631106931"/>
       </p:ext>
     </p:extLst>
   </p:cSld>

--- a/kubernetes/02_pods.pptx
+++ b/kubernetes/02_pods.pptx
@@ -5,10 +5,10 @@
     <p:sldMasterId id="2147483733" r:id="rId1"/>
   </p:sldMasterIdLst>
   <p:notesMasterIdLst>
-    <p:notesMasterId r:id="rId15"/>
+    <p:notesMasterId r:id="rId16"/>
   </p:notesMasterIdLst>
   <p:handoutMasterIdLst>
-    <p:handoutMasterId r:id="rId16"/>
+    <p:handoutMasterId r:id="rId17"/>
   </p:handoutMasterIdLst>
   <p:sldIdLst>
     <p:sldId id="433" r:id="rId2"/>
@@ -16,14 +16,15 @@
     <p:sldId id="437" r:id="rId4"/>
     <p:sldId id="441" r:id="rId5"/>
     <p:sldId id="447" r:id="rId6"/>
-    <p:sldId id="445" r:id="rId7"/>
-    <p:sldId id="450" r:id="rId8"/>
-    <p:sldId id="451" r:id="rId9"/>
-    <p:sldId id="438" r:id="rId10"/>
-    <p:sldId id="446" r:id="rId11"/>
-    <p:sldId id="443" r:id="rId12"/>
-    <p:sldId id="444" r:id="rId13"/>
-    <p:sldId id="265" r:id="rId14"/>
+    <p:sldId id="452" r:id="rId7"/>
+    <p:sldId id="445" r:id="rId8"/>
+    <p:sldId id="450" r:id="rId9"/>
+    <p:sldId id="451" r:id="rId10"/>
+    <p:sldId id="438" r:id="rId11"/>
+    <p:sldId id="446" r:id="rId12"/>
+    <p:sldId id="443" r:id="rId13"/>
+    <p:sldId id="444" r:id="rId14"/>
+    <p:sldId id="265" r:id="rId15"/>
   </p:sldIdLst>
   <p:sldSz cx="12195175" cy="6858000"/>
   <p:notesSz cx="6858000" cy="9144000"/>
@@ -631,131 +632,6 @@
       </p:grpSpPr>
       <p:sp>
         <p:nvSpPr>
-          <p:cNvPr id="2" name="Slide Image Placeholder 1"/>
-          <p:cNvSpPr>
-            <a:spLocks noGrp="1" noRot="1" noChangeAspect="1"/>
-          </p:cNvSpPr>
-          <p:nvPr>
-            <p:ph type="sldImg"/>
-          </p:nvPr>
-        </p:nvSpPr>
-        <p:spPr/>
-      </p:sp>
-      <p:sp>
-        <p:nvSpPr>
-          <p:cNvPr id="3" name="Notes Placeholder 2"/>
-          <p:cNvSpPr>
-            <a:spLocks noGrp="1"/>
-          </p:cNvSpPr>
-          <p:nvPr>
-            <p:ph type="body" idx="1"/>
-          </p:nvPr>
-        </p:nvSpPr>
-        <p:spPr/>
-        <p:txBody>
-          <a:bodyPr/>
-          <a:lstStyle/>
-          <a:p>
-            <a:r>
-              <a:rPr lang="en-US" dirty="0"/>
-              <a:t>Demo: http &amp; exec</a:t>
-            </a:r>
-            <a:r>
-              <a:rPr lang="en-US" baseline="0" dirty="0"/>
-              <a:t> liveness pods (see </a:t>
-            </a:r>
-            <a:r>
-              <a:rPr lang="en-US" baseline="0" dirty="0" err="1"/>
-              <a:t>pod_exec_liveness</a:t>
-            </a:r>
-            <a:r>
-              <a:rPr lang="en-US" baseline="0" dirty="0"/>
-              <a:t> &amp; </a:t>
-            </a:r>
-            <a:r>
-              <a:rPr lang="en-US" baseline="0" dirty="0" err="1"/>
-              <a:t>pod_http_liveness</a:t>
-            </a:r>
-            <a:r>
-              <a:rPr lang="en-US" baseline="0" dirty="0"/>
-              <a:t> </a:t>
-            </a:r>
-            <a:r>
-              <a:rPr lang="en-US" baseline="0" dirty="0" err="1"/>
-              <a:t>yaml</a:t>
-            </a:r>
-            <a:r>
-              <a:rPr lang="en-US" baseline="0" dirty="0"/>
-              <a:t> files in the solutions folder)</a:t>
-            </a:r>
-            <a:endParaRPr lang="en-US" dirty="0"/>
-          </a:p>
-          <a:p>
-            <a:r>
-              <a:rPr lang="en-US" dirty="0"/>
-              <a:t>Consequence of failed probe:</a:t>
-            </a:r>
-          </a:p>
-          <a:p>
-            <a:pPr marL="285750" indent="-285750">
-              <a:buFontTx/>
-              <a:buChar char="-"/>
-            </a:pPr>
-            <a:r>
-              <a:rPr lang="en-US" dirty="0"/>
-              <a:t>liveness: kill the container and restart it depending on the restart policy.</a:t>
-            </a:r>
-          </a:p>
-          <a:p>
-            <a:pPr marL="285750" indent="-285750">
-              <a:buFontTx/>
-              <a:buChar char="-"/>
-            </a:pPr>
-            <a:r>
-              <a:rPr lang="en-US" dirty="0"/>
-              <a:t>Readiness: mark pod</a:t>
-            </a:r>
-            <a:r>
-              <a:rPr lang="en-US" baseline="0" dirty="0"/>
-              <a:t> as not ready and don’t route service traffic to it</a:t>
-            </a:r>
-            <a:endParaRPr lang="en-US" dirty="0"/>
-          </a:p>
-          <a:p>
-            <a:r>
-              <a:rPr lang="en-US" dirty="0"/>
-              <a:t>Other options</a:t>
-            </a:r>
-            <a:r>
-              <a:rPr lang="en-US" baseline="0" dirty="0"/>
-              <a:t> for probes: </a:t>
-            </a:r>
-          </a:p>
-          <a:p>
-            <a:pPr marL="285750" indent="-285750">
-              <a:buFontTx/>
-              <a:buChar char="-"/>
-            </a:pPr>
-            <a:r>
-              <a:rPr lang="en-US" baseline="0" dirty="0"/>
-              <a:t>TCP: can a connection be opened successfully?</a:t>
-            </a:r>
-          </a:p>
-          <a:p>
-            <a:pPr marL="285750" indent="-285750">
-              <a:buFontTx/>
-              <a:buChar char="-"/>
-            </a:pPr>
-            <a:r>
-              <a:rPr lang="en-US" baseline="0" dirty="0"/>
-              <a:t>EXEC: run a command and evaluate return/exit code</a:t>
-            </a:r>
-            <a:endParaRPr lang="en-US" dirty="0"/>
-          </a:p>
-        </p:txBody>
-      </p:sp>
-      <p:sp>
-        <p:nvSpPr>
           <p:cNvPr id="4" name="Slide Number Placeholder 3"/>
           <p:cNvSpPr>
             <a:spLocks noGrp="1"/>
@@ -778,10 +654,48 @@
           </a:p>
         </p:txBody>
       </p:sp>
+      <p:sp>
+        <p:nvSpPr>
+          <p:cNvPr id="9" name="Slide Image Placeholder 8"/>
+          <p:cNvSpPr>
+            <a:spLocks noGrp="1" noRot="1" noChangeAspect="1"/>
+          </p:cNvSpPr>
+          <p:nvPr>
+            <p:ph type="sldImg"/>
+          </p:nvPr>
+        </p:nvSpPr>
+        <p:spPr>
+          <a:xfrm>
+            <a:off x="547688" y="612775"/>
+            <a:ext cx="5762625" cy="3241675"/>
+          </a:xfrm>
+        </p:spPr>
+      </p:sp>
+      <p:sp>
+        <p:nvSpPr>
+          <p:cNvPr id="10" name="Notes Placeholder 9"/>
+          <p:cNvSpPr>
+            <a:spLocks noGrp="1"/>
+          </p:cNvSpPr>
+          <p:nvPr>
+            <p:ph type="body" idx="1"/>
+          </p:nvPr>
+        </p:nvSpPr>
+        <p:spPr/>
+        <p:txBody>
+          <a:bodyPr>
+            <a:normAutofit/>
+          </a:bodyPr>
+          <a:lstStyle/>
+          <a:p>
+            <a:endParaRPr lang="en-US" dirty="0"/>
+          </a:p>
+        </p:txBody>
+      </p:sp>
     </p:spTree>
     <p:extLst>
       <p:ext uri="{BB962C8B-B14F-4D97-AF65-F5344CB8AC3E}">
-        <p14:creationId xmlns:p14="http://schemas.microsoft.com/office/powerpoint/2010/main" val="3950672114"/>
+        <p14:creationId xmlns:p14="http://schemas.microsoft.com/office/powerpoint/2010/main" val="3968705523"/>
       </p:ext>
     </p:extLst>
   </p:cSld>
@@ -835,221 +749,101 @@
           <a:bodyPr/>
           <a:lstStyle/>
           <a:p>
-            <a:pPr marL="342900" indent="-342900">
+            <a:r>
+              <a:rPr lang="en-US" dirty="0"/>
+              <a:t>Demo: http &amp; exec</a:t>
+            </a:r>
+            <a:r>
+              <a:rPr lang="en-US" baseline="0" dirty="0"/>
+              <a:t> liveness pods (see </a:t>
+            </a:r>
+            <a:r>
+              <a:rPr lang="en-US" baseline="0" dirty="0" err="1"/>
+              <a:t>pod_exec_liveness</a:t>
+            </a:r>
+            <a:r>
+              <a:rPr lang="en-US" baseline="0" dirty="0"/>
+              <a:t> &amp; </a:t>
+            </a:r>
+            <a:r>
+              <a:rPr lang="en-US" baseline="0" dirty="0" err="1"/>
+              <a:t>pod_http_liveness</a:t>
+            </a:r>
+            <a:r>
+              <a:rPr lang="en-US" baseline="0" dirty="0"/>
+              <a:t> </a:t>
+            </a:r>
+            <a:r>
+              <a:rPr lang="en-US" baseline="0" dirty="0" err="1"/>
+              <a:t>yaml</a:t>
+            </a:r>
+            <a:r>
+              <a:rPr lang="en-US" baseline="0" dirty="0"/>
+              <a:t> files in the solutions folder)</a:t>
+            </a:r>
+            <a:endParaRPr lang="en-US" dirty="0"/>
+          </a:p>
+          <a:p>
+            <a:r>
+              <a:rPr lang="en-US" dirty="0"/>
+              <a:t>Consequence of failed probe:</a:t>
+            </a:r>
+          </a:p>
+          <a:p>
+            <a:pPr marL="285750" indent="-285750">
               <a:buFontTx/>
               <a:buChar char="-"/>
             </a:pPr>
             <a:r>
               <a:rPr lang="en-US" dirty="0"/>
-              <a:t>Start with the “</a:t>
-            </a:r>
-            <a:r>
-              <a:rPr lang="en-US" dirty="0" err="1"/>
-              <a:t>kubectl</a:t>
-            </a:r>
-            <a:r>
-              <a:rPr lang="en-US" dirty="0"/>
-              <a:t> explain pod” and “</a:t>
-            </a:r>
-            <a:r>
-              <a:rPr lang="en-US" dirty="0" err="1"/>
-              <a:t>kubectl</a:t>
-            </a:r>
-            <a:r>
-              <a:rPr lang="en-US" dirty="0"/>
-              <a:t> explain </a:t>
-            </a:r>
-            <a:r>
-              <a:rPr lang="en-US" dirty="0" err="1"/>
-              <a:t>pod.spec</a:t>
-            </a:r>
-            <a:r>
-              <a:rPr lang="en-US" dirty="0"/>
-              <a:t>”</a:t>
-            </a:r>
-          </a:p>
-          <a:p>
-            <a:pPr marL="342900" indent="-342900">
+              <a:t>liveness: kill the container and restart it depending on the restart policy.</a:t>
+            </a:r>
+          </a:p>
+          <a:p>
+            <a:pPr marL="285750" indent="-285750">
               <a:buFontTx/>
               <a:buChar char="-"/>
             </a:pPr>
             <a:r>
               <a:rPr lang="en-US" dirty="0"/>
-              <a:t>Show how to get an overview as well as detailed info about a resource type.</a:t>
-            </a:r>
-          </a:p>
-          <a:p>
-            <a:pPr marL="342900" indent="-342900">
+              <a:t>Readiness: mark pod</a:t>
+            </a:r>
+            <a:r>
+              <a:rPr lang="en-US" baseline="0" dirty="0"/>
+              <a:t> as not ready and don’t route service traffic to it</a:t>
+            </a:r>
+            <a:endParaRPr lang="en-US" dirty="0"/>
+          </a:p>
+          <a:p>
+            <a:r>
+              <a:rPr lang="en-US" dirty="0"/>
+              <a:t>Other options</a:t>
+            </a:r>
+            <a:r>
+              <a:rPr lang="en-US" baseline="0" dirty="0"/>
+              <a:t> for probes: </a:t>
+            </a:r>
+          </a:p>
+          <a:p>
+            <a:pPr marL="285750" indent="-285750">
               <a:buFontTx/>
               <a:buChar char="-"/>
             </a:pPr>
             <a:r>
-              <a:rPr lang="en-US" dirty="0"/>
-              <a:t>Create a pod: ~/</a:t>
-            </a:r>
-            <a:r>
-              <a:rPr lang="en-US" dirty="0" err="1"/>
-              <a:t>kubernetes</a:t>
-            </a:r>
-            <a:r>
-              <a:rPr lang="en-US" dirty="0"/>
-              <a:t>/demo/02_pod_exec_liveness.yaml</a:t>
-            </a:r>
-          </a:p>
-          <a:p>
-            <a:pPr marL="522900" lvl="1" indent="-342900">
+              <a:rPr lang="en-US" baseline="0" dirty="0"/>
+              <a:t>TCP: can a connection be opened successfully?</a:t>
+            </a:r>
+          </a:p>
+          <a:p>
+            <a:pPr marL="285750" indent="-285750">
               <a:buFontTx/>
               <a:buChar char="-"/>
             </a:pPr>
             <a:r>
-              <a:rPr lang="en-US" dirty="0"/>
-              <a:t>Discuss the probe and how it should fail</a:t>
-            </a:r>
-          </a:p>
-          <a:p>
-            <a:pPr marL="522900" lvl="1" indent="-342900">
-              <a:buFontTx/>
-              <a:buChar char="-"/>
-            </a:pPr>
-            <a:r>
-              <a:rPr lang="en-US" dirty="0"/>
-              <a:t>Show how it fails &amp; get restarted</a:t>
-            </a:r>
-          </a:p>
-          <a:p>
-            <a:pPr marL="522900" lvl="1" indent="-342900">
-              <a:buFontTx/>
-              <a:buChar char="-"/>
-            </a:pPr>
-            <a:r>
-              <a:rPr lang="en-US" dirty="0"/>
-              <a:t>Point out the failure threshold</a:t>
-            </a:r>
-          </a:p>
-          <a:p>
-            <a:pPr marL="342900" indent="-342900">
-              <a:buFontTx/>
-              <a:buChar char="-"/>
-            </a:pPr>
-            <a:r>
-              <a:rPr lang="en-US" dirty="0"/>
-              <a:t>Create a 2</a:t>
-            </a:r>
-            <a:r>
-              <a:rPr lang="en-US" baseline="30000" dirty="0"/>
-              <a:t>nd</a:t>
-            </a:r>
-            <a:r>
-              <a:rPr lang="en-US" dirty="0"/>
-              <a:t> pod, this time with a web server: ~/</a:t>
-            </a:r>
-            <a:r>
-              <a:rPr lang="en-US" dirty="0" err="1"/>
-              <a:t>kubernetes</a:t>
-            </a:r>
-            <a:r>
-              <a:rPr lang="en-US" dirty="0"/>
-              <a:t>/demo/02_pod_http_liveness.yaml</a:t>
-            </a:r>
-          </a:p>
-          <a:p>
-            <a:pPr marL="522900" lvl="1" indent="-342900">
-              <a:buFontTx/>
-              <a:buChar char="-"/>
-            </a:pPr>
-            <a:r>
-              <a:rPr lang="en-US" dirty="0"/>
-              <a:t>Explain the http probe and how it should fill up the logs</a:t>
-            </a:r>
-          </a:p>
-          <a:p>
-            <a:pPr marL="522900" marR="0" lvl="1" indent="-342900" algn="l" defTabSz="1088776" rtl="0" eaLnBrk="1" fontAlgn="auto" latinLnBrk="0" hangingPunct="1">
-              <a:lnSpc>
-                <a:spcPct val="100000"/>
-              </a:lnSpc>
-              <a:spcBef>
-                <a:spcPts val="0"/>
-              </a:spcBef>
-              <a:spcAft>
-                <a:spcPts val="0"/>
-              </a:spcAft>
-              <a:buClr>
-                <a:schemeClr val="accent1"/>
-              </a:buClr>
-              <a:buSzPct val="100000"/>
-              <a:buFontTx/>
-              <a:buChar char="-"/>
-              <a:tabLst/>
-              <a:defRPr/>
-            </a:pPr>
-            <a:r>
-              <a:rPr lang="en-US" dirty="0"/>
-              <a:t>Show logs of the container (will be the access log) and discuss the effect of the liveness probe</a:t>
-            </a:r>
-          </a:p>
-          <a:p>
-            <a:pPr marL="342900" indent="-342900">
-              <a:buFontTx/>
-              <a:buChar char="-"/>
-            </a:pPr>
-            <a:r>
-              <a:rPr lang="en-US" dirty="0"/>
-              <a:t>Access </a:t>
-            </a:r>
-            <a:r>
-              <a:rPr lang="en-US" dirty="0" err="1"/>
-              <a:t>nginx</a:t>
-            </a:r>
-            <a:r>
-              <a:rPr lang="en-US" dirty="0"/>
-              <a:t>:</a:t>
-            </a:r>
-          </a:p>
-          <a:p>
-            <a:pPr marL="522864" lvl="1" indent="-342900">
-              <a:buFontTx/>
-              <a:buChar char="-"/>
-            </a:pPr>
-            <a:r>
-              <a:rPr lang="en-US" dirty="0"/>
-              <a:t>Run  </a:t>
-            </a:r>
-            <a:r>
-              <a:rPr lang="en-US" dirty="0" err="1"/>
-              <a:t>kubectl</a:t>
-            </a:r>
-            <a:r>
-              <a:rPr lang="en-US" dirty="0"/>
-              <a:t> port-forward pod/</a:t>
-            </a:r>
-            <a:r>
-              <a:rPr lang="en-US" dirty="0" err="1"/>
-              <a:t>nginx</a:t>
-            </a:r>
-            <a:r>
-              <a:rPr lang="en-US" dirty="0"/>
-              <a:t>-liveness-pod 8080:80</a:t>
-            </a:r>
-          </a:p>
-          <a:p>
-            <a:pPr marL="522864" lvl="1" indent="-342900">
-              <a:buFontTx/>
-              <a:buChar char="-"/>
-            </a:pPr>
-            <a:r>
-              <a:rPr lang="en-US" dirty="0"/>
-              <a:t>Open a browser and connect to 127.0.0.1:8080</a:t>
-            </a:r>
-          </a:p>
-          <a:p>
-            <a:pPr marL="522864" lvl="1" indent="-342900">
-              <a:buFontTx/>
-              <a:buChar char="-"/>
-            </a:pPr>
-            <a:r>
-              <a:rPr lang="en-US" dirty="0"/>
-              <a:t>Port-forward is a nice command to test access to something that you don’t want to expose (yet). However it is not recommended for any production like setup as the traffic is routed via the cluster’s API server</a:t>
-            </a:r>
+              <a:rPr lang="en-US" baseline="0" dirty="0"/>
+              <a:t>EXEC: run a command and evaluate return/exit code</a:t>
+            </a:r>
+            <a:endParaRPr lang="en-US" dirty="0"/>
           </a:p>
         </p:txBody>
       </p:sp>
@@ -1080,7 +874,7 @@
     </p:spTree>
     <p:extLst>
       <p:ext uri="{BB962C8B-B14F-4D97-AF65-F5344CB8AC3E}">
-        <p14:creationId xmlns:p14="http://schemas.microsoft.com/office/powerpoint/2010/main" val="2327213927"/>
+        <p14:creationId xmlns:p14="http://schemas.microsoft.com/office/powerpoint/2010/main" val="3950672114"/>
       </p:ext>
     </p:extLst>
   </p:cSld>
@@ -1134,7 +928,221 @@
           <a:bodyPr/>
           <a:lstStyle/>
           <a:p>
-            <a:endParaRPr lang="en-US"/>
+            <a:pPr marL="342900" indent="-342900">
+              <a:buFontTx/>
+              <a:buChar char="-"/>
+            </a:pPr>
+            <a:r>
+              <a:rPr lang="en-US" dirty="0"/>
+              <a:t>Start with the “</a:t>
+            </a:r>
+            <a:r>
+              <a:rPr lang="en-US" dirty="0" err="1"/>
+              <a:t>kubectl</a:t>
+            </a:r>
+            <a:r>
+              <a:rPr lang="en-US" dirty="0"/>
+              <a:t> explain pod” and “</a:t>
+            </a:r>
+            <a:r>
+              <a:rPr lang="en-US" dirty="0" err="1"/>
+              <a:t>kubectl</a:t>
+            </a:r>
+            <a:r>
+              <a:rPr lang="en-US" dirty="0"/>
+              <a:t> explain </a:t>
+            </a:r>
+            <a:r>
+              <a:rPr lang="en-US" dirty="0" err="1"/>
+              <a:t>pod.spec</a:t>
+            </a:r>
+            <a:r>
+              <a:rPr lang="en-US" dirty="0"/>
+              <a:t>”</a:t>
+            </a:r>
+          </a:p>
+          <a:p>
+            <a:pPr marL="342900" indent="-342900">
+              <a:buFontTx/>
+              <a:buChar char="-"/>
+            </a:pPr>
+            <a:r>
+              <a:rPr lang="en-US" dirty="0"/>
+              <a:t>Show how to get an overview as well as detailed info about a resource type.</a:t>
+            </a:r>
+          </a:p>
+          <a:p>
+            <a:pPr marL="342900" indent="-342900">
+              <a:buFontTx/>
+              <a:buChar char="-"/>
+            </a:pPr>
+            <a:r>
+              <a:rPr lang="en-US" dirty="0"/>
+              <a:t>Create a pod: ~/</a:t>
+            </a:r>
+            <a:r>
+              <a:rPr lang="en-US" dirty="0" err="1"/>
+              <a:t>kubernetes</a:t>
+            </a:r>
+            <a:r>
+              <a:rPr lang="en-US" dirty="0"/>
+              <a:t>/demo/02_pod_exec_liveness.yaml</a:t>
+            </a:r>
+          </a:p>
+          <a:p>
+            <a:pPr marL="522900" lvl="1" indent="-342900">
+              <a:buFontTx/>
+              <a:buChar char="-"/>
+            </a:pPr>
+            <a:r>
+              <a:rPr lang="en-US" dirty="0"/>
+              <a:t>Discuss the probe and how it should fail</a:t>
+            </a:r>
+          </a:p>
+          <a:p>
+            <a:pPr marL="522900" lvl="1" indent="-342900">
+              <a:buFontTx/>
+              <a:buChar char="-"/>
+            </a:pPr>
+            <a:r>
+              <a:rPr lang="en-US" dirty="0"/>
+              <a:t>Show how it fails &amp; get restarted</a:t>
+            </a:r>
+          </a:p>
+          <a:p>
+            <a:pPr marL="522900" lvl="1" indent="-342900">
+              <a:buFontTx/>
+              <a:buChar char="-"/>
+            </a:pPr>
+            <a:r>
+              <a:rPr lang="en-US" dirty="0"/>
+              <a:t>Point out the failure threshold</a:t>
+            </a:r>
+          </a:p>
+          <a:p>
+            <a:pPr marL="342900" indent="-342900">
+              <a:buFontTx/>
+              <a:buChar char="-"/>
+            </a:pPr>
+            <a:r>
+              <a:rPr lang="en-US" dirty="0"/>
+              <a:t>Create a 2</a:t>
+            </a:r>
+            <a:r>
+              <a:rPr lang="en-US" baseline="30000" dirty="0"/>
+              <a:t>nd</a:t>
+            </a:r>
+            <a:r>
+              <a:rPr lang="en-US" dirty="0"/>
+              <a:t> pod, this time with a web server: ~/</a:t>
+            </a:r>
+            <a:r>
+              <a:rPr lang="en-US" dirty="0" err="1"/>
+              <a:t>kubernetes</a:t>
+            </a:r>
+            <a:r>
+              <a:rPr lang="en-US" dirty="0"/>
+              <a:t>/demo/02_pod_http_liveness.yaml</a:t>
+            </a:r>
+          </a:p>
+          <a:p>
+            <a:pPr marL="522900" lvl="1" indent="-342900">
+              <a:buFontTx/>
+              <a:buChar char="-"/>
+            </a:pPr>
+            <a:r>
+              <a:rPr lang="en-US" dirty="0"/>
+              <a:t>Explain the http probe and how it should fill up the logs</a:t>
+            </a:r>
+          </a:p>
+          <a:p>
+            <a:pPr marL="522900" marR="0" lvl="1" indent="-342900" algn="l" defTabSz="1088776" rtl="0" eaLnBrk="1" fontAlgn="auto" latinLnBrk="0" hangingPunct="1">
+              <a:lnSpc>
+                <a:spcPct val="100000"/>
+              </a:lnSpc>
+              <a:spcBef>
+                <a:spcPts val="0"/>
+              </a:spcBef>
+              <a:spcAft>
+                <a:spcPts val="0"/>
+              </a:spcAft>
+              <a:buClr>
+                <a:schemeClr val="accent1"/>
+              </a:buClr>
+              <a:buSzPct val="100000"/>
+              <a:buFontTx/>
+              <a:buChar char="-"/>
+              <a:tabLst/>
+              <a:defRPr/>
+            </a:pPr>
+            <a:r>
+              <a:rPr lang="en-US" dirty="0"/>
+              <a:t>Show logs of the container (will be the access log) and discuss the effect of the liveness probe</a:t>
+            </a:r>
+          </a:p>
+          <a:p>
+            <a:pPr marL="342900" indent="-342900">
+              <a:buFontTx/>
+              <a:buChar char="-"/>
+            </a:pPr>
+            <a:r>
+              <a:rPr lang="en-US" dirty="0"/>
+              <a:t>Access </a:t>
+            </a:r>
+            <a:r>
+              <a:rPr lang="en-US" dirty="0" err="1"/>
+              <a:t>nginx</a:t>
+            </a:r>
+            <a:r>
+              <a:rPr lang="en-US" dirty="0"/>
+              <a:t>:</a:t>
+            </a:r>
+          </a:p>
+          <a:p>
+            <a:pPr marL="522864" lvl="1" indent="-342900">
+              <a:buFontTx/>
+              <a:buChar char="-"/>
+            </a:pPr>
+            <a:r>
+              <a:rPr lang="en-US" dirty="0"/>
+              <a:t>Run  </a:t>
+            </a:r>
+            <a:r>
+              <a:rPr lang="en-US" dirty="0" err="1"/>
+              <a:t>kubectl</a:t>
+            </a:r>
+            <a:r>
+              <a:rPr lang="en-US" dirty="0"/>
+              <a:t> port-forward pod/</a:t>
+            </a:r>
+            <a:r>
+              <a:rPr lang="en-US" dirty="0" err="1"/>
+              <a:t>nginx</a:t>
+            </a:r>
+            <a:r>
+              <a:rPr lang="en-US" dirty="0"/>
+              <a:t>-liveness-pod 8080:80</a:t>
+            </a:r>
+          </a:p>
+          <a:p>
+            <a:pPr marL="522864" lvl="1" indent="-342900">
+              <a:buFontTx/>
+              <a:buChar char="-"/>
+            </a:pPr>
+            <a:r>
+              <a:rPr lang="en-US" dirty="0"/>
+              <a:t>Open a browser and connect to 127.0.0.1:8080</a:t>
+            </a:r>
+          </a:p>
+          <a:p>
+            <a:pPr marL="522864" lvl="1" indent="-342900">
+              <a:buFontTx/>
+              <a:buChar char="-"/>
+            </a:pPr>
+            <a:r>
+              <a:rPr lang="en-US" dirty="0"/>
+              <a:t>Port-forward is a nice command to test access to something that you don’t want to expose (yet). However it is not recommended for any production like setup as the traffic is routed via the cluster’s API server</a:t>
+            </a:r>
           </a:p>
         </p:txBody>
       </p:sp>
@@ -1165,6 +1173,91 @@
     </p:spTree>
     <p:extLst>
       <p:ext uri="{BB962C8B-B14F-4D97-AF65-F5344CB8AC3E}">
+        <p14:creationId xmlns:p14="http://schemas.microsoft.com/office/powerpoint/2010/main" val="2327213927"/>
+      </p:ext>
+    </p:extLst>
+  </p:cSld>
+  <p:clrMapOvr>
+    <a:masterClrMapping/>
+  </p:clrMapOvr>
+</p:notes>
+</file>
+
+<file path=ppt/notesSlides/notesSlide13.xml><?xml version="1.0" encoding="utf-8"?>
+<p:notes xmlns:a="http://schemas.openxmlformats.org/drawingml/2006/main" xmlns:r="http://schemas.openxmlformats.org/officeDocument/2006/relationships" xmlns:p="http://schemas.openxmlformats.org/presentationml/2006/main">
+  <p:cSld>
+    <p:spTree>
+      <p:nvGrpSpPr>
+        <p:cNvPr id="1" name=""/>
+        <p:cNvGrpSpPr/>
+        <p:nvPr/>
+      </p:nvGrpSpPr>
+      <p:grpSpPr>
+        <a:xfrm>
+          <a:off x="0" y="0"/>
+          <a:ext cx="0" cy="0"/>
+          <a:chOff x="0" y="0"/>
+          <a:chExt cx="0" cy="0"/>
+        </a:xfrm>
+      </p:grpSpPr>
+      <p:sp>
+        <p:nvSpPr>
+          <p:cNvPr id="2" name="Slide Image Placeholder 1"/>
+          <p:cNvSpPr>
+            <a:spLocks noGrp="1" noRot="1" noChangeAspect="1"/>
+          </p:cNvSpPr>
+          <p:nvPr>
+            <p:ph type="sldImg"/>
+          </p:nvPr>
+        </p:nvSpPr>
+        <p:spPr/>
+      </p:sp>
+      <p:sp>
+        <p:nvSpPr>
+          <p:cNvPr id="3" name="Notes Placeholder 2"/>
+          <p:cNvSpPr>
+            <a:spLocks noGrp="1"/>
+          </p:cNvSpPr>
+          <p:nvPr>
+            <p:ph type="body" idx="1"/>
+          </p:nvPr>
+        </p:nvSpPr>
+        <p:spPr/>
+        <p:txBody>
+          <a:bodyPr/>
+          <a:lstStyle/>
+          <a:p>
+            <a:endParaRPr lang="en-US"/>
+          </a:p>
+        </p:txBody>
+      </p:sp>
+      <p:sp>
+        <p:nvSpPr>
+          <p:cNvPr id="4" name="Slide Number Placeholder 3"/>
+          <p:cNvSpPr>
+            <a:spLocks noGrp="1"/>
+          </p:cNvSpPr>
+          <p:nvPr>
+            <p:ph type="sldNum" sz="quarter" idx="10"/>
+          </p:nvPr>
+        </p:nvSpPr>
+        <p:spPr/>
+        <p:txBody>
+          <a:bodyPr/>
+          <a:lstStyle/>
+          <a:p>
+            <a:fld id="{7D8C2C35-2B8A-446E-BEC0-FD36716C29AC}" type="slidenum">
+              <a:rPr lang="de-DE" smtClean="0"/>
+              <a:pPr/>
+              <a:t>13</a:t>
+            </a:fld>
+            <a:endParaRPr lang="de-DE" dirty="0"/>
+          </a:p>
+        </p:txBody>
+      </p:sp>
+    </p:spTree>
+    <p:extLst>
+      <p:ext uri="{BB962C8B-B14F-4D97-AF65-F5344CB8AC3E}">
         <p14:creationId xmlns:p14="http://schemas.microsoft.com/office/powerpoint/2010/main" val="2480745755"/>
       </p:ext>
     </p:extLst>
@@ -1175,7 +1268,7 @@
 </p:notes>
 </file>
 
-<file path=ppt/notesSlides/notesSlide13.xml><?xml version="1.0" encoding="utf-8"?>
+<file path=ppt/notesSlides/notesSlide14.xml><?xml version="1.0" encoding="utf-8"?>
 <p:notes xmlns:a="http://schemas.openxmlformats.org/drawingml/2006/main" xmlns:r="http://schemas.openxmlformats.org/officeDocument/2006/relationships" xmlns:p="http://schemas.openxmlformats.org/presentationml/2006/main">
   <p:cSld>
     <p:spTree>
@@ -1210,7 +1303,7 @@
             <a:fld id="{7D8C2C35-2B8A-446E-BEC0-FD36716C29AC}" type="slidenum">
               <a:rPr lang="de-DE" smtClean="0"/>
               <a:pPr/>
-              <a:t>13</a:t>
+              <a:t>14</a:t>
             </a:fld>
             <a:endParaRPr lang="de-DE" dirty="0"/>
           </a:p>
@@ -1899,48 +1992,112 @@
         </p:nvSpPr>
         <p:spPr/>
         <p:txBody>
-          <a:bodyPr/>
+          <a:bodyPr>
+            <a:normAutofit lnSpcReduction="10000"/>
+          </a:bodyPr>
           <a:lstStyle/>
           <a:p>
             <a:r>
               <a:rPr lang="en-US" dirty="0"/>
-              <a:t>Example</a:t>
-            </a:r>
-            <a:r>
-              <a:rPr lang="en-US" baseline="0" dirty="0"/>
-              <a:t> for a resource with different structure: </a:t>
-            </a:r>
-            <a:r>
-              <a:rPr lang="en-US" baseline="0" dirty="0" err="1"/>
-              <a:t>configMap</a:t>
-            </a:r>
-            <a:endParaRPr lang="en-US" baseline="0" dirty="0"/>
-          </a:p>
-          <a:p>
+              <a:t>Why don’t we just put all container / pieces belonging to an application stack into ONE single pod? The run nicely co-located on the same host and we don’t have latency issues, they can share a network, IPC and so on…</a:t>
+            </a:r>
+          </a:p>
+          <a:p>
+            <a:endParaRPr lang="en-US" dirty="0"/>
+          </a:p>
+          <a:p>
+            <a:r>
+              <a:rPr lang="en-US" dirty="0"/>
+              <a:t>This is probably a bad idea for following reasons:</a:t>
+            </a:r>
+          </a:p>
+          <a:p>
+            <a:pPr marL="285750" indent="-285750">
+              <a:buFontTx/>
+              <a:buChar char="-"/>
+            </a:pPr>
+            <a:r>
+              <a:rPr lang="en-US" dirty="0"/>
+              <a:t>Does it scale? Not so well – you can only scale on pod level, so you would need to replicate the complete set. Scaling of individual components is not possible at all</a:t>
+            </a:r>
+          </a:p>
+          <a:p>
+            <a:pPr marL="285750" marR="0" lvl="0" indent="-285750" algn="l" defTabSz="1088776" rtl="0" eaLnBrk="1" fontAlgn="auto" latinLnBrk="0" hangingPunct="1">
+              <a:lnSpc>
+                <a:spcPct val="100000"/>
+              </a:lnSpc>
+              <a:spcBef>
+                <a:spcPts val="0"/>
+              </a:spcBef>
+              <a:spcAft>
+                <a:spcPts val="0"/>
+              </a:spcAft>
+              <a:buClrTx/>
+              <a:buSzTx/>
+              <a:buFontTx/>
+              <a:buChar char="-"/>
+              <a:tabLst/>
+              <a:defRPr/>
+            </a:pPr>
+            <a:r>
+              <a:rPr lang="en-US"/>
+              <a:t>Usually the startup </a:t>
+            </a:r>
+            <a:r>
+              <a:rPr lang="en-US" dirty="0"/>
+              <a:t>time of these constructs is poor.</a:t>
+            </a:r>
+          </a:p>
+          <a:p>
+            <a:pPr marL="285750" indent="-285750">
+              <a:buFontTx/>
+              <a:buChar char="-"/>
+            </a:pPr>
+            <a:r>
+              <a:rPr lang="en-US" dirty="0"/>
+              <a:t>Is it easy to schedule? Of course not – in the past an application stack consumed one to several VMs. Nodes in your cluster have to be of adequate size (</a:t>
+            </a:r>
             <a:r>
               <a:rPr lang="en-US" dirty="0" err="1"/>
-              <a:t>configMaps</a:t>
-            </a:r>
-            <a:r>
-              <a:rPr lang="en-US" dirty="0"/>
-              <a:t> have no spec, but a data sections.</a:t>
-            </a:r>
-          </a:p>
-          <a:p>
+              <a:t>xxl</a:t>
+            </a:r>
+            <a:r>
+              <a:rPr lang="en-US" dirty="0"/>
+              <a:t>?) and there should be a sufficient amount of nodes for scaling / re-deployment. Potentially also impacts resource utilization.</a:t>
+            </a:r>
+          </a:p>
+          <a:p>
+            <a:pPr marL="285750" indent="-285750">
+              <a:buFontTx/>
+              <a:buChar char="-"/>
+            </a:pPr>
+            <a:r>
+              <a:rPr lang="en-US" dirty="0"/>
+              <a:t>Any changes to a single container definition will affect all others. For example, if the image used for the “front-end” is changed, the complete pod gets rescheduled.</a:t>
+            </a:r>
+          </a:p>
+          <a:p>
+            <a:pPr marL="285750" indent="-285750">
+              <a:buFontTx/>
+              <a:buChar char="-"/>
+            </a:pPr>
             <a:endParaRPr lang="en-US" dirty="0"/>
           </a:p>
           <a:p>
-            <a:r>
-              <a:rPr lang="en-US" dirty="0"/>
-              <a:t>When looking at the </a:t>
-            </a:r>
-            <a:r>
-              <a:rPr lang="en-US" dirty="0" err="1"/>
-              <a:t>api</a:t>
-            </a:r>
-            <a:r>
-              <a:rPr lang="en-US" dirty="0"/>
-              <a:t> reference, you can see this basic structure too. Simply navigate to a resource, like pod, and see with fields and object there are. Usually fields have either a list or string/integer as values. Objects link to their object definition.</a:t>
+            <a:pPr marL="0" indent="0">
+              <a:buFontTx/>
+              <a:buNone/>
+            </a:pPr>
+            <a:endParaRPr lang="en-US" dirty="0"/>
+          </a:p>
+          <a:p>
+            <a:pPr marL="0" indent="0">
+              <a:buFontTx/>
+              <a:buNone/>
+            </a:pPr>
+            <a:r>
+              <a:rPr lang="en-US" dirty="0"/>
+              <a:t>Conclusion: as a rule of thumb: one pod – one purpose (+ sidecar, adapter, augmentation)</a:t>
             </a:r>
           </a:p>
         </p:txBody>
@@ -1972,7 +2129,7 @@
     </p:spTree>
     <p:extLst>
       <p:ext uri="{BB962C8B-B14F-4D97-AF65-F5344CB8AC3E}">
-        <p14:creationId xmlns:p14="http://schemas.microsoft.com/office/powerpoint/2010/main" val="1052791939"/>
+        <p14:creationId xmlns:p14="http://schemas.microsoft.com/office/powerpoint/2010/main" val="3296250450"/>
       </p:ext>
     </p:extLst>
   </p:cSld>
@@ -2028,27 +2185,44 @@
           <a:p>
             <a:r>
               <a:rPr lang="en-US" dirty="0"/>
-              <a:t>If you want to know more about the structure of any </a:t>
-            </a:r>
+              <a:t>Example</a:t>
+            </a:r>
+            <a:r>
+              <a:rPr lang="en-US" baseline="0" dirty="0"/>
+              <a:t> for a resource with different structure: </a:t>
+            </a:r>
+            <a:r>
+              <a:rPr lang="en-US" baseline="0" dirty="0" err="1"/>
+              <a:t>configMap</a:t>
+            </a:r>
+            <a:endParaRPr lang="en-US" baseline="0" dirty="0"/>
+          </a:p>
+          <a:p>
             <a:r>
               <a:rPr lang="en-US" dirty="0" err="1"/>
-              <a:t>kubernetes</a:t>
-            </a:r>
-            <a:r>
-              <a:rPr lang="en-US" dirty="0"/>
-              <a:t> resource, you can go to the official API documentation on https://kubernetes.io/docs/reference/#api-reference or use “</a:t>
+              <a:t>configMaps</a:t>
+            </a:r>
+            <a:r>
+              <a:rPr lang="en-US" dirty="0"/>
+              <a:t> have no spec, but a data sections.</a:t>
+            </a:r>
+          </a:p>
+          <a:p>
+            <a:endParaRPr lang="en-US" dirty="0"/>
+          </a:p>
+          <a:p>
+            <a:r>
+              <a:rPr lang="en-US" dirty="0"/>
+              <a:t>When looking at the </a:t>
             </a:r>
             <a:r>
               <a:rPr lang="en-US" dirty="0" err="1"/>
-              <a:t>kubectl</a:t>
-            </a:r>
-            <a:r>
-              <a:rPr lang="en-US" dirty="0"/>
-              <a:t> explain &lt;resource&gt;” command.</a:t>
-            </a:r>
-          </a:p>
-          <a:p>
-            <a:endParaRPr lang="en-US" dirty="0"/>
+              <a:t>api</a:t>
+            </a:r>
+            <a:r>
+              <a:rPr lang="en-US" dirty="0"/>
+              <a:t> reference, you can see this basic structure too. Simply navigate to a resource, like pod, and see with fields and object there are. Usually fields have either a list or string/integer as values. Objects link to their object definition.</a:t>
+            </a:r>
           </a:p>
         </p:txBody>
       </p:sp>
@@ -2079,7 +2253,7 @@
     </p:spTree>
     <p:extLst>
       <p:ext uri="{BB962C8B-B14F-4D97-AF65-F5344CB8AC3E}">
-        <p14:creationId xmlns:p14="http://schemas.microsoft.com/office/powerpoint/2010/main" val="1276059447"/>
+        <p14:creationId xmlns:p14="http://schemas.microsoft.com/office/powerpoint/2010/main" val="1052791939"/>
       </p:ext>
     </p:extLst>
   </p:cSld>
@@ -2134,48 +2308,28 @@
           <a:lstStyle/>
           <a:p>
             <a:r>
+              <a:rPr lang="en-US" dirty="0"/>
+              <a:t>If you want to know more about the structure of any </a:t>
+            </a:r>
+            <a:r>
+              <a:rPr lang="en-US" dirty="0" err="1"/>
+              <a:t>kubernetes</a:t>
+            </a:r>
+            <a:r>
+              <a:rPr lang="en-US" dirty="0"/>
+              <a:t> resource, you can go to the official API documentation on https://kubernetes.io/docs/reference/#api-reference or use “</a:t>
+            </a:r>
+            <a:r>
               <a:rPr lang="en-US" dirty="0" err="1"/>
               <a:t>kubectl</a:t>
             </a:r>
             <a:r>
               <a:rPr lang="en-US" dirty="0"/>
-              <a:t> explain &lt;resource&gt; is the command line access to the </a:t>
-            </a:r>
-            <a:r>
-              <a:rPr lang="en-US" dirty="0" err="1"/>
-              <a:t>api</a:t>
-            </a:r>
-            <a:r>
-              <a:rPr lang="en-US" dirty="0"/>
-              <a:t> documentation. It gives the same information as the online documentation. </a:t>
+              <a:t> explain &lt;resource&gt;” command.</a:t>
             </a:r>
           </a:p>
           <a:p>
             <a:endParaRPr lang="en-US" dirty="0"/>
-          </a:p>
-          <a:p>
-            <a:r>
-              <a:rPr lang="en-US" dirty="0"/>
-              <a:t>You can get more details on specific objects or fields by appending them with .&lt;field&gt; </a:t>
-            </a:r>
-            <a:r>
-              <a:rPr lang="en-US" dirty="0">
-                <a:sym typeface="Wingdings" panose="05000000000000000000" pitchFamily="2" charset="2"/>
-              </a:rPr>
-              <a:t> e.g. </a:t>
-            </a:r>
-            <a:r>
-              <a:rPr lang="en-US" dirty="0"/>
-              <a:t>“.spec” or “.</a:t>
-            </a:r>
-            <a:r>
-              <a:rPr lang="en-US" dirty="0" err="1"/>
-              <a:t>apiVersion</a:t>
-            </a:r>
-            <a:r>
-              <a:rPr lang="en-US" dirty="0"/>
-              <a:t>” </a:t>
-            </a:r>
           </a:p>
         </p:txBody>
       </p:sp>
@@ -2206,7 +2360,7 @@
     </p:spTree>
     <p:extLst>
       <p:ext uri="{BB962C8B-B14F-4D97-AF65-F5344CB8AC3E}">
-        <p14:creationId xmlns:p14="http://schemas.microsoft.com/office/powerpoint/2010/main" val="624260277"/>
+        <p14:creationId xmlns:p14="http://schemas.microsoft.com/office/powerpoint/2010/main" val="1276059447"/>
       </p:ext>
     </p:extLst>
   </p:cSld>
@@ -2235,6 +2389,79 @@
       </p:grpSpPr>
       <p:sp>
         <p:nvSpPr>
+          <p:cNvPr id="2" name="Slide Image Placeholder 1"/>
+          <p:cNvSpPr>
+            <a:spLocks noGrp="1" noRot="1" noChangeAspect="1"/>
+          </p:cNvSpPr>
+          <p:nvPr>
+            <p:ph type="sldImg"/>
+          </p:nvPr>
+        </p:nvSpPr>
+        <p:spPr/>
+      </p:sp>
+      <p:sp>
+        <p:nvSpPr>
+          <p:cNvPr id="3" name="Notes Placeholder 2"/>
+          <p:cNvSpPr>
+            <a:spLocks noGrp="1"/>
+          </p:cNvSpPr>
+          <p:nvPr>
+            <p:ph type="body" idx="1"/>
+          </p:nvPr>
+        </p:nvSpPr>
+        <p:spPr/>
+        <p:txBody>
+          <a:bodyPr/>
+          <a:lstStyle/>
+          <a:p>
+            <a:r>
+              <a:rPr lang="en-US" dirty="0" err="1"/>
+              <a:t>kubectl</a:t>
+            </a:r>
+            <a:r>
+              <a:rPr lang="en-US" dirty="0"/>
+              <a:t> explain &lt;resource&gt; is the command line access to the </a:t>
+            </a:r>
+            <a:r>
+              <a:rPr lang="en-US" dirty="0" err="1"/>
+              <a:t>api</a:t>
+            </a:r>
+            <a:r>
+              <a:rPr lang="en-US" dirty="0"/>
+              <a:t> documentation. It gives the same information as the online documentation. </a:t>
+            </a:r>
+          </a:p>
+          <a:p>
+            <a:endParaRPr lang="en-US" dirty="0"/>
+          </a:p>
+          <a:p>
+            <a:r>
+              <a:rPr lang="en-US" dirty="0"/>
+              <a:t>You can get more details on specific objects or fields by appending them with .&lt;field&gt; </a:t>
+            </a:r>
+            <a:r>
+              <a:rPr lang="en-US" dirty="0">
+                <a:sym typeface="Wingdings" panose="05000000000000000000" pitchFamily="2" charset="2"/>
+              </a:rPr>
+              <a:t> e.g. </a:t>
+            </a:r>
+            <a:r>
+              <a:rPr lang="en-US" dirty="0"/>
+              <a:t>“.spec” or “.</a:t>
+            </a:r>
+            <a:r>
+              <a:rPr lang="en-US" dirty="0" err="1"/>
+              <a:t>apiVersion</a:t>
+            </a:r>
+            <a:r>
+              <a:rPr lang="en-US" dirty="0"/>
+              <a:t>” </a:t>
+            </a:r>
+          </a:p>
+        </p:txBody>
+      </p:sp>
+      <p:sp>
+        <p:nvSpPr>
           <p:cNvPr id="4" name="Slide Number Placeholder 3"/>
           <p:cNvSpPr>
             <a:spLocks noGrp="1"/>
@@ -2257,48 +2484,10 @@
           </a:p>
         </p:txBody>
       </p:sp>
-      <p:sp>
-        <p:nvSpPr>
-          <p:cNvPr id="9" name="Slide Image Placeholder 8"/>
-          <p:cNvSpPr>
-            <a:spLocks noGrp="1" noRot="1" noChangeAspect="1"/>
-          </p:cNvSpPr>
-          <p:nvPr>
-            <p:ph type="sldImg"/>
-          </p:nvPr>
-        </p:nvSpPr>
-        <p:spPr>
-          <a:xfrm>
-            <a:off x="547688" y="612775"/>
-            <a:ext cx="5762625" cy="3241675"/>
-          </a:xfrm>
-        </p:spPr>
-      </p:sp>
-      <p:sp>
-        <p:nvSpPr>
-          <p:cNvPr id="10" name="Notes Placeholder 9"/>
-          <p:cNvSpPr>
-            <a:spLocks noGrp="1"/>
-          </p:cNvSpPr>
-          <p:nvPr>
-            <p:ph type="body" idx="1"/>
-          </p:nvPr>
-        </p:nvSpPr>
-        <p:spPr/>
-        <p:txBody>
-          <a:bodyPr>
-            <a:normAutofit/>
-          </a:bodyPr>
-          <a:lstStyle/>
-          <a:p>
-            <a:endParaRPr lang="en-US" dirty="0"/>
-          </a:p>
-        </p:txBody>
-      </p:sp>
     </p:spTree>
     <p:extLst>
       <p:ext uri="{BB962C8B-B14F-4D97-AF65-F5344CB8AC3E}">
-        <p14:creationId xmlns:p14="http://schemas.microsoft.com/office/powerpoint/2010/main" val="3968705523"/>
+        <p14:creationId xmlns:p14="http://schemas.microsoft.com/office/powerpoint/2010/main" val="624260277"/>
       </p:ext>
     </p:extLst>
   </p:cSld>
@@ -9959,6 +10148,438 @@
           <a:chExt cx="0" cy="0"/>
         </a:xfrm>
       </p:grpSpPr>
+      <p:pic>
+        <p:nvPicPr>
+          <p:cNvPr id="3" name="Picture 2"/>
+          <p:cNvPicPr>
+            <a:picLocks noChangeAspect="1"/>
+          </p:cNvPicPr>
+          <p:nvPr/>
+        </p:nvPicPr>
+        <p:blipFill>
+          <a:blip r:embed="rId3"/>
+          <a:stretch>
+            <a:fillRect/>
+          </a:stretch>
+        </p:blipFill>
+        <p:spPr>
+          <a:xfrm>
+            <a:off x="504001" y="1116542"/>
+            <a:ext cx="3867974" cy="5120670"/>
+          </a:xfrm>
+          <a:prstGeom prst="rect">
+            <a:avLst/>
+          </a:prstGeom>
+        </p:spPr>
+      </p:pic>
+      <p:sp>
+        <p:nvSpPr>
+          <p:cNvPr id="2" name="Title 1"/>
+          <p:cNvSpPr>
+            <a:spLocks noGrp="1"/>
+          </p:cNvSpPr>
+          <p:nvPr>
+            <p:ph type="title"/>
+          </p:nvPr>
+        </p:nvSpPr>
+        <p:spPr/>
+        <p:txBody>
+          <a:bodyPr/>
+          <a:lstStyle/>
+          <a:p>
+            <a:r>
+              <a:rPr lang="en-US" dirty="0"/>
+              <a:t>Pod definition - </a:t>
+            </a:r>
+            <a:r>
+              <a:rPr lang="en-US" b="0" dirty="0">
+                <a:hlinkClick r:id="rId4"/>
+              </a:rPr>
+              <a:t>https://kubernetes.io/docs/api-reference/v1.8/#pod-v1-core</a:t>
+            </a:r>
+            <a:r>
+              <a:rPr lang="en-US" b="0" dirty="0"/>
+              <a:t>  </a:t>
+            </a:r>
+          </a:p>
+        </p:txBody>
+      </p:sp>
+      <p:sp>
+        <p:nvSpPr>
+          <p:cNvPr id="15" name="Speech Bubble: Rectangle 14"/>
+          <p:cNvSpPr/>
+          <p:nvPr/>
+        </p:nvSpPr>
+        <p:spPr bwMode="gray">
+          <a:xfrm>
+            <a:off x="5490755" y="1116542"/>
+            <a:ext cx="5442076" cy="572921"/>
+          </a:xfrm>
+          <a:prstGeom prst="wedgeRectCallout">
+            <a:avLst>
+              <a:gd name="adj1" fmla="val -91535"/>
+              <a:gd name="adj2" fmla="val -12354"/>
+            </a:avLst>
+          </a:prstGeom>
+          <a:ln>
+            <a:headEnd/>
+            <a:tailEnd/>
+          </a:ln>
+        </p:spPr>
+        <p:style>
+          <a:lnRef idx="2">
+            <a:schemeClr val="accent5"/>
+          </a:lnRef>
+          <a:fillRef idx="1">
+            <a:schemeClr val="lt1"/>
+          </a:fillRef>
+          <a:effectRef idx="0">
+            <a:schemeClr val="accent5"/>
+          </a:effectRef>
+          <a:fontRef idx="minor">
+            <a:schemeClr val="dk1"/>
+          </a:fontRef>
+        </p:style>
+        <p:txBody>
+          <a:bodyPr lIns="90000" tIns="72000" rIns="90000" bIns="72000" rtlCol="0" anchor="ctr"/>
+          <a:lstStyle/>
+          <a:p>
+            <a:pPr marR="0" algn="ctr" defTabSz="914400" eaLnBrk="1" fontAlgn="base" latinLnBrk="0" hangingPunct="1">
+              <a:lnSpc>
+                <a:spcPct val="100000"/>
+              </a:lnSpc>
+              <a:spcBef>
+                <a:spcPct val="50000"/>
+              </a:spcBef>
+              <a:spcAft>
+                <a:spcPct val="0"/>
+              </a:spcAft>
+              <a:buClr>
+                <a:srgbClr val="F0AB00"/>
+              </a:buClr>
+              <a:buSzPct val="80000"/>
+              <a:tabLst/>
+            </a:pPr>
+            <a:r>
+              <a:rPr lang="en-US" sz="1800" kern="0" dirty="0">
+                <a:ea typeface="Arial Unicode MS" pitchFamily="34" charset="-128"/>
+                <a:cs typeface="Arial Unicode MS" pitchFamily="34" charset="-128"/>
+              </a:rPr>
+              <a:t>Resources of “</a:t>
+            </a:r>
+            <a:r>
+              <a:rPr lang="en-US" sz="1800" kern="0" dirty="0" err="1">
+                <a:ea typeface="Arial Unicode MS" pitchFamily="34" charset="-128"/>
+                <a:cs typeface="Arial Unicode MS" pitchFamily="34" charset="-128"/>
+              </a:rPr>
+              <a:t>kind:pod</a:t>
+            </a:r>
+            <a:r>
+              <a:rPr lang="en-US" sz="1800" kern="0" dirty="0">
+                <a:ea typeface="Arial Unicode MS" pitchFamily="34" charset="-128"/>
+                <a:cs typeface="Arial Unicode MS" pitchFamily="34" charset="-128"/>
+              </a:rPr>
+              <a:t>” belong to “</a:t>
+            </a:r>
+            <a:r>
+              <a:rPr lang="en-US" sz="1800" kern="0" dirty="0" err="1">
+                <a:ea typeface="Arial Unicode MS" pitchFamily="34" charset="-128"/>
+                <a:cs typeface="Arial Unicode MS" pitchFamily="34" charset="-128"/>
+              </a:rPr>
+              <a:t>apiVersion</a:t>
+            </a:r>
+            <a:r>
+              <a:rPr lang="en-US" sz="1800" kern="0" dirty="0">
+                <a:ea typeface="Arial Unicode MS" pitchFamily="34" charset="-128"/>
+                <a:cs typeface="Arial Unicode MS" pitchFamily="34" charset="-128"/>
+              </a:rPr>
+              <a:t>: v1”</a:t>
+            </a:r>
+            <a:endParaRPr kumimoji="0" lang="en-US" sz="1800" b="0" i="0" u="none" strike="noStrike" kern="0" cap="none" spc="0" normalizeH="0" baseline="0" noProof="0" dirty="0">
+              <a:ln>
+                <a:noFill/>
+              </a:ln>
+              <a:effectLst/>
+              <a:uLnTx/>
+              <a:uFillTx/>
+              <a:ea typeface="Arial Unicode MS" pitchFamily="34" charset="-128"/>
+              <a:cs typeface="Arial Unicode MS" pitchFamily="34" charset="-128"/>
+            </a:endParaRPr>
+          </a:p>
+        </p:txBody>
+      </p:sp>
+      <p:sp>
+        <p:nvSpPr>
+          <p:cNvPr id="16" name="Speech Bubble: Rectangle 15"/>
+          <p:cNvSpPr/>
+          <p:nvPr/>
+        </p:nvSpPr>
+        <p:spPr bwMode="gray">
+          <a:xfrm>
+            <a:off x="5490755" y="1905960"/>
+            <a:ext cx="5442076" cy="645064"/>
+          </a:xfrm>
+          <a:prstGeom prst="wedgeRectCallout">
+            <a:avLst>
+              <a:gd name="adj1" fmla="val -84512"/>
+              <a:gd name="adj2" fmla="val -21992"/>
+            </a:avLst>
+          </a:prstGeom>
+          <a:ln>
+            <a:headEnd/>
+            <a:tailEnd/>
+          </a:ln>
+        </p:spPr>
+        <p:style>
+          <a:lnRef idx="2">
+            <a:schemeClr val="accent5"/>
+          </a:lnRef>
+          <a:fillRef idx="1">
+            <a:schemeClr val="lt1"/>
+          </a:fillRef>
+          <a:effectRef idx="0">
+            <a:schemeClr val="accent5"/>
+          </a:effectRef>
+          <a:fontRef idx="minor">
+            <a:schemeClr val="dk1"/>
+          </a:fontRef>
+        </p:style>
+        <p:txBody>
+          <a:bodyPr lIns="90000" tIns="72000" rIns="90000" bIns="72000" rtlCol="0" anchor="ctr"/>
+          <a:lstStyle/>
+          <a:p>
+            <a:pPr marR="0" algn="ctr" defTabSz="914400" eaLnBrk="1" fontAlgn="base" latinLnBrk="0" hangingPunct="1">
+              <a:lnSpc>
+                <a:spcPct val="100000"/>
+              </a:lnSpc>
+              <a:spcBef>
+                <a:spcPct val="50000"/>
+              </a:spcBef>
+              <a:spcAft>
+                <a:spcPct val="0"/>
+              </a:spcAft>
+              <a:buClr>
+                <a:srgbClr val="F0AB00"/>
+              </a:buClr>
+              <a:buSzPct val="80000"/>
+              <a:tabLst/>
+            </a:pPr>
+            <a:r>
+              <a:rPr lang="en-US" sz="1800" kern="0" noProof="0" dirty="0">
+                <a:ea typeface="Arial Unicode MS" pitchFamily="34" charset="-128"/>
+                <a:cs typeface="Arial Unicode MS" pitchFamily="34" charset="-128"/>
+              </a:rPr>
+              <a:t>Within “metadata” the pod’s name is specified</a:t>
+            </a:r>
+            <a:endParaRPr kumimoji="0" lang="en-US" sz="1800" b="0" i="0" u="none" strike="noStrike" kern="0" cap="none" spc="0" normalizeH="0" baseline="0" noProof="0" dirty="0">
+              <a:ln>
+                <a:noFill/>
+              </a:ln>
+              <a:effectLst/>
+              <a:uLnTx/>
+              <a:uFillTx/>
+              <a:ea typeface="Arial Unicode MS" pitchFamily="34" charset="-128"/>
+              <a:cs typeface="Arial Unicode MS" pitchFamily="34" charset="-128"/>
+            </a:endParaRPr>
+          </a:p>
+        </p:txBody>
+      </p:sp>
+      <p:sp>
+        <p:nvSpPr>
+          <p:cNvPr id="17" name="Speech Bubble: Rectangle 16"/>
+          <p:cNvSpPr/>
+          <p:nvPr/>
+        </p:nvSpPr>
+        <p:spPr bwMode="gray">
+          <a:xfrm>
+            <a:off x="5490755" y="2872296"/>
+            <a:ext cx="5442076" cy="1337396"/>
+          </a:xfrm>
+          <a:prstGeom prst="wedgeRectCallout">
+            <a:avLst>
+              <a:gd name="adj1" fmla="val -84859"/>
+              <a:gd name="adj2" fmla="val -34045"/>
+            </a:avLst>
+          </a:prstGeom>
+          <a:ln>
+            <a:headEnd/>
+            <a:tailEnd/>
+          </a:ln>
+        </p:spPr>
+        <p:style>
+          <a:lnRef idx="2">
+            <a:schemeClr val="accent5"/>
+          </a:lnRef>
+          <a:fillRef idx="1">
+            <a:schemeClr val="lt1"/>
+          </a:fillRef>
+          <a:effectRef idx="0">
+            <a:schemeClr val="accent5"/>
+          </a:effectRef>
+          <a:fontRef idx="minor">
+            <a:schemeClr val="dk1"/>
+          </a:fontRef>
+        </p:style>
+        <p:txBody>
+          <a:bodyPr lIns="90000" tIns="72000" rIns="90000" bIns="72000" rtlCol="0" anchor="ctr"/>
+          <a:lstStyle/>
+          <a:p>
+            <a:pPr marR="0" algn="ctr" defTabSz="914400" eaLnBrk="1" fontAlgn="base" latinLnBrk="0" hangingPunct="1">
+              <a:lnSpc>
+                <a:spcPct val="100000"/>
+              </a:lnSpc>
+              <a:spcBef>
+                <a:spcPct val="50000"/>
+              </a:spcBef>
+              <a:spcAft>
+                <a:spcPct val="0"/>
+              </a:spcAft>
+              <a:buClr>
+                <a:srgbClr val="F0AB00"/>
+              </a:buClr>
+              <a:buSzPct val="80000"/>
+              <a:tabLst/>
+            </a:pPr>
+            <a:r>
+              <a:rPr lang="en-US" sz="1800" kern="0" noProof="0" dirty="0">
+                <a:ea typeface="Arial Unicode MS" pitchFamily="34" charset="-128"/>
+                <a:cs typeface="Arial Unicode MS" pitchFamily="34" charset="-128"/>
+              </a:rPr>
+              <a:t>The pod’s “spec” provides all the necessary details, like the image to use, to actually start a container</a:t>
+            </a:r>
+            <a:endParaRPr kumimoji="0" lang="en-US" sz="1800" b="0" i="0" u="none" strike="noStrike" kern="0" cap="none" spc="0" normalizeH="0" baseline="0" noProof="0" dirty="0">
+              <a:ln>
+                <a:noFill/>
+              </a:ln>
+              <a:effectLst/>
+              <a:uLnTx/>
+              <a:uFillTx/>
+              <a:ea typeface="Arial Unicode MS" pitchFamily="34" charset="-128"/>
+              <a:cs typeface="Arial Unicode MS" pitchFamily="34" charset="-128"/>
+            </a:endParaRPr>
+          </a:p>
+        </p:txBody>
+      </p:sp>
+      <p:sp>
+        <p:nvSpPr>
+          <p:cNvPr id="8" name="Speech Bubble: Rectangle 7"/>
+          <p:cNvSpPr/>
+          <p:nvPr/>
+        </p:nvSpPr>
+        <p:spPr bwMode="gray">
+          <a:xfrm>
+            <a:off x="5490755" y="4697372"/>
+            <a:ext cx="5442076" cy="1337396"/>
+          </a:xfrm>
+          <a:prstGeom prst="wedgeRectCallout">
+            <a:avLst>
+              <a:gd name="adj1" fmla="val -86609"/>
+              <a:gd name="adj2" fmla="val -26211"/>
+            </a:avLst>
+          </a:prstGeom>
+          <a:ln>
+            <a:headEnd/>
+            <a:tailEnd/>
+          </a:ln>
+        </p:spPr>
+        <p:style>
+          <a:lnRef idx="2">
+            <a:schemeClr val="accent5"/>
+          </a:lnRef>
+          <a:fillRef idx="1">
+            <a:schemeClr val="lt1"/>
+          </a:fillRef>
+          <a:effectRef idx="0">
+            <a:schemeClr val="accent5"/>
+          </a:effectRef>
+          <a:fontRef idx="minor">
+            <a:schemeClr val="dk1"/>
+          </a:fontRef>
+        </p:style>
+        <p:txBody>
+          <a:bodyPr lIns="90000" tIns="72000" rIns="90000" bIns="72000" rtlCol="0" anchor="ctr"/>
+          <a:lstStyle/>
+          <a:p>
+            <a:pPr marR="0" algn="ctr" defTabSz="914400" eaLnBrk="1" fontAlgn="base" latinLnBrk="0" hangingPunct="1">
+              <a:lnSpc>
+                <a:spcPct val="100000"/>
+              </a:lnSpc>
+              <a:spcBef>
+                <a:spcPct val="50000"/>
+              </a:spcBef>
+              <a:spcAft>
+                <a:spcPct val="0"/>
+              </a:spcAft>
+              <a:buClr>
+                <a:srgbClr val="F0AB00"/>
+              </a:buClr>
+              <a:buSzPct val="80000"/>
+              <a:tabLst/>
+            </a:pPr>
+            <a:r>
+              <a:rPr lang="en-US" sz="1800" kern="0" noProof="0" dirty="0">
+                <a:ea typeface="Arial Unicode MS" pitchFamily="34" charset="-128"/>
+                <a:cs typeface="Arial Unicode MS" pitchFamily="34" charset="-128"/>
+              </a:rPr>
+              <a:t>The </a:t>
+            </a:r>
+            <a:r>
+              <a:rPr lang="en-US" sz="1800" kern="0" noProof="0" dirty="0" err="1">
+                <a:ea typeface="Arial Unicode MS" pitchFamily="34" charset="-128"/>
+                <a:cs typeface="Arial Unicode MS" pitchFamily="34" charset="-128"/>
+              </a:rPr>
+              <a:t>livenessProbe</a:t>
+            </a:r>
+            <a:r>
+              <a:rPr lang="en-US" sz="1800" kern="0" noProof="0" dirty="0">
+                <a:ea typeface="Arial Unicode MS" pitchFamily="34" charset="-128"/>
+                <a:cs typeface="Arial Unicode MS" pitchFamily="34" charset="-128"/>
+              </a:rPr>
+              <a:t> defines a check, to determine, if the pod is in a healthy state</a:t>
+            </a:r>
+            <a:endParaRPr kumimoji="0" lang="en-US" sz="1800" b="0" i="0" u="none" strike="noStrike" kern="0" cap="none" spc="0" normalizeH="0" baseline="0" noProof="0" dirty="0">
+              <a:ln>
+                <a:noFill/>
+              </a:ln>
+              <a:effectLst/>
+              <a:uLnTx/>
+              <a:uFillTx/>
+              <a:ea typeface="Arial Unicode MS" pitchFamily="34" charset="-128"/>
+              <a:cs typeface="Arial Unicode MS" pitchFamily="34" charset="-128"/>
+            </a:endParaRPr>
+          </a:p>
+        </p:txBody>
+      </p:sp>
+    </p:spTree>
+    <p:extLst>
+      <p:ext uri="{BB962C8B-B14F-4D97-AF65-F5344CB8AC3E}">
+        <p14:creationId xmlns:p14="http://schemas.microsoft.com/office/powerpoint/2010/main" val="2266641752"/>
+      </p:ext>
+    </p:extLst>
+  </p:cSld>
+  <p:clrMapOvr>
+    <a:masterClrMapping/>
+  </p:clrMapOvr>
+</p:sld>
+</file>
+
+<file path=ppt/slides/slide11.xml><?xml version="1.0" encoding="utf-8"?>
+<p:sld xmlns:a="http://schemas.openxmlformats.org/drawingml/2006/main" xmlns:r="http://schemas.openxmlformats.org/officeDocument/2006/relationships" xmlns:p="http://schemas.openxmlformats.org/presentationml/2006/main">
+  <p:cSld>
+    <p:spTree>
+      <p:nvGrpSpPr>
+        <p:cNvPr id="1" name=""/>
+        <p:cNvGrpSpPr/>
+        <p:nvPr/>
+      </p:nvGrpSpPr>
+      <p:grpSpPr>
+        <a:xfrm>
+          <a:off x="0" y="0"/>
+          <a:ext cx="0" cy="0"/>
+          <a:chOff x="0" y="0"/>
+          <a:chExt cx="0" cy="0"/>
+        </a:xfrm>
+      </p:grpSpPr>
       <p:sp>
         <p:nvSpPr>
           <p:cNvPr id="3" name="Title 2"/>
@@ -10432,7 +11053,7 @@
 </p:sld>
 </file>
 
-<file path=ppt/slides/slide11.xml><?xml version="1.0" encoding="utf-8"?>
+<file path=ppt/slides/slide12.xml><?xml version="1.0" encoding="utf-8"?>
 <p:sld xmlns:a="http://schemas.openxmlformats.org/drawingml/2006/main" xmlns:r="http://schemas.openxmlformats.org/officeDocument/2006/relationships" xmlns:p="http://schemas.openxmlformats.org/presentationml/2006/main">
   <p:cSld>
     <p:spTree>
@@ -10514,7 +11135,7 @@
 </p:sld>
 </file>
 
-<file path=ppt/slides/slide12.xml><?xml version="1.0" encoding="utf-8"?>
+<file path=ppt/slides/slide13.xml><?xml version="1.0" encoding="utf-8"?>
 <p:sld xmlns:a="http://schemas.openxmlformats.org/drawingml/2006/main" xmlns:r="http://schemas.openxmlformats.org/officeDocument/2006/relationships" xmlns:p="http://schemas.openxmlformats.org/presentationml/2006/main">
   <p:cSld>
     <p:spTree>
@@ -11372,7 +11993,7 @@
 </p:sld>
 </file>
 
-<file path=ppt/slides/slide13.xml><?xml version="1.0" encoding="utf-8"?>
+<file path=ppt/slides/slide14.xml><?xml version="1.0" encoding="utf-8"?>
 <p:sld xmlns:a="http://schemas.openxmlformats.org/drawingml/2006/main" xmlns:r="http://schemas.openxmlformats.org/officeDocument/2006/relationships" xmlns:p="http://schemas.openxmlformats.org/presentationml/2006/main" show="0">
   <p:cSld>
     <p:spTree>
@@ -11920,14 +12541,14 @@
             </a:r>
             <a:r>
               <a:rPr lang="en-US" dirty="0"/>
-              <a:t> but can die any time without necessarily being re-scheduled</a:t>
+              <a:t> but can deleted any time without necessarily being re-scheduled</a:t>
             </a:r>
           </a:p>
           <a:p>
             <a:pPr lvl="1"/>
             <a:r>
               <a:rPr lang="en-US" dirty="0"/>
-              <a:t>Pods can be probed by </a:t>
+              <a:t>Container in a pod can be probed by </a:t>
             </a:r>
             <a:r>
               <a:rPr lang="en-US" dirty="0" err="1"/>
@@ -12567,7 +13188,7 @@
                 <a:ea typeface="Arial Unicode MS" pitchFamily="34" charset="-128"/>
                 <a:cs typeface="Arial Unicode MS" pitchFamily="34" charset="-128"/>
               </a:rPr>
-              <a:t>c</a:t>
+              <a:t>C</a:t>
             </a:r>
             <a:r>
               <a:rPr kumimoji="0" lang="de-DE" sz="1800" b="0" i="0" u="none" strike="noStrike" kern="0" cap="none" spc="0" normalizeH="0" baseline="0" noProof="0" dirty="0" err="1">
@@ -12582,16 +13203,19 @@
               </a:rPr>
               <a:t>ontainer</a:t>
             </a:r>
-            <a:endParaRPr kumimoji="0" lang="de-DE" sz="1800" b="0" i="0" u="none" strike="noStrike" kern="0" cap="none" spc="0" normalizeH="0" baseline="0" noProof="0" dirty="0">
-              <a:ln>
-                <a:noFill/>
-              </a:ln>
-              <a:effectLst/>
-              <a:uLnTx/>
-              <a:uFillTx/>
-              <a:ea typeface="Arial Unicode MS" pitchFamily="34" charset="-128"/>
-              <a:cs typeface="Arial Unicode MS" pitchFamily="34" charset="-128"/>
-            </a:endParaRPr>
+            <a:r>
+              <a:rPr kumimoji="0" lang="de-DE" sz="1800" b="0" i="0" u="none" strike="noStrike" kern="0" cap="none" spc="0" normalizeH="0" baseline="0" noProof="0" dirty="0">
+                <a:ln>
+                  <a:noFill/>
+                </a:ln>
+                <a:effectLst/>
+                <a:uLnTx/>
+                <a:uFillTx/>
+                <a:ea typeface="Arial Unicode MS" pitchFamily="34" charset="-128"/>
+                <a:cs typeface="Arial Unicode MS" pitchFamily="34" charset="-128"/>
+              </a:rPr>
+              <a:t>:</a:t>
+            </a:r>
           </a:p>
           <a:p>
             <a:pPr marR="0" algn="ctr" defTabSz="914400" eaLnBrk="1" fontAlgn="base" latinLnBrk="0" hangingPunct="1">
@@ -12767,7 +13391,7 @@
                 <a:ea typeface="Arial Unicode MS" pitchFamily="34" charset="-128"/>
                 <a:cs typeface="Arial Unicode MS" pitchFamily="34" charset="-128"/>
               </a:rPr>
-              <a:t>c</a:t>
+              <a:t>C</a:t>
             </a:r>
             <a:r>
               <a:rPr kumimoji="0" lang="de-DE" sz="1800" b="0" i="0" u="none" strike="noStrike" kern="0" cap="none" spc="0" normalizeH="0" baseline="0" noProof="0" dirty="0" err="1">
@@ -12782,16 +13406,19 @@
               </a:rPr>
               <a:t>ontainer</a:t>
             </a:r>
-            <a:endParaRPr kumimoji="0" lang="de-DE" sz="1800" b="0" i="0" u="none" strike="noStrike" kern="0" cap="none" spc="0" normalizeH="0" baseline="0" noProof="0" dirty="0">
-              <a:ln>
-                <a:noFill/>
-              </a:ln>
-              <a:effectLst/>
-              <a:uLnTx/>
-              <a:uFillTx/>
-              <a:ea typeface="Arial Unicode MS" pitchFamily="34" charset="-128"/>
-              <a:cs typeface="Arial Unicode MS" pitchFamily="34" charset="-128"/>
-            </a:endParaRPr>
+            <a:r>
+              <a:rPr kumimoji="0" lang="de-DE" sz="1800" b="0" i="0" u="none" strike="noStrike" kern="0" cap="none" spc="0" normalizeH="0" baseline="0" noProof="0" dirty="0">
+                <a:ln>
+                  <a:noFill/>
+                </a:ln>
+                <a:effectLst/>
+                <a:uLnTx/>
+                <a:uFillTx/>
+                <a:ea typeface="Arial Unicode MS" pitchFamily="34" charset="-128"/>
+                <a:cs typeface="Arial Unicode MS" pitchFamily="34" charset="-128"/>
+              </a:rPr>
+              <a:t>:</a:t>
+            </a:r>
           </a:p>
           <a:p>
             <a:pPr marR="0" algn="ctr" defTabSz="914400" eaLnBrk="1" fontAlgn="base" latinLnBrk="0" hangingPunct="1">
@@ -12888,7 +13515,7 @@
                 <a:ea typeface="Arial Unicode MS" pitchFamily="34" charset="-128"/>
                 <a:cs typeface="Arial Unicode MS" pitchFamily="34" charset="-128"/>
               </a:rPr>
-              <a:t>c</a:t>
+              <a:t>C</a:t>
             </a:r>
             <a:r>
               <a:rPr kumimoji="0" lang="de-DE" sz="1800" b="0" i="0" u="none" strike="noStrike" kern="0" cap="none" spc="0" normalizeH="0" baseline="0" noProof="0" dirty="0" err="1">
@@ -12902,6 +13529,13 @@
                 <a:cs typeface="Arial Unicode MS" pitchFamily="34" charset="-128"/>
               </a:rPr>
               <a:t>ontainer</a:t>
+            </a:r>
+            <a:r>
+              <a:rPr lang="de-DE" sz="1800" kern="0" dirty="0">
+                <a:ea typeface="Arial Unicode MS" pitchFamily="34" charset="-128"/>
+                <a:cs typeface="Arial Unicode MS" pitchFamily="34" charset="-128"/>
+              </a:rPr>
+              <a:t>:</a:t>
             </a:r>
             <a:endParaRPr kumimoji="0" lang="de-DE" sz="1800" b="0" i="0" u="none" strike="noStrike" kern="0" cap="none" spc="0" normalizeH="0" baseline="0" noProof="0" dirty="0">
               <a:ln>
@@ -13420,7 +14054,7 @@
                   <a:ea typeface="Arial Unicode MS" pitchFamily="34" charset="-128"/>
                   <a:cs typeface="Arial Unicode MS" pitchFamily="34" charset="-128"/>
                 </a:rPr>
-                <a:t>c</a:t>
+                <a:t>C</a:t>
               </a:r>
               <a:r>
                 <a:rPr kumimoji="0" lang="de-DE" sz="1800" b="0" i="0" u="none" strike="noStrike" kern="0" cap="none" spc="0" normalizeH="0" baseline="0" noProof="0" dirty="0" err="1">
@@ -13435,16 +14069,19 @@
                 </a:rPr>
                 <a:t>ontainer</a:t>
               </a:r>
-              <a:endParaRPr kumimoji="0" lang="de-DE" sz="1800" b="0" i="0" u="none" strike="noStrike" kern="0" cap="none" spc="0" normalizeH="0" baseline="0" noProof="0" dirty="0">
-                <a:ln>
-                  <a:noFill/>
-                </a:ln>
-                <a:effectLst/>
-                <a:uLnTx/>
-                <a:uFillTx/>
-                <a:ea typeface="Arial Unicode MS" pitchFamily="34" charset="-128"/>
-                <a:cs typeface="Arial Unicode MS" pitchFamily="34" charset="-128"/>
-              </a:endParaRPr>
+              <a:r>
+                <a:rPr kumimoji="0" lang="de-DE" sz="1800" b="0" i="0" u="none" strike="noStrike" kern="0" cap="none" spc="0" normalizeH="0" baseline="0" noProof="0" dirty="0">
+                  <a:ln>
+                    <a:noFill/>
+                  </a:ln>
+                  <a:effectLst/>
+                  <a:uLnTx/>
+                  <a:uFillTx/>
+                  <a:ea typeface="Arial Unicode MS" pitchFamily="34" charset="-128"/>
+                  <a:cs typeface="Arial Unicode MS" pitchFamily="34" charset="-128"/>
+                </a:rPr>
+                <a:t>:</a:t>
+              </a:r>
             </a:p>
             <a:p>
               <a:pPr marR="0" algn="ctr" defTabSz="914400" eaLnBrk="1" fontAlgn="base" latinLnBrk="0" hangingPunct="1">
@@ -13632,7 +14269,7 @@
                   <a:ea typeface="Arial Unicode MS" pitchFamily="34" charset="-128"/>
                   <a:cs typeface="Arial Unicode MS" pitchFamily="34" charset="-128"/>
                 </a:rPr>
-                <a:t>c</a:t>
+                <a:t>C</a:t>
               </a:r>
               <a:r>
                 <a:rPr kumimoji="0" lang="de-DE" sz="1800" b="0" i="0" u="none" strike="noStrike" kern="0" cap="none" spc="0" normalizeH="0" baseline="0" noProof="0" dirty="0" err="1">
@@ -13647,16 +14284,19 @@
                 </a:rPr>
                 <a:t>ontainer</a:t>
               </a:r>
-              <a:endParaRPr kumimoji="0" lang="de-DE" sz="1800" b="0" i="0" u="none" strike="noStrike" kern="0" cap="none" spc="0" normalizeH="0" baseline="0" noProof="0" dirty="0">
-                <a:ln>
-                  <a:noFill/>
-                </a:ln>
-                <a:effectLst/>
-                <a:uLnTx/>
-                <a:uFillTx/>
-                <a:ea typeface="Arial Unicode MS" pitchFamily="34" charset="-128"/>
-                <a:cs typeface="Arial Unicode MS" pitchFamily="34" charset="-128"/>
-              </a:endParaRPr>
+              <a:r>
+                <a:rPr kumimoji="0" lang="de-DE" sz="1800" b="0" i="0" u="none" strike="noStrike" kern="0" cap="none" spc="0" normalizeH="0" baseline="0" noProof="0" dirty="0">
+                  <a:ln>
+                    <a:noFill/>
+                  </a:ln>
+                  <a:effectLst/>
+                  <a:uLnTx/>
+                  <a:uFillTx/>
+                  <a:ea typeface="Arial Unicode MS" pitchFamily="34" charset="-128"/>
+                  <a:cs typeface="Arial Unicode MS" pitchFamily="34" charset="-128"/>
+                </a:rPr>
+                <a:t>:</a:t>
+              </a:r>
             </a:p>
             <a:p>
               <a:pPr marR="0" algn="ctr" defTabSz="914400" eaLnBrk="1" fontAlgn="base" latinLnBrk="0" hangingPunct="1">
@@ -14014,6 +14654,1397 @@
 </file>
 
 <file path=ppt/slides/slide6.xml><?xml version="1.0" encoding="utf-8"?>
+<p:sld xmlns:a="http://schemas.openxmlformats.org/drawingml/2006/main" xmlns:r="http://schemas.openxmlformats.org/officeDocument/2006/relationships" xmlns:p="http://schemas.openxmlformats.org/presentationml/2006/main">
+  <p:cSld>
+    <p:spTree>
+      <p:nvGrpSpPr>
+        <p:cNvPr id="1" name=""/>
+        <p:cNvGrpSpPr/>
+        <p:nvPr/>
+      </p:nvGrpSpPr>
+      <p:grpSpPr>
+        <a:xfrm>
+          <a:off x="0" y="0"/>
+          <a:ext cx="0" cy="0"/>
+          <a:chOff x="0" y="0"/>
+          <a:chExt cx="0" cy="0"/>
+        </a:xfrm>
+      </p:grpSpPr>
+      <p:sp>
+        <p:nvSpPr>
+          <p:cNvPr id="2" name="Title 1">
+            <a:extLst>
+              <a:ext uri="{FF2B5EF4-FFF2-40B4-BE49-F238E27FC236}">
+                <a16:creationId xmlns:a16="http://schemas.microsoft.com/office/drawing/2014/main" id="{1F359F9F-DEDE-4C8C-BE1B-4525716F9797}"/>
+              </a:ext>
+            </a:extLst>
+          </p:cNvPr>
+          <p:cNvSpPr>
+            <a:spLocks noGrp="1"/>
+          </p:cNvSpPr>
+          <p:nvPr>
+            <p:ph type="title"/>
+          </p:nvPr>
+        </p:nvSpPr>
+        <p:spPr/>
+        <p:txBody>
+          <a:bodyPr/>
+          <a:lstStyle/>
+          <a:p>
+            <a:r>
+              <a:rPr lang="en-US" dirty="0"/>
+              <a:t>Anti-pattern: don’t create God pods</a:t>
+            </a:r>
+          </a:p>
+        </p:txBody>
+      </p:sp>
+      <p:sp>
+        <p:nvSpPr>
+          <p:cNvPr id="4" name="Rectangle 3">
+            <a:extLst>
+              <a:ext uri="{FF2B5EF4-FFF2-40B4-BE49-F238E27FC236}">
+                <a16:creationId xmlns:a16="http://schemas.microsoft.com/office/drawing/2014/main" id="{496E00E7-CF7B-4F86-A0F3-B0EDCE3D2F3E}"/>
+              </a:ext>
+            </a:extLst>
+          </p:cNvPr>
+          <p:cNvSpPr/>
+          <p:nvPr/>
+        </p:nvSpPr>
+        <p:spPr bwMode="gray">
+          <a:xfrm>
+            <a:off x="504001" y="1756128"/>
+            <a:ext cx="11186476" cy="3995744"/>
+          </a:xfrm>
+          <a:prstGeom prst="rect">
+            <a:avLst/>
+          </a:prstGeom>
+          <a:ln>
+            <a:headEnd/>
+            <a:tailEnd/>
+          </a:ln>
+        </p:spPr>
+        <p:style>
+          <a:lnRef idx="2">
+            <a:schemeClr val="accent2">
+              <a:shade val="50000"/>
+            </a:schemeClr>
+          </a:lnRef>
+          <a:fillRef idx="1">
+            <a:schemeClr val="accent2"/>
+          </a:fillRef>
+          <a:effectRef idx="0">
+            <a:schemeClr val="accent2"/>
+          </a:effectRef>
+          <a:fontRef idx="minor">
+            <a:schemeClr val="lt1"/>
+          </a:fontRef>
+        </p:style>
+        <p:txBody>
+          <a:bodyPr lIns="90000" tIns="72000" rIns="90000" bIns="72000" rtlCol="0" anchor="t"/>
+          <a:lstStyle/>
+          <a:p>
+            <a:pPr marR="0" algn="ctr" defTabSz="914400" eaLnBrk="1" fontAlgn="base" latinLnBrk="0" hangingPunct="1">
+              <a:lnSpc>
+                <a:spcPct val="100000"/>
+              </a:lnSpc>
+              <a:spcBef>
+                <a:spcPct val="50000"/>
+              </a:spcBef>
+              <a:spcAft>
+                <a:spcPct val="0"/>
+              </a:spcAft>
+              <a:buClr>
+                <a:srgbClr val="F0AB00"/>
+              </a:buClr>
+              <a:buSzPct val="80000"/>
+              <a:tabLst/>
+            </a:pPr>
+            <a:r>
+              <a:rPr lang="de-DE" sz="1600" b="1" kern="0" dirty="0">
+                <a:ea typeface="Arial Unicode MS" pitchFamily="34" charset="-128"/>
+                <a:cs typeface="Arial Unicode MS" pitchFamily="34" charset="-128"/>
+              </a:rPr>
+              <a:t>g</a:t>
+            </a:r>
+            <a:r>
+              <a:rPr lang="de-DE" sz="1600" b="1" kern="0" noProof="0" dirty="0" err="1">
+                <a:ea typeface="Arial Unicode MS" pitchFamily="34" charset="-128"/>
+                <a:cs typeface="Arial Unicode MS" pitchFamily="34" charset="-128"/>
+              </a:rPr>
+              <a:t>od-pod</a:t>
+            </a:r>
+            <a:endParaRPr kumimoji="0" lang="de-DE" sz="1600" b="1" i="0" u="none" strike="noStrike" kern="0" cap="none" spc="0" normalizeH="0" baseline="0" noProof="0" dirty="0">
+              <a:ln>
+                <a:noFill/>
+              </a:ln>
+              <a:effectLst/>
+              <a:uLnTx/>
+              <a:uFillTx/>
+              <a:ea typeface="Arial Unicode MS" pitchFamily="34" charset="-128"/>
+              <a:cs typeface="Arial Unicode MS" pitchFamily="34" charset="-128"/>
+            </a:endParaRPr>
+          </a:p>
+        </p:txBody>
+      </p:sp>
+      <p:sp>
+        <p:nvSpPr>
+          <p:cNvPr id="5" name="Rectangle 4">
+            <a:extLst>
+              <a:ext uri="{FF2B5EF4-FFF2-40B4-BE49-F238E27FC236}">
+                <a16:creationId xmlns:a16="http://schemas.microsoft.com/office/drawing/2014/main" id="{731A2D6A-5168-4239-98BE-48EFBE88A7F9}"/>
+              </a:ext>
+            </a:extLst>
+          </p:cNvPr>
+          <p:cNvSpPr/>
+          <p:nvPr/>
+        </p:nvSpPr>
+        <p:spPr bwMode="gray">
+          <a:xfrm>
+            <a:off x="228698" y="1573247"/>
+            <a:ext cx="1645920" cy="365760"/>
+          </a:xfrm>
+          <a:prstGeom prst="rect">
+            <a:avLst/>
+          </a:prstGeom>
+          <a:ln>
+            <a:headEnd/>
+            <a:tailEnd/>
+          </a:ln>
+        </p:spPr>
+        <p:style>
+          <a:lnRef idx="2">
+            <a:schemeClr val="accent2"/>
+          </a:lnRef>
+          <a:fillRef idx="1">
+            <a:schemeClr val="lt1"/>
+          </a:fillRef>
+          <a:effectRef idx="0">
+            <a:schemeClr val="accent2"/>
+          </a:effectRef>
+          <a:fontRef idx="minor">
+            <a:schemeClr val="dk1"/>
+          </a:fontRef>
+        </p:style>
+        <p:txBody>
+          <a:bodyPr lIns="90000" tIns="72000" rIns="90000" bIns="72000" rtlCol="0" anchor="ctr"/>
+          <a:lstStyle/>
+          <a:p>
+            <a:pPr marR="0" algn="ctr" defTabSz="914400" eaLnBrk="1" fontAlgn="base" latinLnBrk="0" hangingPunct="1">
+              <a:lnSpc>
+                <a:spcPct val="100000"/>
+              </a:lnSpc>
+              <a:spcBef>
+                <a:spcPct val="50000"/>
+              </a:spcBef>
+              <a:spcAft>
+                <a:spcPct val="0"/>
+              </a:spcAft>
+              <a:buClr>
+                <a:srgbClr val="F0AB00"/>
+              </a:buClr>
+              <a:buSzPct val="80000"/>
+              <a:tabLst/>
+            </a:pPr>
+            <a:r>
+              <a:rPr kumimoji="0" lang="de-DE" sz="1800" b="0" i="0" u="none" strike="noStrike" kern="0" cap="none" spc="0" normalizeH="0" baseline="0" noProof="0" dirty="0">
+                <a:ln>
+                  <a:noFill/>
+                </a:ln>
+                <a:effectLst/>
+                <a:uLnTx/>
+                <a:uFillTx/>
+                <a:ea typeface="Arial Unicode MS" pitchFamily="34" charset="-128"/>
+                <a:cs typeface="Arial Unicode MS" pitchFamily="34" charset="-128"/>
+              </a:rPr>
+              <a:t>IP: 10.10.10.2</a:t>
+            </a:r>
+          </a:p>
+        </p:txBody>
+      </p:sp>
+      <p:sp>
+        <p:nvSpPr>
+          <p:cNvPr id="6" name="Rectangle 5">
+            <a:extLst>
+              <a:ext uri="{FF2B5EF4-FFF2-40B4-BE49-F238E27FC236}">
+                <a16:creationId xmlns:a16="http://schemas.microsoft.com/office/drawing/2014/main" id="{6B639648-DCAD-4A8A-A370-379B32BB248A}"/>
+              </a:ext>
+            </a:extLst>
+          </p:cNvPr>
+          <p:cNvSpPr/>
+          <p:nvPr/>
+        </p:nvSpPr>
+        <p:spPr bwMode="gray">
+          <a:xfrm>
+            <a:off x="6993929" y="2348591"/>
+            <a:ext cx="1627931" cy="1156258"/>
+          </a:xfrm>
+          <a:prstGeom prst="rect">
+            <a:avLst/>
+          </a:prstGeom>
+          <a:ln>
+            <a:headEnd/>
+            <a:tailEnd/>
+          </a:ln>
+        </p:spPr>
+        <p:style>
+          <a:lnRef idx="2">
+            <a:schemeClr val="accent2"/>
+          </a:lnRef>
+          <a:fillRef idx="1">
+            <a:schemeClr val="lt1"/>
+          </a:fillRef>
+          <a:effectRef idx="0">
+            <a:schemeClr val="accent2"/>
+          </a:effectRef>
+          <a:fontRef idx="minor">
+            <a:schemeClr val="dk1"/>
+          </a:fontRef>
+        </p:style>
+        <p:txBody>
+          <a:bodyPr lIns="90000" tIns="72000" rIns="90000" bIns="72000" rtlCol="0" anchor="ctr"/>
+          <a:lstStyle/>
+          <a:p>
+            <a:pPr marR="0" algn="ctr" defTabSz="914400" eaLnBrk="1" fontAlgn="base" latinLnBrk="0" hangingPunct="1">
+              <a:lnSpc>
+                <a:spcPct val="100000"/>
+              </a:lnSpc>
+              <a:spcBef>
+                <a:spcPct val="50000"/>
+              </a:spcBef>
+              <a:spcAft>
+                <a:spcPct val="0"/>
+              </a:spcAft>
+              <a:buClr>
+                <a:srgbClr val="F0AB00"/>
+              </a:buClr>
+              <a:buSzPct val="80000"/>
+              <a:tabLst/>
+            </a:pPr>
+            <a:r>
+              <a:rPr lang="de-DE" sz="1800" kern="0" dirty="0">
+                <a:ea typeface="Arial Unicode MS" pitchFamily="34" charset="-128"/>
+                <a:cs typeface="Arial Unicode MS" pitchFamily="34" charset="-128"/>
+              </a:rPr>
+              <a:t>C</a:t>
+            </a:r>
+            <a:r>
+              <a:rPr kumimoji="0" lang="de-DE" sz="1800" b="0" i="0" u="none" strike="noStrike" kern="0" cap="none" spc="0" normalizeH="0" baseline="0" noProof="0" dirty="0" err="1">
+                <a:ln>
+                  <a:noFill/>
+                </a:ln>
+                <a:effectLst/>
+                <a:uLnTx/>
+                <a:uFillTx/>
+                <a:ea typeface="Arial Unicode MS" pitchFamily="34" charset="-128"/>
+                <a:cs typeface="Arial Unicode MS" pitchFamily="34" charset="-128"/>
+              </a:rPr>
+              <a:t>ontainer</a:t>
+            </a:r>
+            <a:r>
+              <a:rPr kumimoji="0" lang="de-DE" sz="1800" b="0" i="0" u="none" strike="noStrike" kern="0" cap="none" spc="0" normalizeH="0" baseline="0" noProof="0" dirty="0">
+                <a:ln>
+                  <a:noFill/>
+                </a:ln>
+                <a:effectLst/>
+                <a:uLnTx/>
+                <a:uFillTx/>
+                <a:ea typeface="Arial Unicode MS" pitchFamily="34" charset="-128"/>
+                <a:cs typeface="Arial Unicode MS" pitchFamily="34" charset="-128"/>
+              </a:rPr>
+              <a:t>:</a:t>
+            </a:r>
+          </a:p>
+          <a:p>
+            <a:pPr marR="0" algn="ctr" defTabSz="914400" eaLnBrk="1" fontAlgn="base" latinLnBrk="0" hangingPunct="1">
+              <a:lnSpc>
+                <a:spcPct val="100000"/>
+              </a:lnSpc>
+              <a:spcBef>
+                <a:spcPct val="50000"/>
+              </a:spcBef>
+              <a:spcAft>
+                <a:spcPct val="0"/>
+              </a:spcAft>
+              <a:buClr>
+                <a:srgbClr val="F0AB00"/>
+              </a:buClr>
+              <a:buSzPct val="80000"/>
+              <a:tabLst/>
+            </a:pPr>
+            <a:r>
+              <a:rPr lang="de-DE" sz="1800" kern="0" dirty="0">
+                <a:ea typeface="Arial Unicode MS" pitchFamily="34" charset="-128"/>
+                <a:cs typeface="Arial Unicode MS" pitchFamily="34" charset="-128"/>
+              </a:rPr>
+              <a:t>front-end</a:t>
+            </a:r>
+            <a:endParaRPr kumimoji="0" lang="de-DE" sz="1800" b="0" i="0" u="none" strike="noStrike" kern="0" cap="none" spc="0" normalizeH="0" baseline="0" noProof="0" dirty="0">
+              <a:ln>
+                <a:noFill/>
+              </a:ln>
+              <a:effectLst/>
+              <a:uLnTx/>
+              <a:uFillTx/>
+              <a:ea typeface="Arial Unicode MS" pitchFamily="34" charset="-128"/>
+              <a:cs typeface="Arial Unicode MS" pitchFamily="34" charset="-128"/>
+            </a:endParaRPr>
+          </a:p>
+        </p:txBody>
+      </p:sp>
+      <p:sp>
+        <p:nvSpPr>
+          <p:cNvPr id="7" name="Cylinder 6">
+            <a:extLst>
+              <a:ext uri="{FF2B5EF4-FFF2-40B4-BE49-F238E27FC236}">
+                <a16:creationId xmlns:a16="http://schemas.microsoft.com/office/drawing/2014/main" id="{4B0461C5-98D2-443C-958C-C55E2E2E89D3}"/>
+              </a:ext>
+            </a:extLst>
+          </p:cNvPr>
+          <p:cNvSpPr/>
+          <p:nvPr/>
+        </p:nvSpPr>
+        <p:spPr bwMode="gray">
+          <a:xfrm>
+            <a:off x="8621860" y="4387644"/>
+            <a:ext cx="998220" cy="1004248"/>
+          </a:xfrm>
+          <a:prstGeom prst="can">
+            <a:avLst/>
+          </a:prstGeom>
+          <a:ln>
+            <a:headEnd/>
+            <a:tailEnd/>
+          </a:ln>
+        </p:spPr>
+        <p:style>
+          <a:lnRef idx="2">
+            <a:schemeClr val="accent2"/>
+          </a:lnRef>
+          <a:fillRef idx="1">
+            <a:schemeClr val="lt1"/>
+          </a:fillRef>
+          <a:effectRef idx="0">
+            <a:schemeClr val="accent2"/>
+          </a:effectRef>
+          <a:fontRef idx="minor">
+            <a:schemeClr val="dk1"/>
+          </a:fontRef>
+        </p:style>
+        <p:txBody>
+          <a:bodyPr lIns="90000" tIns="72000" rIns="90000" bIns="72000" rtlCol="0" anchor="ctr"/>
+          <a:lstStyle/>
+          <a:p>
+            <a:pPr marR="0" algn="ctr" defTabSz="914400" eaLnBrk="1" fontAlgn="base" latinLnBrk="0" hangingPunct="1">
+              <a:lnSpc>
+                <a:spcPct val="100000"/>
+              </a:lnSpc>
+              <a:spcBef>
+                <a:spcPct val="50000"/>
+              </a:spcBef>
+              <a:spcAft>
+                <a:spcPct val="0"/>
+              </a:spcAft>
+              <a:buClr>
+                <a:srgbClr val="F0AB00"/>
+              </a:buClr>
+              <a:buSzPct val="80000"/>
+              <a:tabLst/>
+            </a:pPr>
+            <a:r>
+              <a:rPr kumimoji="0" lang="de-DE" sz="1800" b="0" i="0" u="none" strike="noStrike" kern="0" cap="none" spc="0" normalizeH="0" baseline="0" noProof="0" dirty="0" err="1">
+                <a:ln>
+                  <a:noFill/>
+                </a:ln>
+                <a:effectLst/>
+                <a:uLnTx/>
+                <a:uFillTx/>
+                <a:ea typeface="Arial Unicode MS" pitchFamily="34" charset="-128"/>
+                <a:cs typeface="Arial Unicode MS" pitchFamily="34" charset="-128"/>
+              </a:rPr>
+              <a:t>volume</a:t>
+            </a:r>
+            <a:endParaRPr kumimoji="0" lang="de-DE" sz="1800" b="0" i="0" u="none" strike="noStrike" kern="0" cap="none" spc="0" normalizeH="0" baseline="0" noProof="0" dirty="0">
+              <a:ln>
+                <a:noFill/>
+              </a:ln>
+              <a:effectLst/>
+              <a:uLnTx/>
+              <a:uFillTx/>
+              <a:ea typeface="Arial Unicode MS" pitchFamily="34" charset="-128"/>
+              <a:cs typeface="Arial Unicode MS" pitchFamily="34" charset="-128"/>
+            </a:endParaRPr>
+          </a:p>
+        </p:txBody>
+      </p:sp>
+      <p:sp>
+        <p:nvSpPr>
+          <p:cNvPr id="8" name="Rectangle 7">
+            <a:extLst>
+              <a:ext uri="{FF2B5EF4-FFF2-40B4-BE49-F238E27FC236}">
+                <a16:creationId xmlns:a16="http://schemas.microsoft.com/office/drawing/2014/main" id="{6F97C05C-C5D2-4593-8203-937C94B6EB0D}"/>
+              </a:ext>
+            </a:extLst>
+          </p:cNvPr>
+          <p:cNvSpPr/>
+          <p:nvPr/>
+        </p:nvSpPr>
+        <p:spPr bwMode="gray">
+          <a:xfrm>
+            <a:off x="9620080" y="2348590"/>
+            <a:ext cx="1627931" cy="1156258"/>
+          </a:xfrm>
+          <a:prstGeom prst="rect">
+            <a:avLst/>
+          </a:prstGeom>
+          <a:ln>
+            <a:headEnd/>
+            <a:tailEnd/>
+          </a:ln>
+        </p:spPr>
+        <p:style>
+          <a:lnRef idx="2">
+            <a:schemeClr val="accent2"/>
+          </a:lnRef>
+          <a:fillRef idx="1">
+            <a:schemeClr val="lt1"/>
+          </a:fillRef>
+          <a:effectRef idx="0">
+            <a:schemeClr val="accent2"/>
+          </a:effectRef>
+          <a:fontRef idx="minor">
+            <a:schemeClr val="dk1"/>
+          </a:fontRef>
+        </p:style>
+        <p:txBody>
+          <a:bodyPr lIns="90000" tIns="72000" rIns="90000" bIns="72000" rtlCol="0" anchor="ctr"/>
+          <a:lstStyle/>
+          <a:p>
+            <a:pPr marR="0" algn="ctr" defTabSz="914400" eaLnBrk="1" fontAlgn="base" latinLnBrk="0" hangingPunct="1">
+              <a:lnSpc>
+                <a:spcPct val="100000"/>
+              </a:lnSpc>
+              <a:spcBef>
+                <a:spcPct val="50000"/>
+              </a:spcBef>
+              <a:spcAft>
+                <a:spcPct val="0"/>
+              </a:spcAft>
+              <a:buClr>
+                <a:srgbClr val="F0AB00"/>
+              </a:buClr>
+              <a:buSzPct val="80000"/>
+              <a:tabLst/>
+            </a:pPr>
+            <a:r>
+              <a:rPr lang="de-DE" sz="1800" kern="0" dirty="0">
+                <a:ea typeface="Arial Unicode MS" pitchFamily="34" charset="-128"/>
+                <a:cs typeface="Arial Unicode MS" pitchFamily="34" charset="-128"/>
+              </a:rPr>
+              <a:t>C</a:t>
+            </a:r>
+            <a:r>
+              <a:rPr kumimoji="0" lang="de-DE" sz="1800" b="0" i="0" u="none" strike="noStrike" kern="0" cap="none" spc="0" normalizeH="0" baseline="0" noProof="0" dirty="0" err="1">
+                <a:ln>
+                  <a:noFill/>
+                </a:ln>
+                <a:effectLst/>
+                <a:uLnTx/>
+                <a:uFillTx/>
+                <a:ea typeface="Arial Unicode MS" pitchFamily="34" charset="-128"/>
+                <a:cs typeface="Arial Unicode MS" pitchFamily="34" charset="-128"/>
+              </a:rPr>
+              <a:t>ontainer</a:t>
+            </a:r>
+            <a:r>
+              <a:rPr kumimoji="0" lang="de-DE" sz="1800" b="0" i="0" u="none" strike="noStrike" kern="0" cap="none" spc="0" normalizeH="0" baseline="0" noProof="0" dirty="0">
+                <a:ln>
+                  <a:noFill/>
+                </a:ln>
+                <a:effectLst/>
+                <a:uLnTx/>
+                <a:uFillTx/>
+                <a:ea typeface="Arial Unicode MS" pitchFamily="34" charset="-128"/>
+                <a:cs typeface="Arial Unicode MS" pitchFamily="34" charset="-128"/>
+              </a:rPr>
+              <a:t>:</a:t>
+            </a:r>
+          </a:p>
+          <a:p>
+            <a:pPr marR="0" algn="ctr" defTabSz="914400" eaLnBrk="1" fontAlgn="base" latinLnBrk="0" hangingPunct="1">
+              <a:lnSpc>
+                <a:spcPct val="100000"/>
+              </a:lnSpc>
+              <a:spcBef>
+                <a:spcPct val="50000"/>
+              </a:spcBef>
+              <a:spcAft>
+                <a:spcPct val="0"/>
+              </a:spcAft>
+              <a:buClr>
+                <a:srgbClr val="F0AB00"/>
+              </a:buClr>
+              <a:buSzPct val="80000"/>
+              <a:tabLst/>
+            </a:pPr>
+            <a:r>
+              <a:rPr lang="de-DE" sz="1800" kern="0" dirty="0" err="1">
+                <a:ea typeface="Arial Unicode MS" pitchFamily="34" charset="-128"/>
+                <a:cs typeface="Arial Unicode MS" pitchFamily="34" charset="-128"/>
+              </a:rPr>
+              <a:t>proxy</a:t>
+            </a:r>
+            <a:endParaRPr kumimoji="0" lang="de-DE" sz="1800" b="0" i="0" u="none" strike="noStrike" kern="0" cap="none" spc="0" normalizeH="0" baseline="0" noProof="0" dirty="0">
+              <a:ln>
+                <a:noFill/>
+              </a:ln>
+              <a:effectLst/>
+              <a:uLnTx/>
+              <a:uFillTx/>
+              <a:ea typeface="Arial Unicode MS" pitchFamily="34" charset="-128"/>
+              <a:cs typeface="Arial Unicode MS" pitchFamily="34" charset="-128"/>
+            </a:endParaRPr>
+          </a:p>
+        </p:txBody>
+      </p:sp>
+      <p:cxnSp>
+        <p:nvCxnSpPr>
+          <p:cNvPr id="9" name="Connector: Elbow 8">
+            <a:extLst>
+              <a:ext uri="{FF2B5EF4-FFF2-40B4-BE49-F238E27FC236}">
+                <a16:creationId xmlns:a16="http://schemas.microsoft.com/office/drawing/2014/main" id="{FE31757F-FC83-4FB5-A0A5-5EFF9FB7D531}"/>
+              </a:ext>
+            </a:extLst>
+          </p:cNvPr>
+          <p:cNvCxnSpPr>
+            <a:stCxn id="6" idx="2"/>
+            <a:endCxn id="7" idx="2"/>
+          </p:cNvCxnSpPr>
+          <p:nvPr/>
+        </p:nvCxnSpPr>
+        <p:spPr>
+          <a:xfrm rot="16200000" flipH="1">
+            <a:off x="7522418" y="3790325"/>
+            <a:ext cx="1384919" cy="813965"/>
+          </a:xfrm>
+          <a:prstGeom prst="bentConnector2">
+            <a:avLst/>
+          </a:prstGeom>
+          <a:ln w="57150">
+            <a:solidFill>
+              <a:schemeClr val="tx1"/>
+            </a:solidFill>
+            <a:headEnd type="triangle"/>
+            <a:tailEnd type="triangle"/>
+          </a:ln>
+        </p:spPr>
+        <p:style>
+          <a:lnRef idx="1">
+            <a:schemeClr val="accent1"/>
+          </a:lnRef>
+          <a:fillRef idx="0">
+            <a:schemeClr val="accent1"/>
+          </a:fillRef>
+          <a:effectRef idx="0">
+            <a:schemeClr val="accent1"/>
+          </a:effectRef>
+          <a:fontRef idx="minor">
+            <a:schemeClr val="tx1"/>
+          </a:fontRef>
+        </p:style>
+      </p:cxnSp>
+      <p:cxnSp>
+        <p:nvCxnSpPr>
+          <p:cNvPr id="10" name="Connector: Elbow 9">
+            <a:extLst>
+              <a:ext uri="{FF2B5EF4-FFF2-40B4-BE49-F238E27FC236}">
+                <a16:creationId xmlns:a16="http://schemas.microsoft.com/office/drawing/2014/main" id="{0BA30E20-D057-414A-BCA9-BDA5FE353779}"/>
+              </a:ext>
+            </a:extLst>
+          </p:cNvPr>
+          <p:cNvCxnSpPr>
+            <a:stCxn id="8" idx="2"/>
+            <a:endCxn id="7" idx="4"/>
+          </p:cNvCxnSpPr>
+          <p:nvPr/>
+        </p:nvCxnSpPr>
+        <p:spPr>
+          <a:xfrm rot="5400000">
+            <a:off x="9334603" y="3790325"/>
+            <a:ext cx="1384920" cy="813966"/>
+          </a:xfrm>
+          <a:prstGeom prst="bentConnector2">
+            <a:avLst/>
+          </a:prstGeom>
+          <a:ln w="57150">
+            <a:solidFill>
+              <a:schemeClr val="tx1"/>
+            </a:solidFill>
+            <a:headEnd type="triangle"/>
+            <a:tailEnd type="triangle"/>
+          </a:ln>
+        </p:spPr>
+        <p:style>
+          <a:lnRef idx="1">
+            <a:schemeClr val="accent1"/>
+          </a:lnRef>
+          <a:fillRef idx="0">
+            <a:schemeClr val="accent1"/>
+          </a:fillRef>
+          <a:effectRef idx="0">
+            <a:schemeClr val="accent1"/>
+          </a:effectRef>
+          <a:fontRef idx="minor">
+            <a:schemeClr val="tx1"/>
+          </a:fontRef>
+        </p:style>
+      </p:cxnSp>
+      <p:cxnSp>
+        <p:nvCxnSpPr>
+          <p:cNvPr id="11" name="Connector: Elbow 10">
+            <a:extLst>
+              <a:ext uri="{FF2B5EF4-FFF2-40B4-BE49-F238E27FC236}">
+                <a16:creationId xmlns:a16="http://schemas.microsoft.com/office/drawing/2014/main" id="{1DDFA4FF-B25A-4D97-9C86-B0AB8583947A}"/>
+              </a:ext>
+            </a:extLst>
+          </p:cNvPr>
+          <p:cNvCxnSpPr>
+            <a:stCxn id="8" idx="1"/>
+            <a:endCxn id="6" idx="3"/>
+          </p:cNvCxnSpPr>
+          <p:nvPr/>
+        </p:nvCxnSpPr>
+        <p:spPr>
+          <a:xfrm rot="10800000" flipV="1">
+            <a:off x="8621860" y="2926718"/>
+            <a:ext cx="998220" cy="1"/>
+          </a:xfrm>
+          <a:prstGeom prst="bentConnector3">
+            <a:avLst>
+              <a:gd name="adj1" fmla="val 50000"/>
+            </a:avLst>
+          </a:prstGeom>
+          <a:ln w="57150">
+            <a:solidFill>
+              <a:schemeClr val="tx1"/>
+            </a:solidFill>
+            <a:headEnd type="triangle"/>
+            <a:tailEnd type="triangle"/>
+          </a:ln>
+        </p:spPr>
+        <p:style>
+          <a:lnRef idx="1">
+            <a:schemeClr val="accent1"/>
+          </a:lnRef>
+          <a:fillRef idx="0">
+            <a:schemeClr val="accent1"/>
+          </a:fillRef>
+          <a:effectRef idx="0">
+            <a:schemeClr val="accent1"/>
+          </a:effectRef>
+          <a:fontRef idx="minor">
+            <a:schemeClr val="tx1"/>
+          </a:fontRef>
+        </p:style>
+      </p:cxnSp>
+      <p:sp>
+        <p:nvSpPr>
+          <p:cNvPr id="12" name="Rectangle 11">
+            <a:extLst>
+              <a:ext uri="{FF2B5EF4-FFF2-40B4-BE49-F238E27FC236}">
+                <a16:creationId xmlns:a16="http://schemas.microsoft.com/office/drawing/2014/main" id="{9F6E2783-EC45-49F1-B7B3-094F31D17E26}"/>
+              </a:ext>
+            </a:extLst>
+          </p:cNvPr>
+          <p:cNvSpPr/>
+          <p:nvPr/>
+        </p:nvSpPr>
+        <p:spPr bwMode="gray">
+          <a:xfrm>
+            <a:off x="1059086" y="2348591"/>
+            <a:ext cx="1627931" cy="1156258"/>
+          </a:xfrm>
+          <a:prstGeom prst="rect">
+            <a:avLst/>
+          </a:prstGeom>
+          <a:ln>
+            <a:headEnd/>
+            <a:tailEnd/>
+          </a:ln>
+        </p:spPr>
+        <p:style>
+          <a:lnRef idx="2">
+            <a:schemeClr val="accent2"/>
+          </a:lnRef>
+          <a:fillRef idx="1">
+            <a:schemeClr val="lt1"/>
+          </a:fillRef>
+          <a:effectRef idx="0">
+            <a:schemeClr val="accent2"/>
+          </a:effectRef>
+          <a:fontRef idx="minor">
+            <a:schemeClr val="dk1"/>
+          </a:fontRef>
+        </p:style>
+        <p:txBody>
+          <a:bodyPr lIns="90000" tIns="72000" rIns="90000" bIns="72000" rtlCol="0" anchor="ctr"/>
+          <a:lstStyle/>
+          <a:p>
+            <a:pPr marR="0" algn="ctr" defTabSz="914400" eaLnBrk="1" fontAlgn="base" latinLnBrk="0" hangingPunct="1">
+              <a:lnSpc>
+                <a:spcPct val="100000"/>
+              </a:lnSpc>
+              <a:spcBef>
+                <a:spcPct val="50000"/>
+              </a:spcBef>
+              <a:spcAft>
+                <a:spcPct val="0"/>
+              </a:spcAft>
+              <a:buClr>
+                <a:srgbClr val="F0AB00"/>
+              </a:buClr>
+              <a:buSzPct val="80000"/>
+              <a:tabLst/>
+            </a:pPr>
+            <a:r>
+              <a:rPr lang="de-DE" sz="1800" kern="0" dirty="0">
+                <a:ea typeface="Arial Unicode MS" pitchFamily="34" charset="-128"/>
+                <a:cs typeface="Arial Unicode MS" pitchFamily="34" charset="-128"/>
+              </a:rPr>
+              <a:t>Container:</a:t>
+            </a:r>
+            <a:endParaRPr kumimoji="0" lang="de-DE" sz="1800" b="0" i="0" u="none" strike="noStrike" kern="0" cap="none" spc="0" normalizeH="0" baseline="0" noProof="0" dirty="0">
+              <a:ln>
+                <a:noFill/>
+              </a:ln>
+              <a:effectLst/>
+              <a:uLnTx/>
+              <a:uFillTx/>
+              <a:ea typeface="Arial Unicode MS" pitchFamily="34" charset="-128"/>
+              <a:cs typeface="Arial Unicode MS" pitchFamily="34" charset="-128"/>
+            </a:endParaRPr>
+          </a:p>
+          <a:p>
+            <a:pPr marR="0" algn="ctr" defTabSz="914400" eaLnBrk="1" fontAlgn="base" latinLnBrk="0" hangingPunct="1">
+              <a:lnSpc>
+                <a:spcPct val="100000"/>
+              </a:lnSpc>
+              <a:spcBef>
+                <a:spcPct val="50000"/>
+              </a:spcBef>
+              <a:spcAft>
+                <a:spcPct val="0"/>
+              </a:spcAft>
+              <a:buClr>
+                <a:srgbClr val="F0AB00"/>
+              </a:buClr>
+              <a:buSzPct val="80000"/>
+              <a:tabLst/>
+            </a:pPr>
+            <a:r>
+              <a:rPr lang="de-DE" sz="1800" kern="0" dirty="0">
+                <a:ea typeface="Arial Unicode MS" pitchFamily="34" charset="-128"/>
+                <a:cs typeface="Arial Unicode MS" pitchFamily="34" charset="-128"/>
+              </a:rPr>
+              <a:t>d</a:t>
+            </a:r>
+            <a:r>
+              <a:rPr kumimoji="0" lang="de-DE" sz="1800" b="0" i="0" u="none" strike="noStrike" kern="0" cap="none" spc="0" normalizeH="0" baseline="0" noProof="0" dirty="0" err="1">
+                <a:ln>
+                  <a:noFill/>
+                </a:ln>
+                <a:effectLst/>
+                <a:uLnTx/>
+                <a:uFillTx/>
+                <a:ea typeface="Arial Unicode MS" pitchFamily="34" charset="-128"/>
+                <a:cs typeface="Arial Unicode MS" pitchFamily="34" charset="-128"/>
+              </a:rPr>
+              <a:t>atabase</a:t>
+            </a:r>
+            <a:endParaRPr kumimoji="0" lang="de-DE" sz="1800" b="0" i="0" u="none" strike="noStrike" kern="0" cap="none" spc="0" normalizeH="0" baseline="0" noProof="0" dirty="0">
+              <a:ln>
+                <a:noFill/>
+              </a:ln>
+              <a:effectLst/>
+              <a:uLnTx/>
+              <a:uFillTx/>
+              <a:ea typeface="Arial Unicode MS" pitchFamily="34" charset="-128"/>
+              <a:cs typeface="Arial Unicode MS" pitchFamily="34" charset="-128"/>
+            </a:endParaRPr>
+          </a:p>
+        </p:txBody>
+      </p:sp>
+      <p:sp>
+        <p:nvSpPr>
+          <p:cNvPr id="13" name="Cylinder 12">
+            <a:extLst>
+              <a:ext uri="{FF2B5EF4-FFF2-40B4-BE49-F238E27FC236}">
+                <a16:creationId xmlns:a16="http://schemas.microsoft.com/office/drawing/2014/main" id="{A8DD4658-513A-4266-9B2B-A53A4AF19480}"/>
+              </a:ext>
+            </a:extLst>
+          </p:cNvPr>
+          <p:cNvSpPr/>
+          <p:nvPr/>
+        </p:nvSpPr>
+        <p:spPr bwMode="gray">
+          <a:xfrm>
+            <a:off x="1373941" y="4387644"/>
+            <a:ext cx="998220" cy="1004248"/>
+          </a:xfrm>
+          <a:prstGeom prst="can">
+            <a:avLst/>
+          </a:prstGeom>
+          <a:ln>
+            <a:headEnd/>
+            <a:tailEnd/>
+          </a:ln>
+        </p:spPr>
+        <p:style>
+          <a:lnRef idx="2">
+            <a:schemeClr val="accent2"/>
+          </a:lnRef>
+          <a:fillRef idx="1">
+            <a:schemeClr val="lt1"/>
+          </a:fillRef>
+          <a:effectRef idx="0">
+            <a:schemeClr val="accent2"/>
+          </a:effectRef>
+          <a:fontRef idx="minor">
+            <a:schemeClr val="dk1"/>
+          </a:fontRef>
+        </p:style>
+        <p:txBody>
+          <a:bodyPr lIns="90000" tIns="72000" rIns="90000" bIns="72000" rtlCol="0" anchor="ctr"/>
+          <a:lstStyle/>
+          <a:p>
+            <a:pPr marR="0" algn="ctr" defTabSz="914400" eaLnBrk="1" fontAlgn="base" latinLnBrk="0" hangingPunct="1">
+              <a:lnSpc>
+                <a:spcPct val="100000"/>
+              </a:lnSpc>
+              <a:spcBef>
+                <a:spcPct val="50000"/>
+              </a:spcBef>
+              <a:spcAft>
+                <a:spcPct val="0"/>
+              </a:spcAft>
+              <a:buClr>
+                <a:srgbClr val="F0AB00"/>
+              </a:buClr>
+              <a:buSzPct val="80000"/>
+              <a:tabLst/>
+            </a:pPr>
+            <a:r>
+              <a:rPr kumimoji="0" lang="de-DE" sz="1800" b="0" i="0" u="none" strike="noStrike" kern="0" cap="none" spc="0" normalizeH="0" baseline="0" noProof="0" dirty="0" err="1">
+                <a:ln>
+                  <a:noFill/>
+                </a:ln>
+                <a:effectLst/>
+                <a:uLnTx/>
+                <a:uFillTx/>
+                <a:ea typeface="Arial Unicode MS" pitchFamily="34" charset="-128"/>
+                <a:cs typeface="Arial Unicode MS" pitchFamily="34" charset="-128"/>
+              </a:rPr>
+              <a:t>volume</a:t>
+            </a:r>
+            <a:endParaRPr kumimoji="0" lang="de-DE" sz="1800" b="0" i="0" u="none" strike="noStrike" kern="0" cap="none" spc="0" normalizeH="0" baseline="0" noProof="0" dirty="0">
+              <a:ln>
+                <a:noFill/>
+              </a:ln>
+              <a:effectLst/>
+              <a:uLnTx/>
+              <a:uFillTx/>
+              <a:ea typeface="Arial Unicode MS" pitchFamily="34" charset="-128"/>
+              <a:cs typeface="Arial Unicode MS" pitchFamily="34" charset="-128"/>
+            </a:endParaRPr>
+          </a:p>
+        </p:txBody>
+      </p:sp>
+      <p:cxnSp>
+        <p:nvCxnSpPr>
+          <p:cNvPr id="14" name="Connector: Elbow 13">
+            <a:extLst>
+              <a:ext uri="{FF2B5EF4-FFF2-40B4-BE49-F238E27FC236}">
+                <a16:creationId xmlns:a16="http://schemas.microsoft.com/office/drawing/2014/main" id="{A82FDACB-DB1C-49E7-B9BD-0F295C724268}"/>
+              </a:ext>
+            </a:extLst>
+          </p:cNvPr>
+          <p:cNvCxnSpPr>
+            <a:cxnSpLocks/>
+            <a:stCxn id="13" idx="1"/>
+            <a:endCxn id="12" idx="2"/>
+          </p:cNvCxnSpPr>
+          <p:nvPr/>
+        </p:nvCxnSpPr>
+        <p:spPr>
+          <a:xfrm rot="5400000" flipH="1" flipV="1">
+            <a:off x="1431654" y="3946247"/>
+            <a:ext cx="882795" cy="1"/>
+          </a:xfrm>
+          <a:prstGeom prst="bentConnector3">
+            <a:avLst>
+              <a:gd name="adj1" fmla="val 50000"/>
+            </a:avLst>
+          </a:prstGeom>
+          <a:ln w="57150">
+            <a:solidFill>
+              <a:schemeClr val="tx1"/>
+            </a:solidFill>
+            <a:headEnd type="triangle"/>
+            <a:tailEnd type="triangle"/>
+          </a:ln>
+        </p:spPr>
+        <p:style>
+          <a:lnRef idx="1">
+            <a:schemeClr val="accent1"/>
+          </a:lnRef>
+          <a:fillRef idx="0">
+            <a:schemeClr val="accent1"/>
+          </a:fillRef>
+          <a:effectRef idx="0">
+            <a:schemeClr val="accent1"/>
+          </a:effectRef>
+          <a:fontRef idx="minor">
+            <a:schemeClr val="tx1"/>
+          </a:fontRef>
+        </p:style>
+      </p:cxnSp>
+      <p:sp>
+        <p:nvSpPr>
+          <p:cNvPr id="20" name="Rectangle 19">
+            <a:extLst>
+              <a:ext uri="{FF2B5EF4-FFF2-40B4-BE49-F238E27FC236}">
+                <a16:creationId xmlns:a16="http://schemas.microsoft.com/office/drawing/2014/main" id="{5F9B1B73-4193-44E3-833F-5254CF8965C7}"/>
+              </a:ext>
+            </a:extLst>
+          </p:cNvPr>
+          <p:cNvSpPr/>
+          <p:nvPr/>
+        </p:nvSpPr>
+        <p:spPr bwMode="gray">
+          <a:xfrm>
+            <a:off x="3826603" y="2348589"/>
+            <a:ext cx="1627931" cy="1156258"/>
+          </a:xfrm>
+          <a:prstGeom prst="rect">
+            <a:avLst/>
+          </a:prstGeom>
+          <a:ln>
+            <a:headEnd/>
+            <a:tailEnd/>
+          </a:ln>
+        </p:spPr>
+        <p:style>
+          <a:lnRef idx="2">
+            <a:schemeClr val="accent2"/>
+          </a:lnRef>
+          <a:fillRef idx="1">
+            <a:schemeClr val="lt1"/>
+          </a:fillRef>
+          <a:effectRef idx="0">
+            <a:schemeClr val="accent2"/>
+          </a:effectRef>
+          <a:fontRef idx="minor">
+            <a:schemeClr val="dk1"/>
+          </a:fontRef>
+        </p:style>
+        <p:txBody>
+          <a:bodyPr lIns="90000" tIns="72000" rIns="90000" bIns="72000" rtlCol="0" anchor="ctr"/>
+          <a:lstStyle/>
+          <a:p>
+            <a:pPr marR="0" algn="ctr" defTabSz="914400" eaLnBrk="1" fontAlgn="base" latinLnBrk="0" hangingPunct="1">
+              <a:lnSpc>
+                <a:spcPct val="100000"/>
+              </a:lnSpc>
+              <a:spcBef>
+                <a:spcPct val="50000"/>
+              </a:spcBef>
+              <a:spcAft>
+                <a:spcPct val="0"/>
+              </a:spcAft>
+              <a:buClr>
+                <a:srgbClr val="F0AB00"/>
+              </a:buClr>
+              <a:buSzPct val="80000"/>
+              <a:tabLst/>
+            </a:pPr>
+            <a:r>
+              <a:rPr lang="de-DE" sz="1800" kern="0" dirty="0">
+                <a:ea typeface="Arial Unicode MS" pitchFamily="34" charset="-128"/>
+                <a:cs typeface="Arial Unicode MS" pitchFamily="34" charset="-128"/>
+              </a:rPr>
+              <a:t>Container:</a:t>
+            </a:r>
+            <a:endParaRPr kumimoji="0" lang="de-DE" sz="1800" b="0" i="0" u="none" strike="noStrike" kern="0" cap="none" spc="0" normalizeH="0" baseline="0" noProof="0" dirty="0">
+              <a:ln>
+                <a:noFill/>
+              </a:ln>
+              <a:effectLst/>
+              <a:uLnTx/>
+              <a:uFillTx/>
+              <a:ea typeface="Arial Unicode MS" pitchFamily="34" charset="-128"/>
+              <a:cs typeface="Arial Unicode MS" pitchFamily="34" charset="-128"/>
+            </a:endParaRPr>
+          </a:p>
+          <a:p>
+            <a:pPr marR="0" algn="ctr" defTabSz="914400" eaLnBrk="1" fontAlgn="base" latinLnBrk="0" hangingPunct="1">
+              <a:lnSpc>
+                <a:spcPct val="100000"/>
+              </a:lnSpc>
+              <a:spcBef>
+                <a:spcPct val="50000"/>
+              </a:spcBef>
+              <a:spcAft>
+                <a:spcPct val="0"/>
+              </a:spcAft>
+              <a:buClr>
+                <a:srgbClr val="F0AB00"/>
+              </a:buClr>
+              <a:buSzPct val="80000"/>
+              <a:tabLst/>
+            </a:pPr>
+            <a:r>
+              <a:rPr lang="de-DE" sz="1800" kern="0" dirty="0" err="1">
+                <a:ea typeface="Arial Unicode MS" pitchFamily="34" charset="-128"/>
+                <a:cs typeface="Arial Unicode MS" pitchFamily="34" charset="-128"/>
+              </a:rPr>
+              <a:t>app-layer</a:t>
+            </a:r>
+            <a:endParaRPr kumimoji="0" lang="de-DE" sz="1800" b="0" i="0" u="none" strike="noStrike" kern="0" cap="none" spc="0" normalizeH="0" baseline="0" noProof="0" dirty="0">
+              <a:ln>
+                <a:noFill/>
+              </a:ln>
+              <a:effectLst/>
+              <a:uLnTx/>
+              <a:uFillTx/>
+              <a:ea typeface="Arial Unicode MS" pitchFamily="34" charset="-128"/>
+              <a:cs typeface="Arial Unicode MS" pitchFamily="34" charset="-128"/>
+            </a:endParaRPr>
+          </a:p>
+        </p:txBody>
+      </p:sp>
+      <p:sp>
+        <p:nvSpPr>
+          <p:cNvPr id="21" name="Rectangle 20">
+            <a:extLst>
+              <a:ext uri="{FF2B5EF4-FFF2-40B4-BE49-F238E27FC236}">
+                <a16:creationId xmlns:a16="http://schemas.microsoft.com/office/drawing/2014/main" id="{2A00CA73-CB3C-4701-96DF-4956E59C51DC}"/>
+              </a:ext>
+            </a:extLst>
+          </p:cNvPr>
+          <p:cNvSpPr/>
+          <p:nvPr/>
+        </p:nvSpPr>
+        <p:spPr bwMode="gray">
+          <a:xfrm>
+            <a:off x="3826603" y="3829347"/>
+            <a:ext cx="1627931" cy="1156258"/>
+          </a:xfrm>
+          <a:prstGeom prst="rect">
+            <a:avLst/>
+          </a:prstGeom>
+          <a:ln>
+            <a:headEnd/>
+            <a:tailEnd/>
+          </a:ln>
+        </p:spPr>
+        <p:style>
+          <a:lnRef idx="2">
+            <a:schemeClr val="accent2"/>
+          </a:lnRef>
+          <a:fillRef idx="1">
+            <a:schemeClr val="lt1"/>
+          </a:fillRef>
+          <a:effectRef idx="0">
+            <a:schemeClr val="accent2"/>
+          </a:effectRef>
+          <a:fontRef idx="minor">
+            <a:schemeClr val="dk1"/>
+          </a:fontRef>
+        </p:style>
+        <p:txBody>
+          <a:bodyPr lIns="90000" tIns="72000" rIns="90000" bIns="72000" rtlCol="0" anchor="ctr"/>
+          <a:lstStyle/>
+          <a:p>
+            <a:pPr marR="0" algn="ctr" defTabSz="914400" eaLnBrk="1" fontAlgn="base" latinLnBrk="0" hangingPunct="1">
+              <a:lnSpc>
+                <a:spcPct val="100000"/>
+              </a:lnSpc>
+              <a:spcBef>
+                <a:spcPct val="50000"/>
+              </a:spcBef>
+              <a:spcAft>
+                <a:spcPct val="0"/>
+              </a:spcAft>
+              <a:buClr>
+                <a:srgbClr val="F0AB00"/>
+              </a:buClr>
+              <a:buSzPct val="80000"/>
+              <a:tabLst/>
+            </a:pPr>
+            <a:r>
+              <a:rPr lang="de-DE" sz="1800" kern="0" dirty="0">
+                <a:ea typeface="Arial Unicode MS" pitchFamily="34" charset="-128"/>
+                <a:cs typeface="Arial Unicode MS" pitchFamily="34" charset="-128"/>
+              </a:rPr>
+              <a:t>Container:</a:t>
+            </a:r>
+            <a:endParaRPr kumimoji="0" lang="de-DE" sz="1800" b="0" i="0" u="none" strike="noStrike" kern="0" cap="none" spc="0" normalizeH="0" baseline="0" noProof="0" dirty="0">
+              <a:ln>
+                <a:noFill/>
+              </a:ln>
+              <a:effectLst/>
+              <a:uLnTx/>
+              <a:uFillTx/>
+              <a:ea typeface="Arial Unicode MS" pitchFamily="34" charset="-128"/>
+              <a:cs typeface="Arial Unicode MS" pitchFamily="34" charset="-128"/>
+            </a:endParaRPr>
+          </a:p>
+          <a:p>
+            <a:pPr marR="0" algn="ctr" defTabSz="914400" eaLnBrk="1" fontAlgn="base" latinLnBrk="0" hangingPunct="1">
+              <a:lnSpc>
+                <a:spcPct val="100000"/>
+              </a:lnSpc>
+              <a:spcBef>
+                <a:spcPct val="50000"/>
+              </a:spcBef>
+              <a:spcAft>
+                <a:spcPct val="0"/>
+              </a:spcAft>
+              <a:buClr>
+                <a:srgbClr val="F0AB00"/>
+              </a:buClr>
+              <a:buSzPct val="80000"/>
+              <a:tabLst/>
+            </a:pPr>
+            <a:r>
+              <a:rPr lang="de-DE" sz="1800" kern="0" dirty="0" err="1">
+                <a:ea typeface="Arial Unicode MS" pitchFamily="34" charset="-128"/>
+                <a:cs typeface="Arial Unicode MS" pitchFamily="34" charset="-128"/>
+              </a:rPr>
+              <a:t>app-layer</a:t>
+            </a:r>
+            <a:endParaRPr kumimoji="0" lang="de-DE" sz="1800" b="0" i="0" u="none" strike="noStrike" kern="0" cap="none" spc="0" normalizeH="0" baseline="0" noProof="0" dirty="0">
+              <a:ln>
+                <a:noFill/>
+              </a:ln>
+              <a:effectLst/>
+              <a:uLnTx/>
+              <a:uFillTx/>
+              <a:ea typeface="Arial Unicode MS" pitchFamily="34" charset="-128"/>
+              <a:cs typeface="Arial Unicode MS" pitchFamily="34" charset="-128"/>
+            </a:endParaRPr>
+          </a:p>
+        </p:txBody>
+      </p:sp>
+      <p:cxnSp>
+        <p:nvCxnSpPr>
+          <p:cNvPr id="22" name="Connector: Elbow 21">
+            <a:extLst>
+              <a:ext uri="{FF2B5EF4-FFF2-40B4-BE49-F238E27FC236}">
+                <a16:creationId xmlns:a16="http://schemas.microsoft.com/office/drawing/2014/main" id="{10948C41-AE48-4546-8234-34546FC726C2}"/>
+              </a:ext>
+            </a:extLst>
+          </p:cNvPr>
+          <p:cNvCxnSpPr>
+            <a:cxnSpLocks/>
+            <a:stCxn id="21" idx="1"/>
+            <a:endCxn id="12" idx="3"/>
+          </p:cNvCxnSpPr>
+          <p:nvPr/>
+        </p:nvCxnSpPr>
+        <p:spPr>
+          <a:xfrm rot="10800000">
+            <a:off x="2687017" y="2926720"/>
+            <a:ext cx="1139586" cy="1480756"/>
+          </a:xfrm>
+          <a:prstGeom prst="bentConnector3">
+            <a:avLst>
+              <a:gd name="adj1" fmla="val 50000"/>
+            </a:avLst>
+          </a:prstGeom>
+          <a:ln w="57150">
+            <a:solidFill>
+              <a:schemeClr val="tx1"/>
+            </a:solidFill>
+            <a:headEnd type="triangle"/>
+            <a:tailEnd type="triangle"/>
+          </a:ln>
+        </p:spPr>
+        <p:style>
+          <a:lnRef idx="1">
+            <a:schemeClr val="accent1"/>
+          </a:lnRef>
+          <a:fillRef idx="0">
+            <a:schemeClr val="accent1"/>
+          </a:fillRef>
+          <a:effectRef idx="0">
+            <a:schemeClr val="accent1"/>
+          </a:effectRef>
+          <a:fontRef idx="minor">
+            <a:schemeClr val="tx1"/>
+          </a:fontRef>
+        </p:style>
+      </p:cxnSp>
+      <p:cxnSp>
+        <p:nvCxnSpPr>
+          <p:cNvPr id="23" name="Connector: Elbow 22">
+            <a:extLst>
+              <a:ext uri="{FF2B5EF4-FFF2-40B4-BE49-F238E27FC236}">
+                <a16:creationId xmlns:a16="http://schemas.microsoft.com/office/drawing/2014/main" id="{E467CDAB-D3DD-46F8-84C3-791D4BA8351B}"/>
+              </a:ext>
+            </a:extLst>
+          </p:cNvPr>
+          <p:cNvCxnSpPr>
+            <a:cxnSpLocks/>
+            <a:stCxn id="20" idx="1"/>
+            <a:endCxn id="12" idx="3"/>
+          </p:cNvCxnSpPr>
+          <p:nvPr/>
+        </p:nvCxnSpPr>
+        <p:spPr>
+          <a:xfrm rot="10800000" flipV="1">
+            <a:off x="2687017" y="2926718"/>
+            <a:ext cx="1139586" cy="2"/>
+          </a:xfrm>
+          <a:prstGeom prst="bentConnector3">
+            <a:avLst>
+              <a:gd name="adj1" fmla="val 50000"/>
+            </a:avLst>
+          </a:prstGeom>
+          <a:ln w="57150">
+            <a:solidFill>
+              <a:schemeClr val="tx1"/>
+            </a:solidFill>
+            <a:headEnd type="triangle"/>
+            <a:tailEnd type="triangle"/>
+          </a:ln>
+        </p:spPr>
+        <p:style>
+          <a:lnRef idx="1">
+            <a:schemeClr val="accent1"/>
+          </a:lnRef>
+          <a:fillRef idx="0">
+            <a:schemeClr val="accent1"/>
+          </a:fillRef>
+          <a:effectRef idx="0">
+            <a:schemeClr val="accent1"/>
+          </a:effectRef>
+          <a:fontRef idx="minor">
+            <a:schemeClr val="tx1"/>
+          </a:fontRef>
+        </p:style>
+      </p:cxnSp>
+      <p:cxnSp>
+        <p:nvCxnSpPr>
+          <p:cNvPr id="28" name="Connector: Elbow 27">
+            <a:extLst>
+              <a:ext uri="{FF2B5EF4-FFF2-40B4-BE49-F238E27FC236}">
+                <a16:creationId xmlns:a16="http://schemas.microsoft.com/office/drawing/2014/main" id="{04AEA5CF-AB37-47DA-9AA9-B8BD96DFF5E1}"/>
+              </a:ext>
+            </a:extLst>
+          </p:cNvPr>
+          <p:cNvCxnSpPr>
+            <a:cxnSpLocks/>
+            <a:stCxn id="6" idx="1"/>
+            <a:endCxn id="20" idx="3"/>
+          </p:cNvCxnSpPr>
+          <p:nvPr/>
+        </p:nvCxnSpPr>
+        <p:spPr>
+          <a:xfrm rot="10800000">
+            <a:off x="5454535" y="2926718"/>
+            <a:ext cx="1539395" cy="2"/>
+          </a:xfrm>
+          <a:prstGeom prst="bentConnector3">
+            <a:avLst>
+              <a:gd name="adj1" fmla="val 50000"/>
+            </a:avLst>
+          </a:prstGeom>
+          <a:ln w="57150">
+            <a:solidFill>
+              <a:schemeClr val="tx1"/>
+            </a:solidFill>
+            <a:headEnd type="triangle"/>
+            <a:tailEnd type="triangle"/>
+          </a:ln>
+        </p:spPr>
+        <p:style>
+          <a:lnRef idx="1">
+            <a:schemeClr val="accent1"/>
+          </a:lnRef>
+          <a:fillRef idx="0">
+            <a:schemeClr val="accent1"/>
+          </a:fillRef>
+          <a:effectRef idx="0">
+            <a:schemeClr val="accent1"/>
+          </a:effectRef>
+          <a:fontRef idx="minor">
+            <a:schemeClr val="tx1"/>
+          </a:fontRef>
+        </p:style>
+      </p:cxnSp>
+      <p:cxnSp>
+        <p:nvCxnSpPr>
+          <p:cNvPr id="32" name="Connector: Elbow 31">
+            <a:extLst>
+              <a:ext uri="{FF2B5EF4-FFF2-40B4-BE49-F238E27FC236}">
+                <a16:creationId xmlns:a16="http://schemas.microsoft.com/office/drawing/2014/main" id="{C281567D-A6F7-4819-A2C1-AC8E640EFB7E}"/>
+              </a:ext>
+            </a:extLst>
+          </p:cNvPr>
+          <p:cNvCxnSpPr>
+            <a:cxnSpLocks/>
+            <a:stCxn id="6" idx="1"/>
+            <a:endCxn id="21" idx="3"/>
+          </p:cNvCxnSpPr>
+          <p:nvPr/>
+        </p:nvCxnSpPr>
+        <p:spPr>
+          <a:xfrm rot="10800000" flipV="1">
+            <a:off x="5454535" y="2926720"/>
+            <a:ext cx="1539395" cy="1480756"/>
+          </a:xfrm>
+          <a:prstGeom prst="bentConnector3">
+            <a:avLst>
+              <a:gd name="adj1" fmla="val 50000"/>
+            </a:avLst>
+          </a:prstGeom>
+          <a:ln w="57150">
+            <a:solidFill>
+              <a:schemeClr val="tx1"/>
+            </a:solidFill>
+            <a:headEnd type="triangle"/>
+            <a:tailEnd type="triangle"/>
+          </a:ln>
+        </p:spPr>
+        <p:style>
+          <a:lnRef idx="1">
+            <a:schemeClr val="accent1"/>
+          </a:lnRef>
+          <a:fillRef idx="0">
+            <a:schemeClr val="accent1"/>
+          </a:fillRef>
+          <a:effectRef idx="0">
+            <a:schemeClr val="accent1"/>
+          </a:effectRef>
+          <a:fontRef idx="minor">
+            <a:schemeClr val="tx1"/>
+          </a:fontRef>
+        </p:style>
+      </p:cxnSp>
+    </p:spTree>
+    <p:extLst>
+      <p:ext uri="{BB962C8B-B14F-4D97-AF65-F5344CB8AC3E}">
+        <p14:creationId xmlns:p14="http://schemas.microsoft.com/office/powerpoint/2010/main" val="3556395316"/>
+      </p:ext>
+    </p:extLst>
+  </p:cSld>
+  <p:clrMapOvr>
+    <a:masterClrMapping/>
+  </p:clrMapOvr>
+</p:sld>
+</file>
+
+<file path=ppt/slides/slide7.xml><?xml version="1.0" encoding="utf-8"?>
 <p:sld xmlns:a="http://schemas.openxmlformats.org/drawingml/2006/main" xmlns:r="http://schemas.openxmlformats.org/officeDocument/2006/relationships" xmlns:p="http://schemas.openxmlformats.org/presentationml/2006/main">
   <p:cSld>
     <p:spTree>
@@ -15222,7 +17253,7 @@
 </p:sld>
 </file>
 
-<file path=ppt/slides/slide7.xml><?xml version="1.0" encoding="utf-8"?>
+<file path=ppt/slides/slide8.xml><?xml version="1.0" encoding="utf-8"?>
 <p:sld xmlns:a="http://schemas.openxmlformats.org/drawingml/2006/main" xmlns:r="http://schemas.openxmlformats.org/officeDocument/2006/relationships" xmlns:p="http://schemas.openxmlformats.org/presentationml/2006/main">
   <p:cSld>
     <p:spTree>
@@ -15347,7 +17378,7 @@
 </p:sld>
 </file>
 
-<file path=ppt/slides/slide8.xml><?xml version="1.0" encoding="utf-8"?>
+<file path=ppt/slides/slide9.xml><?xml version="1.0" encoding="utf-8"?>
 <p:sld xmlns:a="http://schemas.openxmlformats.org/drawingml/2006/main" xmlns:r="http://schemas.openxmlformats.org/officeDocument/2006/relationships" xmlns:p="http://schemas.openxmlformats.org/presentationml/2006/main">
   <p:cSld>
     <p:spTree>
@@ -15834,438 +17865,6 @@
     <p:extLst>
       <p:ext uri="{BB962C8B-B14F-4D97-AF65-F5344CB8AC3E}">
         <p14:creationId xmlns:p14="http://schemas.microsoft.com/office/powerpoint/2010/main" val="3531034441"/>
-      </p:ext>
-    </p:extLst>
-  </p:cSld>
-  <p:clrMapOvr>
-    <a:masterClrMapping/>
-  </p:clrMapOvr>
-</p:sld>
-</file>
-
-<file path=ppt/slides/slide9.xml><?xml version="1.0" encoding="utf-8"?>
-<p:sld xmlns:a="http://schemas.openxmlformats.org/drawingml/2006/main" xmlns:r="http://schemas.openxmlformats.org/officeDocument/2006/relationships" xmlns:p="http://schemas.openxmlformats.org/presentationml/2006/main">
-  <p:cSld>
-    <p:spTree>
-      <p:nvGrpSpPr>
-        <p:cNvPr id="1" name=""/>
-        <p:cNvGrpSpPr/>
-        <p:nvPr/>
-      </p:nvGrpSpPr>
-      <p:grpSpPr>
-        <a:xfrm>
-          <a:off x="0" y="0"/>
-          <a:ext cx="0" cy="0"/>
-          <a:chOff x="0" y="0"/>
-          <a:chExt cx="0" cy="0"/>
-        </a:xfrm>
-      </p:grpSpPr>
-      <p:pic>
-        <p:nvPicPr>
-          <p:cNvPr id="3" name="Picture 2"/>
-          <p:cNvPicPr>
-            <a:picLocks noChangeAspect="1"/>
-          </p:cNvPicPr>
-          <p:nvPr/>
-        </p:nvPicPr>
-        <p:blipFill>
-          <a:blip r:embed="rId3"/>
-          <a:stretch>
-            <a:fillRect/>
-          </a:stretch>
-        </p:blipFill>
-        <p:spPr>
-          <a:xfrm>
-            <a:off x="504001" y="1116542"/>
-            <a:ext cx="3867974" cy="5120670"/>
-          </a:xfrm>
-          <a:prstGeom prst="rect">
-            <a:avLst/>
-          </a:prstGeom>
-        </p:spPr>
-      </p:pic>
-      <p:sp>
-        <p:nvSpPr>
-          <p:cNvPr id="2" name="Title 1"/>
-          <p:cNvSpPr>
-            <a:spLocks noGrp="1"/>
-          </p:cNvSpPr>
-          <p:nvPr>
-            <p:ph type="title"/>
-          </p:nvPr>
-        </p:nvSpPr>
-        <p:spPr/>
-        <p:txBody>
-          <a:bodyPr/>
-          <a:lstStyle/>
-          <a:p>
-            <a:r>
-              <a:rPr lang="en-US" dirty="0"/>
-              <a:t>Pod definition - </a:t>
-            </a:r>
-            <a:r>
-              <a:rPr lang="en-US" b="0" dirty="0">
-                <a:hlinkClick r:id="rId4"/>
-              </a:rPr>
-              <a:t>https://kubernetes.io/docs/api-reference/v1.8/#pod-v1-core</a:t>
-            </a:r>
-            <a:r>
-              <a:rPr lang="en-US" b="0" dirty="0"/>
-              <a:t>  </a:t>
-            </a:r>
-          </a:p>
-        </p:txBody>
-      </p:sp>
-      <p:sp>
-        <p:nvSpPr>
-          <p:cNvPr id="15" name="Speech Bubble: Rectangle 14"/>
-          <p:cNvSpPr/>
-          <p:nvPr/>
-        </p:nvSpPr>
-        <p:spPr bwMode="gray">
-          <a:xfrm>
-            <a:off x="5490755" y="1116542"/>
-            <a:ext cx="5442076" cy="572921"/>
-          </a:xfrm>
-          <a:prstGeom prst="wedgeRectCallout">
-            <a:avLst>
-              <a:gd name="adj1" fmla="val -91535"/>
-              <a:gd name="adj2" fmla="val -12354"/>
-            </a:avLst>
-          </a:prstGeom>
-          <a:ln>
-            <a:headEnd/>
-            <a:tailEnd/>
-          </a:ln>
-        </p:spPr>
-        <p:style>
-          <a:lnRef idx="2">
-            <a:schemeClr val="accent5"/>
-          </a:lnRef>
-          <a:fillRef idx="1">
-            <a:schemeClr val="lt1"/>
-          </a:fillRef>
-          <a:effectRef idx="0">
-            <a:schemeClr val="accent5"/>
-          </a:effectRef>
-          <a:fontRef idx="minor">
-            <a:schemeClr val="dk1"/>
-          </a:fontRef>
-        </p:style>
-        <p:txBody>
-          <a:bodyPr lIns="90000" tIns="72000" rIns="90000" bIns="72000" rtlCol="0" anchor="ctr"/>
-          <a:lstStyle/>
-          <a:p>
-            <a:pPr marR="0" algn="ctr" defTabSz="914400" eaLnBrk="1" fontAlgn="base" latinLnBrk="0" hangingPunct="1">
-              <a:lnSpc>
-                <a:spcPct val="100000"/>
-              </a:lnSpc>
-              <a:spcBef>
-                <a:spcPct val="50000"/>
-              </a:spcBef>
-              <a:spcAft>
-                <a:spcPct val="0"/>
-              </a:spcAft>
-              <a:buClr>
-                <a:srgbClr val="F0AB00"/>
-              </a:buClr>
-              <a:buSzPct val="80000"/>
-              <a:tabLst/>
-            </a:pPr>
-            <a:r>
-              <a:rPr lang="en-US" sz="1800" kern="0" dirty="0">
-                <a:ea typeface="Arial Unicode MS" pitchFamily="34" charset="-128"/>
-                <a:cs typeface="Arial Unicode MS" pitchFamily="34" charset="-128"/>
-              </a:rPr>
-              <a:t>Resources of “</a:t>
-            </a:r>
-            <a:r>
-              <a:rPr lang="en-US" sz="1800" kern="0" dirty="0" err="1">
-                <a:ea typeface="Arial Unicode MS" pitchFamily="34" charset="-128"/>
-                <a:cs typeface="Arial Unicode MS" pitchFamily="34" charset="-128"/>
-              </a:rPr>
-              <a:t>kind:pod</a:t>
-            </a:r>
-            <a:r>
-              <a:rPr lang="en-US" sz="1800" kern="0" dirty="0">
-                <a:ea typeface="Arial Unicode MS" pitchFamily="34" charset="-128"/>
-                <a:cs typeface="Arial Unicode MS" pitchFamily="34" charset="-128"/>
-              </a:rPr>
-              <a:t>” belong to “</a:t>
-            </a:r>
-            <a:r>
-              <a:rPr lang="en-US" sz="1800" kern="0" dirty="0" err="1">
-                <a:ea typeface="Arial Unicode MS" pitchFamily="34" charset="-128"/>
-                <a:cs typeface="Arial Unicode MS" pitchFamily="34" charset="-128"/>
-              </a:rPr>
-              <a:t>apiVersion</a:t>
-            </a:r>
-            <a:r>
-              <a:rPr lang="en-US" sz="1800" kern="0" dirty="0">
-                <a:ea typeface="Arial Unicode MS" pitchFamily="34" charset="-128"/>
-                <a:cs typeface="Arial Unicode MS" pitchFamily="34" charset="-128"/>
-              </a:rPr>
-              <a:t>: v1”</a:t>
-            </a:r>
-            <a:endParaRPr kumimoji="0" lang="en-US" sz="1800" b="0" i="0" u="none" strike="noStrike" kern="0" cap="none" spc="0" normalizeH="0" baseline="0" noProof="0" dirty="0">
-              <a:ln>
-                <a:noFill/>
-              </a:ln>
-              <a:effectLst/>
-              <a:uLnTx/>
-              <a:uFillTx/>
-              <a:ea typeface="Arial Unicode MS" pitchFamily="34" charset="-128"/>
-              <a:cs typeface="Arial Unicode MS" pitchFamily="34" charset="-128"/>
-            </a:endParaRPr>
-          </a:p>
-        </p:txBody>
-      </p:sp>
-      <p:sp>
-        <p:nvSpPr>
-          <p:cNvPr id="16" name="Speech Bubble: Rectangle 15"/>
-          <p:cNvSpPr/>
-          <p:nvPr/>
-        </p:nvSpPr>
-        <p:spPr bwMode="gray">
-          <a:xfrm>
-            <a:off x="5490755" y="1905960"/>
-            <a:ext cx="5442076" cy="645064"/>
-          </a:xfrm>
-          <a:prstGeom prst="wedgeRectCallout">
-            <a:avLst>
-              <a:gd name="adj1" fmla="val -84512"/>
-              <a:gd name="adj2" fmla="val -21992"/>
-            </a:avLst>
-          </a:prstGeom>
-          <a:ln>
-            <a:headEnd/>
-            <a:tailEnd/>
-          </a:ln>
-        </p:spPr>
-        <p:style>
-          <a:lnRef idx="2">
-            <a:schemeClr val="accent5"/>
-          </a:lnRef>
-          <a:fillRef idx="1">
-            <a:schemeClr val="lt1"/>
-          </a:fillRef>
-          <a:effectRef idx="0">
-            <a:schemeClr val="accent5"/>
-          </a:effectRef>
-          <a:fontRef idx="minor">
-            <a:schemeClr val="dk1"/>
-          </a:fontRef>
-        </p:style>
-        <p:txBody>
-          <a:bodyPr lIns="90000" tIns="72000" rIns="90000" bIns="72000" rtlCol="0" anchor="ctr"/>
-          <a:lstStyle/>
-          <a:p>
-            <a:pPr marR="0" algn="ctr" defTabSz="914400" eaLnBrk="1" fontAlgn="base" latinLnBrk="0" hangingPunct="1">
-              <a:lnSpc>
-                <a:spcPct val="100000"/>
-              </a:lnSpc>
-              <a:spcBef>
-                <a:spcPct val="50000"/>
-              </a:spcBef>
-              <a:spcAft>
-                <a:spcPct val="0"/>
-              </a:spcAft>
-              <a:buClr>
-                <a:srgbClr val="F0AB00"/>
-              </a:buClr>
-              <a:buSzPct val="80000"/>
-              <a:tabLst/>
-            </a:pPr>
-            <a:r>
-              <a:rPr lang="en-US" sz="1800" kern="0" noProof="0" dirty="0">
-                <a:ea typeface="Arial Unicode MS" pitchFamily="34" charset="-128"/>
-                <a:cs typeface="Arial Unicode MS" pitchFamily="34" charset="-128"/>
-              </a:rPr>
-              <a:t>Within “metadata” the pod’s name is specified</a:t>
-            </a:r>
-            <a:endParaRPr kumimoji="0" lang="en-US" sz="1800" b="0" i="0" u="none" strike="noStrike" kern="0" cap="none" spc="0" normalizeH="0" baseline="0" noProof="0" dirty="0">
-              <a:ln>
-                <a:noFill/>
-              </a:ln>
-              <a:effectLst/>
-              <a:uLnTx/>
-              <a:uFillTx/>
-              <a:ea typeface="Arial Unicode MS" pitchFamily="34" charset="-128"/>
-              <a:cs typeface="Arial Unicode MS" pitchFamily="34" charset="-128"/>
-            </a:endParaRPr>
-          </a:p>
-        </p:txBody>
-      </p:sp>
-      <p:sp>
-        <p:nvSpPr>
-          <p:cNvPr id="17" name="Speech Bubble: Rectangle 16"/>
-          <p:cNvSpPr/>
-          <p:nvPr/>
-        </p:nvSpPr>
-        <p:spPr bwMode="gray">
-          <a:xfrm>
-            <a:off x="5490755" y="2872296"/>
-            <a:ext cx="5442076" cy="1337396"/>
-          </a:xfrm>
-          <a:prstGeom prst="wedgeRectCallout">
-            <a:avLst>
-              <a:gd name="adj1" fmla="val -84859"/>
-              <a:gd name="adj2" fmla="val -34045"/>
-            </a:avLst>
-          </a:prstGeom>
-          <a:ln>
-            <a:headEnd/>
-            <a:tailEnd/>
-          </a:ln>
-        </p:spPr>
-        <p:style>
-          <a:lnRef idx="2">
-            <a:schemeClr val="accent5"/>
-          </a:lnRef>
-          <a:fillRef idx="1">
-            <a:schemeClr val="lt1"/>
-          </a:fillRef>
-          <a:effectRef idx="0">
-            <a:schemeClr val="accent5"/>
-          </a:effectRef>
-          <a:fontRef idx="minor">
-            <a:schemeClr val="dk1"/>
-          </a:fontRef>
-        </p:style>
-        <p:txBody>
-          <a:bodyPr lIns="90000" tIns="72000" rIns="90000" bIns="72000" rtlCol="0" anchor="ctr"/>
-          <a:lstStyle/>
-          <a:p>
-            <a:pPr marR="0" algn="ctr" defTabSz="914400" eaLnBrk="1" fontAlgn="base" latinLnBrk="0" hangingPunct="1">
-              <a:lnSpc>
-                <a:spcPct val="100000"/>
-              </a:lnSpc>
-              <a:spcBef>
-                <a:spcPct val="50000"/>
-              </a:spcBef>
-              <a:spcAft>
-                <a:spcPct val="0"/>
-              </a:spcAft>
-              <a:buClr>
-                <a:srgbClr val="F0AB00"/>
-              </a:buClr>
-              <a:buSzPct val="80000"/>
-              <a:tabLst/>
-            </a:pPr>
-            <a:r>
-              <a:rPr lang="en-US" sz="1800" kern="0" noProof="0" dirty="0">
-                <a:ea typeface="Arial Unicode MS" pitchFamily="34" charset="-128"/>
-                <a:cs typeface="Arial Unicode MS" pitchFamily="34" charset="-128"/>
-              </a:rPr>
-              <a:t>The pod’s “spec” provides all the necessary details, like the image to use, to actually start a container</a:t>
-            </a:r>
-            <a:endParaRPr kumimoji="0" lang="en-US" sz="1800" b="0" i="0" u="none" strike="noStrike" kern="0" cap="none" spc="0" normalizeH="0" baseline="0" noProof="0" dirty="0">
-              <a:ln>
-                <a:noFill/>
-              </a:ln>
-              <a:effectLst/>
-              <a:uLnTx/>
-              <a:uFillTx/>
-              <a:ea typeface="Arial Unicode MS" pitchFamily="34" charset="-128"/>
-              <a:cs typeface="Arial Unicode MS" pitchFamily="34" charset="-128"/>
-            </a:endParaRPr>
-          </a:p>
-        </p:txBody>
-      </p:sp>
-      <p:sp>
-        <p:nvSpPr>
-          <p:cNvPr id="8" name="Speech Bubble: Rectangle 7"/>
-          <p:cNvSpPr/>
-          <p:nvPr/>
-        </p:nvSpPr>
-        <p:spPr bwMode="gray">
-          <a:xfrm>
-            <a:off x="5490755" y="4697372"/>
-            <a:ext cx="5442076" cy="1337396"/>
-          </a:xfrm>
-          <a:prstGeom prst="wedgeRectCallout">
-            <a:avLst>
-              <a:gd name="adj1" fmla="val -86609"/>
-              <a:gd name="adj2" fmla="val -26211"/>
-            </a:avLst>
-          </a:prstGeom>
-          <a:ln>
-            <a:headEnd/>
-            <a:tailEnd/>
-          </a:ln>
-        </p:spPr>
-        <p:style>
-          <a:lnRef idx="2">
-            <a:schemeClr val="accent5"/>
-          </a:lnRef>
-          <a:fillRef idx="1">
-            <a:schemeClr val="lt1"/>
-          </a:fillRef>
-          <a:effectRef idx="0">
-            <a:schemeClr val="accent5"/>
-          </a:effectRef>
-          <a:fontRef idx="minor">
-            <a:schemeClr val="dk1"/>
-          </a:fontRef>
-        </p:style>
-        <p:txBody>
-          <a:bodyPr lIns="90000" tIns="72000" rIns="90000" bIns="72000" rtlCol="0" anchor="ctr"/>
-          <a:lstStyle/>
-          <a:p>
-            <a:pPr marR="0" algn="ctr" defTabSz="914400" eaLnBrk="1" fontAlgn="base" latinLnBrk="0" hangingPunct="1">
-              <a:lnSpc>
-                <a:spcPct val="100000"/>
-              </a:lnSpc>
-              <a:spcBef>
-                <a:spcPct val="50000"/>
-              </a:spcBef>
-              <a:spcAft>
-                <a:spcPct val="0"/>
-              </a:spcAft>
-              <a:buClr>
-                <a:srgbClr val="F0AB00"/>
-              </a:buClr>
-              <a:buSzPct val="80000"/>
-              <a:tabLst/>
-            </a:pPr>
-            <a:r>
-              <a:rPr lang="en-US" sz="1800" kern="0" noProof="0" dirty="0">
-                <a:ea typeface="Arial Unicode MS" pitchFamily="34" charset="-128"/>
-                <a:cs typeface="Arial Unicode MS" pitchFamily="34" charset="-128"/>
-              </a:rPr>
-              <a:t>The </a:t>
-            </a:r>
-            <a:r>
-              <a:rPr lang="en-US" sz="1800" kern="0" noProof="0" dirty="0" err="1">
-                <a:ea typeface="Arial Unicode MS" pitchFamily="34" charset="-128"/>
-                <a:cs typeface="Arial Unicode MS" pitchFamily="34" charset="-128"/>
-              </a:rPr>
-              <a:t>livenessProbe</a:t>
-            </a:r>
-            <a:r>
-              <a:rPr lang="en-US" sz="1800" kern="0" noProof="0" dirty="0">
-                <a:ea typeface="Arial Unicode MS" pitchFamily="34" charset="-128"/>
-                <a:cs typeface="Arial Unicode MS" pitchFamily="34" charset="-128"/>
-              </a:rPr>
-              <a:t> defines a check, to determine, if the pod is in a healthy state</a:t>
-            </a:r>
-            <a:endParaRPr kumimoji="0" lang="en-US" sz="1800" b="0" i="0" u="none" strike="noStrike" kern="0" cap="none" spc="0" normalizeH="0" baseline="0" noProof="0" dirty="0">
-              <a:ln>
-                <a:noFill/>
-              </a:ln>
-              <a:effectLst/>
-              <a:uLnTx/>
-              <a:uFillTx/>
-              <a:ea typeface="Arial Unicode MS" pitchFamily="34" charset="-128"/>
-              <a:cs typeface="Arial Unicode MS" pitchFamily="34" charset="-128"/>
-            </a:endParaRPr>
-          </a:p>
-        </p:txBody>
-      </p:sp>
-    </p:spTree>
-    <p:extLst>
-      <p:ext uri="{BB962C8B-B14F-4D97-AF65-F5344CB8AC3E}">
-        <p14:creationId xmlns:p14="http://schemas.microsoft.com/office/powerpoint/2010/main" val="2266641752"/>
       </p:ext>
     </p:extLst>
   </p:cSld>

--- a/kubernetes/02_pods.pptx
+++ b/kubernetes/02_pods.pptx
@@ -4712,14 +4712,6 @@
 <file path=ppt/slideLayouts/slideLayout15.xml><?xml version="1.0" encoding="utf-8"?>
 <p:sldLayout xmlns:a="http://schemas.openxmlformats.org/drawingml/2006/main" xmlns:r="http://schemas.openxmlformats.org/officeDocument/2006/relationships" xmlns:p="http://schemas.openxmlformats.org/presentationml/2006/main" preserve="1" userDrawn="1">
   <p:cSld name="Quote">
-    <p:bg>
-      <p:bgPr>
-        <a:solidFill>
-          <a:schemeClr val="bg1"/>
-        </a:solidFill>
-        <a:effectLst/>
-      </p:bgPr>
-    </p:bg>
     <p:spTree>
       <p:nvGrpSpPr>
         <p:cNvPr id="1" name=""/>
@@ -9681,7 +9673,7 @@
       </p:ext>
     </p:extLst>
   </p:cSld>
-  <p:clrMap bg1="dk1" tx1="lt1" bg2="dk2" tx2="lt2" accent1="accent1" accent2="accent2" accent3="accent3" accent4="accent4" accent5="accent5" accent6="accent6" hlink="hlink" folHlink="folHlink"/>
+  <p:clrMap bg1="lt1" tx1="dk1" bg2="lt2" tx2="dk2" accent1="accent1" accent2="accent2" accent3="accent3" accent4="accent4" accent5="accent5" accent6="accent6" hlink="hlink" folHlink="folHlink"/>
   <p:sldLayoutIdLst>
     <p:sldLayoutId id="2147483772" r:id="rId1"/>
     <p:sldLayoutId id="2147483776" r:id="rId2"/>
@@ -10041,25 +10033,6 @@
       </p:sp>
       <p:pic>
         <p:nvPicPr>
-          <p:cNvPr id="3" name="Picture Placeholder 2"/>
-          <p:cNvPicPr>
-            <a:picLocks noGrp="1" noChangeAspect="1"/>
-          </p:cNvPicPr>
-          <p:nvPr>
-            <p:ph type="pic" sz="quarter" idx="12"/>
-          </p:nvPr>
-        </p:nvPicPr>
-        <p:blipFill>
-          <a:blip r:embed="rId3"/>
-          <a:srcRect t="3112" b="3112"/>
-          <a:stretch>
-            <a:fillRect/>
-          </a:stretch>
-        </p:blipFill>
-        <p:spPr/>
-      </p:pic>
-      <p:pic>
-        <p:nvPicPr>
           <p:cNvPr id="4" name="Picture 3" descr="cid:image003.png@01D31CC6.A08B1C50">
             <a:extLst>
               <a:ext uri="{FF2B5EF4-FFF2-40B4-BE49-F238E27FC236}">
@@ -10073,7 +10046,7 @@
           <p:nvPr/>
         </p:nvPicPr>
         <p:blipFill>
-          <a:blip r:embed="rId4">
+          <a:blip r:embed="rId3">
             <a:extLst>
               <a:ext uri="{28A0092B-C50C-407E-A947-70E740481C1C}">
                 <a14:useLocalDpi xmlns:a14="http://schemas.microsoft.com/office/drawing/2010/main" val="0"/>
@@ -10118,6 +10091,36 @@
           </a:extLst>
         </p:spPr>
       </p:pic>
+      <p:pic>
+        <p:nvPicPr>
+          <p:cNvPr id="7" name="Illustration" descr="Example of an illustration" title="Illustration for title slide">
+            <a:extLst>
+              <a:ext uri="{FF2B5EF4-FFF2-40B4-BE49-F238E27FC236}">
+                <a16:creationId xmlns:a16="http://schemas.microsoft.com/office/drawing/2014/main" id="{399AA081-BB76-4286-A5B7-336A9EA8E5A8}"/>
+              </a:ext>
+            </a:extLst>
+          </p:cNvPr>
+          <p:cNvPicPr>
+            <a:picLocks noGrp="1" noChangeAspect="1"/>
+          </p:cNvPicPr>
+          <p:nvPr>
+            <p:ph type="pic" sz="quarter" idx="12"/>
+          </p:nvPr>
+        </p:nvPicPr>
+        <p:blipFill>
+          <a:blip r:embed="rId4"/>
+          <a:srcRect t="3112" b="3112"/>
+          <a:stretch>
+            <a:fillRect/>
+          </a:stretch>
+        </p:blipFill>
+        <p:spPr bwMode="gray">
+          <a:xfrm>
+            <a:off x="1" y="26895"/>
+            <a:ext cx="12195174" cy="3430006"/>
+          </a:xfrm>
+        </p:spPr>
+      </p:pic>
     </p:spTree>
     <p:extLst>
       <p:ext uri="{BB962C8B-B14F-4D97-AF65-F5344CB8AC3E}">
@@ -10150,7 +10153,13 @@
       </p:grpSpPr>
       <p:pic>
         <p:nvPicPr>
-          <p:cNvPr id="3" name="Picture 2"/>
+          <p:cNvPr id="5" name="Picture 4">
+            <a:extLst>
+              <a:ext uri="{FF2B5EF4-FFF2-40B4-BE49-F238E27FC236}">
+                <a16:creationId xmlns:a16="http://schemas.microsoft.com/office/drawing/2014/main" id="{A9D7852D-3E9A-4481-9551-022DC8097204}"/>
+              </a:ext>
+            </a:extLst>
+          </p:cNvPr>
           <p:cNvPicPr>
             <a:picLocks noChangeAspect="1"/>
           </p:cNvPicPr>
@@ -10164,12 +10173,17 @@
         </p:blipFill>
         <p:spPr>
           <a:xfrm>
-            <a:off x="504001" y="1116542"/>
-            <a:ext cx="3867974" cy="5120670"/>
+            <a:off x="504001" y="982571"/>
+            <a:ext cx="3695238" cy="5371429"/>
           </a:xfrm>
           <a:prstGeom prst="rect">
             <a:avLst/>
           </a:prstGeom>
+          <a:ln>
+            <a:solidFill>
+              <a:schemeClr val="tx1"/>
+            </a:solidFill>
+          </a:ln>
         </p:spPr>
       </p:pic>
       <p:sp>
@@ -10321,8 +10335,8 @@
           </a:xfrm>
           <a:prstGeom prst="wedgeRectCallout">
             <a:avLst>
-              <a:gd name="adj1" fmla="val -84512"/>
-              <a:gd name="adj2" fmla="val -21992"/>
+              <a:gd name="adj1" fmla="val -77429"/>
+              <a:gd name="adj2" fmla="val -23382"/>
             </a:avLst>
           </a:prstGeom>
           <a:ln>
@@ -10616,6 +10630,230 @@
           <a:prstGeom prst="rect">
             <a:avLst/>
           </a:prstGeom>
+          <a:solidFill>
+            <a:schemeClr val="tx2">
+              <a:lumMod val="90000"/>
+            </a:schemeClr>
+          </a:solidFill>
+          <a:ln>
+            <a:headEnd/>
+            <a:tailEnd/>
+          </a:ln>
+        </p:spPr>
+        <p:style>
+          <a:lnRef idx="2">
+            <a:schemeClr val="accent2">
+              <a:shade val="50000"/>
+            </a:schemeClr>
+          </a:lnRef>
+          <a:fillRef idx="1">
+            <a:schemeClr val="accent2"/>
+          </a:fillRef>
+          <a:effectRef idx="0">
+            <a:schemeClr val="accent2"/>
+          </a:effectRef>
+          <a:fontRef idx="minor">
+            <a:schemeClr val="lt1"/>
+          </a:fontRef>
+        </p:style>
+        <p:txBody>
+          <a:bodyPr lIns="90000" tIns="72000" rIns="90000" bIns="72000" rtlCol="0" anchor="t"/>
+          <a:lstStyle/>
+          <a:p>
+            <a:pPr marR="0" algn="ctr" defTabSz="914400" eaLnBrk="1" fontAlgn="base" latinLnBrk="0" hangingPunct="1">
+              <a:lnSpc>
+                <a:spcPct val="100000"/>
+              </a:lnSpc>
+              <a:spcBef>
+                <a:spcPct val="50000"/>
+              </a:spcBef>
+              <a:spcAft>
+                <a:spcPct val="0"/>
+              </a:spcAft>
+              <a:buClr>
+                <a:srgbClr val="F0AB00"/>
+              </a:buClr>
+              <a:buSzPct val="80000"/>
+              <a:tabLst/>
+            </a:pPr>
+            <a:r>
+              <a:rPr lang="de-DE" sz="2400" b="1" kern="0" noProof="0" dirty="0" err="1">
+                <a:solidFill>
+                  <a:sysClr val="windowText" lastClr="000000"/>
+                </a:solidFill>
+                <a:ea typeface="Arial Unicode MS" pitchFamily="34" charset="-128"/>
+                <a:cs typeface="Arial Unicode MS" pitchFamily="34" charset="-128"/>
+              </a:rPr>
+              <a:t>nginx-pod</a:t>
+            </a:r>
+            <a:endParaRPr kumimoji="0" lang="de-DE" sz="2800" b="1" i="0" u="none" strike="noStrike" kern="0" cap="none" spc="0" normalizeH="0" baseline="0" noProof="0" dirty="0">
+              <a:ln>
+                <a:noFill/>
+              </a:ln>
+              <a:solidFill>
+                <a:sysClr val="windowText" lastClr="000000"/>
+              </a:solidFill>
+              <a:effectLst/>
+              <a:uLnTx/>
+              <a:uFillTx/>
+              <a:ea typeface="Arial Unicode MS" pitchFamily="34" charset="-128"/>
+              <a:cs typeface="Arial Unicode MS" pitchFamily="34" charset="-128"/>
+            </a:endParaRPr>
+          </a:p>
+        </p:txBody>
+      </p:sp>
+      <p:sp>
+        <p:nvSpPr>
+          <p:cNvPr id="5" name="Speech Bubble: Rectangle 4"/>
+          <p:cNvSpPr/>
+          <p:nvPr/>
+        </p:nvSpPr>
+        <p:spPr bwMode="gray">
+          <a:xfrm>
+            <a:off x="2979846" y="3486151"/>
+            <a:ext cx="1746423" cy="912456"/>
+          </a:xfrm>
+          <a:prstGeom prst="wedgeRectCallout">
+            <a:avLst>
+              <a:gd name="adj1" fmla="val 46475"/>
+              <a:gd name="adj2" fmla="val 98925"/>
+            </a:avLst>
+          </a:prstGeom>
+          <a:solidFill>
+            <a:schemeClr val="accent1"/>
+          </a:solidFill>
+          <a:ln w="6350" algn="ctr">
+            <a:noFill/>
+            <a:miter lim="800000"/>
+            <a:headEnd/>
+            <a:tailEnd/>
+          </a:ln>
+        </p:spPr>
+        <p:txBody>
+          <a:bodyPr lIns="90000" tIns="72000" rIns="90000" bIns="72000" rtlCol="0" anchor="ctr"/>
+          <a:lstStyle/>
+          <a:p>
+            <a:pPr marR="0" algn="ctr" defTabSz="914400" eaLnBrk="1" fontAlgn="base" latinLnBrk="0" hangingPunct="1">
+              <a:lnSpc>
+                <a:spcPct val="100000"/>
+              </a:lnSpc>
+              <a:spcBef>
+                <a:spcPct val="50000"/>
+              </a:spcBef>
+              <a:spcAft>
+                <a:spcPct val="0"/>
+              </a:spcAft>
+              <a:buClr>
+                <a:srgbClr val="F0AB00"/>
+              </a:buClr>
+              <a:buSzPct val="80000"/>
+              <a:tabLst/>
+            </a:pPr>
+            <a:r>
+              <a:rPr kumimoji="0" lang="en-US" sz="1800" b="0" i="0" u="none" strike="noStrike" kern="0" cap="none" spc="0" normalizeH="0" baseline="0" noProof="0" dirty="0">
+                <a:ln>
+                  <a:noFill/>
+                </a:ln>
+                <a:effectLst/>
+                <a:uLnTx/>
+                <a:uFillTx/>
+                <a:ea typeface="Arial Unicode MS" pitchFamily="34" charset="-128"/>
+                <a:cs typeface="Arial Unicode MS" pitchFamily="34" charset="-128"/>
+              </a:rPr>
+              <a:t>HTTP 200 ‘OK’</a:t>
+            </a:r>
+          </a:p>
+        </p:txBody>
+      </p:sp>
+      <p:sp>
+        <p:nvSpPr>
+          <p:cNvPr id="7" name="Speech Bubble: Rectangle 6"/>
+          <p:cNvSpPr/>
+          <p:nvPr/>
+        </p:nvSpPr>
+        <p:spPr bwMode="gray">
+          <a:xfrm>
+            <a:off x="7489997" y="3518946"/>
+            <a:ext cx="1746423" cy="912456"/>
+          </a:xfrm>
+          <a:prstGeom prst="wedgeRectCallout">
+            <a:avLst>
+              <a:gd name="adj1" fmla="val -48425"/>
+              <a:gd name="adj2" fmla="val 98925"/>
+            </a:avLst>
+          </a:prstGeom>
+          <a:solidFill>
+            <a:schemeClr val="accent1"/>
+          </a:solidFill>
+          <a:ln w="6350" algn="ctr">
+            <a:noFill/>
+            <a:miter lim="800000"/>
+            <a:headEnd/>
+            <a:tailEnd/>
+          </a:ln>
+        </p:spPr>
+        <p:txBody>
+          <a:bodyPr lIns="90000" tIns="72000" rIns="90000" bIns="72000" rtlCol="0" anchor="ctr"/>
+          <a:lstStyle/>
+          <a:p>
+            <a:pPr marR="0" algn="ctr" defTabSz="914400" eaLnBrk="1" fontAlgn="base" latinLnBrk="0" hangingPunct="1">
+              <a:lnSpc>
+                <a:spcPct val="100000"/>
+              </a:lnSpc>
+              <a:spcBef>
+                <a:spcPct val="50000"/>
+              </a:spcBef>
+              <a:spcAft>
+                <a:spcPct val="0"/>
+              </a:spcAft>
+              <a:buClr>
+                <a:srgbClr val="F0AB00"/>
+              </a:buClr>
+              <a:buSzPct val="80000"/>
+              <a:tabLst/>
+            </a:pPr>
+            <a:r>
+              <a:rPr lang="en-US" sz="1800" kern="0" dirty="0">
+                <a:ea typeface="Arial Unicode MS" pitchFamily="34" charset="-128"/>
+                <a:cs typeface="Arial Unicode MS" pitchFamily="34" charset="-128"/>
+              </a:rPr>
+              <a:t>i</a:t>
+            </a:r>
+            <a:r>
+              <a:rPr kumimoji="0" lang="en-US" sz="1800" b="0" i="0" u="none" strike="noStrike" kern="0" cap="none" spc="0" normalizeH="0" baseline="0" noProof="0" dirty="0">
+                <a:ln>
+                  <a:noFill/>
+                </a:ln>
+                <a:effectLst/>
+                <a:uLnTx/>
+                <a:uFillTx/>
+                <a:ea typeface="Arial Unicode MS" pitchFamily="34" charset="-128"/>
+                <a:cs typeface="Arial Unicode MS" pitchFamily="34" charset="-128"/>
+              </a:rPr>
+              <a:t>ndex.html</a:t>
+            </a:r>
+          </a:p>
+        </p:txBody>
+      </p:sp>
+      <p:sp>
+        <p:nvSpPr>
+          <p:cNvPr id="8" name="Rectangle 7"/>
+          <p:cNvSpPr/>
+          <p:nvPr/>
+        </p:nvSpPr>
+        <p:spPr bwMode="gray">
+          <a:xfrm>
+            <a:off x="739647" y="1215772"/>
+            <a:ext cx="3127502" cy="1775537"/>
+          </a:xfrm>
+          <a:prstGeom prst="rect">
+            <a:avLst/>
+          </a:prstGeom>
+          <a:solidFill>
+            <a:schemeClr val="tx2">
+              <a:lumMod val="90000"/>
+            </a:schemeClr>
+          </a:solidFill>
           <a:ln>
             <a:headEnd/>
             <a:tailEnd/>
@@ -10658,16 +10896,22 @@
               <a:tabLst/>
             </a:pPr>
             <a:r>
-              <a:rPr lang="de-DE" sz="2800" b="1" kern="0" noProof="0" dirty="0" err="1">
+              <a:rPr lang="en-US" sz="2800" b="1" kern="0" dirty="0">
+                <a:solidFill>
+                  <a:sysClr val="windowText" lastClr="000000"/>
+                </a:solidFill>
                 <a:ea typeface="Arial Unicode MS" pitchFamily="34" charset="-128"/>
                 <a:cs typeface="Arial Unicode MS" pitchFamily="34" charset="-128"/>
               </a:rPr>
-              <a:t>nginx-pod</a:t>
-            </a:r>
-            <a:endParaRPr kumimoji="0" lang="de-DE" sz="2800" b="1" i="0" u="none" strike="noStrike" kern="0" cap="none" spc="0" normalizeH="0" baseline="0" noProof="0" dirty="0">
+              <a:t>Respond with HTTP 200, if you are alive!</a:t>
+            </a:r>
+            <a:endParaRPr kumimoji="0" lang="en-US" sz="2800" b="1" i="0" u="none" strike="noStrike" kern="0" cap="none" spc="0" normalizeH="0" baseline="0" dirty="0">
               <a:ln>
                 <a:noFill/>
               </a:ln>
+              <a:solidFill>
+                <a:sysClr val="windowText" lastClr="000000"/>
+              </a:solidFill>
               <a:effectLst/>
               <a:uLnTx/>
               <a:uFillTx/>
@@ -10679,151 +10923,23 @@
       </p:sp>
       <p:sp>
         <p:nvSpPr>
-          <p:cNvPr id="5" name="Speech Bubble: Rectangle 4"/>
+          <p:cNvPr id="9" name="Rectangle 8"/>
           <p:cNvSpPr/>
           <p:nvPr/>
         </p:nvSpPr>
         <p:spPr bwMode="gray">
           <a:xfrm>
-            <a:off x="3867149" y="3333751"/>
-            <a:ext cx="1746423" cy="912456"/>
-          </a:xfrm>
-          <a:prstGeom prst="wedgeRectCallout">
-            <a:avLst>
-              <a:gd name="adj1" fmla="val 46475"/>
-              <a:gd name="adj2" fmla="val 98925"/>
-            </a:avLst>
-          </a:prstGeom>
-          <a:solidFill>
-            <a:schemeClr val="accent1"/>
-          </a:solidFill>
-          <a:ln w="6350" algn="ctr">
-            <a:noFill/>
-            <a:miter lim="800000"/>
-            <a:headEnd/>
-            <a:tailEnd/>
-          </a:ln>
-        </p:spPr>
-        <p:txBody>
-          <a:bodyPr lIns="90000" tIns="72000" rIns="90000" bIns="72000" rtlCol="0" anchor="ctr"/>
-          <a:lstStyle/>
-          <a:p>
-            <a:pPr marR="0" algn="ctr" defTabSz="914400" eaLnBrk="1" fontAlgn="base" latinLnBrk="0" hangingPunct="1">
-              <a:lnSpc>
-                <a:spcPct val="100000"/>
-              </a:lnSpc>
-              <a:spcBef>
-                <a:spcPct val="50000"/>
-              </a:spcBef>
-              <a:spcAft>
-                <a:spcPct val="0"/>
-              </a:spcAft>
-              <a:buClr>
-                <a:srgbClr val="F0AB00"/>
-              </a:buClr>
-              <a:buSzPct val="80000"/>
-              <a:tabLst/>
-            </a:pPr>
-            <a:r>
-              <a:rPr kumimoji="0" lang="en-US" sz="1800" b="0" i="0" u="none" strike="noStrike" kern="0" cap="none" spc="0" normalizeH="0" baseline="0" noProof="0" dirty="0">
-                <a:ln>
-                  <a:noFill/>
-                </a:ln>
-                <a:effectLst/>
-                <a:uLnTx/>
-                <a:uFillTx/>
-                <a:ea typeface="Arial Unicode MS" pitchFamily="34" charset="-128"/>
-                <a:cs typeface="Arial Unicode MS" pitchFamily="34" charset="-128"/>
-              </a:rPr>
-              <a:t>HTTP 200 ‘OK’</a:t>
-            </a:r>
-          </a:p>
-        </p:txBody>
-      </p:sp>
-      <p:sp>
-        <p:nvSpPr>
-          <p:cNvPr id="7" name="Speech Bubble: Rectangle 6"/>
-          <p:cNvSpPr/>
-          <p:nvPr/>
-        </p:nvSpPr>
-        <p:spPr bwMode="gray">
-          <a:xfrm>
-            <a:off x="6616786" y="3333751"/>
-            <a:ext cx="1746423" cy="912456"/>
-          </a:xfrm>
-          <a:prstGeom prst="wedgeRectCallout">
-            <a:avLst>
-              <a:gd name="adj1" fmla="val -48425"/>
-              <a:gd name="adj2" fmla="val 98925"/>
-            </a:avLst>
-          </a:prstGeom>
-          <a:solidFill>
-            <a:schemeClr val="accent1"/>
-          </a:solidFill>
-          <a:ln w="6350" algn="ctr">
-            <a:noFill/>
-            <a:miter lim="800000"/>
-            <a:headEnd/>
-            <a:tailEnd/>
-          </a:ln>
-        </p:spPr>
-        <p:txBody>
-          <a:bodyPr lIns="90000" tIns="72000" rIns="90000" bIns="72000" rtlCol="0" anchor="ctr"/>
-          <a:lstStyle/>
-          <a:p>
-            <a:pPr marR="0" algn="ctr" defTabSz="914400" eaLnBrk="1" fontAlgn="base" latinLnBrk="0" hangingPunct="1">
-              <a:lnSpc>
-                <a:spcPct val="100000"/>
-              </a:lnSpc>
-              <a:spcBef>
-                <a:spcPct val="50000"/>
-              </a:spcBef>
-              <a:spcAft>
-                <a:spcPct val="0"/>
-              </a:spcAft>
-              <a:buClr>
-                <a:srgbClr val="F0AB00"/>
-              </a:buClr>
-              <a:buSzPct val="80000"/>
-              <a:tabLst/>
-            </a:pPr>
-            <a:r>
-              <a:rPr lang="en-US" sz="1800" kern="0" dirty="0">
-                <a:ea typeface="Arial Unicode MS" pitchFamily="34" charset="-128"/>
-                <a:cs typeface="Arial Unicode MS" pitchFamily="34" charset="-128"/>
-              </a:rPr>
-              <a:t>i</a:t>
-            </a:r>
-            <a:r>
-              <a:rPr kumimoji="0" lang="en-US" sz="1800" b="0" i="0" u="none" strike="noStrike" kern="0" cap="none" spc="0" normalizeH="0" baseline="0" noProof="0" dirty="0">
-                <a:ln>
-                  <a:noFill/>
-                </a:ln>
-                <a:effectLst/>
-                <a:uLnTx/>
-                <a:uFillTx/>
-                <a:ea typeface="Arial Unicode MS" pitchFamily="34" charset="-128"/>
-                <a:cs typeface="Arial Unicode MS" pitchFamily="34" charset="-128"/>
-              </a:rPr>
-              <a:t>ndex.html</a:t>
-            </a:r>
-          </a:p>
-        </p:txBody>
-      </p:sp>
-      <p:sp>
-        <p:nvSpPr>
-          <p:cNvPr id="8" name="Rectangle 7"/>
-          <p:cNvSpPr/>
-          <p:nvPr/>
-        </p:nvSpPr>
-        <p:spPr bwMode="gray">
-          <a:xfrm>
-            <a:off x="739647" y="1215772"/>
+            <a:off x="8363209" y="1215771"/>
             <a:ext cx="3127502" cy="1775537"/>
           </a:xfrm>
           <a:prstGeom prst="rect">
             <a:avLst/>
           </a:prstGeom>
+          <a:solidFill>
+            <a:schemeClr val="tx2">
+              <a:lumMod val="90000"/>
+            </a:schemeClr>
+          </a:solidFill>
           <a:ln>
             <a:headEnd/>
             <a:tailEnd/>
@@ -10867,15 +10983,21 @@
             </a:pPr>
             <a:r>
               <a:rPr lang="en-US" sz="2800" b="1" kern="0" dirty="0">
+                <a:solidFill>
+                  <a:sysClr val="windowText" lastClr="000000"/>
+                </a:solidFill>
                 <a:ea typeface="Arial Unicode MS" pitchFamily="34" charset="-128"/>
                 <a:cs typeface="Arial Unicode MS" pitchFamily="34" charset="-128"/>
               </a:rPr>
-              <a:t>Respond with HTTP 200, if you are alive!</a:t>
+              <a:t>Send back the index.html, if you are ready!</a:t>
             </a:r>
             <a:endParaRPr kumimoji="0" lang="en-US" sz="2800" b="1" i="0" u="none" strike="noStrike" kern="0" cap="none" spc="0" normalizeH="0" baseline="0" dirty="0">
               <a:ln>
                 <a:noFill/>
               </a:ln>
+              <a:solidFill>
+                <a:sysClr val="windowText" lastClr="000000"/>
+              </a:solidFill>
               <a:effectLst/>
               <a:uLnTx/>
               <a:uFillTx/>
@@ -10885,101 +11007,29 @@
           </a:p>
         </p:txBody>
       </p:sp>
-      <p:sp>
-        <p:nvSpPr>
-          <p:cNvPr id="9" name="Rectangle 8"/>
-          <p:cNvSpPr/>
-          <p:nvPr/>
-        </p:nvSpPr>
-        <p:spPr bwMode="gray">
-          <a:xfrm>
-            <a:off x="8363209" y="1215771"/>
-            <a:ext cx="3127502" cy="1775537"/>
-          </a:xfrm>
-          <a:prstGeom prst="rect">
-            <a:avLst/>
-          </a:prstGeom>
-          <a:ln>
-            <a:headEnd/>
-            <a:tailEnd/>
-          </a:ln>
-        </p:spPr>
-        <p:style>
-          <a:lnRef idx="2">
-            <a:schemeClr val="accent2">
-              <a:shade val="50000"/>
-            </a:schemeClr>
-          </a:lnRef>
-          <a:fillRef idx="1">
-            <a:schemeClr val="accent2"/>
-          </a:fillRef>
-          <a:effectRef idx="0">
-            <a:schemeClr val="accent2"/>
-          </a:effectRef>
-          <a:fontRef idx="minor">
-            <a:schemeClr val="lt1"/>
-          </a:fontRef>
-        </p:style>
-        <p:txBody>
-          <a:bodyPr lIns="90000" tIns="72000" rIns="90000" bIns="72000" rtlCol="0" anchor="ctr"/>
-          <a:lstStyle/>
-          <a:p>
-            <a:pPr marR="0" algn="ctr" defTabSz="914400" eaLnBrk="1" fontAlgn="base" latinLnBrk="0" hangingPunct="1">
-              <a:lnSpc>
-                <a:spcPct val="100000"/>
-              </a:lnSpc>
-              <a:spcBef>
-                <a:spcPct val="50000"/>
-              </a:spcBef>
-              <a:spcAft>
-                <a:spcPct val="0"/>
-              </a:spcAft>
-              <a:buClr>
-                <a:srgbClr val="F0AB00"/>
-              </a:buClr>
-              <a:buSzPct val="80000"/>
-              <a:tabLst/>
-            </a:pPr>
-            <a:r>
-              <a:rPr lang="en-US" sz="2800" b="1" kern="0" dirty="0">
-                <a:ea typeface="Arial Unicode MS" pitchFamily="34" charset="-128"/>
-                <a:cs typeface="Arial Unicode MS" pitchFamily="34" charset="-128"/>
-              </a:rPr>
-              <a:t>Send back the index.html, if you are ready!</a:t>
-            </a:r>
-            <a:endParaRPr kumimoji="0" lang="en-US" sz="2800" b="1" i="0" u="none" strike="noStrike" kern="0" cap="none" spc="0" normalizeH="0" baseline="0" dirty="0">
-              <a:ln>
-                <a:noFill/>
-              </a:ln>
-              <a:effectLst/>
-              <a:uLnTx/>
-              <a:uFillTx/>
-              <a:ea typeface="Arial Unicode MS" pitchFamily="34" charset="-128"/>
-              <a:cs typeface="Arial Unicode MS" pitchFamily="34" charset="-128"/>
-            </a:endParaRPr>
-          </a:p>
-        </p:txBody>
-      </p:sp>
       <p:cxnSp>
         <p:nvCxnSpPr>
           <p:cNvPr id="14" name="Connector: Elbow 13"/>
           <p:cNvCxnSpPr>
+            <a:cxnSpLocks/>
             <a:stCxn id="8" idx="2"/>
-            <a:endCxn id="4" idx="1"/>
+            <a:endCxn id="10" idx="1"/>
           </p:cNvCxnSpPr>
           <p:nvPr/>
         </p:nvCxnSpPr>
         <p:spPr>
           <a:xfrm rot="16200000" flipH="1">
-            <a:off x="2447241" y="2847465"/>
-            <a:ext cx="2295067" cy="2582753"/>
+            <a:off x="2534887" y="2759819"/>
+            <a:ext cx="2517244" cy="2980223"/>
           </a:xfrm>
           <a:prstGeom prst="bentConnector2">
             <a:avLst/>
           </a:prstGeom>
           <a:ln w="76200">
             <a:solidFill>
-              <a:schemeClr val="tx2"/>
+              <a:schemeClr val="bg1">
+                <a:lumMod val="50000"/>
+              </a:schemeClr>
             </a:solidFill>
             <a:headEnd type="none" w="med" len="med"/>
             <a:tailEnd type="triangle"/>
@@ -11004,22 +11054,25 @@
         <p:nvCxnSpPr>
           <p:cNvPr id="16" name="Connector: Elbow 15"/>
           <p:cNvCxnSpPr>
+            <a:cxnSpLocks/>
             <a:stCxn id="9" idx="2"/>
-            <a:endCxn id="4" idx="3"/>
+            <a:endCxn id="10" idx="3"/>
           </p:cNvCxnSpPr>
           <p:nvPr/>
         </p:nvCxnSpPr>
         <p:spPr>
           <a:xfrm rot="5400000">
-            <a:off x="7470458" y="2829874"/>
-            <a:ext cx="2295068" cy="2617937"/>
+            <a:off x="7160634" y="2742226"/>
+            <a:ext cx="2517245" cy="3015408"/>
           </a:xfrm>
           <a:prstGeom prst="bentConnector2">
             <a:avLst/>
           </a:prstGeom>
           <a:ln w="76200">
             <a:solidFill>
-              <a:schemeClr val="tx2"/>
+              <a:schemeClr val="bg1">
+                <a:lumMod val="50000"/>
+              </a:schemeClr>
             </a:solidFill>
             <a:headEnd type="none" w="med" len="med"/>
             <a:tailEnd type="triangle"/>
@@ -11040,6 +11093,120 @@
           </a:fontRef>
         </p:style>
       </p:cxnSp>
+      <p:sp>
+        <p:nvSpPr>
+          <p:cNvPr id="10" name="Rectangle 9">
+            <a:extLst>
+              <a:ext uri="{FF2B5EF4-FFF2-40B4-BE49-F238E27FC236}">
+                <a16:creationId xmlns:a16="http://schemas.microsoft.com/office/drawing/2014/main" id="{D2B5CB63-03DB-48BE-B0B3-3AD6AE83FA19}"/>
+              </a:ext>
+            </a:extLst>
+          </p:cNvPr>
+          <p:cNvSpPr/>
+          <p:nvPr/>
+        </p:nvSpPr>
+        <p:spPr bwMode="gray">
+          <a:xfrm>
+            <a:off x="5283621" y="4930424"/>
+            <a:ext cx="1627931" cy="1156258"/>
+          </a:xfrm>
+          <a:prstGeom prst="rect">
+            <a:avLst/>
+          </a:prstGeom>
+          <a:ln>
+            <a:headEnd/>
+            <a:tailEnd/>
+          </a:ln>
+        </p:spPr>
+        <p:style>
+          <a:lnRef idx="2">
+            <a:schemeClr val="accent2"/>
+          </a:lnRef>
+          <a:fillRef idx="1">
+            <a:schemeClr val="lt1"/>
+          </a:fillRef>
+          <a:effectRef idx="0">
+            <a:schemeClr val="accent2"/>
+          </a:effectRef>
+          <a:fontRef idx="minor">
+            <a:schemeClr val="dk1"/>
+          </a:fontRef>
+        </p:style>
+        <p:txBody>
+          <a:bodyPr lIns="90000" tIns="72000" rIns="90000" bIns="72000" rtlCol="0" anchor="ctr"/>
+          <a:lstStyle/>
+          <a:p>
+            <a:pPr marR="0" algn="ctr" defTabSz="914400" eaLnBrk="1" fontAlgn="base" latinLnBrk="0" hangingPunct="1">
+              <a:lnSpc>
+                <a:spcPct val="100000"/>
+              </a:lnSpc>
+              <a:spcBef>
+                <a:spcPct val="50000"/>
+              </a:spcBef>
+              <a:spcAft>
+                <a:spcPct val="0"/>
+              </a:spcAft>
+              <a:buClr>
+                <a:srgbClr val="F0AB00"/>
+              </a:buClr>
+              <a:buSzPct val="80000"/>
+              <a:tabLst/>
+            </a:pPr>
+            <a:r>
+              <a:rPr lang="de-DE" sz="1800" kern="0" dirty="0">
+                <a:ea typeface="Arial Unicode MS" pitchFamily="34" charset="-128"/>
+                <a:cs typeface="Arial Unicode MS" pitchFamily="34" charset="-128"/>
+              </a:rPr>
+              <a:t>Container:</a:t>
+            </a:r>
+            <a:endParaRPr kumimoji="0" lang="de-DE" sz="1800" b="0" i="0" u="none" strike="noStrike" kern="0" cap="none" spc="0" normalizeH="0" baseline="0" noProof="0" dirty="0">
+              <a:ln>
+                <a:noFill/>
+              </a:ln>
+              <a:effectLst/>
+              <a:uLnTx/>
+              <a:uFillTx/>
+              <a:ea typeface="Arial Unicode MS" pitchFamily="34" charset="-128"/>
+              <a:cs typeface="Arial Unicode MS" pitchFamily="34" charset="-128"/>
+            </a:endParaRPr>
+          </a:p>
+          <a:p>
+            <a:pPr marR="0" algn="ctr" defTabSz="914400" eaLnBrk="1" fontAlgn="base" latinLnBrk="0" hangingPunct="1">
+              <a:lnSpc>
+                <a:spcPct val="100000"/>
+              </a:lnSpc>
+              <a:spcBef>
+                <a:spcPct val="50000"/>
+              </a:spcBef>
+              <a:spcAft>
+                <a:spcPct val="0"/>
+              </a:spcAft>
+              <a:buClr>
+                <a:srgbClr val="F0AB00"/>
+              </a:buClr>
+              <a:buSzPct val="80000"/>
+              <a:tabLst/>
+            </a:pPr>
+            <a:r>
+              <a:rPr lang="de-DE" sz="1800" kern="0" dirty="0" err="1">
+                <a:ea typeface="Arial Unicode MS" pitchFamily="34" charset="-128"/>
+                <a:cs typeface="Arial Unicode MS" pitchFamily="34" charset="-128"/>
+              </a:rPr>
+              <a:t>app</a:t>
+            </a:r>
+            <a:endParaRPr kumimoji="0" lang="de-DE" sz="1800" b="0" i="0" u="none" strike="noStrike" kern="0" cap="none" spc="0" normalizeH="0" baseline="0" noProof="0" dirty="0">
+              <a:ln>
+                <a:noFill/>
+              </a:ln>
+              <a:effectLst/>
+              <a:uLnTx/>
+              <a:uFillTx/>
+              <a:ea typeface="Arial Unicode MS" pitchFamily="34" charset="-128"/>
+              <a:cs typeface="Arial Unicode MS" pitchFamily="34" charset="-128"/>
+            </a:endParaRPr>
+          </a:p>
+        </p:txBody>
+      </p:sp>
     </p:spTree>
     <p:extLst>
       <p:ext uri="{BB962C8B-B14F-4D97-AF65-F5344CB8AC3E}">
@@ -11094,10 +11261,10 @@
       </p:sp>
       <p:pic>
         <p:nvPicPr>
-          <p:cNvPr id="4" name="Picture 3">
+          <p:cNvPr id="5" name="Picture 4">
             <a:extLst>
               <a:ext uri="{FF2B5EF4-FFF2-40B4-BE49-F238E27FC236}">
-                <a16:creationId xmlns:a16="http://schemas.microsoft.com/office/drawing/2014/main" id="{667C7630-D1BA-44ED-BD0C-E0F24DE56B91}"/>
+                <a16:creationId xmlns:a16="http://schemas.microsoft.com/office/drawing/2014/main" id="{014A22EF-BA19-4A1A-91C9-8DEA1AA3B8DA}"/>
               </a:ext>
             </a:extLst>
           </p:cNvPr>
@@ -11114,8 +11281,8 @@
         </p:blipFill>
         <p:spPr>
           <a:xfrm>
-            <a:off x="3849419" y="1181180"/>
-            <a:ext cx="4495640" cy="4495640"/>
+            <a:off x="3645157" y="976918"/>
+            <a:ext cx="4904163" cy="4904163"/>
           </a:xfrm>
           <a:prstGeom prst="rect">
             <a:avLst/>
@@ -11980,6 +12147,88 @@
           </a:p>
         </p:txBody>
       </p:sp>
+      <p:sp>
+        <p:nvSpPr>
+          <p:cNvPr id="19" name="Speech Bubble: Rectangle 18">
+            <a:extLst>
+              <a:ext uri="{FF2B5EF4-FFF2-40B4-BE49-F238E27FC236}">
+                <a16:creationId xmlns:a16="http://schemas.microsoft.com/office/drawing/2014/main" id="{CCD1DA45-BAB6-453A-8217-8A08C07213A9}"/>
+              </a:ext>
+            </a:extLst>
+          </p:cNvPr>
+          <p:cNvSpPr/>
+          <p:nvPr/>
+        </p:nvSpPr>
+        <p:spPr bwMode="gray">
+          <a:xfrm>
+            <a:off x="591671" y="1787021"/>
+            <a:ext cx="2535294" cy="915844"/>
+          </a:xfrm>
+          <a:prstGeom prst="wedgeRectCallout">
+            <a:avLst>
+              <a:gd name="adj1" fmla="val 52573"/>
+              <a:gd name="adj2" fmla="val 127785"/>
+            </a:avLst>
+          </a:prstGeom>
+          <a:ln>
+            <a:headEnd/>
+            <a:tailEnd/>
+          </a:ln>
+        </p:spPr>
+        <p:style>
+          <a:lnRef idx="2">
+            <a:schemeClr val="accent5"/>
+          </a:lnRef>
+          <a:fillRef idx="1">
+            <a:schemeClr val="lt1"/>
+          </a:fillRef>
+          <a:effectRef idx="0">
+            <a:schemeClr val="accent5"/>
+          </a:effectRef>
+          <a:fontRef idx="minor">
+            <a:schemeClr val="dk1"/>
+          </a:fontRef>
+        </p:style>
+        <p:txBody>
+          <a:bodyPr lIns="90000" tIns="72000" rIns="90000" bIns="72000" rtlCol="0" anchor="ctr"/>
+          <a:lstStyle/>
+          <a:p>
+            <a:pPr marR="0" algn="ctr" defTabSz="914400" eaLnBrk="1" fontAlgn="base" latinLnBrk="0" hangingPunct="1">
+              <a:lnSpc>
+                <a:spcPct val="100000"/>
+              </a:lnSpc>
+              <a:spcBef>
+                <a:spcPct val="50000"/>
+              </a:spcBef>
+              <a:spcAft>
+                <a:spcPct val="0"/>
+              </a:spcAft>
+              <a:buClr>
+                <a:srgbClr val="F0AB00"/>
+              </a:buClr>
+              <a:buSzPct val="80000"/>
+              <a:tabLst/>
+            </a:pPr>
+            <a:r>
+              <a:rPr lang="en-US" sz="1800" kern="0" dirty="0">
+                <a:ea typeface="Arial Unicode MS" pitchFamily="34" charset="-128"/>
+                <a:cs typeface="Arial Unicode MS" pitchFamily="34" charset="-128"/>
+              </a:rPr>
+              <a:t>Create a single pod</a:t>
+            </a:r>
+            <a:endParaRPr kumimoji="0" lang="en-US" sz="1800" b="0" i="0" u="none" strike="noStrike" kern="0" cap="none" spc="0" normalizeH="0" baseline="0" noProof="0" dirty="0" err="1">
+              <a:ln>
+                <a:noFill/>
+              </a:ln>
+              <a:effectLst/>
+              <a:uLnTx/>
+              <a:uFillTx/>
+              <a:ea typeface="Arial Unicode MS" pitchFamily="34" charset="-128"/>
+              <a:cs typeface="Arial Unicode MS" pitchFamily="34" charset="-128"/>
+            </a:endParaRPr>
+          </a:p>
+        </p:txBody>
+      </p:sp>
     </p:spTree>
     <p:extLst>
       <p:ext uri="{BB962C8B-B14F-4D97-AF65-F5344CB8AC3E}">
@@ -12763,6 +13012,11 @@
           <a:prstGeom prst="rect">
             <a:avLst/>
           </a:prstGeom>
+          <a:solidFill>
+            <a:schemeClr val="bg1">
+              <a:lumMod val="85000"/>
+            </a:schemeClr>
+          </a:solidFill>
           <a:ln>
             <a:headEnd/>
             <a:tailEnd/>
@@ -12806,6 +13060,9 @@
             </a:pPr>
             <a:r>
               <a:rPr lang="de-DE" sz="1600" b="1" kern="0" noProof="0" dirty="0" err="1">
+                <a:solidFill>
+                  <a:sysClr val="windowText" lastClr="000000"/>
+                </a:solidFill>
                 <a:ea typeface="Arial Unicode MS" pitchFamily="34" charset="-128"/>
                 <a:cs typeface="Arial Unicode MS" pitchFamily="34" charset="-128"/>
               </a:rPr>
@@ -12813,6 +13070,9 @@
             </a:r>
             <a:r>
               <a:rPr lang="de-DE" sz="1600" b="1" kern="0" noProof="0" dirty="0">
+                <a:solidFill>
+                  <a:sysClr val="windowText" lastClr="000000"/>
+                </a:solidFill>
                 <a:ea typeface="Arial Unicode MS" pitchFamily="34" charset="-128"/>
                 <a:cs typeface="Arial Unicode MS" pitchFamily="34" charset="-128"/>
               </a:rPr>
@@ -12822,6 +13082,9 @@
               <a:ln>
                 <a:noFill/>
               </a:ln>
+              <a:solidFill>
+                <a:sysClr val="windowText" lastClr="000000"/>
+              </a:solidFill>
               <a:effectLst/>
               <a:uLnTx/>
               <a:uFillTx/>
@@ -12993,6 +13256,11 @@
           <a:prstGeom prst="rect">
             <a:avLst/>
           </a:prstGeom>
+          <a:solidFill>
+            <a:schemeClr val="bg1">
+              <a:lumMod val="85000"/>
+            </a:schemeClr>
+          </a:solidFill>
           <a:ln>
             <a:headEnd/>
             <a:tailEnd/>
@@ -13036,6 +13304,9 @@
             </a:pPr>
             <a:r>
               <a:rPr lang="de-DE" sz="1600" b="1" kern="0" noProof="0" dirty="0" err="1">
+                <a:solidFill>
+                  <a:sysClr val="windowText" lastClr="000000"/>
+                </a:solidFill>
                 <a:ea typeface="Arial Unicode MS" pitchFamily="34" charset="-128"/>
                 <a:cs typeface="Arial Unicode MS" pitchFamily="34" charset="-128"/>
               </a:rPr>
@@ -13043,6 +13314,9 @@
             </a:r>
             <a:r>
               <a:rPr lang="de-DE" sz="1600" b="1" kern="0" noProof="0" dirty="0">
+                <a:solidFill>
+                  <a:sysClr val="windowText" lastClr="000000"/>
+                </a:solidFill>
                 <a:ea typeface="Arial Unicode MS" pitchFamily="34" charset="-128"/>
                 <a:cs typeface="Arial Unicode MS" pitchFamily="34" charset="-128"/>
               </a:rPr>
@@ -13052,6 +13326,9 @@
               <a:ln>
                 <a:noFill/>
               </a:ln>
+              <a:solidFill>
+                <a:sysClr val="windowText" lastClr="000000"/>
+              </a:solidFill>
               <a:effectLst/>
               <a:uLnTx/>
               <a:uFillTx/>
@@ -13847,6 +14124,11 @@
             <a:prstGeom prst="rect">
               <a:avLst/>
             </a:prstGeom>
+            <a:solidFill>
+              <a:schemeClr val="bg1">
+                <a:lumMod val="85000"/>
+              </a:schemeClr>
+            </a:solidFill>
             <a:ln>
               <a:headEnd/>
               <a:tailEnd/>
@@ -13872,10 +14154,7 @@
             <a:bodyPr lIns="90000" tIns="72000" rIns="90000" bIns="72000" rtlCol="0" anchor="t"/>
             <a:lstStyle/>
             <a:p>
-              <a:pPr marR="0" algn="ctr" defTabSz="914400" eaLnBrk="1" fontAlgn="base" latinLnBrk="0" hangingPunct="1">
-                <a:lnSpc>
-                  <a:spcPct val="100000"/>
-                </a:lnSpc>
+              <a:pPr algn="ctr" defTabSz="914400" fontAlgn="base">
                 <a:spcBef>
                   <a:spcPct val="50000"/>
                 </a:spcBef>
@@ -13886,32 +14165,25 @@
                   <a:srgbClr val="F0AB00"/>
                 </a:buClr>
                 <a:buSzPct val="80000"/>
-                <a:tabLst/>
               </a:pPr>
               <a:r>
-                <a:rPr lang="de-DE" sz="1600" b="1" kern="0" noProof="0" dirty="0" err="1">
+                <a:rPr lang="de-DE" sz="1600" b="1" kern="0" dirty="0" err="1">
+                  <a:solidFill>
+                    <a:sysClr val="windowText" lastClr="000000"/>
+                  </a:solidFill>
                   <a:ea typeface="Arial Unicode MS" pitchFamily="34" charset="-128"/>
-                  <a:cs typeface="Arial Unicode MS" pitchFamily="34" charset="-128"/>
                 </a:rPr>
                 <a:t>Pod</a:t>
               </a:r>
               <a:r>
-                <a:rPr lang="de-DE" sz="1600" b="1" kern="0" noProof="0" dirty="0">
+                <a:rPr lang="de-DE" sz="1600" b="1" kern="0" dirty="0">
+                  <a:solidFill>
+                    <a:sysClr val="windowText" lastClr="000000"/>
+                  </a:solidFill>
                   <a:ea typeface="Arial Unicode MS" pitchFamily="34" charset="-128"/>
-                  <a:cs typeface="Arial Unicode MS" pitchFamily="34" charset="-128"/>
                 </a:rPr>
                 <a:t>-B</a:t>
               </a:r>
-              <a:endParaRPr kumimoji="0" lang="de-DE" sz="1600" b="1" i="0" u="none" strike="noStrike" kern="0" cap="none" spc="0" normalizeH="0" baseline="0" noProof="0" dirty="0">
-                <a:ln>
-                  <a:noFill/>
-                </a:ln>
-                <a:effectLst/>
-                <a:uLnTx/>
-                <a:uFillTx/>
-                <a:ea typeface="Arial Unicode MS" pitchFamily="34" charset="-128"/>
-                <a:cs typeface="Arial Unicode MS" pitchFamily="34" charset="-128"/>
-              </a:endParaRPr>
             </a:p>
           </p:txBody>
         </p:sp>
@@ -13935,6 +14207,11 @@
             <a:prstGeom prst="rect">
               <a:avLst/>
             </a:prstGeom>
+            <a:solidFill>
+              <a:schemeClr val="bg1">
+                <a:lumMod val="85000"/>
+              </a:schemeClr>
+            </a:solidFill>
             <a:ln>
               <a:headEnd/>
               <a:tailEnd/>
@@ -13942,26 +14219,25 @@
           </p:spPr>
           <p:style>
             <a:lnRef idx="2">
-              <a:schemeClr val="accent2"/>
+              <a:schemeClr val="accent2">
+                <a:shade val="50000"/>
+              </a:schemeClr>
             </a:lnRef>
             <a:fillRef idx="1">
-              <a:schemeClr val="lt1"/>
+              <a:schemeClr val="accent2"/>
             </a:fillRef>
             <a:effectRef idx="0">
               <a:schemeClr val="accent2"/>
             </a:effectRef>
             <a:fontRef idx="minor">
-              <a:schemeClr val="dk1"/>
+              <a:schemeClr val="lt1"/>
             </a:fontRef>
           </p:style>
           <p:txBody>
-            <a:bodyPr lIns="90000" tIns="72000" rIns="90000" bIns="72000" rtlCol="0" anchor="ctr"/>
+            <a:bodyPr lIns="90000" tIns="72000" rIns="90000" bIns="72000" rtlCol="0" anchor="t"/>
             <a:lstStyle/>
             <a:p>
-              <a:pPr marR="0" algn="ctr" defTabSz="914400" eaLnBrk="1" fontAlgn="base" latinLnBrk="0" hangingPunct="1">
-                <a:lnSpc>
-                  <a:spcPct val="100000"/>
-                </a:lnSpc>
+              <a:pPr algn="ctr" defTabSz="914400" fontAlgn="base">
                 <a:spcBef>
                   <a:spcPct val="50000"/>
                 </a:spcBef>
@@ -13972,18 +14248,13 @@
                   <a:srgbClr val="F0AB00"/>
                 </a:buClr>
                 <a:buSzPct val="80000"/>
-                <a:tabLst/>
               </a:pPr>
               <a:r>
-                <a:rPr kumimoji="0" lang="de-DE" sz="1800" b="0" i="0" u="none" strike="noStrike" kern="0" cap="none" spc="0" normalizeH="0" baseline="0" noProof="0" dirty="0">
-                  <a:ln>
-                    <a:noFill/>
-                  </a:ln>
-                  <a:effectLst/>
-                  <a:uLnTx/>
-                  <a:uFillTx/>
+                <a:rPr lang="de-DE" sz="1600" b="1" kern="0" dirty="0">
+                  <a:solidFill>
+                    <a:sysClr val="windowText" lastClr="000000"/>
+                  </a:solidFill>
                   <a:ea typeface="Arial Unicode MS" pitchFamily="34" charset="-128"/>
-                  <a:cs typeface="Arial Unicode MS" pitchFamily="34" charset="-128"/>
                 </a:rPr>
                 <a:t>IP: 10.10.10.2</a:t>
               </a:r>
@@ -14010,6 +14281,9 @@
             <a:prstGeom prst="rect">
               <a:avLst/>
             </a:prstGeom>
+            <a:solidFill>
+              <a:schemeClr val="bg1"/>
+            </a:solidFill>
             <a:ln>
               <a:headEnd/>
               <a:tailEnd/>
@@ -14017,26 +14291,25 @@
           </p:spPr>
           <p:style>
             <a:lnRef idx="2">
-              <a:schemeClr val="accent2"/>
+              <a:schemeClr val="accent2">
+                <a:shade val="50000"/>
+              </a:schemeClr>
             </a:lnRef>
             <a:fillRef idx="1">
-              <a:schemeClr val="lt1"/>
+              <a:schemeClr val="accent2"/>
             </a:fillRef>
             <a:effectRef idx="0">
               <a:schemeClr val="accent2"/>
             </a:effectRef>
             <a:fontRef idx="minor">
-              <a:schemeClr val="dk1"/>
+              <a:schemeClr val="lt1"/>
             </a:fontRef>
           </p:style>
           <p:txBody>
-            <a:bodyPr lIns="90000" tIns="72000" rIns="90000" bIns="72000" rtlCol="0" anchor="ctr"/>
+            <a:bodyPr lIns="90000" tIns="72000" rIns="90000" bIns="72000" rtlCol="0" anchor="t"/>
             <a:lstStyle/>
             <a:p>
-              <a:pPr marR="0" algn="ctr" defTabSz="914400" eaLnBrk="1" fontAlgn="base" latinLnBrk="0" hangingPunct="1">
-                <a:lnSpc>
-                  <a:spcPct val="100000"/>
-                </a:lnSpc>
+              <a:pPr algn="ctr" defTabSz="914400" fontAlgn="base">
                 <a:spcBef>
                   <a:spcPct val="50000"/>
                 </a:spcBef>
@@ -14047,47 +14320,37 @@
                   <a:srgbClr val="F0AB00"/>
                 </a:buClr>
                 <a:buSzPct val="80000"/>
-                <a:tabLst/>
               </a:pPr>
               <a:r>
-                <a:rPr lang="de-DE" sz="1800" kern="0" dirty="0">
+                <a:rPr lang="de-DE" sz="1600" kern="0" dirty="0">
+                  <a:solidFill>
+                    <a:sysClr val="windowText" lastClr="000000"/>
+                  </a:solidFill>
                   <a:ea typeface="Arial Unicode MS" pitchFamily="34" charset="-128"/>
-                  <a:cs typeface="Arial Unicode MS" pitchFamily="34" charset="-128"/>
                 </a:rPr>
                 <a:t>C</a:t>
               </a:r>
               <a:r>
-                <a:rPr kumimoji="0" lang="de-DE" sz="1800" b="0" i="0" u="none" strike="noStrike" kern="0" cap="none" spc="0" normalizeH="0" baseline="0" noProof="0" dirty="0" err="1">
-                  <a:ln>
-                    <a:noFill/>
-                  </a:ln>
-                  <a:effectLst/>
-                  <a:uLnTx/>
-                  <a:uFillTx/>
+                <a:rPr lang="de-DE" sz="1600" kern="0" dirty="0" err="1">
+                  <a:solidFill>
+                    <a:sysClr val="windowText" lastClr="000000"/>
+                  </a:solidFill>
                   <a:ea typeface="Arial Unicode MS" pitchFamily="34" charset="-128"/>
-                  <a:cs typeface="Arial Unicode MS" pitchFamily="34" charset="-128"/>
                 </a:rPr>
                 <a:t>ontainer</a:t>
               </a:r>
               <a:r>
-                <a:rPr kumimoji="0" lang="de-DE" sz="1800" b="0" i="0" u="none" strike="noStrike" kern="0" cap="none" spc="0" normalizeH="0" baseline="0" noProof="0" dirty="0">
-                  <a:ln>
-                    <a:noFill/>
-                  </a:ln>
-                  <a:effectLst/>
-                  <a:uLnTx/>
-                  <a:uFillTx/>
+                <a:rPr lang="de-DE" sz="1600" kern="0" dirty="0">
+                  <a:solidFill>
+                    <a:sysClr val="windowText" lastClr="000000"/>
+                  </a:solidFill>
                   <a:ea typeface="Arial Unicode MS" pitchFamily="34" charset="-128"/>
-                  <a:cs typeface="Arial Unicode MS" pitchFamily="34" charset="-128"/>
                 </a:rPr>
                 <a:t>:</a:t>
               </a:r>
             </a:p>
             <a:p>
-              <a:pPr marR="0" algn="ctr" defTabSz="914400" eaLnBrk="1" fontAlgn="base" latinLnBrk="0" hangingPunct="1">
-                <a:lnSpc>
-                  <a:spcPct val="100000"/>
-                </a:lnSpc>
+              <a:pPr algn="ctr" defTabSz="914400" fontAlgn="base">
                 <a:spcBef>
                   <a:spcPct val="50000"/>
                 </a:spcBef>
@@ -14098,24 +14361,21 @@
                   <a:srgbClr val="F0AB00"/>
                 </a:buClr>
                 <a:buSzPct val="80000"/>
-                <a:tabLst/>
               </a:pPr>
               <a:r>
-                <a:rPr lang="de-DE" sz="1800" kern="0" dirty="0" err="1">
+                <a:rPr lang="de-DE" sz="1600" kern="0" dirty="0" err="1">
+                  <a:solidFill>
+                    <a:sysClr val="windowText" lastClr="000000"/>
+                  </a:solidFill>
                   <a:ea typeface="Arial Unicode MS" pitchFamily="34" charset="-128"/>
-                  <a:cs typeface="Arial Unicode MS" pitchFamily="34" charset="-128"/>
                 </a:rPr>
                 <a:t>nginx</a:t>
               </a:r>
-              <a:endParaRPr kumimoji="0" lang="de-DE" sz="1800" b="0" i="0" u="none" strike="noStrike" kern="0" cap="none" spc="0" normalizeH="0" baseline="0" noProof="0" dirty="0">
-                <a:ln>
-                  <a:noFill/>
-                </a:ln>
-                <a:effectLst/>
-                <a:uLnTx/>
-                <a:uFillTx/>
+              <a:endParaRPr lang="de-DE" sz="1600" kern="0" dirty="0">
+                <a:solidFill>
+                  <a:sysClr val="windowText" lastClr="000000"/>
+                </a:solidFill>
                 <a:ea typeface="Arial Unicode MS" pitchFamily="34" charset="-128"/>
-                <a:cs typeface="Arial Unicode MS" pitchFamily="34" charset="-128"/>
               </a:endParaRPr>
             </a:p>
           </p:txBody>
@@ -14140,6 +14400,9 @@
             <a:prstGeom prst="can">
               <a:avLst/>
             </a:prstGeom>
+            <a:solidFill>
+              <a:schemeClr val="bg1"/>
+            </a:solidFill>
             <a:ln>
               <a:headEnd/>
               <a:tailEnd/>
@@ -14147,26 +14410,25 @@
           </p:spPr>
           <p:style>
             <a:lnRef idx="2">
-              <a:schemeClr val="accent2"/>
+              <a:schemeClr val="accent2">
+                <a:shade val="50000"/>
+              </a:schemeClr>
             </a:lnRef>
             <a:fillRef idx="1">
-              <a:schemeClr val="lt1"/>
+              <a:schemeClr val="accent2"/>
             </a:fillRef>
             <a:effectRef idx="0">
               <a:schemeClr val="accent2"/>
             </a:effectRef>
             <a:fontRef idx="minor">
-              <a:schemeClr val="dk1"/>
+              <a:schemeClr val="lt1"/>
             </a:fontRef>
           </p:style>
           <p:txBody>
-            <a:bodyPr lIns="90000" tIns="72000" rIns="90000" bIns="72000" rtlCol="0" anchor="ctr"/>
+            <a:bodyPr lIns="90000" tIns="72000" rIns="90000" bIns="72000" rtlCol="0" anchor="t"/>
             <a:lstStyle/>
             <a:p>
-              <a:pPr marR="0" algn="ctr" defTabSz="914400" eaLnBrk="1" fontAlgn="base" latinLnBrk="0" hangingPunct="1">
-                <a:lnSpc>
-                  <a:spcPct val="100000"/>
-                </a:lnSpc>
+              <a:pPr algn="ctr" defTabSz="914400" fontAlgn="base">
                 <a:spcBef>
                   <a:spcPct val="50000"/>
                 </a:spcBef>
@@ -14177,30 +14439,21 @@
                   <a:srgbClr val="F0AB00"/>
                 </a:buClr>
                 <a:buSzPct val="80000"/>
-                <a:tabLst/>
               </a:pPr>
               <a:r>
-                <a:rPr kumimoji="0" lang="de-DE" sz="1800" b="0" i="0" u="none" strike="noStrike" kern="0" cap="none" spc="0" normalizeH="0" baseline="0" noProof="0" dirty="0" err="1">
-                  <a:ln>
-                    <a:noFill/>
-                  </a:ln>
-                  <a:effectLst/>
-                  <a:uLnTx/>
-                  <a:uFillTx/>
+                <a:rPr lang="de-DE" sz="1600" kern="0" dirty="0" err="1">
+                  <a:solidFill>
+                    <a:sysClr val="windowText" lastClr="000000"/>
+                  </a:solidFill>
                   <a:ea typeface="Arial Unicode MS" pitchFamily="34" charset="-128"/>
-                  <a:cs typeface="Arial Unicode MS" pitchFamily="34" charset="-128"/>
                 </a:rPr>
                 <a:t>volume</a:t>
               </a:r>
-              <a:endParaRPr kumimoji="0" lang="de-DE" sz="1800" b="0" i="0" u="none" strike="noStrike" kern="0" cap="none" spc="0" normalizeH="0" baseline="0" noProof="0" dirty="0">
-                <a:ln>
-                  <a:noFill/>
-                </a:ln>
-                <a:effectLst/>
-                <a:uLnTx/>
-                <a:uFillTx/>
+              <a:endParaRPr lang="de-DE" sz="1600" kern="0" dirty="0">
+                <a:solidFill>
+                  <a:sysClr val="windowText" lastClr="000000"/>
+                </a:solidFill>
                 <a:ea typeface="Arial Unicode MS" pitchFamily="34" charset="-128"/>
-                <a:cs typeface="Arial Unicode MS" pitchFamily="34" charset="-128"/>
               </a:endParaRPr>
             </a:p>
           </p:txBody>
@@ -14225,6 +14478,9 @@
             <a:prstGeom prst="rect">
               <a:avLst/>
             </a:prstGeom>
+            <a:solidFill>
+              <a:schemeClr val="bg1"/>
+            </a:solidFill>
             <a:ln>
               <a:headEnd/>
               <a:tailEnd/>
@@ -14232,26 +14488,25 @@
           </p:spPr>
           <p:style>
             <a:lnRef idx="2">
-              <a:schemeClr val="accent2"/>
+              <a:schemeClr val="accent2">
+                <a:shade val="50000"/>
+              </a:schemeClr>
             </a:lnRef>
             <a:fillRef idx="1">
-              <a:schemeClr val="lt1"/>
+              <a:schemeClr val="accent2"/>
             </a:fillRef>
             <a:effectRef idx="0">
               <a:schemeClr val="accent2"/>
             </a:effectRef>
             <a:fontRef idx="minor">
-              <a:schemeClr val="dk1"/>
+              <a:schemeClr val="lt1"/>
             </a:fontRef>
           </p:style>
           <p:txBody>
-            <a:bodyPr lIns="90000" tIns="72000" rIns="90000" bIns="72000" rtlCol="0" anchor="ctr"/>
+            <a:bodyPr lIns="90000" tIns="72000" rIns="90000" bIns="72000" rtlCol="0" anchor="t"/>
             <a:lstStyle/>
             <a:p>
-              <a:pPr marR="0" algn="ctr" defTabSz="914400" eaLnBrk="1" fontAlgn="base" latinLnBrk="0" hangingPunct="1">
-                <a:lnSpc>
-                  <a:spcPct val="100000"/>
-                </a:lnSpc>
+              <a:pPr algn="ctr" defTabSz="914400" fontAlgn="base">
                 <a:spcBef>
                   <a:spcPct val="50000"/>
                 </a:spcBef>
@@ -14262,47 +14517,37 @@
                   <a:srgbClr val="F0AB00"/>
                 </a:buClr>
                 <a:buSzPct val="80000"/>
-                <a:tabLst/>
               </a:pPr>
               <a:r>
-                <a:rPr lang="de-DE" sz="1800" kern="0" dirty="0">
+                <a:rPr lang="de-DE" sz="1600" kern="0" dirty="0">
+                  <a:solidFill>
+                    <a:sysClr val="windowText" lastClr="000000"/>
+                  </a:solidFill>
                   <a:ea typeface="Arial Unicode MS" pitchFamily="34" charset="-128"/>
-                  <a:cs typeface="Arial Unicode MS" pitchFamily="34" charset="-128"/>
                 </a:rPr>
                 <a:t>C</a:t>
               </a:r>
               <a:r>
-                <a:rPr kumimoji="0" lang="de-DE" sz="1800" b="0" i="0" u="none" strike="noStrike" kern="0" cap="none" spc="0" normalizeH="0" baseline="0" noProof="0" dirty="0" err="1">
-                  <a:ln>
-                    <a:noFill/>
-                  </a:ln>
-                  <a:effectLst/>
-                  <a:uLnTx/>
-                  <a:uFillTx/>
+                <a:rPr lang="de-DE" sz="1600" kern="0" dirty="0" err="1">
+                  <a:solidFill>
+                    <a:sysClr val="windowText" lastClr="000000"/>
+                  </a:solidFill>
                   <a:ea typeface="Arial Unicode MS" pitchFamily="34" charset="-128"/>
-                  <a:cs typeface="Arial Unicode MS" pitchFamily="34" charset="-128"/>
                 </a:rPr>
                 <a:t>ontainer</a:t>
               </a:r>
               <a:r>
-                <a:rPr kumimoji="0" lang="de-DE" sz="1800" b="0" i="0" u="none" strike="noStrike" kern="0" cap="none" spc="0" normalizeH="0" baseline="0" noProof="0" dirty="0">
-                  <a:ln>
-                    <a:noFill/>
-                  </a:ln>
-                  <a:effectLst/>
-                  <a:uLnTx/>
-                  <a:uFillTx/>
+                <a:rPr lang="de-DE" sz="1600" kern="0" dirty="0">
+                  <a:solidFill>
+                    <a:sysClr val="windowText" lastClr="000000"/>
+                  </a:solidFill>
                   <a:ea typeface="Arial Unicode MS" pitchFamily="34" charset="-128"/>
-                  <a:cs typeface="Arial Unicode MS" pitchFamily="34" charset="-128"/>
                 </a:rPr>
                 <a:t>:</a:t>
               </a:r>
             </a:p>
             <a:p>
-              <a:pPr marR="0" algn="ctr" defTabSz="914400" eaLnBrk="1" fontAlgn="base" latinLnBrk="0" hangingPunct="1">
-                <a:lnSpc>
-                  <a:spcPct val="100000"/>
-                </a:lnSpc>
+              <a:pPr algn="ctr" defTabSz="914400" fontAlgn="base">
                 <a:spcBef>
                   <a:spcPct val="50000"/>
                 </a:spcBef>
@@ -14313,24 +14558,21 @@
                   <a:srgbClr val="F0AB00"/>
                 </a:buClr>
                 <a:buSzPct val="80000"/>
-                <a:tabLst/>
               </a:pPr>
               <a:r>
-                <a:rPr lang="de-DE" sz="1800" kern="0" dirty="0" err="1">
+                <a:rPr lang="de-DE" sz="1600" kern="0" dirty="0" err="1">
+                  <a:solidFill>
+                    <a:sysClr val="windowText" lastClr="000000"/>
+                  </a:solidFill>
                   <a:ea typeface="Arial Unicode MS" pitchFamily="34" charset="-128"/>
-                  <a:cs typeface="Arial Unicode MS" pitchFamily="34" charset="-128"/>
                 </a:rPr>
                 <a:t>proxy</a:t>
               </a:r>
-              <a:endParaRPr kumimoji="0" lang="de-DE" sz="1800" b="0" i="0" u="none" strike="noStrike" kern="0" cap="none" spc="0" normalizeH="0" baseline="0" noProof="0" dirty="0">
-                <a:ln>
-                  <a:noFill/>
-                </a:ln>
-                <a:effectLst/>
-                <a:uLnTx/>
-                <a:uFillTx/>
+              <a:endParaRPr lang="de-DE" sz="1600" kern="0" dirty="0">
+                <a:solidFill>
+                  <a:sysClr val="windowText" lastClr="000000"/>
+                </a:solidFill>
                 <a:ea typeface="Arial Unicode MS" pitchFamily="34" charset="-128"/>
-                <a:cs typeface="Arial Unicode MS" pitchFamily="34" charset="-128"/>
               </a:endParaRPr>
             </a:p>
           </p:txBody>
@@ -14358,26 +14600,30 @@
             <a:prstGeom prst="bentConnector2">
               <a:avLst/>
             </a:prstGeom>
-            <a:ln w="57150">
-              <a:solidFill>
-                <a:schemeClr val="tx1"/>
-              </a:solidFill>
-              <a:headEnd type="triangle"/>
-              <a:tailEnd type="triangle"/>
+            <a:solidFill>
+              <a:schemeClr val="bg1">
+                <a:lumMod val="85000"/>
+              </a:schemeClr>
+            </a:solidFill>
+            <a:ln>
+              <a:headEnd/>
+              <a:tailEnd/>
             </a:ln>
           </p:spPr>
           <p:style>
-            <a:lnRef idx="1">
-              <a:schemeClr val="accent1"/>
+            <a:lnRef idx="2">
+              <a:schemeClr val="accent2">
+                <a:shade val="50000"/>
+              </a:schemeClr>
             </a:lnRef>
-            <a:fillRef idx="0">
-              <a:schemeClr val="accent1"/>
+            <a:fillRef idx="1">
+              <a:schemeClr val="accent2"/>
             </a:fillRef>
             <a:effectRef idx="0">
-              <a:schemeClr val="accent1"/>
+              <a:schemeClr val="accent2"/>
             </a:effectRef>
             <a:fontRef idx="minor">
-              <a:schemeClr val="tx1"/>
+              <a:schemeClr val="lt1"/>
             </a:fontRef>
           </p:style>
         </p:cxnSp>
@@ -14404,26 +14650,30 @@
             <a:prstGeom prst="bentConnector2">
               <a:avLst/>
             </a:prstGeom>
-            <a:ln w="57150">
-              <a:solidFill>
-                <a:schemeClr val="tx1"/>
-              </a:solidFill>
-              <a:headEnd type="triangle"/>
-              <a:tailEnd type="triangle"/>
+            <a:solidFill>
+              <a:schemeClr val="bg1">
+                <a:lumMod val="85000"/>
+              </a:schemeClr>
+            </a:solidFill>
+            <a:ln>
+              <a:headEnd/>
+              <a:tailEnd/>
             </a:ln>
           </p:spPr>
           <p:style>
-            <a:lnRef idx="1">
-              <a:schemeClr val="accent1"/>
+            <a:lnRef idx="2">
+              <a:schemeClr val="accent2">
+                <a:shade val="50000"/>
+              </a:schemeClr>
             </a:lnRef>
-            <a:fillRef idx="0">
-              <a:schemeClr val="accent1"/>
+            <a:fillRef idx="1">
+              <a:schemeClr val="accent2"/>
             </a:fillRef>
             <a:effectRef idx="0">
-              <a:schemeClr val="accent1"/>
+              <a:schemeClr val="accent2"/>
             </a:effectRef>
             <a:fontRef idx="minor">
-              <a:schemeClr val="tx1"/>
+              <a:schemeClr val="lt1"/>
             </a:fontRef>
           </p:style>
         </p:cxnSp>
@@ -14452,26 +14702,30 @@
                 <a:gd name="adj1" fmla="val 50000"/>
               </a:avLst>
             </a:prstGeom>
-            <a:ln w="57150">
-              <a:solidFill>
-                <a:schemeClr val="tx1"/>
-              </a:solidFill>
-              <a:headEnd type="triangle"/>
-              <a:tailEnd type="triangle"/>
+            <a:solidFill>
+              <a:schemeClr val="bg1">
+                <a:lumMod val="85000"/>
+              </a:schemeClr>
+            </a:solidFill>
+            <a:ln>
+              <a:headEnd/>
+              <a:tailEnd/>
             </a:ln>
           </p:spPr>
           <p:style>
-            <a:lnRef idx="1">
-              <a:schemeClr val="accent1"/>
+            <a:lnRef idx="2">
+              <a:schemeClr val="accent2">
+                <a:shade val="50000"/>
+              </a:schemeClr>
             </a:lnRef>
-            <a:fillRef idx="0">
-              <a:schemeClr val="accent1"/>
+            <a:fillRef idx="1">
+              <a:schemeClr val="accent2"/>
             </a:fillRef>
             <a:effectRef idx="0">
-              <a:schemeClr val="accent1"/>
+              <a:schemeClr val="accent2"/>
             </a:effectRef>
             <a:fontRef idx="minor">
-              <a:schemeClr val="tx1"/>
+              <a:schemeClr val="lt1"/>
             </a:fontRef>
           </p:style>
         </p:cxnSp>
@@ -14718,6 +14972,11 @@
           <a:prstGeom prst="rect">
             <a:avLst/>
           </a:prstGeom>
+          <a:solidFill>
+            <a:schemeClr val="bg1">
+              <a:lumMod val="85000"/>
+            </a:schemeClr>
+          </a:solidFill>
           <a:ln>
             <a:headEnd/>
             <a:tailEnd/>
@@ -14743,10 +15002,7 @@
           <a:bodyPr lIns="90000" tIns="72000" rIns="90000" bIns="72000" rtlCol="0" anchor="t"/>
           <a:lstStyle/>
           <a:p>
-            <a:pPr marR="0" algn="ctr" defTabSz="914400" eaLnBrk="1" fontAlgn="base" latinLnBrk="0" hangingPunct="1">
-              <a:lnSpc>
-                <a:spcPct val="100000"/>
-              </a:lnSpc>
+            <a:pPr algn="ctr" defTabSz="914400" fontAlgn="base">
               <a:spcBef>
                 <a:spcPct val="50000"/>
               </a:spcBef>
@@ -14757,31 +15013,30 @@
                 <a:srgbClr val="F0AB00"/>
               </a:buClr>
               <a:buSzPct val="80000"/>
-              <a:tabLst/>
             </a:pPr>
             <a:r>
               <a:rPr lang="de-DE" sz="1600" b="1" kern="0" dirty="0">
+                <a:solidFill>
+                  <a:sysClr val="windowText" lastClr="000000"/>
+                </a:solidFill>
                 <a:ea typeface="Arial Unicode MS" pitchFamily="34" charset="-128"/>
-                <a:cs typeface="Arial Unicode MS" pitchFamily="34" charset="-128"/>
               </a:rPr>
               <a:t>g</a:t>
             </a:r>
             <a:r>
-              <a:rPr lang="de-DE" sz="1600" b="1" kern="0" noProof="0" dirty="0" err="1">
+              <a:rPr lang="de-DE" sz="1600" b="1" kern="0" dirty="0" err="1">
+                <a:solidFill>
+                  <a:sysClr val="windowText" lastClr="000000"/>
+                </a:solidFill>
                 <a:ea typeface="Arial Unicode MS" pitchFamily="34" charset="-128"/>
-                <a:cs typeface="Arial Unicode MS" pitchFamily="34" charset="-128"/>
               </a:rPr>
               <a:t>od-pod</a:t>
             </a:r>
-            <a:endParaRPr kumimoji="0" lang="de-DE" sz="1600" b="1" i="0" u="none" strike="noStrike" kern="0" cap="none" spc="0" normalizeH="0" baseline="0" noProof="0" dirty="0">
-              <a:ln>
-                <a:noFill/>
-              </a:ln>
-              <a:effectLst/>
-              <a:uLnTx/>
-              <a:uFillTx/>
+            <a:endParaRPr lang="de-DE" sz="1600" b="1" kern="0" dirty="0">
+              <a:solidFill>
+                <a:sysClr val="windowText" lastClr="000000"/>
+              </a:solidFill>
               <a:ea typeface="Arial Unicode MS" pitchFamily="34" charset="-128"/>
-              <a:cs typeface="Arial Unicode MS" pitchFamily="34" charset="-128"/>
             </a:endParaRPr>
           </a:p>
         </p:txBody>
@@ -16111,6 +16366,11 @@
             <a:prstGeom prst="rect">
               <a:avLst/>
             </a:prstGeom>
+            <a:solidFill>
+              <a:schemeClr val="tx2">
+                <a:lumMod val="90000"/>
+              </a:schemeClr>
+            </a:solidFill>
             <a:ln>
               <a:headEnd/>
               <a:tailEnd/>
@@ -16154,6 +16414,9 @@
               </a:pPr>
               <a:r>
                 <a:rPr lang="en-US" sz="1800" b="1" kern="0" noProof="0" dirty="0" err="1">
+                  <a:solidFill>
+                    <a:sysClr val="windowText" lastClr="000000"/>
+                  </a:solidFill>
                   <a:ea typeface="Arial Unicode MS" pitchFamily="34" charset="-128"/>
                   <a:cs typeface="Arial Unicode MS" pitchFamily="34" charset="-128"/>
                 </a:rPr>
@@ -16163,6 +16426,9 @@
                 <a:ln>
                   <a:noFill/>
                 </a:ln>
+                <a:solidFill>
+                  <a:sysClr val="windowText" lastClr="000000"/>
+                </a:solidFill>
                 <a:effectLst/>
                 <a:uLnTx/>
                 <a:uFillTx/>
@@ -16186,6 +16452,11 @@
             <a:prstGeom prst="rect">
               <a:avLst/>
             </a:prstGeom>
+            <a:solidFill>
+              <a:schemeClr val="tx2">
+                <a:lumMod val="90000"/>
+              </a:schemeClr>
+            </a:solidFill>
             <a:ln>
               <a:headEnd/>
               <a:tailEnd/>
@@ -16229,6 +16500,9 @@
               </a:pPr>
               <a:r>
                 <a:rPr lang="en-US" sz="1800" b="1" kern="0" dirty="0">
+                  <a:solidFill>
+                    <a:sysClr val="windowText" lastClr="000000"/>
+                  </a:solidFill>
                   <a:ea typeface="Arial Unicode MS" pitchFamily="34" charset="-128"/>
                   <a:cs typeface="Arial Unicode MS" pitchFamily="34" charset="-128"/>
                 </a:rPr>
@@ -16238,6 +16512,9 @@
                 <a:ln>
                   <a:noFill/>
                 </a:ln>
+                <a:solidFill>
+                  <a:sysClr val="windowText" lastClr="000000"/>
+                </a:solidFill>
                 <a:effectLst/>
                 <a:uLnTx/>
                 <a:uFillTx/>
@@ -16261,6 +16538,11 @@
             <a:prstGeom prst="rect">
               <a:avLst/>
             </a:prstGeom>
+            <a:solidFill>
+              <a:schemeClr val="tx2">
+                <a:lumMod val="90000"/>
+              </a:schemeClr>
+            </a:solidFill>
             <a:ln>
               <a:headEnd/>
               <a:tailEnd/>
@@ -16304,6 +16586,9 @@
               </a:pPr>
               <a:r>
                 <a:rPr lang="en-US" sz="1800" b="1" kern="0" dirty="0">
+                  <a:solidFill>
+                    <a:sysClr val="windowText" lastClr="000000"/>
+                  </a:solidFill>
                   <a:ea typeface="Arial Unicode MS" pitchFamily="34" charset="-128"/>
                   <a:cs typeface="Arial Unicode MS" pitchFamily="34" charset="-128"/>
                 </a:rPr>
@@ -16313,6 +16598,9 @@
                 <a:ln>
                   <a:noFill/>
                 </a:ln>
+                <a:solidFill>
+                  <a:sysClr val="windowText" lastClr="000000"/>
+                </a:solidFill>
                 <a:effectLst/>
                 <a:uLnTx/>
                 <a:uFillTx/>
@@ -16336,6 +16624,11 @@
             <a:prstGeom prst="rect">
               <a:avLst/>
             </a:prstGeom>
+            <a:solidFill>
+              <a:schemeClr val="tx2">
+                <a:lumMod val="90000"/>
+              </a:schemeClr>
+            </a:solidFill>
             <a:ln>
               <a:headEnd/>
               <a:tailEnd/>
@@ -16379,6 +16672,9 @@
               </a:pPr>
               <a:r>
                 <a:rPr lang="en-US" sz="1800" b="1" kern="0" dirty="0">
+                  <a:solidFill>
+                    <a:sysClr val="windowText" lastClr="000000"/>
+                  </a:solidFill>
                   <a:ea typeface="Arial Unicode MS" pitchFamily="34" charset="-128"/>
                   <a:cs typeface="Arial Unicode MS" pitchFamily="34" charset="-128"/>
                 </a:rPr>
@@ -16388,6 +16684,9 @@
                 <a:ln>
                   <a:noFill/>
                 </a:ln>
+                <a:solidFill>
+                  <a:sysClr val="windowText" lastClr="000000"/>
+                </a:solidFill>
                 <a:effectLst/>
                 <a:uLnTx/>
                 <a:uFillTx/>
@@ -16411,6 +16710,11 @@
             <a:prstGeom prst="rect">
               <a:avLst/>
             </a:prstGeom>
+            <a:solidFill>
+              <a:schemeClr val="tx2">
+                <a:lumMod val="90000"/>
+              </a:schemeClr>
+            </a:solidFill>
             <a:ln>
               <a:headEnd/>
               <a:tailEnd/>
@@ -16454,6 +16758,9 @@
               </a:pPr>
               <a:r>
                 <a:rPr lang="en-US" sz="1800" b="1" kern="0" dirty="0">
+                  <a:solidFill>
+                    <a:sysClr val="windowText" lastClr="000000"/>
+                  </a:solidFill>
                   <a:ea typeface="Arial Unicode MS" pitchFamily="34" charset="-128"/>
                   <a:cs typeface="Arial Unicode MS" pitchFamily="34" charset="-128"/>
                 </a:rPr>
@@ -16463,6 +16770,9 @@
                 <a:ln>
                   <a:noFill/>
                 </a:ln>
+                <a:solidFill>
+                  <a:sysClr val="windowText" lastClr="000000"/>
+                </a:solidFill>
                 <a:effectLst/>
                 <a:uLnTx/>
                 <a:uFillTx/>

--- a/kubernetes/02_pods.pptx
+++ b/kubernetes/02_pods.pptx
@@ -5,10 +5,10 @@
     <p:sldMasterId id="2147483733" r:id="rId1"/>
   </p:sldMasterIdLst>
   <p:notesMasterIdLst>
-    <p:notesMasterId r:id="rId16"/>
+    <p:notesMasterId r:id="rId17"/>
   </p:notesMasterIdLst>
   <p:handoutMasterIdLst>
-    <p:handoutMasterId r:id="rId17"/>
+    <p:handoutMasterId r:id="rId18"/>
   </p:handoutMasterIdLst>
   <p:sldIdLst>
     <p:sldId id="433" r:id="rId2"/>
@@ -16,15 +16,16 @@
     <p:sldId id="437" r:id="rId4"/>
     <p:sldId id="441" r:id="rId5"/>
     <p:sldId id="447" r:id="rId6"/>
-    <p:sldId id="452" r:id="rId7"/>
-    <p:sldId id="445" r:id="rId8"/>
-    <p:sldId id="450" r:id="rId9"/>
-    <p:sldId id="451" r:id="rId10"/>
-    <p:sldId id="438" r:id="rId11"/>
-    <p:sldId id="446" r:id="rId12"/>
-    <p:sldId id="443" r:id="rId13"/>
-    <p:sldId id="444" r:id="rId14"/>
-    <p:sldId id="265" r:id="rId15"/>
+    <p:sldId id="464" r:id="rId7"/>
+    <p:sldId id="452" r:id="rId8"/>
+    <p:sldId id="445" r:id="rId9"/>
+    <p:sldId id="450" r:id="rId10"/>
+    <p:sldId id="451" r:id="rId11"/>
+    <p:sldId id="438" r:id="rId12"/>
+    <p:sldId id="446" r:id="rId13"/>
+    <p:sldId id="443" r:id="rId14"/>
+    <p:sldId id="444" r:id="rId15"/>
+    <p:sldId id="265" r:id="rId16"/>
   </p:sldIdLst>
   <p:sldSz cx="12195175" cy="6858000"/>
   <p:notesSz cx="6858000" cy="9144000"/>
@@ -632,6 +633,79 @@
       </p:grpSpPr>
       <p:sp>
         <p:nvSpPr>
+          <p:cNvPr id="2" name="Slide Image Placeholder 1"/>
+          <p:cNvSpPr>
+            <a:spLocks noGrp="1" noRot="1" noChangeAspect="1"/>
+          </p:cNvSpPr>
+          <p:nvPr>
+            <p:ph type="sldImg"/>
+          </p:nvPr>
+        </p:nvSpPr>
+        <p:spPr/>
+      </p:sp>
+      <p:sp>
+        <p:nvSpPr>
+          <p:cNvPr id="3" name="Notes Placeholder 2"/>
+          <p:cNvSpPr>
+            <a:spLocks noGrp="1"/>
+          </p:cNvSpPr>
+          <p:nvPr>
+            <p:ph type="body" idx="1"/>
+          </p:nvPr>
+        </p:nvSpPr>
+        <p:spPr/>
+        <p:txBody>
+          <a:bodyPr/>
+          <a:lstStyle/>
+          <a:p>
+            <a:r>
+              <a:rPr lang="en-US" dirty="0" err="1"/>
+              <a:t>kubectl</a:t>
+            </a:r>
+            <a:r>
+              <a:rPr lang="en-US" dirty="0"/>
+              <a:t> explain &lt;resource&gt; is the command line access to the </a:t>
+            </a:r>
+            <a:r>
+              <a:rPr lang="en-US" dirty="0" err="1"/>
+              <a:t>api</a:t>
+            </a:r>
+            <a:r>
+              <a:rPr lang="en-US" dirty="0"/>
+              <a:t> documentation. It gives the same information as the online documentation. </a:t>
+            </a:r>
+          </a:p>
+          <a:p>
+            <a:endParaRPr lang="en-US" dirty="0"/>
+          </a:p>
+          <a:p>
+            <a:r>
+              <a:rPr lang="en-US" dirty="0"/>
+              <a:t>You can get more details on specific objects or fields by appending them with .&lt;field&gt; </a:t>
+            </a:r>
+            <a:r>
+              <a:rPr lang="en-US" dirty="0">
+                <a:sym typeface="Wingdings" panose="05000000000000000000" pitchFamily="2" charset="2"/>
+              </a:rPr>
+              <a:t> e.g. </a:t>
+            </a:r>
+            <a:r>
+              <a:rPr lang="en-US" dirty="0"/>
+              <a:t>“.spec” or “.</a:t>
+            </a:r>
+            <a:r>
+              <a:rPr lang="en-US" dirty="0" err="1"/>
+              <a:t>apiVersion</a:t>
+            </a:r>
+            <a:r>
+              <a:rPr lang="en-US" dirty="0"/>
+              <a:t>” </a:t>
+            </a:r>
+          </a:p>
+        </p:txBody>
+      </p:sp>
+      <p:sp>
+        <p:nvSpPr>
           <p:cNvPr id="4" name="Slide Number Placeholder 3"/>
           <p:cNvSpPr>
             <a:spLocks noGrp="1"/>
@@ -649,6 +723,60 @@
               <a:rPr lang="de-DE" smtClean="0"/>
               <a:pPr/>
               <a:t>10</a:t>
+            </a:fld>
+            <a:endParaRPr lang="de-DE" dirty="0"/>
+          </a:p>
+        </p:txBody>
+      </p:sp>
+    </p:spTree>
+    <p:extLst>
+      <p:ext uri="{BB962C8B-B14F-4D97-AF65-F5344CB8AC3E}">
+        <p14:creationId xmlns:p14="http://schemas.microsoft.com/office/powerpoint/2010/main" val="624260277"/>
+      </p:ext>
+    </p:extLst>
+  </p:cSld>
+  <p:clrMapOvr>
+    <a:masterClrMapping/>
+  </p:clrMapOvr>
+</p:notes>
+</file>
+
+<file path=ppt/notesSlides/notesSlide11.xml><?xml version="1.0" encoding="utf-8"?>
+<p:notes xmlns:a="http://schemas.openxmlformats.org/drawingml/2006/main" xmlns:r="http://schemas.openxmlformats.org/officeDocument/2006/relationships" xmlns:p="http://schemas.openxmlformats.org/presentationml/2006/main">
+  <p:cSld>
+    <p:spTree>
+      <p:nvGrpSpPr>
+        <p:cNvPr id="1" name=""/>
+        <p:cNvGrpSpPr/>
+        <p:nvPr/>
+      </p:nvGrpSpPr>
+      <p:grpSpPr>
+        <a:xfrm>
+          <a:off x="0" y="0"/>
+          <a:ext cx="0" cy="0"/>
+          <a:chOff x="0" y="0"/>
+          <a:chExt cx="0" cy="0"/>
+        </a:xfrm>
+      </p:grpSpPr>
+      <p:sp>
+        <p:nvSpPr>
+          <p:cNvPr id="4" name="Slide Number Placeholder 3"/>
+          <p:cNvSpPr>
+            <a:spLocks noGrp="1"/>
+          </p:cNvSpPr>
+          <p:nvPr>
+            <p:ph type="sldNum" sz="quarter" idx="10"/>
+          </p:nvPr>
+        </p:nvSpPr>
+        <p:spPr/>
+        <p:txBody>
+          <a:bodyPr/>
+          <a:lstStyle/>
+          <a:p>
+            <a:fld id="{7D8C2C35-2B8A-446E-BEC0-FD36716C29AC}" type="slidenum">
+              <a:rPr lang="de-DE" smtClean="0"/>
+              <a:pPr/>
+              <a:t>11</a:t>
             </a:fld>
             <a:endParaRPr lang="de-DE" dirty="0"/>
           </a:p>
@@ -696,185 +824,6 @@
     <p:extLst>
       <p:ext uri="{BB962C8B-B14F-4D97-AF65-F5344CB8AC3E}">
         <p14:creationId xmlns:p14="http://schemas.microsoft.com/office/powerpoint/2010/main" val="3968705523"/>
-      </p:ext>
-    </p:extLst>
-  </p:cSld>
-  <p:clrMapOvr>
-    <a:masterClrMapping/>
-  </p:clrMapOvr>
-</p:notes>
-</file>
-
-<file path=ppt/notesSlides/notesSlide11.xml><?xml version="1.0" encoding="utf-8"?>
-<p:notes xmlns:a="http://schemas.openxmlformats.org/drawingml/2006/main" xmlns:r="http://schemas.openxmlformats.org/officeDocument/2006/relationships" xmlns:p="http://schemas.openxmlformats.org/presentationml/2006/main">
-  <p:cSld>
-    <p:spTree>
-      <p:nvGrpSpPr>
-        <p:cNvPr id="1" name=""/>
-        <p:cNvGrpSpPr/>
-        <p:nvPr/>
-      </p:nvGrpSpPr>
-      <p:grpSpPr>
-        <a:xfrm>
-          <a:off x="0" y="0"/>
-          <a:ext cx="0" cy="0"/>
-          <a:chOff x="0" y="0"/>
-          <a:chExt cx="0" cy="0"/>
-        </a:xfrm>
-      </p:grpSpPr>
-      <p:sp>
-        <p:nvSpPr>
-          <p:cNvPr id="2" name="Slide Image Placeholder 1"/>
-          <p:cNvSpPr>
-            <a:spLocks noGrp="1" noRot="1" noChangeAspect="1"/>
-          </p:cNvSpPr>
-          <p:nvPr>
-            <p:ph type="sldImg"/>
-          </p:nvPr>
-        </p:nvSpPr>
-        <p:spPr/>
-      </p:sp>
-      <p:sp>
-        <p:nvSpPr>
-          <p:cNvPr id="3" name="Notes Placeholder 2"/>
-          <p:cNvSpPr>
-            <a:spLocks noGrp="1"/>
-          </p:cNvSpPr>
-          <p:nvPr>
-            <p:ph type="body" idx="1"/>
-          </p:nvPr>
-        </p:nvSpPr>
-        <p:spPr/>
-        <p:txBody>
-          <a:bodyPr/>
-          <a:lstStyle/>
-          <a:p>
-            <a:r>
-              <a:rPr lang="en-US" dirty="0"/>
-              <a:t>Demo: http &amp; exec</a:t>
-            </a:r>
-            <a:r>
-              <a:rPr lang="en-US" baseline="0" dirty="0"/>
-              <a:t> liveness pods (see </a:t>
-            </a:r>
-            <a:r>
-              <a:rPr lang="en-US" baseline="0" dirty="0" err="1"/>
-              <a:t>pod_exec_liveness</a:t>
-            </a:r>
-            <a:r>
-              <a:rPr lang="en-US" baseline="0" dirty="0"/>
-              <a:t> &amp; </a:t>
-            </a:r>
-            <a:r>
-              <a:rPr lang="en-US" baseline="0" dirty="0" err="1"/>
-              <a:t>pod_http_liveness</a:t>
-            </a:r>
-            <a:r>
-              <a:rPr lang="en-US" baseline="0" dirty="0"/>
-              <a:t> </a:t>
-            </a:r>
-            <a:r>
-              <a:rPr lang="en-US" baseline="0" dirty="0" err="1"/>
-              <a:t>yaml</a:t>
-            </a:r>
-            <a:r>
-              <a:rPr lang="en-US" baseline="0" dirty="0"/>
-              <a:t> files in the solutions folder)</a:t>
-            </a:r>
-            <a:endParaRPr lang="en-US" dirty="0"/>
-          </a:p>
-          <a:p>
-            <a:r>
-              <a:rPr lang="en-US" dirty="0"/>
-              <a:t>Consequence of failed probe:</a:t>
-            </a:r>
-          </a:p>
-          <a:p>
-            <a:pPr marL="285750" indent="-285750">
-              <a:buFontTx/>
-              <a:buChar char="-"/>
-            </a:pPr>
-            <a:r>
-              <a:rPr lang="en-US" dirty="0"/>
-              <a:t>liveness: kill the container and restart it depending on the restart policy.</a:t>
-            </a:r>
-          </a:p>
-          <a:p>
-            <a:pPr marL="285750" indent="-285750">
-              <a:buFontTx/>
-              <a:buChar char="-"/>
-            </a:pPr>
-            <a:r>
-              <a:rPr lang="en-US" dirty="0"/>
-              <a:t>Readiness: mark pod</a:t>
-            </a:r>
-            <a:r>
-              <a:rPr lang="en-US" baseline="0" dirty="0"/>
-              <a:t> as not ready and don’t route service traffic to it</a:t>
-            </a:r>
-            <a:endParaRPr lang="en-US" dirty="0"/>
-          </a:p>
-          <a:p>
-            <a:r>
-              <a:rPr lang="en-US" dirty="0"/>
-              <a:t>Other options</a:t>
-            </a:r>
-            <a:r>
-              <a:rPr lang="en-US" baseline="0" dirty="0"/>
-              <a:t> for probes: </a:t>
-            </a:r>
-          </a:p>
-          <a:p>
-            <a:pPr marL="285750" indent="-285750">
-              <a:buFontTx/>
-              <a:buChar char="-"/>
-            </a:pPr>
-            <a:r>
-              <a:rPr lang="en-US" baseline="0" dirty="0"/>
-              <a:t>TCP: can a connection be opened successfully?</a:t>
-            </a:r>
-          </a:p>
-          <a:p>
-            <a:pPr marL="285750" indent="-285750">
-              <a:buFontTx/>
-              <a:buChar char="-"/>
-            </a:pPr>
-            <a:r>
-              <a:rPr lang="en-US" baseline="0" dirty="0"/>
-              <a:t>EXEC: run a command and evaluate return/exit code</a:t>
-            </a:r>
-            <a:endParaRPr lang="en-US" dirty="0"/>
-          </a:p>
-        </p:txBody>
-      </p:sp>
-      <p:sp>
-        <p:nvSpPr>
-          <p:cNvPr id="4" name="Slide Number Placeholder 3"/>
-          <p:cNvSpPr>
-            <a:spLocks noGrp="1"/>
-          </p:cNvSpPr>
-          <p:nvPr>
-            <p:ph type="sldNum" sz="quarter" idx="10"/>
-          </p:nvPr>
-        </p:nvSpPr>
-        <p:spPr/>
-        <p:txBody>
-          <a:bodyPr/>
-          <a:lstStyle/>
-          <a:p>
-            <a:fld id="{7D8C2C35-2B8A-446E-BEC0-FD36716C29AC}" type="slidenum">
-              <a:rPr lang="de-DE" smtClean="0"/>
-              <a:pPr/>
-              <a:t>11</a:t>
-            </a:fld>
-            <a:endParaRPr lang="de-DE" dirty="0"/>
-          </a:p>
-        </p:txBody>
-      </p:sp>
-    </p:spTree>
-    <p:extLst>
-      <p:ext uri="{BB962C8B-B14F-4D97-AF65-F5344CB8AC3E}">
-        <p14:creationId xmlns:p14="http://schemas.microsoft.com/office/powerpoint/2010/main" val="3950672114"/>
       </p:ext>
     </p:extLst>
   </p:cSld>
@@ -928,221 +877,101 @@
           <a:bodyPr/>
           <a:lstStyle/>
           <a:p>
-            <a:pPr marL="342900" indent="-342900">
+            <a:r>
+              <a:rPr lang="en-US" dirty="0"/>
+              <a:t>Demo: http &amp; exec</a:t>
+            </a:r>
+            <a:r>
+              <a:rPr lang="en-US" baseline="0" dirty="0"/>
+              <a:t> liveness pods (see </a:t>
+            </a:r>
+            <a:r>
+              <a:rPr lang="en-US" baseline="0" dirty="0" err="1"/>
+              <a:t>pod_exec_liveness</a:t>
+            </a:r>
+            <a:r>
+              <a:rPr lang="en-US" baseline="0" dirty="0"/>
+              <a:t> &amp; </a:t>
+            </a:r>
+            <a:r>
+              <a:rPr lang="en-US" baseline="0" dirty="0" err="1"/>
+              <a:t>pod_http_liveness</a:t>
+            </a:r>
+            <a:r>
+              <a:rPr lang="en-US" baseline="0" dirty="0"/>
+              <a:t> </a:t>
+            </a:r>
+            <a:r>
+              <a:rPr lang="en-US" baseline="0" dirty="0" err="1"/>
+              <a:t>yaml</a:t>
+            </a:r>
+            <a:r>
+              <a:rPr lang="en-US" baseline="0" dirty="0"/>
+              <a:t> files in the solutions folder)</a:t>
+            </a:r>
+            <a:endParaRPr lang="en-US" dirty="0"/>
+          </a:p>
+          <a:p>
+            <a:r>
+              <a:rPr lang="en-US" dirty="0"/>
+              <a:t>Consequence of failed probe:</a:t>
+            </a:r>
+          </a:p>
+          <a:p>
+            <a:pPr marL="285750" indent="-285750">
               <a:buFontTx/>
               <a:buChar char="-"/>
             </a:pPr>
             <a:r>
               <a:rPr lang="en-US" dirty="0"/>
-              <a:t>Start with the “</a:t>
-            </a:r>
-            <a:r>
-              <a:rPr lang="en-US" dirty="0" err="1"/>
-              <a:t>kubectl</a:t>
-            </a:r>
-            <a:r>
-              <a:rPr lang="en-US" dirty="0"/>
-              <a:t> explain pod” and “</a:t>
-            </a:r>
-            <a:r>
-              <a:rPr lang="en-US" dirty="0" err="1"/>
-              <a:t>kubectl</a:t>
-            </a:r>
-            <a:r>
-              <a:rPr lang="en-US" dirty="0"/>
-              <a:t> explain </a:t>
-            </a:r>
-            <a:r>
-              <a:rPr lang="en-US" dirty="0" err="1"/>
-              <a:t>pod.spec</a:t>
-            </a:r>
-            <a:r>
-              <a:rPr lang="en-US" dirty="0"/>
-              <a:t>”</a:t>
-            </a:r>
-          </a:p>
-          <a:p>
-            <a:pPr marL="342900" indent="-342900">
+              <a:t>liveness: kill the container and restart it depending on the restart policy.</a:t>
+            </a:r>
+          </a:p>
+          <a:p>
+            <a:pPr marL="285750" indent="-285750">
               <a:buFontTx/>
               <a:buChar char="-"/>
             </a:pPr>
             <a:r>
               <a:rPr lang="en-US" dirty="0"/>
-              <a:t>Show how to get an overview as well as detailed info about a resource type.</a:t>
-            </a:r>
-          </a:p>
-          <a:p>
-            <a:pPr marL="342900" indent="-342900">
+              <a:t>Readiness: mark pod</a:t>
+            </a:r>
+            <a:r>
+              <a:rPr lang="en-US" baseline="0" dirty="0"/>
+              <a:t> as not ready and don’t route service traffic to it</a:t>
+            </a:r>
+            <a:endParaRPr lang="en-US" dirty="0"/>
+          </a:p>
+          <a:p>
+            <a:r>
+              <a:rPr lang="en-US" dirty="0"/>
+              <a:t>Other options</a:t>
+            </a:r>
+            <a:r>
+              <a:rPr lang="en-US" baseline="0" dirty="0"/>
+              <a:t> for probes: </a:t>
+            </a:r>
+          </a:p>
+          <a:p>
+            <a:pPr marL="285750" indent="-285750">
               <a:buFontTx/>
               <a:buChar char="-"/>
             </a:pPr>
             <a:r>
-              <a:rPr lang="en-US" dirty="0"/>
-              <a:t>Create a pod: ~/</a:t>
-            </a:r>
-            <a:r>
-              <a:rPr lang="en-US" dirty="0" err="1"/>
-              <a:t>kubernetes</a:t>
-            </a:r>
-            <a:r>
-              <a:rPr lang="en-US" dirty="0"/>
-              <a:t>/demo/02_pod_exec_liveness.yaml</a:t>
-            </a:r>
-          </a:p>
-          <a:p>
-            <a:pPr marL="522900" lvl="1" indent="-342900">
+              <a:rPr lang="en-US" baseline="0" dirty="0"/>
+              <a:t>TCP: can a connection be opened successfully?</a:t>
+            </a:r>
+          </a:p>
+          <a:p>
+            <a:pPr marL="285750" indent="-285750">
               <a:buFontTx/>
               <a:buChar char="-"/>
             </a:pPr>
             <a:r>
-              <a:rPr lang="en-US" dirty="0"/>
-              <a:t>Discuss the probe and how it should fail</a:t>
-            </a:r>
-          </a:p>
-          <a:p>
-            <a:pPr marL="522900" lvl="1" indent="-342900">
-              <a:buFontTx/>
-              <a:buChar char="-"/>
-            </a:pPr>
-            <a:r>
-              <a:rPr lang="en-US" dirty="0"/>
-              <a:t>Show how it fails &amp; get restarted</a:t>
-            </a:r>
-          </a:p>
-          <a:p>
-            <a:pPr marL="522900" lvl="1" indent="-342900">
-              <a:buFontTx/>
-              <a:buChar char="-"/>
-            </a:pPr>
-            <a:r>
-              <a:rPr lang="en-US" dirty="0"/>
-              <a:t>Point out the failure threshold</a:t>
-            </a:r>
-          </a:p>
-          <a:p>
-            <a:pPr marL="342900" indent="-342900">
-              <a:buFontTx/>
-              <a:buChar char="-"/>
-            </a:pPr>
-            <a:r>
-              <a:rPr lang="en-US" dirty="0"/>
-              <a:t>Create a 2</a:t>
-            </a:r>
-            <a:r>
-              <a:rPr lang="en-US" baseline="30000" dirty="0"/>
-              <a:t>nd</a:t>
-            </a:r>
-            <a:r>
-              <a:rPr lang="en-US" dirty="0"/>
-              <a:t> pod, this time with a web server: ~/</a:t>
-            </a:r>
-            <a:r>
-              <a:rPr lang="en-US" dirty="0" err="1"/>
-              <a:t>kubernetes</a:t>
-            </a:r>
-            <a:r>
-              <a:rPr lang="en-US" dirty="0"/>
-              <a:t>/demo/02_pod_http_liveness.yaml</a:t>
-            </a:r>
-          </a:p>
-          <a:p>
-            <a:pPr marL="522900" lvl="1" indent="-342900">
-              <a:buFontTx/>
-              <a:buChar char="-"/>
-            </a:pPr>
-            <a:r>
-              <a:rPr lang="en-US" dirty="0"/>
-              <a:t>Explain the http probe and how it should fill up the logs</a:t>
-            </a:r>
-          </a:p>
-          <a:p>
-            <a:pPr marL="522900" marR="0" lvl="1" indent="-342900" algn="l" defTabSz="1088776" rtl="0" eaLnBrk="1" fontAlgn="auto" latinLnBrk="0" hangingPunct="1">
-              <a:lnSpc>
-                <a:spcPct val="100000"/>
-              </a:lnSpc>
-              <a:spcBef>
-                <a:spcPts val="0"/>
-              </a:spcBef>
-              <a:spcAft>
-                <a:spcPts val="0"/>
-              </a:spcAft>
-              <a:buClr>
-                <a:schemeClr val="accent1"/>
-              </a:buClr>
-              <a:buSzPct val="100000"/>
-              <a:buFontTx/>
-              <a:buChar char="-"/>
-              <a:tabLst/>
-              <a:defRPr/>
-            </a:pPr>
-            <a:r>
-              <a:rPr lang="en-US" dirty="0"/>
-              <a:t>Show logs of the container (will be the access log) and discuss the effect of the liveness probe</a:t>
-            </a:r>
-          </a:p>
-          <a:p>
-            <a:pPr marL="342900" indent="-342900">
-              <a:buFontTx/>
-              <a:buChar char="-"/>
-            </a:pPr>
-            <a:r>
-              <a:rPr lang="en-US" dirty="0"/>
-              <a:t>Access </a:t>
-            </a:r>
-            <a:r>
-              <a:rPr lang="en-US" dirty="0" err="1"/>
-              <a:t>nginx</a:t>
-            </a:r>
-            <a:r>
-              <a:rPr lang="en-US" dirty="0"/>
-              <a:t>:</a:t>
-            </a:r>
-          </a:p>
-          <a:p>
-            <a:pPr marL="522864" lvl="1" indent="-342900">
-              <a:buFontTx/>
-              <a:buChar char="-"/>
-            </a:pPr>
-            <a:r>
-              <a:rPr lang="en-US" dirty="0"/>
-              <a:t>Run  </a:t>
-            </a:r>
-            <a:r>
-              <a:rPr lang="en-US" dirty="0" err="1"/>
-              <a:t>kubectl</a:t>
-            </a:r>
-            <a:r>
-              <a:rPr lang="en-US" dirty="0"/>
-              <a:t> port-forward pod/</a:t>
-            </a:r>
-            <a:r>
-              <a:rPr lang="en-US" dirty="0" err="1"/>
-              <a:t>nginx</a:t>
-            </a:r>
-            <a:r>
-              <a:rPr lang="en-US" dirty="0"/>
-              <a:t>-liveness-pod 8080:80</a:t>
-            </a:r>
-          </a:p>
-          <a:p>
-            <a:pPr marL="522864" lvl="1" indent="-342900">
-              <a:buFontTx/>
-              <a:buChar char="-"/>
-            </a:pPr>
-            <a:r>
-              <a:rPr lang="en-US" dirty="0"/>
-              <a:t>Open a browser and connect to 127.0.0.1:8080</a:t>
-            </a:r>
-          </a:p>
-          <a:p>
-            <a:pPr marL="522864" lvl="1" indent="-342900">
-              <a:buFontTx/>
-              <a:buChar char="-"/>
-            </a:pPr>
-            <a:r>
-              <a:rPr lang="en-US" dirty="0"/>
-              <a:t>Port-forward is a nice command to test access to something that you don’t want to expose (yet). However it is not recommended for any production like setup as the traffic is routed via the cluster’s API server</a:t>
-            </a:r>
+              <a:rPr lang="en-US" baseline="0" dirty="0"/>
+              <a:t>EXEC: run a command and evaluate return/exit code</a:t>
+            </a:r>
+            <a:endParaRPr lang="en-US" dirty="0"/>
           </a:p>
         </p:txBody>
       </p:sp>
@@ -1173,7 +1002,7 @@
     </p:spTree>
     <p:extLst>
       <p:ext uri="{BB962C8B-B14F-4D97-AF65-F5344CB8AC3E}">
-        <p14:creationId xmlns:p14="http://schemas.microsoft.com/office/powerpoint/2010/main" val="2327213927"/>
+        <p14:creationId xmlns:p14="http://schemas.microsoft.com/office/powerpoint/2010/main" val="3950672114"/>
       </p:ext>
     </p:extLst>
   </p:cSld>
@@ -1227,7 +1056,221 @@
           <a:bodyPr/>
           <a:lstStyle/>
           <a:p>
-            <a:endParaRPr lang="en-US"/>
+            <a:pPr marL="342900" indent="-342900">
+              <a:buFontTx/>
+              <a:buChar char="-"/>
+            </a:pPr>
+            <a:r>
+              <a:rPr lang="en-US" dirty="0"/>
+              <a:t>Start with the “</a:t>
+            </a:r>
+            <a:r>
+              <a:rPr lang="en-US" dirty="0" err="1"/>
+              <a:t>kubectl</a:t>
+            </a:r>
+            <a:r>
+              <a:rPr lang="en-US" dirty="0"/>
+              <a:t> explain pod” and “</a:t>
+            </a:r>
+            <a:r>
+              <a:rPr lang="en-US" dirty="0" err="1"/>
+              <a:t>kubectl</a:t>
+            </a:r>
+            <a:r>
+              <a:rPr lang="en-US" dirty="0"/>
+              <a:t> explain </a:t>
+            </a:r>
+            <a:r>
+              <a:rPr lang="en-US" dirty="0" err="1"/>
+              <a:t>pod.spec</a:t>
+            </a:r>
+            <a:r>
+              <a:rPr lang="en-US" dirty="0"/>
+              <a:t>”</a:t>
+            </a:r>
+          </a:p>
+          <a:p>
+            <a:pPr marL="342900" indent="-342900">
+              <a:buFontTx/>
+              <a:buChar char="-"/>
+            </a:pPr>
+            <a:r>
+              <a:rPr lang="en-US" dirty="0"/>
+              <a:t>Show how to get an overview as well as detailed info about a resource type.</a:t>
+            </a:r>
+          </a:p>
+          <a:p>
+            <a:pPr marL="342900" indent="-342900">
+              <a:buFontTx/>
+              <a:buChar char="-"/>
+            </a:pPr>
+            <a:r>
+              <a:rPr lang="en-US" dirty="0"/>
+              <a:t>Create a pod: ~/</a:t>
+            </a:r>
+            <a:r>
+              <a:rPr lang="en-US" dirty="0" err="1"/>
+              <a:t>kubernetes</a:t>
+            </a:r>
+            <a:r>
+              <a:rPr lang="en-US" dirty="0"/>
+              <a:t>/demo/02_pod_exec_liveness.yaml</a:t>
+            </a:r>
+          </a:p>
+          <a:p>
+            <a:pPr marL="522900" lvl="1" indent="-342900">
+              <a:buFontTx/>
+              <a:buChar char="-"/>
+            </a:pPr>
+            <a:r>
+              <a:rPr lang="en-US" dirty="0"/>
+              <a:t>Discuss the probe and how it should fail</a:t>
+            </a:r>
+          </a:p>
+          <a:p>
+            <a:pPr marL="522900" lvl="1" indent="-342900">
+              <a:buFontTx/>
+              <a:buChar char="-"/>
+            </a:pPr>
+            <a:r>
+              <a:rPr lang="en-US" dirty="0"/>
+              <a:t>Show how it fails &amp; get restarted</a:t>
+            </a:r>
+          </a:p>
+          <a:p>
+            <a:pPr marL="522900" lvl="1" indent="-342900">
+              <a:buFontTx/>
+              <a:buChar char="-"/>
+            </a:pPr>
+            <a:r>
+              <a:rPr lang="en-US" dirty="0"/>
+              <a:t>Point out the failure threshold</a:t>
+            </a:r>
+          </a:p>
+          <a:p>
+            <a:pPr marL="342900" indent="-342900">
+              <a:buFontTx/>
+              <a:buChar char="-"/>
+            </a:pPr>
+            <a:r>
+              <a:rPr lang="en-US" dirty="0"/>
+              <a:t>Create a 2</a:t>
+            </a:r>
+            <a:r>
+              <a:rPr lang="en-US" baseline="30000" dirty="0"/>
+              <a:t>nd</a:t>
+            </a:r>
+            <a:r>
+              <a:rPr lang="en-US" dirty="0"/>
+              <a:t> pod, this time with a web server: ~/</a:t>
+            </a:r>
+            <a:r>
+              <a:rPr lang="en-US" dirty="0" err="1"/>
+              <a:t>kubernetes</a:t>
+            </a:r>
+            <a:r>
+              <a:rPr lang="en-US" dirty="0"/>
+              <a:t>/demo/02_pod_http_liveness.yaml</a:t>
+            </a:r>
+          </a:p>
+          <a:p>
+            <a:pPr marL="522900" lvl="1" indent="-342900">
+              <a:buFontTx/>
+              <a:buChar char="-"/>
+            </a:pPr>
+            <a:r>
+              <a:rPr lang="en-US" dirty="0"/>
+              <a:t>Explain the http probe and how it should fill up the logs</a:t>
+            </a:r>
+          </a:p>
+          <a:p>
+            <a:pPr marL="522900" marR="0" lvl="1" indent="-342900" algn="l" defTabSz="1088776" rtl="0" eaLnBrk="1" fontAlgn="auto" latinLnBrk="0" hangingPunct="1">
+              <a:lnSpc>
+                <a:spcPct val="100000"/>
+              </a:lnSpc>
+              <a:spcBef>
+                <a:spcPts val="0"/>
+              </a:spcBef>
+              <a:spcAft>
+                <a:spcPts val="0"/>
+              </a:spcAft>
+              <a:buClr>
+                <a:schemeClr val="accent1"/>
+              </a:buClr>
+              <a:buSzPct val="100000"/>
+              <a:buFontTx/>
+              <a:buChar char="-"/>
+              <a:tabLst/>
+              <a:defRPr/>
+            </a:pPr>
+            <a:r>
+              <a:rPr lang="en-US" dirty="0"/>
+              <a:t>Show logs of the container (will be the access log) and discuss the effect of the liveness probe</a:t>
+            </a:r>
+          </a:p>
+          <a:p>
+            <a:pPr marL="342900" indent="-342900">
+              <a:buFontTx/>
+              <a:buChar char="-"/>
+            </a:pPr>
+            <a:r>
+              <a:rPr lang="en-US" dirty="0"/>
+              <a:t>Access </a:t>
+            </a:r>
+            <a:r>
+              <a:rPr lang="en-US" dirty="0" err="1"/>
+              <a:t>nginx</a:t>
+            </a:r>
+            <a:r>
+              <a:rPr lang="en-US" dirty="0"/>
+              <a:t>:</a:t>
+            </a:r>
+          </a:p>
+          <a:p>
+            <a:pPr marL="522864" lvl="1" indent="-342900">
+              <a:buFontTx/>
+              <a:buChar char="-"/>
+            </a:pPr>
+            <a:r>
+              <a:rPr lang="en-US" dirty="0"/>
+              <a:t>Run  </a:t>
+            </a:r>
+            <a:r>
+              <a:rPr lang="en-US" dirty="0" err="1"/>
+              <a:t>kubectl</a:t>
+            </a:r>
+            <a:r>
+              <a:rPr lang="en-US" dirty="0"/>
+              <a:t> port-forward pod/</a:t>
+            </a:r>
+            <a:r>
+              <a:rPr lang="en-US" dirty="0" err="1"/>
+              <a:t>nginx</a:t>
+            </a:r>
+            <a:r>
+              <a:rPr lang="en-US" dirty="0"/>
+              <a:t>-liveness-pod 8080:80</a:t>
+            </a:r>
+          </a:p>
+          <a:p>
+            <a:pPr marL="522864" lvl="1" indent="-342900">
+              <a:buFontTx/>
+              <a:buChar char="-"/>
+            </a:pPr>
+            <a:r>
+              <a:rPr lang="en-US" dirty="0"/>
+              <a:t>Open a browser and connect to 127.0.0.1:8080</a:t>
+            </a:r>
+          </a:p>
+          <a:p>
+            <a:pPr marL="522864" lvl="1" indent="-342900">
+              <a:buFontTx/>
+              <a:buChar char="-"/>
+            </a:pPr>
+            <a:r>
+              <a:rPr lang="en-US" dirty="0"/>
+              <a:t>Port-forward is a nice command to test access to something that you don’t want to expose (yet). However it is not recommended for any production like setup as the traffic is routed via the cluster’s API server</a:t>
+            </a:r>
           </a:p>
         </p:txBody>
       </p:sp>
@@ -1258,6 +1301,91 @@
     </p:spTree>
     <p:extLst>
       <p:ext uri="{BB962C8B-B14F-4D97-AF65-F5344CB8AC3E}">
+        <p14:creationId xmlns:p14="http://schemas.microsoft.com/office/powerpoint/2010/main" val="2327213927"/>
+      </p:ext>
+    </p:extLst>
+  </p:cSld>
+  <p:clrMapOvr>
+    <a:masterClrMapping/>
+  </p:clrMapOvr>
+</p:notes>
+</file>
+
+<file path=ppt/notesSlides/notesSlide14.xml><?xml version="1.0" encoding="utf-8"?>
+<p:notes xmlns:a="http://schemas.openxmlformats.org/drawingml/2006/main" xmlns:r="http://schemas.openxmlformats.org/officeDocument/2006/relationships" xmlns:p="http://schemas.openxmlformats.org/presentationml/2006/main">
+  <p:cSld>
+    <p:spTree>
+      <p:nvGrpSpPr>
+        <p:cNvPr id="1" name=""/>
+        <p:cNvGrpSpPr/>
+        <p:nvPr/>
+      </p:nvGrpSpPr>
+      <p:grpSpPr>
+        <a:xfrm>
+          <a:off x="0" y="0"/>
+          <a:ext cx="0" cy="0"/>
+          <a:chOff x="0" y="0"/>
+          <a:chExt cx="0" cy="0"/>
+        </a:xfrm>
+      </p:grpSpPr>
+      <p:sp>
+        <p:nvSpPr>
+          <p:cNvPr id="2" name="Slide Image Placeholder 1"/>
+          <p:cNvSpPr>
+            <a:spLocks noGrp="1" noRot="1" noChangeAspect="1"/>
+          </p:cNvSpPr>
+          <p:nvPr>
+            <p:ph type="sldImg"/>
+          </p:nvPr>
+        </p:nvSpPr>
+        <p:spPr/>
+      </p:sp>
+      <p:sp>
+        <p:nvSpPr>
+          <p:cNvPr id="3" name="Notes Placeholder 2"/>
+          <p:cNvSpPr>
+            <a:spLocks noGrp="1"/>
+          </p:cNvSpPr>
+          <p:nvPr>
+            <p:ph type="body" idx="1"/>
+          </p:nvPr>
+        </p:nvSpPr>
+        <p:spPr/>
+        <p:txBody>
+          <a:bodyPr/>
+          <a:lstStyle/>
+          <a:p>
+            <a:endParaRPr lang="en-US"/>
+          </a:p>
+        </p:txBody>
+      </p:sp>
+      <p:sp>
+        <p:nvSpPr>
+          <p:cNvPr id="4" name="Slide Number Placeholder 3"/>
+          <p:cNvSpPr>
+            <a:spLocks noGrp="1"/>
+          </p:cNvSpPr>
+          <p:nvPr>
+            <p:ph type="sldNum" sz="quarter" idx="10"/>
+          </p:nvPr>
+        </p:nvSpPr>
+        <p:spPr/>
+        <p:txBody>
+          <a:bodyPr/>
+          <a:lstStyle/>
+          <a:p>
+            <a:fld id="{7D8C2C35-2B8A-446E-BEC0-FD36716C29AC}" type="slidenum">
+              <a:rPr lang="de-DE" smtClean="0"/>
+              <a:pPr/>
+              <a:t>14</a:t>
+            </a:fld>
+            <a:endParaRPr lang="de-DE" dirty="0"/>
+          </a:p>
+        </p:txBody>
+      </p:sp>
+    </p:spTree>
+    <p:extLst>
+      <p:ext uri="{BB962C8B-B14F-4D97-AF65-F5344CB8AC3E}">
         <p14:creationId xmlns:p14="http://schemas.microsoft.com/office/powerpoint/2010/main" val="2480745755"/>
       </p:ext>
     </p:extLst>
@@ -1268,7 +1396,7 @@
 </p:notes>
 </file>
 
-<file path=ppt/notesSlides/notesSlide14.xml><?xml version="1.0" encoding="utf-8"?>
+<file path=ppt/notesSlides/notesSlide15.xml><?xml version="1.0" encoding="utf-8"?>
 <p:notes xmlns:a="http://schemas.openxmlformats.org/drawingml/2006/main" xmlns:r="http://schemas.openxmlformats.org/officeDocument/2006/relationships" xmlns:p="http://schemas.openxmlformats.org/presentationml/2006/main">
   <p:cSld>
     <p:spTree>
@@ -1303,7 +1431,7 @@
             <a:fld id="{7D8C2C35-2B8A-446E-BEC0-FD36716C29AC}" type="slidenum">
               <a:rPr lang="de-DE" smtClean="0"/>
               <a:pPr/>
-              <a:t>14</a:t>
+              <a:t>15</a:t>
             </a:fld>
             <a:endParaRPr lang="de-DE" dirty="0"/>
           </a:p>
@@ -1992,96 +2120,17 @@
         </p:nvSpPr>
         <p:spPr/>
         <p:txBody>
-          <a:bodyPr>
-            <a:normAutofit lnSpcReduction="10000"/>
-          </a:bodyPr>
+          <a:bodyPr/>
           <a:lstStyle/>
           <a:p>
+            <a:pPr marL="0" indent="0">
+              <a:buFontTx/>
+              <a:buNone/>
+            </a:pPr>
             <a:r>
               <a:rPr lang="en-US" dirty="0"/>
-              <a:t>Why don’t we just put all container / pieces belonging to an application stack into ONE single pod? The run nicely co-located on the same host and we don’t have latency issues, they can share a network, IPC and so on…</a:t>
-            </a:r>
-          </a:p>
-          <a:p>
-            <a:endParaRPr lang="en-US" dirty="0"/>
-          </a:p>
-          <a:p>
-            <a:r>
-              <a:rPr lang="en-US" dirty="0"/>
-              <a:t>This is probably a bad idea for following reasons:</a:t>
-            </a:r>
-          </a:p>
-          <a:p>
-            <a:pPr marL="285750" indent="-285750">
-              <a:buFontTx/>
-              <a:buChar char="-"/>
-            </a:pPr>
-            <a:r>
-              <a:rPr lang="en-US" dirty="0"/>
-              <a:t>Does it scale? Not so well – you can only scale on pod level, so you would need to replicate the complete set. Scaling of individual components is not possible at all</a:t>
-            </a:r>
-          </a:p>
-          <a:p>
-            <a:pPr marL="285750" marR="0" lvl="0" indent="-285750" algn="l" defTabSz="1088776" rtl="0" eaLnBrk="1" fontAlgn="auto" latinLnBrk="0" hangingPunct="1">
-              <a:lnSpc>
-                <a:spcPct val="100000"/>
-              </a:lnSpc>
-              <a:spcBef>
-                <a:spcPts val="0"/>
-              </a:spcBef>
-              <a:spcAft>
-                <a:spcPts val="0"/>
-              </a:spcAft>
-              <a:buClrTx/>
-              <a:buSzTx/>
-              <a:buFontTx/>
-              <a:buChar char="-"/>
-              <a:tabLst/>
-              <a:defRPr/>
-            </a:pPr>
-            <a:r>
-              <a:rPr lang="en-US"/>
-              <a:t>Usually the startup </a:t>
-            </a:r>
-            <a:r>
-              <a:rPr lang="en-US" dirty="0"/>
-              <a:t>time of these constructs is poor.</a:t>
-            </a:r>
-          </a:p>
-          <a:p>
-            <a:pPr marL="285750" indent="-285750">
-              <a:buFontTx/>
-              <a:buChar char="-"/>
-            </a:pPr>
-            <a:r>
-              <a:rPr lang="en-US" dirty="0"/>
-              <a:t>Is it easy to schedule? Of course not – in the past an application stack consumed one to several VMs. Nodes in your cluster have to be of adequate size (</a:t>
-            </a:r>
-            <a:r>
-              <a:rPr lang="en-US" dirty="0" err="1"/>
-              <a:t>xxl</a:t>
-            </a:r>
-            <a:r>
-              <a:rPr lang="en-US" dirty="0"/>
-              <a:t>?) and there should be a sufficient amount of nodes for scaling / re-deployment. Potentially also impacts resource utilization.</a:t>
-            </a:r>
-          </a:p>
-          <a:p>
-            <a:pPr marL="285750" indent="-285750">
-              <a:buFontTx/>
-              <a:buChar char="-"/>
-            </a:pPr>
-            <a:r>
-              <a:rPr lang="en-US" dirty="0"/>
-              <a:t>Any changes to a single container definition will affect all others. For example, if the image used for the “front-end” is changed, the complete pod gets rescheduled.</a:t>
-            </a:r>
-          </a:p>
-          <a:p>
-            <a:pPr marL="285750" indent="-285750">
-              <a:buFontTx/>
-              <a:buChar char="-"/>
-            </a:pPr>
-            <a:endParaRPr lang="en-US" dirty="0"/>
+              <a:t>Multiple container within a pod are realized by assigning several shared resources and namespaces to them.</a:t>
+            </a:r>
           </a:p>
           <a:p>
             <a:pPr marL="0" indent="0">
@@ -2097,7 +2146,24 @@
             </a:pPr>
             <a:r>
               <a:rPr lang="en-US" dirty="0"/>
-              <a:t>Conclusion: as a rule of thumb: one pod – one purpose (+ sidecar, adapter, augmentation)</a:t>
+              <a:t>Both containers share the user namespace (user mapping is the same in all containers in a pod), the IPC namespace (all containers can access the same shared memory segments) and the network namespaces (i.e. they are connected through the same virtual network interface and the same network stack).</a:t>
+            </a:r>
+          </a:p>
+          <a:p>
+            <a:pPr marL="0" indent="0">
+              <a:buFontTx/>
+              <a:buNone/>
+            </a:pPr>
+            <a:endParaRPr lang="en-US" dirty="0"/>
+          </a:p>
+          <a:p>
+            <a:pPr marL="0" indent="0">
+              <a:buFontTx/>
+              <a:buNone/>
+            </a:pPr>
+            <a:r>
+              <a:rPr lang="en-US" dirty="0"/>
+              <a:t>What separates the containers are individual and dedicated namespaces for PID, UTS (containers have different hostnames) and mounts.</a:t>
             </a:r>
           </a:p>
         </p:txBody>
@@ -2109,7 +2175,7 @@
             <a:spLocks noGrp="1"/>
           </p:cNvSpPr>
           <p:nvPr>
-            <p:ph type="sldNum" sz="quarter" idx="10"/>
+            <p:ph type="sldNum" sz="quarter" idx="5"/>
           </p:nvPr>
         </p:nvSpPr>
         <p:spPr/>
@@ -2129,7 +2195,7 @@
     </p:spTree>
     <p:extLst>
       <p:ext uri="{BB962C8B-B14F-4D97-AF65-F5344CB8AC3E}">
-        <p14:creationId xmlns:p14="http://schemas.microsoft.com/office/powerpoint/2010/main" val="3296250450"/>
+        <p14:creationId xmlns:p14="http://schemas.microsoft.com/office/powerpoint/2010/main" val="1653935015"/>
       </p:ext>
     </p:extLst>
   </p:cSld>
@@ -2180,48 +2246,112 @@
         </p:nvSpPr>
         <p:spPr/>
         <p:txBody>
-          <a:bodyPr/>
+          <a:bodyPr>
+            <a:normAutofit lnSpcReduction="10000"/>
+          </a:bodyPr>
           <a:lstStyle/>
           <a:p>
             <a:r>
               <a:rPr lang="en-US" dirty="0"/>
-              <a:t>Example</a:t>
-            </a:r>
-            <a:r>
-              <a:rPr lang="en-US" baseline="0" dirty="0"/>
-              <a:t> for a resource with different structure: </a:t>
-            </a:r>
-            <a:r>
-              <a:rPr lang="en-US" baseline="0" dirty="0" err="1"/>
-              <a:t>configMap</a:t>
-            </a:r>
-            <a:endParaRPr lang="en-US" baseline="0" dirty="0"/>
-          </a:p>
-          <a:p>
+              <a:t>Why don’t we just put all container / pieces belonging to an application stack into ONE single pod? The run nicely co-located on the same host and we don’t have latency issues, they can share a network, IPC and so on…</a:t>
+            </a:r>
+          </a:p>
+          <a:p>
+            <a:endParaRPr lang="en-US" dirty="0"/>
+          </a:p>
+          <a:p>
+            <a:r>
+              <a:rPr lang="en-US" dirty="0"/>
+              <a:t>This is probably a bad idea for following reasons:</a:t>
+            </a:r>
+          </a:p>
+          <a:p>
+            <a:pPr marL="285750" indent="-285750">
+              <a:buFontTx/>
+              <a:buChar char="-"/>
+            </a:pPr>
+            <a:r>
+              <a:rPr lang="en-US" dirty="0"/>
+              <a:t>Does it scale? Not so well – you can only scale on pod level, so you would need to replicate the complete set. Scaling of individual components is not possible at all</a:t>
+            </a:r>
+          </a:p>
+          <a:p>
+            <a:pPr marL="285750" marR="0" lvl="0" indent="-285750" algn="l" defTabSz="1088776" rtl="0" eaLnBrk="1" fontAlgn="auto" latinLnBrk="0" hangingPunct="1">
+              <a:lnSpc>
+                <a:spcPct val="100000"/>
+              </a:lnSpc>
+              <a:spcBef>
+                <a:spcPts val="0"/>
+              </a:spcBef>
+              <a:spcAft>
+                <a:spcPts val="0"/>
+              </a:spcAft>
+              <a:buClrTx/>
+              <a:buSzTx/>
+              <a:buFontTx/>
+              <a:buChar char="-"/>
+              <a:tabLst/>
+              <a:defRPr/>
+            </a:pPr>
+            <a:r>
+              <a:rPr lang="en-US"/>
+              <a:t>Usually the startup </a:t>
+            </a:r>
+            <a:r>
+              <a:rPr lang="en-US" dirty="0"/>
+              <a:t>time of these constructs is poor.</a:t>
+            </a:r>
+          </a:p>
+          <a:p>
+            <a:pPr marL="285750" indent="-285750">
+              <a:buFontTx/>
+              <a:buChar char="-"/>
+            </a:pPr>
+            <a:r>
+              <a:rPr lang="en-US" dirty="0"/>
+              <a:t>Is it easy to schedule? Of course not – in the past an application stack consumed one to several VMs. Nodes in your cluster have to be of adequate size (</a:t>
+            </a:r>
             <a:r>
               <a:rPr lang="en-US" dirty="0" err="1"/>
-              <a:t>configMaps</a:t>
+              <a:t>xxl</a:t>
             </a:r>
             <a:r>
               <a:rPr lang="en-US" dirty="0"/>
-              <a:t> have no spec, but a data sections.</a:t>
-            </a:r>
-          </a:p>
-          <a:p>
+              <a:t>?) and there should be a sufficient amount of nodes for scaling / re-deployment. Potentially also impacts resource utilization.</a:t>
+            </a:r>
+          </a:p>
+          <a:p>
+            <a:pPr marL="285750" indent="-285750">
+              <a:buFontTx/>
+              <a:buChar char="-"/>
+            </a:pPr>
+            <a:r>
+              <a:rPr lang="en-US" dirty="0"/>
+              <a:t>Any changes to a single container definition will affect all others. For example, if the image used for the “front-end” is changed, the complete pod gets rescheduled.</a:t>
+            </a:r>
+          </a:p>
+          <a:p>
+            <a:pPr marL="285750" indent="-285750">
+              <a:buFontTx/>
+              <a:buChar char="-"/>
+            </a:pPr>
             <a:endParaRPr lang="en-US" dirty="0"/>
           </a:p>
           <a:p>
+            <a:pPr marL="0" indent="0">
+              <a:buFontTx/>
+              <a:buNone/>
+            </a:pPr>
+            <a:endParaRPr lang="en-US" dirty="0"/>
+          </a:p>
+          <a:p>
+            <a:pPr marL="0" indent="0">
+              <a:buFontTx/>
+              <a:buNone/>
+            </a:pPr>
             <a:r>
               <a:rPr lang="en-US" dirty="0"/>
-              <a:t>When looking at the </a:t>
-            </a:r>
-            <a:r>
-              <a:rPr lang="en-US" dirty="0" err="1"/>
-              <a:t>api</a:t>
-            </a:r>
-            <a:r>
-              <a:rPr lang="en-US" dirty="0"/>
-              <a:t> reference, you can see this basic structure too. Simply navigate to a resource, like pod, and see with fields and object there are. Usually fields have either a list or string/integer as values. Objects link to their object definition.</a:t>
+              <a:t>Conclusion: as a rule of thumb: one pod – one purpose (+ sidecar, adapter, augmentation)</a:t>
             </a:r>
           </a:p>
         </p:txBody>
@@ -2253,7 +2383,7 @@
     </p:spTree>
     <p:extLst>
       <p:ext uri="{BB962C8B-B14F-4D97-AF65-F5344CB8AC3E}">
-        <p14:creationId xmlns:p14="http://schemas.microsoft.com/office/powerpoint/2010/main" val="1052791939"/>
+        <p14:creationId xmlns:p14="http://schemas.microsoft.com/office/powerpoint/2010/main" val="3296250450"/>
       </p:ext>
     </p:extLst>
   </p:cSld>
@@ -2309,27 +2439,44 @@
           <a:p>
             <a:r>
               <a:rPr lang="en-US" dirty="0"/>
-              <a:t>If you want to know more about the structure of any </a:t>
-            </a:r>
+              <a:t>Example</a:t>
+            </a:r>
+            <a:r>
+              <a:rPr lang="en-US" baseline="0" dirty="0"/>
+              <a:t> for a resource with different structure: </a:t>
+            </a:r>
+            <a:r>
+              <a:rPr lang="en-US" baseline="0" dirty="0" err="1"/>
+              <a:t>configMap</a:t>
+            </a:r>
+            <a:endParaRPr lang="en-US" baseline="0" dirty="0"/>
+          </a:p>
+          <a:p>
             <a:r>
               <a:rPr lang="en-US" dirty="0" err="1"/>
-              <a:t>kubernetes</a:t>
+              <a:t>configMaps</a:t>
             </a:r>
             <a:r>
               <a:rPr lang="en-US" dirty="0"/>
-              <a:t> resource, you can go to the official API documentation on https://kubernetes.io/docs/reference/#api-reference or use “</a:t>
+              <a:t> have no spec, but a data sections.</a:t>
+            </a:r>
+          </a:p>
+          <a:p>
+            <a:endParaRPr lang="en-US" dirty="0"/>
+          </a:p>
+          <a:p>
+            <a:r>
+              <a:rPr lang="en-US" dirty="0"/>
+              <a:t>When looking at the </a:t>
             </a:r>
             <a:r>
               <a:rPr lang="en-US" dirty="0" err="1"/>
-              <a:t>kubectl</a:t>
+              <a:t>api</a:t>
             </a:r>
             <a:r>
               <a:rPr lang="en-US" dirty="0"/>
-              <a:t> explain &lt;resource&gt;” command.</a:t>
-            </a:r>
-          </a:p>
-          <a:p>
-            <a:endParaRPr lang="en-US" dirty="0"/>
+              <a:t> reference, you can see this basic structure too. Simply navigate to a resource, like pod, and see with fields and object there are. Usually fields have either a list or string/integer as values. Objects link to their object definition.</a:t>
+            </a:r>
           </a:p>
         </p:txBody>
       </p:sp>
@@ -2360,7 +2507,7 @@
     </p:spTree>
     <p:extLst>
       <p:ext uri="{BB962C8B-B14F-4D97-AF65-F5344CB8AC3E}">
-        <p14:creationId xmlns:p14="http://schemas.microsoft.com/office/powerpoint/2010/main" val="1276059447"/>
+        <p14:creationId xmlns:p14="http://schemas.microsoft.com/office/powerpoint/2010/main" val="1052791939"/>
       </p:ext>
     </p:extLst>
   </p:cSld>
@@ -2415,48 +2562,28 @@
           <a:lstStyle/>
           <a:p>
             <a:r>
+              <a:rPr lang="en-US" dirty="0"/>
+              <a:t>If you want to know more about the structure of any </a:t>
+            </a:r>
+            <a:r>
+              <a:rPr lang="en-US" dirty="0" err="1"/>
+              <a:t>kubernetes</a:t>
+            </a:r>
+            <a:r>
+              <a:rPr lang="en-US" dirty="0"/>
+              <a:t> resource, you can go to the official API documentation on https://kubernetes.io/docs/reference/#api-reference or use “</a:t>
+            </a:r>
+            <a:r>
               <a:rPr lang="en-US" dirty="0" err="1"/>
               <a:t>kubectl</a:t>
             </a:r>
             <a:r>
               <a:rPr lang="en-US" dirty="0"/>
-              <a:t> explain &lt;resource&gt; is the command line access to the </a:t>
-            </a:r>
-            <a:r>
-              <a:rPr lang="en-US" dirty="0" err="1"/>
-              <a:t>api</a:t>
-            </a:r>
-            <a:r>
-              <a:rPr lang="en-US" dirty="0"/>
-              <a:t> documentation. It gives the same information as the online documentation. </a:t>
+              <a:t> explain &lt;resource&gt;” command.</a:t>
             </a:r>
           </a:p>
           <a:p>
             <a:endParaRPr lang="en-US" dirty="0"/>
-          </a:p>
-          <a:p>
-            <a:r>
-              <a:rPr lang="en-US" dirty="0"/>
-              <a:t>You can get more details on specific objects or fields by appending them with .&lt;field&gt; </a:t>
-            </a:r>
-            <a:r>
-              <a:rPr lang="en-US" dirty="0">
-                <a:sym typeface="Wingdings" panose="05000000000000000000" pitchFamily="2" charset="2"/>
-              </a:rPr>
-              <a:t> e.g. </a:t>
-            </a:r>
-            <a:r>
-              <a:rPr lang="en-US" dirty="0"/>
-              <a:t>“.spec” or “.</a:t>
-            </a:r>
-            <a:r>
-              <a:rPr lang="en-US" dirty="0" err="1"/>
-              <a:t>apiVersion</a:t>
-            </a:r>
-            <a:r>
-              <a:rPr lang="en-US" dirty="0"/>
-              <a:t>” </a:t>
-            </a:r>
           </a:p>
         </p:txBody>
       </p:sp>
@@ -2487,7 +2614,7 @@
     </p:spTree>
     <p:extLst>
       <p:ext uri="{BB962C8B-B14F-4D97-AF65-F5344CB8AC3E}">
-        <p14:creationId xmlns:p14="http://schemas.microsoft.com/office/powerpoint/2010/main" val="624260277"/>
+        <p14:creationId xmlns:p14="http://schemas.microsoft.com/office/powerpoint/2010/main" val="1276059447"/>
       </p:ext>
     </p:extLst>
   </p:cSld>
@@ -10151,6 +10278,502 @@
           <a:chExt cx="0" cy="0"/>
         </a:xfrm>
       </p:grpSpPr>
+      <p:sp>
+        <p:nvSpPr>
+          <p:cNvPr id="3" name="Title 2">
+            <a:extLst>
+              <a:ext uri="{FF2B5EF4-FFF2-40B4-BE49-F238E27FC236}">
+                <a16:creationId xmlns:a16="http://schemas.microsoft.com/office/drawing/2014/main" id="{80F2C493-42F3-4142-80BB-153E7286291F}"/>
+              </a:ext>
+            </a:extLst>
+          </p:cNvPr>
+          <p:cNvSpPr>
+            <a:spLocks noGrp="1"/>
+          </p:cNvSpPr>
+          <p:nvPr>
+            <p:ph type="title"/>
+          </p:nvPr>
+        </p:nvSpPr>
+        <p:spPr/>
+        <p:txBody>
+          <a:bodyPr/>
+          <a:lstStyle/>
+          <a:p>
+            <a:r>
+              <a:rPr lang="en-US" dirty="0" err="1"/>
+              <a:t>kubectl</a:t>
+            </a:r>
+            <a:r>
+              <a:rPr lang="en-US" dirty="0"/>
+              <a:t> explain pod</a:t>
+            </a:r>
+          </a:p>
+        </p:txBody>
+      </p:sp>
+      <p:sp>
+        <p:nvSpPr>
+          <p:cNvPr id="7" name="Rectangle 6">
+            <a:extLst>
+              <a:ext uri="{FF2B5EF4-FFF2-40B4-BE49-F238E27FC236}">
+                <a16:creationId xmlns:a16="http://schemas.microsoft.com/office/drawing/2014/main" id="{0337A0A3-E55E-4366-89D8-55CF7D014A21}"/>
+              </a:ext>
+            </a:extLst>
+          </p:cNvPr>
+          <p:cNvSpPr/>
+          <p:nvPr/>
+        </p:nvSpPr>
+        <p:spPr>
+          <a:xfrm>
+            <a:off x="504001" y="998984"/>
+            <a:ext cx="10675276" cy="5509200"/>
+          </a:xfrm>
+          <a:prstGeom prst="rect">
+            <a:avLst/>
+          </a:prstGeom>
+        </p:spPr>
+        <p:txBody>
+          <a:bodyPr wrap="square">
+            <a:spAutoFit/>
+          </a:bodyPr>
+          <a:lstStyle/>
+          <a:p>
+            <a:r>
+              <a:rPr lang="en-US" sz="1200" b="1" dirty="0">
+                <a:latin typeface="Courier New" panose="02070309020205020404" pitchFamily="49" charset="0"/>
+                <a:cs typeface="Courier New" panose="02070309020205020404" pitchFamily="49" charset="0"/>
+              </a:rPr>
+              <a:t>$: </a:t>
+            </a:r>
+            <a:r>
+              <a:rPr lang="en-US" sz="1200" b="1" dirty="0" err="1">
+                <a:latin typeface="Courier New" panose="02070309020205020404" pitchFamily="49" charset="0"/>
+                <a:cs typeface="Courier New" panose="02070309020205020404" pitchFamily="49" charset="0"/>
+              </a:rPr>
+              <a:t>kubectl</a:t>
+            </a:r>
+            <a:r>
+              <a:rPr lang="en-US" sz="1200" b="1" dirty="0">
+                <a:latin typeface="Courier New" panose="02070309020205020404" pitchFamily="49" charset="0"/>
+                <a:cs typeface="Courier New" panose="02070309020205020404" pitchFamily="49" charset="0"/>
+              </a:rPr>
+              <a:t> explain pods</a:t>
+            </a:r>
+          </a:p>
+          <a:p>
+            <a:r>
+              <a:rPr lang="en-US" sz="1100" b="1" dirty="0">
+                <a:latin typeface="Courier New" panose="02070309020205020404" pitchFamily="49" charset="0"/>
+                <a:cs typeface="Courier New" panose="02070309020205020404" pitchFamily="49" charset="0"/>
+              </a:rPr>
+              <a:t>KIND</a:t>
+            </a:r>
+            <a:r>
+              <a:rPr lang="en-US" sz="1100" dirty="0">
+                <a:latin typeface="Courier New" panose="02070309020205020404" pitchFamily="49" charset="0"/>
+                <a:cs typeface="Courier New" panose="02070309020205020404" pitchFamily="49" charset="0"/>
+              </a:rPr>
+              <a:t>:	Pod</a:t>
+            </a:r>
+          </a:p>
+          <a:p>
+            <a:r>
+              <a:rPr lang="en-US" sz="1100" b="1" dirty="0">
+                <a:latin typeface="Courier New" panose="02070309020205020404" pitchFamily="49" charset="0"/>
+                <a:cs typeface="Courier New" panose="02070309020205020404" pitchFamily="49" charset="0"/>
+              </a:rPr>
+              <a:t>VERSION</a:t>
+            </a:r>
+            <a:r>
+              <a:rPr lang="en-US" sz="1100" dirty="0">
+                <a:latin typeface="Courier New" panose="02070309020205020404" pitchFamily="49" charset="0"/>
+                <a:cs typeface="Courier New" panose="02070309020205020404" pitchFamily="49" charset="0"/>
+              </a:rPr>
+              <a:t>: 	v1</a:t>
+            </a:r>
+          </a:p>
+          <a:p>
+            <a:r>
+              <a:rPr lang="en-US" sz="1100" b="1" dirty="0">
+                <a:latin typeface="Courier New" panose="02070309020205020404" pitchFamily="49" charset="0"/>
+                <a:cs typeface="Courier New" panose="02070309020205020404" pitchFamily="49" charset="0"/>
+              </a:rPr>
+              <a:t>DESCRIPTION</a:t>
+            </a:r>
+            <a:r>
+              <a:rPr lang="en-US" sz="1100" dirty="0">
+                <a:latin typeface="Courier New" panose="02070309020205020404" pitchFamily="49" charset="0"/>
+                <a:cs typeface="Courier New" panose="02070309020205020404" pitchFamily="49" charset="0"/>
+              </a:rPr>
+              <a:t>:</a:t>
+            </a:r>
+          </a:p>
+          <a:p>
+            <a:r>
+              <a:rPr lang="en-US" sz="1100" dirty="0">
+                <a:latin typeface="Courier New" panose="02070309020205020404" pitchFamily="49" charset="0"/>
+                <a:cs typeface="Courier New" panose="02070309020205020404" pitchFamily="49" charset="0"/>
+              </a:rPr>
+              <a:t>     Pod is a collection of containers that can run on a host. This resource is</a:t>
+            </a:r>
+          </a:p>
+          <a:p>
+            <a:r>
+              <a:rPr lang="en-US" sz="1100" dirty="0">
+                <a:latin typeface="Courier New" panose="02070309020205020404" pitchFamily="49" charset="0"/>
+                <a:cs typeface="Courier New" panose="02070309020205020404" pitchFamily="49" charset="0"/>
+              </a:rPr>
+              <a:t>     created by clients and scheduled onto hosts.</a:t>
+            </a:r>
+          </a:p>
+          <a:p>
+            <a:endParaRPr lang="en-US" sz="1100" dirty="0">
+              <a:latin typeface="Courier New" panose="02070309020205020404" pitchFamily="49" charset="0"/>
+              <a:cs typeface="Courier New" panose="02070309020205020404" pitchFamily="49" charset="0"/>
+            </a:endParaRPr>
+          </a:p>
+          <a:p>
+            <a:r>
+              <a:rPr lang="en-US" sz="1100" b="1" dirty="0">
+                <a:latin typeface="Courier New" panose="02070309020205020404" pitchFamily="49" charset="0"/>
+                <a:cs typeface="Courier New" panose="02070309020205020404" pitchFamily="49" charset="0"/>
+              </a:rPr>
+              <a:t>FIELDS</a:t>
+            </a:r>
+            <a:r>
+              <a:rPr lang="en-US" sz="1100" dirty="0">
+                <a:latin typeface="Courier New" panose="02070309020205020404" pitchFamily="49" charset="0"/>
+                <a:cs typeface="Courier New" panose="02070309020205020404" pitchFamily="49" charset="0"/>
+              </a:rPr>
+              <a:t>:</a:t>
+            </a:r>
+          </a:p>
+          <a:p>
+            <a:r>
+              <a:rPr lang="en-US" sz="1100" dirty="0">
+                <a:latin typeface="Courier New" panose="02070309020205020404" pitchFamily="49" charset="0"/>
+                <a:cs typeface="Courier New" panose="02070309020205020404" pitchFamily="49" charset="0"/>
+              </a:rPr>
+              <a:t>   </a:t>
+            </a:r>
+            <a:r>
+              <a:rPr lang="en-US" sz="1100" b="1" dirty="0" err="1">
+                <a:latin typeface="Courier New" panose="02070309020205020404" pitchFamily="49" charset="0"/>
+                <a:cs typeface="Courier New" panose="02070309020205020404" pitchFamily="49" charset="0"/>
+              </a:rPr>
+              <a:t>apiVersion</a:t>
+            </a:r>
+            <a:r>
+              <a:rPr lang="en-US" sz="1100" b="1" dirty="0">
+                <a:latin typeface="Courier New" panose="02070309020205020404" pitchFamily="49" charset="0"/>
+                <a:cs typeface="Courier New" panose="02070309020205020404" pitchFamily="49" charset="0"/>
+              </a:rPr>
+              <a:t> </a:t>
+            </a:r>
+            <a:r>
+              <a:rPr lang="en-US" sz="1100" dirty="0">
+                <a:latin typeface="Courier New" panose="02070309020205020404" pitchFamily="49" charset="0"/>
+                <a:cs typeface="Courier New" panose="02070309020205020404" pitchFamily="49" charset="0"/>
+              </a:rPr>
+              <a:t>&lt;string&gt;</a:t>
+            </a:r>
+          </a:p>
+          <a:p>
+            <a:r>
+              <a:rPr lang="en-US" sz="1100" dirty="0">
+                <a:latin typeface="Courier New" panose="02070309020205020404" pitchFamily="49" charset="0"/>
+                <a:cs typeface="Courier New" panose="02070309020205020404" pitchFamily="49" charset="0"/>
+              </a:rPr>
+              <a:t>     </a:t>
+            </a:r>
+            <a:r>
+              <a:rPr lang="en-US" sz="1100" dirty="0" err="1">
+                <a:latin typeface="Courier New" panose="02070309020205020404" pitchFamily="49" charset="0"/>
+                <a:cs typeface="Courier New" panose="02070309020205020404" pitchFamily="49" charset="0"/>
+              </a:rPr>
+              <a:t>APIVersion</a:t>
+            </a:r>
+            <a:r>
+              <a:rPr lang="en-US" sz="1100" dirty="0">
+                <a:latin typeface="Courier New" panose="02070309020205020404" pitchFamily="49" charset="0"/>
+                <a:cs typeface="Courier New" panose="02070309020205020404" pitchFamily="49" charset="0"/>
+              </a:rPr>
+              <a:t> defines the versioned schema of this representation of an</a:t>
+            </a:r>
+          </a:p>
+          <a:p>
+            <a:r>
+              <a:rPr lang="en-US" sz="1100" dirty="0">
+                <a:latin typeface="Courier New" panose="02070309020205020404" pitchFamily="49" charset="0"/>
+                <a:cs typeface="Courier New" panose="02070309020205020404" pitchFamily="49" charset="0"/>
+              </a:rPr>
+              <a:t>     object. Servers should convert recognized schemas to the latest internal</a:t>
+            </a:r>
+          </a:p>
+          <a:p>
+            <a:r>
+              <a:rPr lang="en-US" sz="1100" dirty="0">
+                <a:latin typeface="Courier New" panose="02070309020205020404" pitchFamily="49" charset="0"/>
+                <a:cs typeface="Courier New" panose="02070309020205020404" pitchFamily="49" charset="0"/>
+              </a:rPr>
+              <a:t>     value, and may reject unrecognized values. More info:</a:t>
+            </a:r>
+          </a:p>
+          <a:p>
+            <a:r>
+              <a:rPr lang="en-US" sz="1100" dirty="0">
+                <a:latin typeface="Courier New" panose="02070309020205020404" pitchFamily="49" charset="0"/>
+                <a:cs typeface="Courier New" panose="02070309020205020404" pitchFamily="49" charset="0"/>
+              </a:rPr>
+              <a:t>     https://git.k8s.io/community/contributors/devel/api-conventions.md#resources</a:t>
+            </a:r>
+          </a:p>
+          <a:p>
+            <a:endParaRPr lang="en-US" sz="1100" dirty="0">
+              <a:latin typeface="Courier New" panose="02070309020205020404" pitchFamily="49" charset="0"/>
+              <a:cs typeface="Courier New" panose="02070309020205020404" pitchFamily="49" charset="0"/>
+            </a:endParaRPr>
+          </a:p>
+          <a:p>
+            <a:r>
+              <a:rPr lang="en-US" sz="1100" dirty="0">
+                <a:latin typeface="Courier New" panose="02070309020205020404" pitchFamily="49" charset="0"/>
+                <a:cs typeface="Courier New" panose="02070309020205020404" pitchFamily="49" charset="0"/>
+              </a:rPr>
+              <a:t>   </a:t>
+            </a:r>
+            <a:r>
+              <a:rPr lang="en-US" sz="1100" b="1" dirty="0">
+                <a:latin typeface="Courier New" panose="02070309020205020404" pitchFamily="49" charset="0"/>
+                <a:cs typeface="Courier New" panose="02070309020205020404" pitchFamily="49" charset="0"/>
+              </a:rPr>
+              <a:t>kind	</a:t>
+            </a:r>
+            <a:r>
+              <a:rPr lang="en-US" sz="1100" dirty="0">
+                <a:latin typeface="Courier New" panose="02070309020205020404" pitchFamily="49" charset="0"/>
+                <a:cs typeface="Courier New" panose="02070309020205020404" pitchFamily="49" charset="0"/>
+              </a:rPr>
+              <a:t>&lt;string&gt;</a:t>
+            </a:r>
+          </a:p>
+          <a:p>
+            <a:r>
+              <a:rPr lang="en-US" sz="1100" dirty="0">
+                <a:latin typeface="Courier New" panose="02070309020205020404" pitchFamily="49" charset="0"/>
+                <a:cs typeface="Courier New" panose="02070309020205020404" pitchFamily="49" charset="0"/>
+              </a:rPr>
+              <a:t>     Kind is a string value representing the REST resource this object</a:t>
+            </a:r>
+          </a:p>
+          <a:p>
+            <a:r>
+              <a:rPr lang="en-US" sz="1100" dirty="0">
+                <a:latin typeface="Courier New" panose="02070309020205020404" pitchFamily="49" charset="0"/>
+                <a:cs typeface="Courier New" panose="02070309020205020404" pitchFamily="49" charset="0"/>
+              </a:rPr>
+              <a:t>     represents. Servers may infer this from the endpoint the client submits</a:t>
+            </a:r>
+          </a:p>
+          <a:p>
+            <a:r>
+              <a:rPr lang="en-US" sz="1100" dirty="0">
+                <a:latin typeface="Courier New" panose="02070309020205020404" pitchFamily="49" charset="0"/>
+                <a:cs typeface="Courier New" panose="02070309020205020404" pitchFamily="49" charset="0"/>
+              </a:rPr>
+              <a:t>     requests to. Cannot be updated. In CamelCase. More info:</a:t>
+            </a:r>
+          </a:p>
+          <a:p>
+            <a:r>
+              <a:rPr lang="en-US" sz="1100" dirty="0">
+                <a:latin typeface="Courier New" panose="02070309020205020404" pitchFamily="49" charset="0"/>
+                <a:cs typeface="Courier New" panose="02070309020205020404" pitchFamily="49" charset="0"/>
+              </a:rPr>
+              <a:t>     https://git.k8s.io/community/contributors/devel/api-conventions.md#types-kinds</a:t>
+            </a:r>
+          </a:p>
+          <a:p>
+            <a:endParaRPr lang="en-US" sz="1100" dirty="0">
+              <a:latin typeface="Courier New" panose="02070309020205020404" pitchFamily="49" charset="0"/>
+              <a:cs typeface="Courier New" panose="02070309020205020404" pitchFamily="49" charset="0"/>
+            </a:endParaRPr>
+          </a:p>
+          <a:p>
+            <a:r>
+              <a:rPr lang="en-US" sz="1100" dirty="0">
+                <a:latin typeface="Courier New" panose="02070309020205020404" pitchFamily="49" charset="0"/>
+                <a:cs typeface="Courier New" panose="02070309020205020404" pitchFamily="49" charset="0"/>
+              </a:rPr>
+              <a:t>   </a:t>
+            </a:r>
+            <a:r>
+              <a:rPr lang="en-US" sz="1100" b="1" dirty="0">
+                <a:latin typeface="Courier New" panose="02070309020205020404" pitchFamily="49" charset="0"/>
+                <a:cs typeface="Courier New" panose="02070309020205020404" pitchFamily="49" charset="0"/>
+              </a:rPr>
+              <a:t>metadata	</a:t>
+            </a:r>
+            <a:r>
+              <a:rPr lang="en-US" sz="1100" dirty="0">
+                <a:latin typeface="Courier New" panose="02070309020205020404" pitchFamily="49" charset="0"/>
+                <a:cs typeface="Courier New" panose="02070309020205020404" pitchFamily="49" charset="0"/>
+              </a:rPr>
+              <a:t>&lt;Object&gt;</a:t>
+            </a:r>
+          </a:p>
+          <a:p>
+            <a:r>
+              <a:rPr lang="en-US" sz="1100" dirty="0">
+                <a:latin typeface="Courier New" panose="02070309020205020404" pitchFamily="49" charset="0"/>
+                <a:cs typeface="Courier New" panose="02070309020205020404" pitchFamily="49" charset="0"/>
+              </a:rPr>
+              <a:t>     Standard object's metadata. More info:</a:t>
+            </a:r>
+          </a:p>
+          <a:p>
+            <a:r>
+              <a:rPr lang="en-US" sz="1100" dirty="0">
+                <a:latin typeface="Courier New" panose="02070309020205020404" pitchFamily="49" charset="0"/>
+                <a:cs typeface="Courier New" panose="02070309020205020404" pitchFamily="49" charset="0"/>
+              </a:rPr>
+              <a:t>     https://git.k8s.io/community/contributors/devel/api-conventions.md#metadata</a:t>
+            </a:r>
+          </a:p>
+          <a:p>
+            <a:endParaRPr lang="en-US" sz="1100" dirty="0">
+              <a:latin typeface="Courier New" panose="02070309020205020404" pitchFamily="49" charset="0"/>
+              <a:cs typeface="Courier New" panose="02070309020205020404" pitchFamily="49" charset="0"/>
+            </a:endParaRPr>
+          </a:p>
+          <a:p>
+            <a:r>
+              <a:rPr lang="en-US" sz="1100" dirty="0">
+                <a:latin typeface="Courier New" panose="02070309020205020404" pitchFamily="49" charset="0"/>
+                <a:cs typeface="Courier New" panose="02070309020205020404" pitchFamily="49" charset="0"/>
+              </a:rPr>
+              <a:t>   </a:t>
+            </a:r>
+            <a:r>
+              <a:rPr lang="en-US" sz="1100" b="1" dirty="0">
+                <a:latin typeface="Courier New" panose="02070309020205020404" pitchFamily="49" charset="0"/>
+                <a:cs typeface="Courier New" panose="02070309020205020404" pitchFamily="49" charset="0"/>
+              </a:rPr>
+              <a:t>spec	</a:t>
+            </a:r>
+            <a:r>
+              <a:rPr lang="en-US" sz="1100" dirty="0">
+                <a:latin typeface="Courier New" panose="02070309020205020404" pitchFamily="49" charset="0"/>
+                <a:cs typeface="Courier New" panose="02070309020205020404" pitchFamily="49" charset="0"/>
+              </a:rPr>
+              <a:t>&lt;Object&gt;</a:t>
+            </a:r>
+          </a:p>
+          <a:p>
+            <a:r>
+              <a:rPr lang="en-US" sz="1100" dirty="0">
+                <a:latin typeface="Courier New" panose="02070309020205020404" pitchFamily="49" charset="0"/>
+                <a:cs typeface="Courier New" panose="02070309020205020404" pitchFamily="49" charset="0"/>
+              </a:rPr>
+              <a:t>     Specification of the desired behavior of the pod. More info:</a:t>
+            </a:r>
+          </a:p>
+          <a:p>
+            <a:r>
+              <a:rPr lang="en-US" sz="1100" dirty="0">
+                <a:latin typeface="Courier New" panose="02070309020205020404" pitchFamily="49" charset="0"/>
+                <a:cs typeface="Courier New" panose="02070309020205020404" pitchFamily="49" charset="0"/>
+              </a:rPr>
+              <a:t>     https://git.k8s.io/community/contributors/devel/api-conventions.md#spec-and-status</a:t>
+            </a:r>
+          </a:p>
+          <a:p>
+            <a:endParaRPr lang="en-US" sz="1100" dirty="0">
+              <a:latin typeface="Courier New" panose="02070309020205020404" pitchFamily="49" charset="0"/>
+              <a:cs typeface="Courier New" panose="02070309020205020404" pitchFamily="49" charset="0"/>
+            </a:endParaRPr>
+          </a:p>
+          <a:p>
+            <a:r>
+              <a:rPr lang="en-US" sz="1100" dirty="0">
+                <a:latin typeface="Courier New" panose="02070309020205020404" pitchFamily="49" charset="0"/>
+                <a:cs typeface="Courier New" panose="02070309020205020404" pitchFamily="49" charset="0"/>
+              </a:rPr>
+              <a:t>   </a:t>
+            </a:r>
+            <a:r>
+              <a:rPr lang="en-US" sz="1100" b="1" dirty="0">
+                <a:latin typeface="Courier New" panose="02070309020205020404" pitchFamily="49" charset="0"/>
+                <a:cs typeface="Courier New" panose="02070309020205020404" pitchFamily="49" charset="0"/>
+              </a:rPr>
+              <a:t>status	</a:t>
+            </a:r>
+            <a:r>
+              <a:rPr lang="en-US" sz="1100" dirty="0">
+                <a:latin typeface="Courier New" panose="02070309020205020404" pitchFamily="49" charset="0"/>
+                <a:cs typeface="Courier New" panose="02070309020205020404" pitchFamily="49" charset="0"/>
+              </a:rPr>
+              <a:t>&lt;Object&gt;</a:t>
+            </a:r>
+          </a:p>
+          <a:p>
+            <a:r>
+              <a:rPr lang="en-US" sz="1100" dirty="0">
+                <a:latin typeface="Courier New" panose="02070309020205020404" pitchFamily="49" charset="0"/>
+                <a:cs typeface="Courier New" panose="02070309020205020404" pitchFamily="49" charset="0"/>
+              </a:rPr>
+              <a:t>     Most recently observed status of the pod. This data may not be up to date.</a:t>
+            </a:r>
+          </a:p>
+          <a:p>
+            <a:r>
+              <a:rPr lang="en-US" sz="1100" dirty="0">
+                <a:latin typeface="Courier New" panose="02070309020205020404" pitchFamily="49" charset="0"/>
+                <a:cs typeface="Courier New" panose="02070309020205020404" pitchFamily="49" charset="0"/>
+              </a:rPr>
+              <a:t>     Populated by the system. Read-only. More info:</a:t>
+            </a:r>
+          </a:p>
+          <a:p>
+            <a:r>
+              <a:rPr lang="en-US" sz="1100" dirty="0">
+                <a:latin typeface="Courier New" panose="02070309020205020404" pitchFamily="49" charset="0"/>
+                <a:cs typeface="Courier New" panose="02070309020205020404" pitchFamily="49" charset="0"/>
+              </a:rPr>
+              <a:t>     https://git.k8s.io/community/contributors/devel/api-conventions.md#spec-and-status</a:t>
+            </a:r>
+          </a:p>
+        </p:txBody>
+      </p:sp>
+    </p:spTree>
+    <p:extLst>
+      <p:ext uri="{BB962C8B-B14F-4D97-AF65-F5344CB8AC3E}">
+        <p14:creationId xmlns:p14="http://schemas.microsoft.com/office/powerpoint/2010/main" val="3531034441"/>
+      </p:ext>
+    </p:extLst>
+  </p:cSld>
+  <p:clrMapOvr>
+    <a:masterClrMapping/>
+  </p:clrMapOvr>
+</p:sld>
+</file>
+
+<file path=ppt/slides/slide11.xml><?xml version="1.0" encoding="utf-8"?>
+<p:sld xmlns:a="http://schemas.openxmlformats.org/drawingml/2006/main" xmlns:r="http://schemas.openxmlformats.org/officeDocument/2006/relationships" xmlns:p="http://schemas.openxmlformats.org/presentationml/2006/main">
+  <p:cSld>
+    <p:spTree>
+      <p:nvGrpSpPr>
+        <p:cNvPr id="1" name=""/>
+        <p:cNvGrpSpPr/>
+        <p:nvPr/>
+      </p:nvGrpSpPr>
+      <p:grpSpPr>
+        <a:xfrm>
+          <a:off x="0" y="0"/>
+          <a:ext cx="0" cy="0"/>
+          <a:chOff x="0" y="0"/>
+          <a:chExt cx="0" cy="0"/>
+        </a:xfrm>
+      </p:grpSpPr>
       <p:pic>
         <p:nvPicPr>
           <p:cNvPr id="5" name="Picture 4">
@@ -10577,7 +11200,7 @@
 </p:sld>
 </file>
 
-<file path=ppt/slides/slide11.xml><?xml version="1.0" encoding="utf-8"?>
+<file path=ppt/slides/slide12.xml><?xml version="1.0" encoding="utf-8"?>
 <p:sld xmlns:a="http://schemas.openxmlformats.org/drawingml/2006/main" xmlns:r="http://schemas.openxmlformats.org/officeDocument/2006/relationships" xmlns:p="http://schemas.openxmlformats.org/presentationml/2006/main">
   <p:cSld>
     <p:spTree>
@@ -11220,7 +11843,7 @@
 </p:sld>
 </file>
 
-<file path=ppt/slides/slide12.xml><?xml version="1.0" encoding="utf-8"?>
+<file path=ppt/slides/slide13.xml><?xml version="1.0" encoding="utf-8"?>
 <p:sld xmlns:a="http://schemas.openxmlformats.org/drawingml/2006/main" xmlns:r="http://schemas.openxmlformats.org/officeDocument/2006/relationships" xmlns:p="http://schemas.openxmlformats.org/presentationml/2006/main">
   <p:cSld>
     <p:spTree>
@@ -11302,7 +11925,7 @@
 </p:sld>
 </file>
 
-<file path=ppt/slides/slide13.xml><?xml version="1.0" encoding="utf-8"?>
+<file path=ppt/slides/slide14.xml><?xml version="1.0" encoding="utf-8"?>
 <p:sld xmlns:a="http://schemas.openxmlformats.org/drawingml/2006/main" xmlns:r="http://schemas.openxmlformats.org/officeDocument/2006/relationships" xmlns:p="http://schemas.openxmlformats.org/presentationml/2006/main">
   <p:cSld>
     <p:spTree>
@@ -12242,7 +12865,7 @@
 </p:sld>
 </file>
 
-<file path=ppt/slides/slide14.xml><?xml version="1.0" encoding="utf-8"?>
+<file path=ppt/slides/slide15.xml><?xml version="1.0" encoding="utf-8"?>
 <p:sld xmlns:a="http://schemas.openxmlformats.org/drawingml/2006/main" xmlns:r="http://schemas.openxmlformats.org/officeDocument/2006/relationships" xmlns:p="http://schemas.openxmlformats.org/presentationml/2006/main" show="0">
   <p:cSld>
     <p:spTree>
@@ -14926,6 +15549,3748 @@
       </p:grpSpPr>
       <p:sp>
         <p:nvSpPr>
+          <p:cNvPr id="8" name="Rectangle 7">
+            <a:extLst>
+              <a:ext uri="{FF2B5EF4-FFF2-40B4-BE49-F238E27FC236}">
+                <a16:creationId xmlns:a16="http://schemas.microsoft.com/office/drawing/2014/main" id="{6AEAAC70-6FB8-4E44-8405-8F4BDBAE43CE}"/>
+              </a:ext>
+            </a:extLst>
+          </p:cNvPr>
+          <p:cNvSpPr/>
+          <p:nvPr/>
+        </p:nvSpPr>
+        <p:spPr bwMode="gray">
+          <a:xfrm>
+            <a:off x="1237583" y="1156139"/>
+            <a:ext cx="9700895" cy="4804092"/>
+          </a:xfrm>
+          <a:prstGeom prst="rect">
+            <a:avLst/>
+          </a:prstGeom>
+          <a:solidFill>
+            <a:schemeClr val="bg1"/>
+          </a:solidFill>
+          <a:ln>
+            <a:solidFill>
+              <a:schemeClr val="accent3">
+                <a:lumMod val="75000"/>
+              </a:schemeClr>
+            </a:solidFill>
+            <a:headEnd/>
+            <a:tailEnd/>
+          </a:ln>
+        </p:spPr>
+        <p:style>
+          <a:lnRef idx="2">
+            <a:schemeClr val="accent5"/>
+          </a:lnRef>
+          <a:fillRef idx="1">
+            <a:schemeClr val="lt1"/>
+          </a:fillRef>
+          <a:effectRef idx="0">
+            <a:schemeClr val="accent5"/>
+          </a:effectRef>
+          <a:fontRef idx="minor">
+            <a:schemeClr val="dk1"/>
+          </a:fontRef>
+        </p:style>
+        <p:txBody>
+          <a:bodyPr lIns="90000" tIns="72000" rIns="90000" bIns="72000" rtlCol="0" anchor="ctr"/>
+          <a:lstStyle/>
+          <a:p>
+            <a:pPr marR="0" algn="ctr" defTabSz="914400" eaLnBrk="1" fontAlgn="base" latinLnBrk="0" hangingPunct="1">
+              <a:lnSpc>
+                <a:spcPct val="100000"/>
+              </a:lnSpc>
+              <a:spcBef>
+                <a:spcPct val="50000"/>
+              </a:spcBef>
+              <a:spcAft>
+                <a:spcPct val="0"/>
+              </a:spcAft>
+              <a:buClr>
+                <a:srgbClr val="F0AB00"/>
+              </a:buClr>
+              <a:buSzPct val="80000"/>
+              <a:tabLst/>
+            </a:pPr>
+            <a:endParaRPr kumimoji="0" lang="en-US" sz="1800" b="0" i="0" u="none" strike="noStrike" kern="0" cap="none" spc="0" normalizeH="0" baseline="0" noProof="0" dirty="0" err="1">
+              <a:ln>
+                <a:noFill/>
+              </a:ln>
+              <a:effectLst/>
+              <a:uLnTx/>
+              <a:uFillTx/>
+              <a:ea typeface="Arial Unicode MS" pitchFamily="34" charset="-128"/>
+              <a:cs typeface="Arial Unicode MS" pitchFamily="34" charset="-128"/>
+            </a:endParaRPr>
+          </a:p>
+        </p:txBody>
+      </p:sp>
+      <p:sp>
+        <p:nvSpPr>
+          <p:cNvPr id="18" name="Rectangle 17">
+            <a:extLst>
+              <a:ext uri="{FF2B5EF4-FFF2-40B4-BE49-F238E27FC236}">
+                <a16:creationId xmlns:a16="http://schemas.microsoft.com/office/drawing/2014/main" id="{C4D0049C-A820-4E7E-A718-98433F2C35C2}"/>
+              </a:ext>
+            </a:extLst>
+          </p:cNvPr>
+          <p:cNvSpPr/>
+          <p:nvPr/>
+        </p:nvSpPr>
+        <p:spPr bwMode="gray">
+          <a:xfrm>
+            <a:off x="1520754" y="1362421"/>
+            <a:ext cx="9138202" cy="4347039"/>
+          </a:xfrm>
+          <a:prstGeom prst="rect">
+            <a:avLst/>
+          </a:prstGeom>
+          <a:solidFill>
+            <a:schemeClr val="bg2">
+              <a:lumMod val="20000"/>
+              <a:lumOff val="80000"/>
+            </a:schemeClr>
+          </a:solidFill>
+          <a:ln>
+            <a:solidFill>
+              <a:schemeClr val="accent1">
+                <a:lumMod val="75000"/>
+              </a:schemeClr>
+            </a:solidFill>
+            <a:headEnd/>
+            <a:tailEnd/>
+          </a:ln>
+        </p:spPr>
+        <p:style>
+          <a:lnRef idx="2">
+            <a:schemeClr val="accent5"/>
+          </a:lnRef>
+          <a:fillRef idx="1">
+            <a:schemeClr val="lt1"/>
+          </a:fillRef>
+          <a:effectRef idx="0">
+            <a:schemeClr val="accent5"/>
+          </a:effectRef>
+          <a:fontRef idx="minor">
+            <a:schemeClr val="dk1"/>
+          </a:fontRef>
+        </p:style>
+        <p:txBody>
+          <a:bodyPr lIns="90000" tIns="72000" rIns="90000" bIns="72000" rtlCol="0" anchor="ctr"/>
+          <a:lstStyle/>
+          <a:p>
+            <a:pPr marR="0" algn="ctr" defTabSz="914400" eaLnBrk="1" fontAlgn="base" latinLnBrk="0" hangingPunct="1">
+              <a:lnSpc>
+                <a:spcPct val="100000"/>
+              </a:lnSpc>
+              <a:spcBef>
+                <a:spcPct val="50000"/>
+              </a:spcBef>
+              <a:spcAft>
+                <a:spcPct val="0"/>
+              </a:spcAft>
+              <a:buClr>
+                <a:srgbClr val="F0AB00"/>
+              </a:buClr>
+              <a:buSzPct val="80000"/>
+              <a:tabLst/>
+            </a:pPr>
+            <a:endParaRPr kumimoji="0" lang="en-US" sz="1800" b="0" i="0" u="none" strike="noStrike" kern="0" cap="none" spc="0" normalizeH="0" baseline="0" noProof="0" dirty="0" err="1">
+              <a:ln>
+                <a:noFill/>
+              </a:ln>
+              <a:effectLst/>
+              <a:uLnTx/>
+              <a:uFillTx/>
+              <a:ea typeface="Arial Unicode MS" pitchFamily="34" charset="-128"/>
+              <a:cs typeface="Arial Unicode MS" pitchFamily="34" charset="-128"/>
+            </a:endParaRPr>
+          </a:p>
+        </p:txBody>
+      </p:sp>
+      <p:sp>
+        <p:nvSpPr>
+          <p:cNvPr id="7" name="Rectangle 6">
+            <a:extLst>
+              <a:ext uri="{FF2B5EF4-FFF2-40B4-BE49-F238E27FC236}">
+                <a16:creationId xmlns:a16="http://schemas.microsoft.com/office/drawing/2014/main" id="{F62BA42E-2B79-4410-93D7-619C1E44880F}"/>
+              </a:ext>
+            </a:extLst>
+          </p:cNvPr>
+          <p:cNvSpPr/>
+          <p:nvPr/>
+        </p:nvSpPr>
+        <p:spPr bwMode="gray">
+          <a:xfrm>
+            <a:off x="1794338" y="1566045"/>
+            <a:ext cx="8614901" cy="3890060"/>
+          </a:xfrm>
+          <a:prstGeom prst="rect">
+            <a:avLst/>
+          </a:prstGeom>
+          <a:solidFill>
+            <a:schemeClr val="bg1"/>
+          </a:solidFill>
+          <a:ln>
+            <a:solidFill>
+              <a:schemeClr val="accent5">
+                <a:lumMod val="75000"/>
+              </a:schemeClr>
+            </a:solidFill>
+            <a:headEnd/>
+            <a:tailEnd/>
+          </a:ln>
+        </p:spPr>
+        <p:style>
+          <a:lnRef idx="2">
+            <a:schemeClr val="accent5"/>
+          </a:lnRef>
+          <a:fillRef idx="1">
+            <a:schemeClr val="lt1"/>
+          </a:fillRef>
+          <a:effectRef idx="0">
+            <a:schemeClr val="accent5"/>
+          </a:effectRef>
+          <a:fontRef idx="minor">
+            <a:schemeClr val="dk1"/>
+          </a:fontRef>
+        </p:style>
+        <p:txBody>
+          <a:bodyPr lIns="90000" tIns="72000" rIns="90000" bIns="72000" rtlCol="0" anchor="ctr"/>
+          <a:lstStyle/>
+          <a:p>
+            <a:pPr marR="0" algn="ctr" defTabSz="914400" eaLnBrk="1" fontAlgn="base" latinLnBrk="0" hangingPunct="1">
+              <a:lnSpc>
+                <a:spcPct val="100000"/>
+              </a:lnSpc>
+              <a:spcBef>
+                <a:spcPct val="50000"/>
+              </a:spcBef>
+              <a:spcAft>
+                <a:spcPct val="0"/>
+              </a:spcAft>
+              <a:buClr>
+                <a:srgbClr val="F0AB00"/>
+              </a:buClr>
+              <a:buSzPct val="80000"/>
+              <a:tabLst/>
+            </a:pPr>
+            <a:endParaRPr kumimoji="0" lang="en-US" sz="1800" b="0" i="0" u="none" strike="noStrike" kern="0" cap="none" spc="0" normalizeH="0" baseline="0" noProof="0" dirty="0" err="1">
+              <a:ln>
+                <a:noFill/>
+              </a:ln>
+              <a:effectLst/>
+              <a:uLnTx/>
+              <a:uFillTx/>
+              <a:ea typeface="Arial Unicode MS" pitchFamily="34" charset="-128"/>
+              <a:cs typeface="Arial Unicode MS" pitchFamily="34" charset="-128"/>
+            </a:endParaRPr>
+          </a:p>
+        </p:txBody>
+      </p:sp>
+      <p:sp>
+        <p:nvSpPr>
+          <p:cNvPr id="3" name="Title 2">
+            <a:extLst>
+              <a:ext uri="{FF2B5EF4-FFF2-40B4-BE49-F238E27FC236}">
+                <a16:creationId xmlns:a16="http://schemas.microsoft.com/office/drawing/2014/main" id="{4B36DE1F-8CAE-4480-B42A-EAC0C4500A4C}"/>
+              </a:ext>
+            </a:extLst>
+          </p:cNvPr>
+          <p:cNvSpPr>
+            <a:spLocks noGrp="1"/>
+          </p:cNvSpPr>
+          <p:nvPr>
+            <p:ph type="title"/>
+          </p:nvPr>
+        </p:nvSpPr>
+        <p:spPr>
+          <a:xfrm>
+            <a:off x="494793" y="487370"/>
+            <a:ext cx="11186476" cy="369332"/>
+          </a:xfrm>
+        </p:spPr>
+        <p:txBody>
+          <a:bodyPr/>
+          <a:lstStyle/>
+          <a:p>
+            <a:r>
+              <a:rPr lang="en-US" dirty="0"/>
+              <a:t>Pods on process level</a:t>
+            </a:r>
+          </a:p>
+        </p:txBody>
+      </p:sp>
+      <p:sp>
+        <p:nvSpPr>
+          <p:cNvPr id="15" name="TextBox 14">
+            <a:extLst>
+              <a:ext uri="{FF2B5EF4-FFF2-40B4-BE49-F238E27FC236}">
+                <a16:creationId xmlns:a16="http://schemas.microsoft.com/office/drawing/2014/main" id="{9FA87A93-6583-4DB9-878C-9C6C24A914E4}"/>
+              </a:ext>
+            </a:extLst>
+          </p:cNvPr>
+          <p:cNvSpPr txBox="1"/>
+          <p:nvPr/>
+        </p:nvSpPr>
+        <p:spPr>
+          <a:xfrm>
+            <a:off x="5456909" y="5175637"/>
+            <a:ext cx="1209610" cy="246221"/>
+          </a:xfrm>
+          <a:prstGeom prst="rect">
+            <a:avLst/>
+          </a:prstGeom>
+          <a:noFill/>
+        </p:spPr>
+        <p:txBody>
+          <a:bodyPr wrap="square" lIns="0" tIns="0" rIns="0" bIns="0" rtlCol="0">
+            <a:spAutoFit/>
+          </a:bodyPr>
+          <a:lstStyle/>
+          <a:p>
+            <a:pPr algn="ctr" fontAlgn="base">
+              <a:spcBef>
+                <a:spcPct val="50000"/>
+              </a:spcBef>
+              <a:spcAft>
+                <a:spcPct val="0"/>
+              </a:spcAft>
+              <a:buClr>
+                <a:srgbClr val="F0AB00"/>
+              </a:buClr>
+              <a:buSzPct val="80000"/>
+            </a:pPr>
+            <a:r>
+              <a:rPr lang="en-US" sz="1600" kern="0" dirty="0">
+                <a:ea typeface="Arial Unicode MS" pitchFamily="34" charset="-128"/>
+                <a:cs typeface="Arial Unicode MS" pitchFamily="34" charset="-128"/>
+              </a:rPr>
+              <a:t>user</a:t>
+            </a:r>
+          </a:p>
+        </p:txBody>
+      </p:sp>
+      <p:sp>
+        <p:nvSpPr>
+          <p:cNvPr id="17" name="TextBox 16">
+            <a:extLst>
+              <a:ext uri="{FF2B5EF4-FFF2-40B4-BE49-F238E27FC236}">
+                <a16:creationId xmlns:a16="http://schemas.microsoft.com/office/drawing/2014/main" id="{4E33C034-65DA-4FBD-80FD-765FE97CB372}"/>
+              </a:ext>
+            </a:extLst>
+          </p:cNvPr>
+          <p:cNvSpPr txBox="1"/>
+          <p:nvPr/>
+        </p:nvSpPr>
+        <p:spPr>
+          <a:xfrm>
+            <a:off x="5483225" y="5456106"/>
+            <a:ext cx="1209610" cy="246221"/>
+          </a:xfrm>
+          <a:prstGeom prst="rect">
+            <a:avLst/>
+          </a:prstGeom>
+          <a:noFill/>
+        </p:spPr>
+        <p:txBody>
+          <a:bodyPr wrap="square" lIns="0" tIns="0" rIns="0" bIns="0" rtlCol="0">
+            <a:spAutoFit/>
+          </a:bodyPr>
+          <a:lstStyle/>
+          <a:p>
+            <a:pPr algn="ctr" fontAlgn="base">
+              <a:spcBef>
+                <a:spcPct val="50000"/>
+              </a:spcBef>
+              <a:spcAft>
+                <a:spcPct val="0"/>
+              </a:spcAft>
+              <a:buClr>
+                <a:srgbClr val="F0AB00"/>
+              </a:buClr>
+              <a:buSzPct val="80000"/>
+            </a:pPr>
+            <a:r>
+              <a:rPr lang="en-US" sz="1600" kern="0" dirty="0" err="1">
+                <a:ea typeface="Arial Unicode MS" pitchFamily="34" charset="-128"/>
+                <a:cs typeface="Arial Unicode MS" pitchFamily="34" charset="-128"/>
+              </a:rPr>
+              <a:t>ipc</a:t>
+            </a:r>
+            <a:endParaRPr lang="en-US" sz="1600" kern="0" dirty="0">
+              <a:ea typeface="Arial Unicode MS" pitchFamily="34" charset="-128"/>
+              <a:cs typeface="Arial Unicode MS" pitchFamily="34" charset="-128"/>
+            </a:endParaRPr>
+          </a:p>
+        </p:txBody>
+      </p:sp>
+      <p:sp>
+        <p:nvSpPr>
+          <p:cNvPr id="19" name="TextBox 18">
+            <a:extLst>
+              <a:ext uri="{FF2B5EF4-FFF2-40B4-BE49-F238E27FC236}">
+                <a16:creationId xmlns:a16="http://schemas.microsoft.com/office/drawing/2014/main" id="{4D40A443-E696-4412-A9A7-F5D28AB880DE}"/>
+              </a:ext>
+            </a:extLst>
+          </p:cNvPr>
+          <p:cNvSpPr txBox="1"/>
+          <p:nvPr/>
+        </p:nvSpPr>
+        <p:spPr>
+          <a:xfrm>
+            <a:off x="5496983" y="5714009"/>
+            <a:ext cx="1209610" cy="246221"/>
+          </a:xfrm>
+          <a:prstGeom prst="rect">
+            <a:avLst/>
+          </a:prstGeom>
+          <a:noFill/>
+        </p:spPr>
+        <p:txBody>
+          <a:bodyPr wrap="square" lIns="0" tIns="0" rIns="0" bIns="0" rtlCol="0">
+            <a:spAutoFit/>
+          </a:bodyPr>
+          <a:lstStyle/>
+          <a:p>
+            <a:pPr algn="ctr" fontAlgn="base">
+              <a:spcBef>
+                <a:spcPct val="50000"/>
+              </a:spcBef>
+              <a:spcAft>
+                <a:spcPct val="0"/>
+              </a:spcAft>
+              <a:buClr>
+                <a:srgbClr val="F0AB00"/>
+              </a:buClr>
+              <a:buSzPct val="80000"/>
+            </a:pPr>
+            <a:r>
+              <a:rPr lang="en-US" sz="1600" kern="0" dirty="0">
+                <a:ea typeface="Arial Unicode MS" pitchFamily="34" charset="-128"/>
+                <a:cs typeface="Arial Unicode MS" pitchFamily="34" charset="-128"/>
+              </a:rPr>
+              <a:t>net</a:t>
+            </a:r>
+          </a:p>
+        </p:txBody>
+      </p:sp>
+      <p:grpSp>
+        <p:nvGrpSpPr>
+          <p:cNvPr id="50" name="Group 49">
+            <a:extLst>
+              <a:ext uri="{FF2B5EF4-FFF2-40B4-BE49-F238E27FC236}">
+                <a16:creationId xmlns:a16="http://schemas.microsoft.com/office/drawing/2014/main" id="{5529D501-74D7-42AB-9177-D35D5B54502B}"/>
+              </a:ext>
+            </a:extLst>
+          </p:cNvPr>
+          <p:cNvGrpSpPr/>
+          <p:nvPr/>
+        </p:nvGrpSpPr>
+        <p:grpSpPr>
+          <a:xfrm>
+            <a:off x="2144834" y="1761423"/>
+            <a:ext cx="3674803" cy="3414213"/>
+            <a:chOff x="1947372" y="1855492"/>
+            <a:chExt cx="3674803" cy="3414213"/>
+          </a:xfrm>
+        </p:grpSpPr>
+        <p:sp>
+          <p:nvSpPr>
+            <p:cNvPr id="68" name="Rectangle: Rounded Corners 67">
+              <a:extLst>
+                <a:ext uri="{FF2B5EF4-FFF2-40B4-BE49-F238E27FC236}">
+                  <a16:creationId xmlns:a16="http://schemas.microsoft.com/office/drawing/2014/main" id="{9B06580C-E9D4-45DC-A8A0-79FF79AAB166}"/>
+                </a:ext>
+              </a:extLst>
+            </p:cNvPr>
+            <p:cNvSpPr/>
+            <p:nvPr/>
+          </p:nvSpPr>
+          <p:spPr bwMode="gray">
+            <a:xfrm>
+              <a:off x="1947372" y="1855492"/>
+              <a:ext cx="3674803" cy="3414213"/>
+            </a:xfrm>
+            <a:prstGeom prst="roundRect">
+              <a:avLst>
+                <a:gd name="adj" fmla="val 7124"/>
+              </a:avLst>
+            </a:prstGeom>
+            <a:solidFill>
+              <a:schemeClr val="bg1">
+                <a:lumMod val="75000"/>
+              </a:schemeClr>
+            </a:solidFill>
+            <a:ln>
+              <a:solidFill>
+                <a:schemeClr val="accent4">
+                  <a:lumMod val="50000"/>
+                </a:schemeClr>
+              </a:solidFill>
+              <a:headEnd/>
+              <a:tailEnd/>
+            </a:ln>
+          </p:spPr>
+          <p:style>
+            <a:lnRef idx="2">
+              <a:schemeClr val="accent5"/>
+            </a:lnRef>
+            <a:fillRef idx="1">
+              <a:schemeClr val="lt1"/>
+            </a:fillRef>
+            <a:effectRef idx="0">
+              <a:schemeClr val="accent5"/>
+            </a:effectRef>
+            <a:fontRef idx="minor">
+              <a:schemeClr val="dk1"/>
+            </a:fontRef>
+          </p:style>
+          <p:txBody>
+            <a:bodyPr lIns="90000" tIns="72000" rIns="90000" bIns="72000" rtlCol="0" anchor="ctr"/>
+            <a:lstStyle/>
+            <a:p>
+              <a:pPr marR="0" algn="ctr" defTabSz="914400" eaLnBrk="1" fontAlgn="base" latinLnBrk="0" hangingPunct="1">
+                <a:lnSpc>
+                  <a:spcPct val="100000"/>
+                </a:lnSpc>
+                <a:spcBef>
+                  <a:spcPct val="50000"/>
+                </a:spcBef>
+                <a:spcAft>
+                  <a:spcPct val="0"/>
+                </a:spcAft>
+                <a:buClr>
+                  <a:srgbClr val="F0AB00"/>
+                </a:buClr>
+                <a:buSzPct val="80000"/>
+                <a:tabLst/>
+              </a:pPr>
+              <a:endParaRPr kumimoji="0" lang="en-US" sz="1800" b="0" i="0" u="none" strike="noStrike" kern="0" cap="none" spc="0" normalizeH="0" baseline="0" noProof="0" dirty="0" err="1">
+                <a:ln>
+                  <a:noFill/>
+                </a:ln>
+                <a:effectLst/>
+                <a:uLnTx/>
+                <a:uFillTx/>
+                <a:ea typeface="Arial Unicode MS" pitchFamily="34" charset="-128"/>
+                <a:cs typeface="Arial Unicode MS" pitchFamily="34" charset="-128"/>
+              </a:endParaRPr>
+            </a:p>
+          </p:txBody>
+        </p:sp>
+        <p:sp>
+          <p:nvSpPr>
+            <p:cNvPr id="69" name="Rectangle: Rounded Corners 68">
+              <a:extLst>
+                <a:ext uri="{FF2B5EF4-FFF2-40B4-BE49-F238E27FC236}">
+                  <a16:creationId xmlns:a16="http://schemas.microsoft.com/office/drawing/2014/main" id="{5850B7A6-0D1E-4819-B708-88A5B47A2D9C}"/>
+                </a:ext>
+              </a:extLst>
+            </p:cNvPr>
+            <p:cNvSpPr/>
+            <p:nvPr/>
+          </p:nvSpPr>
+          <p:spPr bwMode="gray">
+            <a:xfrm>
+              <a:off x="2218692" y="2113097"/>
+              <a:ext cx="3132164" cy="2899005"/>
+            </a:xfrm>
+            <a:prstGeom prst="roundRect">
+              <a:avLst>
+                <a:gd name="adj" fmla="val 5428"/>
+              </a:avLst>
+            </a:prstGeom>
+            <a:solidFill>
+              <a:schemeClr val="bg1">
+                <a:lumMod val="95000"/>
+              </a:schemeClr>
+            </a:solidFill>
+            <a:ln>
+              <a:solidFill>
+                <a:schemeClr val="accent4">
+                  <a:lumMod val="50000"/>
+                </a:schemeClr>
+              </a:solidFill>
+              <a:headEnd/>
+              <a:tailEnd/>
+            </a:ln>
+          </p:spPr>
+          <p:style>
+            <a:lnRef idx="2">
+              <a:schemeClr val="accent5"/>
+            </a:lnRef>
+            <a:fillRef idx="1">
+              <a:schemeClr val="lt1"/>
+            </a:fillRef>
+            <a:effectRef idx="0">
+              <a:schemeClr val="accent5"/>
+            </a:effectRef>
+            <a:fontRef idx="minor">
+              <a:schemeClr val="dk1"/>
+            </a:fontRef>
+          </p:style>
+          <p:txBody>
+            <a:bodyPr lIns="90000" tIns="72000" rIns="90000" bIns="72000" rtlCol="0" anchor="ctr"/>
+            <a:lstStyle/>
+            <a:p>
+              <a:pPr marR="0" algn="ctr" defTabSz="914400" eaLnBrk="1" fontAlgn="base" latinLnBrk="0" hangingPunct="1">
+                <a:lnSpc>
+                  <a:spcPct val="100000"/>
+                </a:lnSpc>
+                <a:spcBef>
+                  <a:spcPct val="50000"/>
+                </a:spcBef>
+                <a:spcAft>
+                  <a:spcPct val="0"/>
+                </a:spcAft>
+                <a:buClr>
+                  <a:srgbClr val="F0AB00"/>
+                </a:buClr>
+                <a:buSzPct val="80000"/>
+                <a:tabLst/>
+              </a:pPr>
+              <a:endParaRPr kumimoji="0" lang="en-US" sz="1800" b="0" i="0" u="none" strike="noStrike" kern="0" cap="none" spc="0" normalizeH="0" baseline="0" noProof="0" dirty="0" err="1">
+                <a:ln>
+                  <a:noFill/>
+                </a:ln>
+                <a:effectLst/>
+                <a:uLnTx/>
+                <a:uFillTx/>
+                <a:ea typeface="Arial Unicode MS" pitchFamily="34" charset="-128"/>
+                <a:cs typeface="Arial Unicode MS" pitchFamily="34" charset="-128"/>
+              </a:endParaRPr>
+            </a:p>
+          </p:txBody>
+        </p:sp>
+        <p:sp>
+          <p:nvSpPr>
+            <p:cNvPr id="70" name="Rectangle: Rounded Corners 69">
+              <a:extLst>
+                <a:ext uri="{FF2B5EF4-FFF2-40B4-BE49-F238E27FC236}">
+                  <a16:creationId xmlns:a16="http://schemas.microsoft.com/office/drawing/2014/main" id="{72292291-D1D6-4A41-940B-CA265C6B95A2}"/>
+                </a:ext>
+              </a:extLst>
+            </p:cNvPr>
+            <p:cNvSpPr/>
+            <p:nvPr/>
+          </p:nvSpPr>
+          <p:spPr bwMode="gray">
+            <a:xfrm>
+              <a:off x="2530447" y="2355146"/>
+              <a:ext cx="2508655" cy="2414909"/>
+            </a:xfrm>
+            <a:prstGeom prst="roundRect">
+              <a:avLst>
+                <a:gd name="adj" fmla="val 7092"/>
+              </a:avLst>
+            </a:prstGeom>
+            <a:solidFill>
+              <a:schemeClr val="bg1">
+                <a:lumMod val="75000"/>
+              </a:schemeClr>
+            </a:solidFill>
+            <a:ln>
+              <a:solidFill>
+                <a:schemeClr val="accent4">
+                  <a:lumMod val="50000"/>
+                </a:schemeClr>
+              </a:solidFill>
+              <a:headEnd/>
+              <a:tailEnd/>
+            </a:ln>
+          </p:spPr>
+          <p:style>
+            <a:lnRef idx="2">
+              <a:schemeClr val="accent5"/>
+            </a:lnRef>
+            <a:fillRef idx="1">
+              <a:schemeClr val="lt1"/>
+            </a:fillRef>
+            <a:effectRef idx="0">
+              <a:schemeClr val="accent5"/>
+            </a:effectRef>
+            <a:fontRef idx="minor">
+              <a:schemeClr val="dk1"/>
+            </a:fontRef>
+          </p:style>
+          <p:txBody>
+            <a:bodyPr lIns="90000" tIns="72000" rIns="90000" bIns="72000" rtlCol="0" anchor="ctr"/>
+            <a:lstStyle/>
+            <a:p>
+              <a:pPr marR="0" algn="ctr" defTabSz="914400" eaLnBrk="1" fontAlgn="base" latinLnBrk="0" hangingPunct="1">
+                <a:lnSpc>
+                  <a:spcPct val="100000"/>
+                </a:lnSpc>
+                <a:spcBef>
+                  <a:spcPct val="50000"/>
+                </a:spcBef>
+                <a:spcAft>
+                  <a:spcPct val="0"/>
+                </a:spcAft>
+                <a:buClr>
+                  <a:srgbClr val="F0AB00"/>
+                </a:buClr>
+                <a:buSzPct val="80000"/>
+                <a:tabLst/>
+              </a:pPr>
+              <a:endParaRPr kumimoji="0" lang="en-US" sz="1800" b="0" i="0" u="none" strike="noStrike" kern="0" cap="none" spc="0" normalizeH="0" baseline="0" noProof="0" dirty="0">
+                <a:ln>
+                  <a:noFill/>
+                </a:ln>
+                <a:effectLst/>
+                <a:uLnTx/>
+                <a:uFillTx/>
+                <a:ea typeface="Arial Unicode MS" pitchFamily="34" charset="-128"/>
+                <a:cs typeface="Arial Unicode MS" pitchFamily="34" charset="-128"/>
+              </a:endParaRPr>
+            </a:p>
+          </p:txBody>
+        </p:sp>
+        <p:sp>
+          <p:nvSpPr>
+            <p:cNvPr id="12" name="TextBox 11">
+              <a:extLst>
+                <a:ext uri="{FF2B5EF4-FFF2-40B4-BE49-F238E27FC236}">
+                  <a16:creationId xmlns:a16="http://schemas.microsoft.com/office/drawing/2014/main" id="{94A3CA0C-9A9A-413A-B28C-6A41C8E795DB}"/>
+                </a:ext>
+              </a:extLst>
+            </p:cNvPr>
+            <p:cNvSpPr txBox="1"/>
+            <p:nvPr/>
+          </p:nvSpPr>
+          <p:spPr>
+            <a:xfrm>
+              <a:off x="3380468" y="4510420"/>
+              <a:ext cx="815788" cy="246221"/>
+            </a:xfrm>
+            <a:prstGeom prst="rect">
+              <a:avLst/>
+            </a:prstGeom>
+            <a:noFill/>
+          </p:spPr>
+          <p:txBody>
+            <a:bodyPr wrap="square" lIns="0" tIns="0" rIns="0" bIns="0" rtlCol="0">
+              <a:spAutoFit/>
+            </a:bodyPr>
+            <a:lstStyle/>
+            <a:p>
+              <a:pPr algn="ctr" fontAlgn="base">
+                <a:spcBef>
+                  <a:spcPct val="50000"/>
+                </a:spcBef>
+                <a:spcAft>
+                  <a:spcPct val="0"/>
+                </a:spcAft>
+                <a:buClr>
+                  <a:srgbClr val="F0AB00"/>
+                </a:buClr>
+                <a:buSzPct val="80000"/>
+              </a:pPr>
+              <a:r>
+                <a:rPr lang="en-US" sz="1600" kern="0" dirty="0">
+                  <a:ea typeface="Arial Unicode MS" pitchFamily="34" charset="-128"/>
+                  <a:cs typeface="Arial Unicode MS" pitchFamily="34" charset="-128"/>
+                </a:rPr>
+                <a:t>mount</a:t>
+              </a:r>
+            </a:p>
+          </p:txBody>
+        </p:sp>
+        <p:sp>
+          <p:nvSpPr>
+            <p:cNvPr id="14" name="TextBox 13">
+              <a:extLst>
+                <a:ext uri="{FF2B5EF4-FFF2-40B4-BE49-F238E27FC236}">
+                  <a16:creationId xmlns:a16="http://schemas.microsoft.com/office/drawing/2014/main" id="{6DE14779-853D-44AF-A5DE-8E3BA7633299}"/>
+                </a:ext>
+              </a:extLst>
+            </p:cNvPr>
+            <p:cNvSpPr txBox="1"/>
+            <p:nvPr/>
+          </p:nvSpPr>
+          <p:spPr>
+            <a:xfrm>
+              <a:off x="3177404" y="4750775"/>
+              <a:ext cx="1221706" cy="246221"/>
+            </a:xfrm>
+            <a:prstGeom prst="rect">
+              <a:avLst/>
+            </a:prstGeom>
+            <a:noFill/>
+          </p:spPr>
+          <p:txBody>
+            <a:bodyPr wrap="square" lIns="0" tIns="0" rIns="0" bIns="0" rtlCol="0">
+              <a:spAutoFit/>
+            </a:bodyPr>
+            <a:lstStyle/>
+            <a:p>
+              <a:pPr algn="ctr" fontAlgn="base">
+                <a:spcBef>
+                  <a:spcPct val="50000"/>
+                </a:spcBef>
+                <a:spcAft>
+                  <a:spcPct val="0"/>
+                </a:spcAft>
+                <a:buClr>
+                  <a:srgbClr val="F0AB00"/>
+                </a:buClr>
+                <a:buSzPct val="80000"/>
+              </a:pPr>
+              <a:r>
+                <a:rPr lang="en-US" sz="1600" kern="0" dirty="0" err="1">
+                  <a:ea typeface="Arial Unicode MS" pitchFamily="34" charset="-128"/>
+                  <a:cs typeface="Arial Unicode MS" pitchFamily="34" charset="-128"/>
+                </a:rPr>
+                <a:t>uts</a:t>
+              </a:r>
+              <a:endParaRPr lang="en-US" sz="1600" kern="0" dirty="0">
+                <a:ea typeface="Arial Unicode MS" pitchFamily="34" charset="-128"/>
+                <a:cs typeface="Arial Unicode MS" pitchFamily="34" charset="-128"/>
+              </a:endParaRPr>
+            </a:p>
+          </p:txBody>
+        </p:sp>
+        <p:sp>
+          <p:nvSpPr>
+            <p:cNvPr id="16" name="TextBox 15">
+              <a:extLst>
+                <a:ext uri="{FF2B5EF4-FFF2-40B4-BE49-F238E27FC236}">
+                  <a16:creationId xmlns:a16="http://schemas.microsoft.com/office/drawing/2014/main" id="{ABAAFC4E-9818-424C-AD15-8CCE2984EDEA}"/>
+                </a:ext>
+              </a:extLst>
+            </p:cNvPr>
+            <p:cNvSpPr txBox="1"/>
+            <p:nvPr/>
+          </p:nvSpPr>
+          <p:spPr>
+            <a:xfrm>
+              <a:off x="3159456" y="4988799"/>
+              <a:ext cx="1209610" cy="246221"/>
+            </a:xfrm>
+            <a:prstGeom prst="rect">
+              <a:avLst/>
+            </a:prstGeom>
+            <a:noFill/>
+          </p:spPr>
+          <p:txBody>
+            <a:bodyPr wrap="square" lIns="0" tIns="0" rIns="0" bIns="0" rtlCol="0">
+              <a:spAutoFit/>
+            </a:bodyPr>
+            <a:lstStyle/>
+            <a:p>
+              <a:pPr algn="ctr" fontAlgn="base">
+                <a:spcBef>
+                  <a:spcPct val="50000"/>
+                </a:spcBef>
+                <a:spcAft>
+                  <a:spcPct val="0"/>
+                </a:spcAft>
+                <a:buClr>
+                  <a:srgbClr val="F0AB00"/>
+                </a:buClr>
+                <a:buSzPct val="80000"/>
+              </a:pPr>
+              <a:r>
+                <a:rPr lang="en-US" sz="1600" kern="0" dirty="0" err="1">
+                  <a:ea typeface="Arial Unicode MS" pitchFamily="34" charset="-128"/>
+                  <a:cs typeface="Arial Unicode MS" pitchFamily="34" charset="-128"/>
+                </a:rPr>
+                <a:t>pid</a:t>
+              </a:r>
+              <a:endParaRPr lang="en-US" sz="1600" kern="0" dirty="0">
+                <a:ea typeface="Arial Unicode MS" pitchFamily="34" charset="-128"/>
+                <a:cs typeface="Arial Unicode MS" pitchFamily="34" charset="-128"/>
+              </a:endParaRPr>
+            </a:p>
+          </p:txBody>
+        </p:sp>
+        <p:pic>
+          <p:nvPicPr>
+            <p:cNvPr id="1028" name="Picture 4" descr="Image result for nginx logo">
+              <a:extLst>
+                <a:ext uri="{FF2B5EF4-FFF2-40B4-BE49-F238E27FC236}">
+                  <a16:creationId xmlns:a16="http://schemas.microsoft.com/office/drawing/2014/main" id="{8B1B9A89-571C-4A7B-8CA8-03AD55F2E01D}"/>
+                </a:ext>
+              </a:extLst>
+            </p:cNvPr>
+            <p:cNvPicPr>
+              <a:picLocks noChangeAspect="1" noChangeArrowheads="1"/>
+            </p:cNvPicPr>
+            <p:nvPr/>
+          </p:nvPicPr>
+          <p:blipFill>
+            <a:blip r:embed="rId3">
+              <a:extLst>
+                <a:ext uri="{28A0092B-C50C-407E-A947-70E740481C1C}">
+                  <a14:useLocalDpi xmlns:a14="http://schemas.microsoft.com/office/drawing/2010/main" val="0"/>
+                </a:ext>
+              </a:extLst>
+            </a:blip>
+            <a:srcRect/>
+            <a:stretch>
+              <a:fillRect/>
+            </a:stretch>
+          </p:blipFill>
+          <p:spPr bwMode="auto">
+            <a:xfrm>
+              <a:off x="2755693" y="3190464"/>
+              <a:ext cx="2065339" cy="691995"/>
+            </a:xfrm>
+            <a:prstGeom prst="rect">
+              <a:avLst/>
+            </a:prstGeom>
+            <a:noFill/>
+            <a:extLst>
+              <a:ext uri="{909E8E84-426E-40DD-AFC4-6F175D3DCCD1}">
+                <a14:hiddenFill xmlns:a14="http://schemas.microsoft.com/office/drawing/2010/main">
+                  <a:solidFill>
+                    <a:srgbClr val="FFFFFF"/>
+                  </a:solidFill>
+                </a14:hiddenFill>
+              </a:ext>
+            </a:extLst>
+          </p:spPr>
+        </p:pic>
+      </p:grpSp>
+      <p:grpSp>
+        <p:nvGrpSpPr>
+          <p:cNvPr id="71" name="Group 70">
+            <a:extLst>
+              <a:ext uri="{FF2B5EF4-FFF2-40B4-BE49-F238E27FC236}">
+                <a16:creationId xmlns:a16="http://schemas.microsoft.com/office/drawing/2014/main" id="{D3DB4ED6-5238-4EA8-AB47-34087E0BB3AF}"/>
+              </a:ext>
+            </a:extLst>
+          </p:cNvPr>
+          <p:cNvGrpSpPr/>
+          <p:nvPr/>
+        </p:nvGrpSpPr>
+        <p:grpSpPr>
+          <a:xfrm>
+            <a:off x="6455990" y="1761423"/>
+            <a:ext cx="3674803" cy="3414213"/>
+            <a:chOff x="2100328" y="1987395"/>
+            <a:chExt cx="3674803" cy="3414213"/>
+          </a:xfrm>
+        </p:grpSpPr>
+        <p:grpSp>
+          <p:nvGrpSpPr>
+            <p:cNvPr id="72" name="Group 71">
+              <a:extLst>
+                <a:ext uri="{FF2B5EF4-FFF2-40B4-BE49-F238E27FC236}">
+                  <a16:creationId xmlns:a16="http://schemas.microsoft.com/office/drawing/2014/main" id="{37B34049-8102-42B7-AE98-8C5F3FBAB638}"/>
+                </a:ext>
+              </a:extLst>
+            </p:cNvPr>
+            <p:cNvGrpSpPr/>
+            <p:nvPr/>
+          </p:nvGrpSpPr>
+          <p:grpSpPr>
+            <a:xfrm>
+              <a:off x="2100328" y="1987395"/>
+              <a:ext cx="3674803" cy="3414213"/>
+              <a:chOff x="1947372" y="1855492"/>
+              <a:chExt cx="3674803" cy="3414213"/>
+            </a:xfrm>
+          </p:grpSpPr>
+          <p:sp>
+            <p:nvSpPr>
+              <p:cNvPr id="73" name="Rectangle: Rounded Corners 72">
+                <a:extLst>
+                  <a:ext uri="{FF2B5EF4-FFF2-40B4-BE49-F238E27FC236}">
+                    <a16:creationId xmlns:a16="http://schemas.microsoft.com/office/drawing/2014/main" id="{43995439-4FE7-4421-BC83-EB273FEAB1A2}"/>
+                  </a:ext>
+                </a:extLst>
+              </p:cNvPr>
+              <p:cNvSpPr/>
+              <p:nvPr/>
+            </p:nvSpPr>
+            <p:spPr bwMode="gray">
+              <a:xfrm>
+                <a:off x="1947372" y="1855492"/>
+                <a:ext cx="3674803" cy="3414213"/>
+              </a:xfrm>
+              <a:prstGeom prst="roundRect">
+                <a:avLst>
+                  <a:gd name="adj" fmla="val 7124"/>
+                </a:avLst>
+              </a:prstGeom>
+              <a:solidFill>
+                <a:schemeClr val="bg1">
+                  <a:lumMod val="75000"/>
+                </a:schemeClr>
+              </a:solidFill>
+              <a:ln>
+                <a:solidFill>
+                  <a:schemeClr val="accent6"/>
+                </a:solidFill>
+                <a:headEnd/>
+                <a:tailEnd/>
+              </a:ln>
+            </p:spPr>
+            <p:style>
+              <a:lnRef idx="2">
+                <a:schemeClr val="accent5"/>
+              </a:lnRef>
+              <a:fillRef idx="1">
+                <a:schemeClr val="lt1"/>
+              </a:fillRef>
+              <a:effectRef idx="0">
+                <a:schemeClr val="accent5"/>
+              </a:effectRef>
+              <a:fontRef idx="minor">
+                <a:schemeClr val="dk1"/>
+              </a:fontRef>
+            </p:style>
+            <p:txBody>
+              <a:bodyPr lIns="90000" tIns="72000" rIns="90000" bIns="72000" rtlCol="0" anchor="ctr"/>
+              <a:lstStyle/>
+              <a:p>
+                <a:pPr marR="0" algn="ctr" defTabSz="914400" eaLnBrk="1" fontAlgn="base" latinLnBrk="0" hangingPunct="1">
+                  <a:lnSpc>
+                    <a:spcPct val="100000"/>
+                  </a:lnSpc>
+                  <a:spcBef>
+                    <a:spcPct val="50000"/>
+                  </a:spcBef>
+                  <a:spcAft>
+                    <a:spcPct val="0"/>
+                  </a:spcAft>
+                  <a:buClr>
+                    <a:srgbClr val="F0AB00"/>
+                  </a:buClr>
+                  <a:buSzPct val="80000"/>
+                  <a:tabLst/>
+                </a:pPr>
+                <a:endParaRPr kumimoji="0" lang="en-US" sz="1800" b="0" i="0" u="none" strike="noStrike" kern="0" cap="none" spc="0" normalizeH="0" baseline="0" noProof="0" dirty="0" err="1">
+                  <a:ln>
+                    <a:noFill/>
+                  </a:ln>
+                  <a:effectLst/>
+                  <a:uLnTx/>
+                  <a:uFillTx/>
+                  <a:ea typeface="Arial Unicode MS" pitchFamily="34" charset="-128"/>
+                  <a:cs typeface="Arial Unicode MS" pitchFamily="34" charset="-128"/>
+                </a:endParaRPr>
+              </a:p>
+            </p:txBody>
+          </p:sp>
+          <p:sp>
+            <p:nvSpPr>
+              <p:cNvPr id="74" name="Rectangle: Rounded Corners 73">
+                <a:extLst>
+                  <a:ext uri="{FF2B5EF4-FFF2-40B4-BE49-F238E27FC236}">
+                    <a16:creationId xmlns:a16="http://schemas.microsoft.com/office/drawing/2014/main" id="{57EC90CD-ADA2-4E8F-9AA6-A1AFD3B9D70E}"/>
+                  </a:ext>
+                </a:extLst>
+              </p:cNvPr>
+              <p:cNvSpPr/>
+              <p:nvPr/>
+            </p:nvSpPr>
+            <p:spPr bwMode="gray">
+              <a:xfrm>
+                <a:off x="2218692" y="2113097"/>
+                <a:ext cx="3132164" cy="2899005"/>
+              </a:xfrm>
+              <a:prstGeom prst="roundRect">
+                <a:avLst>
+                  <a:gd name="adj" fmla="val 5428"/>
+                </a:avLst>
+              </a:prstGeom>
+              <a:solidFill>
+                <a:schemeClr val="bg1">
+                  <a:lumMod val="95000"/>
+                </a:schemeClr>
+              </a:solidFill>
+              <a:ln>
+                <a:solidFill>
+                  <a:schemeClr val="accent6"/>
+                </a:solidFill>
+                <a:headEnd/>
+                <a:tailEnd/>
+              </a:ln>
+            </p:spPr>
+            <p:style>
+              <a:lnRef idx="2">
+                <a:schemeClr val="accent5"/>
+              </a:lnRef>
+              <a:fillRef idx="1">
+                <a:schemeClr val="lt1"/>
+              </a:fillRef>
+              <a:effectRef idx="0">
+                <a:schemeClr val="accent5"/>
+              </a:effectRef>
+              <a:fontRef idx="minor">
+                <a:schemeClr val="dk1"/>
+              </a:fontRef>
+            </p:style>
+            <p:txBody>
+              <a:bodyPr lIns="90000" tIns="72000" rIns="90000" bIns="72000" rtlCol="0" anchor="ctr"/>
+              <a:lstStyle/>
+              <a:p>
+                <a:pPr marR="0" algn="ctr" defTabSz="914400" eaLnBrk="1" fontAlgn="base" latinLnBrk="0" hangingPunct="1">
+                  <a:lnSpc>
+                    <a:spcPct val="100000"/>
+                  </a:lnSpc>
+                  <a:spcBef>
+                    <a:spcPct val="50000"/>
+                  </a:spcBef>
+                  <a:spcAft>
+                    <a:spcPct val="0"/>
+                  </a:spcAft>
+                  <a:buClr>
+                    <a:srgbClr val="F0AB00"/>
+                  </a:buClr>
+                  <a:buSzPct val="80000"/>
+                  <a:tabLst/>
+                </a:pPr>
+                <a:endParaRPr kumimoji="0" lang="en-US" sz="1800" b="0" i="0" u="none" strike="noStrike" kern="0" cap="none" spc="0" normalizeH="0" baseline="0" noProof="0" dirty="0" err="1">
+                  <a:ln>
+                    <a:noFill/>
+                  </a:ln>
+                  <a:effectLst/>
+                  <a:uLnTx/>
+                  <a:uFillTx/>
+                  <a:ea typeface="Arial Unicode MS" pitchFamily="34" charset="-128"/>
+                  <a:cs typeface="Arial Unicode MS" pitchFamily="34" charset="-128"/>
+                </a:endParaRPr>
+              </a:p>
+            </p:txBody>
+          </p:sp>
+          <p:sp>
+            <p:nvSpPr>
+              <p:cNvPr id="75" name="Rectangle: Rounded Corners 74">
+                <a:extLst>
+                  <a:ext uri="{FF2B5EF4-FFF2-40B4-BE49-F238E27FC236}">
+                    <a16:creationId xmlns:a16="http://schemas.microsoft.com/office/drawing/2014/main" id="{7DB85B12-AA3A-46A6-82C5-CE908B53A75D}"/>
+                  </a:ext>
+                </a:extLst>
+              </p:cNvPr>
+              <p:cNvSpPr/>
+              <p:nvPr/>
+            </p:nvSpPr>
+            <p:spPr bwMode="gray">
+              <a:xfrm>
+                <a:off x="2530447" y="2355146"/>
+                <a:ext cx="2508655" cy="2414909"/>
+              </a:xfrm>
+              <a:prstGeom prst="roundRect">
+                <a:avLst>
+                  <a:gd name="adj" fmla="val 7092"/>
+                </a:avLst>
+              </a:prstGeom>
+              <a:solidFill>
+                <a:schemeClr val="bg1">
+                  <a:lumMod val="75000"/>
+                </a:schemeClr>
+              </a:solidFill>
+              <a:ln>
+                <a:solidFill>
+                  <a:schemeClr val="accent6"/>
+                </a:solidFill>
+                <a:headEnd/>
+                <a:tailEnd/>
+              </a:ln>
+            </p:spPr>
+            <p:style>
+              <a:lnRef idx="2">
+                <a:schemeClr val="accent5"/>
+              </a:lnRef>
+              <a:fillRef idx="1">
+                <a:schemeClr val="lt1"/>
+              </a:fillRef>
+              <a:effectRef idx="0">
+                <a:schemeClr val="accent5"/>
+              </a:effectRef>
+              <a:fontRef idx="minor">
+                <a:schemeClr val="dk1"/>
+              </a:fontRef>
+            </p:style>
+            <p:txBody>
+              <a:bodyPr lIns="90000" tIns="72000" rIns="90000" bIns="72000" rtlCol="0" anchor="ctr"/>
+              <a:lstStyle/>
+              <a:p>
+                <a:pPr marR="0" algn="ctr" defTabSz="914400" eaLnBrk="1" fontAlgn="base" latinLnBrk="0" hangingPunct="1">
+                  <a:lnSpc>
+                    <a:spcPct val="100000"/>
+                  </a:lnSpc>
+                  <a:spcBef>
+                    <a:spcPct val="50000"/>
+                  </a:spcBef>
+                  <a:spcAft>
+                    <a:spcPct val="0"/>
+                  </a:spcAft>
+                  <a:buClr>
+                    <a:srgbClr val="F0AB00"/>
+                  </a:buClr>
+                  <a:buSzPct val="80000"/>
+                  <a:tabLst/>
+                </a:pPr>
+                <a:endParaRPr kumimoji="0" lang="en-US" sz="1800" b="0" i="0" u="none" strike="noStrike" kern="0" cap="none" spc="0" normalizeH="0" baseline="0" noProof="0" dirty="0">
+                  <a:ln>
+                    <a:noFill/>
+                  </a:ln>
+                  <a:effectLst/>
+                  <a:uLnTx/>
+                  <a:uFillTx/>
+                  <a:ea typeface="Arial Unicode MS" pitchFamily="34" charset="-128"/>
+                  <a:cs typeface="Arial Unicode MS" pitchFamily="34" charset="-128"/>
+                </a:endParaRPr>
+              </a:p>
+            </p:txBody>
+          </p:sp>
+          <p:sp>
+            <p:nvSpPr>
+              <p:cNvPr id="76" name="TextBox 75">
+                <a:extLst>
+                  <a:ext uri="{FF2B5EF4-FFF2-40B4-BE49-F238E27FC236}">
+                    <a16:creationId xmlns:a16="http://schemas.microsoft.com/office/drawing/2014/main" id="{BDC785DD-46F6-4851-BDBD-02037AAFFBFD}"/>
+                  </a:ext>
+                </a:extLst>
+              </p:cNvPr>
+              <p:cNvSpPr txBox="1"/>
+              <p:nvPr/>
+            </p:nvSpPr>
+            <p:spPr>
+              <a:xfrm>
+                <a:off x="3380468" y="4510420"/>
+                <a:ext cx="815788" cy="246221"/>
+              </a:xfrm>
+              <a:prstGeom prst="rect">
+                <a:avLst/>
+              </a:prstGeom>
+              <a:noFill/>
+            </p:spPr>
+            <p:txBody>
+              <a:bodyPr wrap="square" lIns="0" tIns="0" rIns="0" bIns="0" rtlCol="0">
+                <a:spAutoFit/>
+              </a:bodyPr>
+              <a:lstStyle/>
+              <a:p>
+                <a:pPr algn="ctr" fontAlgn="base">
+                  <a:spcBef>
+                    <a:spcPct val="50000"/>
+                  </a:spcBef>
+                  <a:spcAft>
+                    <a:spcPct val="0"/>
+                  </a:spcAft>
+                  <a:buClr>
+                    <a:srgbClr val="F0AB00"/>
+                  </a:buClr>
+                  <a:buSzPct val="80000"/>
+                </a:pPr>
+                <a:r>
+                  <a:rPr lang="en-US" sz="1600" kern="0" dirty="0">
+                    <a:ea typeface="Arial Unicode MS" pitchFamily="34" charset="-128"/>
+                    <a:cs typeface="Arial Unicode MS" pitchFamily="34" charset="-128"/>
+                  </a:rPr>
+                  <a:t>mount</a:t>
+                </a:r>
+              </a:p>
+            </p:txBody>
+          </p:sp>
+          <p:sp>
+            <p:nvSpPr>
+              <p:cNvPr id="77" name="TextBox 76">
+                <a:extLst>
+                  <a:ext uri="{FF2B5EF4-FFF2-40B4-BE49-F238E27FC236}">
+                    <a16:creationId xmlns:a16="http://schemas.microsoft.com/office/drawing/2014/main" id="{3A5416B3-D7D4-4D7F-80A7-AE9EFA214729}"/>
+                  </a:ext>
+                </a:extLst>
+              </p:cNvPr>
+              <p:cNvSpPr txBox="1"/>
+              <p:nvPr/>
+            </p:nvSpPr>
+            <p:spPr>
+              <a:xfrm>
+                <a:off x="3177404" y="4750775"/>
+                <a:ext cx="1221706" cy="246221"/>
+              </a:xfrm>
+              <a:prstGeom prst="rect">
+                <a:avLst/>
+              </a:prstGeom>
+              <a:noFill/>
+            </p:spPr>
+            <p:txBody>
+              <a:bodyPr wrap="square" lIns="0" tIns="0" rIns="0" bIns="0" rtlCol="0">
+                <a:spAutoFit/>
+              </a:bodyPr>
+              <a:lstStyle/>
+              <a:p>
+                <a:pPr algn="ctr" fontAlgn="base">
+                  <a:spcBef>
+                    <a:spcPct val="50000"/>
+                  </a:spcBef>
+                  <a:spcAft>
+                    <a:spcPct val="0"/>
+                  </a:spcAft>
+                  <a:buClr>
+                    <a:srgbClr val="F0AB00"/>
+                  </a:buClr>
+                  <a:buSzPct val="80000"/>
+                </a:pPr>
+                <a:r>
+                  <a:rPr lang="en-US" sz="1600" kern="0" dirty="0" err="1">
+                    <a:ea typeface="Arial Unicode MS" pitchFamily="34" charset="-128"/>
+                    <a:cs typeface="Arial Unicode MS" pitchFamily="34" charset="-128"/>
+                  </a:rPr>
+                  <a:t>uts</a:t>
+                </a:r>
+                <a:endParaRPr lang="en-US" sz="1600" kern="0" dirty="0">
+                  <a:ea typeface="Arial Unicode MS" pitchFamily="34" charset="-128"/>
+                  <a:cs typeface="Arial Unicode MS" pitchFamily="34" charset="-128"/>
+                </a:endParaRPr>
+              </a:p>
+            </p:txBody>
+          </p:sp>
+          <p:sp>
+            <p:nvSpPr>
+              <p:cNvPr id="78" name="TextBox 77">
+                <a:extLst>
+                  <a:ext uri="{FF2B5EF4-FFF2-40B4-BE49-F238E27FC236}">
+                    <a16:creationId xmlns:a16="http://schemas.microsoft.com/office/drawing/2014/main" id="{BAE2A4A9-E323-4DFC-A714-D6048367E506}"/>
+                  </a:ext>
+                </a:extLst>
+              </p:cNvPr>
+              <p:cNvSpPr txBox="1"/>
+              <p:nvPr/>
+            </p:nvSpPr>
+            <p:spPr>
+              <a:xfrm>
+                <a:off x="3159456" y="4988799"/>
+                <a:ext cx="1209610" cy="246221"/>
+              </a:xfrm>
+              <a:prstGeom prst="rect">
+                <a:avLst/>
+              </a:prstGeom>
+              <a:noFill/>
+            </p:spPr>
+            <p:txBody>
+              <a:bodyPr wrap="square" lIns="0" tIns="0" rIns="0" bIns="0" rtlCol="0">
+                <a:spAutoFit/>
+              </a:bodyPr>
+              <a:lstStyle/>
+              <a:p>
+                <a:pPr algn="ctr" fontAlgn="base">
+                  <a:spcBef>
+                    <a:spcPct val="50000"/>
+                  </a:spcBef>
+                  <a:spcAft>
+                    <a:spcPct val="0"/>
+                  </a:spcAft>
+                  <a:buClr>
+                    <a:srgbClr val="F0AB00"/>
+                  </a:buClr>
+                  <a:buSzPct val="80000"/>
+                </a:pPr>
+                <a:r>
+                  <a:rPr lang="en-US" sz="1600" kern="0" dirty="0" err="1">
+                    <a:ea typeface="Arial Unicode MS" pitchFamily="34" charset="-128"/>
+                    <a:cs typeface="Arial Unicode MS" pitchFamily="34" charset="-128"/>
+                  </a:rPr>
+                  <a:t>pid</a:t>
+                </a:r>
+                <a:endParaRPr lang="en-US" sz="1600" kern="0" dirty="0">
+                  <a:ea typeface="Arial Unicode MS" pitchFamily="34" charset="-128"/>
+                  <a:cs typeface="Arial Unicode MS" pitchFamily="34" charset="-128"/>
+                </a:endParaRPr>
+              </a:p>
+            </p:txBody>
+          </p:sp>
+        </p:grpSp>
+        <p:grpSp>
+          <p:nvGrpSpPr>
+            <p:cNvPr id="94" name="Group 93">
+              <a:extLst>
+                <a:ext uri="{FF2B5EF4-FFF2-40B4-BE49-F238E27FC236}">
+                  <a16:creationId xmlns:a16="http://schemas.microsoft.com/office/drawing/2014/main" id="{68557CA4-64F4-4140-88E7-46B05C732D2B}"/>
+                </a:ext>
+              </a:extLst>
+            </p:cNvPr>
+            <p:cNvGrpSpPr/>
+            <p:nvPr/>
+          </p:nvGrpSpPr>
+          <p:grpSpPr>
+            <a:xfrm>
+              <a:off x="3202661" y="2970083"/>
+              <a:ext cx="1438407" cy="1408994"/>
+              <a:chOff x="6016752" y="1459585"/>
+              <a:chExt cx="2563435" cy="2511016"/>
+            </a:xfrm>
+          </p:grpSpPr>
+          <p:grpSp>
+            <p:nvGrpSpPr>
+              <p:cNvPr id="95" name="Group 94">
+                <a:extLst>
+                  <a:ext uri="{FF2B5EF4-FFF2-40B4-BE49-F238E27FC236}">
+                    <a16:creationId xmlns:a16="http://schemas.microsoft.com/office/drawing/2014/main" id="{776B9B61-6A44-4907-849A-3897078A16DB}"/>
+                  </a:ext>
+                </a:extLst>
+              </p:cNvPr>
+              <p:cNvGrpSpPr/>
+              <p:nvPr/>
+            </p:nvGrpSpPr>
+            <p:grpSpPr>
+              <a:xfrm>
+                <a:off x="6016752" y="3215287"/>
+                <a:ext cx="2563435" cy="755314"/>
+                <a:chOff x="6016752" y="3215287"/>
+                <a:chExt cx="2563435" cy="755314"/>
+              </a:xfrm>
+            </p:grpSpPr>
+            <p:sp>
+              <p:nvSpPr>
+                <p:cNvPr id="103" name="Freeform: Shape 102">
+                  <a:extLst>
+                    <a:ext uri="{FF2B5EF4-FFF2-40B4-BE49-F238E27FC236}">
+                      <a16:creationId xmlns:a16="http://schemas.microsoft.com/office/drawing/2014/main" id="{6158319A-1FEB-4E5D-9BED-33E4ED0812FF}"/>
+                    </a:ext>
+                  </a:extLst>
+                </p:cNvPr>
+                <p:cNvSpPr/>
+                <p:nvPr/>
+              </p:nvSpPr>
+              <p:spPr>
+                <a:xfrm>
+                  <a:off x="6016752" y="3215287"/>
+                  <a:ext cx="495300" cy="523875"/>
+                </a:xfrm>
+                <a:custGeom>
+                  <a:avLst/>
+                  <a:gdLst>
+                    <a:gd name="connsiteX0" fmla="*/ 398669 w 495300"/>
+                    <a:gd name="connsiteY0" fmla="*/ 223514 h 523875"/>
+                    <a:gd name="connsiteX1" fmla="*/ 388877 w 495300"/>
+                    <a:gd name="connsiteY1" fmla="*/ 166840 h 523875"/>
+                    <a:gd name="connsiteX2" fmla="*/ 362617 w 495300"/>
+                    <a:gd name="connsiteY2" fmla="*/ 122034 h 523875"/>
+                    <a:gd name="connsiteX3" fmla="*/ 318821 w 495300"/>
+                    <a:gd name="connsiteY3" fmla="*/ 92154 h 523875"/>
+                    <a:gd name="connsiteX4" fmla="*/ 257518 w 495300"/>
+                    <a:gd name="connsiteY4" fmla="*/ 81324 h 523875"/>
+                    <a:gd name="connsiteX5" fmla="*/ 195186 w 495300"/>
+                    <a:gd name="connsiteY5" fmla="*/ 94202 h 523875"/>
+                    <a:gd name="connsiteX6" fmla="*/ 147266 w 495300"/>
+                    <a:gd name="connsiteY6" fmla="*/ 127692 h 523875"/>
+                    <a:gd name="connsiteX7" fmla="*/ 116872 w 495300"/>
+                    <a:gd name="connsiteY7" fmla="*/ 173545 h 523875"/>
+                    <a:gd name="connsiteX8" fmla="*/ 106061 w 495300"/>
+                    <a:gd name="connsiteY8" fmla="*/ 223514 h 523875"/>
+                    <a:gd name="connsiteX9" fmla="*/ 398669 w 495300"/>
+                    <a:gd name="connsiteY9" fmla="*/ 223514 h 523875"/>
+                    <a:gd name="connsiteX10" fmla="*/ 106061 w 495300"/>
+                    <a:gd name="connsiteY10" fmla="*/ 297694 h 523875"/>
+                    <a:gd name="connsiteX11" fmla="*/ 119967 w 495300"/>
+                    <a:gd name="connsiteY11" fmla="*/ 355921 h 523875"/>
+                    <a:gd name="connsiteX12" fmla="*/ 156543 w 495300"/>
+                    <a:gd name="connsiteY12" fmla="*/ 400736 h 523875"/>
+                    <a:gd name="connsiteX13" fmla="*/ 209093 w 495300"/>
+                    <a:gd name="connsiteY13" fmla="*/ 429578 h 523875"/>
+                    <a:gd name="connsiteX14" fmla="*/ 270910 w 495300"/>
+                    <a:gd name="connsiteY14" fmla="*/ 439884 h 523875"/>
+                    <a:gd name="connsiteX15" fmla="*/ 346138 w 495300"/>
+                    <a:gd name="connsiteY15" fmla="*/ 419795 h 523875"/>
+                    <a:gd name="connsiteX16" fmla="*/ 404860 w 495300"/>
+                    <a:gd name="connsiteY16" fmla="*/ 366732 h 523875"/>
+                    <a:gd name="connsiteX17" fmla="*/ 474917 w 495300"/>
+                    <a:gd name="connsiteY17" fmla="*/ 420319 h 523875"/>
+                    <a:gd name="connsiteX18" fmla="*/ 258547 w 495300"/>
+                    <a:gd name="connsiteY18" fmla="*/ 520256 h 523875"/>
+                    <a:gd name="connsiteX19" fmla="*/ 153972 w 495300"/>
+                    <a:gd name="connsiteY19" fmla="*/ 500682 h 523875"/>
+                    <a:gd name="connsiteX20" fmla="*/ 74629 w 495300"/>
+                    <a:gd name="connsiteY20" fmla="*/ 446580 h 523875"/>
+                    <a:gd name="connsiteX21" fmla="*/ 24660 w 495300"/>
+                    <a:gd name="connsiteY21" fmla="*/ 365198 h 523875"/>
+                    <a:gd name="connsiteX22" fmla="*/ 7144 w 495300"/>
+                    <a:gd name="connsiteY22" fmla="*/ 263690 h 523875"/>
+                    <a:gd name="connsiteX23" fmla="*/ 26213 w 495300"/>
+                    <a:gd name="connsiteY23" fmla="*/ 162211 h 523875"/>
+                    <a:gd name="connsiteX24" fmla="*/ 78753 w 495300"/>
+                    <a:gd name="connsiteY24" fmla="*/ 80820 h 523875"/>
+                    <a:gd name="connsiteX25" fmla="*/ 158610 w 495300"/>
+                    <a:gd name="connsiteY25" fmla="*/ 26718 h 523875"/>
+                    <a:gd name="connsiteX26" fmla="*/ 259585 w 495300"/>
+                    <a:gd name="connsiteY26" fmla="*/ 7144 h 523875"/>
+                    <a:gd name="connsiteX27" fmla="*/ 369313 w 495300"/>
+                    <a:gd name="connsiteY27" fmla="*/ 29823 h 523875"/>
+                    <a:gd name="connsiteX28" fmla="*/ 442979 w 495300"/>
+                    <a:gd name="connsiteY28" fmla="*/ 89059 h 523875"/>
+                    <a:gd name="connsiteX29" fmla="*/ 484708 w 495300"/>
+                    <a:gd name="connsiteY29" fmla="*/ 171479 h 523875"/>
+                    <a:gd name="connsiteX30" fmla="*/ 497586 w 495300"/>
+                    <a:gd name="connsiteY30" fmla="*/ 264728 h 523875"/>
+                    <a:gd name="connsiteX31" fmla="*/ 497586 w 495300"/>
+                    <a:gd name="connsiteY31" fmla="*/ 297694 h 523875"/>
+                    <a:gd name="connsiteX32" fmla="*/ 106061 w 495300"/>
+                    <a:gd name="connsiteY32" fmla="*/ 297694 h 523875"/>
+                    <a:gd name="connsiteX33" fmla="*/ 106061 w 495300"/>
+                    <a:gd name="connsiteY33" fmla="*/ 297694 h 523875"/>
+                  </a:gdLst>
+                  <a:ahLst/>
+                  <a:cxnLst>
+                    <a:cxn ang="0">
+                      <a:pos x="connsiteX0" y="connsiteY0"/>
+                    </a:cxn>
+                    <a:cxn ang="0">
+                      <a:pos x="connsiteX1" y="connsiteY1"/>
+                    </a:cxn>
+                    <a:cxn ang="0">
+                      <a:pos x="connsiteX2" y="connsiteY2"/>
+                    </a:cxn>
+                    <a:cxn ang="0">
+                      <a:pos x="connsiteX3" y="connsiteY3"/>
+                    </a:cxn>
+                    <a:cxn ang="0">
+                      <a:pos x="connsiteX4" y="connsiteY4"/>
+                    </a:cxn>
+                    <a:cxn ang="0">
+                      <a:pos x="connsiteX5" y="connsiteY5"/>
+                    </a:cxn>
+                    <a:cxn ang="0">
+                      <a:pos x="connsiteX6" y="connsiteY6"/>
+                    </a:cxn>
+                    <a:cxn ang="0">
+                      <a:pos x="connsiteX7" y="connsiteY7"/>
+                    </a:cxn>
+                    <a:cxn ang="0">
+                      <a:pos x="connsiteX8" y="connsiteY8"/>
+                    </a:cxn>
+                    <a:cxn ang="0">
+                      <a:pos x="connsiteX9" y="connsiteY9"/>
+                    </a:cxn>
+                    <a:cxn ang="0">
+                      <a:pos x="connsiteX10" y="connsiteY10"/>
+                    </a:cxn>
+                    <a:cxn ang="0">
+                      <a:pos x="connsiteX11" y="connsiteY11"/>
+                    </a:cxn>
+                    <a:cxn ang="0">
+                      <a:pos x="connsiteX12" y="connsiteY12"/>
+                    </a:cxn>
+                    <a:cxn ang="0">
+                      <a:pos x="connsiteX13" y="connsiteY13"/>
+                    </a:cxn>
+                    <a:cxn ang="0">
+                      <a:pos x="connsiteX14" y="connsiteY14"/>
+                    </a:cxn>
+                    <a:cxn ang="0">
+                      <a:pos x="connsiteX15" y="connsiteY15"/>
+                    </a:cxn>
+                    <a:cxn ang="0">
+                      <a:pos x="connsiteX16" y="connsiteY16"/>
+                    </a:cxn>
+                    <a:cxn ang="0">
+                      <a:pos x="connsiteX17" y="connsiteY17"/>
+                    </a:cxn>
+                    <a:cxn ang="0">
+                      <a:pos x="connsiteX18" y="connsiteY18"/>
+                    </a:cxn>
+                    <a:cxn ang="0">
+                      <a:pos x="connsiteX19" y="connsiteY19"/>
+                    </a:cxn>
+                    <a:cxn ang="0">
+                      <a:pos x="connsiteX20" y="connsiteY20"/>
+                    </a:cxn>
+                    <a:cxn ang="0">
+                      <a:pos x="connsiteX21" y="connsiteY21"/>
+                    </a:cxn>
+                    <a:cxn ang="0">
+                      <a:pos x="connsiteX22" y="connsiteY22"/>
+                    </a:cxn>
+                    <a:cxn ang="0">
+                      <a:pos x="connsiteX23" y="connsiteY23"/>
+                    </a:cxn>
+                    <a:cxn ang="0">
+                      <a:pos x="connsiteX24" y="connsiteY24"/>
+                    </a:cxn>
+                    <a:cxn ang="0">
+                      <a:pos x="connsiteX25" y="connsiteY25"/>
+                    </a:cxn>
+                    <a:cxn ang="0">
+                      <a:pos x="connsiteX26" y="connsiteY26"/>
+                    </a:cxn>
+                    <a:cxn ang="0">
+                      <a:pos x="connsiteX27" y="connsiteY27"/>
+                    </a:cxn>
+                    <a:cxn ang="0">
+                      <a:pos x="connsiteX28" y="connsiteY28"/>
+                    </a:cxn>
+                    <a:cxn ang="0">
+                      <a:pos x="connsiteX29" y="connsiteY29"/>
+                    </a:cxn>
+                    <a:cxn ang="0">
+                      <a:pos x="connsiteX30" y="connsiteY30"/>
+                    </a:cxn>
+                    <a:cxn ang="0">
+                      <a:pos x="connsiteX31" y="connsiteY31"/>
+                    </a:cxn>
+                    <a:cxn ang="0">
+                      <a:pos x="connsiteX32" y="connsiteY32"/>
+                    </a:cxn>
+                    <a:cxn ang="0">
+                      <a:pos x="connsiteX33" y="connsiteY33"/>
+                    </a:cxn>
+                  </a:cxnLst>
+                  <a:rect l="l" t="t" r="r" b="b"/>
+                  <a:pathLst>
+                    <a:path w="495300" h="523875">
+                      <a:moveTo>
+                        <a:pt x="398669" y="223514"/>
+                      </a:moveTo>
+                      <a:cubicBezTo>
+                        <a:pt x="397983" y="202911"/>
+                        <a:pt x="394716" y="184023"/>
+                        <a:pt x="388877" y="166840"/>
+                      </a:cubicBezTo>
+                      <a:cubicBezTo>
+                        <a:pt x="383048" y="149676"/>
+                        <a:pt x="374285" y="134750"/>
+                        <a:pt x="362617" y="122034"/>
+                      </a:cubicBezTo>
+                      <a:cubicBezTo>
+                        <a:pt x="350920" y="109328"/>
+                        <a:pt x="336337" y="99355"/>
+                        <a:pt x="318821" y="92154"/>
+                      </a:cubicBezTo>
+                      <a:cubicBezTo>
+                        <a:pt x="301304" y="84944"/>
+                        <a:pt x="280864" y="81324"/>
+                        <a:pt x="257518" y="81324"/>
+                      </a:cubicBezTo>
+                      <a:cubicBezTo>
+                        <a:pt x="234858" y="81324"/>
+                        <a:pt x="214074" y="85620"/>
+                        <a:pt x="195186" y="94202"/>
+                      </a:cubicBezTo>
+                      <a:cubicBezTo>
+                        <a:pt x="176279" y="102813"/>
+                        <a:pt x="160315" y="113967"/>
+                        <a:pt x="147266" y="127692"/>
+                      </a:cubicBezTo>
+                      <a:cubicBezTo>
+                        <a:pt x="134217" y="141437"/>
+                        <a:pt x="124092" y="156724"/>
+                        <a:pt x="116872" y="173545"/>
+                      </a:cubicBezTo>
+                      <a:cubicBezTo>
+                        <a:pt x="109661" y="190386"/>
+                        <a:pt x="106061" y="207035"/>
+                        <a:pt x="106061" y="223514"/>
+                      </a:cubicBezTo>
+                      <a:lnTo>
+                        <a:pt x="398669" y="223514"/>
+                      </a:lnTo>
+                      <a:close/>
+                      <a:moveTo>
+                        <a:pt x="106061" y="297694"/>
+                      </a:moveTo>
+                      <a:cubicBezTo>
+                        <a:pt x="106061" y="319002"/>
+                        <a:pt x="110700" y="338404"/>
+                        <a:pt x="119967" y="355921"/>
+                      </a:cubicBezTo>
+                      <a:cubicBezTo>
+                        <a:pt x="129245" y="373437"/>
+                        <a:pt x="141437" y="388372"/>
+                        <a:pt x="156543" y="400736"/>
+                      </a:cubicBezTo>
+                      <a:cubicBezTo>
+                        <a:pt x="171641" y="413099"/>
+                        <a:pt x="189157" y="422720"/>
+                        <a:pt x="209093" y="429578"/>
+                      </a:cubicBezTo>
+                      <a:cubicBezTo>
+                        <a:pt x="229010" y="436464"/>
+                        <a:pt x="249612" y="439884"/>
+                        <a:pt x="270910" y="439884"/>
+                      </a:cubicBezTo>
+                      <a:cubicBezTo>
+                        <a:pt x="299761" y="439884"/>
+                        <a:pt x="324822" y="433197"/>
+                        <a:pt x="346138" y="419795"/>
+                      </a:cubicBezTo>
+                      <a:cubicBezTo>
+                        <a:pt x="367408" y="406403"/>
+                        <a:pt x="386991" y="388725"/>
+                        <a:pt x="404860" y="366732"/>
+                      </a:cubicBezTo>
+                      <a:lnTo>
+                        <a:pt x="474917" y="420319"/>
+                      </a:lnTo>
+                      <a:cubicBezTo>
+                        <a:pt x="423396" y="486947"/>
+                        <a:pt x="351272" y="520256"/>
+                        <a:pt x="258547" y="520256"/>
+                      </a:cubicBezTo>
+                      <a:cubicBezTo>
+                        <a:pt x="220075" y="520256"/>
+                        <a:pt x="185214" y="513712"/>
+                        <a:pt x="153972" y="500682"/>
+                      </a:cubicBezTo>
+                      <a:cubicBezTo>
+                        <a:pt x="122711" y="487642"/>
+                        <a:pt x="96269" y="469602"/>
+                        <a:pt x="74629" y="446580"/>
+                      </a:cubicBezTo>
+                      <a:cubicBezTo>
+                        <a:pt x="53007" y="423577"/>
+                        <a:pt x="36328" y="396450"/>
+                        <a:pt x="24660" y="365198"/>
+                      </a:cubicBezTo>
+                      <a:cubicBezTo>
+                        <a:pt x="12973" y="333937"/>
+                        <a:pt x="7144" y="300114"/>
+                        <a:pt x="7144" y="263690"/>
+                      </a:cubicBezTo>
+                      <a:cubicBezTo>
+                        <a:pt x="7144" y="227295"/>
+                        <a:pt x="13497" y="193472"/>
+                        <a:pt x="26213" y="162211"/>
+                      </a:cubicBezTo>
+                      <a:cubicBezTo>
+                        <a:pt x="38910" y="130969"/>
+                        <a:pt x="56426" y="103832"/>
+                        <a:pt x="78753" y="80820"/>
+                      </a:cubicBezTo>
+                      <a:cubicBezTo>
+                        <a:pt x="101070" y="57807"/>
+                        <a:pt x="127692" y="39776"/>
+                        <a:pt x="158610" y="26718"/>
+                      </a:cubicBezTo>
+                      <a:cubicBezTo>
+                        <a:pt x="189509" y="13678"/>
+                        <a:pt x="223161" y="7144"/>
+                        <a:pt x="259585" y="7144"/>
+                      </a:cubicBezTo>
+                      <a:cubicBezTo>
+                        <a:pt x="302857" y="7144"/>
+                        <a:pt x="339433" y="14707"/>
+                        <a:pt x="369313" y="29823"/>
+                      </a:cubicBezTo>
+                      <a:cubicBezTo>
+                        <a:pt x="399193" y="44929"/>
+                        <a:pt x="423739" y="64675"/>
+                        <a:pt x="442979" y="89059"/>
+                      </a:cubicBezTo>
+                      <a:cubicBezTo>
+                        <a:pt x="462201" y="113452"/>
+                        <a:pt x="476117" y="140932"/>
+                        <a:pt x="484708" y="171479"/>
+                      </a:cubicBezTo>
+                      <a:cubicBezTo>
+                        <a:pt x="493290" y="202054"/>
+                        <a:pt x="497586" y="233143"/>
+                        <a:pt x="497586" y="264728"/>
+                      </a:cubicBezTo>
+                      <a:lnTo>
+                        <a:pt x="497586" y="297694"/>
+                      </a:lnTo>
+                      <a:lnTo>
+                        <a:pt x="106061" y="297694"/>
+                      </a:lnTo>
+                      <a:lnTo>
+                        <a:pt x="106061" y="297694"/>
+                      </a:lnTo>
+                      <a:close/>
+                    </a:path>
+                  </a:pathLst>
+                </a:custGeom>
+                <a:solidFill>
+                  <a:schemeClr val="tx1"/>
+                </a:solidFill>
+                <a:ln w="9525" cap="flat">
+                  <a:noFill/>
+                  <a:prstDash val="solid"/>
+                  <a:miter/>
+                </a:ln>
+              </p:spPr>
+              <p:txBody>
+                <a:bodyPr rtlCol="0" anchor="ctr"/>
+                <a:lstStyle/>
+                <a:p>
+                  <a:endParaRPr lang="en-US"/>
+                </a:p>
+              </p:txBody>
+            </p:sp>
+            <p:sp>
+              <p:nvSpPr>
+                <p:cNvPr id="104" name="Freeform: Shape 103">
+                  <a:extLst>
+                    <a:ext uri="{FF2B5EF4-FFF2-40B4-BE49-F238E27FC236}">
+                      <a16:creationId xmlns:a16="http://schemas.microsoft.com/office/drawing/2014/main" id="{D223E8FC-FF45-44FC-BC6D-807C5E4986BA}"/>
+                    </a:ext>
+                  </a:extLst>
+                </p:cNvPr>
+                <p:cNvSpPr/>
+                <p:nvPr/>
+              </p:nvSpPr>
+              <p:spPr>
+                <a:xfrm>
+                  <a:off x="6587566" y="3215287"/>
+                  <a:ext cx="438150" cy="514350"/>
+                </a:xfrm>
+                <a:custGeom>
+                  <a:avLst/>
+                  <a:gdLst>
+                    <a:gd name="connsiteX0" fmla="*/ 7144 w 438150"/>
+                    <a:gd name="connsiteY0" fmla="*/ 19507 h 514350"/>
+                    <a:gd name="connsiteX1" fmla="*/ 99869 w 438150"/>
+                    <a:gd name="connsiteY1" fmla="*/ 19507 h 514350"/>
+                    <a:gd name="connsiteX2" fmla="*/ 99869 w 438150"/>
+                    <a:gd name="connsiteY2" fmla="*/ 94717 h 514350"/>
+                    <a:gd name="connsiteX3" fmla="*/ 101927 w 438150"/>
+                    <a:gd name="connsiteY3" fmla="*/ 94717 h 514350"/>
+                    <a:gd name="connsiteX4" fmla="*/ 162716 w 438150"/>
+                    <a:gd name="connsiteY4" fmla="*/ 31356 h 514350"/>
+                    <a:gd name="connsiteX5" fmla="*/ 262652 w 438150"/>
+                    <a:gd name="connsiteY5" fmla="*/ 7144 h 514350"/>
+                    <a:gd name="connsiteX6" fmla="*/ 330137 w 438150"/>
+                    <a:gd name="connsiteY6" fmla="*/ 17964 h 514350"/>
+                    <a:gd name="connsiteX7" fmla="*/ 386810 w 438150"/>
+                    <a:gd name="connsiteY7" fmla="*/ 51444 h 514350"/>
+                    <a:gd name="connsiteX8" fmla="*/ 425453 w 438150"/>
+                    <a:gd name="connsiteY8" fmla="*/ 109671 h 514350"/>
+                    <a:gd name="connsiteX9" fmla="*/ 439884 w 438150"/>
+                    <a:gd name="connsiteY9" fmla="*/ 193634 h 514350"/>
+                    <a:gd name="connsiteX10" fmla="*/ 439884 w 438150"/>
+                    <a:gd name="connsiteY10" fmla="*/ 507892 h 514350"/>
+                    <a:gd name="connsiteX11" fmla="*/ 347139 w 438150"/>
+                    <a:gd name="connsiteY11" fmla="*/ 507892 h 514350"/>
+                    <a:gd name="connsiteX12" fmla="*/ 347139 w 438150"/>
+                    <a:gd name="connsiteY12" fmla="*/ 219399 h 514350"/>
+                    <a:gd name="connsiteX13" fmla="*/ 337880 w 438150"/>
+                    <a:gd name="connsiteY13" fmla="*/ 161182 h 514350"/>
+                    <a:gd name="connsiteX14" fmla="*/ 313134 w 438150"/>
+                    <a:gd name="connsiteY14" fmla="*/ 122034 h 514350"/>
+                    <a:gd name="connsiteX15" fmla="*/ 277597 w 438150"/>
+                    <a:gd name="connsiteY15" fmla="*/ 100393 h 514350"/>
+                    <a:gd name="connsiteX16" fmla="*/ 235877 w 438150"/>
+                    <a:gd name="connsiteY16" fmla="*/ 93688 h 514350"/>
+                    <a:gd name="connsiteX17" fmla="*/ 182289 w 438150"/>
+                    <a:gd name="connsiteY17" fmla="*/ 102965 h 514350"/>
+                    <a:gd name="connsiteX18" fmla="*/ 139008 w 438150"/>
+                    <a:gd name="connsiteY18" fmla="*/ 132331 h 514350"/>
+                    <a:gd name="connsiteX19" fmla="*/ 110166 w 438150"/>
+                    <a:gd name="connsiteY19" fmla="*/ 183328 h 514350"/>
+                    <a:gd name="connsiteX20" fmla="*/ 99869 w 438150"/>
+                    <a:gd name="connsiteY20" fmla="*/ 256489 h 514350"/>
+                    <a:gd name="connsiteX21" fmla="*/ 99869 w 438150"/>
+                    <a:gd name="connsiteY21" fmla="*/ 507892 h 514350"/>
+                    <a:gd name="connsiteX22" fmla="*/ 7144 w 438150"/>
+                    <a:gd name="connsiteY22" fmla="*/ 507892 h 514350"/>
+                    <a:gd name="connsiteX23" fmla="*/ 7144 w 438150"/>
+                    <a:gd name="connsiteY23" fmla="*/ 19507 h 514350"/>
+                  </a:gdLst>
+                  <a:ahLst/>
+                  <a:cxnLst>
+                    <a:cxn ang="0">
+                      <a:pos x="connsiteX0" y="connsiteY0"/>
+                    </a:cxn>
+                    <a:cxn ang="0">
+                      <a:pos x="connsiteX1" y="connsiteY1"/>
+                    </a:cxn>
+                    <a:cxn ang="0">
+                      <a:pos x="connsiteX2" y="connsiteY2"/>
+                    </a:cxn>
+                    <a:cxn ang="0">
+                      <a:pos x="connsiteX3" y="connsiteY3"/>
+                    </a:cxn>
+                    <a:cxn ang="0">
+                      <a:pos x="connsiteX4" y="connsiteY4"/>
+                    </a:cxn>
+                    <a:cxn ang="0">
+                      <a:pos x="connsiteX5" y="connsiteY5"/>
+                    </a:cxn>
+                    <a:cxn ang="0">
+                      <a:pos x="connsiteX6" y="connsiteY6"/>
+                    </a:cxn>
+                    <a:cxn ang="0">
+                      <a:pos x="connsiteX7" y="connsiteY7"/>
+                    </a:cxn>
+                    <a:cxn ang="0">
+                      <a:pos x="connsiteX8" y="connsiteY8"/>
+                    </a:cxn>
+                    <a:cxn ang="0">
+                      <a:pos x="connsiteX9" y="connsiteY9"/>
+                    </a:cxn>
+                    <a:cxn ang="0">
+                      <a:pos x="connsiteX10" y="connsiteY10"/>
+                    </a:cxn>
+                    <a:cxn ang="0">
+                      <a:pos x="connsiteX11" y="connsiteY11"/>
+                    </a:cxn>
+                    <a:cxn ang="0">
+                      <a:pos x="connsiteX12" y="connsiteY12"/>
+                    </a:cxn>
+                    <a:cxn ang="0">
+                      <a:pos x="connsiteX13" y="connsiteY13"/>
+                    </a:cxn>
+                    <a:cxn ang="0">
+                      <a:pos x="connsiteX14" y="connsiteY14"/>
+                    </a:cxn>
+                    <a:cxn ang="0">
+                      <a:pos x="connsiteX15" y="connsiteY15"/>
+                    </a:cxn>
+                    <a:cxn ang="0">
+                      <a:pos x="connsiteX16" y="connsiteY16"/>
+                    </a:cxn>
+                    <a:cxn ang="0">
+                      <a:pos x="connsiteX17" y="connsiteY17"/>
+                    </a:cxn>
+                    <a:cxn ang="0">
+                      <a:pos x="connsiteX18" y="connsiteY18"/>
+                    </a:cxn>
+                    <a:cxn ang="0">
+                      <a:pos x="connsiteX19" y="connsiteY19"/>
+                    </a:cxn>
+                    <a:cxn ang="0">
+                      <a:pos x="connsiteX20" y="connsiteY20"/>
+                    </a:cxn>
+                    <a:cxn ang="0">
+                      <a:pos x="connsiteX21" y="connsiteY21"/>
+                    </a:cxn>
+                    <a:cxn ang="0">
+                      <a:pos x="connsiteX22" y="connsiteY22"/>
+                    </a:cxn>
+                    <a:cxn ang="0">
+                      <a:pos x="connsiteX23" y="connsiteY23"/>
+                    </a:cxn>
+                  </a:cxnLst>
+                  <a:rect l="l" t="t" r="r" b="b"/>
+                  <a:pathLst>
+                    <a:path w="438150" h="514350">
+                      <a:moveTo>
+                        <a:pt x="7144" y="19507"/>
+                      </a:moveTo>
+                      <a:lnTo>
+                        <a:pt x="99869" y="19507"/>
+                      </a:lnTo>
+                      <a:lnTo>
+                        <a:pt x="99869" y="94717"/>
+                      </a:lnTo>
+                      <a:lnTo>
+                        <a:pt x="101927" y="94717"/>
+                      </a:lnTo>
+                      <a:cubicBezTo>
+                        <a:pt x="113595" y="68618"/>
+                        <a:pt x="133874" y="47501"/>
+                        <a:pt x="162716" y="31356"/>
+                      </a:cubicBezTo>
+                      <a:cubicBezTo>
+                        <a:pt x="191567" y="15221"/>
+                        <a:pt x="224876" y="7144"/>
+                        <a:pt x="262652" y="7144"/>
+                      </a:cubicBezTo>
+                      <a:cubicBezTo>
+                        <a:pt x="286007" y="7144"/>
+                        <a:pt x="308515" y="10754"/>
+                        <a:pt x="330137" y="17964"/>
+                      </a:cubicBezTo>
+                      <a:cubicBezTo>
+                        <a:pt x="351777" y="25184"/>
+                        <a:pt x="370665" y="36347"/>
+                        <a:pt x="386810" y="51444"/>
+                      </a:cubicBezTo>
+                      <a:cubicBezTo>
+                        <a:pt x="402945" y="66570"/>
+                        <a:pt x="415823" y="85963"/>
+                        <a:pt x="425453" y="109671"/>
+                      </a:cubicBezTo>
+                      <a:cubicBezTo>
+                        <a:pt x="435064" y="133360"/>
+                        <a:pt x="439884" y="161363"/>
+                        <a:pt x="439884" y="193634"/>
+                      </a:cubicBezTo>
+                      <a:lnTo>
+                        <a:pt x="439884" y="507892"/>
+                      </a:lnTo>
+                      <a:lnTo>
+                        <a:pt x="347139" y="507892"/>
+                      </a:lnTo>
+                      <a:lnTo>
+                        <a:pt x="347139" y="219399"/>
+                      </a:lnTo>
+                      <a:cubicBezTo>
+                        <a:pt x="347139" y="196720"/>
+                        <a:pt x="344053" y="177327"/>
+                        <a:pt x="337880" y="161182"/>
+                      </a:cubicBezTo>
+                      <a:cubicBezTo>
+                        <a:pt x="331689" y="145056"/>
+                        <a:pt x="323450" y="131997"/>
+                        <a:pt x="313134" y="122034"/>
+                      </a:cubicBezTo>
+                      <a:cubicBezTo>
+                        <a:pt x="302848" y="112071"/>
+                        <a:pt x="290998" y="104870"/>
+                        <a:pt x="277597" y="100393"/>
+                      </a:cubicBezTo>
+                      <a:cubicBezTo>
+                        <a:pt x="264205" y="95926"/>
+                        <a:pt x="250289" y="93688"/>
+                        <a:pt x="235877" y="93688"/>
+                      </a:cubicBezTo>
+                      <a:cubicBezTo>
+                        <a:pt x="216627" y="93688"/>
+                        <a:pt x="198777" y="96784"/>
+                        <a:pt x="182289" y="102965"/>
+                      </a:cubicBezTo>
+                      <a:cubicBezTo>
+                        <a:pt x="165802" y="109147"/>
+                        <a:pt x="151390" y="118939"/>
+                        <a:pt x="139008" y="132331"/>
+                      </a:cubicBezTo>
+                      <a:cubicBezTo>
+                        <a:pt x="126644" y="145723"/>
+                        <a:pt x="117024" y="162725"/>
+                        <a:pt x="110166" y="183328"/>
+                      </a:cubicBezTo>
+                      <a:cubicBezTo>
+                        <a:pt x="103299" y="203949"/>
+                        <a:pt x="99869" y="228333"/>
+                        <a:pt x="99869" y="256489"/>
+                      </a:cubicBezTo>
+                      <a:lnTo>
+                        <a:pt x="99869" y="507892"/>
+                      </a:lnTo>
+                      <a:lnTo>
+                        <a:pt x="7144" y="507892"/>
+                      </a:lnTo>
+                      <a:lnTo>
+                        <a:pt x="7144" y="19507"/>
+                      </a:lnTo>
+                    </a:path>
+                  </a:pathLst>
+                </a:custGeom>
+                <a:solidFill>
+                  <a:schemeClr val="tx1"/>
+                </a:solidFill>
+                <a:ln w="9525" cap="flat">
+                  <a:noFill/>
+                  <a:prstDash val="solid"/>
+                  <a:miter/>
+                </a:ln>
+              </p:spPr>
+              <p:txBody>
+                <a:bodyPr rtlCol="0" anchor="ctr"/>
+                <a:lstStyle/>
+                <a:p>
+                  <a:endParaRPr lang="en-US"/>
+                </a:p>
+              </p:txBody>
+            </p:sp>
+            <p:sp>
+              <p:nvSpPr>
+                <p:cNvPr id="105" name="Freeform: Shape 104">
+                  <a:extLst>
+                    <a:ext uri="{FF2B5EF4-FFF2-40B4-BE49-F238E27FC236}">
+                      <a16:creationId xmlns:a16="http://schemas.microsoft.com/office/drawing/2014/main" id="{1110F02A-A463-42D4-90E2-22CBD8B35860}"/>
+                    </a:ext>
+                  </a:extLst>
+                </p:cNvPr>
+                <p:cNvSpPr/>
+                <p:nvPr/>
+              </p:nvSpPr>
+              <p:spPr>
+                <a:xfrm>
+                  <a:off x="7050167" y="3227651"/>
+                  <a:ext cx="504825" cy="495300"/>
+                </a:xfrm>
+                <a:custGeom>
+                  <a:avLst/>
+                  <a:gdLst>
+                    <a:gd name="connsiteX0" fmla="*/ 7144 w 504825"/>
+                    <a:gd name="connsiteY0" fmla="*/ 7144 h 495300"/>
+                    <a:gd name="connsiteX1" fmla="*/ 114310 w 504825"/>
+                    <a:gd name="connsiteY1" fmla="*/ 7144 h 495300"/>
+                    <a:gd name="connsiteX2" fmla="*/ 260623 w 504825"/>
+                    <a:gd name="connsiteY2" fmla="*/ 381162 h 495300"/>
+                    <a:gd name="connsiteX3" fmla="*/ 400745 w 504825"/>
+                    <a:gd name="connsiteY3" fmla="*/ 7144 h 495300"/>
+                    <a:gd name="connsiteX4" fmla="*/ 499653 w 504825"/>
+                    <a:gd name="connsiteY4" fmla="*/ 7144 h 495300"/>
+                    <a:gd name="connsiteX5" fmla="*/ 308020 w 504825"/>
+                    <a:gd name="connsiteY5" fmla="*/ 495529 h 495300"/>
+                    <a:gd name="connsiteX6" fmla="*/ 206016 w 504825"/>
+                    <a:gd name="connsiteY6" fmla="*/ 495529 h 495300"/>
+                    <a:gd name="connsiteX7" fmla="*/ 7144 w 504825"/>
+                    <a:gd name="connsiteY7" fmla="*/ 7144 h 495300"/>
+                  </a:gdLst>
+                  <a:ahLst/>
+                  <a:cxnLst>
+                    <a:cxn ang="0">
+                      <a:pos x="connsiteX0" y="connsiteY0"/>
+                    </a:cxn>
+                    <a:cxn ang="0">
+                      <a:pos x="connsiteX1" y="connsiteY1"/>
+                    </a:cxn>
+                    <a:cxn ang="0">
+                      <a:pos x="connsiteX2" y="connsiteY2"/>
+                    </a:cxn>
+                    <a:cxn ang="0">
+                      <a:pos x="connsiteX3" y="connsiteY3"/>
+                    </a:cxn>
+                    <a:cxn ang="0">
+                      <a:pos x="connsiteX4" y="connsiteY4"/>
+                    </a:cxn>
+                    <a:cxn ang="0">
+                      <a:pos x="connsiteX5" y="connsiteY5"/>
+                    </a:cxn>
+                    <a:cxn ang="0">
+                      <a:pos x="connsiteX6" y="connsiteY6"/>
+                    </a:cxn>
+                    <a:cxn ang="0">
+                      <a:pos x="connsiteX7" y="connsiteY7"/>
+                    </a:cxn>
+                  </a:cxnLst>
+                  <a:rect l="l" t="t" r="r" b="b"/>
+                  <a:pathLst>
+                    <a:path w="504825" h="495300">
+                      <a:moveTo>
+                        <a:pt x="7144" y="7144"/>
+                      </a:moveTo>
+                      <a:lnTo>
+                        <a:pt x="114310" y="7144"/>
+                      </a:lnTo>
+                      <a:lnTo>
+                        <a:pt x="260623" y="381162"/>
+                      </a:lnTo>
+                      <a:lnTo>
+                        <a:pt x="400745" y="7144"/>
+                      </a:lnTo>
+                      <a:lnTo>
+                        <a:pt x="499653" y="7144"/>
+                      </a:lnTo>
+                      <a:lnTo>
+                        <a:pt x="308020" y="495529"/>
+                      </a:lnTo>
+                      <a:lnTo>
+                        <a:pt x="206016" y="495529"/>
+                      </a:lnTo>
+                      <a:lnTo>
+                        <a:pt x="7144" y="7144"/>
+                      </a:lnTo>
+                    </a:path>
+                  </a:pathLst>
+                </a:custGeom>
+                <a:solidFill>
+                  <a:schemeClr val="tx1"/>
+                </a:solidFill>
+                <a:ln w="9525" cap="flat">
+                  <a:noFill/>
+                  <a:prstDash val="solid"/>
+                  <a:miter/>
+                </a:ln>
+              </p:spPr>
+              <p:txBody>
+                <a:bodyPr rtlCol="0" anchor="ctr"/>
+                <a:lstStyle/>
+                <a:p>
+                  <a:endParaRPr lang="en-US"/>
+                </a:p>
+              </p:txBody>
+            </p:sp>
+            <p:sp>
+              <p:nvSpPr>
+                <p:cNvPr id="106" name="Freeform: Shape 105">
+                  <a:extLst>
+                    <a:ext uri="{FF2B5EF4-FFF2-40B4-BE49-F238E27FC236}">
+                      <a16:creationId xmlns:a16="http://schemas.microsoft.com/office/drawing/2014/main" id="{F8CF53E7-4373-465E-81DC-C0E6CA8FCCFD}"/>
+                    </a:ext>
+                  </a:extLst>
+                </p:cNvPr>
+                <p:cNvSpPr/>
+                <p:nvPr/>
+              </p:nvSpPr>
+              <p:spPr>
+                <a:xfrm>
+                  <a:off x="7548877" y="3215287"/>
+                  <a:ext cx="533400" cy="523875"/>
+                </a:xfrm>
+                <a:custGeom>
+                  <a:avLst/>
+                  <a:gdLst>
+                    <a:gd name="connsiteX0" fmla="*/ 106061 w 533400"/>
+                    <a:gd name="connsiteY0" fmla="*/ 263690 h 523875"/>
+                    <a:gd name="connsiteX1" fmla="*/ 117386 w 533400"/>
+                    <a:gd name="connsiteY1" fmla="*/ 332213 h 523875"/>
+                    <a:gd name="connsiteX2" fmla="*/ 149333 w 533400"/>
+                    <a:gd name="connsiteY2" fmla="*/ 385801 h 523875"/>
+                    <a:gd name="connsiteX3" fmla="*/ 199815 w 533400"/>
+                    <a:gd name="connsiteY3" fmla="*/ 420824 h 523875"/>
+                    <a:gd name="connsiteX4" fmla="*/ 266786 w 533400"/>
+                    <a:gd name="connsiteY4" fmla="*/ 433702 h 523875"/>
+                    <a:gd name="connsiteX5" fmla="*/ 333756 w 533400"/>
+                    <a:gd name="connsiteY5" fmla="*/ 420824 h 523875"/>
+                    <a:gd name="connsiteX6" fmla="*/ 384238 w 533400"/>
+                    <a:gd name="connsiteY6" fmla="*/ 385801 h 523875"/>
+                    <a:gd name="connsiteX7" fmla="*/ 416185 w 533400"/>
+                    <a:gd name="connsiteY7" fmla="*/ 332213 h 523875"/>
+                    <a:gd name="connsiteX8" fmla="*/ 427520 w 533400"/>
+                    <a:gd name="connsiteY8" fmla="*/ 263690 h 523875"/>
+                    <a:gd name="connsiteX9" fmla="*/ 416185 w 533400"/>
+                    <a:gd name="connsiteY9" fmla="*/ 195186 h 523875"/>
+                    <a:gd name="connsiteX10" fmla="*/ 384238 w 533400"/>
+                    <a:gd name="connsiteY10" fmla="*/ 141599 h 523875"/>
+                    <a:gd name="connsiteX11" fmla="*/ 333756 w 533400"/>
+                    <a:gd name="connsiteY11" fmla="*/ 106566 h 523875"/>
+                    <a:gd name="connsiteX12" fmla="*/ 266786 w 533400"/>
+                    <a:gd name="connsiteY12" fmla="*/ 93688 h 523875"/>
+                    <a:gd name="connsiteX13" fmla="*/ 199815 w 533400"/>
+                    <a:gd name="connsiteY13" fmla="*/ 106566 h 523875"/>
+                    <a:gd name="connsiteX14" fmla="*/ 149333 w 533400"/>
+                    <a:gd name="connsiteY14" fmla="*/ 141599 h 523875"/>
+                    <a:gd name="connsiteX15" fmla="*/ 117386 w 533400"/>
+                    <a:gd name="connsiteY15" fmla="*/ 195186 h 523875"/>
+                    <a:gd name="connsiteX16" fmla="*/ 106061 w 533400"/>
+                    <a:gd name="connsiteY16" fmla="*/ 263690 h 523875"/>
+                    <a:gd name="connsiteX17" fmla="*/ 7144 w 533400"/>
+                    <a:gd name="connsiteY17" fmla="*/ 263690 h 523875"/>
+                    <a:gd name="connsiteX18" fmla="*/ 27232 w 533400"/>
+                    <a:gd name="connsiteY18" fmla="*/ 163754 h 523875"/>
+                    <a:gd name="connsiteX19" fmla="*/ 82353 w 533400"/>
+                    <a:gd name="connsiteY19" fmla="*/ 82353 h 523875"/>
+                    <a:gd name="connsiteX20" fmla="*/ 164783 w 533400"/>
+                    <a:gd name="connsiteY20" fmla="*/ 27232 h 523875"/>
+                    <a:gd name="connsiteX21" fmla="*/ 266786 w 533400"/>
+                    <a:gd name="connsiteY21" fmla="*/ 7144 h 523875"/>
+                    <a:gd name="connsiteX22" fmla="*/ 368789 w 533400"/>
+                    <a:gd name="connsiteY22" fmla="*/ 27232 h 523875"/>
+                    <a:gd name="connsiteX23" fmla="*/ 451228 w 533400"/>
+                    <a:gd name="connsiteY23" fmla="*/ 82353 h 523875"/>
+                    <a:gd name="connsiteX24" fmla="*/ 506349 w 533400"/>
+                    <a:gd name="connsiteY24" fmla="*/ 163754 h 523875"/>
+                    <a:gd name="connsiteX25" fmla="*/ 526437 w 533400"/>
+                    <a:gd name="connsiteY25" fmla="*/ 263690 h 523875"/>
+                    <a:gd name="connsiteX26" fmla="*/ 506349 w 533400"/>
+                    <a:gd name="connsiteY26" fmla="*/ 364160 h 523875"/>
+                    <a:gd name="connsiteX27" fmla="*/ 451228 w 533400"/>
+                    <a:gd name="connsiteY27" fmla="*/ 445561 h 523875"/>
+                    <a:gd name="connsiteX28" fmla="*/ 368789 w 533400"/>
+                    <a:gd name="connsiteY28" fmla="*/ 500167 h 523875"/>
+                    <a:gd name="connsiteX29" fmla="*/ 266786 w 533400"/>
+                    <a:gd name="connsiteY29" fmla="*/ 520256 h 523875"/>
+                    <a:gd name="connsiteX30" fmla="*/ 164783 w 533400"/>
+                    <a:gd name="connsiteY30" fmla="*/ 500167 h 523875"/>
+                    <a:gd name="connsiteX31" fmla="*/ 82353 w 533400"/>
+                    <a:gd name="connsiteY31" fmla="*/ 445561 h 523875"/>
+                    <a:gd name="connsiteX32" fmla="*/ 27232 w 533400"/>
+                    <a:gd name="connsiteY32" fmla="*/ 364160 h 523875"/>
+                    <a:gd name="connsiteX33" fmla="*/ 7144 w 533400"/>
+                    <a:gd name="connsiteY33" fmla="*/ 263690 h 523875"/>
+                    <a:gd name="connsiteX34" fmla="*/ 7144 w 533400"/>
+                    <a:gd name="connsiteY34" fmla="*/ 263690 h 523875"/>
+                  </a:gdLst>
+                  <a:ahLst/>
+                  <a:cxnLst>
+                    <a:cxn ang="0">
+                      <a:pos x="connsiteX0" y="connsiteY0"/>
+                    </a:cxn>
+                    <a:cxn ang="0">
+                      <a:pos x="connsiteX1" y="connsiteY1"/>
+                    </a:cxn>
+                    <a:cxn ang="0">
+                      <a:pos x="connsiteX2" y="connsiteY2"/>
+                    </a:cxn>
+                    <a:cxn ang="0">
+                      <a:pos x="connsiteX3" y="connsiteY3"/>
+                    </a:cxn>
+                    <a:cxn ang="0">
+                      <a:pos x="connsiteX4" y="connsiteY4"/>
+                    </a:cxn>
+                    <a:cxn ang="0">
+                      <a:pos x="connsiteX5" y="connsiteY5"/>
+                    </a:cxn>
+                    <a:cxn ang="0">
+                      <a:pos x="connsiteX6" y="connsiteY6"/>
+                    </a:cxn>
+                    <a:cxn ang="0">
+                      <a:pos x="connsiteX7" y="connsiteY7"/>
+                    </a:cxn>
+                    <a:cxn ang="0">
+                      <a:pos x="connsiteX8" y="connsiteY8"/>
+                    </a:cxn>
+                    <a:cxn ang="0">
+                      <a:pos x="connsiteX9" y="connsiteY9"/>
+                    </a:cxn>
+                    <a:cxn ang="0">
+                      <a:pos x="connsiteX10" y="connsiteY10"/>
+                    </a:cxn>
+                    <a:cxn ang="0">
+                      <a:pos x="connsiteX11" y="connsiteY11"/>
+                    </a:cxn>
+                    <a:cxn ang="0">
+                      <a:pos x="connsiteX12" y="connsiteY12"/>
+                    </a:cxn>
+                    <a:cxn ang="0">
+                      <a:pos x="connsiteX13" y="connsiteY13"/>
+                    </a:cxn>
+                    <a:cxn ang="0">
+                      <a:pos x="connsiteX14" y="connsiteY14"/>
+                    </a:cxn>
+                    <a:cxn ang="0">
+                      <a:pos x="connsiteX15" y="connsiteY15"/>
+                    </a:cxn>
+                    <a:cxn ang="0">
+                      <a:pos x="connsiteX16" y="connsiteY16"/>
+                    </a:cxn>
+                    <a:cxn ang="0">
+                      <a:pos x="connsiteX17" y="connsiteY17"/>
+                    </a:cxn>
+                    <a:cxn ang="0">
+                      <a:pos x="connsiteX18" y="connsiteY18"/>
+                    </a:cxn>
+                    <a:cxn ang="0">
+                      <a:pos x="connsiteX19" y="connsiteY19"/>
+                    </a:cxn>
+                    <a:cxn ang="0">
+                      <a:pos x="connsiteX20" y="connsiteY20"/>
+                    </a:cxn>
+                    <a:cxn ang="0">
+                      <a:pos x="connsiteX21" y="connsiteY21"/>
+                    </a:cxn>
+                    <a:cxn ang="0">
+                      <a:pos x="connsiteX22" y="connsiteY22"/>
+                    </a:cxn>
+                    <a:cxn ang="0">
+                      <a:pos x="connsiteX23" y="connsiteY23"/>
+                    </a:cxn>
+                    <a:cxn ang="0">
+                      <a:pos x="connsiteX24" y="connsiteY24"/>
+                    </a:cxn>
+                    <a:cxn ang="0">
+                      <a:pos x="connsiteX25" y="connsiteY25"/>
+                    </a:cxn>
+                    <a:cxn ang="0">
+                      <a:pos x="connsiteX26" y="connsiteY26"/>
+                    </a:cxn>
+                    <a:cxn ang="0">
+                      <a:pos x="connsiteX27" y="connsiteY27"/>
+                    </a:cxn>
+                    <a:cxn ang="0">
+                      <a:pos x="connsiteX28" y="connsiteY28"/>
+                    </a:cxn>
+                    <a:cxn ang="0">
+                      <a:pos x="connsiteX29" y="connsiteY29"/>
+                    </a:cxn>
+                    <a:cxn ang="0">
+                      <a:pos x="connsiteX30" y="connsiteY30"/>
+                    </a:cxn>
+                    <a:cxn ang="0">
+                      <a:pos x="connsiteX31" y="connsiteY31"/>
+                    </a:cxn>
+                    <a:cxn ang="0">
+                      <a:pos x="connsiteX32" y="connsiteY32"/>
+                    </a:cxn>
+                    <a:cxn ang="0">
+                      <a:pos x="connsiteX33" y="connsiteY33"/>
+                    </a:cxn>
+                    <a:cxn ang="0">
+                      <a:pos x="connsiteX34" y="connsiteY34"/>
+                    </a:cxn>
+                  </a:cxnLst>
+                  <a:rect l="l" t="t" r="r" b="b"/>
+                  <a:pathLst>
+                    <a:path w="533400" h="523875">
+                      <a:moveTo>
+                        <a:pt x="106061" y="263690"/>
+                      </a:moveTo>
+                      <a:cubicBezTo>
+                        <a:pt x="106061" y="288436"/>
+                        <a:pt x="109823" y="311267"/>
+                        <a:pt x="117386" y="332213"/>
+                      </a:cubicBezTo>
+                      <a:cubicBezTo>
+                        <a:pt x="124939" y="353187"/>
+                        <a:pt x="135589" y="371027"/>
+                        <a:pt x="149333" y="385801"/>
+                      </a:cubicBezTo>
+                      <a:cubicBezTo>
+                        <a:pt x="163059" y="400564"/>
+                        <a:pt x="179880" y="412252"/>
+                        <a:pt x="199815" y="420824"/>
+                      </a:cubicBezTo>
+                      <a:cubicBezTo>
+                        <a:pt x="219732" y="429425"/>
+                        <a:pt x="242059" y="433702"/>
+                        <a:pt x="266786" y="433702"/>
+                      </a:cubicBezTo>
+                      <a:cubicBezTo>
+                        <a:pt x="291513" y="433702"/>
+                        <a:pt x="313830" y="429425"/>
+                        <a:pt x="333756" y="420824"/>
+                      </a:cubicBezTo>
+                      <a:cubicBezTo>
+                        <a:pt x="353673" y="412252"/>
+                        <a:pt x="370494" y="400564"/>
+                        <a:pt x="384238" y="385801"/>
+                      </a:cubicBezTo>
+                      <a:cubicBezTo>
+                        <a:pt x="397974" y="371027"/>
+                        <a:pt x="408613" y="353187"/>
+                        <a:pt x="416185" y="332213"/>
+                      </a:cubicBezTo>
+                      <a:cubicBezTo>
+                        <a:pt x="423739" y="311267"/>
+                        <a:pt x="427520" y="288436"/>
+                        <a:pt x="427520" y="263690"/>
+                      </a:cubicBezTo>
+                      <a:cubicBezTo>
+                        <a:pt x="427520" y="238963"/>
+                        <a:pt x="423739" y="216141"/>
+                        <a:pt x="416185" y="195186"/>
+                      </a:cubicBezTo>
+                      <a:cubicBezTo>
+                        <a:pt x="408613" y="174241"/>
+                        <a:pt x="397974" y="156381"/>
+                        <a:pt x="384238" y="141599"/>
+                      </a:cubicBezTo>
+                      <a:cubicBezTo>
+                        <a:pt x="370494" y="126844"/>
+                        <a:pt x="353673" y="115176"/>
+                        <a:pt x="333756" y="106566"/>
+                      </a:cubicBezTo>
+                      <a:cubicBezTo>
+                        <a:pt x="313830" y="97993"/>
+                        <a:pt x="291513" y="93688"/>
+                        <a:pt x="266786" y="93688"/>
+                      </a:cubicBezTo>
+                      <a:cubicBezTo>
+                        <a:pt x="242059" y="93688"/>
+                        <a:pt x="219732" y="97993"/>
+                        <a:pt x="199815" y="106566"/>
+                      </a:cubicBezTo>
+                      <a:cubicBezTo>
+                        <a:pt x="179880" y="115176"/>
+                        <a:pt x="163059" y="126844"/>
+                        <a:pt x="149333" y="141599"/>
+                      </a:cubicBezTo>
+                      <a:cubicBezTo>
+                        <a:pt x="135589" y="156381"/>
+                        <a:pt x="124939" y="174241"/>
+                        <a:pt x="117386" y="195186"/>
+                      </a:cubicBezTo>
+                      <a:cubicBezTo>
+                        <a:pt x="109823" y="216141"/>
+                        <a:pt x="106061" y="238963"/>
+                        <a:pt x="106061" y="263690"/>
+                      </a:cubicBezTo>
+                      <a:close/>
+                      <a:moveTo>
+                        <a:pt x="7144" y="263690"/>
+                      </a:moveTo>
+                      <a:cubicBezTo>
+                        <a:pt x="7144" y="227990"/>
+                        <a:pt x="13849" y="194672"/>
+                        <a:pt x="27232" y="163754"/>
+                      </a:cubicBezTo>
+                      <a:cubicBezTo>
+                        <a:pt x="40624" y="132845"/>
+                        <a:pt x="58998" y="105728"/>
+                        <a:pt x="82353" y="82353"/>
+                      </a:cubicBezTo>
+                      <a:cubicBezTo>
+                        <a:pt x="105699" y="59017"/>
+                        <a:pt x="133179" y="40634"/>
+                        <a:pt x="164783" y="27232"/>
+                      </a:cubicBezTo>
+                      <a:cubicBezTo>
+                        <a:pt x="196367" y="13840"/>
+                        <a:pt x="230362" y="7144"/>
+                        <a:pt x="266786" y="7144"/>
+                      </a:cubicBezTo>
+                      <a:cubicBezTo>
+                        <a:pt x="303181" y="7144"/>
+                        <a:pt x="337185" y="13840"/>
+                        <a:pt x="368789" y="27232"/>
+                      </a:cubicBezTo>
+                      <a:cubicBezTo>
+                        <a:pt x="400374" y="40634"/>
+                        <a:pt x="427863" y="59017"/>
+                        <a:pt x="451228" y="82353"/>
+                      </a:cubicBezTo>
+                      <a:cubicBezTo>
+                        <a:pt x="474564" y="105728"/>
+                        <a:pt x="492948" y="132845"/>
+                        <a:pt x="506349" y="163754"/>
+                      </a:cubicBezTo>
+                      <a:cubicBezTo>
+                        <a:pt x="519732" y="194672"/>
+                        <a:pt x="526437" y="227990"/>
+                        <a:pt x="526437" y="263690"/>
+                      </a:cubicBezTo>
+                      <a:cubicBezTo>
+                        <a:pt x="526437" y="299418"/>
+                        <a:pt x="519732" y="332908"/>
+                        <a:pt x="506349" y="364160"/>
+                      </a:cubicBezTo>
+                      <a:cubicBezTo>
+                        <a:pt x="492948" y="395430"/>
+                        <a:pt x="474564" y="422548"/>
+                        <a:pt x="451228" y="445561"/>
+                      </a:cubicBezTo>
+                      <a:cubicBezTo>
+                        <a:pt x="427863" y="468573"/>
+                        <a:pt x="400374" y="486766"/>
+                        <a:pt x="368789" y="500167"/>
+                      </a:cubicBezTo>
+                      <a:cubicBezTo>
+                        <a:pt x="337185" y="513559"/>
+                        <a:pt x="303181" y="520256"/>
+                        <a:pt x="266786" y="520256"/>
+                      </a:cubicBezTo>
+                      <a:cubicBezTo>
+                        <a:pt x="230362" y="520256"/>
+                        <a:pt x="196367" y="513559"/>
+                        <a:pt x="164783" y="500167"/>
+                      </a:cubicBezTo>
+                      <a:cubicBezTo>
+                        <a:pt x="133179" y="486766"/>
+                        <a:pt x="105699" y="468573"/>
+                        <a:pt x="82353" y="445561"/>
+                      </a:cubicBezTo>
+                      <a:cubicBezTo>
+                        <a:pt x="58998" y="422548"/>
+                        <a:pt x="40624" y="395430"/>
+                        <a:pt x="27232" y="364160"/>
+                      </a:cubicBezTo>
+                      <a:cubicBezTo>
+                        <a:pt x="13849" y="332908"/>
+                        <a:pt x="7144" y="299418"/>
+                        <a:pt x="7144" y="263690"/>
+                      </a:cubicBezTo>
+                      <a:lnTo>
+                        <a:pt x="7144" y="263690"/>
+                      </a:lnTo>
+                      <a:close/>
+                    </a:path>
+                  </a:pathLst>
+                </a:custGeom>
+                <a:solidFill>
+                  <a:schemeClr val="tx1"/>
+                </a:solidFill>
+                <a:ln w="9525" cap="flat">
+                  <a:noFill/>
+                  <a:prstDash val="solid"/>
+                  <a:miter/>
+                </a:ln>
+              </p:spPr>
+              <p:txBody>
+                <a:bodyPr rtlCol="0" anchor="ctr"/>
+                <a:lstStyle/>
+                <a:p>
+                  <a:endParaRPr lang="en-US"/>
+                </a:p>
+              </p:txBody>
+            </p:sp>
+            <p:sp>
+              <p:nvSpPr>
+                <p:cNvPr id="107" name="Freeform: Shape 106">
+                  <a:extLst>
+                    <a:ext uri="{FF2B5EF4-FFF2-40B4-BE49-F238E27FC236}">
+                      <a16:creationId xmlns:a16="http://schemas.microsoft.com/office/drawing/2014/main" id="{0A192D15-9478-41F1-AD74-CE99B552A814}"/>
+                    </a:ext>
+                  </a:extLst>
+                </p:cNvPr>
+                <p:cNvSpPr/>
+                <p:nvPr/>
+              </p:nvSpPr>
+              <p:spPr>
+                <a:xfrm>
+                  <a:off x="8075362" y="3227651"/>
+                  <a:ext cx="504825" cy="742950"/>
+                </a:xfrm>
+                <a:custGeom>
+                  <a:avLst/>
+                  <a:gdLst>
+                    <a:gd name="connsiteX0" fmla="*/ 7144 w 504825"/>
+                    <a:gd name="connsiteY0" fmla="*/ 7144 h 742950"/>
+                    <a:gd name="connsiteX1" fmla="*/ 114300 w 504825"/>
+                    <a:gd name="connsiteY1" fmla="*/ 7144 h 742950"/>
+                    <a:gd name="connsiteX2" fmla="*/ 258918 w 504825"/>
+                    <a:gd name="connsiteY2" fmla="*/ 388372 h 742950"/>
+                    <a:gd name="connsiteX3" fmla="*/ 260995 w 504825"/>
+                    <a:gd name="connsiteY3" fmla="*/ 388372 h 742950"/>
+                    <a:gd name="connsiteX4" fmla="*/ 399707 w 504825"/>
+                    <a:gd name="connsiteY4" fmla="*/ 7144 h 742950"/>
+                    <a:gd name="connsiteX5" fmla="*/ 498615 w 504825"/>
+                    <a:gd name="connsiteY5" fmla="*/ 7144 h 742950"/>
+                    <a:gd name="connsiteX6" fmla="*/ 266795 w 504825"/>
+                    <a:gd name="connsiteY6" fmla="*/ 600618 h 742950"/>
+                    <a:gd name="connsiteX7" fmla="*/ 241135 w 504825"/>
+                    <a:gd name="connsiteY7" fmla="*/ 658844 h 742950"/>
+                    <a:gd name="connsiteX8" fmla="*/ 209340 w 504825"/>
+                    <a:gd name="connsiteY8" fmla="*/ 703659 h 742950"/>
+                    <a:gd name="connsiteX9" fmla="*/ 164687 w 504825"/>
+                    <a:gd name="connsiteY9" fmla="*/ 732501 h 742950"/>
+                    <a:gd name="connsiteX10" fmla="*/ 100565 w 504825"/>
+                    <a:gd name="connsiteY10" fmla="*/ 742807 h 742950"/>
+                    <a:gd name="connsiteX11" fmla="*/ 59007 w 504825"/>
+                    <a:gd name="connsiteY11" fmla="*/ 740226 h 742950"/>
+                    <a:gd name="connsiteX12" fmla="*/ 18479 w 504825"/>
+                    <a:gd name="connsiteY12" fmla="*/ 729415 h 742950"/>
+                    <a:gd name="connsiteX13" fmla="*/ 29756 w 504825"/>
+                    <a:gd name="connsiteY13" fmla="*/ 644928 h 742950"/>
+                    <a:gd name="connsiteX14" fmla="*/ 85030 w 504825"/>
+                    <a:gd name="connsiteY14" fmla="*/ 656254 h 742950"/>
+                    <a:gd name="connsiteX15" fmla="*/ 121377 w 504825"/>
+                    <a:gd name="connsiteY15" fmla="*/ 650596 h 742950"/>
+                    <a:gd name="connsiteX16" fmla="*/ 146971 w 504825"/>
+                    <a:gd name="connsiteY16" fmla="*/ 634098 h 742950"/>
+                    <a:gd name="connsiteX17" fmla="*/ 164887 w 504825"/>
+                    <a:gd name="connsiteY17" fmla="*/ 608857 h 742950"/>
+                    <a:gd name="connsiteX18" fmla="*/ 179222 w 504825"/>
+                    <a:gd name="connsiteY18" fmla="*/ 575891 h 742950"/>
+                    <a:gd name="connsiteX19" fmla="*/ 209235 w 504825"/>
+                    <a:gd name="connsiteY19" fmla="*/ 498615 h 742950"/>
+                    <a:gd name="connsiteX20" fmla="*/ 7144 w 504825"/>
+                    <a:gd name="connsiteY20" fmla="*/ 7144 h 742950"/>
+                  </a:gdLst>
+                  <a:ahLst/>
+                  <a:cxnLst>
+                    <a:cxn ang="0">
+                      <a:pos x="connsiteX0" y="connsiteY0"/>
+                    </a:cxn>
+                    <a:cxn ang="0">
+                      <a:pos x="connsiteX1" y="connsiteY1"/>
+                    </a:cxn>
+                    <a:cxn ang="0">
+                      <a:pos x="connsiteX2" y="connsiteY2"/>
+                    </a:cxn>
+                    <a:cxn ang="0">
+                      <a:pos x="connsiteX3" y="connsiteY3"/>
+                    </a:cxn>
+                    <a:cxn ang="0">
+                      <a:pos x="connsiteX4" y="connsiteY4"/>
+                    </a:cxn>
+                    <a:cxn ang="0">
+                      <a:pos x="connsiteX5" y="connsiteY5"/>
+                    </a:cxn>
+                    <a:cxn ang="0">
+                      <a:pos x="connsiteX6" y="connsiteY6"/>
+                    </a:cxn>
+                    <a:cxn ang="0">
+                      <a:pos x="connsiteX7" y="connsiteY7"/>
+                    </a:cxn>
+                    <a:cxn ang="0">
+                      <a:pos x="connsiteX8" y="connsiteY8"/>
+                    </a:cxn>
+                    <a:cxn ang="0">
+                      <a:pos x="connsiteX9" y="connsiteY9"/>
+                    </a:cxn>
+                    <a:cxn ang="0">
+                      <a:pos x="connsiteX10" y="connsiteY10"/>
+                    </a:cxn>
+                    <a:cxn ang="0">
+                      <a:pos x="connsiteX11" y="connsiteY11"/>
+                    </a:cxn>
+                    <a:cxn ang="0">
+                      <a:pos x="connsiteX12" y="connsiteY12"/>
+                    </a:cxn>
+                    <a:cxn ang="0">
+                      <a:pos x="connsiteX13" y="connsiteY13"/>
+                    </a:cxn>
+                    <a:cxn ang="0">
+                      <a:pos x="connsiteX14" y="connsiteY14"/>
+                    </a:cxn>
+                    <a:cxn ang="0">
+                      <a:pos x="connsiteX15" y="connsiteY15"/>
+                    </a:cxn>
+                    <a:cxn ang="0">
+                      <a:pos x="connsiteX16" y="connsiteY16"/>
+                    </a:cxn>
+                    <a:cxn ang="0">
+                      <a:pos x="connsiteX17" y="connsiteY17"/>
+                    </a:cxn>
+                    <a:cxn ang="0">
+                      <a:pos x="connsiteX18" y="connsiteY18"/>
+                    </a:cxn>
+                    <a:cxn ang="0">
+                      <a:pos x="connsiteX19" y="connsiteY19"/>
+                    </a:cxn>
+                    <a:cxn ang="0">
+                      <a:pos x="connsiteX20" y="connsiteY20"/>
+                    </a:cxn>
+                  </a:cxnLst>
+                  <a:rect l="l" t="t" r="r" b="b"/>
+                  <a:pathLst>
+                    <a:path w="504825" h="742950">
+                      <a:moveTo>
+                        <a:pt x="7144" y="7144"/>
+                      </a:moveTo>
+                      <a:lnTo>
+                        <a:pt x="114300" y="7144"/>
+                      </a:lnTo>
+                      <a:lnTo>
+                        <a:pt x="258918" y="388372"/>
+                      </a:lnTo>
+                      <a:lnTo>
+                        <a:pt x="260995" y="388372"/>
+                      </a:lnTo>
+                      <a:lnTo>
+                        <a:pt x="399707" y="7144"/>
+                      </a:lnTo>
+                      <a:lnTo>
+                        <a:pt x="498615" y="7144"/>
+                      </a:lnTo>
+                      <a:lnTo>
+                        <a:pt x="266795" y="600618"/>
+                      </a:lnTo>
+                      <a:cubicBezTo>
+                        <a:pt x="258575" y="621906"/>
+                        <a:pt x="250022" y="641328"/>
+                        <a:pt x="241135" y="658844"/>
+                      </a:cubicBezTo>
+                      <a:cubicBezTo>
+                        <a:pt x="232248" y="676342"/>
+                        <a:pt x="221637" y="691296"/>
+                        <a:pt x="209340" y="703659"/>
+                      </a:cubicBezTo>
+                      <a:cubicBezTo>
+                        <a:pt x="197015" y="716023"/>
+                        <a:pt x="182146" y="725634"/>
+                        <a:pt x="164687" y="732501"/>
+                      </a:cubicBezTo>
+                      <a:cubicBezTo>
+                        <a:pt x="147247" y="739359"/>
+                        <a:pt x="125873" y="742807"/>
+                        <a:pt x="100565" y="742807"/>
+                      </a:cubicBezTo>
+                      <a:cubicBezTo>
+                        <a:pt x="86878" y="742807"/>
+                        <a:pt x="73019" y="741940"/>
+                        <a:pt x="59007" y="740226"/>
+                      </a:cubicBezTo>
+                      <a:cubicBezTo>
+                        <a:pt x="44977" y="738511"/>
+                        <a:pt x="31470" y="734911"/>
+                        <a:pt x="18479" y="729415"/>
+                      </a:cubicBezTo>
+                      <a:lnTo>
+                        <a:pt x="29756" y="644928"/>
+                      </a:lnTo>
+                      <a:cubicBezTo>
+                        <a:pt x="48168" y="652482"/>
+                        <a:pt x="66599" y="656254"/>
+                        <a:pt x="85030" y="656254"/>
+                      </a:cubicBezTo>
+                      <a:cubicBezTo>
+                        <a:pt x="99355" y="656254"/>
+                        <a:pt x="111471" y="654358"/>
+                        <a:pt x="121377" y="650596"/>
+                      </a:cubicBezTo>
+                      <a:cubicBezTo>
+                        <a:pt x="131254" y="646805"/>
+                        <a:pt x="139789" y="641328"/>
+                        <a:pt x="146971" y="634098"/>
+                      </a:cubicBezTo>
+                      <a:cubicBezTo>
+                        <a:pt x="154124" y="626897"/>
+                        <a:pt x="160096" y="618477"/>
+                        <a:pt x="164887" y="608857"/>
+                      </a:cubicBezTo>
+                      <a:cubicBezTo>
+                        <a:pt x="169650" y="599237"/>
+                        <a:pt x="174431" y="588255"/>
+                        <a:pt x="179222" y="575891"/>
+                      </a:cubicBezTo>
+                      <a:lnTo>
+                        <a:pt x="209235" y="498615"/>
+                      </a:lnTo>
+                      <a:lnTo>
+                        <a:pt x="7144" y="7144"/>
+                      </a:lnTo>
+                    </a:path>
+                  </a:pathLst>
+                </a:custGeom>
+                <a:solidFill>
+                  <a:schemeClr val="tx1"/>
+                </a:solidFill>
+                <a:ln w="9525" cap="flat">
+                  <a:noFill/>
+                  <a:prstDash val="solid"/>
+                  <a:miter/>
+                </a:ln>
+              </p:spPr>
+              <p:txBody>
+                <a:bodyPr rtlCol="0" anchor="ctr"/>
+                <a:lstStyle/>
+                <a:p>
+                  <a:endParaRPr lang="en-US"/>
+                </a:p>
+              </p:txBody>
+            </p:sp>
+          </p:grpSp>
+          <p:grpSp>
+            <p:nvGrpSpPr>
+              <p:cNvPr id="96" name="Group 95">
+                <a:extLst>
+                  <a:ext uri="{FF2B5EF4-FFF2-40B4-BE49-F238E27FC236}">
+                    <a16:creationId xmlns:a16="http://schemas.microsoft.com/office/drawing/2014/main" id="{17EF8D76-0D84-48B5-897D-93A0EF18AED8}"/>
+                  </a:ext>
+                </a:extLst>
+              </p:cNvPr>
+              <p:cNvGrpSpPr/>
+              <p:nvPr/>
+            </p:nvGrpSpPr>
+            <p:grpSpPr>
+              <a:xfrm>
+                <a:off x="6223580" y="1459585"/>
+                <a:ext cx="2157998" cy="1618920"/>
+                <a:chOff x="3602827" y="2621600"/>
+                <a:chExt cx="2157998" cy="1618920"/>
+              </a:xfrm>
+            </p:grpSpPr>
+            <p:sp>
+              <p:nvSpPr>
+                <p:cNvPr id="97" name="Freeform: Shape 96">
+                  <a:extLst>
+                    <a:ext uri="{FF2B5EF4-FFF2-40B4-BE49-F238E27FC236}">
+                      <a16:creationId xmlns:a16="http://schemas.microsoft.com/office/drawing/2014/main" id="{49080967-29E9-422E-8D6D-A342C15DC92B}"/>
+                    </a:ext>
+                  </a:extLst>
+                </p:cNvPr>
+                <p:cNvSpPr/>
+                <p:nvPr/>
+              </p:nvSpPr>
+              <p:spPr>
+                <a:xfrm>
+                  <a:off x="4138889" y="3396643"/>
+                  <a:ext cx="152400" cy="219075"/>
+                </a:xfrm>
+                <a:custGeom>
+                  <a:avLst/>
+                  <a:gdLst>
+                    <a:gd name="connsiteX0" fmla="*/ 7144 w 152400"/>
+                    <a:gd name="connsiteY0" fmla="*/ 7144 h 219075"/>
+                    <a:gd name="connsiteX1" fmla="*/ 10211 w 152400"/>
+                    <a:gd name="connsiteY1" fmla="*/ 136636 h 219075"/>
+                    <a:gd name="connsiteX2" fmla="*/ 146571 w 152400"/>
+                    <a:gd name="connsiteY2" fmla="*/ 221180 h 219075"/>
+                    <a:gd name="connsiteX3" fmla="*/ 143513 w 152400"/>
+                    <a:gd name="connsiteY3" fmla="*/ 91602 h 219075"/>
+                    <a:gd name="connsiteX4" fmla="*/ 7144 w 152400"/>
+                    <a:gd name="connsiteY4" fmla="*/ 7144 h 219075"/>
+                  </a:gdLst>
+                  <a:ahLst/>
+                  <a:cxnLst>
+                    <a:cxn ang="0">
+                      <a:pos x="connsiteX0" y="connsiteY0"/>
+                    </a:cxn>
+                    <a:cxn ang="0">
+                      <a:pos x="connsiteX1" y="connsiteY1"/>
+                    </a:cxn>
+                    <a:cxn ang="0">
+                      <a:pos x="connsiteX2" y="connsiteY2"/>
+                    </a:cxn>
+                    <a:cxn ang="0">
+                      <a:pos x="connsiteX3" y="connsiteY3"/>
+                    </a:cxn>
+                    <a:cxn ang="0">
+                      <a:pos x="connsiteX4" y="connsiteY4"/>
+                    </a:cxn>
+                  </a:cxnLst>
+                  <a:rect l="l" t="t" r="r" b="b"/>
+                  <a:pathLst>
+                    <a:path w="152400" h="219075">
+                      <a:moveTo>
+                        <a:pt x="7144" y="7144"/>
+                      </a:moveTo>
+                      <a:lnTo>
+                        <a:pt x="10211" y="136636"/>
+                      </a:lnTo>
+                      <a:lnTo>
+                        <a:pt x="146571" y="221180"/>
+                      </a:lnTo>
+                      <a:lnTo>
+                        <a:pt x="143513" y="91602"/>
+                      </a:lnTo>
+                      <a:lnTo>
+                        <a:pt x="7144" y="7144"/>
+                      </a:lnTo>
+                    </a:path>
+                  </a:pathLst>
+                </a:custGeom>
+                <a:solidFill>
+                  <a:srgbClr val="953984"/>
+                </a:solidFill>
+                <a:ln w="9525" cap="flat">
+                  <a:noFill/>
+                  <a:prstDash val="solid"/>
+                  <a:miter/>
+                </a:ln>
+              </p:spPr>
+              <p:txBody>
+                <a:bodyPr rtlCol="0" anchor="ctr"/>
+                <a:lstStyle/>
+                <a:p>
+                  <a:endParaRPr lang="en-US"/>
+                </a:p>
+              </p:txBody>
+            </p:sp>
+            <p:sp>
+              <p:nvSpPr>
+                <p:cNvPr id="98" name="Freeform: Shape 97">
+                  <a:extLst>
+                    <a:ext uri="{FF2B5EF4-FFF2-40B4-BE49-F238E27FC236}">
+                      <a16:creationId xmlns:a16="http://schemas.microsoft.com/office/drawing/2014/main" id="{EAF10C70-0E01-4FDA-8502-267D38C865DB}"/>
+                    </a:ext>
+                  </a:extLst>
+                </p:cNvPr>
+                <p:cNvSpPr/>
+                <p:nvPr/>
+              </p:nvSpPr>
+              <p:spPr>
+                <a:xfrm>
+                  <a:off x="4344152" y="3730409"/>
+                  <a:ext cx="133350" cy="209550"/>
+                </a:xfrm>
+                <a:custGeom>
+                  <a:avLst/>
+                  <a:gdLst>
+                    <a:gd name="connsiteX0" fmla="*/ 134693 w 133350"/>
+                    <a:gd name="connsiteY0" fmla="*/ 211579 h 209550"/>
+                    <a:gd name="connsiteX1" fmla="*/ 131712 w 133350"/>
+                    <a:gd name="connsiteY1" fmla="*/ 84753 h 209550"/>
+                    <a:gd name="connsiteX2" fmla="*/ 12211 w 133350"/>
+                    <a:gd name="connsiteY2" fmla="*/ 10706 h 209550"/>
+                    <a:gd name="connsiteX3" fmla="*/ 7144 w 133350"/>
+                    <a:gd name="connsiteY3" fmla="*/ 7144 h 209550"/>
+                    <a:gd name="connsiteX4" fmla="*/ 10163 w 133350"/>
+                    <a:gd name="connsiteY4" fmla="*/ 134398 h 209550"/>
+                    <a:gd name="connsiteX5" fmla="*/ 134693 w 133350"/>
+                    <a:gd name="connsiteY5" fmla="*/ 211579 h 209550"/>
+                  </a:gdLst>
+                  <a:ahLst/>
+                  <a:cxnLst>
+                    <a:cxn ang="0">
+                      <a:pos x="connsiteX0" y="connsiteY0"/>
+                    </a:cxn>
+                    <a:cxn ang="0">
+                      <a:pos x="connsiteX1" y="connsiteY1"/>
+                    </a:cxn>
+                    <a:cxn ang="0">
+                      <a:pos x="connsiteX2" y="connsiteY2"/>
+                    </a:cxn>
+                    <a:cxn ang="0">
+                      <a:pos x="connsiteX3" y="connsiteY3"/>
+                    </a:cxn>
+                    <a:cxn ang="0">
+                      <a:pos x="connsiteX4" y="connsiteY4"/>
+                    </a:cxn>
+                    <a:cxn ang="0">
+                      <a:pos x="connsiteX5" y="connsiteY5"/>
+                    </a:cxn>
+                  </a:cxnLst>
+                  <a:rect l="l" t="t" r="r" b="b"/>
+                  <a:pathLst>
+                    <a:path w="133350" h="209550">
+                      <a:moveTo>
+                        <a:pt x="134693" y="211579"/>
+                      </a:moveTo>
+                      <a:lnTo>
+                        <a:pt x="131712" y="84753"/>
+                      </a:lnTo>
+                      <a:lnTo>
+                        <a:pt x="12211" y="10706"/>
+                      </a:lnTo>
+                      <a:cubicBezTo>
+                        <a:pt x="10439" y="9601"/>
+                        <a:pt x="8868" y="8306"/>
+                        <a:pt x="7144" y="7144"/>
+                      </a:cubicBezTo>
+                      <a:lnTo>
+                        <a:pt x="10163" y="134398"/>
+                      </a:lnTo>
+                      <a:lnTo>
+                        <a:pt x="134693" y="211579"/>
+                      </a:lnTo>
+                    </a:path>
+                  </a:pathLst>
+                </a:custGeom>
+                <a:solidFill>
+                  <a:srgbClr val="953984"/>
+                </a:solidFill>
+                <a:ln w="9525" cap="flat">
+                  <a:noFill/>
+                  <a:prstDash val="solid"/>
+                  <a:miter/>
+                </a:ln>
+              </p:spPr>
+              <p:txBody>
+                <a:bodyPr rtlCol="0" anchor="ctr"/>
+                <a:lstStyle/>
+                <a:p>
+                  <a:endParaRPr lang="en-US"/>
+                </a:p>
+              </p:txBody>
+            </p:sp>
+            <p:sp>
+              <p:nvSpPr>
+                <p:cNvPr id="99" name="Freeform: Shape 98">
+                  <a:extLst>
+                    <a:ext uri="{FF2B5EF4-FFF2-40B4-BE49-F238E27FC236}">
+                      <a16:creationId xmlns:a16="http://schemas.microsoft.com/office/drawing/2014/main" id="{A1DC7204-0C95-4534-B2C2-93ADB5701401}"/>
+                    </a:ext>
+                  </a:extLst>
+                </p:cNvPr>
+                <p:cNvSpPr/>
+                <p:nvPr/>
+              </p:nvSpPr>
+              <p:spPr>
+                <a:xfrm>
+                  <a:off x="3602827" y="3392795"/>
+                  <a:ext cx="714375" cy="847725"/>
+                </a:xfrm>
+                <a:custGeom>
+                  <a:avLst/>
+                  <a:gdLst>
+                    <a:gd name="connsiteX0" fmla="*/ 450251 w 714375"/>
+                    <a:gd name="connsiteY0" fmla="*/ 719947 h 847725"/>
+                    <a:gd name="connsiteX1" fmla="*/ 138478 w 714375"/>
+                    <a:gd name="connsiteY1" fmla="*/ 526761 h 847725"/>
+                    <a:gd name="connsiteX2" fmla="*/ 130896 w 714375"/>
+                    <a:gd name="connsiteY2" fmla="*/ 202549 h 847725"/>
+                    <a:gd name="connsiteX3" fmla="*/ 283744 w 714375"/>
+                    <a:gd name="connsiteY3" fmla="*/ 136636 h 847725"/>
+                    <a:gd name="connsiteX4" fmla="*/ 280677 w 714375"/>
+                    <a:gd name="connsiteY4" fmla="*/ 7144 h 847725"/>
+                    <a:gd name="connsiteX5" fmla="*/ 36742 w 714375"/>
+                    <a:gd name="connsiteY5" fmla="*/ 112309 h 847725"/>
+                    <a:gd name="connsiteX6" fmla="*/ 7157 w 714375"/>
+                    <a:gd name="connsiteY6" fmla="*/ 157763 h 847725"/>
+                    <a:gd name="connsiteX7" fmla="*/ 16311 w 714375"/>
+                    <a:gd name="connsiteY7" fmla="*/ 546716 h 847725"/>
+                    <a:gd name="connsiteX8" fmla="*/ 48229 w 714375"/>
+                    <a:gd name="connsiteY8" fmla="*/ 598465 h 847725"/>
+                    <a:gd name="connsiteX9" fmla="*/ 422123 w 714375"/>
+                    <a:gd name="connsiteY9" fmla="*/ 830170 h 847725"/>
+                    <a:gd name="connsiteX10" fmla="*/ 478273 w 714375"/>
+                    <a:gd name="connsiteY10" fmla="*/ 838295 h 847725"/>
+                    <a:gd name="connsiteX11" fmla="*/ 483560 w 714375"/>
+                    <a:gd name="connsiteY11" fmla="*/ 836362 h 847725"/>
+                    <a:gd name="connsiteX12" fmla="*/ 712998 w 714375"/>
+                    <a:gd name="connsiteY12" fmla="*/ 737454 h 847725"/>
+                    <a:gd name="connsiteX13" fmla="*/ 588554 w 714375"/>
+                    <a:gd name="connsiteY13" fmla="*/ 660302 h 847725"/>
+                    <a:gd name="connsiteX14" fmla="*/ 450251 w 714375"/>
+                    <a:gd name="connsiteY14" fmla="*/ 719947 h 847725"/>
+                  </a:gdLst>
+                  <a:ahLst/>
+                  <a:cxnLst>
+                    <a:cxn ang="0">
+                      <a:pos x="connsiteX0" y="connsiteY0"/>
+                    </a:cxn>
+                    <a:cxn ang="0">
+                      <a:pos x="connsiteX1" y="connsiteY1"/>
+                    </a:cxn>
+                    <a:cxn ang="0">
+                      <a:pos x="connsiteX2" y="connsiteY2"/>
+                    </a:cxn>
+                    <a:cxn ang="0">
+                      <a:pos x="connsiteX3" y="connsiteY3"/>
+                    </a:cxn>
+                    <a:cxn ang="0">
+                      <a:pos x="connsiteX4" y="connsiteY4"/>
+                    </a:cxn>
+                    <a:cxn ang="0">
+                      <a:pos x="connsiteX5" y="connsiteY5"/>
+                    </a:cxn>
+                    <a:cxn ang="0">
+                      <a:pos x="connsiteX6" y="connsiteY6"/>
+                    </a:cxn>
+                    <a:cxn ang="0">
+                      <a:pos x="connsiteX7" y="connsiteY7"/>
+                    </a:cxn>
+                    <a:cxn ang="0">
+                      <a:pos x="connsiteX8" y="connsiteY8"/>
+                    </a:cxn>
+                    <a:cxn ang="0">
+                      <a:pos x="connsiteX9" y="connsiteY9"/>
+                    </a:cxn>
+                    <a:cxn ang="0">
+                      <a:pos x="connsiteX10" y="connsiteY10"/>
+                    </a:cxn>
+                    <a:cxn ang="0">
+                      <a:pos x="connsiteX11" y="connsiteY11"/>
+                    </a:cxn>
+                    <a:cxn ang="0">
+                      <a:pos x="connsiteX12" y="connsiteY12"/>
+                    </a:cxn>
+                    <a:cxn ang="0">
+                      <a:pos x="connsiteX13" y="connsiteY13"/>
+                    </a:cxn>
+                    <a:cxn ang="0">
+                      <a:pos x="connsiteX14" y="connsiteY14"/>
+                    </a:cxn>
+                  </a:cxnLst>
+                  <a:rect l="l" t="t" r="r" b="b"/>
+                  <a:pathLst>
+                    <a:path w="714375" h="847725">
+                      <a:moveTo>
+                        <a:pt x="450251" y="719947"/>
+                      </a:moveTo>
+                      <a:lnTo>
+                        <a:pt x="138478" y="526761"/>
+                      </a:lnTo>
+                      <a:lnTo>
+                        <a:pt x="130896" y="202549"/>
+                      </a:lnTo>
+                      <a:lnTo>
+                        <a:pt x="283744" y="136636"/>
+                      </a:lnTo>
+                      <a:lnTo>
+                        <a:pt x="280677" y="7144"/>
+                      </a:lnTo>
+                      <a:lnTo>
+                        <a:pt x="36742" y="112309"/>
+                      </a:lnTo>
+                      <a:cubicBezTo>
+                        <a:pt x="17978" y="120472"/>
+                        <a:pt x="6700" y="137684"/>
+                        <a:pt x="7157" y="157763"/>
+                      </a:cubicBezTo>
+                      <a:lnTo>
+                        <a:pt x="16311" y="546716"/>
+                      </a:lnTo>
+                      <a:cubicBezTo>
+                        <a:pt x="16768" y="566785"/>
+                        <a:pt x="28960" y="586435"/>
+                        <a:pt x="48229" y="598465"/>
+                      </a:cubicBezTo>
+                      <a:lnTo>
+                        <a:pt x="422123" y="830170"/>
+                      </a:lnTo>
+                      <a:cubicBezTo>
+                        <a:pt x="439545" y="840943"/>
+                        <a:pt x="460557" y="843896"/>
+                        <a:pt x="478273" y="838295"/>
+                      </a:cubicBezTo>
+                      <a:cubicBezTo>
+                        <a:pt x="480150" y="837705"/>
+                        <a:pt x="481855" y="837028"/>
+                        <a:pt x="483560" y="836362"/>
+                      </a:cubicBezTo>
+                      <a:lnTo>
+                        <a:pt x="712998" y="737454"/>
+                      </a:lnTo>
+                      <a:lnTo>
+                        <a:pt x="588554" y="660302"/>
+                      </a:lnTo>
+                      <a:lnTo>
+                        <a:pt x="450251" y="719947"/>
+                      </a:lnTo>
+                    </a:path>
+                  </a:pathLst>
+                </a:custGeom>
+                <a:solidFill>
+                  <a:srgbClr val="953984"/>
+                </a:solidFill>
+                <a:ln w="9525" cap="flat">
+                  <a:noFill/>
+                  <a:prstDash val="solid"/>
+                  <a:miter/>
+                </a:ln>
+              </p:spPr>
+              <p:txBody>
+                <a:bodyPr rtlCol="0" anchor="ctr"/>
+                <a:lstStyle/>
+                <a:p>
+                  <a:endParaRPr lang="en-US"/>
+                </a:p>
+              </p:txBody>
+            </p:sp>
+            <p:sp>
+              <p:nvSpPr>
+                <p:cNvPr id="100" name="Freeform: Shape 99">
+                  <a:extLst>
+                    <a:ext uri="{FF2B5EF4-FFF2-40B4-BE49-F238E27FC236}">
+                      <a16:creationId xmlns:a16="http://schemas.microsoft.com/office/drawing/2014/main" id="{A73A1038-9676-4155-9F6A-2855C5CA194D}"/>
+                    </a:ext>
+                  </a:extLst>
+                </p:cNvPr>
+                <p:cNvSpPr/>
+                <p:nvPr/>
+              </p:nvSpPr>
+              <p:spPr>
+                <a:xfrm>
+                  <a:off x="4548140" y="3047590"/>
+                  <a:ext cx="523875" cy="819150"/>
+                </a:xfrm>
+                <a:custGeom>
+                  <a:avLst/>
+                  <a:gdLst>
+                    <a:gd name="connsiteX0" fmla="*/ 512331 w 523875"/>
+                    <a:gd name="connsiteY0" fmla="*/ 348786 h 819150"/>
+                    <a:gd name="connsiteX1" fmla="*/ 475097 w 523875"/>
+                    <a:gd name="connsiteY1" fmla="*/ 288484 h 819150"/>
+                    <a:gd name="connsiteX2" fmla="*/ 21155 w 523875"/>
+                    <a:gd name="connsiteY2" fmla="*/ 7144 h 819150"/>
+                    <a:gd name="connsiteX3" fmla="*/ 7144 w 523875"/>
+                    <a:gd name="connsiteY3" fmla="*/ 13192 h 819150"/>
+                    <a:gd name="connsiteX4" fmla="*/ 10354 w 523875"/>
+                    <a:gd name="connsiteY4" fmla="*/ 149323 h 819150"/>
+                    <a:gd name="connsiteX5" fmla="*/ 369808 w 523875"/>
+                    <a:gd name="connsiteY5" fmla="*/ 372018 h 819150"/>
+                    <a:gd name="connsiteX6" fmla="*/ 378400 w 523875"/>
+                    <a:gd name="connsiteY6" fmla="*/ 736254 h 819150"/>
+                    <a:gd name="connsiteX7" fmla="*/ 515874 w 523875"/>
+                    <a:gd name="connsiteY7" fmla="*/ 821446 h 819150"/>
+                    <a:gd name="connsiteX8" fmla="*/ 523370 w 523875"/>
+                    <a:gd name="connsiteY8" fmla="*/ 818207 h 819150"/>
+                    <a:gd name="connsiteX9" fmla="*/ 512331 w 523875"/>
+                    <a:gd name="connsiteY9" fmla="*/ 348786 h 819150"/>
+                  </a:gdLst>
+                  <a:ahLst/>
+                  <a:cxnLst>
+                    <a:cxn ang="0">
+                      <a:pos x="connsiteX0" y="connsiteY0"/>
+                    </a:cxn>
+                    <a:cxn ang="0">
+                      <a:pos x="connsiteX1" y="connsiteY1"/>
+                    </a:cxn>
+                    <a:cxn ang="0">
+                      <a:pos x="connsiteX2" y="connsiteY2"/>
+                    </a:cxn>
+                    <a:cxn ang="0">
+                      <a:pos x="connsiteX3" y="connsiteY3"/>
+                    </a:cxn>
+                    <a:cxn ang="0">
+                      <a:pos x="connsiteX4" y="connsiteY4"/>
+                    </a:cxn>
+                    <a:cxn ang="0">
+                      <a:pos x="connsiteX5" y="connsiteY5"/>
+                    </a:cxn>
+                    <a:cxn ang="0">
+                      <a:pos x="connsiteX6" y="connsiteY6"/>
+                    </a:cxn>
+                    <a:cxn ang="0">
+                      <a:pos x="connsiteX7" y="connsiteY7"/>
+                    </a:cxn>
+                    <a:cxn ang="0">
+                      <a:pos x="connsiteX8" y="connsiteY8"/>
+                    </a:cxn>
+                    <a:cxn ang="0">
+                      <a:pos x="connsiteX9" y="connsiteY9"/>
+                    </a:cxn>
+                  </a:cxnLst>
+                  <a:rect l="l" t="t" r="r" b="b"/>
+                  <a:pathLst>
+                    <a:path w="523875" h="819150">
+                      <a:moveTo>
+                        <a:pt x="512331" y="348786"/>
+                      </a:moveTo>
+                      <a:cubicBezTo>
+                        <a:pt x="511759" y="325469"/>
+                        <a:pt x="497595" y="302371"/>
+                        <a:pt x="475097" y="288484"/>
+                      </a:cubicBezTo>
+                      <a:lnTo>
+                        <a:pt x="21155" y="7144"/>
+                      </a:lnTo>
+                      <a:lnTo>
+                        <a:pt x="7144" y="13192"/>
+                      </a:lnTo>
+                      <a:lnTo>
+                        <a:pt x="10354" y="149323"/>
+                      </a:lnTo>
+                      <a:lnTo>
+                        <a:pt x="369808" y="372018"/>
+                      </a:lnTo>
+                      <a:lnTo>
+                        <a:pt x="378400" y="736254"/>
+                      </a:lnTo>
+                      <a:lnTo>
+                        <a:pt x="515874" y="821446"/>
+                      </a:lnTo>
+                      <a:lnTo>
+                        <a:pt x="523370" y="818207"/>
+                      </a:lnTo>
+                      <a:lnTo>
+                        <a:pt x="512331" y="348786"/>
+                      </a:lnTo>
+                    </a:path>
+                  </a:pathLst>
+                </a:custGeom>
+                <a:solidFill>
+                  <a:srgbClr val="AC6199"/>
+                </a:solidFill>
+                <a:ln w="9525" cap="flat">
+                  <a:noFill/>
+                  <a:prstDash val="solid"/>
+                  <a:miter/>
+                </a:ln>
+              </p:spPr>
+              <p:txBody>
+                <a:bodyPr rtlCol="0" anchor="ctr"/>
+                <a:lstStyle/>
+                <a:p>
+                  <a:endParaRPr lang="en-US"/>
+                </a:p>
+              </p:txBody>
+            </p:sp>
+            <p:sp>
+              <p:nvSpPr>
+                <p:cNvPr id="101" name="Freeform: Shape 100">
+                  <a:extLst>
+                    <a:ext uri="{FF2B5EF4-FFF2-40B4-BE49-F238E27FC236}">
+                      <a16:creationId xmlns:a16="http://schemas.microsoft.com/office/drawing/2014/main" id="{ED8A78A6-6A59-45B0-BF28-836B86842B69}"/>
+                    </a:ext>
+                  </a:extLst>
+                </p:cNvPr>
+                <p:cNvSpPr/>
+                <p:nvPr/>
+              </p:nvSpPr>
+              <p:spPr>
+                <a:xfrm>
+                  <a:off x="3933302" y="3094634"/>
+                  <a:ext cx="914400" cy="1085850"/>
+                </a:xfrm>
+                <a:custGeom>
+                  <a:avLst/>
+                  <a:gdLst>
+                    <a:gd name="connsiteX0" fmla="*/ 583510 w 914400"/>
+                    <a:gd name="connsiteY0" fmla="*/ 941099 h 1085850"/>
+                    <a:gd name="connsiteX1" fmla="*/ 161781 w 914400"/>
+                    <a:gd name="connsiteY1" fmla="*/ 679733 h 1085850"/>
+                    <a:gd name="connsiteX2" fmla="*/ 151418 w 914400"/>
+                    <a:gd name="connsiteY2" fmla="*/ 241011 h 1085850"/>
+                    <a:gd name="connsiteX3" fmla="*/ 343556 w 914400"/>
+                    <a:gd name="connsiteY3" fmla="*/ 158248 h 1085850"/>
+                    <a:gd name="connsiteX4" fmla="*/ 339994 w 914400"/>
+                    <a:gd name="connsiteY4" fmla="*/ 7144 h 1085850"/>
+                    <a:gd name="connsiteX5" fmla="*/ 41661 w 914400"/>
+                    <a:gd name="connsiteY5" fmla="*/ 135750 h 1085850"/>
+                    <a:gd name="connsiteX6" fmla="*/ 7162 w 914400"/>
+                    <a:gd name="connsiteY6" fmla="*/ 188786 h 1085850"/>
+                    <a:gd name="connsiteX7" fmla="*/ 19306 w 914400"/>
+                    <a:gd name="connsiteY7" fmla="*/ 703088 h 1085850"/>
+                    <a:gd name="connsiteX8" fmla="*/ 56492 w 914400"/>
+                    <a:gd name="connsiteY8" fmla="*/ 763276 h 1085850"/>
+                    <a:gd name="connsiteX9" fmla="*/ 550801 w 914400"/>
+                    <a:gd name="connsiteY9" fmla="*/ 1069705 h 1085850"/>
+                    <a:gd name="connsiteX10" fmla="*/ 616314 w 914400"/>
+                    <a:gd name="connsiteY10" fmla="*/ 1079202 h 1085850"/>
+                    <a:gd name="connsiteX11" fmla="*/ 622477 w 914400"/>
+                    <a:gd name="connsiteY11" fmla="*/ 1076858 h 1085850"/>
+                    <a:gd name="connsiteX12" fmla="*/ 914475 w 914400"/>
+                    <a:gd name="connsiteY12" fmla="*/ 950986 h 1085850"/>
+                    <a:gd name="connsiteX13" fmla="*/ 769276 w 914400"/>
+                    <a:gd name="connsiteY13" fmla="*/ 861012 h 1085850"/>
+                    <a:gd name="connsiteX14" fmla="*/ 583510 w 914400"/>
+                    <a:gd name="connsiteY14" fmla="*/ 941099 h 1085850"/>
+                  </a:gdLst>
+                  <a:ahLst/>
+                  <a:cxnLst>
+                    <a:cxn ang="0">
+                      <a:pos x="connsiteX0" y="connsiteY0"/>
+                    </a:cxn>
+                    <a:cxn ang="0">
+                      <a:pos x="connsiteX1" y="connsiteY1"/>
+                    </a:cxn>
+                    <a:cxn ang="0">
+                      <a:pos x="connsiteX2" y="connsiteY2"/>
+                    </a:cxn>
+                    <a:cxn ang="0">
+                      <a:pos x="connsiteX3" y="connsiteY3"/>
+                    </a:cxn>
+                    <a:cxn ang="0">
+                      <a:pos x="connsiteX4" y="connsiteY4"/>
+                    </a:cxn>
+                    <a:cxn ang="0">
+                      <a:pos x="connsiteX5" y="connsiteY5"/>
+                    </a:cxn>
+                    <a:cxn ang="0">
+                      <a:pos x="connsiteX6" y="connsiteY6"/>
+                    </a:cxn>
+                    <a:cxn ang="0">
+                      <a:pos x="connsiteX7" y="connsiteY7"/>
+                    </a:cxn>
+                    <a:cxn ang="0">
+                      <a:pos x="connsiteX8" y="connsiteY8"/>
+                    </a:cxn>
+                    <a:cxn ang="0">
+                      <a:pos x="connsiteX9" y="connsiteY9"/>
+                    </a:cxn>
+                    <a:cxn ang="0">
+                      <a:pos x="connsiteX10" y="connsiteY10"/>
+                    </a:cxn>
+                    <a:cxn ang="0">
+                      <a:pos x="connsiteX11" y="connsiteY11"/>
+                    </a:cxn>
+                    <a:cxn ang="0">
+                      <a:pos x="connsiteX12" y="connsiteY12"/>
+                    </a:cxn>
+                    <a:cxn ang="0">
+                      <a:pos x="connsiteX13" y="connsiteY13"/>
+                    </a:cxn>
+                    <a:cxn ang="0">
+                      <a:pos x="connsiteX14" y="connsiteY14"/>
+                    </a:cxn>
+                  </a:cxnLst>
+                  <a:rect l="l" t="t" r="r" b="b"/>
+                  <a:pathLst>
+                    <a:path w="914400" h="1085850">
+                      <a:moveTo>
+                        <a:pt x="583510" y="941099"/>
+                      </a:moveTo>
+                      <a:lnTo>
+                        <a:pt x="161781" y="679733"/>
+                      </a:lnTo>
+                      <a:lnTo>
+                        <a:pt x="151418" y="241011"/>
+                      </a:lnTo>
+                      <a:lnTo>
+                        <a:pt x="343556" y="158248"/>
+                      </a:lnTo>
+                      <a:lnTo>
+                        <a:pt x="339994" y="7144"/>
+                      </a:lnTo>
+                      <a:lnTo>
+                        <a:pt x="41661" y="135750"/>
+                      </a:lnTo>
+                      <a:cubicBezTo>
+                        <a:pt x="19782" y="145285"/>
+                        <a:pt x="6590" y="165478"/>
+                        <a:pt x="7162" y="188786"/>
+                      </a:cubicBezTo>
+                      <a:lnTo>
+                        <a:pt x="19306" y="703088"/>
+                      </a:lnTo>
+                      <a:cubicBezTo>
+                        <a:pt x="19763" y="726443"/>
+                        <a:pt x="33994" y="749379"/>
+                        <a:pt x="56492" y="763276"/>
+                      </a:cubicBezTo>
+                      <a:lnTo>
+                        <a:pt x="550801" y="1069705"/>
+                      </a:lnTo>
+                      <a:cubicBezTo>
+                        <a:pt x="571165" y="1082307"/>
+                        <a:pt x="595664" y="1085726"/>
+                        <a:pt x="616314" y="1079202"/>
+                      </a:cubicBezTo>
+                      <a:cubicBezTo>
+                        <a:pt x="618429" y="1078535"/>
+                        <a:pt x="620486" y="1077754"/>
+                        <a:pt x="622477" y="1076858"/>
+                      </a:cubicBezTo>
+                      <a:lnTo>
+                        <a:pt x="914475" y="950986"/>
+                      </a:lnTo>
+                      <a:lnTo>
+                        <a:pt x="769276" y="861012"/>
+                      </a:lnTo>
+                      <a:lnTo>
+                        <a:pt x="583510" y="941099"/>
+                      </a:lnTo>
+                    </a:path>
+                  </a:pathLst>
+                </a:custGeom>
+                <a:solidFill>
+                  <a:srgbClr val="AC6199"/>
+                </a:solidFill>
+                <a:ln w="9525" cap="flat">
+                  <a:noFill/>
+                  <a:prstDash val="solid"/>
+                  <a:miter/>
+                </a:ln>
+              </p:spPr>
+              <p:txBody>
+                <a:bodyPr rtlCol="0" anchor="ctr"/>
+                <a:lstStyle/>
+                <a:p>
+                  <a:endParaRPr lang="en-US"/>
+                </a:p>
+              </p:txBody>
+            </p:sp>
+            <p:sp>
+              <p:nvSpPr>
+                <p:cNvPr id="102" name="Freeform: Shape 101">
+                  <a:extLst>
+                    <a:ext uri="{FF2B5EF4-FFF2-40B4-BE49-F238E27FC236}">
+                      <a16:creationId xmlns:a16="http://schemas.microsoft.com/office/drawing/2014/main" id="{0835C236-4EBB-4AA6-8E31-E0C044A6DF77}"/>
+                    </a:ext>
+                  </a:extLst>
+                </p:cNvPr>
+                <p:cNvSpPr/>
+                <p:nvPr/>
+              </p:nvSpPr>
+              <p:spPr>
+                <a:xfrm>
+                  <a:off x="4322550" y="2621600"/>
+                  <a:ext cx="1438275" cy="1476375"/>
+                </a:xfrm>
+                <a:custGeom>
+                  <a:avLst/>
+                  <a:gdLst>
+                    <a:gd name="connsiteX0" fmla="*/ 736492 w 1438275"/>
+                    <a:gd name="connsiteY0" fmla="*/ 1314587 h 1476375"/>
+                    <a:gd name="connsiteX1" fmla="*/ 185652 w 1438275"/>
+                    <a:gd name="connsiteY1" fmla="*/ 973239 h 1476375"/>
+                    <a:gd name="connsiteX2" fmla="*/ 172107 w 1438275"/>
+                    <a:gd name="connsiteY2" fmla="*/ 400310 h 1476375"/>
+                    <a:gd name="connsiteX3" fmla="*/ 709422 w 1438275"/>
+                    <a:gd name="connsiteY3" fmla="*/ 168729 h 1476375"/>
+                    <a:gd name="connsiteX4" fmla="*/ 1260205 w 1438275"/>
+                    <a:gd name="connsiteY4" fmla="*/ 509953 h 1476375"/>
+                    <a:gd name="connsiteX5" fmla="*/ 1273750 w 1438275"/>
+                    <a:gd name="connsiteY5" fmla="*/ 1082882 h 1476375"/>
+                    <a:gd name="connsiteX6" fmla="*/ 736492 w 1438275"/>
+                    <a:gd name="connsiteY6" fmla="*/ 1314587 h 1476375"/>
+                    <a:gd name="connsiteX7" fmla="*/ 1380639 w 1438275"/>
+                    <a:gd name="connsiteY7" fmla="*/ 414541 h 1476375"/>
+                    <a:gd name="connsiteX8" fmla="*/ 746836 w 1438275"/>
+                    <a:gd name="connsiteY8" fmla="*/ 21692 h 1476375"/>
+                    <a:gd name="connsiteX9" fmla="*/ 671741 w 1438275"/>
+                    <a:gd name="connsiteY9" fmla="*/ 10919 h 1476375"/>
+                    <a:gd name="connsiteX10" fmla="*/ 664845 w 1438275"/>
+                    <a:gd name="connsiteY10" fmla="*/ 13472 h 1476375"/>
+                    <a:gd name="connsiteX11" fmla="*/ 46634 w 1438275"/>
+                    <a:gd name="connsiteY11" fmla="*/ 280067 h 1476375"/>
+                    <a:gd name="connsiteX12" fmla="*/ 7163 w 1438275"/>
+                    <a:gd name="connsiteY12" fmla="*/ 340579 h 1476375"/>
+                    <a:gd name="connsiteX13" fmla="*/ 22707 w 1438275"/>
+                    <a:gd name="connsiteY13" fmla="*/ 999919 h 1476375"/>
+                    <a:gd name="connsiteX14" fmla="*/ 65275 w 1438275"/>
+                    <a:gd name="connsiteY14" fmla="*/ 1068775 h 1476375"/>
+                    <a:gd name="connsiteX15" fmla="*/ 699030 w 1438275"/>
+                    <a:gd name="connsiteY15" fmla="*/ 1461500 h 1476375"/>
+                    <a:gd name="connsiteX16" fmla="*/ 773906 w 1438275"/>
+                    <a:gd name="connsiteY16" fmla="*/ 1472368 h 1476375"/>
+                    <a:gd name="connsiteX17" fmla="*/ 781012 w 1438275"/>
+                    <a:gd name="connsiteY17" fmla="*/ 1469730 h 1476375"/>
+                    <a:gd name="connsiteX18" fmla="*/ 1399280 w 1438275"/>
+                    <a:gd name="connsiteY18" fmla="*/ 1203249 h 1476375"/>
+                    <a:gd name="connsiteX19" fmla="*/ 1438694 w 1438275"/>
+                    <a:gd name="connsiteY19" fmla="*/ 1142613 h 1476375"/>
+                    <a:gd name="connsiteX20" fmla="*/ 1423216 w 1438275"/>
+                    <a:gd name="connsiteY20" fmla="*/ 483397 h 1476375"/>
+                    <a:gd name="connsiteX21" fmla="*/ 1380639 w 1438275"/>
+                    <a:gd name="connsiteY21" fmla="*/ 414541 h 1476375"/>
+                    <a:gd name="connsiteX22" fmla="*/ 1380639 w 1438275"/>
+                    <a:gd name="connsiteY22" fmla="*/ 414541 h 1476375"/>
+                  </a:gdLst>
+                  <a:ahLst/>
+                  <a:cxnLst>
+                    <a:cxn ang="0">
+                      <a:pos x="connsiteX0" y="connsiteY0"/>
+                    </a:cxn>
+                    <a:cxn ang="0">
+                      <a:pos x="connsiteX1" y="connsiteY1"/>
+                    </a:cxn>
+                    <a:cxn ang="0">
+                      <a:pos x="connsiteX2" y="connsiteY2"/>
+                    </a:cxn>
+                    <a:cxn ang="0">
+                      <a:pos x="connsiteX3" y="connsiteY3"/>
+                    </a:cxn>
+                    <a:cxn ang="0">
+                      <a:pos x="connsiteX4" y="connsiteY4"/>
+                    </a:cxn>
+                    <a:cxn ang="0">
+                      <a:pos x="connsiteX5" y="connsiteY5"/>
+                    </a:cxn>
+                    <a:cxn ang="0">
+                      <a:pos x="connsiteX6" y="connsiteY6"/>
+                    </a:cxn>
+                    <a:cxn ang="0">
+                      <a:pos x="connsiteX7" y="connsiteY7"/>
+                    </a:cxn>
+                    <a:cxn ang="0">
+                      <a:pos x="connsiteX8" y="connsiteY8"/>
+                    </a:cxn>
+                    <a:cxn ang="0">
+                      <a:pos x="connsiteX9" y="connsiteY9"/>
+                    </a:cxn>
+                    <a:cxn ang="0">
+                      <a:pos x="connsiteX10" y="connsiteY10"/>
+                    </a:cxn>
+                    <a:cxn ang="0">
+                      <a:pos x="connsiteX11" y="connsiteY11"/>
+                    </a:cxn>
+                    <a:cxn ang="0">
+                      <a:pos x="connsiteX12" y="connsiteY12"/>
+                    </a:cxn>
+                    <a:cxn ang="0">
+                      <a:pos x="connsiteX13" y="connsiteY13"/>
+                    </a:cxn>
+                    <a:cxn ang="0">
+                      <a:pos x="connsiteX14" y="connsiteY14"/>
+                    </a:cxn>
+                    <a:cxn ang="0">
+                      <a:pos x="connsiteX15" y="connsiteY15"/>
+                    </a:cxn>
+                    <a:cxn ang="0">
+                      <a:pos x="connsiteX16" y="connsiteY16"/>
+                    </a:cxn>
+                    <a:cxn ang="0">
+                      <a:pos x="connsiteX17" y="connsiteY17"/>
+                    </a:cxn>
+                    <a:cxn ang="0">
+                      <a:pos x="connsiteX18" y="connsiteY18"/>
+                    </a:cxn>
+                    <a:cxn ang="0">
+                      <a:pos x="connsiteX19" y="connsiteY19"/>
+                    </a:cxn>
+                    <a:cxn ang="0">
+                      <a:pos x="connsiteX20" y="connsiteY20"/>
+                    </a:cxn>
+                    <a:cxn ang="0">
+                      <a:pos x="connsiteX21" y="connsiteY21"/>
+                    </a:cxn>
+                    <a:cxn ang="0">
+                      <a:pos x="connsiteX22" y="connsiteY22"/>
+                    </a:cxn>
+                  </a:cxnLst>
+                  <a:rect l="l" t="t" r="r" b="b"/>
+                  <a:pathLst>
+                    <a:path w="1438275" h="1476375">
+                      <a:moveTo>
+                        <a:pt x="736492" y="1314587"/>
+                      </a:moveTo>
+                      <a:lnTo>
+                        <a:pt x="185652" y="973239"/>
+                      </a:lnTo>
+                      <a:lnTo>
+                        <a:pt x="172107" y="400310"/>
+                      </a:lnTo>
+                      <a:lnTo>
+                        <a:pt x="709422" y="168729"/>
+                      </a:lnTo>
+                      <a:lnTo>
+                        <a:pt x="1260205" y="509953"/>
+                      </a:lnTo>
+                      <a:lnTo>
+                        <a:pt x="1273750" y="1082882"/>
+                      </a:lnTo>
+                      <a:lnTo>
+                        <a:pt x="736492" y="1314587"/>
+                      </a:lnTo>
+                      <a:close/>
+                      <a:moveTo>
+                        <a:pt x="1380639" y="414541"/>
+                      </a:moveTo>
+                      <a:lnTo>
+                        <a:pt x="746836" y="21692"/>
+                      </a:lnTo>
+                      <a:cubicBezTo>
+                        <a:pt x="723452" y="7204"/>
+                        <a:pt x="695582" y="3385"/>
+                        <a:pt x="671741" y="10919"/>
+                      </a:cubicBezTo>
+                      <a:cubicBezTo>
+                        <a:pt x="669398" y="11662"/>
+                        <a:pt x="667102" y="12510"/>
+                        <a:pt x="664845" y="13472"/>
+                      </a:cubicBezTo>
+                      <a:lnTo>
+                        <a:pt x="46634" y="280067"/>
+                      </a:lnTo>
+                      <a:cubicBezTo>
+                        <a:pt x="21593" y="290868"/>
+                        <a:pt x="6534" y="313871"/>
+                        <a:pt x="7163" y="340579"/>
+                      </a:cubicBezTo>
+                      <a:lnTo>
+                        <a:pt x="22707" y="999919"/>
+                      </a:lnTo>
+                      <a:cubicBezTo>
+                        <a:pt x="23327" y="1026627"/>
+                        <a:pt x="39595" y="1052859"/>
+                        <a:pt x="65275" y="1068775"/>
+                      </a:cubicBezTo>
+                      <a:lnTo>
+                        <a:pt x="699030" y="1461500"/>
+                      </a:lnTo>
+                      <a:cubicBezTo>
+                        <a:pt x="722328" y="1475931"/>
+                        <a:pt x="750208" y="1479855"/>
+                        <a:pt x="773906" y="1472368"/>
+                      </a:cubicBezTo>
+                      <a:cubicBezTo>
+                        <a:pt x="776249" y="1471625"/>
+                        <a:pt x="778659" y="1470740"/>
+                        <a:pt x="781012" y="1469730"/>
+                      </a:cubicBezTo>
+                      <a:lnTo>
+                        <a:pt x="1399280" y="1203249"/>
+                      </a:lnTo>
+                      <a:cubicBezTo>
+                        <a:pt x="1424321" y="1192448"/>
+                        <a:pt x="1439323" y="1169330"/>
+                        <a:pt x="1438694" y="1142613"/>
+                      </a:cubicBezTo>
+                      <a:lnTo>
+                        <a:pt x="1423216" y="483397"/>
+                      </a:lnTo>
+                      <a:cubicBezTo>
+                        <a:pt x="1422587" y="456689"/>
+                        <a:pt x="1406319" y="430448"/>
+                        <a:pt x="1380639" y="414541"/>
+                      </a:cubicBezTo>
+                      <a:lnTo>
+                        <a:pt x="1380639" y="414541"/>
+                      </a:lnTo>
+                      <a:close/>
+                    </a:path>
+                  </a:pathLst>
+                </a:custGeom>
+                <a:solidFill>
+                  <a:srgbClr val="C04589"/>
+                </a:solidFill>
+                <a:ln w="9525" cap="flat">
+                  <a:noFill/>
+                  <a:prstDash val="solid"/>
+                  <a:miter/>
+                </a:ln>
+              </p:spPr>
+              <p:txBody>
+                <a:bodyPr rtlCol="0" anchor="ctr"/>
+                <a:lstStyle/>
+                <a:p>
+                  <a:endParaRPr lang="en-US"/>
+                </a:p>
+              </p:txBody>
+            </p:sp>
+          </p:grpSp>
+        </p:grpSp>
+      </p:grpSp>
+    </p:spTree>
+    <p:extLst>
+      <p:ext uri="{BB962C8B-B14F-4D97-AF65-F5344CB8AC3E}">
+        <p14:creationId xmlns:p14="http://schemas.microsoft.com/office/powerpoint/2010/main" val="812717444"/>
+      </p:ext>
+    </p:extLst>
+  </p:cSld>
+  <p:clrMapOvr>
+    <a:masterClrMapping/>
+  </p:clrMapOvr>
+</p:sld>
+</file>
+
+<file path=ppt/slides/slide7.xml><?xml version="1.0" encoding="utf-8"?>
+<p:sld xmlns:a="http://schemas.openxmlformats.org/drawingml/2006/main" xmlns:r="http://schemas.openxmlformats.org/officeDocument/2006/relationships" xmlns:p="http://schemas.openxmlformats.org/presentationml/2006/main">
+  <p:cSld>
+    <p:spTree>
+      <p:nvGrpSpPr>
+        <p:cNvPr id="1" name=""/>
+        <p:cNvGrpSpPr/>
+        <p:nvPr/>
+      </p:nvGrpSpPr>
+      <p:grpSpPr>
+        <a:xfrm>
+          <a:off x="0" y="0"/>
+          <a:ext cx="0" cy="0"/>
+          <a:chOff x="0" y="0"/>
+          <a:chExt cx="0" cy="0"/>
+        </a:xfrm>
+      </p:grpSpPr>
+      <p:sp>
+        <p:nvSpPr>
           <p:cNvPr id="2" name="Title 1">
             <a:extLst>
               <a:ext uri="{FF2B5EF4-FFF2-40B4-BE49-F238E27FC236}">
@@ -16299,7 +20664,7 @@
 </p:sld>
 </file>
 
-<file path=ppt/slides/slide7.xml><?xml version="1.0" encoding="utf-8"?>
+<file path=ppt/slides/slide8.xml><?xml version="1.0" encoding="utf-8"?>
 <p:sld xmlns:a="http://schemas.openxmlformats.org/drawingml/2006/main" xmlns:r="http://schemas.openxmlformats.org/officeDocument/2006/relationships" xmlns:p="http://schemas.openxmlformats.org/presentationml/2006/main">
   <p:cSld>
     <p:spTree>
@@ -17563,7 +21928,7 @@
 </p:sld>
 </file>
 
-<file path=ppt/slides/slide8.xml><?xml version="1.0" encoding="utf-8"?>
+<file path=ppt/slides/slide9.xml><?xml version="1.0" encoding="utf-8"?>
 <p:sld xmlns:a="http://schemas.openxmlformats.org/drawingml/2006/main" xmlns:r="http://schemas.openxmlformats.org/officeDocument/2006/relationships" xmlns:p="http://schemas.openxmlformats.org/presentationml/2006/main">
   <p:cSld>
     <p:spTree>
@@ -17679,502 +22044,6 @@
     <p:extLst>
       <p:ext uri="{BB962C8B-B14F-4D97-AF65-F5344CB8AC3E}">
         <p14:creationId xmlns:p14="http://schemas.microsoft.com/office/powerpoint/2010/main" val="2822595700"/>
-      </p:ext>
-    </p:extLst>
-  </p:cSld>
-  <p:clrMapOvr>
-    <a:masterClrMapping/>
-  </p:clrMapOvr>
-</p:sld>
-</file>
-
-<file path=ppt/slides/slide9.xml><?xml version="1.0" encoding="utf-8"?>
-<p:sld xmlns:a="http://schemas.openxmlformats.org/drawingml/2006/main" xmlns:r="http://schemas.openxmlformats.org/officeDocument/2006/relationships" xmlns:p="http://schemas.openxmlformats.org/presentationml/2006/main">
-  <p:cSld>
-    <p:spTree>
-      <p:nvGrpSpPr>
-        <p:cNvPr id="1" name=""/>
-        <p:cNvGrpSpPr/>
-        <p:nvPr/>
-      </p:nvGrpSpPr>
-      <p:grpSpPr>
-        <a:xfrm>
-          <a:off x="0" y="0"/>
-          <a:ext cx="0" cy="0"/>
-          <a:chOff x="0" y="0"/>
-          <a:chExt cx="0" cy="0"/>
-        </a:xfrm>
-      </p:grpSpPr>
-      <p:sp>
-        <p:nvSpPr>
-          <p:cNvPr id="3" name="Title 2">
-            <a:extLst>
-              <a:ext uri="{FF2B5EF4-FFF2-40B4-BE49-F238E27FC236}">
-                <a16:creationId xmlns:a16="http://schemas.microsoft.com/office/drawing/2014/main" id="{80F2C493-42F3-4142-80BB-153E7286291F}"/>
-              </a:ext>
-            </a:extLst>
-          </p:cNvPr>
-          <p:cNvSpPr>
-            <a:spLocks noGrp="1"/>
-          </p:cNvSpPr>
-          <p:nvPr>
-            <p:ph type="title"/>
-          </p:nvPr>
-        </p:nvSpPr>
-        <p:spPr/>
-        <p:txBody>
-          <a:bodyPr/>
-          <a:lstStyle/>
-          <a:p>
-            <a:r>
-              <a:rPr lang="en-US" dirty="0" err="1"/>
-              <a:t>kubectl</a:t>
-            </a:r>
-            <a:r>
-              <a:rPr lang="en-US" dirty="0"/>
-              <a:t> explain pod</a:t>
-            </a:r>
-          </a:p>
-        </p:txBody>
-      </p:sp>
-      <p:sp>
-        <p:nvSpPr>
-          <p:cNvPr id="7" name="Rectangle 6">
-            <a:extLst>
-              <a:ext uri="{FF2B5EF4-FFF2-40B4-BE49-F238E27FC236}">
-                <a16:creationId xmlns:a16="http://schemas.microsoft.com/office/drawing/2014/main" id="{0337A0A3-E55E-4366-89D8-55CF7D014A21}"/>
-              </a:ext>
-            </a:extLst>
-          </p:cNvPr>
-          <p:cNvSpPr/>
-          <p:nvPr/>
-        </p:nvSpPr>
-        <p:spPr>
-          <a:xfrm>
-            <a:off x="504001" y="998984"/>
-            <a:ext cx="10675276" cy="5509200"/>
-          </a:xfrm>
-          <a:prstGeom prst="rect">
-            <a:avLst/>
-          </a:prstGeom>
-        </p:spPr>
-        <p:txBody>
-          <a:bodyPr wrap="square">
-            <a:spAutoFit/>
-          </a:bodyPr>
-          <a:lstStyle/>
-          <a:p>
-            <a:r>
-              <a:rPr lang="en-US" sz="1200" b="1" dirty="0">
-                <a:latin typeface="Courier New" panose="02070309020205020404" pitchFamily="49" charset="0"/>
-                <a:cs typeface="Courier New" panose="02070309020205020404" pitchFamily="49" charset="0"/>
-              </a:rPr>
-              <a:t>$: </a:t>
-            </a:r>
-            <a:r>
-              <a:rPr lang="en-US" sz="1200" b="1" dirty="0" err="1">
-                <a:latin typeface="Courier New" panose="02070309020205020404" pitchFamily="49" charset="0"/>
-                <a:cs typeface="Courier New" panose="02070309020205020404" pitchFamily="49" charset="0"/>
-              </a:rPr>
-              <a:t>kubectl</a:t>
-            </a:r>
-            <a:r>
-              <a:rPr lang="en-US" sz="1200" b="1" dirty="0">
-                <a:latin typeface="Courier New" panose="02070309020205020404" pitchFamily="49" charset="0"/>
-                <a:cs typeface="Courier New" panose="02070309020205020404" pitchFamily="49" charset="0"/>
-              </a:rPr>
-              <a:t> explain pods</a:t>
-            </a:r>
-          </a:p>
-          <a:p>
-            <a:r>
-              <a:rPr lang="en-US" sz="1100" b="1" dirty="0">
-                <a:latin typeface="Courier New" panose="02070309020205020404" pitchFamily="49" charset="0"/>
-                <a:cs typeface="Courier New" panose="02070309020205020404" pitchFamily="49" charset="0"/>
-              </a:rPr>
-              <a:t>KIND</a:t>
-            </a:r>
-            <a:r>
-              <a:rPr lang="en-US" sz="1100" dirty="0">
-                <a:latin typeface="Courier New" panose="02070309020205020404" pitchFamily="49" charset="0"/>
-                <a:cs typeface="Courier New" panose="02070309020205020404" pitchFamily="49" charset="0"/>
-              </a:rPr>
-              <a:t>:	Pod</a:t>
-            </a:r>
-          </a:p>
-          <a:p>
-            <a:r>
-              <a:rPr lang="en-US" sz="1100" b="1" dirty="0">
-                <a:latin typeface="Courier New" panose="02070309020205020404" pitchFamily="49" charset="0"/>
-                <a:cs typeface="Courier New" panose="02070309020205020404" pitchFamily="49" charset="0"/>
-              </a:rPr>
-              <a:t>VERSION</a:t>
-            </a:r>
-            <a:r>
-              <a:rPr lang="en-US" sz="1100" dirty="0">
-                <a:latin typeface="Courier New" panose="02070309020205020404" pitchFamily="49" charset="0"/>
-                <a:cs typeface="Courier New" panose="02070309020205020404" pitchFamily="49" charset="0"/>
-              </a:rPr>
-              <a:t>: 	v1</a:t>
-            </a:r>
-          </a:p>
-          <a:p>
-            <a:r>
-              <a:rPr lang="en-US" sz="1100" b="1" dirty="0">
-                <a:latin typeface="Courier New" panose="02070309020205020404" pitchFamily="49" charset="0"/>
-                <a:cs typeface="Courier New" panose="02070309020205020404" pitchFamily="49" charset="0"/>
-              </a:rPr>
-              <a:t>DESCRIPTION</a:t>
-            </a:r>
-            <a:r>
-              <a:rPr lang="en-US" sz="1100" dirty="0">
-                <a:latin typeface="Courier New" panose="02070309020205020404" pitchFamily="49" charset="0"/>
-                <a:cs typeface="Courier New" panose="02070309020205020404" pitchFamily="49" charset="0"/>
-              </a:rPr>
-              <a:t>:</a:t>
-            </a:r>
-          </a:p>
-          <a:p>
-            <a:r>
-              <a:rPr lang="en-US" sz="1100" dirty="0">
-                <a:latin typeface="Courier New" panose="02070309020205020404" pitchFamily="49" charset="0"/>
-                <a:cs typeface="Courier New" panose="02070309020205020404" pitchFamily="49" charset="0"/>
-              </a:rPr>
-              <a:t>     Pod is a collection of containers that can run on a host. This resource is</a:t>
-            </a:r>
-          </a:p>
-          <a:p>
-            <a:r>
-              <a:rPr lang="en-US" sz="1100" dirty="0">
-                <a:latin typeface="Courier New" panose="02070309020205020404" pitchFamily="49" charset="0"/>
-                <a:cs typeface="Courier New" panose="02070309020205020404" pitchFamily="49" charset="0"/>
-              </a:rPr>
-              <a:t>     created by clients and scheduled onto hosts.</a:t>
-            </a:r>
-          </a:p>
-          <a:p>
-            <a:endParaRPr lang="en-US" sz="1100" dirty="0">
-              <a:latin typeface="Courier New" panose="02070309020205020404" pitchFamily="49" charset="0"/>
-              <a:cs typeface="Courier New" panose="02070309020205020404" pitchFamily="49" charset="0"/>
-            </a:endParaRPr>
-          </a:p>
-          <a:p>
-            <a:r>
-              <a:rPr lang="en-US" sz="1100" b="1" dirty="0">
-                <a:latin typeface="Courier New" panose="02070309020205020404" pitchFamily="49" charset="0"/>
-                <a:cs typeface="Courier New" panose="02070309020205020404" pitchFamily="49" charset="0"/>
-              </a:rPr>
-              <a:t>FIELDS</a:t>
-            </a:r>
-            <a:r>
-              <a:rPr lang="en-US" sz="1100" dirty="0">
-                <a:latin typeface="Courier New" panose="02070309020205020404" pitchFamily="49" charset="0"/>
-                <a:cs typeface="Courier New" panose="02070309020205020404" pitchFamily="49" charset="0"/>
-              </a:rPr>
-              <a:t>:</a:t>
-            </a:r>
-          </a:p>
-          <a:p>
-            <a:r>
-              <a:rPr lang="en-US" sz="1100" dirty="0">
-                <a:latin typeface="Courier New" panose="02070309020205020404" pitchFamily="49" charset="0"/>
-                <a:cs typeface="Courier New" panose="02070309020205020404" pitchFamily="49" charset="0"/>
-              </a:rPr>
-              <a:t>   </a:t>
-            </a:r>
-            <a:r>
-              <a:rPr lang="en-US" sz="1100" b="1" dirty="0" err="1">
-                <a:latin typeface="Courier New" panose="02070309020205020404" pitchFamily="49" charset="0"/>
-                <a:cs typeface="Courier New" panose="02070309020205020404" pitchFamily="49" charset="0"/>
-              </a:rPr>
-              <a:t>apiVersion</a:t>
-            </a:r>
-            <a:r>
-              <a:rPr lang="en-US" sz="1100" b="1" dirty="0">
-                <a:latin typeface="Courier New" panose="02070309020205020404" pitchFamily="49" charset="0"/>
-                <a:cs typeface="Courier New" panose="02070309020205020404" pitchFamily="49" charset="0"/>
-              </a:rPr>
-              <a:t> </a:t>
-            </a:r>
-            <a:r>
-              <a:rPr lang="en-US" sz="1100" dirty="0">
-                <a:latin typeface="Courier New" panose="02070309020205020404" pitchFamily="49" charset="0"/>
-                <a:cs typeface="Courier New" panose="02070309020205020404" pitchFamily="49" charset="0"/>
-              </a:rPr>
-              <a:t>&lt;string&gt;</a:t>
-            </a:r>
-          </a:p>
-          <a:p>
-            <a:r>
-              <a:rPr lang="en-US" sz="1100" dirty="0">
-                <a:latin typeface="Courier New" panose="02070309020205020404" pitchFamily="49" charset="0"/>
-                <a:cs typeface="Courier New" panose="02070309020205020404" pitchFamily="49" charset="0"/>
-              </a:rPr>
-              <a:t>     </a:t>
-            </a:r>
-            <a:r>
-              <a:rPr lang="en-US" sz="1100" dirty="0" err="1">
-                <a:latin typeface="Courier New" panose="02070309020205020404" pitchFamily="49" charset="0"/>
-                <a:cs typeface="Courier New" panose="02070309020205020404" pitchFamily="49" charset="0"/>
-              </a:rPr>
-              <a:t>APIVersion</a:t>
-            </a:r>
-            <a:r>
-              <a:rPr lang="en-US" sz="1100" dirty="0">
-                <a:latin typeface="Courier New" panose="02070309020205020404" pitchFamily="49" charset="0"/>
-                <a:cs typeface="Courier New" panose="02070309020205020404" pitchFamily="49" charset="0"/>
-              </a:rPr>
-              <a:t> defines the versioned schema of this representation of an</a:t>
-            </a:r>
-          </a:p>
-          <a:p>
-            <a:r>
-              <a:rPr lang="en-US" sz="1100" dirty="0">
-                <a:latin typeface="Courier New" panose="02070309020205020404" pitchFamily="49" charset="0"/>
-                <a:cs typeface="Courier New" panose="02070309020205020404" pitchFamily="49" charset="0"/>
-              </a:rPr>
-              <a:t>     object. Servers should convert recognized schemas to the latest internal</a:t>
-            </a:r>
-          </a:p>
-          <a:p>
-            <a:r>
-              <a:rPr lang="en-US" sz="1100" dirty="0">
-                <a:latin typeface="Courier New" panose="02070309020205020404" pitchFamily="49" charset="0"/>
-                <a:cs typeface="Courier New" panose="02070309020205020404" pitchFamily="49" charset="0"/>
-              </a:rPr>
-              <a:t>     value, and may reject unrecognized values. More info:</a:t>
-            </a:r>
-          </a:p>
-          <a:p>
-            <a:r>
-              <a:rPr lang="en-US" sz="1100" dirty="0">
-                <a:latin typeface="Courier New" panose="02070309020205020404" pitchFamily="49" charset="0"/>
-                <a:cs typeface="Courier New" panose="02070309020205020404" pitchFamily="49" charset="0"/>
-              </a:rPr>
-              <a:t>     https://git.k8s.io/community/contributors/devel/api-conventions.md#resources</a:t>
-            </a:r>
-          </a:p>
-          <a:p>
-            <a:endParaRPr lang="en-US" sz="1100" dirty="0">
-              <a:latin typeface="Courier New" panose="02070309020205020404" pitchFamily="49" charset="0"/>
-              <a:cs typeface="Courier New" panose="02070309020205020404" pitchFamily="49" charset="0"/>
-            </a:endParaRPr>
-          </a:p>
-          <a:p>
-            <a:r>
-              <a:rPr lang="en-US" sz="1100" dirty="0">
-                <a:latin typeface="Courier New" panose="02070309020205020404" pitchFamily="49" charset="0"/>
-                <a:cs typeface="Courier New" panose="02070309020205020404" pitchFamily="49" charset="0"/>
-              </a:rPr>
-              <a:t>   </a:t>
-            </a:r>
-            <a:r>
-              <a:rPr lang="en-US" sz="1100" b="1" dirty="0">
-                <a:latin typeface="Courier New" panose="02070309020205020404" pitchFamily="49" charset="0"/>
-                <a:cs typeface="Courier New" panose="02070309020205020404" pitchFamily="49" charset="0"/>
-              </a:rPr>
-              <a:t>kind	</a:t>
-            </a:r>
-            <a:r>
-              <a:rPr lang="en-US" sz="1100" dirty="0">
-                <a:latin typeface="Courier New" panose="02070309020205020404" pitchFamily="49" charset="0"/>
-                <a:cs typeface="Courier New" panose="02070309020205020404" pitchFamily="49" charset="0"/>
-              </a:rPr>
-              <a:t>&lt;string&gt;</a:t>
-            </a:r>
-          </a:p>
-          <a:p>
-            <a:r>
-              <a:rPr lang="en-US" sz="1100" dirty="0">
-                <a:latin typeface="Courier New" panose="02070309020205020404" pitchFamily="49" charset="0"/>
-                <a:cs typeface="Courier New" panose="02070309020205020404" pitchFamily="49" charset="0"/>
-              </a:rPr>
-              <a:t>     Kind is a string value representing the REST resource this object</a:t>
-            </a:r>
-          </a:p>
-          <a:p>
-            <a:r>
-              <a:rPr lang="en-US" sz="1100" dirty="0">
-                <a:latin typeface="Courier New" panose="02070309020205020404" pitchFamily="49" charset="0"/>
-                <a:cs typeface="Courier New" panose="02070309020205020404" pitchFamily="49" charset="0"/>
-              </a:rPr>
-              <a:t>     represents. Servers may infer this from the endpoint the client submits</a:t>
-            </a:r>
-          </a:p>
-          <a:p>
-            <a:r>
-              <a:rPr lang="en-US" sz="1100" dirty="0">
-                <a:latin typeface="Courier New" panose="02070309020205020404" pitchFamily="49" charset="0"/>
-                <a:cs typeface="Courier New" panose="02070309020205020404" pitchFamily="49" charset="0"/>
-              </a:rPr>
-              <a:t>     requests to. Cannot be updated. In CamelCase. More info:</a:t>
-            </a:r>
-          </a:p>
-          <a:p>
-            <a:r>
-              <a:rPr lang="en-US" sz="1100" dirty="0">
-                <a:latin typeface="Courier New" panose="02070309020205020404" pitchFamily="49" charset="0"/>
-                <a:cs typeface="Courier New" panose="02070309020205020404" pitchFamily="49" charset="0"/>
-              </a:rPr>
-              <a:t>     https://git.k8s.io/community/contributors/devel/api-conventions.md#types-kinds</a:t>
-            </a:r>
-          </a:p>
-          <a:p>
-            <a:endParaRPr lang="en-US" sz="1100" dirty="0">
-              <a:latin typeface="Courier New" panose="02070309020205020404" pitchFamily="49" charset="0"/>
-              <a:cs typeface="Courier New" panose="02070309020205020404" pitchFamily="49" charset="0"/>
-            </a:endParaRPr>
-          </a:p>
-          <a:p>
-            <a:r>
-              <a:rPr lang="en-US" sz="1100" dirty="0">
-                <a:latin typeface="Courier New" panose="02070309020205020404" pitchFamily="49" charset="0"/>
-                <a:cs typeface="Courier New" panose="02070309020205020404" pitchFamily="49" charset="0"/>
-              </a:rPr>
-              <a:t>   </a:t>
-            </a:r>
-            <a:r>
-              <a:rPr lang="en-US" sz="1100" b="1" dirty="0">
-                <a:latin typeface="Courier New" panose="02070309020205020404" pitchFamily="49" charset="0"/>
-                <a:cs typeface="Courier New" panose="02070309020205020404" pitchFamily="49" charset="0"/>
-              </a:rPr>
-              <a:t>metadata	</a:t>
-            </a:r>
-            <a:r>
-              <a:rPr lang="en-US" sz="1100" dirty="0">
-                <a:latin typeface="Courier New" panose="02070309020205020404" pitchFamily="49" charset="0"/>
-                <a:cs typeface="Courier New" panose="02070309020205020404" pitchFamily="49" charset="0"/>
-              </a:rPr>
-              <a:t>&lt;Object&gt;</a:t>
-            </a:r>
-          </a:p>
-          <a:p>
-            <a:r>
-              <a:rPr lang="en-US" sz="1100" dirty="0">
-                <a:latin typeface="Courier New" panose="02070309020205020404" pitchFamily="49" charset="0"/>
-                <a:cs typeface="Courier New" panose="02070309020205020404" pitchFamily="49" charset="0"/>
-              </a:rPr>
-              <a:t>     Standard object's metadata. More info:</a:t>
-            </a:r>
-          </a:p>
-          <a:p>
-            <a:r>
-              <a:rPr lang="en-US" sz="1100" dirty="0">
-                <a:latin typeface="Courier New" panose="02070309020205020404" pitchFamily="49" charset="0"/>
-                <a:cs typeface="Courier New" panose="02070309020205020404" pitchFamily="49" charset="0"/>
-              </a:rPr>
-              <a:t>     https://git.k8s.io/community/contributors/devel/api-conventions.md#metadata</a:t>
-            </a:r>
-          </a:p>
-          <a:p>
-            <a:endParaRPr lang="en-US" sz="1100" dirty="0">
-              <a:latin typeface="Courier New" panose="02070309020205020404" pitchFamily="49" charset="0"/>
-              <a:cs typeface="Courier New" panose="02070309020205020404" pitchFamily="49" charset="0"/>
-            </a:endParaRPr>
-          </a:p>
-          <a:p>
-            <a:r>
-              <a:rPr lang="en-US" sz="1100" dirty="0">
-                <a:latin typeface="Courier New" panose="02070309020205020404" pitchFamily="49" charset="0"/>
-                <a:cs typeface="Courier New" panose="02070309020205020404" pitchFamily="49" charset="0"/>
-              </a:rPr>
-              <a:t>   </a:t>
-            </a:r>
-            <a:r>
-              <a:rPr lang="en-US" sz="1100" b="1" dirty="0">
-                <a:latin typeface="Courier New" panose="02070309020205020404" pitchFamily="49" charset="0"/>
-                <a:cs typeface="Courier New" panose="02070309020205020404" pitchFamily="49" charset="0"/>
-              </a:rPr>
-              <a:t>spec	</a:t>
-            </a:r>
-            <a:r>
-              <a:rPr lang="en-US" sz="1100" dirty="0">
-                <a:latin typeface="Courier New" panose="02070309020205020404" pitchFamily="49" charset="0"/>
-                <a:cs typeface="Courier New" panose="02070309020205020404" pitchFamily="49" charset="0"/>
-              </a:rPr>
-              <a:t>&lt;Object&gt;</a:t>
-            </a:r>
-          </a:p>
-          <a:p>
-            <a:r>
-              <a:rPr lang="en-US" sz="1100" dirty="0">
-                <a:latin typeface="Courier New" panose="02070309020205020404" pitchFamily="49" charset="0"/>
-                <a:cs typeface="Courier New" panose="02070309020205020404" pitchFamily="49" charset="0"/>
-              </a:rPr>
-              <a:t>     Specification of the desired behavior of the pod. More info:</a:t>
-            </a:r>
-          </a:p>
-          <a:p>
-            <a:r>
-              <a:rPr lang="en-US" sz="1100" dirty="0">
-                <a:latin typeface="Courier New" panose="02070309020205020404" pitchFamily="49" charset="0"/>
-                <a:cs typeface="Courier New" panose="02070309020205020404" pitchFamily="49" charset="0"/>
-              </a:rPr>
-              <a:t>     https://git.k8s.io/community/contributors/devel/api-conventions.md#spec-and-status</a:t>
-            </a:r>
-          </a:p>
-          <a:p>
-            <a:endParaRPr lang="en-US" sz="1100" dirty="0">
-              <a:latin typeface="Courier New" panose="02070309020205020404" pitchFamily="49" charset="0"/>
-              <a:cs typeface="Courier New" panose="02070309020205020404" pitchFamily="49" charset="0"/>
-            </a:endParaRPr>
-          </a:p>
-          <a:p>
-            <a:r>
-              <a:rPr lang="en-US" sz="1100" dirty="0">
-                <a:latin typeface="Courier New" panose="02070309020205020404" pitchFamily="49" charset="0"/>
-                <a:cs typeface="Courier New" panose="02070309020205020404" pitchFamily="49" charset="0"/>
-              </a:rPr>
-              <a:t>   </a:t>
-            </a:r>
-            <a:r>
-              <a:rPr lang="en-US" sz="1100" b="1" dirty="0">
-                <a:latin typeface="Courier New" panose="02070309020205020404" pitchFamily="49" charset="0"/>
-                <a:cs typeface="Courier New" panose="02070309020205020404" pitchFamily="49" charset="0"/>
-              </a:rPr>
-              <a:t>status	</a:t>
-            </a:r>
-            <a:r>
-              <a:rPr lang="en-US" sz="1100" dirty="0">
-                <a:latin typeface="Courier New" panose="02070309020205020404" pitchFamily="49" charset="0"/>
-                <a:cs typeface="Courier New" panose="02070309020205020404" pitchFamily="49" charset="0"/>
-              </a:rPr>
-              <a:t>&lt;Object&gt;</a:t>
-            </a:r>
-          </a:p>
-          <a:p>
-            <a:r>
-              <a:rPr lang="en-US" sz="1100" dirty="0">
-                <a:latin typeface="Courier New" panose="02070309020205020404" pitchFamily="49" charset="0"/>
-                <a:cs typeface="Courier New" panose="02070309020205020404" pitchFamily="49" charset="0"/>
-              </a:rPr>
-              <a:t>     Most recently observed status of the pod. This data may not be up to date.</a:t>
-            </a:r>
-          </a:p>
-          <a:p>
-            <a:r>
-              <a:rPr lang="en-US" sz="1100" dirty="0">
-                <a:latin typeface="Courier New" panose="02070309020205020404" pitchFamily="49" charset="0"/>
-                <a:cs typeface="Courier New" panose="02070309020205020404" pitchFamily="49" charset="0"/>
-              </a:rPr>
-              <a:t>     Populated by the system. Read-only. More info:</a:t>
-            </a:r>
-          </a:p>
-          <a:p>
-            <a:r>
-              <a:rPr lang="en-US" sz="1100" dirty="0">
-                <a:latin typeface="Courier New" panose="02070309020205020404" pitchFamily="49" charset="0"/>
-                <a:cs typeface="Courier New" panose="02070309020205020404" pitchFamily="49" charset="0"/>
-              </a:rPr>
-              <a:t>     https://git.k8s.io/community/contributors/devel/api-conventions.md#spec-and-status</a:t>
-            </a:r>
-          </a:p>
-        </p:txBody>
-      </p:sp>
-    </p:spTree>
-    <p:extLst>
-      <p:ext uri="{BB962C8B-B14F-4D97-AF65-F5344CB8AC3E}">
-        <p14:creationId xmlns:p14="http://schemas.microsoft.com/office/powerpoint/2010/main" val="3531034441"/>
       </p:ext>
     </p:extLst>
   </p:cSld>

--- a/kubernetes/02_pods.pptx
+++ b/kubernetes/02_pods.pptx
@@ -1106,6 +1106,21 @@
             </a:pPr>
             <a:r>
               <a:rPr lang="en-US" dirty="0"/>
+              <a:t>When creating pods, demo the --</a:t>
+            </a:r>
+            <a:r>
+              <a:rPr lang="en-US"/>
+              <a:t>dry-run flag</a:t>
+            </a:r>
+            <a:endParaRPr lang="en-US" dirty="0"/>
+          </a:p>
+          <a:p>
+            <a:pPr marL="342900" indent="-342900">
+              <a:buFontTx/>
+              <a:buChar char="-"/>
+            </a:pPr>
+            <a:r>
+              <a:rPr lang="en-US" dirty="0"/>
               <a:t>Create a pod: ~/</a:t>
             </a:r>
             <a:r>
@@ -1114,7 +1129,7 @@
             </a:r>
             <a:r>
               <a:rPr lang="en-US" dirty="0"/>
-              <a:t>/demo/02_pod_exec_liveness.yaml</a:t>
+              <a:t>/demo/02b_pod_exec_liveness.yaml</a:t>
             </a:r>
           </a:p>
           <a:p>

--- a/kubernetes/02_pods.pptx
+++ b/kubernetes/02_pods.pptx
@@ -5,10 +5,10 @@
     <p:sldMasterId id="2147483733" r:id="rId1"/>
   </p:sldMasterIdLst>
   <p:notesMasterIdLst>
-    <p:notesMasterId r:id="rId17"/>
+    <p:notesMasterId r:id="rId19"/>
   </p:notesMasterIdLst>
   <p:handoutMasterIdLst>
-    <p:handoutMasterId r:id="rId18"/>
+    <p:handoutMasterId r:id="rId20"/>
   </p:handoutMasterIdLst>
   <p:sldIdLst>
     <p:sldId id="433" r:id="rId2"/>
@@ -18,14 +18,16 @@
     <p:sldId id="447" r:id="rId6"/>
     <p:sldId id="464" r:id="rId7"/>
     <p:sldId id="452" r:id="rId8"/>
-    <p:sldId id="445" r:id="rId9"/>
-    <p:sldId id="450" r:id="rId10"/>
-    <p:sldId id="451" r:id="rId11"/>
-    <p:sldId id="438" r:id="rId12"/>
-    <p:sldId id="446" r:id="rId13"/>
-    <p:sldId id="443" r:id="rId14"/>
-    <p:sldId id="444" r:id="rId15"/>
-    <p:sldId id="265" r:id="rId16"/>
+    <p:sldId id="466" r:id="rId9"/>
+    <p:sldId id="465" r:id="rId10"/>
+    <p:sldId id="445" r:id="rId11"/>
+    <p:sldId id="450" r:id="rId12"/>
+    <p:sldId id="451" r:id="rId13"/>
+    <p:sldId id="438" r:id="rId14"/>
+    <p:sldId id="446" r:id="rId15"/>
+    <p:sldId id="443" r:id="rId16"/>
+    <p:sldId id="444" r:id="rId17"/>
+    <p:sldId id="265" r:id="rId18"/>
   </p:sldIdLst>
   <p:sldSz cx="12195175" cy="6858000"/>
   <p:notesSz cx="6858000" cy="9144000"/>
@@ -659,12 +661,36 @@
           <a:lstStyle/>
           <a:p>
             <a:r>
+              <a:rPr lang="en-US" dirty="0"/>
+              <a:t>Example</a:t>
+            </a:r>
+            <a:r>
+              <a:rPr lang="en-US" baseline="0" dirty="0"/>
+              <a:t> for a resource with different structure: </a:t>
+            </a:r>
+            <a:r>
+              <a:rPr lang="en-US" baseline="0" dirty="0" err="1"/>
+              <a:t>configMap</a:t>
+            </a:r>
+            <a:endParaRPr lang="en-US" baseline="0" dirty="0"/>
+          </a:p>
+          <a:p>
+            <a:r>
               <a:rPr lang="en-US" dirty="0" err="1"/>
-              <a:t>kubectl</a:t>
+              <a:t>configMaps</a:t>
             </a:r>
             <a:r>
               <a:rPr lang="en-US" dirty="0"/>
-              <a:t> explain &lt;resource&gt; is the command line access to the </a:t>
+              <a:t> have no spec, but a data sections.</a:t>
+            </a:r>
+          </a:p>
+          <a:p>
+            <a:endParaRPr lang="en-US" dirty="0"/>
+          </a:p>
+          <a:p>
+            <a:r>
+              <a:rPr lang="en-US" dirty="0"/>
+              <a:t>When looking at the </a:t>
             </a:r>
             <a:r>
               <a:rPr lang="en-US" dirty="0" err="1"/>
@@ -672,34 +698,7 @@
             </a:r>
             <a:r>
               <a:rPr lang="en-US" dirty="0"/>
-              <a:t> documentation. It gives the same information as the online documentation. </a:t>
-            </a:r>
-          </a:p>
-          <a:p>
-            <a:endParaRPr lang="en-US" dirty="0"/>
-          </a:p>
-          <a:p>
-            <a:r>
-              <a:rPr lang="en-US" dirty="0"/>
-              <a:t>You can get more details on specific objects or fields by appending them with .&lt;field&gt; </a:t>
-            </a:r>
-            <a:r>
-              <a:rPr lang="en-US" dirty="0">
-                <a:sym typeface="Wingdings" panose="05000000000000000000" pitchFamily="2" charset="2"/>
-              </a:rPr>
-              <a:t> e.g. </a:t>
-            </a:r>
-            <a:r>
-              <a:rPr lang="en-US" dirty="0"/>
-              <a:t>“.spec” or “.</a:t>
-            </a:r>
-            <a:r>
-              <a:rPr lang="en-US" dirty="0" err="1"/>
-              <a:t>apiVersion</a:t>
-            </a:r>
-            <a:r>
-              <a:rPr lang="en-US" dirty="0"/>
-              <a:t>” </a:t>
+              <a:t> reference, you can see this basic structure too. Simply navigate to a resource, like pod, and see with fields and object there are. Usually fields have either a list or string/integer as values. Objects link to their object definition.</a:t>
             </a:r>
           </a:p>
         </p:txBody>
@@ -731,7 +730,7 @@
     </p:spTree>
     <p:extLst>
       <p:ext uri="{BB962C8B-B14F-4D97-AF65-F5344CB8AC3E}">
-        <p14:creationId xmlns:p14="http://schemas.microsoft.com/office/powerpoint/2010/main" val="624260277"/>
+        <p14:creationId xmlns:p14="http://schemas.microsoft.com/office/powerpoint/2010/main" val="1052791939"/>
       </p:ext>
     </p:extLst>
   </p:cSld>
@@ -760,6 +759,59 @@
       </p:grpSpPr>
       <p:sp>
         <p:nvSpPr>
+          <p:cNvPr id="2" name="Slide Image Placeholder 1"/>
+          <p:cNvSpPr>
+            <a:spLocks noGrp="1" noRot="1" noChangeAspect="1"/>
+          </p:cNvSpPr>
+          <p:nvPr>
+            <p:ph type="sldImg"/>
+          </p:nvPr>
+        </p:nvSpPr>
+        <p:spPr/>
+      </p:sp>
+      <p:sp>
+        <p:nvSpPr>
+          <p:cNvPr id="3" name="Notes Placeholder 2"/>
+          <p:cNvSpPr>
+            <a:spLocks noGrp="1"/>
+          </p:cNvSpPr>
+          <p:nvPr>
+            <p:ph type="body" idx="1"/>
+          </p:nvPr>
+        </p:nvSpPr>
+        <p:spPr/>
+        <p:txBody>
+          <a:bodyPr/>
+          <a:lstStyle/>
+          <a:p>
+            <a:r>
+              <a:rPr lang="en-US" dirty="0"/>
+              <a:t>If you want to know more about the structure of any </a:t>
+            </a:r>
+            <a:r>
+              <a:rPr lang="en-US" dirty="0" err="1"/>
+              <a:t>kubernetes</a:t>
+            </a:r>
+            <a:r>
+              <a:rPr lang="en-US" dirty="0"/>
+              <a:t> resource, you can go to the official API documentation on https://kubernetes.io/docs/reference/#api-reference or use “</a:t>
+            </a:r>
+            <a:r>
+              <a:rPr lang="en-US" dirty="0" err="1"/>
+              <a:t>kubectl</a:t>
+            </a:r>
+            <a:r>
+              <a:rPr lang="en-US" dirty="0"/>
+              <a:t> explain &lt;resource&gt;” command.</a:t>
+            </a:r>
+          </a:p>
+          <a:p>
+            <a:endParaRPr lang="en-US" dirty="0"/>
+          </a:p>
+        </p:txBody>
+      </p:sp>
+      <p:sp>
+        <p:nvSpPr>
           <p:cNvPr id="4" name="Slide Number Placeholder 3"/>
           <p:cNvSpPr>
             <a:spLocks noGrp="1"/>
@@ -782,48 +834,10 @@
           </a:p>
         </p:txBody>
       </p:sp>
-      <p:sp>
-        <p:nvSpPr>
-          <p:cNvPr id="9" name="Slide Image Placeholder 8"/>
-          <p:cNvSpPr>
-            <a:spLocks noGrp="1" noRot="1" noChangeAspect="1"/>
-          </p:cNvSpPr>
-          <p:nvPr>
-            <p:ph type="sldImg"/>
-          </p:nvPr>
-        </p:nvSpPr>
-        <p:spPr>
-          <a:xfrm>
-            <a:off x="547688" y="612775"/>
-            <a:ext cx="5762625" cy="3241675"/>
-          </a:xfrm>
-        </p:spPr>
-      </p:sp>
-      <p:sp>
-        <p:nvSpPr>
-          <p:cNvPr id="10" name="Notes Placeholder 9"/>
-          <p:cNvSpPr>
-            <a:spLocks noGrp="1"/>
-          </p:cNvSpPr>
-          <p:nvPr>
-            <p:ph type="body" idx="1"/>
-          </p:nvPr>
-        </p:nvSpPr>
-        <p:spPr/>
-        <p:txBody>
-          <a:bodyPr>
-            <a:normAutofit/>
-          </a:bodyPr>
-          <a:lstStyle/>
-          <a:p>
-            <a:endParaRPr lang="en-US" dirty="0"/>
-          </a:p>
-        </p:txBody>
-      </p:sp>
     </p:spTree>
     <p:extLst>
       <p:ext uri="{BB962C8B-B14F-4D97-AF65-F5344CB8AC3E}">
-        <p14:creationId xmlns:p14="http://schemas.microsoft.com/office/powerpoint/2010/main" val="3968705523"/>
+        <p14:creationId xmlns:p14="http://schemas.microsoft.com/office/powerpoint/2010/main" val="1276059447"/>
       </p:ext>
     </p:extLst>
   </p:cSld>
@@ -878,100 +892,48 @@
           <a:lstStyle/>
           <a:p>
             <a:r>
+              <a:rPr lang="en-US" dirty="0" err="1"/>
+              <a:t>kubectl</a:t>
+            </a:r>
+            <a:r>
               <a:rPr lang="en-US" dirty="0"/>
-              <a:t>Demo: http &amp; exec</a:t>
-            </a:r>
-            <a:r>
-              <a:rPr lang="en-US" baseline="0" dirty="0"/>
-              <a:t> liveness pods (see </a:t>
-            </a:r>
-            <a:r>
-              <a:rPr lang="en-US" baseline="0" dirty="0" err="1"/>
-              <a:t>pod_exec_liveness</a:t>
-            </a:r>
-            <a:r>
-              <a:rPr lang="en-US" baseline="0" dirty="0"/>
-              <a:t> &amp; </a:t>
-            </a:r>
-            <a:r>
-              <a:rPr lang="en-US" baseline="0" dirty="0" err="1"/>
-              <a:t>pod_http_liveness</a:t>
-            </a:r>
-            <a:r>
-              <a:rPr lang="en-US" baseline="0" dirty="0"/>
-              <a:t> </a:t>
-            </a:r>
-            <a:r>
-              <a:rPr lang="en-US" baseline="0" dirty="0" err="1"/>
-              <a:t>yaml</a:t>
-            </a:r>
-            <a:r>
-              <a:rPr lang="en-US" baseline="0" dirty="0"/>
-              <a:t> files in the solutions folder)</a:t>
-            </a:r>
+              <a:t> explain &lt;resource&gt; is the command line access to the </a:t>
+            </a:r>
+            <a:r>
+              <a:rPr lang="en-US" dirty="0" err="1"/>
+              <a:t>api</a:t>
+            </a:r>
+            <a:r>
+              <a:rPr lang="en-US" dirty="0"/>
+              <a:t> documentation. It gives the same information as the online documentation. </a:t>
+            </a:r>
+          </a:p>
+          <a:p>
             <a:endParaRPr lang="en-US" dirty="0"/>
           </a:p>
           <a:p>
             <a:r>
               <a:rPr lang="en-US" dirty="0"/>
-              <a:t>Consequence of failed probe:</a:t>
-            </a:r>
-          </a:p>
-          <a:p>
-            <a:pPr marL="285750" indent="-285750">
-              <a:buFontTx/>
-              <a:buChar char="-"/>
-            </a:pPr>
+              <a:t>You can get more details on specific objects or fields by appending them with .&lt;field&gt; </a:t>
+            </a:r>
+            <a:r>
+              <a:rPr lang="en-US" dirty="0">
+                <a:sym typeface="Wingdings" panose="05000000000000000000" pitchFamily="2" charset="2"/>
+              </a:rPr>
+              <a:t> e.g. </a:t>
+            </a:r>
             <a:r>
               <a:rPr lang="en-US" dirty="0"/>
-              <a:t>liveness: kill the container and restart it depending on the restart policy.</a:t>
-            </a:r>
-          </a:p>
-          <a:p>
-            <a:pPr marL="285750" indent="-285750">
-              <a:buFontTx/>
-              <a:buChar char="-"/>
-            </a:pPr>
+              <a:t>“.spec” or “.</a:t>
+            </a:r>
+            <a:r>
+              <a:rPr lang="en-US" dirty="0" err="1"/>
+              <a:t>apiVersion</a:t>
+            </a:r>
             <a:r>
               <a:rPr lang="en-US" dirty="0"/>
-              <a:t>Readiness: mark pod</a:t>
-            </a:r>
-            <a:r>
-              <a:rPr lang="en-US" baseline="0" dirty="0"/>
-              <a:t> as not ready and don’t route service traffic to it</a:t>
-            </a:r>
-            <a:endParaRPr lang="en-US" dirty="0"/>
-          </a:p>
-          <a:p>
-            <a:r>
-              <a:rPr lang="en-US" dirty="0"/>
-              <a:t>Other options</a:t>
-            </a:r>
-            <a:r>
-              <a:rPr lang="en-US" baseline="0" dirty="0"/>
-              <a:t> for probes: </a:t>
-            </a:r>
-          </a:p>
-          <a:p>
-            <a:pPr marL="285750" indent="-285750">
-              <a:buFontTx/>
-              <a:buChar char="-"/>
-            </a:pPr>
-            <a:r>
-              <a:rPr lang="en-US" baseline="0" dirty="0"/>
-              <a:t>TCP: can a connection be opened successfully?</a:t>
-            </a:r>
-          </a:p>
-          <a:p>
-            <a:pPr marL="285750" indent="-285750">
-              <a:buFontTx/>
-              <a:buChar char="-"/>
-            </a:pPr>
-            <a:r>
-              <a:rPr lang="en-US" baseline="0" dirty="0"/>
-              <a:t>EXEC: run a command and evaluate return/exit code</a:t>
-            </a:r>
-            <a:endParaRPr lang="en-US" dirty="0"/>
+              <a:t>” </a:t>
+            </a:r>
           </a:p>
         </p:txBody>
       </p:sp>
@@ -1002,7 +964,7 @@
     </p:spTree>
     <p:extLst>
       <p:ext uri="{BB962C8B-B14F-4D97-AF65-F5344CB8AC3E}">
-        <p14:creationId xmlns:p14="http://schemas.microsoft.com/office/powerpoint/2010/main" val="3950672114"/>
+        <p14:creationId xmlns:p14="http://schemas.microsoft.com/office/powerpoint/2010/main" val="624260277"/>
       </p:ext>
     </p:extLst>
   </p:cSld>
@@ -1031,266 +993,6 @@
       </p:grpSpPr>
       <p:sp>
         <p:nvSpPr>
-          <p:cNvPr id="2" name="Slide Image Placeholder 1"/>
-          <p:cNvSpPr>
-            <a:spLocks noGrp="1" noRot="1" noChangeAspect="1"/>
-          </p:cNvSpPr>
-          <p:nvPr>
-            <p:ph type="sldImg"/>
-          </p:nvPr>
-        </p:nvSpPr>
-        <p:spPr/>
-      </p:sp>
-      <p:sp>
-        <p:nvSpPr>
-          <p:cNvPr id="3" name="Notes Placeholder 2"/>
-          <p:cNvSpPr>
-            <a:spLocks noGrp="1"/>
-          </p:cNvSpPr>
-          <p:nvPr>
-            <p:ph type="body" idx="1"/>
-          </p:nvPr>
-        </p:nvSpPr>
-        <p:spPr/>
-        <p:txBody>
-          <a:bodyPr/>
-          <a:lstStyle/>
-          <a:p>
-            <a:pPr marL="342900" indent="-342900">
-              <a:buFontTx/>
-              <a:buChar char="-"/>
-            </a:pPr>
-            <a:r>
-              <a:rPr lang="en-US" dirty="0"/>
-              <a:t>Start with the “</a:t>
-            </a:r>
-            <a:r>
-              <a:rPr lang="en-US" dirty="0" err="1"/>
-              <a:t>kubectl</a:t>
-            </a:r>
-            <a:r>
-              <a:rPr lang="en-US" dirty="0"/>
-              <a:t> explain pod” and “</a:t>
-            </a:r>
-            <a:r>
-              <a:rPr lang="en-US" dirty="0" err="1"/>
-              <a:t>kubectl</a:t>
-            </a:r>
-            <a:r>
-              <a:rPr lang="en-US" dirty="0"/>
-              <a:t> explain </a:t>
-            </a:r>
-            <a:r>
-              <a:rPr lang="en-US" dirty="0" err="1"/>
-              <a:t>pod.spec</a:t>
-            </a:r>
-            <a:r>
-              <a:rPr lang="en-US" dirty="0"/>
-              <a:t>”</a:t>
-            </a:r>
-          </a:p>
-          <a:p>
-            <a:pPr marL="342900" indent="-342900">
-              <a:buFontTx/>
-              <a:buChar char="-"/>
-            </a:pPr>
-            <a:r>
-              <a:rPr lang="en-US" dirty="0"/>
-              <a:t>Show how to get an overview as well as detailed info about a resource type.</a:t>
-            </a:r>
-          </a:p>
-          <a:p>
-            <a:pPr marL="342900" indent="-342900">
-              <a:buFontTx/>
-              <a:buChar char="-"/>
-            </a:pPr>
-            <a:r>
-              <a:rPr lang="en-US" dirty="0"/>
-              <a:t>When creating pods, demo the --</a:t>
-            </a:r>
-            <a:r>
-              <a:rPr lang="en-US"/>
-              <a:t>dry-run flag</a:t>
-            </a:r>
-            <a:endParaRPr lang="en-US" dirty="0"/>
-          </a:p>
-          <a:p>
-            <a:pPr marL="342900" indent="-342900">
-              <a:buFontTx/>
-              <a:buChar char="-"/>
-            </a:pPr>
-            <a:r>
-              <a:rPr lang="en-US" dirty="0"/>
-              <a:t>Create a pod: ~/</a:t>
-            </a:r>
-            <a:r>
-              <a:rPr lang="en-US" dirty="0" err="1"/>
-              <a:t>kubernetes</a:t>
-            </a:r>
-            <a:r>
-              <a:rPr lang="en-US" dirty="0"/>
-              <a:t>/demo/02b_pod_exec_liveness.yaml</a:t>
-            </a:r>
-          </a:p>
-          <a:p>
-            <a:pPr marL="522900" lvl="1" indent="-342900">
-              <a:buFontTx/>
-              <a:buChar char="-"/>
-            </a:pPr>
-            <a:r>
-              <a:rPr lang="en-US" dirty="0"/>
-              <a:t>Discuss the probe and how it should fail</a:t>
-            </a:r>
-          </a:p>
-          <a:p>
-            <a:pPr marL="522900" lvl="1" indent="-342900">
-              <a:buFontTx/>
-              <a:buChar char="-"/>
-            </a:pPr>
-            <a:r>
-              <a:rPr lang="en-US" dirty="0"/>
-              <a:t>Show how it fails &amp; get restarted</a:t>
-            </a:r>
-          </a:p>
-          <a:p>
-            <a:pPr marL="522900" lvl="1" indent="-342900">
-              <a:buFontTx/>
-              <a:buChar char="-"/>
-            </a:pPr>
-            <a:r>
-              <a:rPr lang="en-US" dirty="0"/>
-              <a:t>Point out the failure threshold</a:t>
-            </a:r>
-          </a:p>
-          <a:p>
-            <a:pPr marL="342900" indent="-342900">
-              <a:buFontTx/>
-              <a:buChar char="-"/>
-            </a:pPr>
-            <a:r>
-              <a:rPr lang="en-US" dirty="0"/>
-              <a:t>Create a 2</a:t>
-            </a:r>
-            <a:r>
-              <a:rPr lang="en-US" baseline="30000" dirty="0"/>
-              <a:t>nd</a:t>
-            </a:r>
-            <a:r>
-              <a:rPr lang="en-US" dirty="0"/>
-              <a:t> pod, this time with a web server: ~/</a:t>
-            </a:r>
-            <a:r>
-              <a:rPr lang="en-US" dirty="0" err="1"/>
-              <a:t>kubernetes</a:t>
-            </a:r>
-            <a:r>
-              <a:rPr lang="en-US" dirty="0"/>
-              <a:t>/demo/02_pod_http_liveness.yaml</a:t>
-            </a:r>
-          </a:p>
-          <a:p>
-            <a:pPr marL="522900" lvl="1" indent="-342900">
-              <a:buFontTx/>
-              <a:buChar char="-"/>
-            </a:pPr>
-            <a:r>
-              <a:rPr lang="en-US" dirty="0"/>
-              <a:t>Explain the http probe and how it should fill up the logs</a:t>
-            </a:r>
-          </a:p>
-          <a:p>
-            <a:pPr marL="522900" marR="0" lvl="1" indent="-342900" algn="l" defTabSz="1088776" rtl="0" eaLnBrk="1" fontAlgn="auto" latinLnBrk="0" hangingPunct="1">
-              <a:lnSpc>
-                <a:spcPct val="100000"/>
-              </a:lnSpc>
-              <a:spcBef>
-                <a:spcPts val="0"/>
-              </a:spcBef>
-              <a:spcAft>
-                <a:spcPts val="0"/>
-              </a:spcAft>
-              <a:buClr>
-                <a:schemeClr val="accent1"/>
-              </a:buClr>
-              <a:buSzPct val="100000"/>
-              <a:buFontTx/>
-              <a:buChar char="-"/>
-              <a:tabLst/>
-              <a:defRPr/>
-            </a:pPr>
-            <a:r>
-              <a:rPr lang="en-US" dirty="0"/>
-              <a:t>Show logs of the container (will be the access log) and discuss the effect of the liveness probe</a:t>
-            </a:r>
-          </a:p>
-          <a:p>
-            <a:pPr marL="342900" indent="-342900">
-              <a:buFontTx/>
-              <a:buChar char="-"/>
-            </a:pPr>
-            <a:r>
-              <a:rPr lang="en-US" dirty="0"/>
-              <a:t>Access </a:t>
-            </a:r>
-            <a:r>
-              <a:rPr lang="en-US" dirty="0" err="1"/>
-              <a:t>nginx</a:t>
-            </a:r>
-            <a:r>
-              <a:rPr lang="en-US" dirty="0"/>
-              <a:t>:</a:t>
-            </a:r>
-          </a:p>
-          <a:p>
-            <a:pPr marL="522864" lvl="1" indent="-342900">
-              <a:buFontTx/>
-              <a:buChar char="-"/>
-            </a:pPr>
-            <a:r>
-              <a:rPr lang="en-US" dirty="0"/>
-              <a:t>Run  </a:t>
-            </a:r>
-            <a:r>
-              <a:rPr lang="en-US" dirty="0" err="1"/>
-              <a:t>kubectl</a:t>
-            </a:r>
-            <a:r>
-              <a:rPr lang="en-US" dirty="0"/>
-              <a:t> port-forward pod/</a:t>
-            </a:r>
-            <a:r>
-              <a:rPr lang="en-US" dirty="0" err="1"/>
-              <a:t>nginx</a:t>
-            </a:r>
-            <a:r>
-              <a:rPr lang="en-US" dirty="0"/>
-              <a:t>-liveness-pod 8080:80</a:t>
-            </a:r>
-          </a:p>
-          <a:p>
-            <a:pPr marL="522864" lvl="1" indent="-342900">
-              <a:buFontTx/>
-              <a:buChar char="-"/>
-            </a:pPr>
-            <a:r>
-              <a:rPr lang="en-US" dirty="0"/>
-              <a:t>Open a browser and connect to 127.0.0.1:8080</a:t>
-            </a:r>
-          </a:p>
-          <a:p>
-            <a:pPr marL="522864" lvl="1" indent="-342900">
-              <a:buFontTx/>
-              <a:buChar char="-"/>
-            </a:pPr>
-            <a:r>
-              <a:rPr lang="en-US" dirty="0"/>
-              <a:t>Port-forward is a nice command to test access to something that you don’t want to expose (yet). However it is not recommended for any production like setup as the traffic is routed via the cluster’s API server</a:t>
-            </a:r>
-          </a:p>
-        </p:txBody>
-      </p:sp>
-      <p:sp>
-        <p:nvSpPr>
           <p:cNvPr id="4" name="Slide Number Placeholder 3"/>
           <p:cNvSpPr>
             <a:spLocks noGrp="1"/>
@@ -1313,10 +1015,48 @@
           </a:p>
         </p:txBody>
       </p:sp>
+      <p:sp>
+        <p:nvSpPr>
+          <p:cNvPr id="9" name="Slide Image Placeholder 8"/>
+          <p:cNvSpPr>
+            <a:spLocks noGrp="1" noRot="1" noChangeAspect="1"/>
+          </p:cNvSpPr>
+          <p:nvPr>
+            <p:ph type="sldImg"/>
+          </p:nvPr>
+        </p:nvSpPr>
+        <p:spPr>
+          <a:xfrm>
+            <a:off x="547688" y="612775"/>
+            <a:ext cx="5762625" cy="3241675"/>
+          </a:xfrm>
+        </p:spPr>
+      </p:sp>
+      <p:sp>
+        <p:nvSpPr>
+          <p:cNvPr id="10" name="Notes Placeholder 9"/>
+          <p:cNvSpPr>
+            <a:spLocks noGrp="1"/>
+          </p:cNvSpPr>
+          <p:nvPr>
+            <p:ph type="body" idx="1"/>
+          </p:nvPr>
+        </p:nvSpPr>
+        <p:spPr/>
+        <p:txBody>
+          <a:bodyPr>
+            <a:normAutofit/>
+          </a:bodyPr>
+          <a:lstStyle/>
+          <a:p>
+            <a:endParaRPr lang="en-US" dirty="0"/>
+          </a:p>
+        </p:txBody>
+      </p:sp>
     </p:spTree>
     <p:extLst>
       <p:ext uri="{BB962C8B-B14F-4D97-AF65-F5344CB8AC3E}">
-        <p14:creationId xmlns:p14="http://schemas.microsoft.com/office/powerpoint/2010/main" val="2327213927"/>
+        <p14:creationId xmlns:p14="http://schemas.microsoft.com/office/powerpoint/2010/main" val="3968705523"/>
       </p:ext>
     </p:extLst>
   </p:cSld>
@@ -1370,7 +1110,101 @@
           <a:bodyPr/>
           <a:lstStyle/>
           <a:p>
-            <a:endParaRPr lang="en-US"/>
+            <a:r>
+              <a:rPr lang="en-US" dirty="0"/>
+              <a:t>Demo: http &amp; exec</a:t>
+            </a:r>
+            <a:r>
+              <a:rPr lang="en-US" baseline="0" dirty="0"/>
+              <a:t> liveness pods (see </a:t>
+            </a:r>
+            <a:r>
+              <a:rPr lang="en-US" baseline="0" dirty="0" err="1"/>
+              <a:t>pod_exec_liveness</a:t>
+            </a:r>
+            <a:r>
+              <a:rPr lang="en-US" baseline="0" dirty="0"/>
+              <a:t> &amp; </a:t>
+            </a:r>
+            <a:r>
+              <a:rPr lang="en-US" baseline="0" dirty="0" err="1"/>
+              <a:t>pod_http_liveness</a:t>
+            </a:r>
+            <a:r>
+              <a:rPr lang="en-US" baseline="0" dirty="0"/>
+              <a:t> </a:t>
+            </a:r>
+            <a:r>
+              <a:rPr lang="en-US" baseline="0" dirty="0" err="1"/>
+              <a:t>yaml</a:t>
+            </a:r>
+            <a:r>
+              <a:rPr lang="en-US" baseline="0" dirty="0"/>
+              <a:t> files in the solutions folder)</a:t>
+            </a:r>
+            <a:endParaRPr lang="en-US" dirty="0"/>
+          </a:p>
+          <a:p>
+            <a:r>
+              <a:rPr lang="en-US" dirty="0"/>
+              <a:t>Consequence of failed probe:</a:t>
+            </a:r>
+          </a:p>
+          <a:p>
+            <a:pPr marL="285750" indent="-285750">
+              <a:buFontTx/>
+              <a:buChar char="-"/>
+            </a:pPr>
+            <a:r>
+              <a:rPr lang="en-US" dirty="0"/>
+              <a:t>liveness: kill the container and restart it depending on the restart policy.</a:t>
+            </a:r>
+          </a:p>
+          <a:p>
+            <a:pPr marL="285750" indent="-285750">
+              <a:buFontTx/>
+              <a:buChar char="-"/>
+            </a:pPr>
+            <a:r>
+              <a:rPr lang="en-US" dirty="0"/>
+              <a:t>Readiness: mark pod</a:t>
+            </a:r>
+            <a:r>
+              <a:rPr lang="en-US" baseline="0" dirty="0"/>
+              <a:t> as not ready and don’t route service traffic to it</a:t>
+            </a:r>
+            <a:endParaRPr lang="en-US" dirty="0"/>
+          </a:p>
+          <a:p>
+            <a:r>
+              <a:rPr lang="en-US" dirty="0"/>
+              <a:t>Other options</a:t>
+            </a:r>
+            <a:r>
+              <a:rPr lang="en-US" baseline="0" dirty="0"/>
+              <a:t> for probes: </a:t>
+            </a:r>
+          </a:p>
+          <a:p>
+            <a:pPr marL="285750" indent="-285750">
+              <a:buFontTx/>
+              <a:buChar char="-"/>
+            </a:pPr>
+            <a:r>
+              <a:rPr lang="en-US" baseline="0" dirty="0"/>
+              <a:t>TCP: can a connection be opened successfully?</a:t>
+            </a:r>
+          </a:p>
+          <a:p>
+            <a:pPr marL="285750" indent="-285750">
+              <a:buFontTx/>
+              <a:buChar char="-"/>
+            </a:pPr>
+            <a:r>
+              <a:rPr lang="en-US" baseline="0" dirty="0"/>
+              <a:t>EXEC: run a command and evaluate return/exit code</a:t>
+            </a:r>
+            <a:endParaRPr lang="en-US" dirty="0"/>
           </a:p>
         </p:txBody>
       </p:sp>
@@ -1401,6 +1235,405 @@
     </p:spTree>
     <p:extLst>
       <p:ext uri="{BB962C8B-B14F-4D97-AF65-F5344CB8AC3E}">
+        <p14:creationId xmlns:p14="http://schemas.microsoft.com/office/powerpoint/2010/main" val="3950672114"/>
+      </p:ext>
+    </p:extLst>
+  </p:cSld>
+  <p:clrMapOvr>
+    <a:masterClrMapping/>
+  </p:clrMapOvr>
+</p:notes>
+</file>
+
+<file path=ppt/notesSlides/notesSlide15.xml><?xml version="1.0" encoding="utf-8"?>
+<p:notes xmlns:a="http://schemas.openxmlformats.org/drawingml/2006/main" xmlns:r="http://schemas.openxmlformats.org/officeDocument/2006/relationships" xmlns:p="http://schemas.openxmlformats.org/presentationml/2006/main">
+  <p:cSld>
+    <p:spTree>
+      <p:nvGrpSpPr>
+        <p:cNvPr id="1" name=""/>
+        <p:cNvGrpSpPr/>
+        <p:nvPr/>
+      </p:nvGrpSpPr>
+      <p:grpSpPr>
+        <a:xfrm>
+          <a:off x="0" y="0"/>
+          <a:ext cx="0" cy="0"/>
+          <a:chOff x="0" y="0"/>
+          <a:chExt cx="0" cy="0"/>
+        </a:xfrm>
+      </p:grpSpPr>
+      <p:sp>
+        <p:nvSpPr>
+          <p:cNvPr id="2" name="Slide Image Placeholder 1"/>
+          <p:cNvSpPr>
+            <a:spLocks noGrp="1" noRot="1" noChangeAspect="1"/>
+          </p:cNvSpPr>
+          <p:nvPr>
+            <p:ph type="sldImg"/>
+          </p:nvPr>
+        </p:nvSpPr>
+        <p:spPr/>
+      </p:sp>
+      <p:sp>
+        <p:nvSpPr>
+          <p:cNvPr id="3" name="Notes Placeholder 2"/>
+          <p:cNvSpPr>
+            <a:spLocks noGrp="1"/>
+          </p:cNvSpPr>
+          <p:nvPr>
+            <p:ph type="body" idx="1"/>
+          </p:nvPr>
+        </p:nvSpPr>
+        <p:spPr/>
+        <p:txBody>
+          <a:bodyPr/>
+          <a:lstStyle/>
+          <a:p>
+            <a:pPr marL="342900" indent="-342900">
+              <a:buFontTx/>
+              <a:buChar char="-"/>
+            </a:pPr>
+            <a:r>
+              <a:rPr lang="en-US" dirty="0"/>
+              <a:t>Start with the “</a:t>
+            </a:r>
+            <a:r>
+              <a:rPr lang="en-US" dirty="0" err="1"/>
+              <a:t>kubectl</a:t>
+            </a:r>
+            <a:r>
+              <a:rPr lang="en-US" dirty="0"/>
+              <a:t> explain pod” and “</a:t>
+            </a:r>
+            <a:r>
+              <a:rPr lang="en-US" dirty="0" err="1"/>
+              <a:t>kubectl</a:t>
+            </a:r>
+            <a:r>
+              <a:rPr lang="en-US" dirty="0"/>
+              <a:t> explain </a:t>
+            </a:r>
+            <a:r>
+              <a:rPr lang="en-US" dirty="0" err="1"/>
+              <a:t>pod.spec</a:t>
+            </a:r>
+            <a:r>
+              <a:rPr lang="en-US" dirty="0"/>
+              <a:t>”</a:t>
+            </a:r>
+          </a:p>
+          <a:p>
+            <a:pPr marL="342900" indent="-342900">
+              <a:buFontTx/>
+              <a:buChar char="-"/>
+            </a:pPr>
+            <a:r>
+              <a:rPr lang="en-US" dirty="0"/>
+              <a:t>Show how to get an overview as well as detailed info about a resource type.</a:t>
+            </a:r>
+          </a:p>
+          <a:p>
+            <a:pPr marL="342900" indent="-342900">
+              <a:buFontTx/>
+              <a:buChar char="-"/>
+            </a:pPr>
+            <a:r>
+              <a:rPr lang="en-US" dirty="0"/>
+              <a:t>When creating pods, demo the --</a:t>
+            </a:r>
+            <a:r>
+              <a:rPr lang="en-US"/>
+              <a:t>dry-run flag</a:t>
+            </a:r>
+            <a:endParaRPr lang="en-US" dirty="0"/>
+          </a:p>
+          <a:p>
+            <a:pPr marL="342900" indent="-342900">
+              <a:buFontTx/>
+              <a:buChar char="-"/>
+            </a:pPr>
+            <a:r>
+              <a:rPr lang="en-US" dirty="0"/>
+              <a:t>Create a pod: ~/</a:t>
+            </a:r>
+            <a:r>
+              <a:rPr lang="en-US" dirty="0" err="1"/>
+              <a:t>kubernetes</a:t>
+            </a:r>
+            <a:r>
+              <a:rPr lang="en-US" dirty="0"/>
+              <a:t>/demo/02b_pod_exec_liveness.yaml</a:t>
+            </a:r>
+          </a:p>
+          <a:p>
+            <a:pPr marL="522900" lvl="1" indent="-342900">
+              <a:buFontTx/>
+              <a:buChar char="-"/>
+            </a:pPr>
+            <a:r>
+              <a:rPr lang="en-US" dirty="0"/>
+              <a:t>Discuss the probe and how it should fail</a:t>
+            </a:r>
+          </a:p>
+          <a:p>
+            <a:pPr marL="522900" lvl="1" indent="-342900">
+              <a:buFontTx/>
+              <a:buChar char="-"/>
+            </a:pPr>
+            <a:r>
+              <a:rPr lang="en-US" dirty="0"/>
+              <a:t>Show how it fails &amp; get restarted</a:t>
+            </a:r>
+          </a:p>
+          <a:p>
+            <a:pPr marL="522900" lvl="1" indent="-342900">
+              <a:buFontTx/>
+              <a:buChar char="-"/>
+            </a:pPr>
+            <a:r>
+              <a:rPr lang="en-US" dirty="0"/>
+              <a:t>Point out the failure threshold</a:t>
+            </a:r>
+          </a:p>
+          <a:p>
+            <a:pPr marL="342900" indent="-342900">
+              <a:buFontTx/>
+              <a:buChar char="-"/>
+            </a:pPr>
+            <a:r>
+              <a:rPr lang="en-US" dirty="0"/>
+              <a:t>Create a 2</a:t>
+            </a:r>
+            <a:r>
+              <a:rPr lang="en-US" baseline="30000" dirty="0"/>
+              <a:t>nd</a:t>
+            </a:r>
+            <a:r>
+              <a:rPr lang="en-US" dirty="0"/>
+              <a:t> pod, this time with a web server: ~/</a:t>
+            </a:r>
+            <a:r>
+              <a:rPr lang="en-US" dirty="0" err="1"/>
+              <a:t>kubernetes</a:t>
+            </a:r>
+            <a:r>
+              <a:rPr lang="en-US" dirty="0"/>
+              <a:t>/demo/02_pod_http_liveness.yaml</a:t>
+            </a:r>
+          </a:p>
+          <a:p>
+            <a:pPr marL="522900" lvl="1" indent="-342900">
+              <a:buFontTx/>
+              <a:buChar char="-"/>
+            </a:pPr>
+            <a:r>
+              <a:rPr lang="en-US" dirty="0"/>
+              <a:t>Explain the http probe and how it should fill up the logs</a:t>
+            </a:r>
+          </a:p>
+          <a:p>
+            <a:pPr marL="522900" marR="0" lvl="1" indent="-342900" algn="l" defTabSz="1088776" rtl="0" eaLnBrk="1" fontAlgn="auto" latinLnBrk="0" hangingPunct="1">
+              <a:lnSpc>
+                <a:spcPct val="100000"/>
+              </a:lnSpc>
+              <a:spcBef>
+                <a:spcPts val="0"/>
+              </a:spcBef>
+              <a:spcAft>
+                <a:spcPts val="0"/>
+              </a:spcAft>
+              <a:buClr>
+                <a:schemeClr val="accent1"/>
+              </a:buClr>
+              <a:buSzPct val="100000"/>
+              <a:buFontTx/>
+              <a:buChar char="-"/>
+              <a:tabLst/>
+              <a:defRPr/>
+            </a:pPr>
+            <a:r>
+              <a:rPr lang="en-US" dirty="0"/>
+              <a:t>Show logs of the container (will be the access log) and discuss the effect of the liveness probe</a:t>
+            </a:r>
+          </a:p>
+          <a:p>
+            <a:pPr marL="342900" indent="-342900">
+              <a:buFontTx/>
+              <a:buChar char="-"/>
+            </a:pPr>
+            <a:r>
+              <a:rPr lang="en-US" dirty="0"/>
+              <a:t>Access </a:t>
+            </a:r>
+            <a:r>
+              <a:rPr lang="en-US" dirty="0" err="1"/>
+              <a:t>nginx</a:t>
+            </a:r>
+            <a:r>
+              <a:rPr lang="en-US" dirty="0"/>
+              <a:t>:</a:t>
+            </a:r>
+          </a:p>
+          <a:p>
+            <a:pPr marL="522864" lvl="1" indent="-342900">
+              <a:buFontTx/>
+              <a:buChar char="-"/>
+            </a:pPr>
+            <a:r>
+              <a:rPr lang="en-US" dirty="0"/>
+              <a:t>Run  </a:t>
+            </a:r>
+            <a:r>
+              <a:rPr lang="en-US" dirty="0" err="1"/>
+              <a:t>kubectl</a:t>
+            </a:r>
+            <a:r>
+              <a:rPr lang="en-US" dirty="0"/>
+              <a:t> port-forward pod/</a:t>
+            </a:r>
+            <a:r>
+              <a:rPr lang="en-US" dirty="0" err="1"/>
+              <a:t>nginx</a:t>
+            </a:r>
+            <a:r>
+              <a:rPr lang="en-US" dirty="0"/>
+              <a:t>-liveness-pod 8080:80</a:t>
+            </a:r>
+          </a:p>
+          <a:p>
+            <a:pPr marL="522864" lvl="1" indent="-342900">
+              <a:buFontTx/>
+              <a:buChar char="-"/>
+            </a:pPr>
+            <a:r>
+              <a:rPr lang="en-US" dirty="0"/>
+              <a:t>Open a browser and connect to 127.0.0.1:8080</a:t>
+            </a:r>
+          </a:p>
+          <a:p>
+            <a:pPr marL="522864" lvl="1" indent="-342900">
+              <a:buFontTx/>
+              <a:buChar char="-"/>
+            </a:pPr>
+            <a:r>
+              <a:rPr lang="en-US" dirty="0"/>
+              <a:t>Port-forward is a nice command to test access to something that you don’t want to expose (yet). However it is not recommended for any production like setup as the traffic is routed via the cluster’s API server</a:t>
+            </a:r>
+          </a:p>
+        </p:txBody>
+      </p:sp>
+      <p:sp>
+        <p:nvSpPr>
+          <p:cNvPr id="4" name="Slide Number Placeholder 3"/>
+          <p:cNvSpPr>
+            <a:spLocks noGrp="1"/>
+          </p:cNvSpPr>
+          <p:nvPr>
+            <p:ph type="sldNum" sz="quarter" idx="10"/>
+          </p:nvPr>
+        </p:nvSpPr>
+        <p:spPr/>
+        <p:txBody>
+          <a:bodyPr/>
+          <a:lstStyle/>
+          <a:p>
+            <a:fld id="{7D8C2C35-2B8A-446E-BEC0-FD36716C29AC}" type="slidenum">
+              <a:rPr lang="de-DE" smtClean="0"/>
+              <a:pPr/>
+              <a:t>15</a:t>
+            </a:fld>
+            <a:endParaRPr lang="de-DE" dirty="0"/>
+          </a:p>
+        </p:txBody>
+      </p:sp>
+    </p:spTree>
+    <p:extLst>
+      <p:ext uri="{BB962C8B-B14F-4D97-AF65-F5344CB8AC3E}">
+        <p14:creationId xmlns:p14="http://schemas.microsoft.com/office/powerpoint/2010/main" val="2327213927"/>
+      </p:ext>
+    </p:extLst>
+  </p:cSld>
+  <p:clrMapOvr>
+    <a:masterClrMapping/>
+  </p:clrMapOvr>
+</p:notes>
+</file>
+
+<file path=ppt/notesSlides/notesSlide16.xml><?xml version="1.0" encoding="utf-8"?>
+<p:notes xmlns:a="http://schemas.openxmlformats.org/drawingml/2006/main" xmlns:r="http://schemas.openxmlformats.org/officeDocument/2006/relationships" xmlns:p="http://schemas.openxmlformats.org/presentationml/2006/main">
+  <p:cSld>
+    <p:spTree>
+      <p:nvGrpSpPr>
+        <p:cNvPr id="1" name=""/>
+        <p:cNvGrpSpPr/>
+        <p:nvPr/>
+      </p:nvGrpSpPr>
+      <p:grpSpPr>
+        <a:xfrm>
+          <a:off x="0" y="0"/>
+          <a:ext cx="0" cy="0"/>
+          <a:chOff x="0" y="0"/>
+          <a:chExt cx="0" cy="0"/>
+        </a:xfrm>
+      </p:grpSpPr>
+      <p:sp>
+        <p:nvSpPr>
+          <p:cNvPr id="2" name="Slide Image Placeholder 1"/>
+          <p:cNvSpPr>
+            <a:spLocks noGrp="1" noRot="1" noChangeAspect="1"/>
+          </p:cNvSpPr>
+          <p:nvPr>
+            <p:ph type="sldImg"/>
+          </p:nvPr>
+        </p:nvSpPr>
+        <p:spPr/>
+      </p:sp>
+      <p:sp>
+        <p:nvSpPr>
+          <p:cNvPr id="3" name="Notes Placeholder 2"/>
+          <p:cNvSpPr>
+            <a:spLocks noGrp="1"/>
+          </p:cNvSpPr>
+          <p:nvPr>
+            <p:ph type="body" idx="1"/>
+          </p:nvPr>
+        </p:nvSpPr>
+        <p:spPr/>
+        <p:txBody>
+          <a:bodyPr/>
+          <a:lstStyle/>
+          <a:p>
+            <a:endParaRPr lang="en-US"/>
+          </a:p>
+        </p:txBody>
+      </p:sp>
+      <p:sp>
+        <p:nvSpPr>
+          <p:cNvPr id="4" name="Slide Number Placeholder 3"/>
+          <p:cNvSpPr>
+            <a:spLocks noGrp="1"/>
+          </p:cNvSpPr>
+          <p:nvPr>
+            <p:ph type="sldNum" sz="quarter" idx="10"/>
+          </p:nvPr>
+        </p:nvSpPr>
+        <p:spPr/>
+        <p:txBody>
+          <a:bodyPr/>
+          <a:lstStyle/>
+          <a:p>
+            <a:fld id="{7D8C2C35-2B8A-446E-BEC0-FD36716C29AC}" type="slidenum">
+              <a:rPr lang="de-DE" smtClean="0"/>
+              <a:pPr/>
+              <a:t>16</a:t>
+            </a:fld>
+            <a:endParaRPr lang="de-DE" dirty="0"/>
+          </a:p>
+        </p:txBody>
+      </p:sp>
+    </p:spTree>
+    <p:extLst>
+      <p:ext uri="{BB962C8B-B14F-4D97-AF65-F5344CB8AC3E}">
         <p14:creationId xmlns:p14="http://schemas.microsoft.com/office/powerpoint/2010/main" val="2480745755"/>
       </p:ext>
     </p:extLst>
@@ -1411,7 +1644,7 @@
 </p:notes>
 </file>
 
-<file path=ppt/notesSlides/notesSlide15.xml><?xml version="1.0" encoding="utf-8"?>
+<file path=ppt/notesSlides/notesSlide17.xml><?xml version="1.0" encoding="utf-8"?>
 <p:notes xmlns:a="http://schemas.openxmlformats.org/drawingml/2006/main" xmlns:r="http://schemas.openxmlformats.org/officeDocument/2006/relationships" xmlns:p="http://schemas.openxmlformats.org/presentationml/2006/main">
   <p:cSld>
     <p:spTree>
@@ -1446,7 +1679,7 @@
             <a:fld id="{7D8C2C35-2B8A-446E-BEC0-FD36716C29AC}" type="slidenum">
               <a:rPr lang="de-DE" smtClean="0"/>
               <a:pPr/>
-              <a:t>15</a:t>
+              <a:t>17</a:t>
             </a:fld>
             <a:endParaRPr lang="de-DE" dirty="0"/>
           </a:p>
@@ -2454,44 +2687,44 @@
           <a:p>
             <a:r>
               <a:rPr lang="en-US" dirty="0"/>
-              <a:t>Example</a:t>
-            </a:r>
-            <a:r>
-              <a:rPr lang="en-US" baseline="0" dirty="0"/>
-              <a:t> for a resource with different structure: </a:t>
-            </a:r>
-            <a:r>
-              <a:rPr lang="en-US" baseline="0" dirty="0" err="1"/>
-              <a:t>configMap</a:t>
-            </a:r>
-            <a:endParaRPr lang="en-US" baseline="0" dirty="0"/>
-          </a:p>
-          <a:p>
-            <a:r>
-              <a:rPr lang="en-US" dirty="0" err="1"/>
-              <a:t>configMaps</a:t>
-            </a:r>
+              <a:t>Instead of augmenting your application with a helper – as we did for the sidecar – there are two more “standardized” approaches to common issues.</a:t>
+            </a:r>
+          </a:p>
+          <a:p>
+            <a:pPr marL="0" indent="0">
+              <a:buNone/>
+            </a:pPr>
+            <a:endParaRPr lang="en-US" dirty="0"/>
+          </a:p>
+          <a:p>
+            <a:pPr marL="0" indent="0">
+              <a:buNone/>
+            </a:pPr>
             <a:r>
               <a:rPr lang="en-US" dirty="0"/>
-              <a:t> have no spec, but a data sections.</a:t>
-            </a:r>
-          </a:p>
-          <a:p>
+              <a:t>Adapter – this pattern is often used to process data output and provide these to a consumer. An adapter presents a standardized view or abstraction of the application to entities outside of the pod. </a:t>
+            </a:r>
+          </a:p>
+          <a:p>
+            <a:pPr marL="0" indent="0">
+              <a:buNone/>
+            </a:pPr>
+            <a:r>
+              <a:rPr lang="en-US" dirty="0"/>
+              <a:t>One of the most obvious use cases is a log collector. Data is shared via a volume within the pod and converted into a standardized format. The log collector might also ship the data to central logging system.</a:t>
+            </a:r>
+          </a:p>
+          <a:p>
+            <a:pPr marL="0" indent="0">
+              <a:buNone/>
+            </a:pPr>
             <a:endParaRPr lang="en-US" dirty="0"/>
           </a:p>
           <a:p>
-            <a:r>
-              <a:rPr lang="en-US" dirty="0"/>
-              <a:t>When looking at the </a:t>
-            </a:r>
-            <a:r>
-              <a:rPr lang="en-US" dirty="0" err="1"/>
-              <a:t>api</a:t>
-            </a:r>
-            <a:r>
-              <a:rPr lang="en-US" dirty="0"/>
-              <a:t> reference, you can see this basic structure too. Simply navigate to a resource, like pod, and see with fields and object there are. Usually fields have either a list or string/integer as values. Objects link to their object definition.</a:t>
-            </a:r>
+            <a:pPr marL="0" indent="0">
+              <a:buNone/>
+            </a:pPr>
+            <a:endParaRPr lang="en-US" dirty="0"/>
           </a:p>
         </p:txBody>
       </p:sp>
@@ -2502,7 +2735,7 @@
             <a:spLocks noGrp="1"/>
           </p:cNvSpPr>
           <p:nvPr>
-            <p:ph type="sldNum" sz="quarter" idx="10"/>
+            <p:ph type="sldNum" sz="quarter" idx="5"/>
           </p:nvPr>
         </p:nvSpPr>
         <p:spPr/>
@@ -2522,7 +2755,7 @@
     </p:spTree>
     <p:extLst>
       <p:ext uri="{BB962C8B-B14F-4D97-AF65-F5344CB8AC3E}">
-        <p14:creationId xmlns:p14="http://schemas.microsoft.com/office/powerpoint/2010/main" val="1052791939"/>
+        <p14:creationId xmlns:p14="http://schemas.microsoft.com/office/powerpoint/2010/main" val="3874708383"/>
       </p:ext>
     </p:extLst>
   </p:cSld>
@@ -2578,26 +2811,51 @@
           <a:p>
             <a:r>
               <a:rPr lang="en-US" dirty="0"/>
-              <a:t>If you want to know more about the structure of any </a:t>
-            </a:r>
-            <a:r>
-              <a:rPr lang="en-US" dirty="0" err="1"/>
-              <a:t>kubernetes</a:t>
-            </a:r>
+              <a:t>Instead of augmenting your application with a helper – as we did for the sidecar – there are two more “standardized” approaches to common issues.</a:t>
+            </a:r>
+          </a:p>
+          <a:p>
+            <a:endParaRPr lang="en-US" dirty="0"/>
+          </a:p>
+          <a:p>
+            <a:pPr marL="0" indent="0">
+              <a:buNone/>
+            </a:pPr>
             <a:r>
               <a:rPr lang="en-US" dirty="0"/>
-              <a:t> resource, you can go to the official API documentation on https://kubernetes.io/docs/reference/#api-reference or use “</a:t>
-            </a:r>
-            <a:r>
-              <a:rPr lang="en-US" dirty="0" err="1"/>
-              <a:t>kubectl</a:t>
-            </a:r>
+              <a:t>The ambassador pattern is a way to manage access to other entities. It is responsible for the service discovery /configuration part, while the application usually works with a localhost interface. </a:t>
+            </a:r>
+          </a:p>
+          <a:p>
+            <a:pPr marL="0" indent="0">
+              <a:buNone/>
+            </a:pPr>
             <a:r>
               <a:rPr lang="en-US" dirty="0"/>
-              <a:t> explain &lt;resource&gt;” command.</a:t>
-            </a:r>
-          </a:p>
-          <a:p>
+              <a:t>In this example the application container needs to access a database. Instead of hard-coding a specific database name, it just talks to the localhost interface. In a test setup the database might be available on the same host as well. In a distributed setup the ambassador acts as an interface that forwards the traffic to an actual DB instance. </a:t>
+            </a:r>
+          </a:p>
+          <a:p>
+            <a:pPr marL="0" indent="0">
+              <a:buNone/>
+            </a:pPr>
+            <a:r>
+              <a:rPr lang="en-US" dirty="0"/>
+              <a:t>This way the application doesn’t have to store setup specific information and only the ambassador needs to be aware of its environment. </a:t>
+            </a:r>
+          </a:p>
+          <a:p>
+            <a:pPr marL="0" indent="0">
+              <a:buNone/>
+            </a:pPr>
+            <a:r>
+              <a:rPr lang="en-US" dirty="0"/>
+              <a:t>So this pattern can be used to hide the complexity of </a:t>
+            </a:r>
+            <a:r>
+              <a:rPr lang="en-US"/>
+              <a:t>the environment outside the pod.</a:t>
+            </a:r>
             <a:endParaRPr lang="en-US" dirty="0"/>
           </a:p>
         </p:txBody>
@@ -2609,7 +2867,7 @@
             <a:spLocks noGrp="1"/>
           </p:cNvSpPr>
           <p:nvPr>
-            <p:ph type="sldNum" sz="quarter" idx="10"/>
+            <p:ph type="sldNum" sz="quarter" idx="5"/>
           </p:nvPr>
         </p:nvSpPr>
         <p:spPr/>
@@ -2629,7 +2887,7 @@
     </p:spTree>
     <p:extLst>
       <p:ext uri="{BB962C8B-B14F-4D97-AF65-F5344CB8AC3E}">
-        <p14:creationId xmlns:p14="http://schemas.microsoft.com/office/powerpoint/2010/main" val="1276059447"/>
+        <p14:creationId xmlns:p14="http://schemas.microsoft.com/office/powerpoint/2010/main" val="2067276416"/>
       </p:ext>
     </p:extLst>
   </p:cSld>
@@ -10295,6 +10553,1395 @@
       </p:grpSpPr>
       <p:sp>
         <p:nvSpPr>
+          <p:cNvPr id="3" name="Title 2"/>
+          <p:cNvSpPr>
+            <a:spLocks noGrp="1"/>
+          </p:cNvSpPr>
+          <p:nvPr>
+            <p:ph type="title"/>
+          </p:nvPr>
+        </p:nvSpPr>
+        <p:spPr/>
+        <p:txBody>
+          <a:bodyPr/>
+          <a:lstStyle/>
+          <a:p>
+            <a:r>
+              <a:rPr lang="en-US" dirty="0"/>
+              <a:t>Basic structure of most K8s resources</a:t>
+            </a:r>
+          </a:p>
+        </p:txBody>
+      </p:sp>
+      <p:grpSp>
+        <p:nvGrpSpPr>
+          <p:cNvPr id="17" name="Group 16"/>
+          <p:cNvGrpSpPr/>
+          <p:nvPr/>
+        </p:nvGrpSpPr>
+        <p:grpSpPr>
+          <a:xfrm>
+            <a:off x="803295" y="1813069"/>
+            <a:ext cx="5833704" cy="3249281"/>
+            <a:chOff x="3639087" y="2577737"/>
+            <a:chExt cx="4599222" cy="2296676"/>
+          </a:xfrm>
+        </p:grpSpPr>
+        <p:sp>
+          <p:nvSpPr>
+            <p:cNvPr id="6" name="Rectangle 5"/>
+            <p:cNvSpPr/>
+            <p:nvPr/>
+          </p:nvSpPr>
+          <p:spPr bwMode="gray">
+            <a:xfrm>
+              <a:off x="3639087" y="2577737"/>
+              <a:ext cx="4599222" cy="365760"/>
+            </a:xfrm>
+            <a:prstGeom prst="rect">
+              <a:avLst/>
+            </a:prstGeom>
+            <a:solidFill>
+              <a:schemeClr val="tx2">
+                <a:lumMod val="90000"/>
+              </a:schemeClr>
+            </a:solidFill>
+            <a:ln>
+              <a:headEnd/>
+              <a:tailEnd/>
+            </a:ln>
+          </p:spPr>
+          <p:style>
+            <a:lnRef idx="2">
+              <a:schemeClr val="accent2">
+                <a:shade val="50000"/>
+              </a:schemeClr>
+            </a:lnRef>
+            <a:fillRef idx="1">
+              <a:schemeClr val="accent2"/>
+            </a:fillRef>
+            <a:effectRef idx="0">
+              <a:schemeClr val="accent2"/>
+            </a:effectRef>
+            <a:fontRef idx="minor">
+              <a:schemeClr val="lt1"/>
+            </a:fontRef>
+          </p:style>
+          <p:txBody>
+            <a:bodyPr lIns="90000" tIns="72000" rIns="90000" bIns="72000" rtlCol="0" anchor="ctr"/>
+            <a:lstStyle/>
+            <a:p>
+              <a:pPr marR="0" defTabSz="914400" eaLnBrk="1" fontAlgn="base" latinLnBrk="0" hangingPunct="1">
+                <a:lnSpc>
+                  <a:spcPct val="100000"/>
+                </a:lnSpc>
+                <a:spcBef>
+                  <a:spcPct val="50000"/>
+                </a:spcBef>
+                <a:spcAft>
+                  <a:spcPct val="0"/>
+                </a:spcAft>
+                <a:buClr>
+                  <a:srgbClr val="F0AB00"/>
+                </a:buClr>
+                <a:buSzPct val="80000"/>
+                <a:tabLst/>
+              </a:pPr>
+              <a:r>
+                <a:rPr lang="en-US" sz="1800" b="1" kern="0" noProof="0" dirty="0" err="1">
+                  <a:solidFill>
+                    <a:sysClr val="windowText" lastClr="000000"/>
+                  </a:solidFill>
+                  <a:ea typeface="Arial Unicode MS" pitchFamily="34" charset="-128"/>
+                  <a:cs typeface="Arial Unicode MS" pitchFamily="34" charset="-128"/>
+                </a:rPr>
+                <a:t>apiVersion</a:t>
+              </a:r>
+              <a:endParaRPr kumimoji="0" lang="en-US" sz="1800" b="1" i="0" u="none" strike="noStrike" kern="0" cap="none" spc="0" normalizeH="0" baseline="0" noProof="0" dirty="0">
+                <a:ln>
+                  <a:noFill/>
+                </a:ln>
+                <a:solidFill>
+                  <a:sysClr val="windowText" lastClr="000000"/>
+                </a:solidFill>
+                <a:effectLst/>
+                <a:uLnTx/>
+                <a:uFillTx/>
+                <a:ea typeface="Arial Unicode MS" pitchFamily="34" charset="-128"/>
+                <a:cs typeface="Arial Unicode MS" pitchFamily="34" charset="-128"/>
+              </a:endParaRPr>
+            </a:p>
+          </p:txBody>
+        </p:sp>
+        <p:sp>
+          <p:nvSpPr>
+            <p:cNvPr id="7" name="Rectangle 6"/>
+            <p:cNvSpPr/>
+            <p:nvPr/>
+          </p:nvSpPr>
+          <p:spPr bwMode="gray">
+            <a:xfrm>
+              <a:off x="3639087" y="3060466"/>
+              <a:ext cx="4599222" cy="365760"/>
+            </a:xfrm>
+            <a:prstGeom prst="rect">
+              <a:avLst/>
+            </a:prstGeom>
+            <a:solidFill>
+              <a:schemeClr val="tx2">
+                <a:lumMod val="90000"/>
+              </a:schemeClr>
+            </a:solidFill>
+            <a:ln>
+              <a:headEnd/>
+              <a:tailEnd/>
+            </a:ln>
+          </p:spPr>
+          <p:style>
+            <a:lnRef idx="2">
+              <a:schemeClr val="accent2">
+                <a:shade val="50000"/>
+              </a:schemeClr>
+            </a:lnRef>
+            <a:fillRef idx="1">
+              <a:schemeClr val="accent2"/>
+            </a:fillRef>
+            <a:effectRef idx="0">
+              <a:schemeClr val="accent2"/>
+            </a:effectRef>
+            <a:fontRef idx="minor">
+              <a:schemeClr val="lt1"/>
+            </a:fontRef>
+          </p:style>
+          <p:txBody>
+            <a:bodyPr lIns="90000" tIns="72000" rIns="90000" bIns="72000" rtlCol="0" anchor="ctr"/>
+            <a:lstStyle/>
+            <a:p>
+              <a:pPr marR="0" defTabSz="914400" eaLnBrk="1" fontAlgn="base" latinLnBrk="0" hangingPunct="1">
+                <a:lnSpc>
+                  <a:spcPct val="100000"/>
+                </a:lnSpc>
+                <a:spcBef>
+                  <a:spcPct val="50000"/>
+                </a:spcBef>
+                <a:spcAft>
+                  <a:spcPct val="0"/>
+                </a:spcAft>
+                <a:buClr>
+                  <a:srgbClr val="F0AB00"/>
+                </a:buClr>
+                <a:buSzPct val="80000"/>
+                <a:tabLst/>
+              </a:pPr>
+              <a:r>
+                <a:rPr lang="en-US" sz="1800" b="1" kern="0" dirty="0">
+                  <a:solidFill>
+                    <a:sysClr val="windowText" lastClr="000000"/>
+                  </a:solidFill>
+                  <a:ea typeface="Arial Unicode MS" pitchFamily="34" charset="-128"/>
+                  <a:cs typeface="Arial Unicode MS" pitchFamily="34" charset="-128"/>
+                </a:rPr>
+                <a:t>kind</a:t>
+              </a:r>
+              <a:endParaRPr kumimoji="0" lang="en-US" sz="1800" b="1" i="0" u="none" strike="noStrike" kern="0" cap="none" spc="0" normalizeH="0" baseline="0" noProof="0" dirty="0" err="1">
+                <a:ln>
+                  <a:noFill/>
+                </a:ln>
+                <a:solidFill>
+                  <a:sysClr val="windowText" lastClr="000000"/>
+                </a:solidFill>
+                <a:effectLst/>
+                <a:uLnTx/>
+                <a:uFillTx/>
+                <a:ea typeface="Arial Unicode MS" pitchFamily="34" charset="-128"/>
+                <a:cs typeface="Arial Unicode MS" pitchFamily="34" charset="-128"/>
+              </a:endParaRPr>
+            </a:p>
+          </p:txBody>
+        </p:sp>
+        <p:sp>
+          <p:nvSpPr>
+            <p:cNvPr id="8" name="Rectangle 7"/>
+            <p:cNvSpPr/>
+            <p:nvPr/>
+          </p:nvSpPr>
+          <p:spPr bwMode="gray">
+            <a:xfrm>
+              <a:off x="3639087" y="3543195"/>
+              <a:ext cx="4599222" cy="365760"/>
+            </a:xfrm>
+            <a:prstGeom prst="rect">
+              <a:avLst/>
+            </a:prstGeom>
+            <a:solidFill>
+              <a:schemeClr val="tx2">
+                <a:lumMod val="90000"/>
+              </a:schemeClr>
+            </a:solidFill>
+            <a:ln>
+              <a:headEnd/>
+              <a:tailEnd/>
+            </a:ln>
+          </p:spPr>
+          <p:style>
+            <a:lnRef idx="2">
+              <a:schemeClr val="accent2">
+                <a:shade val="50000"/>
+              </a:schemeClr>
+            </a:lnRef>
+            <a:fillRef idx="1">
+              <a:schemeClr val="accent2"/>
+            </a:fillRef>
+            <a:effectRef idx="0">
+              <a:schemeClr val="accent2"/>
+            </a:effectRef>
+            <a:fontRef idx="minor">
+              <a:schemeClr val="lt1"/>
+            </a:fontRef>
+          </p:style>
+          <p:txBody>
+            <a:bodyPr lIns="90000" tIns="72000" rIns="90000" bIns="72000" rtlCol="0" anchor="ctr"/>
+            <a:lstStyle/>
+            <a:p>
+              <a:pPr marR="0" defTabSz="914400" eaLnBrk="1" fontAlgn="base" latinLnBrk="0" hangingPunct="1">
+                <a:lnSpc>
+                  <a:spcPct val="100000"/>
+                </a:lnSpc>
+                <a:spcBef>
+                  <a:spcPct val="50000"/>
+                </a:spcBef>
+                <a:spcAft>
+                  <a:spcPct val="0"/>
+                </a:spcAft>
+                <a:buClr>
+                  <a:srgbClr val="F0AB00"/>
+                </a:buClr>
+                <a:buSzPct val="80000"/>
+                <a:tabLst/>
+              </a:pPr>
+              <a:r>
+                <a:rPr lang="en-US" sz="1800" b="1" kern="0" dirty="0">
+                  <a:solidFill>
+                    <a:sysClr val="windowText" lastClr="000000"/>
+                  </a:solidFill>
+                  <a:ea typeface="Arial Unicode MS" pitchFamily="34" charset="-128"/>
+                  <a:cs typeface="Arial Unicode MS" pitchFamily="34" charset="-128"/>
+                </a:rPr>
+                <a:t>metadata</a:t>
+              </a:r>
+              <a:endParaRPr kumimoji="0" lang="en-US" sz="1800" b="1" i="0" u="none" strike="noStrike" kern="0" cap="none" spc="0" normalizeH="0" baseline="0" noProof="0" dirty="0" err="1">
+                <a:ln>
+                  <a:noFill/>
+                </a:ln>
+                <a:solidFill>
+                  <a:sysClr val="windowText" lastClr="000000"/>
+                </a:solidFill>
+                <a:effectLst/>
+                <a:uLnTx/>
+                <a:uFillTx/>
+                <a:ea typeface="Arial Unicode MS" pitchFamily="34" charset="-128"/>
+                <a:cs typeface="Arial Unicode MS" pitchFamily="34" charset="-128"/>
+              </a:endParaRPr>
+            </a:p>
+          </p:txBody>
+        </p:sp>
+        <p:sp>
+          <p:nvSpPr>
+            <p:cNvPr id="9" name="Rectangle 8"/>
+            <p:cNvSpPr/>
+            <p:nvPr/>
+          </p:nvSpPr>
+          <p:spPr bwMode="gray">
+            <a:xfrm>
+              <a:off x="3639087" y="4025924"/>
+              <a:ext cx="4599222" cy="365760"/>
+            </a:xfrm>
+            <a:prstGeom prst="rect">
+              <a:avLst/>
+            </a:prstGeom>
+            <a:solidFill>
+              <a:schemeClr val="tx2">
+                <a:lumMod val="90000"/>
+              </a:schemeClr>
+            </a:solidFill>
+            <a:ln>
+              <a:headEnd/>
+              <a:tailEnd/>
+            </a:ln>
+          </p:spPr>
+          <p:style>
+            <a:lnRef idx="2">
+              <a:schemeClr val="accent2">
+                <a:shade val="50000"/>
+              </a:schemeClr>
+            </a:lnRef>
+            <a:fillRef idx="1">
+              <a:schemeClr val="accent2"/>
+            </a:fillRef>
+            <a:effectRef idx="0">
+              <a:schemeClr val="accent2"/>
+            </a:effectRef>
+            <a:fontRef idx="minor">
+              <a:schemeClr val="lt1"/>
+            </a:fontRef>
+          </p:style>
+          <p:txBody>
+            <a:bodyPr lIns="90000" tIns="72000" rIns="90000" bIns="72000" rtlCol="0" anchor="ctr"/>
+            <a:lstStyle/>
+            <a:p>
+              <a:pPr marR="0" defTabSz="914400" eaLnBrk="1" fontAlgn="base" latinLnBrk="0" hangingPunct="1">
+                <a:lnSpc>
+                  <a:spcPct val="100000"/>
+                </a:lnSpc>
+                <a:spcBef>
+                  <a:spcPct val="50000"/>
+                </a:spcBef>
+                <a:spcAft>
+                  <a:spcPct val="0"/>
+                </a:spcAft>
+                <a:buClr>
+                  <a:srgbClr val="F0AB00"/>
+                </a:buClr>
+                <a:buSzPct val="80000"/>
+                <a:tabLst/>
+              </a:pPr>
+              <a:r>
+                <a:rPr lang="en-US" sz="1800" b="1" kern="0" dirty="0">
+                  <a:solidFill>
+                    <a:sysClr val="windowText" lastClr="000000"/>
+                  </a:solidFill>
+                  <a:ea typeface="Arial Unicode MS" pitchFamily="34" charset="-128"/>
+                  <a:cs typeface="Arial Unicode MS" pitchFamily="34" charset="-128"/>
+                </a:rPr>
+                <a:t>spec</a:t>
+              </a:r>
+              <a:endParaRPr kumimoji="0" lang="en-US" sz="1800" b="1" i="0" u="none" strike="noStrike" kern="0" cap="none" spc="0" normalizeH="0" baseline="0" noProof="0" dirty="0" err="1">
+                <a:ln>
+                  <a:noFill/>
+                </a:ln>
+                <a:solidFill>
+                  <a:sysClr val="windowText" lastClr="000000"/>
+                </a:solidFill>
+                <a:effectLst/>
+                <a:uLnTx/>
+                <a:uFillTx/>
+                <a:ea typeface="Arial Unicode MS" pitchFamily="34" charset="-128"/>
+                <a:cs typeface="Arial Unicode MS" pitchFamily="34" charset="-128"/>
+              </a:endParaRPr>
+            </a:p>
+          </p:txBody>
+        </p:sp>
+        <p:sp>
+          <p:nvSpPr>
+            <p:cNvPr id="10" name="Rectangle 9"/>
+            <p:cNvSpPr/>
+            <p:nvPr/>
+          </p:nvSpPr>
+          <p:spPr bwMode="gray">
+            <a:xfrm>
+              <a:off x="3639087" y="4508653"/>
+              <a:ext cx="4599222" cy="365760"/>
+            </a:xfrm>
+            <a:prstGeom prst="rect">
+              <a:avLst/>
+            </a:prstGeom>
+            <a:solidFill>
+              <a:schemeClr val="tx2">
+                <a:lumMod val="90000"/>
+              </a:schemeClr>
+            </a:solidFill>
+            <a:ln>
+              <a:headEnd/>
+              <a:tailEnd/>
+            </a:ln>
+          </p:spPr>
+          <p:style>
+            <a:lnRef idx="2">
+              <a:schemeClr val="accent2">
+                <a:shade val="50000"/>
+              </a:schemeClr>
+            </a:lnRef>
+            <a:fillRef idx="1">
+              <a:schemeClr val="accent2"/>
+            </a:fillRef>
+            <a:effectRef idx="0">
+              <a:schemeClr val="accent2"/>
+            </a:effectRef>
+            <a:fontRef idx="minor">
+              <a:schemeClr val="lt1"/>
+            </a:fontRef>
+          </p:style>
+          <p:txBody>
+            <a:bodyPr lIns="90000" tIns="72000" rIns="90000" bIns="72000" rtlCol="0" anchor="ctr"/>
+            <a:lstStyle/>
+            <a:p>
+              <a:pPr marR="0" defTabSz="914400" eaLnBrk="1" fontAlgn="base" latinLnBrk="0" hangingPunct="1">
+                <a:lnSpc>
+                  <a:spcPct val="100000"/>
+                </a:lnSpc>
+                <a:spcBef>
+                  <a:spcPct val="50000"/>
+                </a:spcBef>
+                <a:spcAft>
+                  <a:spcPct val="0"/>
+                </a:spcAft>
+                <a:buClr>
+                  <a:srgbClr val="F0AB00"/>
+                </a:buClr>
+                <a:buSzPct val="80000"/>
+                <a:tabLst/>
+              </a:pPr>
+              <a:r>
+                <a:rPr lang="en-US" sz="1800" b="1" kern="0" dirty="0">
+                  <a:solidFill>
+                    <a:sysClr val="windowText" lastClr="000000"/>
+                  </a:solidFill>
+                  <a:ea typeface="Arial Unicode MS" pitchFamily="34" charset="-128"/>
+                  <a:cs typeface="Arial Unicode MS" pitchFamily="34" charset="-128"/>
+                </a:rPr>
+                <a:t>status</a:t>
+              </a:r>
+              <a:endParaRPr kumimoji="0" lang="en-US" sz="1800" b="1" i="0" u="none" strike="noStrike" kern="0" cap="none" spc="0" normalizeH="0" baseline="0" noProof="0" dirty="0" err="1">
+                <a:ln>
+                  <a:noFill/>
+                </a:ln>
+                <a:solidFill>
+                  <a:sysClr val="windowText" lastClr="000000"/>
+                </a:solidFill>
+                <a:effectLst/>
+                <a:uLnTx/>
+                <a:uFillTx/>
+                <a:ea typeface="Arial Unicode MS" pitchFamily="34" charset="-128"/>
+                <a:cs typeface="Arial Unicode MS" pitchFamily="34" charset="-128"/>
+              </a:endParaRPr>
+            </a:p>
+          </p:txBody>
+        </p:sp>
+        <p:sp>
+          <p:nvSpPr>
+            <p:cNvPr id="11" name="Rectangle 10"/>
+            <p:cNvSpPr/>
+            <p:nvPr/>
+          </p:nvSpPr>
+          <p:spPr bwMode="gray">
+            <a:xfrm>
+              <a:off x="5576745" y="3554081"/>
+              <a:ext cx="1921336" cy="343988"/>
+            </a:xfrm>
+            <a:prstGeom prst="rect">
+              <a:avLst/>
+            </a:prstGeom>
+            <a:solidFill>
+              <a:schemeClr val="accent1"/>
+            </a:solidFill>
+            <a:ln>
+              <a:headEnd/>
+              <a:tailEnd/>
+            </a:ln>
+          </p:spPr>
+          <p:style>
+            <a:lnRef idx="2">
+              <a:schemeClr val="accent2">
+                <a:shade val="50000"/>
+              </a:schemeClr>
+            </a:lnRef>
+            <a:fillRef idx="1">
+              <a:schemeClr val="accent2"/>
+            </a:fillRef>
+            <a:effectRef idx="0">
+              <a:schemeClr val="accent2"/>
+            </a:effectRef>
+            <a:fontRef idx="minor">
+              <a:schemeClr val="lt1"/>
+            </a:fontRef>
+          </p:style>
+          <p:txBody>
+            <a:bodyPr lIns="90000" tIns="72000" rIns="90000" bIns="72000" rtlCol="0" anchor="ctr"/>
+            <a:lstStyle/>
+            <a:p>
+              <a:pPr marR="0" algn="ctr" defTabSz="914400" eaLnBrk="1" fontAlgn="base" latinLnBrk="0" hangingPunct="1">
+                <a:lnSpc>
+                  <a:spcPct val="100000"/>
+                </a:lnSpc>
+                <a:spcBef>
+                  <a:spcPct val="50000"/>
+                </a:spcBef>
+                <a:spcAft>
+                  <a:spcPct val="0"/>
+                </a:spcAft>
+                <a:buClr>
+                  <a:srgbClr val="F0AB00"/>
+                </a:buClr>
+                <a:buSzPct val="80000"/>
+                <a:tabLst/>
+              </a:pPr>
+              <a:r>
+                <a:rPr lang="en-US" sz="1800" b="1" kern="0" dirty="0">
+                  <a:ea typeface="Arial Unicode MS" pitchFamily="34" charset="-128"/>
+                  <a:cs typeface="Arial Unicode MS" pitchFamily="34" charset="-128"/>
+                </a:rPr>
+                <a:t>metadata object</a:t>
+              </a:r>
+              <a:endParaRPr kumimoji="0" lang="en-US" sz="1800" b="1" i="0" u="none" strike="noStrike" kern="0" cap="none" spc="0" normalizeH="0" baseline="0" noProof="0" dirty="0" err="1">
+                <a:ln>
+                  <a:noFill/>
+                </a:ln>
+                <a:effectLst/>
+                <a:uLnTx/>
+                <a:uFillTx/>
+                <a:ea typeface="Arial Unicode MS" pitchFamily="34" charset="-128"/>
+                <a:cs typeface="Arial Unicode MS" pitchFamily="34" charset="-128"/>
+              </a:endParaRPr>
+            </a:p>
+          </p:txBody>
+        </p:sp>
+        <p:sp>
+          <p:nvSpPr>
+            <p:cNvPr id="12" name="Rectangle 11"/>
+            <p:cNvSpPr/>
+            <p:nvPr/>
+          </p:nvSpPr>
+          <p:spPr bwMode="gray">
+            <a:xfrm>
+              <a:off x="5576745" y="4036810"/>
+              <a:ext cx="1921336" cy="343988"/>
+            </a:xfrm>
+            <a:prstGeom prst="rect">
+              <a:avLst/>
+            </a:prstGeom>
+            <a:solidFill>
+              <a:schemeClr val="accent1"/>
+            </a:solidFill>
+            <a:ln>
+              <a:headEnd/>
+              <a:tailEnd/>
+            </a:ln>
+          </p:spPr>
+          <p:style>
+            <a:lnRef idx="2">
+              <a:schemeClr val="accent2">
+                <a:shade val="50000"/>
+              </a:schemeClr>
+            </a:lnRef>
+            <a:fillRef idx="1">
+              <a:schemeClr val="accent2"/>
+            </a:fillRef>
+            <a:effectRef idx="0">
+              <a:schemeClr val="accent2"/>
+            </a:effectRef>
+            <a:fontRef idx="minor">
+              <a:schemeClr val="lt1"/>
+            </a:fontRef>
+          </p:style>
+          <p:txBody>
+            <a:bodyPr lIns="90000" tIns="72000" rIns="90000" bIns="72000" rtlCol="0" anchor="ctr"/>
+            <a:lstStyle/>
+            <a:p>
+              <a:pPr marR="0" algn="ctr" defTabSz="914400" eaLnBrk="1" fontAlgn="base" latinLnBrk="0" hangingPunct="1">
+                <a:lnSpc>
+                  <a:spcPct val="100000"/>
+                </a:lnSpc>
+                <a:spcBef>
+                  <a:spcPct val="50000"/>
+                </a:spcBef>
+                <a:spcAft>
+                  <a:spcPct val="0"/>
+                </a:spcAft>
+                <a:buClr>
+                  <a:srgbClr val="F0AB00"/>
+                </a:buClr>
+                <a:buSzPct val="80000"/>
+                <a:tabLst/>
+              </a:pPr>
+              <a:r>
+                <a:rPr lang="en-US" sz="1800" b="1" kern="0" dirty="0">
+                  <a:ea typeface="Arial Unicode MS" pitchFamily="34" charset="-128"/>
+                  <a:cs typeface="Arial Unicode MS" pitchFamily="34" charset="-128"/>
+                </a:rPr>
+                <a:t>spec object</a:t>
+              </a:r>
+              <a:endParaRPr kumimoji="0" lang="en-US" sz="1800" b="1" i="0" u="none" strike="noStrike" kern="0" cap="none" spc="0" normalizeH="0" baseline="0" noProof="0" dirty="0" err="1">
+                <a:ln>
+                  <a:noFill/>
+                </a:ln>
+                <a:effectLst/>
+                <a:uLnTx/>
+                <a:uFillTx/>
+                <a:ea typeface="Arial Unicode MS" pitchFamily="34" charset="-128"/>
+                <a:cs typeface="Arial Unicode MS" pitchFamily="34" charset="-128"/>
+              </a:endParaRPr>
+            </a:p>
+          </p:txBody>
+        </p:sp>
+        <p:sp>
+          <p:nvSpPr>
+            <p:cNvPr id="13" name="Rectangle 12"/>
+            <p:cNvSpPr/>
+            <p:nvPr/>
+          </p:nvSpPr>
+          <p:spPr bwMode="gray">
+            <a:xfrm>
+              <a:off x="5576745" y="4517748"/>
+              <a:ext cx="1921336" cy="343988"/>
+            </a:xfrm>
+            <a:prstGeom prst="rect">
+              <a:avLst/>
+            </a:prstGeom>
+            <a:solidFill>
+              <a:schemeClr val="accent1"/>
+            </a:solidFill>
+            <a:ln>
+              <a:headEnd/>
+              <a:tailEnd/>
+            </a:ln>
+          </p:spPr>
+          <p:style>
+            <a:lnRef idx="2">
+              <a:schemeClr val="accent2">
+                <a:shade val="50000"/>
+              </a:schemeClr>
+            </a:lnRef>
+            <a:fillRef idx="1">
+              <a:schemeClr val="accent2"/>
+            </a:fillRef>
+            <a:effectRef idx="0">
+              <a:schemeClr val="accent2"/>
+            </a:effectRef>
+            <a:fontRef idx="minor">
+              <a:schemeClr val="lt1"/>
+            </a:fontRef>
+          </p:style>
+          <p:txBody>
+            <a:bodyPr lIns="90000" tIns="72000" rIns="90000" bIns="72000" rtlCol="0" anchor="ctr"/>
+            <a:lstStyle/>
+            <a:p>
+              <a:pPr marR="0" algn="ctr" defTabSz="914400" eaLnBrk="1" fontAlgn="base" latinLnBrk="0" hangingPunct="1">
+                <a:lnSpc>
+                  <a:spcPct val="100000"/>
+                </a:lnSpc>
+                <a:spcBef>
+                  <a:spcPct val="50000"/>
+                </a:spcBef>
+                <a:spcAft>
+                  <a:spcPct val="0"/>
+                </a:spcAft>
+                <a:buClr>
+                  <a:srgbClr val="F0AB00"/>
+                </a:buClr>
+                <a:buSzPct val="80000"/>
+                <a:tabLst/>
+              </a:pPr>
+              <a:r>
+                <a:rPr lang="en-US" sz="1800" b="1" kern="0" dirty="0">
+                  <a:ea typeface="Arial Unicode MS" pitchFamily="34" charset="-128"/>
+                  <a:cs typeface="Arial Unicode MS" pitchFamily="34" charset="-128"/>
+                </a:rPr>
+                <a:t>status object</a:t>
+              </a:r>
+              <a:endParaRPr kumimoji="0" lang="en-US" sz="1800" b="1" i="0" u="none" strike="noStrike" kern="0" cap="none" spc="0" normalizeH="0" baseline="0" noProof="0" dirty="0" err="1">
+                <a:ln>
+                  <a:noFill/>
+                </a:ln>
+                <a:effectLst/>
+                <a:uLnTx/>
+                <a:uFillTx/>
+                <a:ea typeface="Arial Unicode MS" pitchFamily="34" charset="-128"/>
+                <a:cs typeface="Arial Unicode MS" pitchFamily="34" charset="-128"/>
+              </a:endParaRPr>
+            </a:p>
+          </p:txBody>
+        </p:sp>
+        <p:sp>
+          <p:nvSpPr>
+            <p:cNvPr id="14" name="Rectangle 13"/>
+            <p:cNvSpPr/>
+            <p:nvPr/>
+          </p:nvSpPr>
+          <p:spPr bwMode="gray">
+            <a:xfrm>
+              <a:off x="5576745" y="2588623"/>
+              <a:ext cx="1921336" cy="343988"/>
+            </a:xfrm>
+            <a:prstGeom prst="rect">
+              <a:avLst/>
+            </a:prstGeom>
+            <a:ln>
+              <a:headEnd/>
+              <a:tailEnd/>
+            </a:ln>
+          </p:spPr>
+          <p:style>
+            <a:lnRef idx="2">
+              <a:schemeClr val="accent1"/>
+            </a:lnRef>
+            <a:fillRef idx="1">
+              <a:schemeClr val="lt1"/>
+            </a:fillRef>
+            <a:effectRef idx="0">
+              <a:schemeClr val="accent1"/>
+            </a:effectRef>
+            <a:fontRef idx="minor">
+              <a:schemeClr val="dk1"/>
+            </a:fontRef>
+          </p:style>
+          <p:txBody>
+            <a:bodyPr lIns="90000" tIns="72000" rIns="90000" bIns="72000" rtlCol="0" anchor="ctr"/>
+            <a:lstStyle/>
+            <a:p>
+              <a:pPr marR="0" algn="ctr" defTabSz="914400" eaLnBrk="1" fontAlgn="base" latinLnBrk="0" hangingPunct="1">
+                <a:lnSpc>
+                  <a:spcPct val="100000"/>
+                </a:lnSpc>
+                <a:spcBef>
+                  <a:spcPct val="50000"/>
+                </a:spcBef>
+                <a:spcAft>
+                  <a:spcPct val="0"/>
+                </a:spcAft>
+                <a:buClr>
+                  <a:srgbClr val="F0AB00"/>
+                </a:buClr>
+                <a:buSzPct val="80000"/>
+                <a:tabLst/>
+              </a:pPr>
+              <a:r>
+                <a:rPr lang="en-US" sz="1800" b="1" kern="0" dirty="0">
+                  <a:ea typeface="Arial Unicode MS" pitchFamily="34" charset="-128"/>
+                  <a:cs typeface="Arial Unicode MS" pitchFamily="34" charset="-128"/>
+                </a:rPr>
+                <a:t>value</a:t>
+              </a:r>
+              <a:endParaRPr kumimoji="0" lang="en-US" sz="1800" b="1" i="0" u="none" strike="noStrike" kern="0" cap="none" spc="0" normalizeH="0" baseline="0" noProof="0" dirty="0" err="1">
+                <a:ln>
+                  <a:noFill/>
+                </a:ln>
+                <a:effectLst/>
+                <a:uLnTx/>
+                <a:uFillTx/>
+                <a:ea typeface="Arial Unicode MS" pitchFamily="34" charset="-128"/>
+                <a:cs typeface="Arial Unicode MS" pitchFamily="34" charset="-128"/>
+              </a:endParaRPr>
+            </a:p>
+          </p:txBody>
+        </p:sp>
+        <p:sp>
+          <p:nvSpPr>
+            <p:cNvPr id="15" name="Rectangle 14"/>
+            <p:cNvSpPr/>
+            <p:nvPr/>
+          </p:nvSpPr>
+          <p:spPr bwMode="gray">
+            <a:xfrm>
+              <a:off x="5576745" y="3071352"/>
+              <a:ext cx="1921336" cy="343988"/>
+            </a:xfrm>
+            <a:prstGeom prst="rect">
+              <a:avLst/>
+            </a:prstGeom>
+            <a:ln>
+              <a:headEnd/>
+              <a:tailEnd/>
+            </a:ln>
+          </p:spPr>
+          <p:style>
+            <a:lnRef idx="2">
+              <a:schemeClr val="accent1"/>
+            </a:lnRef>
+            <a:fillRef idx="1">
+              <a:schemeClr val="lt1"/>
+            </a:fillRef>
+            <a:effectRef idx="0">
+              <a:schemeClr val="accent1"/>
+            </a:effectRef>
+            <a:fontRef idx="minor">
+              <a:schemeClr val="dk1"/>
+            </a:fontRef>
+          </p:style>
+          <p:txBody>
+            <a:bodyPr lIns="90000" tIns="72000" rIns="90000" bIns="72000" rtlCol="0" anchor="ctr"/>
+            <a:lstStyle/>
+            <a:p>
+              <a:pPr marR="0" algn="ctr" defTabSz="914400" eaLnBrk="1" fontAlgn="base" latinLnBrk="0" hangingPunct="1">
+                <a:lnSpc>
+                  <a:spcPct val="100000"/>
+                </a:lnSpc>
+                <a:spcBef>
+                  <a:spcPct val="50000"/>
+                </a:spcBef>
+                <a:spcAft>
+                  <a:spcPct val="0"/>
+                </a:spcAft>
+                <a:buClr>
+                  <a:srgbClr val="F0AB00"/>
+                </a:buClr>
+                <a:buSzPct val="80000"/>
+                <a:tabLst/>
+              </a:pPr>
+              <a:r>
+                <a:rPr lang="en-US" sz="1800" b="1" kern="0" dirty="0">
+                  <a:ea typeface="Arial Unicode MS" pitchFamily="34" charset="-128"/>
+                  <a:cs typeface="Arial Unicode MS" pitchFamily="34" charset="-128"/>
+                </a:rPr>
+                <a:t>value</a:t>
+              </a:r>
+              <a:endParaRPr kumimoji="0" lang="en-US" sz="1800" b="1" i="0" u="none" strike="noStrike" kern="0" cap="none" spc="0" normalizeH="0" baseline="0" noProof="0" dirty="0" err="1">
+                <a:ln>
+                  <a:noFill/>
+                </a:ln>
+                <a:effectLst/>
+                <a:uLnTx/>
+                <a:uFillTx/>
+                <a:ea typeface="Arial Unicode MS" pitchFamily="34" charset="-128"/>
+                <a:cs typeface="Arial Unicode MS" pitchFamily="34" charset="-128"/>
+              </a:endParaRPr>
+            </a:p>
+          </p:txBody>
+        </p:sp>
+      </p:grpSp>
+      <p:sp>
+        <p:nvSpPr>
+          <p:cNvPr id="18" name="Speech Bubble: Rectangle 17"/>
+          <p:cNvSpPr/>
+          <p:nvPr/>
+        </p:nvSpPr>
+        <p:spPr bwMode="gray">
+          <a:xfrm>
+            <a:off x="6636999" y="5497800"/>
+            <a:ext cx="4101737" cy="624325"/>
+          </a:xfrm>
+          <a:prstGeom prst="wedgeRectCallout">
+            <a:avLst>
+              <a:gd name="adj1" fmla="val -67542"/>
+              <a:gd name="adj2" fmla="val -171236"/>
+            </a:avLst>
+          </a:prstGeom>
+          <a:ln>
+            <a:headEnd/>
+            <a:tailEnd/>
+          </a:ln>
+        </p:spPr>
+        <p:style>
+          <a:lnRef idx="2">
+            <a:schemeClr val="accent5"/>
+          </a:lnRef>
+          <a:fillRef idx="1">
+            <a:schemeClr val="lt1"/>
+          </a:fillRef>
+          <a:effectRef idx="0">
+            <a:schemeClr val="accent5"/>
+          </a:effectRef>
+          <a:fontRef idx="minor">
+            <a:schemeClr val="dk1"/>
+          </a:fontRef>
+        </p:style>
+        <p:txBody>
+          <a:bodyPr lIns="90000" tIns="72000" rIns="90000" bIns="72000" rtlCol="0" anchor="ctr"/>
+          <a:lstStyle/>
+          <a:p>
+            <a:pPr marR="0" algn="ctr" defTabSz="914400" eaLnBrk="1" fontAlgn="base" latinLnBrk="0" hangingPunct="1">
+              <a:lnSpc>
+                <a:spcPct val="100000"/>
+              </a:lnSpc>
+              <a:spcBef>
+                <a:spcPct val="50000"/>
+              </a:spcBef>
+              <a:spcAft>
+                <a:spcPct val="0"/>
+              </a:spcAft>
+              <a:buClr>
+                <a:srgbClr val="F0AB00"/>
+              </a:buClr>
+              <a:buSzPct val="80000"/>
+              <a:tabLst/>
+            </a:pPr>
+            <a:r>
+              <a:rPr lang="en-US" sz="1800" kern="0" dirty="0">
+                <a:ea typeface="Arial Unicode MS" pitchFamily="34" charset="-128"/>
+                <a:cs typeface="Arial Unicode MS" pitchFamily="34" charset="-128"/>
+              </a:rPr>
+              <a:t>Information supplied by k8s, not maintained by users</a:t>
+            </a:r>
+            <a:endParaRPr kumimoji="0" lang="en-US" sz="1800" b="0" i="0" u="none" strike="noStrike" kern="0" cap="none" spc="0" normalizeH="0" baseline="0" noProof="0" dirty="0" err="1">
+              <a:ln>
+                <a:noFill/>
+              </a:ln>
+              <a:effectLst/>
+              <a:uLnTx/>
+              <a:uFillTx/>
+              <a:ea typeface="Arial Unicode MS" pitchFamily="34" charset="-128"/>
+              <a:cs typeface="Arial Unicode MS" pitchFamily="34" charset="-128"/>
+            </a:endParaRPr>
+          </a:p>
+        </p:txBody>
+      </p:sp>
+      <p:sp>
+        <p:nvSpPr>
+          <p:cNvPr id="19" name="Speech Bubble: Rectangle 18"/>
+          <p:cNvSpPr/>
+          <p:nvPr/>
+        </p:nvSpPr>
+        <p:spPr bwMode="gray">
+          <a:xfrm>
+            <a:off x="7014755" y="873332"/>
+            <a:ext cx="4101737" cy="624325"/>
+          </a:xfrm>
+          <a:prstGeom prst="wedgeRectCallout">
+            <a:avLst>
+              <a:gd name="adj1" fmla="val -78795"/>
+              <a:gd name="adj2" fmla="val 137032"/>
+            </a:avLst>
+          </a:prstGeom>
+          <a:ln>
+            <a:headEnd/>
+            <a:tailEnd/>
+          </a:ln>
+        </p:spPr>
+        <p:style>
+          <a:lnRef idx="2">
+            <a:schemeClr val="accent5"/>
+          </a:lnRef>
+          <a:fillRef idx="1">
+            <a:schemeClr val="lt1"/>
+          </a:fillRef>
+          <a:effectRef idx="0">
+            <a:schemeClr val="accent5"/>
+          </a:effectRef>
+          <a:fontRef idx="minor">
+            <a:schemeClr val="dk1"/>
+          </a:fontRef>
+        </p:style>
+        <p:txBody>
+          <a:bodyPr lIns="90000" tIns="72000" rIns="90000" bIns="72000" rtlCol="0" anchor="ctr"/>
+          <a:lstStyle/>
+          <a:p>
+            <a:pPr marR="0" algn="ctr" defTabSz="914400" eaLnBrk="1" fontAlgn="base" latinLnBrk="0" hangingPunct="1">
+              <a:lnSpc>
+                <a:spcPct val="100000"/>
+              </a:lnSpc>
+              <a:spcBef>
+                <a:spcPct val="50000"/>
+              </a:spcBef>
+              <a:spcAft>
+                <a:spcPct val="0"/>
+              </a:spcAft>
+              <a:buClr>
+                <a:srgbClr val="F0AB00"/>
+              </a:buClr>
+              <a:buSzPct val="80000"/>
+              <a:tabLst/>
+            </a:pPr>
+            <a:r>
+              <a:rPr lang="en-US" sz="1800" kern="0" noProof="0" dirty="0" err="1">
+                <a:ea typeface="Arial Unicode MS" pitchFamily="34" charset="-128"/>
+                <a:cs typeface="Arial Unicode MS" pitchFamily="34" charset="-128"/>
+              </a:rPr>
+              <a:t>api</a:t>
+            </a:r>
+            <a:r>
+              <a:rPr lang="en-US" sz="1800" kern="0" noProof="0" dirty="0">
+                <a:ea typeface="Arial Unicode MS" pitchFamily="34" charset="-128"/>
+                <a:cs typeface="Arial Unicode MS" pitchFamily="34" charset="-128"/>
+              </a:rPr>
+              <a:t> the resource belongs to, e.g. “v1”</a:t>
+            </a:r>
+            <a:endParaRPr kumimoji="0" lang="en-US" sz="1800" b="0" i="0" u="none" strike="noStrike" kern="0" cap="none" spc="0" normalizeH="0" baseline="0" noProof="0" dirty="0">
+              <a:ln>
+                <a:noFill/>
+              </a:ln>
+              <a:effectLst/>
+              <a:uLnTx/>
+              <a:uFillTx/>
+              <a:ea typeface="Arial Unicode MS" pitchFamily="34" charset="-128"/>
+              <a:cs typeface="Arial Unicode MS" pitchFamily="34" charset="-128"/>
+            </a:endParaRPr>
+          </a:p>
+        </p:txBody>
+      </p:sp>
+      <p:sp>
+        <p:nvSpPr>
+          <p:cNvPr id="20" name="Speech Bubble: Rectangle 19"/>
+          <p:cNvSpPr/>
+          <p:nvPr/>
+        </p:nvSpPr>
+        <p:spPr bwMode="gray">
+          <a:xfrm>
+            <a:off x="7588740" y="2061185"/>
+            <a:ext cx="4101737" cy="624325"/>
+          </a:xfrm>
+          <a:prstGeom prst="wedgeRectCallout">
+            <a:avLst>
+              <a:gd name="adj1" fmla="val -82617"/>
+              <a:gd name="adj2" fmla="val 51945"/>
+            </a:avLst>
+          </a:prstGeom>
+          <a:ln>
+            <a:headEnd/>
+            <a:tailEnd/>
+          </a:ln>
+        </p:spPr>
+        <p:style>
+          <a:lnRef idx="2">
+            <a:schemeClr val="accent5"/>
+          </a:lnRef>
+          <a:fillRef idx="1">
+            <a:schemeClr val="lt1"/>
+          </a:fillRef>
+          <a:effectRef idx="0">
+            <a:schemeClr val="accent5"/>
+          </a:effectRef>
+          <a:fontRef idx="minor">
+            <a:schemeClr val="dk1"/>
+          </a:fontRef>
+        </p:style>
+        <p:txBody>
+          <a:bodyPr lIns="90000" tIns="72000" rIns="90000" bIns="72000" rtlCol="0" anchor="ctr"/>
+          <a:lstStyle/>
+          <a:p>
+            <a:pPr marR="0" algn="ctr" defTabSz="914400" eaLnBrk="1" fontAlgn="base" latinLnBrk="0" hangingPunct="1">
+              <a:lnSpc>
+                <a:spcPct val="100000"/>
+              </a:lnSpc>
+              <a:spcBef>
+                <a:spcPct val="50000"/>
+              </a:spcBef>
+              <a:spcAft>
+                <a:spcPct val="0"/>
+              </a:spcAft>
+              <a:buClr>
+                <a:srgbClr val="F0AB00"/>
+              </a:buClr>
+              <a:buSzPct val="80000"/>
+              <a:tabLst/>
+            </a:pPr>
+            <a:r>
+              <a:rPr lang="en-US" sz="1800" kern="0" noProof="0" dirty="0">
+                <a:ea typeface="Arial Unicode MS" pitchFamily="34" charset="-128"/>
+                <a:cs typeface="Arial Unicode MS" pitchFamily="34" charset="-128"/>
+              </a:rPr>
+              <a:t>resource type, e.g. “pod”</a:t>
+            </a:r>
+            <a:endParaRPr kumimoji="0" lang="en-US" sz="1800" b="0" i="0" u="none" strike="noStrike" kern="0" cap="none" spc="0" normalizeH="0" baseline="0" noProof="0" dirty="0">
+              <a:ln>
+                <a:noFill/>
+              </a:ln>
+              <a:effectLst/>
+              <a:uLnTx/>
+              <a:uFillTx/>
+              <a:ea typeface="Arial Unicode MS" pitchFamily="34" charset="-128"/>
+              <a:cs typeface="Arial Unicode MS" pitchFamily="34" charset="-128"/>
+            </a:endParaRPr>
+          </a:p>
+        </p:txBody>
+      </p:sp>
+      <p:sp>
+        <p:nvSpPr>
+          <p:cNvPr id="21" name="Speech Bubble: Rectangle 20"/>
+          <p:cNvSpPr/>
+          <p:nvPr/>
+        </p:nvSpPr>
+        <p:spPr bwMode="gray">
+          <a:xfrm>
+            <a:off x="7588740" y="3063233"/>
+            <a:ext cx="4101737" cy="748951"/>
+          </a:xfrm>
+          <a:prstGeom prst="wedgeRectCallout">
+            <a:avLst>
+              <a:gd name="adj1" fmla="val -82404"/>
+              <a:gd name="adj2" fmla="val 8240"/>
+            </a:avLst>
+          </a:prstGeom>
+          <a:ln>
+            <a:headEnd/>
+            <a:tailEnd/>
+          </a:ln>
+        </p:spPr>
+        <p:style>
+          <a:lnRef idx="2">
+            <a:schemeClr val="accent5"/>
+          </a:lnRef>
+          <a:fillRef idx="1">
+            <a:schemeClr val="lt1"/>
+          </a:fillRef>
+          <a:effectRef idx="0">
+            <a:schemeClr val="accent5"/>
+          </a:effectRef>
+          <a:fontRef idx="minor">
+            <a:schemeClr val="dk1"/>
+          </a:fontRef>
+        </p:style>
+        <p:txBody>
+          <a:bodyPr lIns="90000" tIns="72000" rIns="90000" bIns="72000" rtlCol="0" anchor="ctr"/>
+          <a:lstStyle/>
+          <a:p>
+            <a:pPr marR="0" algn="ctr" defTabSz="914400" eaLnBrk="1" fontAlgn="base" latinLnBrk="0" hangingPunct="1">
+              <a:lnSpc>
+                <a:spcPct val="100000"/>
+              </a:lnSpc>
+              <a:spcBef>
+                <a:spcPct val="50000"/>
+              </a:spcBef>
+              <a:spcAft>
+                <a:spcPct val="0"/>
+              </a:spcAft>
+              <a:buClr>
+                <a:srgbClr val="F0AB00"/>
+              </a:buClr>
+              <a:buSzPct val="80000"/>
+              <a:tabLst/>
+            </a:pPr>
+            <a:r>
+              <a:rPr lang="en-US" sz="1800" kern="0" noProof="0" dirty="0">
+                <a:ea typeface="Arial Unicode MS" pitchFamily="34" charset="-128"/>
+                <a:cs typeface="Arial Unicode MS" pitchFamily="34" charset="-128"/>
+              </a:rPr>
+              <a:t>metadata like name, annotations or labels are maintained here</a:t>
+            </a:r>
+            <a:endParaRPr kumimoji="0" lang="en-US" sz="1800" b="0" i="0" u="none" strike="noStrike" kern="0" cap="none" spc="0" normalizeH="0" baseline="0" noProof="0" dirty="0">
+              <a:ln>
+                <a:noFill/>
+              </a:ln>
+              <a:effectLst/>
+              <a:uLnTx/>
+              <a:uFillTx/>
+              <a:ea typeface="Arial Unicode MS" pitchFamily="34" charset="-128"/>
+              <a:cs typeface="Arial Unicode MS" pitchFamily="34" charset="-128"/>
+            </a:endParaRPr>
+          </a:p>
+        </p:txBody>
+      </p:sp>
+      <p:sp>
+        <p:nvSpPr>
+          <p:cNvPr id="22" name="Speech Bubble: Rectangle 21"/>
+          <p:cNvSpPr/>
+          <p:nvPr/>
+        </p:nvSpPr>
+        <p:spPr bwMode="gray">
+          <a:xfrm>
+            <a:off x="7588740" y="4108290"/>
+            <a:ext cx="4101737" cy="748951"/>
+          </a:xfrm>
+          <a:prstGeom prst="wedgeRectCallout">
+            <a:avLst>
+              <a:gd name="adj1" fmla="val -86438"/>
+              <a:gd name="adj2" fmla="val -41760"/>
+            </a:avLst>
+          </a:prstGeom>
+          <a:ln>
+            <a:headEnd/>
+            <a:tailEnd/>
+          </a:ln>
+        </p:spPr>
+        <p:style>
+          <a:lnRef idx="2">
+            <a:schemeClr val="accent5"/>
+          </a:lnRef>
+          <a:fillRef idx="1">
+            <a:schemeClr val="lt1"/>
+          </a:fillRef>
+          <a:effectRef idx="0">
+            <a:schemeClr val="accent5"/>
+          </a:effectRef>
+          <a:fontRef idx="minor">
+            <a:schemeClr val="dk1"/>
+          </a:fontRef>
+        </p:style>
+        <p:txBody>
+          <a:bodyPr lIns="90000" tIns="72000" rIns="90000" bIns="72000" rtlCol="0" anchor="ctr"/>
+          <a:lstStyle/>
+          <a:p>
+            <a:pPr marR="0" algn="ctr" defTabSz="914400" eaLnBrk="1" fontAlgn="base" latinLnBrk="0" hangingPunct="1">
+              <a:lnSpc>
+                <a:spcPct val="100000"/>
+              </a:lnSpc>
+              <a:spcBef>
+                <a:spcPct val="50000"/>
+              </a:spcBef>
+              <a:spcAft>
+                <a:spcPct val="0"/>
+              </a:spcAft>
+              <a:buClr>
+                <a:srgbClr val="F0AB00"/>
+              </a:buClr>
+              <a:buSzPct val="80000"/>
+              <a:tabLst/>
+            </a:pPr>
+            <a:r>
+              <a:rPr lang="en-US" sz="1800" kern="0" dirty="0">
+                <a:ea typeface="Arial Unicode MS" pitchFamily="34" charset="-128"/>
+                <a:cs typeface="Arial Unicode MS" pitchFamily="34" charset="-128"/>
+              </a:rPr>
+              <a:t>specification of the resource based on its “kind”</a:t>
+            </a:r>
+            <a:endParaRPr kumimoji="0" lang="en-US" sz="1800" b="0" i="0" u="none" strike="noStrike" kern="0" cap="none" spc="0" normalizeH="0" baseline="0" noProof="0" dirty="0">
+              <a:ln>
+                <a:noFill/>
+              </a:ln>
+              <a:effectLst/>
+              <a:uLnTx/>
+              <a:uFillTx/>
+              <a:ea typeface="Arial Unicode MS" pitchFamily="34" charset="-128"/>
+              <a:cs typeface="Arial Unicode MS" pitchFamily="34" charset="-128"/>
+            </a:endParaRPr>
+          </a:p>
+        </p:txBody>
+      </p:sp>
+    </p:spTree>
+    <p:extLst>
+      <p:ext uri="{BB962C8B-B14F-4D97-AF65-F5344CB8AC3E}">
+        <p14:creationId xmlns:p14="http://schemas.microsoft.com/office/powerpoint/2010/main" val="4144602584"/>
+      </p:ext>
+    </p:extLst>
+  </p:cSld>
+  <p:clrMapOvr>
+    <a:masterClrMapping/>
+  </p:clrMapOvr>
+</p:sld>
+</file>
+
+<file path=ppt/slides/slide11.xml><?xml version="1.0" encoding="utf-8"?>
+<p:sld xmlns:a="http://schemas.openxmlformats.org/drawingml/2006/main" xmlns:r="http://schemas.openxmlformats.org/officeDocument/2006/relationships" xmlns:p="http://schemas.openxmlformats.org/presentationml/2006/main">
+  <p:cSld>
+    <p:spTree>
+      <p:nvGrpSpPr>
+        <p:cNvPr id="1" name=""/>
+        <p:cNvGrpSpPr/>
+        <p:nvPr/>
+      </p:nvGrpSpPr>
+      <p:grpSpPr>
+        <a:xfrm>
+          <a:off x="0" y="0"/>
+          <a:ext cx="0" cy="0"/>
+          <a:chOff x="0" y="0"/>
+          <a:chExt cx="0" cy="0"/>
+        </a:xfrm>
+      </p:grpSpPr>
+      <p:sp>
+        <p:nvSpPr>
+          <p:cNvPr id="3" name="Title 2">
+            <a:extLst>
+              <a:ext uri="{FF2B5EF4-FFF2-40B4-BE49-F238E27FC236}">
+                <a16:creationId xmlns:a16="http://schemas.microsoft.com/office/drawing/2014/main" id="{2F5E5200-1EBB-48AC-9E3E-540D7D300B31}"/>
+              </a:ext>
+            </a:extLst>
+          </p:cNvPr>
+          <p:cNvSpPr>
+            <a:spLocks noGrp="1"/>
+          </p:cNvSpPr>
+          <p:nvPr>
+            <p:ph type="title"/>
+          </p:nvPr>
+        </p:nvSpPr>
+        <p:spPr/>
+        <p:txBody>
+          <a:bodyPr/>
+          <a:lstStyle/>
+          <a:p>
+            <a:r>
+              <a:rPr lang="en-US" dirty="0"/>
+              <a:t>API documentation – Pod structure</a:t>
+            </a:r>
+          </a:p>
+        </p:txBody>
+      </p:sp>
+      <p:sp>
+        <p:nvSpPr>
+          <p:cNvPr id="4" name="Rectangle 3">
+            <a:extLst>
+              <a:ext uri="{FF2B5EF4-FFF2-40B4-BE49-F238E27FC236}">
+                <a16:creationId xmlns:a16="http://schemas.microsoft.com/office/drawing/2014/main" id="{DCB60DFE-A47A-423D-B9E3-AF96A86F71E7}"/>
+              </a:ext>
+            </a:extLst>
+          </p:cNvPr>
+          <p:cNvSpPr/>
+          <p:nvPr/>
+        </p:nvSpPr>
+        <p:spPr>
+          <a:xfrm>
+            <a:off x="504001" y="1240262"/>
+            <a:ext cx="6014786" cy="400110"/>
+          </a:xfrm>
+          <a:prstGeom prst="rect">
+            <a:avLst/>
+          </a:prstGeom>
+        </p:spPr>
+        <p:txBody>
+          <a:bodyPr wrap="square">
+            <a:spAutoFit/>
+          </a:bodyPr>
+          <a:lstStyle/>
+          <a:p>
+            <a:r>
+              <a:rPr lang="en-US" sz="2000" dirty="0">
+                <a:hlinkClick r:id="rId3"/>
+              </a:rPr>
+              <a:t>https://kubernetes.io/docs/reference/#api-reference</a:t>
+            </a:r>
+            <a:endParaRPr lang="en-US" sz="2000" dirty="0"/>
+          </a:p>
+        </p:txBody>
+      </p:sp>
+      <p:pic>
+        <p:nvPicPr>
+          <p:cNvPr id="5" name="Picture 4">
+            <a:extLst>
+              <a:ext uri="{FF2B5EF4-FFF2-40B4-BE49-F238E27FC236}">
+                <a16:creationId xmlns:a16="http://schemas.microsoft.com/office/drawing/2014/main" id="{0DA3CA79-31C1-456A-8B01-BF80B3DD19A4}"/>
+              </a:ext>
+            </a:extLst>
+          </p:cNvPr>
+          <p:cNvPicPr>
+            <a:picLocks noChangeAspect="1"/>
+          </p:cNvPicPr>
+          <p:nvPr/>
+        </p:nvPicPr>
+        <p:blipFill>
+          <a:blip r:embed="rId4"/>
+          <a:stretch>
+            <a:fillRect/>
+          </a:stretch>
+        </p:blipFill>
+        <p:spPr>
+          <a:xfrm>
+            <a:off x="504001" y="1823734"/>
+            <a:ext cx="8708825" cy="4632354"/>
+          </a:xfrm>
+          <a:prstGeom prst="rect">
+            <a:avLst/>
+          </a:prstGeom>
+        </p:spPr>
+      </p:pic>
+    </p:spTree>
+    <p:extLst>
+      <p:ext uri="{BB962C8B-B14F-4D97-AF65-F5344CB8AC3E}">
+        <p14:creationId xmlns:p14="http://schemas.microsoft.com/office/powerpoint/2010/main" val="2822595700"/>
+      </p:ext>
+    </p:extLst>
+  </p:cSld>
+  <p:clrMapOvr>
+    <a:masterClrMapping/>
+  </p:clrMapOvr>
+</p:sld>
+</file>
+
+<file path=ppt/slides/slide12.xml><?xml version="1.0" encoding="utf-8"?>
+<p:sld xmlns:a="http://schemas.openxmlformats.org/drawingml/2006/main" xmlns:r="http://schemas.openxmlformats.org/officeDocument/2006/relationships" xmlns:p="http://schemas.openxmlformats.org/presentationml/2006/main">
+  <p:cSld>
+    <p:spTree>
+      <p:nvGrpSpPr>
+        <p:cNvPr id="1" name=""/>
+        <p:cNvGrpSpPr/>
+        <p:nvPr/>
+      </p:nvGrpSpPr>
+      <p:grpSpPr>
+        <a:xfrm>
+          <a:off x="0" y="0"/>
+          <a:ext cx="0" cy="0"/>
+          <a:chOff x="0" y="0"/>
+          <a:chExt cx="0" cy="0"/>
+        </a:xfrm>
+      </p:grpSpPr>
+      <p:sp>
+        <p:nvSpPr>
           <p:cNvPr id="3" name="Title 2">
             <a:extLst>
               <a:ext uri="{FF2B5EF4-FFF2-40B4-BE49-F238E27FC236}">
@@ -10772,7 +12419,7 @@
 </p:sld>
 </file>
 
-<file path=ppt/slides/slide11.xml><?xml version="1.0" encoding="utf-8"?>
+<file path=ppt/slides/slide13.xml><?xml version="1.0" encoding="utf-8"?>
 <p:sld xmlns:a="http://schemas.openxmlformats.org/drawingml/2006/main" xmlns:r="http://schemas.openxmlformats.org/officeDocument/2006/relationships" xmlns:p="http://schemas.openxmlformats.org/presentationml/2006/main">
   <p:cSld>
     <p:spTree>
@@ -11215,7 +12862,7 @@
 </p:sld>
 </file>
 
-<file path=ppt/slides/slide12.xml><?xml version="1.0" encoding="utf-8"?>
+<file path=ppt/slides/slide14.xml><?xml version="1.0" encoding="utf-8"?>
 <p:sld xmlns:a="http://schemas.openxmlformats.org/drawingml/2006/main" xmlns:r="http://schemas.openxmlformats.org/officeDocument/2006/relationships" xmlns:p="http://schemas.openxmlformats.org/presentationml/2006/main">
   <p:cSld>
     <p:spTree>
@@ -11858,7 +13505,7 @@
 </p:sld>
 </file>
 
-<file path=ppt/slides/slide13.xml><?xml version="1.0" encoding="utf-8"?>
+<file path=ppt/slides/slide15.xml><?xml version="1.0" encoding="utf-8"?>
 <p:sld xmlns:a="http://schemas.openxmlformats.org/drawingml/2006/main" xmlns:r="http://schemas.openxmlformats.org/officeDocument/2006/relationships" xmlns:p="http://schemas.openxmlformats.org/presentationml/2006/main">
   <p:cSld>
     <p:spTree>
@@ -11940,7 +13587,7 @@
 </p:sld>
 </file>
 
-<file path=ppt/slides/slide14.xml><?xml version="1.0" encoding="utf-8"?>
+<file path=ppt/slides/slide16.xml><?xml version="1.0" encoding="utf-8"?>
 <p:sld xmlns:a="http://schemas.openxmlformats.org/drawingml/2006/main" xmlns:r="http://schemas.openxmlformats.org/officeDocument/2006/relationships" xmlns:p="http://schemas.openxmlformats.org/presentationml/2006/main">
   <p:cSld>
     <p:spTree>
@@ -12880,7 +14527,7 @@
 </p:sld>
 </file>
 
-<file path=ppt/slides/slide15.xml><?xml version="1.0" encoding="utf-8"?>
+<file path=ppt/slides/slide17.xml><?xml version="1.0" encoding="utf-8"?>
 <p:sld xmlns:a="http://schemas.openxmlformats.org/drawingml/2006/main" xmlns:r="http://schemas.openxmlformats.org/officeDocument/2006/relationships" xmlns:p="http://schemas.openxmlformats.org/presentationml/2006/main" show="0">
   <p:cSld>
     <p:spTree>
@@ -20698,7 +22345,13 @@
       </p:grpSpPr>
       <p:sp>
         <p:nvSpPr>
-          <p:cNvPr id="3" name="Title 2"/>
+          <p:cNvPr id="2" name="Title 1">
+            <a:extLst>
+              <a:ext uri="{FF2B5EF4-FFF2-40B4-BE49-F238E27FC236}">
+                <a16:creationId xmlns:a16="http://schemas.microsoft.com/office/drawing/2014/main" id="{FACB9046-08E3-440A-9CE8-FB377BBC6F11}"/>
+              </a:ext>
+            </a:extLst>
+          </p:cNvPr>
           <p:cNvSpPr>
             <a:spLocks noGrp="1"/>
           </p:cNvSpPr>
@@ -20713,42 +22366,54 @@
           <a:p>
             <a:r>
               <a:rPr lang="en-US" dirty="0"/>
-              <a:t>Basic structure of most K8s resources</a:t>
+              <a:t>More useful pattern – adapter</a:t>
             </a:r>
           </a:p>
         </p:txBody>
       </p:sp>
       <p:grpSp>
         <p:nvGrpSpPr>
-          <p:cNvPr id="17" name="Group 16"/>
+          <p:cNvPr id="3" name="Group 2">
+            <a:extLst>
+              <a:ext uri="{FF2B5EF4-FFF2-40B4-BE49-F238E27FC236}">
+                <a16:creationId xmlns:a16="http://schemas.microsoft.com/office/drawing/2014/main" id="{943A1302-1F59-4B2D-8D60-373D3FABADEA}"/>
+              </a:ext>
+            </a:extLst>
+          </p:cNvPr>
           <p:cNvGrpSpPr/>
           <p:nvPr/>
         </p:nvGrpSpPr>
         <p:grpSpPr>
           <a:xfrm>
-            <a:off x="803295" y="1813069"/>
-            <a:ext cx="5833704" cy="3249281"/>
-            <a:chOff x="3639087" y="2577737"/>
-            <a:chExt cx="4599222" cy="2296676"/>
+            <a:off x="3495358" y="2343867"/>
+            <a:ext cx="5204460" cy="3263342"/>
+            <a:chOff x="3394095" y="2548608"/>
+            <a:chExt cx="5204460" cy="3263342"/>
           </a:xfrm>
         </p:grpSpPr>
         <p:sp>
           <p:nvSpPr>
-            <p:cNvPr id="6" name="Rectangle 5"/>
+            <p:cNvPr id="4" name="Rectangle 3">
+              <a:extLst>
+                <a:ext uri="{FF2B5EF4-FFF2-40B4-BE49-F238E27FC236}">
+                  <a16:creationId xmlns:a16="http://schemas.microsoft.com/office/drawing/2014/main" id="{8F980BE6-804C-4F79-912D-1475B549C015}"/>
+                </a:ext>
+              </a:extLst>
+            </p:cNvPr>
             <p:cNvSpPr/>
             <p:nvPr/>
           </p:nvSpPr>
           <p:spPr bwMode="gray">
             <a:xfrm>
-              <a:off x="3639087" y="2577737"/>
-              <a:ext cx="4599222" cy="365760"/>
+              <a:off x="3565833" y="2670528"/>
+              <a:ext cx="5032722" cy="3141422"/>
             </a:xfrm>
             <a:prstGeom prst="rect">
               <a:avLst/>
             </a:prstGeom>
             <a:solidFill>
-              <a:schemeClr val="tx2">
-                <a:lumMod val="90000"/>
+              <a:schemeClr val="bg1">
+                <a:lumMod val="85000"/>
               </a:schemeClr>
             </a:solidFill>
             <a:ln>
@@ -20773,13 +22438,10 @@
             </a:fontRef>
           </p:style>
           <p:txBody>
-            <a:bodyPr lIns="90000" tIns="72000" rIns="90000" bIns="72000" rtlCol="0" anchor="ctr"/>
+            <a:bodyPr lIns="90000" tIns="72000" rIns="90000" bIns="72000" rtlCol="0" anchor="t"/>
             <a:lstStyle/>
             <a:p>
-              <a:pPr marR="0" defTabSz="914400" eaLnBrk="1" fontAlgn="base" latinLnBrk="0" hangingPunct="1">
-                <a:lnSpc>
-                  <a:spcPct val="100000"/>
-                </a:lnSpc>
+              <a:pPr algn="ctr" defTabSz="914400" fontAlgn="base">
                 <a:spcBef>
                   <a:spcPct val="50000"/>
                 </a:spcBef>
@@ -20790,51 +22452,51 @@
                   <a:srgbClr val="F0AB00"/>
                 </a:buClr>
                 <a:buSzPct val="80000"/>
-                <a:tabLst/>
               </a:pPr>
               <a:r>
-                <a:rPr lang="en-US" sz="1800" b="1" kern="0" noProof="0" dirty="0" err="1">
+                <a:rPr lang="de-DE" sz="1600" b="1" kern="0" dirty="0" err="1">
                   <a:solidFill>
                     <a:sysClr val="windowText" lastClr="000000"/>
                   </a:solidFill>
                   <a:ea typeface="Arial Unicode MS" pitchFamily="34" charset="-128"/>
-                  <a:cs typeface="Arial Unicode MS" pitchFamily="34" charset="-128"/>
                 </a:rPr>
-                <a:t>apiVersion</a:t>
+                <a:t>Pod</a:t>
               </a:r>
-              <a:endParaRPr kumimoji="0" lang="en-US" sz="1800" b="1" i="0" u="none" strike="noStrike" kern="0" cap="none" spc="0" normalizeH="0" baseline="0" noProof="0" dirty="0">
-                <a:ln>
-                  <a:noFill/>
-                </a:ln>
-                <a:solidFill>
-                  <a:sysClr val="windowText" lastClr="000000"/>
-                </a:solidFill>
-                <a:effectLst/>
-                <a:uLnTx/>
-                <a:uFillTx/>
-                <a:ea typeface="Arial Unicode MS" pitchFamily="34" charset="-128"/>
-                <a:cs typeface="Arial Unicode MS" pitchFamily="34" charset="-128"/>
-              </a:endParaRPr>
+              <a:r>
+                <a:rPr lang="de-DE" sz="1600" b="1" kern="0" dirty="0">
+                  <a:solidFill>
+                    <a:sysClr val="windowText" lastClr="000000"/>
+                  </a:solidFill>
+                  <a:ea typeface="Arial Unicode MS" pitchFamily="34" charset="-128"/>
+                </a:rPr>
+                <a:t>-A</a:t>
+              </a:r>
             </a:p>
           </p:txBody>
         </p:sp>
         <p:sp>
           <p:nvSpPr>
-            <p:cNvPr id="7" name="Rectangle 6"/>
+            <p:cNvPr id="5" name="Rectangle 4">
+              <a:extLst>
+                <a:ext uri="{FF2B5EF4-FFF2-40B4-BE49-F238E27FC236}">
+                  <a16:creationId xmlns:a16="http://schemas.microsoft.com/office/drawing/2014/main" id="{A98A85B1-3938-456E-9BC0-752DD6268D80}"/>
+                </a:ext>
+              </a:extLst>
+            </p:cNvPr>
             <p:cNvSpPr/>
             <p:nvPr/>
           </p:nvSpPr>
           <p:spPr bwMode="gray">
             <a:xfrm>
-              <a:off x="3639087" y="3060466"/>
-              <a:ext cx="4599222" cy="365760"/>
+              <a:off x="3394095" y="2548608"/>
+              <a:ext cx="1645920" cy="365760"/>
             </a:xfrm>
             <a:prstGeom prst="rect">
               <a:avLst/>
             </a:prstGeom>
             <a:solidFill>
-              <a:schemeClr val="tx2">
-                <a:lumMod val="90000"/>
+              <a:schemeClr val="bg1">
+                <a:lumMod val="85000"/>
               </a:schemeClr>
             </a:solidFill>
             <a:ln>
@@ -20859,13 +22521,10 @@
             </a:fontRef>
           </p:style>
           <p:txBody>
-            <a:bodyPr lIns="90000" tIns="72000" rIns="90000" bIns="72000" rtlCol="0" anchor="ctr"/>
+            <a:bodyPr lIns="90000" tIns="72000" rIns="90000" bIns="72000" rtlCol="0" anchor="t"/>
             <a:lstStyle/>
             <a:p>
-              <a:pPr marR="0" defTabSz="914400" eaLnBrk="1" fontAlgn="base" latinLnBrk="0" hangingPunct="1">
-                <a:lnSpc>
-                  <a:spcPct val="100000"/>
-                </a:lnSpc>
+              <a:pPr algn="ctr" defTabSz="914400" fontAlgn="base">
                 <a:spcBef>
                   <a:spcPct val="50000"/>
                 </a:spcBef>
@@ -20876,51 +22535,370 @@
                   <a:srgbClr val="F0AB00"/>
                 </a:buClr>
                 <a:buSzPct val="80000"/>
-                <a:tabLst/>
               </a:pPr>
               <a:r>
-                <a:rPr lang="en-US" sz="1800" b="1" kern="0" dirty="0">
+                <a:rPr lang="de-DE" sz="1600" b="1" kern="0" dirty="0">
                   <a:solidFill>
                     <a:sysClr val="windowText" lastClr="000000"/>
                   </a:solidFill>
                   <a:ea typeface="Arial Unicode MS" pitchFamily="34" charset="-128"/>
-                  <a:cs typeface="Arial Unicode MS" pitchFamily="34" charset="-128"/>
                 </a:rPr>
-                <a:t>kind</a:t>
+                <a:t>IP: 10.10.10.2</a:t>
               </a:r>
-              <a:endParaRPr kumimoji="0" lang="en-US" sz="1800" b="1" i="0" u="none" strike="noStrike" kern="0" cap="none" spc="0" normalizeH="0" baseline="0" noProof="0" dirty="0" err="1">
-                <a:ln>
-                  <a:noFill/>
-                </a:ln>
+            </a:p>
+          </p:txBody>
+        </p:sp>
+        <p:sp>
+          <p:nvSpPr>
+            <p:cNvPr id="6" name="Rectangle 5">
+              <a:extLst>
+                <a:ext uri="{FF2B5EF4-FFF2-40B4-BE49-F238E27FC236}">
+                  <a16:creationId xmlns:a16="http://schemas.microsoft.com/office/drawing/2014/main" id="{3B0E17AF-508A-4A5B-80D2-027AB2B6B378}"/>
+                </a:ext>
+              </a:extLst>
+            </p:cNvPr>
+            <p:cNvSpPr/>
+            <p:nvPr/>
+          </p:nvSpPr>
+          <p:spPr bwMode="gray">
+            <a:xfrm>
+              <a:off x="3955153" y="3262994"/>
+              <a:ext cx="1627931" cy="1156258"/>
+            </a:xfrm>
+            <a:prstGeom prst="rect">
+              <a:avLst/>
+            </a:prstGeom>
+            <a:solidFill>
+              <a:schemeClr val="bg1"/>
+            </a:solidFill>
+            <a:ln>
+              <a:headEnd/>
+              <a:tailEnd/>
+            </a:ln>
+          </p:spPr>
+          <p:style>
+            <a:lnRef idx="2">
+              <a:schemeClr val="accent2">
+                <a:shade val="50000"/>
+              </a:schemeClr>
+            </a:lnRef>
+            <a:fillRef idx="1">
+              <a:schemeClr val="accent2"/>
+            </a:fillRef>
+            <a:effectRef idx="0">
+              <a:schemeClr val="accent2"/>
+            </a:effectRef>
+            <a:fontRef idx="minor">
+              <a:schemeClr val="lt1"/>
+            </a:fontRef>
+          </p:style>
+          <p:txBody>
+            <a:bodyPr lIns="90000" tIns="72000" rIns="90000" bIns="72000" rtlCol="0" anchor="t"/>
+            <a:lstStyle/>
+            <a:p>
+              <a:pPr algn="ctr" defTabSz="914400" fontAlgn="base">
+                <a:spcBef>
+                  <a:spcPct val="50000"/>
+                </a:spcBef>
+                <a:spcAft>
+                  <a:spcPct val="0"/>
+                </a:spcAft>
+                <a:buClr>
+                  <a:srgbClr val="F0AB00"/>
+                </a:buClr>
+                <a:buSzPct val="80000"/>
+              </a:pPr>
+              <a:r>
+                <a:rPr lang="de-DE" sz="1600" kern="0" dirty="0">
+                  <a:solidFill>
+                    <a:sysClr val="windowText" lastClr="000000"/>
+                  </a:solidFill>
+                  <a:ea typeface="Arial Unicode MS" pitchFamily="34" charset="-128"/>
+                </a:rPr>
+                <a:t>C</a:t>
+              </a:r>
+              <a:r>
+                <a:rPr lang="de-DE" sz="1600" kern="0" dirty="0" err="1">
+                  <a:solidFill>
+                    <a:sysClr val="windowText" lastClr="000000"/>
+                  </a:solidFill>
+                  <a:ea typeface="Arial Unicode MS" pitchFamily="34" charset="-128"/>
+                </a:rPr>
+                <a:t>ontainer</a:t>
+              </a:r>
+              <a:r>
+                <a:rPr lang="de-DE" sz="1600" kern="0" dirty="0">
+                  <a:solidFill>
+                    <a:sysClr val="windowText" lastClr="000000"/>
+                  </a:solidFill>
+                  <a:ea typeface="Arial Unicode MS" pitchFamily="34" charset="-128"/>
+                </a:rPr>
+                <a:t>:</a:t>
+              </a:r>
+            </a:p>
+            <a:p>
+              <a:pPr algn="ctr" defTabSz="914400" fontAlgn="base">
+                <a:spcBef>
+                  <a:spcPct val="50000"/>
+                </a:spcBef>
+                <a:spcAft>
+                  <a:spcPct val="0"/>
+                </a:spcAft>
+                <a:buClr>
+                  <a:srgbClr val="F0AB00"/>
+                </a:buClr>
+                <a:buSzPct val="80000"/>
+              </a:pPr>
+              <a:r>
+                <a:rPr lang="de-DE" sz="1600" kern="0" dirty="0" err="1">
+                  <a:solidFill>
+                    <a:sysClr val="windowText" lastClr="000000"/>
+                  </a:solidFill>
+                  <a:ea typeface="Arial Unicode MS" pitchFamily="34" charset="-128"/>
+                </a:rPr>
+                <a:t>nginx</a:t>
+              </a:r>
+              <a:endParaRPr lang="de-DE" sz="1600" kern="0" dirty="0">
                 <a:solidFill>
                   <a:sysClr val="windowText" lastClr="000000"/>
                 </a:solidFill>
-                <a:effectLst/>
-                <a:uLnTx/>
-                <a:uFillTx/>
                 <a:ea typeface="Arial Unicode MS" pitchFamily="34" charset="-128"/>
-                <a:cs typeface="Arial Unicode MS" pitchFamily="34" charset="-128"/>
               </a:endParaRPr>
             </a:p>
           </p:txBody>
         </p:sp>
         <p:sp>
           <p:nvSpPr>
-            <p:cNvPr id="8" name="Rectangle 7"/>
+            <p:cNvPr id="7" name="Cylinder 6">
+              <a:extLst>
+                <a:ext uri="{FF2B5EF4-FFF2-40B4-BE49-F238E27FC236}">
+                  <a16:creationId xmlns:a16="http://schemas.microsoft.com/office/drawing/2014/main" id="{6C4595D4-6106-4C54-830E-8696B26FC480}"/>
+                </a:ext>
+              </a:extLst>
+            </p:cNvPr>
             <p:cNvSpPr/>
             <p:nvPr/>
           </p:nvSpPr>
           <p:spPr bwMode="gray">
             <a:xfrm>
-              <a:off x="3639087" y="3543195"/>
-              <a:ext cx="4599222" cy="365760"/>
+              <a:off x="5583084" y="4743750"/>
+              <a:ext cx="998220" cy="1004248"/>
+            </a:xfrm>
+            <a:prstGeom prst="can">
+              <a:avLst/>
+            </a:prstGeom>
+            <a:solidFill>
+              <a:schemeClr val="bg1"/>
+            </a:solidFill>
+            <a:ln>
+              <a:headEnd/>
+              <a:tailEnd/>
+            </a:ln>
+          </p:spPr>
+          <p:style>
+            <a:lnRef idx="2">
+              <a:schemeClr val="accent2">
+                <a:shade val="50000"/>
+              </a:schemeClr>
+            </a:lnRef>
+            <a:fillRef idx="1">
+              <a:schemeClr val="accent2"/>
+            </a:fillRef>
+            <a:effectRef idx="0">
+              <a:schemeClr val="accent2"/>
+            </a:effectRef>
+            <a:fontRef idx="minor">
+              <a:schemeClr val="lt1"/>
+            </a:fontRef>
+          </p:style>
+          <p:txBody>
+            <a:bodyPr lIns="90000" tIns="72000" rIns="90000" bIns="72000" rtlCol="0" anchor="t"/>
+            <a:lstStyle/>
+            <a:p>
+              <a:pPr algn="ctr" defTabSz="914400" fontAlgn="base">
+                <a:spcBef>
+                  <a:spcPct val="50000"/>
+                </a:spcBef>
+                <a:spcAft>
+                  <a:spcPct val="0"/>
+                </a:spcAft>
+                <a:buClr>
+                  <a:srgbClr val="F0AB00"/>
+                </a:buClr>
+                <a:buSzPct val="80000"/>
+              </a:pPr>
+              <a:r>
+                <a:rPr lang="de-DE" sz="1600" kern="0" dirty="0" err="1">
+                  <a:solidFill>
+                    <a:sysClr val="windowText" lastClr="000000"/>
+                  </a:solidFill>
+                  <a:ea typeface="Arial Unicode MS" pitchFamily="34" charset="-128"/>
+                </a:rPr>
+                <a:t>volume</a:t>
+              </a:r>
+              <a:endParaRPr lang="de-DE" sz="1600" kern="0" dirty="0">
+                <a:solidFill>
+                  <a:sysClr val="windowText" lastClr="000000"/>
+                </a:solidFill>
+                <a:ea typeface="Arial Unicode MS" pitchFamily="34" charset="-128"/>
+              </a:endParaRPr>
+            </a:p>
+          </p:txBody>
+        </p:sp>
+        <p:sp>
+          <p:nvSpPr>
+            <p:cNvPr id="8" name="Rectangle 7">
+              <a:extLst>
+                <a:ext uri="{FF2B5EF4-FFF2-40B4-BE49-F238E27FC236}">
+                  <a16:creationId xmlns:a16="http://schemas.microsoft.com/office/drawing/2014/main" id="{6BEC71A3-10D5-4126-9EAD-DFA2B5A9CA4D}"/>
+                </a:ext>
+              </a:extLst>
+            </p:cNvPr>
+            <p:cNvSpPr/>
+            <p:nvPr/>
+          </p:nvSpPr>
+          <p:spPr bwMode="gray">
+            <a:xfrm>
+              <a:off x="6581304" y="3262993"/>
+              <a:ext cx="1627931" cy="1156258"/>
             </a:xfrm>
             <a:prstGeom prst="rect">
               <a:avLst/>
             </a:prstGeom>
             <a:solidFill>
-              <a:schemeClr val="tx2">
-                <a:lumMod val="90000"/>
+              <a:schemeClr val="bg1"/>
+            </a:solidFill>
+            <a:ln>
+              <a:headEnd/>
+              <a:tailEnd/>
+            </a:ln>
+          </p:spPr>
+          <p:style>
+            <a:lnRef idx="2">
+              <a:schemeClr val="accent2">
+                <a:shade val="50000"/>
+              </a:schemeClr>
+            </a:lnRef>
+            <a:fillRef idx="1">
+              <a:schemeClr val="accent2"/>
+            </a:fillRef>
+            <a:effectRef idx="0">
+              <a:schemeClr val="accent2"/>
+            </a:effectRef>
+            <a:fontRef idx="minor">
+              <a:schemeClr val="lt1"/>
+            </a:fontRef>
+          </p:style>
+          <p:txBody>
+            <a:bodyPr lIns="90000" tIns="72000" rIns="90000" bIns="72000" rtlCol="0" anchor="t"/>
+            <a:lstStyle/>
+            <a:p>
+              <a:pPr algn="ctr" defTabSz="914400" fontAlgn="base">
+                <a:spcBef>
+                  <a:spcPct val="50000"/>
+                </a:spcBef>
+                <a:spcAft>
+                  <a:spcPct val="0"/>
+                </a:spcAft>
+                <a:buClr>
+                  <a:srgbClr val="F0AB00"/>
+                </a:buClr>
+                <a:buSzPct val="80000"/>
+              </a:pPr>
+              <a:r>
+                <a:rPr lang="de-DE" sz="1600" kern="0" dirty="0">
+                  <a:solidFill>
+                    <a:sysClr val="windowText" lastClr="000000"/>
+                  </a:solidFill>
+                  <a:ea typeface="Arial Unicode MS" pitchFamily="34" charset="-128"/>
+                </a:rPr>
+                <a:t>C</a:t>
+              </a:r>
+              <a:r>
+                <a:rPr lang="de-DE" sz="1600" kern="0" dirty="0" err="1">
+                  <a:solidFill>
+                    <a:sysClr val="windowText" lastClr="000000"/>
+                  </a:solidFill>
+                  <a:ea typeface="Arial Unicode MS" pitchFamily="34" charset="-128"/>
+                </a:rPr>
+                <a:t>ontainer</a:t>
+              </a:r>
+              <a:r>
+                <a:rPr lang="de-DE" sz="1600" kern="0" dirty="0">
+                  <a:solidFill>
+                    <a:sysClr val="windowText" lastClr="000000"/>
+                  </a:solidFill>
+                  <a:ea typeface="Arial Unicode MS" pitchFamily="34" charset="-128"/>
+                </a:rPr>
+                <a:t>:</a:t>
+              </a:r>
+            </a:p>
+            <a:p>
+              <a:pPr algn="ctr" defTabSz="914400" fontAlgn="base">
+                <a:spcBef>
+                  <a:spcPct val="50000"/>
+                </a:spcBef>
+                <a:spcAft>
+                  <a:spcPct val="0"/>
+                </a:spcAft>
+                <a:buClr>
+                  <a:srgbClr val="F0AB00"/>
+                </a:buClr>
+                <a:buSzPct val="80000"/>
+              </a:pPr>
+              <a:r>
+                <a:rPr lang="de-DE" sz="1600" kern="0" dirty="0">
+                  <a:solidFill>
+                    <a:sysClr val="windowText" lastClr="000000"/>
+                  </a:solidFill>
+                  <a:ea typeface="Arial Unicode MS" pitchFamily="34" charset="-128"/>
+                </a:rPr>
+                <a:t>log-</a:t>
+              </a:r>
+              <a:r>
+                <a:rPr lang="de-DE" sz="1600" kern="0" dirty="0" err="1">
+                  <a:solidFill>
+                    <a:sysClr val="windowText" lastClr="000000"/>
+                  </a:solidFill>
+                  <a:ea typeface="Arial Unicode MS" pitchFamily="34" charset="-128"/>
+                </a:rPr>
+                <a:t>collector</a:t>
+              </a:r>
+              <a:endParaRPr lang="de-DE" sz="1600" kern="0" dirty="0">
+                <a:solidFill>
+                  <a:sysClr val="windowText" lastClr="000000"/>
+                </a:solidFill>
+                <a:ea typeface="Arial Unicode MS" pitchFamily="34" charset="-128"/>
+              </a:endParaRPr>
+            </a:p>
+          </p:txBody>
+        </p:sp>
+        <p:cxnSp>
+          <p:nvCxnSpPr>
+            <p:cNvPr id="9" name="Connector: Elbow 8">
+              <a:extLst>
+                <a:ext uri="{FF2B5EF4-FFF2-40B4-BE49-F238E27FC236}">
+                  <a16:creationId xmlns:a16="http://schemas.microsoft.com/office/drawing/2014/main" id="{75391190-BCB0-4056-998E-7E97C9D79CC9}"/>
+                </a:ext>
+              </a:extLst>
+            </p:cNvPr>
+            <p:cNvCxnSpPr>
+              <a:stCxn id="6" idx="2"/>
+              <a:endCxn id="7" idx="2"/>
+            </p:cNvCxnSpPr>
+            <p:nvPr/>
+          </p:nvCxnSpPr>
+          <p:spPr>
+            <a:xfrm rot="16200000" flipH="1">
+              <a:off x="4762790" y="4425580"/>
+              <a:ext cx="826622" cy="813965"/>
+            </a:xfrm>
+            <a:prstGeom prst="bentConnector2">
+              <a:avLst/>
+            </a:prstGeom>
+            <a:solidFill>
+              <a:schemeClr val="bg1">
+                <a:lumMod val="85000"/>
               </a:schemeClr>
             </a:solidFill>
             <a:ln>
@@ -20944,69 +22922,33 @@
               <a:schemeClr val="lt1"/>
             </a:fontRef>
           </p:style>
-          <p:txBody>
-            <a:bodyPr lIns="90000" tIns="72000" rIns="90000" bIns="72000" rtlCol="0" anchor="ctr"/>
-            <a:lstStyle/>
-            <a:p>
-              <a:pPr marR="0" defTabSz="914400" eaLnBrk="1" fontAlgn="base" latinLnBrk="0" hangingPunct="1">
-                <a:lnSpc>
-                  <a:spcPct val="100000"/>
-                </a:lnSpc>
-                <a:spcBef>
-                  <a:spcPct val="50000"/>
-                </a:spcBef>
-                <a:spcAft>
-                  <a:spcPct val="0"/>
-                </a:spcAft>
-                <a:buClr>
-                  <a:srgbClr val="F0AB00"/>
-                </a:buClr>
-                <a:buSzPct val="80000"/>
-                <a:tabLst/>
-              </a:pPr>
-              <a:r>
-                <a:rPr lang="en-US" sz="1800" b="1" kern="0" dirty="0">
-                  <a:solidFill>
-                    <a:sysClr val="windowText" lastClr="000000"/>
-                  </a:solidFill>
-                  <a:ea typeface="Arial Unicode MS" pitchFamily="34" charset="-128"/>
-                  <a:cs typeface="Arial Unicode MS" pitchFamily="34" charset="-128"/>
-                </a:rPr>
-                <a:t>metadata</a:t>
-              </a:r>
-              <a:endParaRPr kumimoji="0" lang="en-US" sz="1800" b="1" i="0" u="none" strike="noStrike" kern="0" cap="none" spc="0" normalizeH="0" baseline="0" noProof="0" dirty="0" err="1">
-                <a:ln>
-                  <a:noFill/>
-                </a:ln>
-                <a:solidFill>
-                  <a:sysClr val="windowText" lastClr="000000"/>
-                </a:solidFill>
-                <a:effectLst/>
-                <a:uLnTx/>
-                <a:uFillTx/>
-                <a:ea typeface="Arial Unicode MS" pitchFamily="34" charset="-128"/>
-                <a:cs typeface="Arial Unicode MS" pitchFamily="34" charset="-128"/>
-              </a:endParaRPr>
-            </a:p>
-          </p:txBody>
-        </p:sp>
-        <p:sp>
-          <p:nvSpPr>
-            <p:cNvPr id="9" name="Rectangle 8"/>
-            <p:cNvSpPr/>
+        </p:cxnSp>
+        <p:cxnSp>
+          <p:nvCxnSpPr>
+            <p:cNvPr id="10" name="Connector: Elbow 9">
+              <a:extLst>
+                <a:ext uri="{FF2B5EF4-FFF2-40B4-BE49-F238E27FC236}">
+                  <a16:creationId xmlns:a16="http://schemas.microsoft.com/office/drawing/2014/main" id="{48A0DE0B-5C22-4F86-87D2-D3B505210A7E}"/>
+                </a:ext>
+              </a:extLst>
+            </p:cNvPr>
+            <p:cNvCxnSpPr>
+              <a:stCxn id="8" idx="2"/>
+              <a:endCxn id="7" idx="4"/>
+            </p:cNvCxnSpPr>
             <p:nvPr/>
-          </p:nvSpPr>
-          <p:spPr bwMode="gray">
-            <a:xfrm>
-              <a:off x="3639087" y="4025924"/>
-              <a:ext cx="4599222" cy="365760"/>
+          </p:nvCxnSpPr>
+          <p:spPr>
+            <a:xfrm rot="5400000">
+              <a:off x="6574976" y="4425579"/>
+              <a:ext cx="826623" cy="813966"/>
             </a:xfrm>
-            <a:prstGeom prst="rect">
+            <a:prstGeom prst="bentConnector2">
               <a:avLst/>
             </a:prstGeom>
             <a:solidFill>
-              <a:schemeClr val="tx2">
-                <a:lumMod val="90000"/>
+              <a:schemeClr val="bg1">
+                <a:lumMod val="85000"/>
               </a:schemeClr>
             </a:solidFill>
             <a:ln>
@@ -21030,69 +22972,35 @@
               <a:schemeClr val="lt1"/>
             </a:fontRef>
           </p:style>
-          <p:txBody>
-            <a:bodyPr lIns="90000" tIns="72000" rIns="90000" bIns="72000" rtlCol="0" anchor="ctr"/>
-            <a:lstStyle/>
-            <a:p>
-              <a:pPr marR="0" defTabSz="914400" eaLnBrk="1" fontAlgn="base" latinLnBrk="0" hangingPunct="1">
-                <a:lnSpc>
-                  <a:spcPct val="100000"/>
-                </a:lnSpc>
-                <a:spcBef>
-                  <a:spcPct val="50000"/>
-                </a:spcBef>
-                <a:spcAft>
-                  <a:spcPct val="0"/>
-                </a:spcAft>
-                <a:buClr>
-                  <a:srgbClr val="F0AB00"/>
-                </a:buClr>
-                <a:buSzPct val="80000"/>
-                <a:tabLst/>
-              </a:pPr>
-              <a:r>
-                <a:rPr lang="en-US" sz="1800" b="1" kern="0" dirty="0">
-                  <a:solidFill>
-                    <a:sysClr val="windowText" lastClr="000000"/>
-                  </a:solidFill>
-                  <a:ea typeface="Arial Unicode MS" pitchFamily="34" charset="-128"/>
-                  <a:cs typeface="Arial Unicode MS" pitchFamily="34" charset="-128"/>
-                </a:rPr>
-                <a:t>spec</a:t>
-              </a:r>
-              <a:endParaRPr kumimoji="0" lang="en-US" sz="1800" b="1" i="0" u="none" strike="noStrike" kern="0" cap="none" spc="0" normalizeH="0" baseline="0" noProof="0" dirty="0" err="1">
-                <a:ln>
-                  <a:noFill/>
-                </a:ln>
-                <a:solidFill>
-                  <a:sysClr val="windowText" lastClr="000000"/>
-                </a:solidFill>
-                <a:effectLst/>
-                <a:uLnTx/>
-                <a:uFillTx/>
-                <a:ea typeface="Arial Unicode MS" pitchFamily="34" charset="-128"/>
-                <a:cs typeface="Arial Unicode MS" pitchFamily="34" charset="-128"/>
-              </a:endParaRPr>
-            </a:p>
-          </p:txBody>
-        </p:sp>
-        <p:sp>
-          <p:nvSpPr>
-            <p:cNvPr id="10" name="Rectangle 9"/>
-            <p:cNvSpPr/>
+        </p:cxnSp>
+        <p:cxnSp>
+          <p:nvCxnSpPr>
+            <p:cNvPr id="11" name="Connector: Elbow 10">
+              <a:extLst>
+                <a:ext uri="{FF2B5EF4-FFF2-40B4-BE49-F238E27FC236}">
+                  <a16:creationId xmlns:a16="http://schemas.microsoft.com/office/drawing/2014/main" id="{0CA4DEF7-8F96-4305-A79F-F52C21798CAC}"/>
+                </a:ext>
+              </a:extLst>
+            </p:cNvPr>
+            <p:cNvCxnSpPr>
+              <a:stCxn id="8" idx="1"/>
+              <a:endCxn id="6" idx="3"/>
+            </p:cNvCxnSpPr>
             <p:nvPr/>
-          </p:nvSpPr>
-          <p:spPr bwMode="gray">
-            <a:xfrm>
-              <a:off x="3639087" y="4508653"/>
-              <a:ext cx="4599222" cy="365760"/>
+          </p:nvCxnSpPr>
+          <p:spPr>
+            <a:xfrm rot="10800000" flipV="1">
+              <a:off x="5583084" y="3841121"/>
+              <a:ext cx="998220" cy="1"/>
             </a:xfrm>
-            <a:prstGeom prst="rect">
-              <a:avLst/>
+            <a:prstGeom prst="bentConnector3">
+              <a:avLst>
+                <a:gd name="adj1" fmla="val 50000"/>
+              </a:avLst>
             </a:prstGeom>
             <a:solidFill>
-              <a:schemeClr val="tx2">
-                <a:lumMod val="90000"/>
+              <a:schemeClr val="bg1">
+                <a:lumMod val="85000"/>
               </a:schemeClr>
             </a:solidFill>
             <a:ln>
@@ -21116,448 +23024,29 @@
               <a:schemeClr val="lt1"/>
             </a:fontRef>
           </p:style>
-          <p:txBody>
-            <a:bodyPr lIns="90000" tIns="72000" rIns="90000" bIns="72000" rtlCol="0" anchor="ctr"/>
-            <a:lstStyle/>
-            <a:p>
-              <a:pPr marR="0" defTabSz="914400" eaLnBrk="1" fontAlgn="base" latinLnBrk="0" hangingPunct="1">
-                <a:lnSpc>
-                  <a:spcPct val="100000"/>
-                </a:lnSpc>
-                <a:spcBef>
-                  <a:spcPct val="50000"/>
-                </a:spcBef>
-                <a:spcAft>
-                  <a:spcPct val="0"/>
-                </a:spcAft>
-                <a:buClr>
-                  <a:srgbClr val="F0AB00"/>
-                </a:buClr>
-                <a:buSzPct val="80000"/>
-                <a:tabLst/>
-              </a:pPr>
-              <a:r>
-                <a:rPr lang="en-US" sz="1800" b="1" kern="0" dirty="0">
-                  <a:solidFill>
-                    <a:sysClr val="windowText" lastClr="000000"/>
-                  </a:solidFill>
-                  <a:ea typeface="Arial Unicode MS" pitchFamily="34" charset="-128"/>
-                  <a:cs typeface="Arial Unicode MS" pitchFamily="34" charset="-128"/>
-                </a:rPr>
-                <a:t>status</a:t>
-              </a:r>
-              <a:endParaRPr kumimoji="0" lang="en-US" sz="1800" b="1" i="0" u="none" strike="noStrike" kern="0" cap="none" spc="0" normalizeH="0" baseline="0" noProof="0" dirty="0" err="1">
-                <a:ln>
-                  <a:noFill/>
-                </a:ln>
-                <a:solidFill>
-                  <a:sysClr val="windowText" lastClr="000000"/>
-                </a:solidFill>
-                <a:effectLst/>
-                <a:uLnTx/>
-                <a:uFillTx/>
-                <a:ea typeface="Arial Unicode MS" pitchFamily="34" charset="-128"/>
-                <a:cs typeface="Arial Unicode MS" pitchFamily="34" charset="-128"/>
-              </a:endParaRPr>
-            </a:p>
-          </p:txBody>
-        </p:sp>
-        <p:sp>
-          <p:nvSpPr>
-            <p:cNvPr id="11" name="Rectangle 10"/>
-            <p:cNvSpPr/>
-            <p:nvPr/>
-          </p:nvSpPr>
-          <p:spPr bwMode="gray">
-            <a:xfrm>
-              <a:off x="5576745" y="3554081"/>
-              <a:ext cx="1921336" cy="343988"/>
-            </a:xfrm>
-            <a:prstGeom prst="rect">
-              <a:avLst/>
-            </a:prstGeom>
-            <a:solidFill>
-              <a:schemeClr val="accent1"/>
-            </a:solidFill>
-            <a:ln>
-              <a:headEnd/>
-              <a:tailEnd/>
-            </a:ln>
-          </p:spPr>
-          <p:style>
-            <a:lnRef idx="2">
-              <a:schemeClr val="accent2">
-                <a:shade val="50000"/>
-              </a:schemeClr>
-            </a:lnRef>
-            <a:fillRef idx="1">
-              <a:schemeClr val="accent2"/>
-            </a:fillRef>
-            <a:effectRef idx="0">
-              <a:schemeClr val="accent2"/>
-            </a:effectRef>
-            <a:fontRef idx="minor">
-              <a:schemeClr val="lt1"/>
-            </a:fontRef>
-          </p:style>
-          <p:txBody>
-            <a:bodyPr lIns="90000" tIns="72000" rIns="90000" bIns="72000" rtlCol="0" anchor="ctr"/>
-            <a:lstStyle/>
-            <a:p>
-              <a:pPr marR="0" algn="ctr" defTabSz="914400" eaLnBrk="1" fontAlgn="base" latinLnBrk="0" hangingPunct="1">
-                <a:lnSpc>
-                  <a:spcPct val="100000"/>
-                </a:lnSpc>
-                <a:spcBef>
-                  <a:spcPct val="50000"/>
-                </a:spcBef>
-                <a:spcAft>
-                  <a:spcPct val="0"/>
-                </a:spcAft>
-                <a:buClr>
-                  <a:srgbClr val="F0AB00"/>
-                </a:buClr>
-                <a:buSzPct val="80000"/>
-                <a:tabLst/>
-              </a:pPr>
-              <a:r>
-                <a:rPr lang="en-US" sz="1800" b="1" kern="0" dirty="0">
-                  <a:ea typeface="Arial Unicode MS" pitchFamily="34" charset="-128"/>
-                  <a:cs typeface="Arial Unicode MS" pitchFamily="34" charset="-128"/>
-                </a:rPr>
-                <a:t>metadata object</a:t>
-              </a:r>
-              <a:endParaRPr kumimoji="0" lang="en-US" sz="1800" b="1" i="0" u="none" strike="noStrike" kern="0" cap="none" spc="0" normalizeH="0" baseline="0" noProof="0" dirty="0" err="1">
-                <a:ln>
-                  <a:noFill/>
-                </a:ln>
-                <a:effectLst/>
-                <a:uLnTx/>
-                <a:uFillTx/>
-                <a:ea typeface="Arial Unicode MS" pitchFamily="34" charset="-128"/>
-                <a:cs typeface="Arial Unicode MS" pitchFamily="34" charset="-128"/>
-              </a:endParaRPr>
-            </a:p>
-          </p:txBody>
-        </p:sp>
-        <p:sp>
-          <p:nvSpPr>
-            <p:cNvPr id="12" name="Rectangle 11"/>
-            <p:cNvSpPr/>
-            <p:nvPr/>
-          </p:nvSpPr>
-          <p:spPr bwMode="gray">
-            <a:xfrm>
-              <a:off x="5576745" y="4036810"/>
-              <a:ext cx="1921336" cy="343988"/>
-            </a:xfrm>
-            <a:prstGeom prst="rect">
-              <a:avLst/>
-            </a:prstGeom>
-            <a:solidFill>
-              <a:schemeClr val="accent1"/>
-            </a:solidFill>
-            <a:ln>
-              <a:headEnd/>
-              <a:tailEnd/>
-            </a:ln>
-          </p:spPr>
-          <p:style>
-            <a:lnRef idx="2">
-              <a:schemeClr val="accent2">
-                <a:shade val="50000"/>
-              </a:schemeClr>
-            </a:lnRef>
-            <a:fillRef idx="1">
-              <a:schemeClr val="accent2"/>
-            </a:fillRef>
-            <a:effectRef idx="0">
-              <a:schemeClr val="accent2"/>
-            </a:effectRef>
-            <a:fontRef idx="minor">
-              <a:schemeClr val="lt1"/>
-            </a:fontRef>
-          </p:style>
-          <p:txBody>
-            <a:bodyPr lIns="90000" tIns="72000" rIns="90000" bIns="72000" rtlCol="0" anchor="ctr"/>
-            <a:lstStyle/>
-            <a:p>
-              <a:pPr marR="0" algn="ctr" defTabSz="914400" eaLnBrk="1" fontAlgn="base" latinLnBrk="0" hangingPunct="1">
-                <a:lnSpc>
-                  <a:spcPct val="100000"/>
-                </a:lnSpc>
-                <a:spcBef>
-                  <a:spcPct val="50000"/>
-                </a:spcBef>
-                <a:spcAft>
-                  <a:spcPct val="0"/>
-                </a:spcAft>
-                <a:buClr>
-                  <a:srgbClr val="F0AB00"/>
-                </a:buClr>
-                <a:buSzPct val="80000"/>
-                <a:tabLst/>
-              </a:pPr>
-              <a:r>
-                <a:rPr lang="en-US" sz="1800" b="1" kern="0" dirty="0">
-                  <a:ea typeface="Arial Unicode MS" pitchFamily="34" charset="-128"/>
-                  <a:cs typeface="Arial Unicode MS" pitchFamily="34" charset="-128"/>
-                </a:rPr>
-                <a:t>spec object</a:t>
-              </a:r>
-              <a:endParaRPr kumimoji="0" lang="en-US" sz="1800" b="1" i="0" u="none" strike="noStrike" kern="0" cap="none" spc="0" normalizeH="0" baseline="0" noProof="0" dirty="0" err="1">
-                <a:ln>
-                  <a:noFill/>
-                </a:ln>
-                <a:effectLst/>
-                <a:uLnTx/>
-                <a:uFillTx/>
-                <a:ea typeface="Arial Unicode MS" pitchFamily="34" charset="-128"/>
-                <a:cs typeface="Arial Unicode MS" pitchFamily="34" charset="-128"/>
-              </a:endParaRPr>
-            </a:p>
-          </p:txBody>
-        </p:sp>
-        <p:sp>
-          <p:nvSpPr>
-            <p:cNvPr id="13" name="Rectangle 12"/>
-            <p:cNvSpPr/>
-            <p:nvPr/>
-          </p:nvSpPr>
-          <p:spPr bwMode="gray">
-            <a:xfrm>
-              <a:off x="5576745" y="4517748"/>
-              <a:ext cx="1921336" cy="343988"/>
-            </a:xfrm>
-            <a:prstGeom prst="rect">
-              <a:avLst/>
-            </a:prstGeom>
-            <a:solidFill>
-              <a:schemeClr val="accent1"/>
-            </a:solidFill>
-            <a:ln>
-              <a:headEnd/>
-              <a:tailEnd/>
-            </a:ln>
-          </p:spPr>
-          <p:style>
-            <a:lnRef idx="2">
-              <a:schemeClr val="accent2">
-                <a:shade val="50000"/>
-              </a:schemeClr>
-            </a:lnRef>
-            <a:fillRef idx="1">
-              <a:schemeClr val="accent2"/>
-            </a:fillRef>
-            <a:effectRef idx="0">
-              <a:schemeClr val="accent2"/>
-            </a:effectRef>
-            <a:fontRef idx="minor">
-              <a:schemeClr val="lt1"/>
-            </a:fontRef>
-          </p:style>
-          <p:txBody>
-            <a:bodyPr lIns="90000" tIns="72000" rIns="90000" bIns="72000" rtlCol="0" anchor="ctr"/>
-            <a:lstStyle/>
-            <a:p>
-              <a:pPr marR="0" algn="ctr" defTabSz="914400" eaLnBrk="1" fontAlgn="base" latinLnBrk="0" hangingPunct="1">
-                <a:lnSpc>
-                  <a:spcPct val="100000"/>
-                </a:lnSpc>
-                <a:spcBef>
-                  <a:spcPct val="50000"/>
-                </a:spcBef>
-                <a:spcAft>
-                  <a:spcPct val="0"/>
-                </a:spcAft>
-                <a:buClr>
-                  <a:srgbClr val="F0AB00"/>
-                </a:buClr>
-                <a:buSzPct val="80000"/>
-                <a:tabLst/>
-              </a:pPr>
-              <a:r>
-                <a:rPr lang="en-US" sz="1800" b="1" kern="0" dirty="0">
-                  <a:ea typeface="Arial Unicode MS" pitchFamily="34" charset="-128"/>
-                  <a:cs typeface="Arial Unicode MS" pitchFamily="34" charset="-128"/>
-                </a:rPr>
-                <a:t>status object</a:t>
-              </a:r>
-              <a:endParaRPr kumimoji="0" lang="en-US" sz="1800" b="1" i="0" u="none" strike="noStrike" kern="0" cap="none" spc="0" normalizeH="0" baseline="0" noProof="0" dirty="0" err="1">
-                <a:ln>
-                  <a:noFill/>
-                </a:ln>
-                <a:effectLst/>
-                <a:uLnTx/>
-                <a:uFillTx/>
-                <a:ea typeface="Arial Unicode MS" pitchFamily="34" charset="-128"/>
-                <a:cs typeface="Arial Unicode MS" pitchFamily="34" charset="-128"/>
-              </a:endParaRPr>
-            </a:p>
-          </p:txBody>
-        </p:sp>
-        <p:sp>
-          <p:nvSpPr>
-            <p:cNvPr id="14" name="Rectangle 13"/>
-            <p:cNvSpPr/>
-            <p:nvPr/>
-          </p:nvSpPr>
-          <p:spPr bwMode="gray">
-            <a:xfrm>
-              <a:off x="5576745" y="2588623"/>
-              <a:ext cx="1921336" cy="343988"/>
-            </a:xfrm>
-            <a:prstGeom prst="rect">
-              <a:avLst/>
-            </a:prstGeom>
-            <a:ln>
-              <a:headEnd/>
-              <a:tailEnd/>
-            </a:ln>
-          </p:spPr>
-          <p:style>
-            <a:lnRef idx="2">
-              <a:schemeClr val="accent1"/>
-            </a:lnRef>
-            <a:fillRef idx="1">
-              <a:schemeClr val="lt1"/>
-            </a:fillRef>
-            <a:effectRef idx="0">
-              <a:schemeClr val="accent1"/>
-            </a:effectRef>
-            <a:fontRef idx="minor">
-              <a:schemeClr val="dk1"/>
-            </a:fontRef>
-          </p:style>
-          <p:txBody>
-            <a:bodyPr lIns="90000" tIns="72000" rIns="90000" bIns="72000" rtlCol="0" anchor="ctr"/>
-            <a:lstStyle/>
-            <a:p>
-              <a:pPr marR="0" algn="ctr" defTabSz="914400" eaLnBrk="1" fontAlgn="base" latinLnBrk="0" hangingPunct="1">
-                <a:lnSpc>
-                  <a:spcPct val="100000"/>
-                </a:lnSpc>
-                <a:spcBef>
-                  <a:spcPct val="50000"/>
-                </a:spcBef>
-                <a:spcAft>
-                  <a:spcPct val="0"/>
-                </a:spcAft>
-                <a:buClr>
-                  <a:srgbClr val="F0AB00"/>
-                </a:buClr>
-                <a:buSzPct val="80000"/>
-                <a:tabLst/>
-              </a:pPr>
-              <a:r>
-                <a:rPr lang="en-US" sz="1800" b="1" kern="0" dirty="0">
-                  <a:ea typeface="Arial Unicode MS" pitchFamily="34" charset="-128"/>
-                  <a:cs typeface="Arial Unicode MS" pitchFamily="34" charset="-128"/>
-                </a:rPr>
-                <a:t>value</a:t>
-              </a:r>
-              <a:endParaRPr kumimoji="0" lang="en-US" sz="1800" b="1" i="0" u="none" strike="noStrike" kern="0" cap="none" spc="0" normalizeH="0" baseline="0" noProof="0" dirty="0" err="1">
-                <a:ln>
-                  <a:noFill/>
-                </a:ln>
-                <a:effectLst/>
-                <a:uLnTx/>
-                <a:uFillTx/>
-                <a:ea typeface="Arial Unicode MS" pitchFamily="34" charset="-128"/>
-                <a:cs typeface="Arial Unicode MS" pitchFamily="34" charset="-128"/>
-              </a:endParaRPr>
-            </a:p>
-          </p:txBody>
-        </p:sp>
-        <p:sp>
-          <p:nvSpPr>
-            <p:cNvPr id="15" name="Rectangle 14"/>
-            <p:cNvSpPr/>
-            <p:nvPr/>
-          </p:nvSpPr>
-          <p:spPr bwMode="gray">
-            <a:xfrm>
-              <a:off x="5576745" y="3071352"/>
-              <a:ext cx="1921336" cy="343988"/>
-            </a:xfrm>
-            <a:prstGeom prst="rect">
-              <a:avLst/>
-            </a:prstGeom>
-            <a:ln>
-              <a:headEnd/>
-              <a:tailEnd/>
-            </a:ln>
-          </p:spPr>
-          <p:style>
-            <a:lnRef idx="2">
-              <a:schemeClr val="accent1"/>
-            </a:lnRef>
-            <a:fillRef idx="1">
-              <a:schemeClr val="lt1"/>
-            </a:fillRef>
-            <a:effectRef idx="0">
-              <a:schemeClr val="accent1"/>
-            </a:effectRef>
-            <a:fontRef idx="minor">
-              <a:schemeClr val="dk1"/>
-            </a:fontRef>
-          </p:style>
-          <p:txBody>
-            <a:bodyPr lIns="90000" tIns="72000" rIns="90000" bIns="72000" rtlCol="0" anchor="ctr"/>
-            <a:lstStyle/>
-            <a:p>
-              <a:pPr marR="0" algn="ctr" defTabSz="914400" eaLnBrk="1" fontAlgn="base" latinLnBrk="0" hangingPunct="1">
-                <a:lnSpc>
-                  <a:spcPct val="100000"/>
-                </a:lnSpc>
-                <a:spcBef>
-                  <a:spcPct val="50000"/>
-                </a:spcBef>
-                <a:spcAft>
-                  <a:spcPct val="0"/>
-                </a:spcAft>
-                <a:buClr>
-                  <a:srgbClr val="F0AB00"/>
-                </a:buClr>
-                <a:buSzPct val="80000"/>
-                <a:tabLst/>
-              </a:pPr>
-              <a:r>
-                <a:rPr lang="en-US" sz="1800" b="1" kern="0" dirty="0">
-                  <a:ea typeface="Arial Unicode MS" pitchFamily="34" charset="-128"/>
-                  <a:cs typeface="Arial Unicode MS" pitchFamily="34" charset="-128"/>
-                </a:rPr>
-                <a:t>value</a:t>
-              </a:r>
-              <a:endParaRPr kumimoji="0" lang="en-US" sz="1800" b="1" i="0" u="none" strike="noStrike" kern="0" cap="none" spc="0" normalizeH="0" baseline="0" noProof="0" dirty="0" err="1">
-                <a:ln>
-                  <a:noFill/>
-                </a:ln>
-                <a:effectLst/>
-                <a:uLnTx/>
-                <a:uFillTx/>
-                <a:ea typeface="Arial Unicode MS" pitchFamily="34" charset="-128"/>
-                <a:cs typeface="Arial Unicode MS" pitchFamily="34" charset="-128"/>
-              </a:endParaRPr>
-            </a:p>
-          </p:txBody>
-        </p:sp>
+        </p:cxnSp>
       </p:grpSp>
       <p:sp>
         <p:nvSpPr>
-          <p:cNvPr id="18" name="Speech Bubble: Rectangle 17"/>
+          <p:cNvPr id="12" name="Speech Bubble: Rectangle 11">
+            <a:extLst>
+              <a:ext uri="{FF2B5EF4-FFF2-40B4-BE49-F238E27FC236}">
+                <a16:creationId xmlns:a16="http://schemas.microsoft.com/office/drawing/2014/main" id="{FA472B0E-8873-4EE8-A7AF-354B2BC94100}"/>
+              </a:ext>
+            </a:extLst>
+          </p:cNvPr>
           <p:cNvSpPr/>
           <p:nvPr/>
         </p:nvSpPr>
         <p:spPr bwMode="gray">
           <a:xfrm>
-            <a:off x="6636999" y="5497800"/>
-            <a:ext cx="4101737" cy="624325"/>
+            <a:off x="8871556" y="5085335"/>
+            <a:ext cx="3008446" cy="915844"/>
           </a:xfrm>
           <a:prstGeom prst="wedgeRectCallout">
             <a:avLst>
-              <a:gd name="adj1" fmla="val -67542"/>
-              <a:gd name="adj2" fmla="val -171236"/>
+              <a:gd name="adj1" fmla="val -94138"/>
+              <a:gd name="adj2" fmla="val -45554"/>
             </a:avLst>
           </a:prstGeom>
           <a:ln>
@@ -21604,7 +23093,7 @@
                 <a:ea typeface="Arial Unicode MS" pitchFamily="34" charset="-128"/>
                 <a:cs typeface="Arial Unicode MS" pitchFamily="34" charset="-128"/>
               </a:rPr>
-              <a:t>Information supplied by k8s, not maintained by users</a:t>
+              <a:t>Adapter collects data via shared volume</a:t>
             </a:r>
             <a:endParaRPr kumimoji="0" lang="en-US" sz="1800" b="0" i="0" u="none" strike="noStrike" kern="0" cap="none" spc="0" normalizeH="0" baseline="0" noProof="0" dirty="0" err="1">
               <a:ln>
@@ -21621,19 +23110,25 @@
       </p:sp>
       <p:sp>
         <p:nvSpPr>
-          <p:cNvPr id="19" name="Speech Bubble: Rectangle 18"/>
+          <p:cNvPr id="13" name="Speech Bubble: Rectangle 12">
+            <a:extLst>
+              <a:ext uri="{FF2B5EF4-FFF2-40B4-BE49-F238E27FC236}">
+                <a16:creationId xmlns:a16="http://schemas.microsoft.com/office/drawing/2014/main" id="{D246B88B-87EE-4412-8E90-E39822F831B5}"/>
+              </a:ext>
+            </a:extLst>
+          </p:cNvPr>
           <p:cNvSpPr/>
           <p:nvPr/>
         </p:nvSpPr>
         <p:spPr bwMode="gray">
           <a:xfrm>
-            <a:off x="7014755" y="873332"/>
-            <a:ext cx="4101737" cy="624325"/>
+            <a:off x="486912" y="1211637"/>
+            <a:ext cx="3008446" cy="915844"/>
           </a:xfrm>
           <a:prstGeom prst="wedgeRectCallout">
             <a:avLst>
-              <a:gd name="adj1" fmla="val -78795"/>
-              <a:gd name="adj2" fmla="val 137032"/>
+              <a:gd name="adj1" fmla="val 58938"/>
+              <a:gd name="adj2" fmla="val 166939"/>
             </a:avLst>
           </a:prstGeom>
           <a:ln>
@@ -21676,20 +23171,13 @@
               <a:tabLst/>
             </a:pPr>
             <a:r>
-              <a:rPr lang="en-US" sz="1800" kern="0" noProof="0" dirty="0" err="1">
+              <a:rPr lang="en-US" sz="1800" kern="0" dirty="0">
                 <a:ea typeface="Arial Unicode MS" pitchFamily="34" charset="-128"/>
                 <a:cs typeface="Arial Unicode MS" pitchFamily="34" charset="-128"/>
               </a:rPr>
-              <a:t>api</a:t>
-            </a:r>
-            <a:r>
-              <a:rPr lang="en-US" sz="1800" kern="0" noProof="0" dirty="0">
-                <a:ea typeface="Arial Unicode MS" pitchFamily="34" charset="-128"/>
-                <a:cs typeface="Arial Unicode MS" pitchFamily="34" charset="-128"/>
-              </a:rPr>
-              <a:t> the resource belongs to, e.g. “v1”</a:t>
-            </a:r>
-            <a:endParaRPr kumimoji="0" lang="en-US" sz="1800" b="0" i="0" u="none" strike="noStrike" kern="0" cap="none" spc="0" normalizeH="0" baseline="0" noProof="0" dirty="0">
+              <a:t>Application container</a:t>
+            </a:r>
+            <a:endParaRPr kumimoji="0" lang="en-US" sz="1800" b="0" i="0" u="none" strike="noStrike" kern="0" cap="none" spc="0" normalizeH="0" baseline="0" noProof="0" dirty="0" err="1">
               <a:ln>
                 <a:noFill/>
               </a:ln>
@@ -21704,19 +23192,25 @@
       </p:sp>
       <p:sp>
         <p:nvSpPr>
-          <p:cNvPr id="20" name="Speech Bubble: Rectangle 19"/>
+          <p:cNvPr id="14" name="Speech Bubble: Rectangle 13">
+            <a:extLst>
+              <a:ext uri="{FF2B5EF4-FFF2-40B4-BE49-F238E27FC236}">
+                <a16:creationId xmlns:a16="http://schemas.microsoft.com/office/drawing/2014/main" id="{C8C31432-D481-4FDC-BD0A-2B5C34E5297C}"/>
+              </a:ext>
+            </a:extLst>
+          </p:cNvPr>
           <p:cNvSpPr/>
           <p:nvPr/>
         </p:nvSpPr>
         <p:spPr bwMode="gray">
           <a:xfrm>
-            <a:off x="7588740" y="2061185"/>
-            <a:ext cx="4101737" cy="624325"/>
+            <a:off x="8682031" y="995252"/>
+            <a:ext cx="3008446" cy="1132229"/>
           </a:xfrm>
           <a:prstGeom prst="wedgeRectCallout">
             <a:avLst>
-              <a:gd name="adj1" fmla="val -82617"/>
-              <a:gd name="adj2" fmla="val 51945"/>
+              <a:gd name="adj1" fmla="val -61298"/>
+              <a:gd name="adj2" fmla="val 123783"/>
             </a:avLst>
           </a:prstGeom>
           <a:ln>
@@ -21759,13 +23253,13 @@
               <a:tabLst/>
             </a:pPr>
             <a:r>
-              <a:rPr lang="en-US" sz="1800" kern="0" noProof="0" dirty="0">
+              <a:rPr lang="en-US" sz="1800" kern="0" dirty="0">
                 <a:ea typeface="Arial Unicode MS" pitchFamily="34" charset="-128"/>
                 <a:cs typeface="Arial Unicode MS" pitchFamily="34" charset="-128"/>
               </a:rPr>
-              <a:t>resource type, e.g. “pod”</a:t>
-            </a:r>
-            <a:endParaRPr kumimoji="0" lang="en-US" sz="1800" b="0" i="0" u="none" strike="noStrike" kern="0" cap="none" spc="0" normalizeH="0" baseline="0" noProof="0" dirty="0">
+              <a:t>Adapter processes &amp; exposes data in a common format</a:t>
+            </a:r>
+            <a:endParaRPr kumimoji="0" lang="en-US" sz="1800" b="0" i="0" u="none" strike="noStrike" kern="0" cap="none" spc="0" normalizeH="0" baseline="0" noProof="0" dirty="0" err="1">
               <a:ln>
                 <a:noFill/>
               </a:ln>
@@ -21778,162 +23272,10 @@
           </a:p>
         </p:txBody>
       </p:sp>
-      <p:sp>
-        <p:nvSpPr>
-          <p:cNvPr id="21" name="Speech Bubble: Rectangle 20"/>
-          <p:cNvSpPr/>
-          <p:nvPr/>
-        </p:nvSpPr>
-        <p:spPr bwMode="gray">
-          <a:xfrm>
-            <a:off x="7588740" y="3063233"/>
-            <a:ext cx="4101737" cy="748951"/>
-          </a:xfrm>
-          <a:prstGeom prst="wedgeRectCallout">
-            <a:avLst>
-              <a:gd name="adj1" fmla="val -82404"/>
-              <a:gd name="adj2" fmla="val 8240"/>
-            </a:avLst>
-          </a:prstGeom>
-          <a:ln>
-            <a:headEnd/>
-            <a:tailEnd/>
-          </a:ln>
-        </p:spPr>
-        <p:style>
-          <a:lnRef idx="2">
-            <a:schemeClr val="accent5"/>
-          </a:lnRef>
-          <a:fillRef idx="1">
-            <a:schemeClr val="lt1"/>
-          </a:fillRef>
-          <a:effectRef idx="0">
-            <a:schemeClr val="accent5"/>
-          </a:effectRef>
-          <a:fontRef idx="minor">
-            <a:schemeClr val="dk1"/>
-          </a:fontRef>
-        </p:style>
-        <p:txBody>
-          <a:bodyPr lIns="90000" tIns="72000" rIns="90000" bIns="72000" rtlCol="0" anchor="ctr"/>
-          <a:lstStyle/>
-          <a:p>
-            <a:pPr marR="0" algn="ctr" defTabSz="914400" eaLnBrk="1" fontAlgn="base" latinLnBrk="0" hangingPunct="1">
-              <a:lnSpc>
-                <a:spcPct val="100000"/>
-              </a:lnSpc>
-              <a:spcBef>
-                <a:spcPct val="50000"/>
-              </a:spcBef>
-              <a:spcAft>
-                <a:spcPct val="0"/>
-              </a:spcAft>
-              <a:buClr>
-                <a:srgbClr val="F0AB00"/>
-              </a:buClr>
-              <a:buSzPct val="80000"/>
-              <a:tabLst/>
-            </a:pPr>
-            <a:r>
-              <a:rPr lang="en-US" sz="1800" kern="0" noProof="0" dirty="0">
-                <a:ea typeface="Arial Unicode MS" pitchFamily="34" charset="-128"/>
-                <a:cs typeface="Arial Unicode MS" pitchFamily="34" charset="-128"/>
-              </a:rPr>
-              <a:t>metadata like name, annotations or labels are maintained here</a:t>
-            </a:r>
-            <a:endParaRPr kumimoji="0" lang="en-US" sz="1800" b="0" i="0" u="none" strike="noStrike" kern="0" cap="none" spc="0" normalizeH="0" baseline="0" noProof="0" dirty="0">
-              <a:ln>
-                <a:noFill/>
-              </a:ln>
-              <a:effectLst/>
-              <a:uLnTx/>
-              <a:uFillTx/>
-              <a:ea typeface="Arial Unicode MS" pitchFamily="34" charset="-128"/>
-              <a:cs typeface="Arial Unicode MS" pitchFamily="34" charset="-128"/>
-            </a:endParaRPr>
-          </a:p>
-        </p:txBody>
-      </p:sp>
-      <p:sp>
-        <p:nvSpPr>
-          <p:cNvPr id="22" name="Speech Bubble: Rectangle 21"/>
-          <p:cNvSpPr/>
-          <p:nvPr/>
-        </p:nvSpPr>
-        <p:spPr bwMode="gray">
-          <a:xfrm>
-            <a:off x="7588740" y="4108290"/>
-            <a:ext cx="4101737" cy="748951"/>
-          </a:xfrm>
-          <a:prstGeom prst="wedgeRectCallout">
-            <a:avLst>
-              <a:gd name="adj1" fmla="val -86438"/>
-              <a:gd name="adj2" fmla="val -41760"/>
-            </a:avLst>
-          </a:prstGeom>
-          <a:ln>
-            <a:headEnd/>
-            <a:tailEnd/>
-          </a:ln>
-        </p:spPr>
-        <p:style>
-          <a:lnRef idx="2">
-            <a:schemeClr val="accent5"/>
-          </a:lnRef>
-          <a:fillRef idx="1">
-            <a:schemeClr val="lt1"/>
-          </a:fillRef>
-          <a:effectRef idx="0">
-            <a:schemeClr val="accent5"/>
-          </a:effectRef>
-          <a:fontRef idx="minor">
-            <a:schemeClr val="dk1"/>
-          </a:fontRef>
-        </p:style>
-        <p:txBody>
-          <a:bodyPr lIns="90000" tIns="72000" rIns="90000" bIns="72000" rtlCol="0" anchor="ctr"/>
-          <a:lstStyle/>
-          <a:p>
-            <a:pPr marR="0" algn="ctr" defTabSz="914400" eaLnBrk="1" fontAlgn="base" latinLnBrk="0" hangingPunct="1">
-              <a:lnSpc>
-                <a:spcPct val="100000"/>
-              </a:lnSpc>
-              <a:spcBef>
-                <a:spcPct val="50000"/>
-              </a:spcBef>
-              <a:spcAft>
-                <a:spcPct val="0"/>
-              </a:spcAft>
-              <a:buClr>
-                <a:srgbClr val="F0AB00"/>
-              </a:buClr>
-              <a:buSzPct val="80000"/>
-              <a:tabLst/>
-            </a:pPr>
-            <a:r>
-              <a:rPr lang="en-US" sz="1800" kern="0" dirty="0">
-                <a:ea typeface="Arial Unicode MS" pitchFamily="34" charset="-128"/>
-                <a:cs typeface="Arial Unicode MS" pitchFamily="34" charset="-128"/>
-              </a:rPr>
-              <a:t>specification of the resource based on its “kind”</a:t>
-            </a:r>
-            <a:endParaRPr kumimoji="0" lang="en-US" sz="1800" b="0" i="0" u="none" strike="noStrike" kern="0" cap="none" spc="0" normalizeH="0" baseline="0" noProof="0" dirty="0">
-              <a:ln>
-                <a:noFill/>
-              </a:ln>
-              <a:effectLst/>
-              <a:uLnTx/>
-              <a:uFillTx/>
-              <a:ea typeface="Arial Unicode MS" pitchFamily="34" charset="-128"/>
-              <a:cs typeface="Arial Unicode MS" pitchFamily="34" charset="-128"/>
-            </a:endParaRPr>
-          </a:p>
-        </p:txBody>
-      </p:sp>
     </p:spTree>
     <p:extLst>
       <p:ext uri="{BB962C8B-B14F-4D97-AF65-F5344CB8AC3E}">
-        <p14:creationId xmlns:p14="http://schemas.microsoft.com/office/powerpoint/2010/main" val="4144602584"/>
+        <p14:creationId xmlns:p14="http://schemas.microsoft.com/office/powerpoint/2010/main" val="4138457127"/>
       </p:ext>
     </p:extLst>
   </p:cSld>
@@ -21962,10 +23304,10 @@
       </p:grpSpPr>
       <p:sp>
         <p:nvSpPr>
-          <p:cNvPr id="3" name="Title 2">
+          <p:cNvPr id="2" name="Title 1">
             <a:extLst>
               <a:ext uri="{FF2B5EF4-FFF2-40B4-BE49-F238E27FC236}">
-                <a16:creationId xmlns:a16="http://schemas.microsoft.com/office/drawing/2014/main" id="{2F5E5200-1EBB-48AC-9E3E-540D7D300B31}"/>
+                <a16:creationId xmlns:a16="http://schemas.microsoft.com/office/drawing/2014/main" id="{FACB9046-08E3-440A-9CE8-FB377BBC6F11}"/>
               </a:ext>
             </a:extLst>
           </p:cNvPr>
@@ -21983,82 +23325,919 @@
           <a:p>
             <a:r>
               <a:rPr lang="en-US" dirty="0"/>
-              <a:t>API documentation – Pod structure</a:t>
+              <a:t>More useful pattern – ambassador</a:t>
             </a:r>
           </a:p>
         </p:txBody>
       </p:sp>
+      <p:grpSp>
+        <p:nvGrpSpPr>
+          <p:cNvPr id="3" name="Group 2">
+            <a:extLst>
+              <a:ext uri="{FF2B5EF4-FFF2-40B4-BE49-F238E27FC236}">
+                <a16:creationId xmlns:a16="http://schemas.microsoft.com/office/drawing/2014/main" id="{943A1302-1F59-4B2D-8D60-373D3FABADEA}"/>
+              </a:ext>
+            </a:extLst>
+          </p:cNvPr>
+          <p:cNvGrpSpPr/>
+          <p:nvPr/>
+        </p:nvGrpSpPr>
+        <p:grpSpPr>
+          <a:xfrm>
+            <a:off x="3495358" y="2343867"/>
+            <a:ext cx="5204460" cy="3263342"/>
+            <a:chOff x="3394095" y="2548608"/>
+            <a:chExt cx="5204460" cy="3263342"/>
+          </a:xfrm>
+        </p:grpSpPr>
+        <p:sp>
+          <p:nvSpPr>
+            <p:cNvPr id="4" name="Rectangle 3">
+              <a:extLst>
+                <a:ext uri="{FF2B5EF4-FFF2-40B4-BE49-F238E27FC236}">
+                  <a16:creationId xmlns:a16="http://schemas.microsoft.com/office/drawing/2014/main" id="{8F980BE6-804C-4F79-912D-1475B549C015}"/>
+                </a:ext>
+              </a:extLst>
+            </p:cNvPr>
+            <p:cNvSpPr/>
+            <p:nvPr/>
+          </p:nvSpPr>
+          <p:spPr bwMode="gray">
+            <a:xfrm>
+              <a:off x="3565833" y="2670528"/>
+              <a:ext cx="5032722" cy="3141422"/>
+            </a:xfrm>
+            <a:prstGeom prst="rect">
+              <a:avLst/>
+            </a:prstGeom>
+            <a:solidFill>
+              <a:schemeClr val="bg1">
+                <a:lumMod val="85000"/>
+              </a:schemeClr>
+            </a:solidFill>
+            <a:ln>
+              <a:headEnd/>
+              <a:tailEnd/>
+            </a:ln>
+          </p:spPr>
+          <p:style>
+            <a:lnRef idx="2">
+              <a:schemeClr val="accent2">
+                <a:shade val="50000"/>
+              </a:schemeClr>
+            </a:lnRef>
+            <a:fillRef idx="1">
+              <a:schemeClr val="accent2"/>
+            </a:fillRef>
+            <a:effectRef idx="0">
+              <a:schemeClr val="accent2"/>
+            </a:effectRef>
+            <a:fontRef idx="minor">
+              <a:schemeClr val="lt1"/>
+            </a:fontRef>
+          </p:style>
+          <p:txBody>
+            <a:bodyPr lIns="90000" tIns="72000" rIns="90000" bIns="72000" rtlCol="0" anchor="t"/>
+            <a:lstStyle/>
+            <a:p>
+              <a:pPr algn="ctr" defTabSz="914400" fontAlgn="base">
+                <a:spcBef>
+                  <a:spcPct val="50000"/>
+                </a:spcBef>
+                <a:spcAft>
+                  <a:spcPct val="0"/>
+                </a:spcAft>
+                <a:buClr>
+                  <a:srgbClr val="F0AB00"/>
+                </a:buClr>
+                <a:buSzPct val="80000"/>
+              </a:pPr>
+              <a:r>
+                <a:rPr lang="de-DE" sz="1600" b="1" kern="0" dirty="0" err="1">
+                  <a:solidFill>
+                    <a:sysClr val="windowText" lastClr="000000"/>
+                  </a:solidFill>
+                  <a:ea typeface="Arial Unicode MS" pitchFamily="34" charset="-128"/>
+                </a:rPr>
+                <a:t>Pod</a:t>
+              </a:r>
+              <a:r>
+                <a:rPr lang="de-DE" sz="1600" b="1" kern="0" dirty="0">
+                  <a:solidFill>
+                    <a:sysClr val="windowText" lastClr="000000"/>
+                  </a:solidFill>
+                  <a:ea typeface="Arial Unicode MS" pitchFamily="34" charset="-128"/>
+                </a:rPr>
+                <a:t>-B</a:t>
+              </a:r>
+            </a:p>
+          </p:txBody>
+        </p:sp>
+        <p:sp>
+          <p:nvSpPr>
+            <p:cNvPr id="5" name="Rectangle 4">
+              <a:extLst>
+                <a:ext uri="{FF2B5EF4-FFF2-40B4-BE49-F238E27FC236}">
+                  <a16:creationId xmlns:a16="http://schemas.microsoft.com/office/drawing/2014/main" id="{A98A85B1-3938-456E-9BC0-752DD6268D80}"/>
+                </a:ext>
+              </a:extLst>
+            </p:cNvPr>
+            <p:cNvSpPr/>
+            <p:nvPr/>
+          </p:nvSpPr>
+          <p:spPr bwMode="gray">
+            <a:xfrm>
+              <a:off x="3394095" y="2548608"/>
+              <a:ext cx="1645920" cy="365760"/>
+            </a:xfrm>
+            <a:prstGeom prst="rect">
+              <a:avLst/>
+            </a:prstGeom>
+            <a:solidFill>
+              <a:schemeClr val="bg1">
+                <a:lumMod val="85000"/>
+              </a:schemeClr>
+            </a:solidFill>
+            <a:ln>
+              <a:headEnd/>
+              <a:tailEnd/>
+            </a:ln>
+          </p:spPr>
+          <p:style>
+            <a:lnRef idx="2">
+              <a:schemeClr val="accent2">
+                <a:shade val="50000"/>
+              </a:schemeClr>
+            </a:lnRef>
+            <a:fillRef idx="1">
+              <a:schemeClr val="accent2"/>
+            </a:fillRef>
+            <a:effectRef idx="0">
+              <a:schemeClr val="accent2"/>
+            </a:effectRef>
+            <a:fontRef idx="minor">
+              <a:schemeClr val="lt1"/>
+            </a:fontRef>
+          </p:style>
+          <p:txBody>
+            <a:bodyPr lIns="90000" tIns="72000" rIns="90000" bIns="72000" rtlCol="0" anchor="t"/>
+            <a:lstStyle/>
+            <a:p>
+              <a:pPr algn="ctr" defTabSz="914400" fontAlgn="base">
+                <a:spcBef>
+                  <a:spcPct val="50000"/>
+                </a:spcBef>
+                <a:spcAft>
+                  <a:spcPct val="0"/>
+                </a:spcAft>
+                <a:buClr>
+                  <a:srgbClr val="F0AB00"/>
+                </a:buClr>
+                <a:buSzPct val="80000"/>
+              </a:pPr>
+              <a:r>
+                <a:rPr lang="de-DE" sz="1600" b="1" kern="0" dirty="0">
+                  <a:solidFill>
+                    <a:sysClr val="windowText" lastClr="000000"/>
+                  </a:solidFill>
+                  <a:ea typeface="Arial Unicode MS" pitchFamily="34" charset="-128"/>
+                </a:rPr>
+                <a:t>IP: 10.10.10.2</a:t>
+              </a:r>
+            </a:p>
+          </p:txBody>
+        </p:sp>
+        <p:sp>
+          <p:nvSpPr>
+            <p:cNvPr id="6" name="Rectangle 5">
+              <a:extLst>
+                <a:ext uri="{FF2B5EF4-FFF2-40B4-BE49-F238E27FC236}">
+                  <a16:creationId xmlns:a16="http://schemas.microsoft.com/office/drawing/2014/main" id="{3B0E17AF-508A-4A5B-80D2-027AB2B6B378}"/>
+                </a:ext>
+              </a:extLst>
+            </p:cNvPr>
+            <p:cNvSpPr/>
+            <p:nvPr/>
+          </p:nvSpPr>
+          <p:spPr bwMode="gray">
+            <a:xfrm>
+              <a:off x="3955153" y="3262994"/>
+              <a:ext cx="1627931" cy="1156258"/>
+            </a:xfrm>
+            <a:prstGeom prst="rect">
+              <a:avLst/>
+            </a:prstGeom>
+            <a:solidFill>
+              <a:schemeClr val="bg1"/>
+            </a:solidFill>
+            <a:ln>
+              <a:headEnd/>
+              <a:tailEnd/>
+            </a:ln>
+          </p:spPr>
+          <p:style>
+            <a:lnRef idx="2">
+              <a:schemeClr val="accent2">
+                <a:shade val="50000"/>
+              </a:schemeClr>
+            </a:lnRef>
+            <a:fillRef idx="1">
+              <a:schemeClr val="accent2"/>
+            </a:fillRef>
+            <a:effectRef idx="0">
+              <a:schemeClr val="accent2"/>
+            </a:effectRef>
+            <a:fontRef idx="minor">
+              <a:schemeClr val="lt1"/>
+            </a:fontRef>
+          </p:style>
+          <p:txBody>
+            <a:bodyPr lIns="90000" tIns="72000" rIns="90000" bIns="72000" rtlCol="0" anchor="t"/>
+            <a:lstStyle/>
+            <a:p>
+              <a:pPr algn="ctr" defTabSz="914400" fontAlgn="base">
+                <a:spcBef>
+                  <a:spcPct val="50000"/>
+                </a:spcBef>
+                <a:spcAft>
+                  <a:spcPct val="0"/>
+                </a:spcAft>
+                <a:buClr>
+                  <a:srgbClr val="F0AB00"/>
+                </a:buClr>
+                <a:buSzPct val="80000"/>
+              </a:pPr>
+              <a:r>
+                <a:rPr lang="de-DE" sz="1600" kern="0" dirty="0">
+                  <a:solidFill>
+                    <a:sysClr val="windowText" lastClr="000000"/>
+                  </a:solidFill>
+                  <a:ea typeface="Arial Unicode MS" pitchFamily="34" charset="-128"/>
+                </a:rPr>
+                <a:t>C</a:t>
+              </a:r>
+              <a:r>
+                <a:rPr lang="de-DE" sz="1600" kern="0" dirty="0" err="1">
+                  <a:solidFill>
+                    <a:sysClr val="windowText" lastClr="000000"/>
+                  </a:solidFill>
+                  <a:ea typeface="Arial Unicode MS" pitchFamily="34" charset="-128"/>
+                </a:rPr>
+                <a:t>ontainer</a:t>
+              </a:r>
+              <a:r>
+                <a:rPr lang="de-DE" sz="1600" kern="0" dirty="0">
+                  <a:solidFill>
+                    <a:sysClr val="windowText" lastClr="000000"/>
+                  </a:solidFill>
+                  <a:ea typeface="Arial Unicode MS" pitchFamily="34" charset="-128"/>
+                </a:rPr>
+                <a:t>:</a:t>
+              </a:r>
+            </a:p>
+            <a:p>
+              <a:pPr algn="ctr" defTabSz="914400" fontAlgn="base">
+                <a:spcBef>
+                  <a:spcPct val="50000"/>
+                </a:spcBef>
+                <a:spcAft>
+                  <a:spcPct val="0"/>
+                </a:spcAft>
+                <a:buClr>
+                  <a:srgbClr val="F0AB00"/>
+                </a:buClr>
+                <a:buSzPct val="80000"/>
+              </a:pPr>
+              <a:r>
+                <a:rPr lang="de-DE" sz="1600" kern="0" dirty="0" err="1">
+                  <a:solidFill>
+                    <a:sysClr val="windowText" lastClr="000000"/>
+                  </a:solidFill>
+                  <a:ea typeface="Arial Unicode MS" pitchFamily="34" charset="-128"/>
+                </a:rPr>
+                <a:t>nginx</a:t>
+              </a:r>
+              <a:endParaRPr lang="de-DE" sz="1600" kern="0" dirty="0">
+                <a:solidFill>
+                  <a:sysClr val="windowText" lastClr="000000"/>
+                </a:solidFill>
+                <a:ea typeface="Arial Unicode MS" pitchFamily="34" charset="-128"/>
+              </a:endParaRPr>
+            </a:p>
+          </p:txBody>
+        </p:sp>
+        <p:sp>
+          <p:nvSpPr>
+            <p:cNvPr id="7" name="Cylinder 6">
+              <a:extLst>
+                <a:ext uri="{FF2B5EF4-FFF2-40B4-BE49-F238E27FC236}">
+                  <a16:creationId xmlns:a16="http://schemas.microsoft.com/office/drawing/2014/main" id="{6C4595D4-6106-4C54-830E-8696B26FC480}"/>
+                </a:ext>
+              </a:extLst>
+            </p:cNvPr>
+            <p:cNvSpPr/>
+            <p:nvPr/>
+          </p:nvSpPr>
+          <p:spPr bwMode="gray">
+            <a:xfrm>
+              <a:off x="5583084" y="4743750"/>
+              <a:ext cx="998220" cy="1004248"/>
+            </a:xfrm>
+            <a:prstGeom prst="can">
+              <a:avLst/>
+            </a:prstGeom>
+            <a:solidFill>
+              <a:schemeClr val="bg1"/>
+            </a:solidFill>
+            <a:ln>
+              <a:headEnd/>
+              <a:tailEnd/>
+            </a:ln>
+          </p:spPr>
+          <p:style>
+            <a:lnRef idx="2">
+              <a:schemeClr val="accent2">
+                <a:shade val="50000"/>
+              </a:schemeClr>
+            </a:lnRef>
+            <a:fillRef idx="1">
+              <a:schemeClr val="accent2"/>
+            </a:fillRef>
+            <a:effectRef idx="0">
+              <a:schemeClr val="accent2"/>
+            </a:effectRef>
+            <a:fontRef idx="minor">
+              <a:schemeClr val="lt1"/>
+            </a:fontRef>
+          </p:style>
+          <p:txBody>
+            <a:bodyPr lIns="90000" tIns="72000" rIns="90000" bIns="72000" rtlCol="0" anchor="t"/>
+            <a:lstStyle/>
+            <a:p>
+              <a:pPr algn="ctr" defTabSz="914400" fontAlgn="base">
+                <a:spcBef>
+                  <a:spcPct val="50000"/>
+                </a:spcBef>
+                <a:spcAft>
+                  <a:spcPct val="0"/>
+                </a:spcAft>
+                <a:buClr>
+                  <a:srgbClr val="F0AB00"/>
+                </a:buClr>
+                <a:buSzPct val="80000"/>
+              </a:pPr>
+              <a:r>
+                <a:rPr lang="de-DE" sz="1600" kern="0" dirty="0" err="1">
+                  <a:solidFill>
+                    <a:sysClr val="windowText" lastClr="000000"/>
+                  </a:solidFill>
+                  <a:ea typeface="Arial Unicode MS" pitchFamily="34" charset="-128"/>
+                </a:rPr>
+                <a:t>volume</a:t>
+              </a:r>
+              <a:endParaRPr lang="de-DE" sz="1600" kern="0" dirty="0">
+                <a:solidFill>
+                  <a:sysClr val="windowText" lastClr="000000"/>
+                </a:solidFill>
+                <a:ea typeface="Arial Unicode MS" pitchFamily="34" charset="-128"/>
+              </a:endParaRPr>
+            </a:p>
+          </p:txBody>
+        </p:sp>
+        <p:sp>
+          <p:nvSpPr>
+            <p:cNvPr id="8" name="Rectangle 7">
+              <a:extLst>
+                <a:ext uri="{FF2B5EF4-FFF2-40B4-BE49-F238E27FC236}">
+                  <a16:creationId xmlns:a16="http://schemas.microsoft.com/office/drawing/2014/main" id="{6BEC71A3-10D5-4126-9EAD-DFA2B5A9CA4D}"/>
+                </a:ext>
+              </a:extLst>
+            </p:cNvPr>
+            <p:cNvSpPr/>
+            <p:nvPr/>
+          </p:nvSpPr>
+          <p:spPr bwMode="gray">
+            <a:xfrm>
+              <a:off x="6581304" y="3262993"/>
+              <a:ext cx="1627931" cy="1156258"/>
+            </a:xfrm>
+            <a:prstGeom prst="rect">
+              <a:avLst/>
+            </a:prstGeom>
+            <a:solidFill>
+              <a:schemeClr val="bg1"/>
+            </a:solidFill>
+            <a:ln>
+              <a:headEnd/>
+              <a:tailEnd/>
+            </a:ln>
+          </p:spPr>
+          <p:style>
+            <a:lnRef idx="2">
+              <a:schemeClr val="accent2">
+                <a:shade val="50000"/>
+              </a:schemeClr>
+            </a:lnRef>
+            <a:fillRef idx="1">
+              <a:schemeClr val="accent2"/>
+            </a:fillRef>
+            <a:effectRef idx="0">
+              <a:schemeClr val="accent2"/>
+            </a:effectRef>
+            <a:fontRef idx="minor">
+              <a:schemeClr val="lt1"/>
+            </a:fontRef>
+          </p:style>
+          <p:txBody>
+            <a:bodyPr lIns="90000" tIns="72000" rIns="90000" bIns="72000" rtlCol="0" anchor="t"/>
+            <a:lstStyle/>
+            <a:p>
+              <a:pPr algn="ctr" defTabSz="914400" fontAlgn="base">
+                <a:spcBef>
+                  <a:spcPct val="50000"/>
+                </a:spcBef>
+                <a:spcAft>
+                  <a:spcPct val="0"/>
+                </a:spcAft>
+                <a:buClr>
+                  <a:srgbClr val="F0AB00"/>
+                </a:buClr>
+                <a:buSzPct val="80000"/>
+              </a:pPr>
+              <a:r>
+                <a:rPr lang="de-DE" sz="1600" kern="0" dirty="0">
+                  <a:solidFill>
+                    <a:sysClr val="windowText" lastClr="000000"/>
+                  </a:solidFill>
+                  <a:ea typeface="Arial Unicode MS" pitchFamily="34" charset="-128"/>
+                </a:rPr>
+                <a:t>C</a:t>
+              </a:r>
+              <a:r>
+                <a:rPr lang="de-DE" sz="1600" kern="0" dirty="0" err="1">
+                  <a:solidFill>
+                    <a:sysClr val="windowText" lastClr="000000"/>
+                  </a:solidFill>
+                  <a:ea typeface="Arial Unicode MS" pitchFamily="34" charset="-128"/>
+                </a:rPr>
+                <a:t>ontainer</a:t>
+              </a:r>
+              <a:r>
+                <a:rPr lang="de-DE" sz="1600" kern="0" dirty="0">
+                  <a:solidFill>
+                    <a:sysClr val="windowText" lastClr="000000"/>
+                  </a:solidFill>
+                  <a:ea typeface="Arial Unicode MS" pitchFamily="34" charset="-128"/>
+                </a:rPr>
+                <a:t>:</a:t>
+              </a:r>
+            </a:p>
+            <a:p>
+              <a:pPr algn="ctr" defTabSz="914400" fontAlgn="base">
+                <a:spcBef>
+                  <a:spcPct val="50000"/>
+                </a:spcBef>
+                <a:spcAft>
+                  <a:spcPct val="0"/>
+                </a:spcAft>
+                <a:buClr>
+                  <a:srgbClr val="F0AB00"/>
+                </a:buClr>
+                <a:buSzPct val="80000"/>
+              </a:pPr>
+              <a:r>
+                <a:rPr lang="de-DE" sz="1600" kern="0" dirty="0">
+                  <a:solidFill>
+                    <a:sysClr val="windowText" lastClr="000000"/>
+                  </a:solidFill>
+                  <a:ea typeface="Arial Unicode MS" pitchFamily="34" charset="-128"/>
+                </a:rPr>
+                <a:t>access-</a:t>
+              </a:r>
+              <a:r>
+                <a:rPr lang="de-DE" sz="1600" kern="0" dirty="0" err="1">
+                  <a:solidFill>
+                    <a:sysClr val="windowText" lastClr="000000"/>
+                  </a:solidFill>
+                  <a:ea typeface="Arial Unicode MS" pitchFamily="34" charset="-128"/>
+                </a:rPr>
+                <a:t>to</a:t>
+              </a:r>
+              <a:r>
+                <a:rPr lang="de-DE" sz="1600" kern="0" dirty="0">
+                  <a:solidFill>
+                    <a:sysClr val="windowText" lastClr="000000"/>
+                  </a:solidFill>
+                  <a:ea typeface="Arial Unicode MS" pitchFamily="34" charset="-128"/>
+                </a:rPr>
+                <a:t>-DB</a:t>
+              </a:r>
+            </a:p>
+          </p:txBody>
+        </p:sp>
+        <p:cxnSp>
+          <p:nvCxnSpPr>
+            <p:cNvPr id="9" name="Connector: Elbow 8">
+              <a:extLst>
+                <a:ext uri="{FF2B5EF4-FFF2-40B4-BE49-F238E27FC236}">
+                  <a16:creationId xmlns:a16="http://schemas.microsoft.com/office/drawing/2014/main" id="{75391190-BCB0-4056-998E-7E97C9D79CC9}"/>
+                </a:ext>
+              </a:extLst>
+            </p:cNvPr>
+            <p:cNvCxnSpPr>
+              <a:stCxn id="6" idx="2"/>
+              <a:endCxn id="7" idx="2"/>
+            </p:cNvCxnSpPr>
+            <p:nvPr/>
+          </p:nvCxnSpPr>
+          <p:spPr>
+            <a:xfrm rot="16200000" flipH="1">
+              <a:off x="4762790" y="4425580"/>
+              <a:ext cx="826622" cy="813965"/>
+            </a:xfrm>
+            <a:prstGeom prst="bentConnector2">
+              <a:avLst/>
+            </a:prstGeom>
+            <a:solidFill>
+              <a:schemeClr val="bg1">
+                <a:lumMod val="85000"/>
+              </a:schemeClr>
+            </a:solidFill>
+            <a:ln>
+              <a:headEnd/>
+              <a:tailEnd/>
+            </a:ln>
+          </p:spPr>
+          <p:style>
+            <a:lnRef idx="2">
+              <a:schemeClr val="accent2">
+                <a:shade val="50000"/>
+              </a:schemeClr>
+            </a:lnRef>
+            <a:fillRef idx="1">
+              <a:schemeClr val="accent2"/>
+            </a:fillRef>
+            <a:effectRef idx="0">
+              <a:schemeClr val="accent2"/>
+            </a:effectRef>
+            <a:fontRef idx="minor">
+              <a:schemeClr val="lt1"/>
+            </a:fontRef>
+          </p:style>
+        </p:cxnSp>
+        <p:cxnSp>
+          <p:nvCxnSpPr>
+            <p:cNvPr id="10" name="Connector: Elbow 9">
+              <a:extLst>
+                <a:ext uri="{FF2B5EF4-FFF2-40B4-BE49-F238E27FC236}">
+                  <a16:creationId xmlns:a16="http://schemas.microsoft.com/office/drawing/2014/main" id="{48A0DE0B-5C22-4F86-87D2-D3B505210A7E}"/>
+                </a:ext>
+              </a:extLst>
+            </p:cNvPr>
+            <p:cNvCxnSpPr>
+              <a:stCxn id="8" idx="2"/>
+              <a:endCxn id="7" idx="4"/>
+            </p:cNvCxnSpPr>
+            <p:nvPr/>
+          </p:nvCxnSpPr>
+          <p:spPr>
+            <a:xfrm rot="5400000">
+              <a:off x="6574976" y="4425579"/>
+              <a:ext cx="826623" cy="813966"/>
+            </a:xfrm>
+            <a:prstGeom prst="bentConnector2">
+              <a:avLst/>
+            </a:prstGeom>
+            <a:solidFill>
+              <a:schemeClr val="bg1">
+                <a:lumMod val="85000"/>
+              </a:schemeClr>
+            </a:solidFill>
+            <a:ln>
+              <a:headEnd/>
+              <a:tailEnd/>
+            </a:ln>
+          </p:spPr>
+          <p:style>
+            <a:lnRef idx="2">
+              <a:schemeClr val="accent2">
+                <a:shade val="50000"/>
+              </a:schemeClr>
+            </a:lnRef>
+            <a:fillRef idx="1">
+              <a:schemeClr val="accent2"/>
+            </a:fillRef>
+            <a:effectRef idx="0">
+              <a:schemeClr val="accent2"/>
+            </a:effectRef>
+            <a:fontRef idx="minor">
+              <a:schemeClr val="lt1"/>
+            </a:fontRef>
+          </p:style>
+        </p:cxnSp>
+        <p:cxnSp>
+          <p:nvCxnSpPr>
+            <p:cNvPr id="11" name="Connector: Elbow 10">
+              <a:extLst>
+                <a:ext uri="{FF2B5EF4-FFF2-40B4-BE49-F238E27FC236}">
+                  <a16:creationId xmlns:a16="http://schemas.microsoft.com/office/drawing/2014/main" id="{0CA4DEF7-8F96-4305-A79F-F52C21798CAC}"/>
+                </a:ext>
+              </a:extLst>
+            </p:cNvPr>
+            <p:cNvCxnSpPr>
+              <a:stCxn id="8" idx="1"/>
+              <a:endCxn id="6" idx="3"/>
+            </p:cNvCxnSpPr>
+            <p:nvPr/>
+          </p:nvCxnSpPr>
+          <p:spPr>
+            <a:xfrm rot="10800000" flipV="1">
+              <a:off x="5583084" y="3841121"/>
+              <a:ext cx="998220" cy="1"/>
+            </a:xfrm>
+            <a:prstGeom prst="bentConnector3">
+              <a:avLst>
+                <a:gd name="adj1" fmla="val 50000"/>
+              </a:avLst>
+            </a:prstGeom>
+            <a:solidFill>
+              <a:schemeClr val="bg1">
+                <a:lumMod val="85000"/>
+              </a:schemeClr>
+            </a:solidFill>
+            <a:ln>
+              <a:headEnd/>
+              <a:tailEnd/>
+            </a:ln>
+          </p:spPr>
+          <p:style>
+            <a:lnRef idx="2">
+              <a:schemeClr val="accent2">
+                <a:shade val="50000"/>
+              </a:schemeClr>
+            </a:lnRef>
+            <a:fillRef idx="1">
+              <a:schemeClr val="accent2"/>
+            </a:fillRef>
+            <a:effectRef idx="0">
+              <a:schemeClr val="accent2"/>
+            </a:effectRef>
+            <a:fontRef idx="minor">
+              <a:schemeClr val="lt1"/>
+            </a:fontRef>
+          </p:style>
+        </p:cxnSp>
+      </p:grpSp>
       <p:sp>
         <p:nvSpPr>
-          <p:cNvPr id="4" name="Rectangle 3">
+          <p:cNvPr id="13" name="Speech Bubble: Rectangle 12">
             <a:extLst>
               <a:ext uri="{FF2B5EF4-FFF2-40B4-BE49-F238E27FC236}">
-                <a16:creationId xmlns:a16="http://schemas.microsoft.com/office/drawing/2014/main" id="{DCB60DFE-A47A-423D-B9E3-AF96A86F71E7}"/>
+                <a16:creationId xmlns:a16="http://schemas.microsoft.com/office/drawing/2014/main" id="{D246B88B-87EE-4412-8E90-E39822F831B5}"/>
               </a:ext>
             </a:extLst>
           </p:cNvPr>
           <p:cNvSpPr/>
           <p:nvPr/>
         </p:nvSpPr>
-        <p:spPr>
+        <p:spPr bwMode="gray">
           <a:xfrm>
-            <a:off x="504001" y="1240262"/>
-            <a:ext cx="6014786" cy="400110"/>
+            <a:off x="486912" y="1211637"/>
+            <a:ext cx="3008446" cy="915844"/>
           </a:xfrm>
-          <a:prstGeom prst="rect">
-            <a:avLst/>
+          <a:prstGeom prst="wedgeRectCallout">
+            <a:avLst>
+              <a:gd name="adj1" fmla="val 58938"/>
+              <a:gd name="adj2" fmla="val 166939"/>
+            </a:avLst>
           </a:prstGeom>
+          <a:ln>
+            <a:headEnd/>
+            <a:tailEnd/>
+          </a:ln>
         </p:spPr>
+        <p:style>
+          <a:lnRef idx="2">
+            <a:schemeClr val="accent5"/>
+          </a:lnRef>
+          <a:fillRef idx="1">
+            <a:schemeClr val="lt1"/>
+          </a:fillRef>
+          <a:effectRef idx="0">
+            <a:schemeClr val="accent5"/>
+          </a:effectRef>
+          <a:fontRef idx="minor">
+            <a:schemeClr val="dk1"/>
+          </a:fontRef>
+        </p:style>
         <p:txBody>
-          <a:bodyPr wrap="square">
-            <a:spAutoFit/>
-          </a:bodyPr>
+          <a:bodyPr lIns="90000" tIns="72000" rIns="90000" bIns="72000" rtlCol="0" anchor="ctr"/>
           <a:lstStyle/>
           <a:p>
-            <a:r>
-              <a:rPr lang="en-US" sz="2000" dirty="0">
-                <a:hlinkClick r:id="rId3"/>
+            <a:pPr marR="0" algn="ctr" defTabSz="914400" eaLnBrk="1" fontAlgn="base" latinLnBrk="0" hangingPunct="1">
+              <a:lnSpc>
+                <a:spcPct val="100000"/>
+              </a:lnSpc>
+              <a:spcBef>
+                <a:spcPct val="50000"/>
+              </a:spcBef>
+              <a:spcAft>
+                <a:spcPct val="0"/>
+              </a:spcAft>
+              <a:buClr>
+                <a:srgbClr val="F0AB00"/>
+              </a:buClr>
+              <a:buSzPct val="80000"/>
+              <a:tabLst/>
+            </a:pPr>
+            <a:r>
+              <a:rPr lang="en-US" sz="1800" kern="0" dirty="0">
+                <a:ea typeface="Arial Unicode MS" pitchFamily="34" charset="-128"/>
+                <a:cs typeface="Arial Unicode MS" pitchFamily="34" charset="-128"/>
               </a:rPr>
-              <a:t>https://kubernetes.io/docs/reference/#api-reference</a:t>
-            </a:r>
-            <a:endParaRPr lang="en-US" sz="2000" dirty="0"/>
+              <a:t>Application container</a:t>
+            </a:r>
+            <a:endParaRPr kumimoji="0" lang="en-US" sz="1800" b="0" i="0" u="none" strike="noStrike" kern="0" cap="none" spc="0" normalizeH="0" baseline="0" noProof="0" dirty="0" err="1">
+              <a:ln>
+                <a:noFill/>
+              </a:ln>
+              <a:effectLst/>
+              <a:uLnTx/>
+              <a:uFillTx/>
+              <a:ea typeface="Arial Unicode MS" pitchFamily="34" charset="-128"/>
+              <a:cs typeface="Arial Unicode MS" pitchFamily="34" charset="-128"/>
+            </a:endParaRPr>
           </a:p>
         </p:txBody>
       </p:sp>
-      <p:pic>
-        <p:nvPicPr>
-          <p:cNvPr id="5" name="Picture 4">
+      <p:sp>
+        <p:nvSpPr>
+          <p:cNvPr id="14" name="Speech Bubble: Rectangle 13">
             <a:extLst>
               <a:ext uri="{FF2B5EF4-FFF2-40B4-BE49-F238E27FC236}">
-                <a16:creationId xmlns:a16="http://schemas.microsoft.com/office/drawing/2014/main" id="{0DA3CA79-31C1-456A-8B01-BF80B3DD19A4}"/>
+                <a16:creationId xmlns:a16="http://schemas.microsoft.com/office/drawing/2014/main" id="{C8C31432-D481-4FDC-BD0A-2B5C34E5297C}"/>
               </a:ext>
             </a:extLst>
           </p:cNvPr>
-          <p:cNvPicPr>
-            <a:picLocks noChangeAspect="1"/>
-          </p:cNvPicPr>
+          <p:cNvSpPr/>
           <p:nvPr/>
-        </p:nvPicPr>
-        <p:blipFill>
-          <a:blip r:embed="rId4"/>
-          <a:stretch>
-            <a:fillRect/>
-          </a:stretch>
-        </p:blipFill>
-        <p:spPr>
+        </p:nvSpPr>
+        <p:spPr bwMode="gray">
           <a:xfrm>
-            <a:off x="504001" y="1823734"/>
-            <a:ext cx="8708825" cy="4632354"/>
+            <a:off x="8682031" y="1211637"/>
+            <a:ext cx="3008446" cy="915844"/>
           </a:xfrm>
-          <a:prstGeom prst="rect">
-            <a:avLst/>
+          <a:prstGeom prst="wedgeRectCallout">
+            <a:avLst>
+              <a:gd name="adj1" fmla="val -57455"/>
+              <a:gd name="adj2" fmla="val 170197"/>
+            </a:avLst>
           </a:prstGeom>
+          <a:ln>
+            <a:headEnd/>
+            <a:tailEnd/>
+          </a:ln>
         </p:spPr>
-      </p:pic>
+        <p:style>
+          <a:lnRef idx="2">
+            <a:schemeClr val="accent5"/>
+          </a:lnRef>
+          <a:fillRef idx="1">
+            <a:schemeClr val="lt1"/>
+          </a:fillRef>
+          <a:effectRef idx="0">
+            <a:schemeClr val="accent5"/>
+          </a:effectRef>
+          <a:fontRef idx="minor">
+            <a:schemeClr val="dk1"/>
+          </a:fontRef>
+        </p:style>
+        <p:txBody>
+          <a:bodyPr lIns="90000" tIns="72000" rIns="90000" bIns="72000" rtlCol="0" anchor="ctr"/>
+          <a:lstStyle/>
+          <a:p>
+            <a:pPr marR="0" algn="ctr" defTabSz="914400" eaLnBrk="1" fontAlgn="base" latinLnBrk="0" hangingPunct="1">
+              <a:lnSpc>
+                <a:spcPct val="100000"/>
+              </a:lnSpc>
+              <a:spcBef>
+                <a:spcPct val="50000"/>
+              </a:spcBef>
+              <a:spcAft>
+                <a:spcPct val="0"/>
+              </a:spcAft>
+              <a:buClr>
+                <a:srgbClr val="F0AB00"/>
+              </a:buClr>
+              <a:buSzPct val="80000"/>
+              <a:tabLst/>
+            </a:pPr>
+            <a:r>
+              <a:rPr lang="en-US" sz="1800" kern="0" dirty="0">
+                <a:ea typeface="Arial Unicode MS" pitchFamily="34" charset="-128"/>
+                <a:cs typeface="Arial Unicode MS" pitchFamily="34" charset="-128"/>
+              </a:rPr>
+              <a:t>The ambassador is an abstraction of another service entity</a:t>
+            </a:r>
+            <a:endParaRPr kumimoji="0" lang="en-US" sz="1800" b="0" i="0" u="none" strike="noStrike" kern="0" cap="none" spc="0" normalizeH="0" baseline="0" noProof="0" dirty="0" err="1">
+              <a:ln>
+                <a:noFill/>
+              </a:ln>
+              <a:effectLst/>
+              <a:uLnTx/>
+              <a:uFillTx/>
+              <a:ea typeface="Arial Unicode MS" pitchFamily="34" charset="-128"/>
+              <a:cs typeface="Arial Unicode MS" pitchFamily="34" charset="-128"/>
+            </a:endParaRPr>
+          </a:p>
+        </p:txBody>
+      </p:sp>
+      <p:sp>
+        <p:nvSpPr>
+          <p:cNvPr id="15" name="Speech Bubble: Rectangle 14">
+            <a:extLst>
+              <a:ext uri="{FF2B5EF4-FFF2-40B4-BE49-F238E27FC236}">
+                <a16:creationId xmlns:a16="http://schemas.microsoft.com/office/drawing/2014/main" id="{646D4807-DB4B-471B-8174-ECDD909BEED2}"/>
+              </a:ext>
+            </a:extLst>
+          </p:cNvPr>
+          <p:cNvSpPr/>
+          <p:nvPr/>
+        </p:nvSpPr>
+        <p:spPr bwMode="gray">
+          <a:xfrm>
+            <a:off x="8871556" y="4214509"/>
+            <a:ext cx="3008446" cy="1166788"/>
+          </a:xfrm>
+          <a:prstGeom prst="wedgeRectCallout">
+            <a:avLst>
+              <a:gd name="adj1" fmla="val -64093"/>
+              <a:gd name="adj2" fmla="val -92606"/>
+            </a:avLst>
+          </a:prstGeom>
+          <a:ln>
+            <a:headEnd/>
+            <a:tailEnd/>
+          </a:ln>
+        </p:spPr>
+        <p:style>
+          <a:lnRef idx="2">
+            <a:schemeClr val="accent5"/>
+          </a:lnRef>
+          <a:fillRef idx="1">
+            <a:schemeClr val="lt1"/>
+          </a:fillRef>
+          <a:effectRef idx="0">
+            <a:schemeClr val="accent5"/>
+          </a:effectRef>
+          <a:fontRef idx="minor">
+            <a:schemeClr val="dk1"/>
+          </a:fontRef>
+        </p:style>
+        <p:txBody>
+          <a:bodyPr lIns="90000" tIns="72000" rIns="90000" bIns="72000" rtlCol="0" anchor="ctr"/>
+          <a:lstStyle/>
+          <a:p>
+            <a:pPr marR="0" algn="ctr" defTabSz="914400" eaLnBrk="1" fontAlgn="base" latinLnBrk="0" hangingPunct="1">
+              <a:lnSpc>
+                <a:spcPct val="100000"/>
+              </a:lnSpc>
+              <a:spcBef>
+                <a:spcPct val="50000"/>
+              </a:spcBef>
+              <a:spcAft>
+                <a:spcPct val="0"/>
+              </a:spcAft>
+              <a:buClr>
+                <a:srgbClr val="F0AB00"/>
+              </a:buClr>
+              <a:buSzPct val="80000"/>
+              <a:tabLst/>
+            </a:pPr>
+            <a:r>
+              <a:rPr lang="en-US" sz="1800" kern="0" dirty="0">
+                <a:ea typeface="Arial Unicode MS" pitchFamily="34" charset="-128"/>
+                <a:cs typeface="Arial Unicode MS" pitchFamily="34" charset="-128"/>
+              </a:rPr>
+              <a:t>It is available via localhost and takes care of traffic forwarding</a:t>
+            </a:r>
+            <a:endParaRPr kumimoji="0" lang="en-US" sz="1800" b="0" i="0" u="none" strike="noStrike" kern="0" cap="none" spc="0" normalizeH="0" baseline="0" noProof="0" dirty="0" err="1">
+              <a:ln>
+                <a:noFill/>
+              </a:ln>
+              <a:effectLst/>
+              <a:uLnTx/>
+              <a:uFillTx/>
+              <a:ea typeface="Arial Unicode MS" pitchFamily="34" charset="-128"/>
+              <a:cs typeface="Arial Unicode MS" pitchFamily="34" charset="-128"/>
+            </a:endParaRPr>
+          </a:p>
+        </p:txBody>
+      </p:sp>
     </p:spTree>
     <p:extLst>
       <p:ext uri="{BB962C8B-B14F-4D97-AF65-F5344CB8AC3E}">
-        <p14:creationId xmlns:p14="http://schemas.microsoft.com/office/powerpoint/2010/main" val="2822595700"/>
+        <p14:creationId xmlns:p14="http://schemas.microsoft.com/office/powerpoint/2010/main" val="2804954597"/>
       </p:ext>
     </p:extLst>
   </p:cSld>

--- a/kubernetes/02_pods.pptx
+++ b/kubernetes/02_pods.pptx
@@ -14570,6 +14570,36 @@
           <a:chExt cx="0" cy="0"/>
         </a:xfrm>
       </p:grpSpPr>
+      <p:pic>
+        <p:nvPicPr>
+          <p:cNvPr id="2" name="Picture 1">
+            <a:extLst>
+              <a:ext uri="{FF2B5EF4-FFF2-40B4-BE49-F238E27FC236}">
+                <a16:creationId xmlns:a16="http://schemas.microsoft.com/office/drawing/2014/main" id="{36472E94-D447-4365-B71E-B873688E005C}"/>
+              </a:ext>
+            </a:extLst>
+          </p:cNvPr>
+          <p:cNvPicPr>
+            <a:picLocks noChangeAspect="1"/>
+          </p:cNvPicPr>
+          <p:nvPr/>
+        </p:nvPicPr>
+        <p:blipFill>
+          <a:blip r:embed="rId3"/>
+          <a:stretch>
+            <a:fillRect/>
+          </a:stretch>
+        </p:blipFill>
+        <p:spPr>
+          <a:xfrm>
+            <a:off x="564294" y="1842476"/>
+            <a:ext cx="5532945" cy="3511527"/>
+          </a:xfrm>
+          <a:prstGeom prst="rect">
+            <a:avLst/>
+          </a:prstGeom>
+        </p:spPr>
+      </p:pic>
       <p:sp>
         <p:nvSpPr>
           <p:cNvPr id="8" name="Title 7"/>
@@ -14592,47 +14622,6 @@
           </a:p>
         </p:txBody>
       </p:sp>
-      <p:pic>
-        <p:nvPicPr>
-          <p:cNvPr id="1030" name="Picture 6" descr="Related image"/>
-          <p:cNvPicPr>
-            <a:picLocks noChangeAspect="1" noChangeArrowheads="1"/>
-          </p:cNvPicPr>
-          <p:nvPr/>
-        </p:nvPicPr>
-        <p:blipFill>
-          <a:blip r:embed="rId3">
-            <a:extLst>
-              <a:ext uri="{28A0092B-C50C-407E-A947-70E740481C1C}">
-                <a14:useLocalDpi xmlns:a14="http://schemas.microsoft.com/office/drawing/2010/main" val="0"/>
-              </a:ext>
-            </a:extLst>
-          </a:blip>
-          <a:srcRect/>
-          <a:stretch>
-            <a:fillRect/>
-          </a:stretch>
-        </p:blipFill>
-        <p:spPr bwMode="auto">
-          <a:xfrm>
-            <a:off x="564294" y="1832526"/>
-            <a:ext cx="5532945" cy="3521477"/>
-          </a:xfrm>
-          <a:prstGeom prst="rect">
-            <a:avLst/>
-          </a:prstGeom>
-          <a:noFill/>
-          <a:extLst>
-            <a:ext uri="{909E8E84-426E-40DD-AFC4-6F175D3DCCD1}">
-              <a14:hiddenFill xmlns:a14="http://schemas.microsoft.com/office/drawing/2010/main">
-                <a:solidFill>
-                  <a:srgbClr val="FFFFFF"/>
-                </a:solidFill>
-              </a14:hiddenFill>
-            </a:ext>
-          </a:extLst>
-        </p:spPr>
-      </p:pic>
       <p:sp>
         <p:nvSpPr>
           <p:cNvPr id="12" name="Text Placeholder 2"/>
@@ -14893,7 +14882,7 @@
                             </p:stCondLst>
                             <p:childTnLst>
                               <p:par>
-                                <p:cTn id="5" presetID="1" presetClass="entr" presetSubtype="0" fill="hold" nodeType="clickEffect">
+                                <p:cTn id="5" presetID="1" presetClass="entr" presetSubtype="0" fill="hold" grpId="0" nodeType="clickEffect">
                                   <p:stCondLst>
                                     <p:cond delay="0"/>
                                   </p:stCondLst>
@@ -14901,51 +14890,6 @@
                                     <p:set>
                                       <p:cBhvr>
                                         <p:cTn id="6" dur="1" fill="hold">
-                                          <p:stCondLst>
-                                            <p:cond delay="0"/>
-                                          </p:stCondLst>
-                                        </p:cTn>
-                                        <p:tgtEl>
-                                          <p:spTgt spid="1030"/>
-                                        </p:tgtEl>
-                                        <p:attrNameLst>
-                                          <p:attrName>style.visibility</p:attrName>
-                                        </p:attrNameLst>
-                                      </p:cBhvr>
-                                      <p:to>
-                                        <p:strVal val="visible"/>
-                                      </p:to>
-                                    </p:set>
-                                  </p:childTnLst>
-                                </p:cTn>
-                              </p:par>
-                            </p:childTnLst>
-                          </p:cTn>
-                        </p:par>
-                      </p:childTnLst>
-                    </p:cTn>
-                  </p:par>
-                  <p:par>
-                    <p:cTn id="7" fill="hold">
-                      <p:stCondLst>
-                        <p:cond delay="indefinite"/>
-                      </p:stCondLst>
-                      <p:childTnLst>
-                        <p:par>
-                          <p:cTn id="8" fill="hold">
-                            <p:stCondLst>
-                              <p:cond delay="0"/>
-                            </p:stCondLst>
-                            <p:childTnLst>
-                              <p:par>
-                                <p:cTn id="9" presetID="1" presetClass="entr" presetSubtype="0" fill="hold" grpId="0" nodeType="clickEffect">
-                                  <p:stCondLst>
-                                    <p:cond delay="0"/>
-                                  </p:stCondLst>
-                                  <p:childTnLst>
-                                    <p:set>
-                                      <p:cBhvr>
-                                        <p:cTn id="10" dur="1" fill="hold">
                                           <p:stCondLst>
                                             <p:cond delay="0"/>
                                           </p:stCondLst>

--- a/kubernetes/02_pods.pptx
+++ b/kubernetes/02_pods.pptx
@@ -12,12 +12,12 @@
   </p:handoutMasterIdLst>
   <p:sldIdLst>
     <p:sldId id="433" r:id="rId2"/>
-    <p:sldId id="449" r:id="rId3"/>
-    <p:sldId id="437" r:id="rId4"/>
-    <p:sldId id="441" r:id="rId5"/>
-    <p:sldId id="447" r:id="rId6"/>
-    <p:sldId id="464" r:id="rId7"/>
-    <p:sldId id="452" r:id="rId8"/>
+    <p:sldId id="467" r:id="rId3"/>
+    <p:sldId id="441" r:id="rId4"/>
+    <p:sldId id="437" r:id="rId5"/>
+    <p:sldId id="464" r:id="rId6"/>
+    <p:sldId id="452" r:id="rId7"/>
+    <p:sldId id="447" r:id="rId8"/>
     <p:sldId id="466" r:id="rId9"/>
     <p:sldId id="465" r:id="rId10"/>
     <p:sldId id="445" r:id="rId11"/>
@@ -1777,135 +1777,93 @@
         </p:nvSpPr>
         <p:spPr/>
         <p:txBody>
-          <a:bodyPr>
-            <a:normAutofit/>
-          </a:bodyPr>
+          <a:bodyPr/>
           <a:lstStyle/>
           <a:p>
-            <a:pPr lvl="1"/>
             <a:r>
               <a:rPr lang="en-US" dirty="0"/>
-              <a:t>A </a:t>
-            </a:r>
-            <a:r>
-              <a:rPr lang="en-US" i="1" dirty="0"/>
-              <a:t>pod</a:t>
+              <a:t>All we want, is to run a simple </a:t>
+            </a:r>
+            <a:r>
+              <a:rPr lang="en-US" dirty="0" err="1"/>
+              <a:t>nginx</a:t>
             </a:r>
             <a:r>
               <a:rPr lang="en-US" dirty="0"/>
-              <a:t> (as in a pod of whales or pea pod) is a group of one or more containers (such as Docker containers), with shared storage/network, and a specification for how to run the containers</a:t>
-            </a:r>
-          </a:p>
-          <a:p>
-            <a:pPr lvl="1"/>
+              <a:t> webserver. So we need an environment to start the process, have it listen to a port and exposed via an IP address so our users can </a:t>
+            </a:r>
+            <a:r>
+              <a:rPr lang="en-US" dirty="0" err="1"/>
+              <a:t>acess</a:t>
+            </a:r>
             <a:r>
               <a:rPr lang="en-US" dirty="0"/>
-              <a:t>Containers of a pod share localhost network interface</a:t>
-            </a:r>
-          </a:p>
-          <a:p>
-            <a:pPr lvl="1"/>
+              <a:t> the webserver.</a:t>
+            </a:r>
+          </a:p>
+          <a:p>
+            <a:endParaRPr lang="en-US" dirty="0"/>
+          </a:p>
+          <a:p>
             <a:r>
               <a:rPr lang="en-US" dirty="0"/>
-              <a:t>A pod can provision ephemeral storage or attach persistent storage</a:t>
-            </a:r>
-          </a:p>
-          <a:p>
-            <a:pPr lvl="1"/>
+              <a:t>Next, we have to configure the application via config files and add some storage to persist data processed by the webserver. Also some parameters are best set via environment variables of the surrounding runtime context (i.e. shell).</a:t>
+            </a:r>
+          </a:p>
+          <a:p>
+            <a:endParaRPr lang="en-US" dirty="0"/>
+          </a:p>
+          <a:p>
             <a:r>
               <a:rPr lang="en-US" dirty="0"/>
-              <a:t>Pods are started by </a:t>
+              <a:t>Once the app webserver is properly running, we need think about security settings and resource consumption (CPU, memory). </a:t>
+            </a:r>
+          </a:p>
+          <a:p>
+            <a:endParaRPr lang="en-US" dirty="0"/>
+          </a:p>
+          <a:p>
+            <a:r>
+              <a:rPr lang="en-US" dirty="0"/>
+              <a:t>And of course, some logging would be nice. We could use a log collector running as a separate process ingesting data via a shared file system. Also we figured out, that some steps should run prior to the webserver start. So we will run an </a:t>
             </a:r>
             <a:r>
               <a:rPr lang="en-US" dirty="0" err="1"/>
-              <a:t>kubelet</a:t>
+              <a:t>init</a:t>
             </a:r>
             <a:r>
               <a:rPr lang="en-US" dirty="0"/>
-              <a:t> but can die any time without necessarily being re-scheduled</a:t>
-            </a:r>
-          </a:p>
-          <a:p>
-            <a:pPr lvl="1"/>
+              <a:t> script beforehand.</a:t>
+            </a:r>
+          </a:p>
+          <a:p>
+            <a:endParaRPr lang="en-US" dirty="0"/>
+          </a:p>
+          <a:p>
             <a:r>
               <a:rPr lang="en-US" dirty="0"/>
-              <a:t>Pods can be probed by </a:t>
-            </a:r>
-            <a:r>
-              <a:rPr lang="en-US" dirty="0" err="1"/>
-              <a:t>kubelet</a:t>
-            </a:r>
+              <a:t>Now, all of these things can be summed up and bundled on one host. Or in the context of Kubernetes – a Pod. It grants you all the configuration possibilities, as well as the environment to run multiple process groups as individual containers + define a sequence.</a:t>
+            </a:r>
+          </a:p>
+          <a:p>
+            <a:endParaRPr lang="en-US" dirty="0"/>
+          </a:p>
+          <a:p>
             <a:r>
               <a:rPr lang="en-US" dirty="0"/>
-              <a:t> (liveness &amp; readiness probe)</a:t>
-            </a:r>
-          </a:p>
-          <a:p>
-            <a:pPr lvl="1"/>
-            <a:r>
-              <a:rPr lang="en-US" dirty="0"/>
-              <a:t>Most important pod phases / status:</a:t>
-            </a:r>
-          </a:p>
-          <a:p>
-            <a:pPr lvl="2"/>
-            <a:r>
-              <a:rPr lang="en-US" dirty="0"/>
-              <a:t>Pending</a:t>
-            </a:r>
-          </a:p>
-          <a:p>
-            <a:pPr lvl="2"/>
-            <a:r>
-              <a:rPr lang="en-US" dirty="0"/>
-              <a:t>Running</a:t>
-            </a:r>
-          </a:p>
-          <a:p>
-            <a:pPr lvl="2"/>
-            <a:r>
-              <a:rPr lang="en-US" dirty="0"/>
-              <a:t>Succeeded</a:t>
-            </a:r>
-          </a:p>
-          <a:p>
-            <a:pPr lvl="2"/>
-            <a:r>
-              <a:rPr lang="en-US" dirty="0"/>
-              <a:t>Failed</a:t>
-            </a:r>
-          </a:p>
-          <a:p>
-            <a:pPr lvl="2"/>
-            <a:r>
-              <a:rPr lang="en-US" dirty="0"/>
-              <a:t>Unknown</a:t>
-            </a:r>
-          </a:p>
-          <a:p>
+              <a:t>Finally, if someone pulls the plug of this virtual/logical host, no one takes care of restarting it automatically. Additional constructs are required (which will be covered in the </a:t>
+            </a:r>
+            <a:r>
+              <a:rPr lang="en-US"/>
+              <a:t>next chapters)</a:t>
+            </a:r>
             <a:endParaRPr lang="en-US" dirty="0"/>
           </a:p>
           <a:p>
-            <a:r>
-              <a:rPr lang="en-US"/>
-              <a:t>Usually </a:t>
-            </a:r>
-            <a:r>
-              <a:rPr lang="en-US" dirty="0"/>
-              <a:t>there is 1..1 relation between pod and container on a pod. Only if you have tightly coupled applications it makes sense to run multiple containers in one pod. </a:t>
-            </a:r>
-          </a:p>
-          <a:p>
-            <a:r>
-              <a:rPr lang="en-US" dirty="0"/>
-              <a:t>Example 1: Having a Jenkins and a logging database in one pod may perform better than in separate pod. However this needs to be evaluated case by case.</a:t>
-            </a:r>
-          </a:p>
-          <a:p>
-            <a:r>
-              <a:rPr lang="en-US" dirty="0"/>
-              <a:t>Example 2: Having a side car container for maintenance</a:t>
-            </a:r>
+            <a:endParaRPr lang="en-US" dirty="0"/>
+          </a:p>
+          <a:p>
+            <a:endParaRPr lang="en-US" dirty="0"/>
           </a:p>
         </p:txBody>
       </p:sp>
@@ -1916,7 +1874,7 @@
             <a:spLocks noGrp="1"/>
           </p:cNvSpPr>
           <p:nvPr>
-            <p:ph type="sldNum" sz="quarter" idx="10"/>
+            <p:ph type="sldNum" sz="quarter" idx="5"/>
           </p:nvPr>
         </p:nvSpPr>
         <p:spPr/>
@@ -1936,7 +1894,7 @@
     </p:spTree>
     <p:extLst>
       <p:ext uri="{BB962C8B-B14F-4D97-AF65-F5344CB8AC3E}">
-        <p14:creationId xmlns:p14="http://schemas.microsoft.com/office/powerpoint/2010/main" val="94331248"/>
+        <p14:creationId xmlns:p14="http://schemas.microsoft.com/office/powerpoint/2010/main" val="1963298636"/>
       </p:ext>
     </p:extLst>
   </p:cSld>
@@ -1947,98 +1905,6 @@
 </file>
 
 <file path=ppt/notesSlides/notesSlide3.xml><?xml version="1.0" encoding="utf-8"?>
-<p:notes xmlns:a="http://schemas.openxmlformats.org/drawingml/2006/main" xmlns:r="http://schemas.openxmlformats.org/officeDocument/2006/relationships" xmlns:p="http://schemas.openxmlformats.org/presentationml/2006/main">
-  <p:cSld>
-    <p:spTree>
-      <p:nvGrpSpPr>
-        <p:cNvPr id="1" name=""/>
-        <p:cNvGrpSpPr/>
-        <p:nvPr/>
-      </p:nvGrpSpPr>
-      <p:grpSpPr>
-        <a:xfrm>
-          <a:off x="0" y="0"/>
-          <a:ext cx="0" cy="0"/>
-          <a:chOff x="0" y="0"/>
-          <a:chExt cx="0" cy="0"/>
-        </a:xfrm>
-      </p:grpSpPr>
-      <p:sp>
-        <p:nvSpPr>
-          <p:cNvPr id="4" name="Slide Number Placeholder 3"/>
-          <p:cNvSpPr>
-            <a:spLocks noGrp="1"/>
-          </p:cNvSpPr>
-          <p:nvPr>
-            <p:ph type="sldNum" sz="quarter" idx="10"/>
-          </p:nvPr>
-        </p:nvSpPr>
-        <p:spPr/>
-        <p:txBody>
-          <a:bodyPr/>
-          <a:lstStyle/>
-          <a:p>
-            <a:fld id="{7D8C2C35-2B8A-446E-BEC0-FD36716C29AC}" type="slidenum">
-              <a:rPr lang="de-DE" smtClean="0"/>
-              <a:pPr/>
-              <a:t>3</a:t>
-            </a:fld>
-            <a:endParaRPr lang="de-DE" dirty="0"/>
-          </a:p>
-        </p:txBody>
-      </p:sp>
-      <p:sp>
-        <p:nvSpPr>
-          <p:cNvPr id="9" name="Slide Image Placeholder 8"/>
-          <p:cNvSpPr>
-            <a:spLocks noGrp="1" noRot="1" noChangeAspect="1"/>
-          </p:cNvSpPr>
-          <p:nvPr>
-            <p:ph type="sldImg"/>
-          </p:nvPr>
-        </p:nvSpPr>
-        <p:spPr>
-          <a:xfrm>
-            <a:off x="547688" y="612775"/>
-            <a:ext cx="5762625" cy="3241675"/>
-          </a:xfrm>
-        </p:spPr>
-      </p:sp>
-      <p:sp>
-        <p:nvSpPr>
-          <p:cNvPr id="10" name="Notes Placeholder 9"/>
-          <p:cNvSpPr>
-            <a:spLocks noGrp="1"/>
-          </p:cNvSpPr>
-          <p:nvPr>
-            <p:ph type="body" idx="1"/>
-          </p:nvPr>
-        </p:nvSpPr>
-        <p:spPr/>
-        <p:txBody>
-          <a:bodyPr>
-            <a:normAutofit/>
-          </a:bodyPr>
-          <a:lstStyle/>
-          <a:p>
-            <a:endParaRPr lang="en-US"/>
-          </a:p>
-        </p:txBody>
-      </p:sp>
-    </p:spTree>
-    <p:extLst>
-      <p:ext uri="{BB962C8B-B14F-4D97-AF65-F5344CB8AC3E}">
-        <p14:creationId xmlns:p14="http://schemas.microsoft.com/office/powerpoint/2010/main" val="3887584667"/>
-      </p:ext>
-    </p:extLst>
-  </p:cSld>
-  <p:clrMapOvr>
-    <a:masterClrMapping/>
-  </p:clrMapOvr>
-</p:notes>
-</file>
-
-<file path=ppt/notesSlides/notesSlide4.xml><?xml version="1.0" encoding="utf-8"?>
 <p:notes xmlns:a="http://schemas.openxmlformats.org/drawingml/2006/main" xmlns:r="http://schemas.openxmlformats.org/officeDocument/2006/relationships" xmlns:p="http://schemas.openxmlformats.org/presentationml/2006/main">
   <p:cSld>
     <p:spTree>
@@ -2082,9 +1948,104 @@
           <a:bodyPr/>
           <a:lstStyle/>
           <a:p>
+            <a:pPr lvl="1"/>
             <a:r>
               <a:rPr lang="en-US" dirty="0"/>
-              <a:t>Recap: Pods can be considered as logical hosts and host 1..n containers.</a:t>
+              <a:t>A </a:t>
+            </a:r>
+            <a:r>
+              <a:rPr lang="en-US" i="1" dirty="0"/>
+              <a:t>pod</a:t>
+            </a:r>
+            <a:r>
+              <a:rPr lang="en-US" dirty="0"/>
+              <a:t> (as in a pod of whales or pea pod) is a group of one or more containers (such as Docker containers), with shared storage/network, and a specification for how to run the containers</a:t>
+            </a:r>
+          </a:p>
+          <a:p>
+            <a:pPr lvl="1"/>
+            <a:r>
+              <a:rPr lang="en-US" dirty="0"/>
+              <a:t>Containers of a pod share localhost network interface</a:t>
+            </a:r>
+          </a:p>
+          <a:p>
+            <a:pPr lvl="1"/>
+            <a:r>
+              <a:rPr lang="en-US" dirty="0"/>
+              <a:t>A pod can provision ephemeral storage or attach persistent storage</a:t>
+            </a:r>
+          </a:p>
+          <a:p>
+            <a:pPr lvl="1"/>
+            <a:r>
+              <a:rPr lang="en-US" dirty="0"/>
+              <a:t>Pods are started by </a:t>
+            </a:r>
+            <a:r>
+              <a:rPr lang="en-US" dirty="0" err="1"/>
+              <a:t>kubelet</a:t>
+            </a:r>
+            <a:r>
+              <a:rPr lang="en-US" dirty="0"/>
+              <a:t> but can die any time without necessarily being re-scheduled</a:t>
+            </a:r>
+          </a:p>
+          <a:p>
+            <a:pPr lvl="1"/>
+            <a:r>
+              <a:rPr lang="en-US" dirty="0"/>
+              <a:t>Pods can be probed by </a:t>
+            </a:r>
+            <a:r>
+              <a:rPr lang="en-US" dirty="0" err="1"/>
+              <a:t>kubelet</a:t>
+            </a:r>
+            <a:r>
+              <a:rPr lang="en-US" dirty="0"/>
+              <a:t> (liveness &amp; readiness probe)</a:t>
+            </a:r>
+          </a:p>
+          <a:p>
+            <a:pPr lvl="1"/>
+            <a:r>
+              <a:rPr lang="en-US" dirty="0"/>
+              <a:t>Most important pod phases / status:</a:t>
+            </a:r>
+          </a:p>
+          <a:p>
+            <a:pPr lvl="2"/>
+            <a:r>
+              <a:rPr lang="en-US" dirty="0"/>
+              <a:t>Pending</a:t>
+            </a:r>
+          </a:p>
+          <a:p>
+            <a:pPr lvl="2"/>
+            <a:r>
+              <a:rPr lang="en-US" dirty="0"/>
+              <a:t>Running</a:t>
+            </a:r>
+          </a:p>
+          <a:p>
+            <a:pPr lvl="2"/>
+            <a:r>
+              <a:rPr lang="en-US" dirty="0"/>
+              <a:t>Succeeded</a:t>
+            </a:r>
+          </a:p>
+          <a:p>
+            <a:pPr lvl="2"/>
+            <a:r>
+              <a:rPr lang="en-US" dirty="0"/>
+              <a:t>Failed</a:t>
+            </a:r>
+          </a:p>
+          <a:p>
+            <a:pPr lvl="2"/>
+            <a:r>
+              <a:rPr lang="en-US" dirty="0"/>
+              <a:t>Unknown</a:t>
             </a:r>
           </a:p>
           <a:p>
@@ -2093,16 +2054,19 @@
           <a:p>
             <a:r>
               <a:rPr lang="en-US" dirty="0"/>
-              <a:t>Since every pod has its own IP address, it is possible to expose the same port on every pod (e.g. port 80 for a web server). Only within one pod you cannot expose the same port twice (so you cannot run 2 web server container in one pod and expose both on port 80).</a:t>
-            </a:r>
-          </a:p>
-          <a:p>
-            <a:endParaRPr lang="en-US" dirty="0"/>
+              <a:t>Usually there is 1..1 relation between pod and container on a pod. Only if you have tightly coupled applications it makes sense to run multiple containers in one pod. </a:t>
+            </a:r>
           </a:p>
           <a:p>
             <a:r>
               <a:rPr lang="en-US" dirty="0"/>
-              <a:t>Pods provide ephemeral (=non-persisted) storage. However pods are not meant to live forever. When they die, all the data inside is gone too. Use other resources to create persistent storage for your applications.</a:t>
+              <a:t>Example 1: Having a Jenkins and a logging database in one pod may perform better than in separate pod. However this needs to be evaluated case by case.</a:t>
+            </a:r>
+          </a:p>
+          <a:p>
+            <a:r>
+              <a:rPr lang="en-US" dirty="0"/>
+              <a:t>Example 2: Having a side car container for maintenance</a:t>
             </a:r>
           </a:p>
         </p:txBody>
@@ -2125,7 +2089,7 @@
             <a:fld id="{7D8C2C35-2B8A-446E-BEC0-FD36716C29AC}" type="slidenum">
               <a:rPr lang="de-DE" smtClean="0"/>
               <a:pPr/>
-              <a:t>4</a:t>
+              <a:t>3</a:t>
             </a:fld>
             <a:endParaRPr lang="de-DE" dirty="0"/>
           </a:p>
@@ -2135,6 +2099,98 @@
     <p:extLst>
       <p:ext uri="{BB962C8B-B14F-4D97-AF65-F5344CB8AC3E}">
         <p14:creationId xmlns:p14="http://schemas.microsoft.com/office/powerpoint/2010/main" val="463049365"/>
+      </p:ext>
+    </p:extLst>
+  </p:cSld>
+  <p:clrMapOvr>
+    <a:masterClrMapping/>
+  </p:clrMapOvr>
+</p:notes>
+</file>
+
+<file path=ppt/notesSlides/notesSlide4.xml><?xml version="1.0" encoding="utf-8"?>
+<p:notes xmlns:a="http://schemas.openxmlformats.org/drawingml/2006/main" xmlns:r="http://schemas.openxmlformats.org/officeDocument/2006/relationships" xmlns:p="http://schemas.openxmlformats.org/presentationml/2006/main">
+  <p:cSld>
+    <p:spTree>
+      <p:nvGrpSpPr>
+        <p:cNvPr id="1" name=""/>
+        <p:cNvGrpSpPr/>
+        <p:nvPr/>
+      </p:nvGrpSpPr>
+      <p:grpSpPr>
+        <a:xfrm>
+          <a:off x="0" y="0"/>
+          <a:ext cx="0" cy="0"/>
+          <a:chOff x="0" y="0"/>
+          <a:chExt cx="0" cy="0"/>
+        </a:xfrm>
+      </p:grpSpPr>
+      <p:sp>
+        <p:nvSpPr>
+          <p:cNvPr id="4" name="Slide Number Placeholder 3"/>
+          <p:cNvSpPr>
+            <a:spLocks noGrp="1"/>
+          </p:cNvSpPr>
+          <p:nvPr>
+            <p:ph type="sldNum" sz="quarter" idx="10"/>
+          </p:nvPr>
+        </p:nvSpPr>
+        <p:spPr/>
+        <p:txBody>
+          <a:bodyPr/>
+          <a:lstStyle/>
+          <a:p>
+            <a:fld id="{7D8C2C35-2B8A-446E-BEC0-FD36716C29AC}" type="slidenum">
+              <a:rPr lang="de-DE" smtClean="0"/>
+              <a:pPr/>
+              <a:t>4</a:t>
+            </a:fld>
+            <a:endParaRPr lang="de-DE" dirty="0"/>
+          </a:p>
+        </p:txBody>
+      </p:sp>
+      <p:sp>
+        <p:nvSpPr>
+          <p:cNvPr id="9" name="Slide Image Placeholder 8"/>
+          <p:cNvSpPr>
+            <a:spLocks noGrp="1" noRot="1" noChangeAspect="1"/>
+          </p:cNvSpPr>
+          <p:nvPr>
+            <p:ph type="sldImg"/>
+          </p:nvPr>
+        </p:nvSpPr>
+        <p:spPr>
+          <a:xfrm>
+            <a:off x="547688" y="612775"/>
+            <a:ext cx="5762625" cy="3241675"/>
+          </a:xfrm>
+        </p:spPr>
+      </p:sp>
+      <p:sp>
+        <p:nvSpPr>
+          <p:cNvPr id="10" name="Notes Placeholder 9"/>
+          <p:cNvSpPr>
+            <a:spLocks noGrp="1"/>
+          </p:cNvSpPr>
+          <p:nvPr>
+            <p:ph type="body" idx="1"/>
+          </p:nvPr>
+        </p:nvSpPr>
+        <p:spPr/>
+        <p:txBody>
+          <a:bodyPr>
+            <a:normAutofit/>
+          </a:bodyPr>
+          <a:lstStyle/>
+          <a:p>
+            <a:endParaRPr lang="en-US"/>
+          </a:p>
+        </p:txBody>
+      </p:sp>
+    </p:spTree>
+    <p:extLst>
+      <p:ext uri="{BB962C8B-B14F-4D97-AF65-F5344CB8AC3E}">
+        <p14:creationId xmlns:p14="http://schemas.microsoft.com/office/powerpoint/2010/main" val="3887584667"/>
       </p:ext>
     </p:extLst>
   </p:cSld>
@@ -2185,50 +2241,16 @@
         </p:nvSpPr>
         <p:spPr/>
         <p:txBody>
-          <a:bodyPr>
-            <a:normAutofit fontScale="92500"/>
-          </a:bodyPr>
+          <a:bodyPr/>
           <a:lstStyle/>
           <a:p>
+            <a:pPr marL="0" indent="0">
+              <a:buFontTx/>
+              <a:buNone/>
+            </a:pPr>
             <a:r>
               <a:rPr lang="en-US" dirty="0"/>
-              <a:t>We said that a pod may consist of more than one container. But when should you use such a feature? The so called ‘sidecar’ pattern gives a few ideas:</a:t>
-            </a:r>
-          </a:p>
-          <a:p>
-            <a:pPr marL="285750" indent="-285750">
-              <a:buFontTx/>
-              <a:buChar char="-"/>
-            </a:pPr>
-            <a:r>
-              <a:rPr lang="en-US" dirty="0"/>
-              <a:t>In general there is always one ‘main’ container, often also referred to as the application container. This primary container hosts the core logic of your application. In our example this is a </a:t>
-            </a:r>
-            <a:r>
-              <a:rPr lang="en-US" dirty="0" err="1"/>
-              <a:t>ngnix</a:t>
-            </a:r>
-            <a:r>
-              <a:rPr lang="en-US" dirty="0"/>
-              <a:t> webserver</a:t>
-            </a:r>
-          </a:p>
-          <a:p>
-            <a:pPr marL="285750" indent="-285750">
-              <a:buFontTx/>
-              <a:buChar char="-"/>
-            </a:pPr>
-            <a:r>
-              <a:rPr lang="en-US" dirty="0"/>
-              <a:t>The 2</a:t>
-            </a:r>
-            <a:r>
-              <a:rPr lang="en-US" baseline="30000" dirty="0"/>
-              <a:t>nd</a:t>
-            </a:r>
-            <a:r>
-              <a:rPr lang="en-US" dirty="0"/>
-              <a:t> (sidecar) container provides augmentation to improve the application container. To do so, both container need to share certain resources like disk space or network.</a:t>
+              <a:t>Multiple container within a pod are realized by assigning several shared resources and namespaces to them.</a:t>
             </a:r>
           </a:p>
           <a:p>
@@ -2245,7 +2267,7 @@
             </a:pPr>
             <a:r>
               <a:rPr lang="en-US" dirty="0"/>
-              <a:t>Think of the following setup: You have a webserver serving on port 80 (plain http). To add https you would need to touch your application. Alternatively you could add a proxy container that augments your webserver with https. Simply let your primary container serve port 80 only to localhost and capture that traffic in your proxy container, which then provides https.</a:t>
+              <a:t>Both containers share the user namespace (user mapping is the same in all containers in a pod), the IPC namespace (all containers can access the same shared memory segments) and the network namespaces (i.e. they are connected through the same virtual network interface and the same network stack).</a:t>
             </a:r>
           </a:p>
           <a:p>
@@ -2262,31 +2284,8 @@
             </a:pPr>
             <a:r>
               <a:rPr lang="en-US" dirty="0"/>
-              <a:t>Another example would be a configuration update mechanism realized with a helper container. A </a:t>
-            </a:r>
-            <a:r>
-              <a:rPr lang="en-US" dirty="0" err="1"/>
-              <a:t>nginx</a:t>
-            </a:r>
-            <a:r>
-              <a:rPr lang="en-US" dirty="0"/>
-              <a:t> webserver reads its configuration from a file. If this file is updated, a restart would be required. Think of a helper container, which takes notice of the configuration change and restarts the </a:t>
-            </a:r>
-            <a:r>
-              <a:rPr lang="en-US" dirty="0" err="1"/>
-              <a:t>nginx</a:t>
-            </a:r>
-            <a:r>
-              <a:rPr lang="en-US" dirty="0"/>
-              <a:t> in order to make it re-load the configuration. This is possible, since both container share the same volume (disks) and also the process namespace (if configured properly).</a:t>
-            </a:r>
-          </a:p>
-          <a:p>
-            <a:pPr marL="285750" indent="-285750">
-              <a:buFontTx/>
-              <a:buChar char="-"/>
-            </a:pPr>
-            <a:endParaRPr lang="en-US" dirty="0"/>
+              <a:t>What separates the containers are individual and dedicated namespaces for PID, UTS (containers have different hostnames) and mounts.</a:t>
+            </a:r>
           </a:p>
         </p:txBody>
       </p:sp>
@@ -2297,7 +2296,7 @@
             <a:spLocks noGrp="1"/>
           </p:cNvSpPr>
           <p:nvPr>
-            <p:ph type="sldNum" sz="quarter" idx="10"/>
+            <p:ph type="sldNum" sz="quarter" idx="5"/>
           </p:nvPr>
         </p:nvSpPr>
         <p:spPr/>
@@ -2317,7 +2316,7 @@
     </p:spTree>
     <p:extLst>
       <p:ext uri="{BB962C8B-B14F-4D97-AF65-F5344CB8AC3E}">
-        <p14:creationId xmlns:p14="http://schemas.microsoft.com/office/powerpoint/2010/main" val="2955753376"/>
+        <p14:creationId xmlns:p14="http://schemas.microsoft.com/office/powerpoint/2010/main" val="1653935015"/>
       </p:ext>
     </p:extLst>
   </p:cSld>
@@ -2368,17 +2367,96 @@
         </p:nvSpPr>
         <p:spPr/>
         <p:txBody>
-          <a:bodyPr/>
+          <a:bodyPr>
+            <a:normAutofit lnSpcReduction="10000"/>
+          </a:bodyPr>
           <a:lstStyle/>
           <a:p>
-            <a:pPr marL="0" indent="0">
+            <a:r>
+              <a:rPr lang="en-US" dirty="0"/>
+              <a:t>Why don’t we just put all container / pieces belonging to an application stack into ONE single pod? The run nicely co-located on the same host and we don’t have latency issues, they can share a network, IPC and so on…</a:t>
+            </a:r>
+          </a:p>
+          <a:p>
+            <a:endParaRPr lang="en-US" dirty="0"/>
+          </a:p>
+          <a:p>
+            <a:r>
+              <a:rPr lang="en-US" dirty="0"/>
+              <a:t>This is probably a bad idea for following reasons:</a:t>
+            </a:r>
+          </a:p>
+          <a:p>
+            <a:pPr marL="285750" indent="-285750">
               <a:buFontTx/>
-              <a:buNone/>
+              <a:buChar char="-"/>
             </a:pPr>
             <a:r>
               <a:rPr lang="en-US" dirty="0"/>
-              <a:t>Multiple container within a pod are realized by assigning several shared resources and namespaces to them.</a:t>
-            </a:r>
+              <a:t>Does it scale? Not so well – you can only scale on pod level, so you would need to replicate the complete set. Scaling of individual components is not possible at all</a:t>
+            </a:r>
+          </a:p>
+          <a:p>
+            <a:pPr marL="285750" marR="0" lvl="0" indent="-285750" algn="l" defTabSz="1088776" rtl="0" eaLnBrk="1" fontAlgn="auto" latinLnBrk="0" hangingPunct="1">
+              <a:lnSpc>
+                <a:spcPct val="100000"/>
+              </a:lnSpc>
+              <a:spcBef>
+                <a:spcPts val="0"/>
+              </a:spcBef>
+              <a:spcAft>
+                <a:spcPts val="0"/>
+              </a:spcAft>
+              <a:buClrTx/>
+              <a:buSzTx/>
+              <a:buFontTx/>
+              <a:buChar char="-"/>
+              <a:tabLst/>
+              <a:defRPr/>
+            </a:pPr>
+            <a:r>
+              <a:rPr lang="en-US"/>
+              <a:t>Usually the startup </a:t>
+            </a:r>
+            <a:r>
+              <a:rPr lang="en-US" dirty="0"/>
+              <a:t>time of these constructs is poor.</a:t>
+            </a:r>
+          </a:p>
+          <a:p>
+            <a:pPr marL="285750" indent="-285750">
+              <a:buFontTx/>
+              <a:buChar char="-"/>
+            </a:pPr>
+            <a:r>
+              <a:rPr lang="en-US" dirty="0"/>
+              <a:t>Is it easy to schedule? Of course not – in the past an application stack consumed one to several VMs. Nodes in your cluster have to be of adequate size (</a:t>
+            </a:r>
+            <a:r>
+              <a:rPr lang="en-US" dirty="0" err="1"/>
+              <a:t>xxl</a:t>
+            </a:r>
+            <a:r>
+              <a:rPr lang="en-US" dirty="0"/>
+              <a:t>?) and there should be a sufficient amount of nodes for scaling / re-deployment. Potentially also impacts resource utilization.</a:t>
+            </a:r>
+          </a:p>
+          <a:p>
+            <a:pPr marL="285750" indent="-285750">
+              <a:buFontTx/>
+              <a:buChar char="-"/>
+            </a:pPr>
+            <a:r>
+              <a:rPr lang="en-US" dirty="0"/>
+              <a:t>Any changes to a single container definition will affect all others. For example, if the image used for the “front-end” is changed, the complete pod gets rescheduled.</a:t>
+            </a:r>
+          </a:p>
+          <a:p>
+            <a:pPr marL="285750" indent="-285750">
+              <a:buFontTx/>
+              <a:buChar char="-"/>
+            </a:pPr>
+            <a:endParaRPr lang="en-US" dirty="0"/>
           </a:p>
           <a:p>
             <a:pPr marL="0" indent="0">
@@ -2394,24 +2472,7 @@
             </a:pPr>
             <a:r>
               <a:rPr lang="en-US" dirty="0"/>
-              <a:t>Both containers share the user namespace (user mapping is the same in all containers in a pod), the IPC namespace (all containers can access the same shared memory segments) and the network namespaces (i.e. they are connected through the same virtual network interface and the same network stack).</a:t>
-            </a:r>
-          </a:p>
-          <a:p>
-            <a:pPr marL="0" indent="0">
-              <a:buFontTx/>
-              <a:buNone/>
-            </a:pPr>
-            <a:endParaRPr lang="en-US" dirty="0"/>
-          </a:p>
-          <a:p>
-            <a:pPr marL="0" indent="0">
-              <a:buFontTx/>
-              <a:buNone/>
-            </a:pPr>
-            <a:r>
-              <a:rPr lang="en-US" dirty="0"/>
-              <a:t>What separates the containers are individual and dedicated namespaces for PID, UTS (containers have different hostnames) and mounts.</a:t>
+              <a:t>Conclusion: as a rule of thumb: one pod – one purpose (+ sidecar, adapter, augmentation)</a:t>
             </a:r>
           </a:p>
         </p:txBody>
@@ -2423,7 +2484,7 @@
             <a:spLocks noGrp="1"/>
           </p:cNvSpPr>
           <p:nvPr>
-            <p:ph type="sldNum" sz="quarter" idx="5"/>
+            <p:ph type="sldNum" sz="quarter" idx="10"/>
           </p:nvPr>
         </p:nvSpPr>
         <p:spPr/>
@@ -2443,7 +2504,7 @@
     </p:spTree>
     <p:extLst>
       <p:ext uri="{BB962C8B-B14F-4D97-AF65-F5344CB8AC3E}">
-        <p14:creationId xmlns:p14="http://schemas.microsoft.com/office/powerpoint/2010/main" val="1653935015"/>
+        <p14:creationId xmlns:p14="http://schemas.microsoft.com/office/powerpoint/2010/main" val="3296250450"/>
       </p:ext>
     </p:extLst>
   </p:cSld>
@@ -2495,22 +2556,13 @@
         <p:spPr/>
         <p:txBody>
           <a:bodyPr>
-            <a:normAutofit lnSpcReduction="10000"/>
+            <a:normAutofit fontScale="92500"/>
           </a:bodyPr>
           <a:lstStyle/>
           <a:p>
             <a:r>
               <a:rPr lang="en-US" dirty="0"/>
-              <a:t>Why don’t we just put all container / pieces belonging to an application stack into ONE single pod? The run nicely co-located on the same host and we don’t have latency issues, they can share a network, IPC and so on…</a:t>
-            </a:r>
-          </a:p>
-          <a:p>
-            <a:endParaRPr lang="en-US" dirty="0"/>
-          </a:p>
-          <a:p>
-            <a:r>
-              <a:rPr lang="en-US" dirty="0"/>
-              <a:t>This is probably a bad idea for following reasons:</a:t>
+              <a:t>We said that a pod may consist of more than one container. But when should you use such a feature? The so called ‘sidecar’ pattern gives a few ideas:</a:t>
             </a:r>
           </a:p>
           <a:p>
@@ -2520,34 +2572,15 @@
             </a:pPr>
             <a:r>
               <a:rPr lang="en-US" dirty="0"/>
-              <a:t>Does it scale? Not so well – you can only scale on pod level, so you would need to replicate the complete set. Scaling of individual components is not possible at all</a:t>
-            </a:r>
-          </a:p>
-          <a:p>
-            <a:pPr marL="285750" marR="0" lvl="0" indent="-285750" algn="l" defTabSz="1088776" rtl="0" eaLnBrk="1" fontAlgn="auto" latinLnBrk="0" hangingPunct="1">
-              <a:lnSpc>
-                <a:spcPct val="100000"/>
-              </a:lnSpc>
-              <a:spcBef>
-                <a:spcPts val="0"/>
-              </a:spcBef>
-              <a:spcAft>
-                <a:spcPts val="0"/>
-              </a:spcAft>
-              <a:buClrTx/>
-              <a:buSzTx/>
-              <a:buFontTx/>
-              <a:buChar char="-"/>
-              <a:tabLst/>
-              <a:defRPr/>
-            </a:pPr>
-            <a:r>
-              <a:rPr lang="en-US"/>
-              <a:t>Usually the startup </a:t>
+              <a:t>In general there is always one ‘main’ container, often also referred to as the application container. This primary container hosts the core logic of your application. In our example this is a </a:t>
+            </a:r>
+            <a:r>
+              <a:rPr lang="en-US" dirty="0" err="1"/>
+              <a:t>ngnix</a:t>
             </a:r>
             <a:r>
               <a:rPr lang="en-US" dirty="0"/>
-              <a:t>time of these constructs is poor.</a:t>
+              <a:t> webserver</a:t>
             </a:r>
           </a:p>
           <a:p>
@@ -2557,25 +2590,65 @@
             </a:pPr>
             <a:r>
               <a:rPr lang="en-US" dirty="0"/>
-              <a:t>Is it easy to schedule? Of course not – in the past an application stack consumed one to several VMs. Nodes in your cluster have to be of adequate size (</a:t>
+              <a:t>The 2</a:t>
+            </a:r>
+            <a:r>
+              <a:rPr lang="en-US" baseline="30000" dirty="0"/>
+              <a:t>nd</a:t>
+            </a:r>
+            <a:r>
+              <a:rPr lang="en-US" dirty="0"/>
+              <a:t> (sidecar) container provides augmentation to improve the application container. To do so, both container need to share certain resources like disk space or network.</a:t>
+            </a:r>
+          </a:p>
+          <a:p>
+            <a:pPr marL="0" indent="0">
+              <a:buFontTx/>
+              <a:buNone/>
+            </a:pPr>
+            <a:endParaRPr lang="en-US" dirty="0"/>
+          </a:p>
+          <a:p>
+            <a:pPr marL="0" indent="0">
+              <a:buFontTx/>
+              <a:buNone/>
+            </a:pPr>
+            <a:r>
+              <a:rPr lang="en-US" dirty="0"/>
+              <a:t>Think of the following setup: You have a webserver serving on port 80 (plain http). To add https you would need to touch your application. Alternatively you could add a proxy container that augments your webserver with https. Simply let your primary container serve port 80 only to localhost and capture that traffic in your proxy container, which then provides https.</a:t>
+            </a:r>
+          </a:p>
+          <a:p>
+            <a:pPr marL="0" indent="0">
+              <a:buFontTx/>
+              <a:buNone/>
+            </a:pPr>
+            <a:endParaRPr lang="en-US" dirty="0"/>
+          </a:p>
+          <a:p>
+            <a:pPr marL="0" indent="0">
+              <a:buFontTx/>
+              <a:buNone/>
+            </a:pPr>
+            <a:r>
+              <a:rPr lang="en-US" dirty="0"/>
+              <a:t>Another example would be a configuration update mechanism realized with a helper container. A </a:t>
             </a:r>
             <a:r>
               <a:rPr lang="en-US" dirty="0" err="1"/>
-              <a:t>xxl</a:t>
+              <a:t>nginx</a:t>
             </a:r>
             <a:r>
               <a:rPr lang="en-US" dirty="0"/>
-              <a:t>?) and there should be a sufficient amount of nodes for scaling / re-deployment. Potentially also impacts resource utilization.</a:t>
-            </a:r>
-          </a:p>
-          <a:p>
-            <a:pPr marL="285750" indent="-285750">
-              <a:buFontTx/>
-              <a:buChar char="-"/>
-            </a:pPr>
+              <a:t> webserver reads its configuration from a file. If this file is updated, a restart would be required. Think of a helper container, which takes notice of the configuration change and restarts the </a:t>
+            </a:r>
+            <a:r>
+              <a:rPr lang="en-US" dirty="0" err="1"/>
+              <a:t>nginx</a:t>
+            </a:r>
             <a:r>
               <a:rPr lang="en-US" dirty="0"/>
-              <a:t>Any changes to a single container definition will affect all others. For example, if the image used for the “front-end” is changed, the complete pod gets rescheduled.</a:t>
+              <a:t> in order to make it re-load the configuration. This is possible, since both container share the same volume (disks) and also the process namespace (if configured properly).</a:t>
             </a:r>
           </a:p>
           <a:p>
@@ -2584,23 +2657,6 @@
               <a:buChar char="-"/>
             </a:pPr>
             <a:endParaRPr lang="en-US" dirty="0"/>
-          </a:p>
-          <a:p>
-            <a:pPr marL="0" indent="0">
-              <a:buFontTx/>
-              <a:buNone/>
-            </a:pPr>
-            <a:endParaRPr lang="en-US" dirty="0"/>
-          </a:p>
-          <a:p>
-            <a:pPr marL="0" indent="0">
-              <a:buFontTx/>
-              <a:buNone/>
-            </a:pPr>
-            <a:r>
-              <a:rPr lang="en-US" dirty="0"/>
-              <a:t>Conclusion: as a rule of thumb: one pod – one purpose (+ sidecar, adapter, augmentation)</a:t>
-            </a:r>
           </a:p>
         </p:txBody>
       </p:sp>
@@ -2631,7 +2687,7 @@
     </p:spTree>
     <p:extLst>
       <p:ext uri="{BB962C8B-B14F-4D97-AF65-F5344CB8AC3E}">
-        <p14:creationId xmlns:p14="http://schemas.microsoft.com/office/powerpoint/2010/main" val="3296250450"/>
+        <p14:creationId xmlns:p14="http://schemas.microsoft.com/office/powerpoint/2010/main" val="2955753376"/>
       </p:ext>
     </p:extLst>
   </p:cSld>
@@ -14570,39 +14626,97 @@
           <a:chExt cx="0" cy="0"/>
         </a:xfrm>
       </p:grpSpPr>
-      <p:pic>
-        <p:nvPicPr>
-          <p:cNvPr id="2" name="Picture 1">
+      <p:sp>
+        <p:nvSpPr>
+          <p:cNvPr id="48" name="Rectangle 47">
             <a:extLst>
               <a:ext uri="{FF2B5EF4-FFF2-40B4-BE49-F238E27FC236}">
-                <a16:creationId xmlns:a16="http://schemas.microsoft.com/office/drawing/2014/main" id="{36472E94-D447-4365-B71E-B873688E005C}"/>
+                <a16:creationId xmlns:a16="http://schemas.microsoft.com/office/drawing/2014/main" id="{43398884-EBB9-4F5B-8303-B598DF766172}"/>
               </a:ext>
             </a:extLst>
           </p:cNvPr>
-          <p:cNvPicPr>
-            <a:picLocks noChangeAspect="1"/>
-          </p:cNvPicPr>
+          <p:cNvSpPr/>
           <p:nvPr/>
-        </p:nvPicPr>
-        <p:blipFill>
-          <a:blip r:embed="rId3"/>
-          <a:stretch>
-            <a:fillRect/>
-          </a:stretch>
-        </p:blipFill>
-        <p:spPr>
+        </p:nvSpPr>
+        <p:spPr bwMode="gray">
           <a:xfrm>
-            <a:off x="564294" y="1842476"/>
-            <a:ext cx="5532945" cy="3511527"/>
+            <a:off x="3825766" y="3863312"/>
+            <a:ext cx="4414344" cy="2726674"/>
           </a:xfrm>
           <a:prstGeom prst="rect">
             <a:avLst/>
           </a:prstGeom>
+          <a:solidFill>
+            <a:schemeClr val="bg1">
+              <a:lumMod val="85000"/>
+            </a:schemeClr>
+          </a:solidFill>
+          <a:ln>
+            <a:headEnd/>
+            <a:tailEnd/>
+          </a:ln>
         </p:spPr>
-      </p:pic>
+        <p:style>
+          <a:lnRef idx="2">
+            <a:schemeClr val="accent2">
+              <a:shade val="50000"/>
+            </a:schemeClr>
+          </a:lnRef>
+          <a:fillRef idx="1">
+            <a:schemeClr val="accent2"/>
+          </a:fillRef>
+          <a:effectRef idx="0">
+            <a:schemeClr val="accent2"/>
+          </a:effectRef>
+          <a:fontRef idx="minor">
+            <a:schemeClr val="lt1"/>
+          </a:fontRef>
+        </p:style>
+        <p:txBody>
+          <a:bodyPr lIns="90000" tIns="72000" rIns="90000" bIns="72000" rtlCol="0" anchor="t"/>
+          <a:lstStyle/>
+          <a:p>
+            <a:pPr marR="0" algn="ctr" defTabSz="914400" eaLnBrk="1" fontAlgn="base" latinLnBrk="0" hangingPunct="1">
+              <a:lnSpc>
+                <a:spcPct val="100000"/>
+              </a:lnSpc>
+              <a:spcBef>
+                <a:spcPct val="50000"/>
+              </a:spcBef>
+              <a:spcAft>
+                <a:spcPct val="0"/>
+              </a:spcAft>
+              <a:buClr>
+                <a:srgbClr val="F0AB00"/>
+              </a:buClr>
+              <a:buSzPct val="80000"/>
+              <a:tabLst/>
+            </a:pPr>
+            <a:endParaRPr kumimoji="0" lang="de-DE" sz="1600" b="1" i="0" u="none" strike="noStrike" kern="0" cap="none" spc="0" normalizeH="0" baseline="0" noProof="0" dirty="0">
+              <a:ln>
+                <a:noFill/>
+              </a:ln>
+              <a:solidFill>
+                <a:sysClr val="windowText" lastClr="000000"/>
+              </a:solidFill>
+              <a:effectLst/>
+              <a:uLnTx/>
+              <a:uFillTx/>
+              <a:ea typeface="Arial Unicode MS" pitchFamily="34" charset="-128"/>
+              <a:cs typeface="Arial Unicode MS" pitchFamily="34" charset="-128"/>
+            </a:endParaRPr>
+          </a:p>
+        </p:txBody>
+      </p:sp>
       <p:sp>
         <p:nvSpPr>
-          <p:cNvPr id="8" name="Title 7"/>
+          <p:cNvPr id="2" name="Title 1">
+            <a:extLst>
+              <a:ext uri="{FF2B5EF4-FFF2-40B4-BE49-F238E27FC236}">
+                <a16:creationId xmlns:a16="http://schemas.microsoft.com/office/drawing/2014/main" id="{F25E1873-4756-42EC-942A-C5CB305A083B}"/>
+              </a:ext>
+            </a:extLst>
+          </p:cNvPr>
           <p:cNvSpPr>
             <a:spLocks noGrp="1"/>
           </p:cNvSpPr>
@@ -14617,236 +14731,1443 @@
           <a:p>
             <a:r>
               <a:rPr lang="en-US" dirty="0"/>
-              <a:t>What are these pods, everyone keeps talking about?</a:t>
+              <a:t>When we have containers, why do we need Pods?</a:t>
             </a:r>
           </a:p>
         </p:txBody>
       </p:sp>
       <p:sp>
         <p:nvSpPr>
-          <p:cNvPr id="12" name="Text Placeholder 2"/>
-          <p:cNvSpPr txBox="1">
-            <a:spLocks/>
-          </p:cNvSpPr>
+          <p:cNvPr id="3" name="Rectangle: Rounded Corners 2">
+            <a:extLst>
+              <a:ext uri="{FF2B5EF4-FFF2-40B4-BE49-F238E27FC236}">
+                <a16:creationId xmlns:a16="http://schemas.microsoft.com/office/drawing/2014/main" id="{73E413E4-BD40-424E-80E5-24870BDB48ED}"/>
+              </a:ext>
+            </a:extLst>
+          </p:cNvPr>
+          <p:cNvSpPr/>
+          <p:nvPr/>
+        </p:nvSpPr>
+        <p:spPr bwMode="gray">
+          <a:xfrm>
+            <a:off x="4277637" y="4564515"/>
+            <a:ext cx="3429143" cy="903891"/>
+          </a:xfrm>
+          <a:prstGeom prst="roundRect">
+            <a:avLst/>
+          </a:prstGeom>
+          <a:solidFill>
+            <a:schemeClr val="accent1">
+              <a:lumMod val="40000"/>
+              <a:lumOff val="60000"/>
+            </a:schemeClr>
+          </a:solidFill>
+          <a:ln w="6350" algn="ctr">
+            <a:noFill/>
+            <a:miter lim="800000"/>
+            <a:headEnd/>
+            <a:tailEnd/>
+          </a:ln>
+        </p:spPr>
+        <p:txBody>
+          <a:bodyPr lIns="90000" tIns="72000" rIns="90000" bIns="72000" rtlCol="0" anchor="ctr"/>
+          <a:lstStyle/>
+          <a:p>
+            <a:pPr marR="0" algn="ctr" defTabSz="914400" eaLnBrk="1" fontAlgn="base" latinLnBrk="0" hangingPunct="1">
+              <a:lnSpc>
+                <a:spcPct val="100000"/>
+              </a:lnSpc>
+              <a:spcBef>
+                <a:spcPct val="50000"/>
+              </a:spcBef>
+              <a:spcAft>
+                <a:spcPct val="0"/>
+              </a:spcAft>
+              <a:buClr>
+                <a:srgbClr val="F0AB00"/>
+              </a:buClr>
+              <a:buSzPct val="80000"/>
+              <a:tabLst/>
+            </a:pPr>
+            <a:endParaRPr kumimoji="0" lang="en-US" sz="1800" b="0" i="0" u="none" strike="noStrike" kern="0" cap="none" spc="0" normalizeH="0" baseline="0" noProof="0" dirty="0" err="1">
+              <a:ln>
+                <a:noFill/>
+              </a:ln>
+              <a:effectLst/>
+              <a:uLnTx/>
+              <a:uFillTx/>
+              <a:ea typeface="Arial Unicode MS" pitchFamily="34" charset="-128"/>
+              <a:cs typeface="Arial Unicode MS" pitchFamily="34" charset="-128"/>
+            </a:endParaRPr>
+          </a:p>
+        </p:txBody>
+      </p:sp>
+      <p:sp>
+        <p:nvSpPr>
+          <p:cNvPr id="4" name="Rectangle 3">
+            <a:extLst>
+              <a:ext uri="{FF2B5EF4-FFF2-40B4-BE49-F238E27FC236}">
+                <a16:creationId xmlns:a16="http://schemas.microsoft.com/office/drawing/2014/main" id="{4EEC230B-E15E-4D27-A55D-0F9CE2A1FB5F}"/>
+              </a:ext>
+            </a:extLst>
+          </p:cNvPr>
+          <p:cNvSpPr/>
           <p:nvPr/>
         </p:nvSpPr>
         <p:spPr>
           <a:xfrm>
-            <a:off x="6630639" y="1832526"/>
-            <a:ext cx="4875561" cy="4313123"/>
+            <a:off x="4277637" y="4808712"/>
+            <a:ext cx="3429144" cy="415498"/>
           </a:xfrm>
           <a:prstGeom prst="rect">
             <a:avLst/>
           </a:prstGeom>
         </p:spPr>
         <p:txBody>
-          <a:bodyPr/>
-          <a:lstStyle>
-            <a:lvl1pPr marL="0" indent="0" algn="l" defTabSz="1088558" rtl="0" eaLnBrk="1" latinLnBrk="0" hangingPunct="1">
+          <a:bodyPr wrap="none">
+            <a:spAutoFit/>
+          </a:bodyPr>
+          <a:lstStyle/>
+          <a:p>
+            <a:pPr algn="ctr"/>
+            <a:r>
+              <a:rPr lang="en-US" dirty="0" err="1">
+                <a:solidFill>
+                  <a:srgbClr val="000000"/>
+                </a:solidFill>
+                <a:latin typeface="Consolas" panose="020B0609020204030204" pitchFamily="49" charset="0"/>
+              </a:rPr>
+              <a:t>nginx</a:t>
+            </a:r>
+            <a:r>
+              <a:rPr lang="en-US" dirty="0">
+                <a:solidFill>
+                  <a:srgbClr val="000000"/>
+                </a:solidFill>
+                <a:latin typeface="Consolas" panose="020B0609020204030204" pitchFamily="49" charset="0"/>
+              </a:rPr>
+              <a:t> -g </a:t>
+            </a:r>
+            <a:r>
+              <a:rPr lang="en-US" dirty="0">
+                <a:solidFill>
+                  <a:srgbClr val="A31515"/>
+                </a:solidFill>
+                <a:latin typeface="Consolas" panose="020B0609020204030204" pitchFamily="49" charset="0"/>
+              </a:rPr>
+              <a:t>'daemon off;'</a:t>
+            </a:r>
+            <a:endParaRPr lang="en-US" dirty="0">
+              <a:solidFill>
+                <a:srgbClr val="000000"/>
+              </a:solidFill>
+              <a:latin typeface="Consolas" panose="020B0609020204030204" pitchFamily="49" charset="0"/>
+            </a:endParaRPr>
+          </a:p>
+        </p:txBody>
+      </p:sp>
+      <p:grpSp>
+        <p:nvGrpSpPr>
+          <p:cNvPr id="9" name="Group 8">
+            <a:extLst>
+              <a:ext uri="{FF2B5EF4-FFF2-40B4-BE49-F238E27FC236}">
+                <a16:creationId xmlns:a16="http://schemas.microsoft.com/office/drawing/2014/main" id="{42E0F040-631C-4169-A050-9F3BA38D465C}"/>
+              </a:ext>
+            </a:extLst>
+          </p:cNvPr>
+          <p:cNvGrpSpPr/>
+          <p:nvPr/>
+        </p:nvGrpSpPr>
+        <p:grpSpPr>
+          <a:xfrm>
+            <a:off x="4616108" y="948940"/>
+            <a:ext cx="2753712" cy="1816734"/>
+            <a:chOff x="4897746" y="884834"/>
+            <a:chExt cx="2753712" cy="1816734"/>
+          </a:xfrm>
+        </p:grpSpPr>
+        <p:sp>
+          <p:nvSpPr>
+            <p:cNvPr id="6" name="Cloud 5">
+              <a:extLst>
+                <a:ext uri="{FF2B5EF4-FFF2-40B4-BE49-F238E27FC236}">
+                  <a16:creationId xmlns:a16="http://schemas.microsoft.com/office/drawing/2014/main" id="{9C8913D4-A157-4521-B7F8-C0E340926AB6}"/>
+                </a:ext>
+              </a:extLst>
+            </p:cNvPr>
+            <p:cNvSpPr/>
+            <p:nvPr/>
+          </p:nvSpPr>
+          <p:spPr bwMode="gray">
+            <a:xfrm>
+              <a:off x="4897746" y="884834"/>
+              <a:ext cx="2753712" cy="1816734"/>
+            </a:xfrm>
+            <a:prstGeom prst="cloud">
+              <a:avLst/>
+            </a:prstGeom>
+            <a:ln>
+              <a:headEnd/>
+              <a:tailEnd/>
+            </a:ln>
+          </p:spPr>
+          <p:style>
+            <a:lnRef idx="2">
+              <a:schemeClr val="accent4"/>
+            </a:lnRef>
+            <a:fillRef idx="1">
+              <a:schemeClr val="lt1"/>
+            </a:fillRef>
+            <a:effectRef idx="0">
+              <a:schemeClr val="accent4"/>
+            </a:effectRef>
+            <a:fontRef idx="minor">
+              <a:schemeClr val="dk1"/>
+            </a:fontRef>
+          </p:style>
+          <p:txBody>
+            <a:bodyPr lIns="90000" tIns="72000" rIns="90000" bIns="72000" rtlCol="0" anchor="ctr"/>
+            <a:lstStyle/>
+            <a:p>
+              <a:pPr marR="0" algn="ctr" defTabSz="914400" eaLnBrk="1" fontAlgn="base" latinLnBrk="0" hangingPunct="1">
+                <a:lnSpc>
+                  <a:spcPct val="100000"/>
+                </a:lnSpc>
+                <a:spcBef>
+                  <a:spcPct val="50000"/>
+                </a:spcBef>
+                <a:spcAft>
+                  <a:spcPct val="0"/>
+                </a:spcAft>
+                <a:buClr>
+                  <a:srgbClr val="F0AB00"/>
+                </a:buClr>
+                <a:buSzPct val="80000"/>
+                <a:tabLst/>
+              </a:pPr>
+              <a:endParaRPr kumimoji="0" lang="en-US" sz="1800" b="0" i="0" u="none" strike="noStrike" kern="0" cap="none" spc="0" normalizeH="0" baseline="0" noProof="0" dirty="0" err="1">
+                <a:ln>
+                  <a:noFill/>
+                </a:ln>
+                <a:effectLst/>
+                <a:uLnTx/>
+                <a:uFillTx/>
+                <a:ea typeface="Arial Unicode MS" pitchFamily="34" charset="-128"/>
+                <a:cs typeface="Arial Unicode MS" pitchFamily="34" charset="-128"/>
+              </a:endParaRPr>
+            </a:p>
+          </p:txBody>
+        </p:sp>
+        <p:pic>
+          <p:nvPicPr>
+            <p:cNvPr id="1026" name="Picture 2" descr="Image result for nginx">
+              <a:extLst>
+                <a:ext uri="{FF2B5EF4-FFF2-40B4-BE49-F238E27FC236}">
+                  <a16:creationId xmlns:a16="http://schemas.microsoft.com/office/drawing/2014/main" id="{D8F5A37B-D854-4965-AD92-B1B89BB31331}"/>
+                </a:ext>
+              </a:extLst>
+            </p:cNvPr>
+            <p:cNvPicPr>
+              <a:picLocks noChangeAspect="1" noChangeArrowheads="1"/>
+            </p:cNvPicPr>
+            <p:nvPr/>
+          </p:nvPicPr>
+          <p:blipFill>
+            <a:blip r:embed="rId3">
+              <a:extLst>
+                <a:ext uri="{28A0092B-C50C-407E-A947-70E740481C1C}">
+                  <a14:useLocalDpi xmlns:a14="http://schemas.microsoft.com/office/drawing/2010/main" val="0"/>
+                </a:ext>
+              </a:extLst>
+            </a:blip>
+            <a:srcRect/>
+            <a:stretch>
+              <a:fillRect/>
+            </a:stretch>
+          </p:blipFill>
+          <p:spPr bwMode="auto">
+            <a:xfrm>
+              <a:off x="5473374" y="1243820"/>
+              <a:ext cx="1053990" cy="1197589"/>
+            </a:xfrm>
+            <a:prstGeom prst="rect">
+              <a:avLst/>
+            </a:prstGeom>
+            <a:noFill/>
+            <a:extLst>
+              <a:ext uri="{909E8E84-426E-40DD-AFC4-6F175D3DCCD1}">
+                <a14:hiddenFill xmlns:a14="http://schemas.microsoft.com/office/drawing/2010/main">
+                  <a:solidFill>
+                    <a:srgbClr val="FFFFFF"/>
+                  </a:solidFill>
+                </a14:hiddenFill>
+              </a:ext>
+            </a:extLst>
+          </p:spPr>
+        </p:pic>
+        <p:pic>
+          <p:nvPicPr>
+            <p:cNvPr id="8" name="Graphic 7" descr="User">
+              <a:extLst>
+                <a:ext uri="{FF2B5EF4-FFF2-40B4-BE49-F238E27FC236}">
+                  <a16:creationId xmlns:a16="http://schemas.microsoft.com/office/drawing/2014/main" id="{84B6CA4F-1176-44BF-9915-15550A75E147}"/>
+                </a:ext>
+              </a:extLst>
+            </p:cNvPr>
+            <p:cNvPicPr>
+              <a:picLocks noChangeAspect="1"/>
+            </p:cNvPicPr>
+            <p:nvPr/>
+          </p:nvPicPr>
+          <p:blipFill>
+            <a:blip r:embed="rId4">
+              <a:extLst>
+                <a:ext uri="{96DAC541-7B7A-43D3-8B79-37D633B846F1}">
+                  <asvg:svgBlip xmlns:asvg="http://schemas.microsoft.com/office/drawing/2016/SVG/main" r:embed="rId5"/>
+                </a:ext>
+              </a:extLst>
+            </a:blip>
+            <a:stretch>
+              <a:fillRect/>
+            </a:stretch>
+          </p:blipFill>
+          <p:spPr>
+            <a:xfrm>
+              <a:off x="6527364" y="1130850"/>
+              <a:ext cx="914400" cy="914400"/>
+            </a:xfrm>
+            <a:prstGeom prst="rect">
+              <a:avLst/>
+            </a:prstGeom>
+          </p:spPr>
+        </p:pic>
+      </p:grpSp>
+      <p:cxnSp>
+        <p:nvCxnSpPr>
+          <p:cNvPr id="11" name="Straight Arrow Connector 10">
+            <a:extLst>
+              <a:ext uri="{FF2B5EF4-FFF2-40B4-BE49-F238E27FC236}">
+                <a16:creationId xmlns:a16="http://schemas.microsoft.com/office/drawing/2014/main" id="{476AD5A2-5F69-4B48-98B5-795B76E3522B}"/>
+              </a:ext>
+            </a:extLst>
+          </p:cNvPr>
+          <p:cNvCxnSpPr>
+            <a:cxnSpLocks/>
+            <a:stCxn id="6" idx="1"/>
+            <a:endCxn id="4" idx="0"/>
+          </p:cNvCxnSpPr>
+          <p:nvPr/>
+        </p:nvCxnSpPr>
+        <p:spPr>
+          <a:xfrm flipH="1">
+            <a:off x="5992209" y="2763740"/>
+            <a:ext cx="755" cy="2044972"/>
+          </a:xfrm>
+          <a:prstGeom prst="straightConnector1">
+            <a:avLst/>
+          </a:prstGeom>
+          <a:ln w="76200">
+            <a:headEnd type="triangle"/>
+            <a:tailEnd type="triangle"/>
+          </a:ln>
+        </p:spPr>
+        <p:style>
+          <a:lnRef idx="1">
+            <a:schemeClr val="accent4"/>
+          </a:lnRef>
+          <a:fillRef idx="0">
+            <a:schemeClr val="accent4"/>
+          </a:fillRef>
+          <a:effectRef idx="0">
+            <a:schemeClr val="accent4"/>
+          </a:effectRef>
+          <a:fontRef idx="minor">
+            <a:schemeClr val="tx1"/>
+          </a:fontRef>
+        </p:style>
+      </p:cxnSp>
+      <p:sp>
+        <p:nvSpPr>
+          <p:cNvPr id="13" name="Rectangle 12">
+            <a:extLst>
+              <a:ext uri="{FF2B5EF4-FFF2-40B4-BE49-F238E27FC236}">
+                <a16:creationId xmlns:a16="http://schemas.microsoft.com/office/drawing/2014/main" id="{81D4BC25-5DEE-4342-9F49-AD9CD209CFD6}"/>
+              </a:ext>
+            </a:extLst>
+          </p:cNvPr>
+          <p:cNvSpPr/>
+          <p:nvPr/>
+        </p:nvSpPr>
+        <p:spPr bwMode="gray">
+          <a:xfrm>
+            <a:off x="6097238" y="3593394"/>
+            <a:ext cx="1645920" cy="365760"/>
+          </a:xfrm>
+          <a:prstGeom prst="rect">
+            <a:avLst/>
+          </a:prstGeom>
+          <a:ln>
+            <a:headEnd/>
+            <a:tailEnd/>
+          </a:ln>
+        </p:spPr>
+        <p:style>
+          <a:lnRef idx="2">
+            <a:schemeClr val="accent2"/>
+          </a:lnRef>
+          <a:fillRef idx="1">
+            <a:schemeClr val="lt1"/>
+          </a:fillRef>
+          <a:effectRef idx="0">
+            <a:schemeClr val="accent2"/>
+          </a:effectRef>
+          <a:fontRef idx="minor">
+            <a:schemeClr val="dk1"/>
+          </a:fontRef>
+        </p:style>
+        <p:txBody>
+          <a:bodyPr lIns="90000" tIns="72000" rIns="90000" bIns="72000" rtlCol="0" anchor="ctr"/>
+          <a:lstStyle/>
+          <a:p>
+            <a:pPr marR="0" algn="ctr" defTabSz="914400" eaLnBrk="1" fontAlgn="base" latinLnBrk="0" hangingPunct="1">
+              <a:lnSpc>
+                <a:spcPct val="100000"/>
+              </a:lnSpc>
               <a:spcBef>
-                <a:spcPts val="1800"/>
+                <a:spcPct val="50000"/>
               </a:spcBef>
+              <a:spcAft>
+                <a:spcPct val="0"/>
+              </a:spcAft>
               <a:buClr>
-                <a:schemeClr val="accent1"/>
+                <a:srgbClr val="F0AB00"/>
               </a:buClr>
               <a:buSzPct val="80000"/>
-              <a:buFontTx/>
-              <a:buNone/>
-              <a:defRPr sz="2000" b="0" kern="1200">
+              <a:tabLst/>
+            </a:pPr>
+            <a:r>
+              <a:rPr kumimoji="0" lang="de-DE" sz="1800" b="0" i="0" u="none" strike="noStrike" kern="0" cap="none" spc="0" normalizeH="0" baseline="0" noProof="0" dirty="0">
+                <a:ln>
+                  <a:noFill/>
+                </a:ln>
+                <a:effectLst/>
+                <a:uLnTx/>
+                <a:uFillTx/>
+                <a:ea typeface="Arial Unicode MS" pitchFamily="34" charset="-128"/>
+                <a:cs typeface="Arial Unicode MS" pitchFamily="34" charset="-128"/>
+              </a:rPr>
+              <a:t>IP: 10.10.10.1</a:t>
+            </a:r>
+          </a:p>
+        </p:txBody>
+      </p:sp>
+      <p:grpSp>
+        <p:nvGrpSpPr>
+          <p:cNvPr id="71" name="Group 70">
+            <a:extLst>
+              <a:ext uri="{FF2B5EF4-FFF2-40B4-BE49-F238E27FC236}">
+                <a16:creationId xmlns:a16="http://schemas.microsoft.com/office/drawing/2014/main" id="{E14B3DF6-CE69-4083-AE6B-654D3A48EB7F}"/>
+              </a:ext>
+            </a:extLst>
+          </p:cNvPr>
+          <p:cNvGrpSpPr/>
+          <p:nvPr/>
+        </p:nvGrpSpPr>
+        <p:grpSpPr>
+          <a:xfrm>
+            <a:off x="4277636" y="5522601"/>
+            <a:ext cx="3429143" cy="903891"/>
+            <a:chOff x="4277636" y="5207296"/>
+            <a:chExt cx="3429143" cy="903891"/>
+          </a:xfrm>
+        </p:grpSpPr>
+        <p:sp>
+          <p:nvSpPr>
+            <p:cNvPr id="17" name="Rectangle: Rounded Corners 16">
+              <a:extLst>
+                <a:ext uri="{FF2B5EF4-FFF2-40B4-BE49-F238E27FC236}">
+                  <a16:creationId xmlns:a16="http://schemas.microsoft.com/office/drawing/2014/main" id="{47D61150-896D-4155-89A7-4A7F3A535BF2}"/>
+                </a:ext>
+              </a:extLst>
+            </p:cNvPr>
+            <p:cNvSpPr/>
+            <p:nvPr/>
+          </p:nvSpPr>
+          <p:spPr bwMode="gray">
+            <a:xfrm>
+              <a:off x="4277636" y="5207296"/>
+              <a:ext cx="3429143" cy="903891"/>
+            </a:xfrm>
+            <a:prstGeom prst="roundRect">
+              <a:avLst/>
+            </a:prstGeom>
+            <a:solidFill>
+              <a:schemeClr val="accent1">
+                <a:lumMod val="40000"/>
+                <a:lumOff val="60000"/>
+              </a:schemeClr>
+            </a:solidFill>
+            <a:ln w="6350" algn="ctr">
+              <a:noFill/>
+              <a:miter lim="800000"/>
+              <a:headEnd/>
+              <a:tailEnd/>
+            </a:ln>
+          </p:spPr>
+          <p:txBody>
+            <a:bodyPr lIns="90000" tIns="72000" rIns="90000" bIns="72000" rtlCol="0" anchor="ctr"/>
+            <a:lstStyle/>
+            <a:p>
+              <a:pPr marR="0" algn="ctr" defTabSz="914400" eaLnBrk="1" fontAlgn="base" latinLnBrk="0" hangingPunct="1">
+                <a:lnSpc>
+                  <a:spcPct val="100000"/>
+                </a:lnSpc>
+                <a:spcBef>
+                  <a:spcPct val="50000"/>
+                </a:spcBef>
+                <a:spcAft>
+                  <a:spcPct val="0"/>
+                </a:spcAft>
+                <a:buClr>
+                  <a:srgbClr val="F0AB00"/>
+                </a:buClr>
+                <a:buSzPct val="80000"/>
+                <a:tabLst/>
+              </a:pPr>
+              <a:endParaRPr kumimoji="0" lang="en-US" sz="1800" b="0" i="0" u="none" strike="noStrike" kern="0" cap="none" spc="0" normalizeH="0" baseline="0" noProof="0" dirty="0" err="1">
+                <a:ln>
+                  <a:noFill/>
+                </a:ln>
+                <a:effectLst/>
+                <a:uLnTx/>
+                <a:uFillTx/>
+                <a:ea typeface="Arial Unicode MS" pitchFamily="34" charset="-128"/>
+                <a:cs typeface="Arial Unicode MS" pitchFamily="34" charset="-128"/>
+              </a:endParaRPr>
+            </a:p>
+          </p:txBody>
+        </p:sp>
+        <p:sp>
+          <p:nvSpPr>
+            <p:cNvPr id="14" name="Rectangle 13">
+              <a:extLst>
+                <a:ext uri="{FF2B5EF4-FFF2-40B4-BE49-F238E27FC236}">
+                  <a16:creationId xmlns:a16="http://schemas.microsoft.com/office/drawing/2014/main" id="{3BB7B1E1-F5F1-4910-B812-611CAA3A3C90}"/>
+                </a:ext>
+              </a:extLst>
+            </p:cNvPr>
+            <p:cNvSpPr/>
+            <p:nvPr/>
+          </p:nvSpPr>
+          <p:spPr>
+            <a:xfrm>
+              <a:off x="5046310" y="5455295"/>
+              <a:ext cx="2101857" cy="415498"/>
+            </a:xfrm>
+            <a:prstGeom prst="rect">
+              <a:avLst/>
+            </a:prstGeom>
+          </p:spPr>
+          <p:txBody>
+            <a:bodyPr wrap="none">
+              <a:spAutoFit/>
+            </a:bodyPr>
+            <a:lstStyle/>
+            <a:p>
+              <a:pPr algn="ctr"/>
+              <a:r>
+                <a:rPr lang="en-US" dirty="0" err="1">
+                  <a:solidFill>
+                    <a:srgbClr val="000000"/>
+                  </a:solidFill>
+                  <a:latin typeface="Consolas" panose="020B0609020204030204" pitchFamily="49" charset="0"/>
+                </a:rPr>
+                <a:t>log_collector</a:t>
+              </a:r>
+              <a:endParaRPr lang="en-US" dirty="0">
                 <a:solidFill>
-                  <a:schemeClr val="tx1"/>
+                  <a:srgbClr val="000000"/>
                 </a:solidFill>
-                <a:latin typeface="+mn-lt"/>
-                <a:ea typeface="+mn-ea"/>
-                <a:cs typeface="+mn-cs"/>
-              </a:defRPr>
-            </a:lvl1pPr>
-            <a:lvl2pPr marL="179964" indent="-179964" algn="l" defTabSz="1088558" rtl="0" eaLnBrk="1" latinLnBrk="0" hangingPunct="1">
+                <a:latin typeface="Consolas" panose="020B0609020204030204" pitchFamily="49" charset="0"/>
+              </a:endParaRPr>
+            </a:p>
+          </p:txBody>
+        </p:sp>
+      </p:grpSp>
+      <p:grpSp>
+        <p:nvGrpSpPr>
+          <p:cNvPr id="40" name="Group 39">
+            <a:extLst>
+              <a:ext uri="{FF2B5EF4-FFF2-40B4-BE49-F238E27FC236}">
+                <a16:creationId xmlns:a16="http://schemas.microsoft.com/office/drawing/2014/main" id="{F7DE8083-B5B5-446E-8F51-2C2FB105905E}"/>
+              </a:ext>
+            </a:extLst>
+          </p:cNvPr>
+          <p:cNvGrpSpPr/>
+          <p:nvPr/>
+        </p:nvGrpSpPr>
+        <p:grpSpPr>
+          <a:xfrm>
+            <a:off x="435393" y="2406517"/>
+            <a:ext cx="2800637" cy="914400"/>
+            <a:chOff x="602635" y="1652156"/>
+            <a:chExt cx="2800637" cy="914400"/>
+          </a:xfrm>
+        </p:grpSpPr>
+        <p:pic>
+          <p:nvPicPr>
+            <p:cNvPr id="25" name="Graphic 24" descr="Web design">
+              <a:extLst>
+                <a:ext uri="{FF2B5EF4-FFF2-40B4-BE49-F238E27FC236}">
+                  <a16:creationId xmlns:a16="http://schemas.microsoft.com/office/drawing/2014/main" id="{EC04E571-0050-4DB3-AEF2-FE802C646F29}"/>
+                </a:ext>
+              </a:extLst>
+            </p:cNvPr>
+            <p:cNvPicPr>
+              <a:picLocks noChangeAspect="1"/>
+            </p:cNvPicPr>
+            <p:nvPr/>
+          </p:nvPicPr>
+          <p:blipFill>
+            <a:blip r:embed="rId6">
+              <a:extLst>
+                <a:ext uri="{96DAC541-7B7A-43D3-8B79-37D633B846F1}">
+                  <asvg:svgBlip xmlns:asvg="http://schemas.microsoft.com/office/drawing/2016/SVG/main" r:embed="rId7"/>
+                </a:ext>
+              </a:extLst>
+            </a:blip>
+            <a:stretch>
+              <a:fillRect/>
+            </a:stretch>
+          </p:blipFill>
+          <p:spPr>
+            <a:xfrm>
+              <a:off x="602635" y="1652156"/>
+              <a:ext cx="914400" cy="914400"/>
+            </a:xfrm>
+            <a:prstGeom prst="rect">
+              <a:avLst/>
+            </a:prstGeom>
+          </p:spPr>
+        </p:pic>
+        <p:sp>
+          <p:nvSpPr>
+            <p:cNvPr id="33" name="Rectangle 32">
+              <a:extLst>
+                <a:ext uri="{FF2B5EF4-FFF2-40B4-BE49-F238E27FC236}">
+                  <a16:creationId xmlns:a16="http://schemas.microsoft.com/office/drawing/2014/main" id="{5BAFC743-0F8B-462E-A8A1-D962E7A4D794}"/>
+                </a:ext>
+              </a:extLst>
+            </p:cNvPr>
+            <p:cNvSpPr/>
+            <p:nvPr/>
+          </p:nvSpPr>
+          <p:spPr>
+            <a:xfrm>
+              <a:off x="1455961" y="1786191"/>
+              <a:ext cx="1947311" cy="646331"/>
+            </a:xfrm>
+            <a:prstGeom prst="rect">
+              <a:avLst/>
+            </a:prstGeom>
+          </p:spPr>
+          <p:txBody>
+            <a:bodyPr wrap="square">
+              <a:spAutoFit/>
+            </a:bodyPr>
+            <a:lstStyle/>
+            <a:p>
+              <a:r>
+                <a:rPr lang="en-US" sz="1800" dirty="0">
+                  <a:solidFill>
+                    <a:srgbClr val="000000"/>
+                  </a:solidFill>
+                  <a:latin typeface="Consolas" panose="020B0609020204030204" pitchFamily="49" charset="0"/>
+                </a:rPr>
+                <a:t>Environment Variables</a:t>
+              </a:r>
+            </a:p>
+          </p:txBody>
+        </p:sp>
+      </p:grpSp>
+      <p:grpSp>
+        <p:nvGrpSpPr>
+          <p:cNvPr id="41" name="Group 40">
+            <a:extLst>
+              <a:ext uri="{FF2B5EF4-FFF2-40B4-BE49-F238E27FC236}">
+                <a16:creationId xmlns:a16="http://schemas.microsoft.com/office/drawing/2014/main" id="{772BA978-4BEB-4DD2-9A19-44EC9F7FD3CB}"/>
+              </a:ext>
+            </a:extLst>
+          </p:cNvPr>
+          <p:cNvGrpSpPr/>
+          <p:nvPr/>
+        </p:nvGrpSpPr>
+        <p:grpSpPr>
+          <a:xfrm>
+            <a:off x="435393" y="3403172"/>
+            <a:ext cx="1946687" cy="914400"/>
+            <a:chOff x="2840222" y="2391830"/>
+            <a:chExt cx="1946687" cy="914400"/>
+          </a:xfrm>
+        </p:grpSpPr>
+        <p:pic>
+          <p:nvPicPr>
+            <p:cNvPr id="31" name="Graphic 30" descr="Fingerprint">
+              <a:extLst>
+                <a:ext uri="{FF2B5EF4-FFF2-40B4-BE49-F238E27FC236}">
+                  <a16:creationId xmlns:a16="http://schemas.microsoft.com/office/drawing/2014/main" id="{1BA72C61-40D5-4D70-AFCC-3687ADD001E1}"/>
+                </a:ext>
+              </a:extLst>
+            </p:cNvPr>
+            <p:cNvPicPr>
+              <a:picLocks noChangeAspect="1"/>
+            </p:cNvPicPr>
+            <p:nvPr/>
+          </p:nvPicPr>
+          <p:blipFill>
+            <a:blip r:embed="rId8">
+              <a:extLst>
+                <a:ext uri="{96DAC541-7B7A-43D3-8B79-37D633B846F1}">
+                  <asvg:svgBlip xmlns:asvg="http://schemas.microsoft.com/office/drawing/2016/SVG/main" r:embed="rId9"/>
+                </a:ext>
+              </a:extLst>
+            </a:blip>
+            <a:stretch>
+              <a:fillRect/>
+            </a:stretch>
+          </p:blipFill>
+          <p:spPr>
+            <a:xfrm>
+              <a:off x="2840222" y="2391830"/>
+              <a:ext cx="914400" cy="914400"/>
+            </a:xfrm>
+            <a:prstGeom prst="rect">
+              <a:avLst/>
+            </a:prstGeom>
+          </p:spPr>
+        </p:pic>
+        <p:sp>
+          <p:nvSpPr>
+            <p:cNvPr id="34" name="Rectangle 33">
+              <a:extLst>
+                <a:ext uri="{FF2B5EF4-FFF2-40B4-BE49-F238E27FC236}">
+                  <a16:creationId xmlns:a16="http://schemas.microsoft.com/office/drawing/2014/main" id="{88847816-0A1B-4B97-BB67-280ACD473154}"/>
+                </a:ext>
+              </a:extLst>
+            </p:cNvPr>
+            <p:cNvSpPr/>
+            <p:nvPr/>
+          </p:nvSpPr>
+          <p:spPr>
+            <a:xfrm>
+              <a:off x="3589145" y="2664364"/>
+              <a:ext cx="1197764" cy="369332"/>
+            </a:xfrm>
+            <a:prstGeom prst="rect">
+              <a:avLst/>
+            </a:prstGeom>
+          </p:spPr>
+          <p:txBody>
+            <a:bodyPr wrap="none">
+              <a:spAutoFit/>
+            </a:bodyPr>
+            <a:lstStyle/>
+            <a:p>
+              <a:pPr algn="ctr"/>
+              <a:r>
+                <a:rPr lang="en-US" sz="1800" dirty="0">
+                  <a:solidFill>
+                    <a:srgbClr val="000000"/>
+                  </a:solidFill>
+                  <a:latin typeface="Consolas" panose="020B0609020204030204" pitchFamily="49" charset="0"/>
+                </a:rPr>
+                <a:t>User IDs</a:t>
+              </a:r>
+            </a:p>
+          </p:txBody>
+        </p:sp>
+      </p:grpSp>
+      <p:grpSp>
+        <p:nvGrpSpPr>
+          <p:cNvPr id="42" name="Group 41">
+            <a:extLst>
+              <a:ext uri="{FF2B5EF4-FFF2-40B4-BE49-F238E27FC236}">
+                <a16:creationId xmlns:a16="http://schemas.microsoft.com/office/drawing/2014/main" id="{730430B7-C084-4CE7-996A-60A6119499EF}"/>
+              </a:ext>
+            </a:extLst>
+          </p:cNvPr>
+          <p:cNvGrpSpPr/>
+          <p:nvPr/>
+        </p:nvGrpSpPr>
+        <p:grpSpPr>
+          <a:xfrm>
+            <a:off x="435393" y="4399827"/>
+            <a:ext cx="2017911" cy="914400"/>
+            <a:chOff x="359784" y="3540414"/>
+            <a:chExt cx="2017911" cy="914400"/>
+          </a:xfrm>
+        </p:grpSpPr>
+        <p:pic>
+          <p:nvPicPr>
+            <p:cNvPr id="29" name="Graphic 28" descr="Lock">
+              <a:extLst>
+                <a:ext uri="{FF2B5EF4-FFF2-40B4-BE49-F238E27FC236}">
+                  <a16:creationId xmlns:a16="http://schemas.microsoft.com/office/drawing/2014/main" id="{07482B4A-5194-446E-968A-EF7C5A266991}"/>
+                </a:ext>
+              </a:extLst>
+            </p:cNvPr>
+            <p:cNvPicPr>
+              <a:picLocks noChangeAspect="1"/>
+            </p:cNvPicPr>
+            <p:nvPr/>
+          </p:nvPicPr>
+          <p:blipFill>
+            <a:blip r:embed="rId10">
+              <a:extLst>
+                <a:ext uri="{96DAC541-7B7A-43D3-8B79-37D633B846F1}">
+                  <asvg:svgBlip xmlns:asvg="http://schemas.microsoft.com/office/drawing/2016/SVG/main" r:embed="rId11"/>
+                </a:ext>
+              </a:extLst>
+            </a:blip>
+            <a:stretch>
+              <a:fillRect/>
+            </a:stretch>
+          </p:blipFill>
+          <p:spPr>
+            <a:xfrm>
+              <a:off x="359784" y="3540414"/>
+              <a:ext cx="914400" cy="914400"/>
+            </a:xfrm>
+            <a:prstGeom prst="rect">
+              <a:avLst/>
+            </a:prstGeom>
+          </p:spPr>
+        </p:pic>
+        <p:sp>
+          <p:nvSpPr>
+            <p:cNvPr id="35" name="Rectangle 34">
+              <a:extLst>
+                <a:ext uri="{FF2B5EF4-FFF2-40B4-BE49-F238E27FC236}">
+                  <a16:creationId xmlns:a16="http://schemas.microsoft.com/office/drawing/2014/main" id="{F850F7E7-B349-489D-B9F1-03CE1B522A29}"/>
+                </a:ext>
+              </a:extLst>
+            </p:cNvPr>
+            <p:cNvSpPr/>
+            <p:nvPr/>
+          </p:nvSpPr>
+          <p:spPr>
+            <a:xfrm>
+              <a:off x="1124496" y="3674449"/>
+              <a:ext cx="1253199" cy="646331"/>
+            </a:xfrm>
+            <a:prstGeom prst="rect">
+              <a:avLst/>
+            </a:prstGeom>
+          </p:spPr>
+          <p:txBody>
+            <a:bodyPr wrap="square">
+              <a:spAutoFit/>
+            </a:bodyPr>
+            <a:lstStyle/>
+            <a:p>
+              <a:r>
+                <a:rPr lang="en-US" sz="1800" dirty="0">
+                  <a:solidFill>
+                    <a:srgbClr val="000000"/>
+                  </a:solidFill>
+                  <a:latin typeface="Consolas" panose="020B0609020204030204" pitchFamily="49" charset="0"/>
+                </a:rPr>
+                <a:t>Runtime Security</a:t>
+              </a:r>
+            </a:p>
+          </p:txBody>
+        </p:sp>
+      </p:grpSp>
+      <p:grpSp>
+        <p:nvGrpSpPr>
+          <p:cNvPr id="43" name="Group 42">
+            <a:extLst>
+              <a:ext uri="{FF2B5EF4-FFF2-40B4-BE49-F238E27FC236}">
+                <a16:creationId xmlns:a16="http://schemas.microsoft.com/office/drawing/2014/main" id="{F51725E1-684A-491C-882B-0F6D95487046}"/>
+              </a:ext>
+            </a:extLst>
+          </p:cNvPr>
+          <p:cNvGrpSpPr/>
+          <p:nvPr/>
+        </p:nvGrpSpPr>
+        <p:grpSpPr>
+          <a:xfrm>
+            <a:off x="435393" y="5396481"/>
+            <a:ext cx="2861838" cy="914400"/>
+            <a:chOff x="359657" y="5153101"/>
+            <a:chExt cx="2861838" cy="914400"/>
+          </a:xfrm>
+        </p:grpSpPr>
+        <p:pic>
+          <p:nvPicPr>
+            <p:cNvPr id="27" name="Graphic 26" descr="Processor">
+              <a:extLst>
+                <a:ext uri="{FF2B5EF4-FFF2-40B4-BE49-F238E27FC236}">
+                  <a16:creationId xmlns:a16="http://schemas.microsoft.com/office/drawing/2014/main" id="{153F70EB-6CB5-4B4B-8CA0-2FB34D7C1FD9}"/>
+                </a:ext>
+              </a:extLst>
+            </p:cNvPr>
+            <p:cNvPicPr>
+              <a:picLocks noChangeAspect="1"/>
+            </p:cNvPicPr>
+            <p:nvPr/>
+          </p:nvPicPr>
+          <p:blipFill>
+            <a:blip r:embed="rId12">
+              <a:extLst>
+                <a:ext uri="{96DAC541-7B7A-43D3-8B79-37D633B846F1}">
+                  <asvg:svgBlip xmlns:asvg="http://schemas.microsoft.com/office/drawing/2016/SVG/main" r:embed="rId13"/>
+                </a:ext>
+              </a:extLst>
+            </a:blip>
+            <a:stretch>
+              <a:fillRect/>
+            </a:stretch>
+          </p:blipFill>
+          <p:spPr>
+            <a:xfrm>
+              <a:off x="359657" y="5153101"/>
+              <a:ext cx="914400" cy="914400"/>
+            </a:xfrm>
+            <a:prstGeom prst="rect">
+              <a:avLst/>
+            </a:prstGeom>
+          </p:spPr>
+        </p:pic>
+        <p:sp>
+          <p:nvSpPr>
+            <p:cNvPr id="36" name="Rectangle 35">
+              <a:extLst>
+                <a:ext uri="{FF2B5EF4-FFF2-40B4-BE49-F238E27FC236}">
+                  <a16:creationId xmlns:a16="http://schemas.microsoft.com/office/drawing/2014/main" id="{3C841544-414C-4EF9-84F8-DA3F6B5534D3}"/>
+                </a:ext>
+              </a:extLst>
+            </p:cNvPr>
+            <p:cNvSpPr/>
+            <p:nvPr/>
+          </p:nvSpPr>
+          <p:spPr>
+            <a:xfrm>
+              <a:off x="1274184" y="5277789"/>
+              <a:ext cx="1947311" cy="646331"/>
+            </a:xfrm>
+            <a:prstGeom prst="rect">
+              <a:avLst/>
+            </a:prstGeom>
+          </p:spPr>
+          <p:txBody>
+            <a:bodyPr wrap="square">
+              <a:spAutoFit/>
+            </a:bodyPr>
+            <a:lstStyle/>
+            <a:p>
+              <a:r>
+                <a:rPr lang="en-US" sz="1800" dirty="0">
+                  <a:solidFill>
+                    <a:srgbClr val="000000"/>
+                  </a:solidFill>
+                  <a:latin typeface="Consolas" panose="020B0609020204030204" pitchFamily="49" charset="0"/>
+                </a:rPr>
+                <a:t>Recourse Consumption</a:t>
+              </a:r>
+            </a:p>
+          </p:txBody>
+        </p:sp>
+      </p:grpSp>
+      <p:grpSp>
+        <p:nvGrpSpPr>
+          <p:cNvPr id="44" name="Group 43">
+            <a:extLst>
+              <a:ext uri="{FF2B5EF4-FFF2-40B4-BE49-F238E27FC236}">
+                <a16:creationId xmlns:a16="http://schemas.microsoft.com/office/drawing/2014/main" id="{4E6F4F48-E6E2-43B4-834A-525C7CB5F703}"/>
+              </a:ext>
+            </a:extLst>
+          </p:cNvPr>
+          <p:cNvGrpSpPr/>
+          <p:nvPr/>
+        </p:nvGrpSpPr>
+        <p:grpSpPr>
+          <a:xfrm>
+            <a:off x="9628405" y="3928589"/>
+            <a:ext cx="1999608" cy="914400"/>
+            <a:chOff x="9628405" y="3266971"/>
+            <a:chExt cx="1999608" cy="914400"/>
+          </a:xfrm>
+        </p:grpSpPr>
+        <p:pic>
+          <p:nvPicPr>
+            <p:cNvPr id="19" name="Graphic 18" descr="Database">
+              <a:extLst>
+                <a:ext uri="{FF2B5EF4-FFF2-40B4-BE49-F238E27FC236}">
+                  <a16:creationId xmlns:a16="http://schemas.microsoft.com/office/drawing/2014/main" id="{306F4454-0AEB-4731-AAA9-75D7A275AED3}"/>
+                </a:ext>
+              </a:extLst>
+            </p:cNvPr>
+            <p:cNvPicPr>
+              <a:picLocks noChangeAspect="1"/>
+            </p:cNvPicPr>
+            <p:nvPr/>
+          </p:nvPicPr>
+          <p:blipFill>
+            <a:blip r:embed="rId14">
+              <a:extLst>
+                <a:ext uri="{96DAC541-7B7A-43D3-8B79-37D633B846F1}">
+                  <asvg:svgBlip xmlns:asvg="http://schemas.microsoft.com/office/drawing/2016/SVG/main" r:embed="rId15"/>
+                </a:ext>
+              </a:extLst>
+            </a:blip>
+            <a:stretch>
+              <a:fillRect/>
+            </a:stretch>
+          </p:blipFill>
+          <p:spPr>
+            <a:xfrm>
+              <a:off x="10713613" y="3266971"/>
+              <a:ext cx="914400" cy="914400"/>
+            </a:xfrm>
+            <a:prstGeom prst="rect">
+              <a:avLst/>
+            </a:prstGeom>
+          </p:spPr>
+        </p:pic>
+        <p:sp>
+          <p:nvSpPr>
+            <p:cNvPr id="37" name="Rectangle 36">
+              <a:extLst>
+                <a:ext uri="{FF2B5EF4-FFF2-40B4-BE49-F238E27FC236}">
+                  <a16:creationId xmlns:a16="http://schemas.microsoft.com/office/drawing/2014/main" id="{C78D91BA-32E0-41FA-A10F-0C2A5FFD8873}"/>
+                </a:ext>
+              </a:extLst>
+            </p:cNvPr>
+            <p:cNvSpPr/>
+            <p:nvPr/>
+          </p:nvSpPr>
+          <p:spPr>
+            <a:xfrm>
+              <a:off x="9628405" y="3539505"/>
+              <a:ext cx="1071126" cy="369332"/>
+            </a:xfrm>
+            <a:prstGeom prst="rect">
+              <a:avLst/>
+            </a:prstGeom>
+          </p:spPr>
+          <p:txBody>
+            <a:bodyPr wrap="none">
+              <a:spAutoFit/>
+            </a:bodyPr>
+            <a:lstStyle/>
+            <a:p>
+              <a:pPr algn="r"/>
+              <a:r>
+                <a:rPr lang="en-US" sz="1800" dirty="0">
+                  <a:solidFill>
+                    <a:srgbClr val="000000"/>
+                  </a:solidFill>
+                  <a:latin typeface="Consolas" panose="020B0609020204030204" pitchFamily="49" charset="0"/>
+                </a:rPr>
+                <a:t>Storage</a:t>
+              </a:r>
+            </a:p>
+          </p:txBody>
+        </p:sp>
+      </p:grpSp>
+      <p:grpSp>
+        <p:nvGrpSpPr>
+          <p:cNvPr id="45" name="Group 44">
+            <a:extLst>
+              <a:ext uri="{FF2B5EF4-FFF2-40B4-BE49-F238E27FC236}">
+                <a16:creationId xmlns:a16="http://schemas.microsoft.com/office/drawing/2014/main" id="{E2E78AA6-B8E0-406C-91F4-1214E5EEA222}"/>
+              </a:ext>
+            </a:extLst>
+          </p:cNvPr>
+          <p:cNvGrpSpPr/>
+          <p:nvPr/>
+        </p:nvGrpSpPr>
+        <p:grpSpPr>
+          <a:xfrm>
+            <a:off x="9717675" y="5298958"/>
+            <a:ext cx="1910338" cy="914400"/>
+            <a:chOff x="9717675" y="4205363"/>
+            <a:chExt cx="1910338" cy="914400"/>
+          </a:xfrm>
+        </p:grpSpPr>
+        <p:pic>
+          <p:nvPicPr>
+            <p:cNvPr id="23" name="Graphic 22" descr="Folder">
+              <a:extLst>
+                <a:ext uri="{FF2B5EF4-FFF2-40B4-BE49-F238E27FC236}">
+                  <a16:creationId xmlns:a16="http://schemas.microsoft.com/office/drawing/2014/main" id="{82DE49C8-0DAE-4EB7-8359-5D29341A1AC5}"/>
+                </a:ext>
+              </a:extLst>
+            </p:cNvPr>
+            <p:cNvPicPr>
+              <a:picLocks noChangeAspect="1"/>
+            </p:cNvPicPr>
+            <p:nvPr/>
+          </p:nvPicPr>
+          <p:blipFill>
+            <a:blip r:embed="rId16">
+              <a:extLst>
+                <a:ext uri="{96DAC541-7B7A-43D3-8B79-37D633B846F1}">
+                  <asvg:svgBlip xmlns:asvg="http://schemas.microsoft.com/office/drawing/2016/SVG/main" r:embed="rId17"/>
+                </a:ext>
+              </a:extLst>
+            </a:blip>
+            <a:stretch>
+              <a:fillRect/>
+            </a:stretch>
+          </p:blipFill>
+          <p:spPr>
+            <a:xfrm>
+              <a:off x="10713613" y="4205363"/>
+              <a:ext cx="914400" cy="914400"/>
+            </a:xfrm>
+            <a:prstGeom prst="rect">
+              <a:avLst/>
+            </a:prstGeom>
+          </p:spPr>
+        </p:pic>
+        <p:sp>
+          <p:nvSpPr>
+            <p:cNvPr id="38" name="Rectangle 37">
+              <a:extLst>
+                <a:ext uri="{FF2B5EF4-FFF2-40B4-BE49-F238E27FC236}">
+                  <a16:creationId xmlns:a16="http://schemas.microsoft.com/office/drawing/2014/main" id="{A5EA4F25-3196-425C-B7CF-E207D42265DE}"/>
+                </a:ext>
+              </a:extLst>
+            </p:cNvPr>
+            <p:cNvSpPr/>
+            <p:nvPr/>
+          </p:nvSpPr>
+          <p:spPr>
+            <a:xfrm>
+              <a:off x="9717675" y="4339398"/>
+              <a:ext cx="981856" cy="646331"/>
+            </a:xfrm>
+            <a:prstGeom prst="rect">
+              <a:avLst/>
+            </a:prstGeom>
+          </p:spPr>
+          <p:txBody>
+            <a:bodyPr wrap="square">
+              <a:spAutoFit/>
+            </a:bodyPr>
+            <a:lstStyle/>
+            <a:p>
+              <a:pPr algn="r"/>
+              <a:r>
+                <a:rPr lang="en-US" sz="1800" dirty="0">
+                  <a:solidFill>
+                    <a:srgbClr val="000000"/>
+                  </a:solidFill>
+                  <a:latin typeface="Consolas" panose="020B0609020204030204" pitchFamily="49" charset="0"/>
+                </a:rPr>
+                <a:t>Shared Files</a:t>
+              </a:r>
+            </a:p>
+          </p:txBody>
+        </p:sp>
+      </p:grpSp>
+      <p:grpSp>
+        <p:nvGrpSpPr>
+          <p:cNvPr id="62" name="Group 61">
+            <a:extLst>
+              <a:ext uri="{FF2B5EF4-FFF2-40B4-BE49-F238E27FC236}">
+                <a16:creationId xmlns:a16="http://schemas.microsoft.com/office/drawing/2014/main" id="{9AAC1E11-08ED-4CA7-9708-5EA0AB35EBAF}"/>
+              </a:ext>
+            </a:extLst>
+          </p:cNvPr>
+          <p:cNvGrpSpPr/>
+          <p:nvPr/>
+        </p:nvGrpSpPr>
+        <p:grpSpPr>
+          <a:xfrm>
+            <a:off x="8854245" y="2558220"/>
+            <a:ext cx="2773768" cy="914400"/>
+            <a:chOff x="8854245" y="5143755"/>
+            <a:chExt cx="2773768" cy="914400"/>
+          </a:xfrm>
+        </p:grpSpPr>
+        <p:pic>
+          <p:nvPicPr>
+            <p:cNvPr id="63" name="Graphic 62" descr="Document">
+              <a:extLst>
+                <a:ext uri="{FF2B5EF4-FFF2-40B4-BE49-F238E27FC236}">
+                  <a16:creationId xmlns:a16="http://schemas.microsoft.com/office/drawing/2014/main" id="{427E8DC7-19BE-42F3-8AB0-7D44C9CF218D}"/>
+                </a:ext>
+              </a:extLst>
+            </p:cNvPr>
+            <p:cNvPicPr>
+              <a:picLocks noChangeAspect="1"/>
+            </p:cNvPicPr>
+            <p:nvPr/>
+          </p:nvPicPr>
+          <p:blipFill>
+            <a:blip r:embed="rId18">
+              <a:extLst>
+                <a:ext uri="{96DAC541-7B7A-43D3-8B79-37D633B846F1}">
+                  <asvg:svgBlip xmlns:asvg="http://schemas.microsoft.com/office/drawing/2016/SVG/main" r:embed="rId19"/>
+                </a:ext>
+              </a:extLst>
+            </a:blip>
+            <a:stretch>
+              <a:fillRect/>
+            </a:stretch>
+          </p:blipFill>
+          <p:spPr>
+            <a:xfrm>
+              <a:off x="10713613" y="5143755"/>
+              <a:ext cx="914400" cy="914400"/>
+            </a:xfrm>
+            <a:prstGeom prst="rect">
+              <a:avLst/>
+            </a:prstGeom>
+          </p:spPr>
+        </p:pic>
+        <p:sp>
+          <p:nvSpPr>
+            <p:cNvPr id="64" name="Rectangle 63">
+              <a:extLst>
+                <a:ext uri="{FF2B5EF4-FFF2-40B4-BE49-F238E27FC236}">
+                  <a16:creationId xmlns:a16="http://schemas.microsoft.com/office/drawing/2014/main" id="{F6EC29A4-840F-47F5-A37A-3CE2D3BD167C}"/>
+                </a:ext>
+              </a:extLst>
+            </p:cNvPr>
+            <p:cNvSpPr/>
+            <p:nvPr/>
+          </p:nvSpPr>
+          <p:spPr>
+            <a:xfrm>
+              <a:off x="8854245" y="5277790"/>
+              <a:ext cx="1845285" cy="646331"/>
+            </a:xfrm>
+            <a:prstGeom prst="rect">
+              <a:avLst/>
+            </a:prstGeom>
+          </p:spPr>
+          <p:txBody>
+            <a:bodyPr wrap="square">
+              <a:spAutoFit/>
+            </a:bodyPr>
+            <a:lstStyle/>
+            <a:p>
+              <a:pPr algn="r"/>
+              <a:r>
+                <a:rPr lang="en-US" sz="1800" dirty="0">
+                  <a:solidFill>
+                    <a:srgbClr val="000000"/>
+                  </a:solidFill>
+                  <a:latin typeface="Consolas" panose="020B0609020204030204" pitchFamily="49" charset="0"/>
+                </a:rPr>
+                <a:t>Application Configuration</a:t>
+              </a:r>
+            </a:p>
+          </p:txBody>
+        </p:sp>
+      </p:grpSp>
+      <p:sp>
+        <p:nvSpPr>
+          <p:cNvPr id="70" name="Right Brace 69">
+            <a:extLst>
+              <a:ext uri="{FF2B5EF4-FFF2-40B4-BE49-F238E27FC236}">
+                <a16:creationId xmlns:a16="http://schemas.microsoft.com/office/drawing/2014/main" id="{9F696115-2A6E-4B94-8435-9D6432535E34}"/>
+              </a:ext>
+            </a:extLst>
+          </p:cNvPr>
+          <p:cNvSpPr/>
+          <p:nvPr/>
+        </p:nvSpPr>
+        <p:spPr>
+          <a:xfrm>
+            <a:off x="2837167" y="2505515"/>
+            <a:ext cx="779017" cy="3848485"/>
+          </a:xfrm>
+          <a:prstGeom prst="rightBrace">
+            <a:avLst/>
+          </a:prstGeom>
+          <a:ln w="38100">
+            <a:headEnd type="none" w="med" len="med"/>
+            <a:tailEnd type="none" w="med" len="med"/>
+          </a:ln>
+        </p:spPr>
+        <p:style>
+          <a:lnRef idx="1">
+            <a:schemeClr val="accent2"/>
+          </a:lnRef>
+          <a:fillRef idx="0">
+            <a:schemeClr val="accent2"/>
+          </a:fillRef>
+          <a:effectRef idx="0">
+            <a:schemeClr val="accent2"/>
+          </a:effectRef>
+          <a:fontRef idx="minor">
+            <a:schemeClr val="tx1"/>
+          </a:fontRef>
+        </p:style>
+        <p:txBody>
+          <a:bodyPr rtlCol="0" anchor="ctr"/>
+          <a:lstStyle/>
+          <a:p>
+            <a:pPr algn="ctr"/>
+            <a:endParaRPr lang="en-US"/>
+          </a:p>
+        </p:txBody>
+      </p:sp>
+      <p:sp>
+        <p:nvSpPr>
+          <p:cNvPr id="72" name="Right Brace 71">
+            <a:extLst>
+              <a:ext uri="{FF2B5EF4-FFF2-40B4-BE49-F238E27FC236}">
+                <a16:creationId xmlns:a16="http://schemas.microsoft.com/office/drawing/2014/main" id="{C2BC507C-C89E-4CCE-9034-AA850B7F7E2E}"/>
+              </a:ext>
+            </a:extLst>
+          </p:cNvPr>
+          <p:cNvSpPr/>
+          <p:nvPr/>
+        </p:nvSpPr>
+        <p:spPr>
+          <a:xfrm rot="10800000">
+            <a:off x="8405327" y="2569164"/>
+            <a:ext cx="779017" cy="3848485"/>
+          </a:xfrm>
+          <a:prstGeom prst="rightBrace">
+            <a:avLst/>
+          </a:prstGeom>
+          <a:ln w="38100">
+            <a:headEnd type="none" w="med" len="med"/>
+            <a:tailEnd type="none" w="med" len="med"/>
+          </a:ln>
+        </p:spPr>
+        <p:style>
+          <a:lnRef idx="1">
+            <a:schemeClr val="accent2"/>
+          </a:lnRef>
+          <a:fillRef idx="0">
+            <a:schemeClr val="accent2"/>
+          </a:fillRef>
+          <a:effectRef idx="0">
+            <a:schemeClr val="accent2"/>
+          </a:effectRef>
+          <a:fontRef idx="minor">
+            <a:schemeClr val="tx1"/>
+          </a:fontRef>
+        </p:style>
+        <p:txBody>
+          <a:bodyPr rtlCol="0" anchor="ctr"/>
+          <a:lstStyle/>
+          <a:p>
+            <a:pPr algn="ctr"/>
+            <a:endParaRPr lang="en-US"/>
+          </a:p>
+        </p:txBody>
+      </p:sp>
+      <p:sp>
+        <p:nvSpPr>
+          <p:cNvPr id="75" name="Rectangle: Rounded Corners 74">
+            <a:extLst>
+              <a:ext uri="{FF2B5EF4-FFF2-40B4-BE49-F238E27FC236}">
+                <a16:creationId xmlns:a16="http://schemas.microsoft.com/office/drawing/2014/main" id="{B9F31895-86CB-48CF-AB66-E2CD3233E82B}"/>
+              </a:ext>
+            </a:extLst>
+          </p:cNvPr>
+          <p:cNvSpPr/>
+          <p:nvPr/>
+        </p:nvSpPr>
+        <p:spPr bwMode="gray">
+          <a:xfrm>
+            <a:off x="4286102" y="3947475"/>
+            <a:ext cx="1262046" cy="507295"/>
+          </a:xfrm>
+          <a:prstGeom prst="roundRect">
+            <a:avLst/>
+          </a:prstGeom>
+          <a:solidFill>
+            <a:schemeClr val="accent1">
+              <a:lumMod val="40000"/>
+              <a:lumOff val="60000"/>
+            </a:schemeClr>
+          </a:solidFill>
+          <a:ln w="6350" algn="ctr">
+            <a:noFill/>
+            <a:miter lim="800000"/>
+            <a:headEnd/>
+            <a:tailEnd/>
+          </a:ln>
+        </p:spPr>
+        <p:txBody>
+          <a:bodyPr lIns="90000" tIns="72000" rIns="90000" bIns="72000" rtlCol="0" anchor="ctr"/>
+          <a:lstStyle/>
+          <a:p>
+            <a:pPr marR="0" algn="ctr" defTabSz="914400" eaLnBrk="1" fontAlgn="base" latinLnBrk="0" hangingPunct="1">
+              <a:lnSpc>
+                <a:spcPct val="100000"/>
+              </a:lnSpc>
               <a:spcBef>
-                <a:spcPts val="600"/>
+                <a:spcPct val="50000"/>
               </a:spcBef>
+              <a:spcAft>
+                <a:spcPct val="0"/>
+              </a:spcAft>
               <a:buClr>
-                <a:schemeClr val="accent1"/>
+                <a:srgbClr val="F0AB00"/>
               </a:buClr>
-              <a:buSzPct val="100000"/>
-              <a:buFont typeface="Wingdings" pitchFamily="2" charset="2"/>
-              <a:buChar char="§"/>
-              <a:defRPr sz="1800" kern="1200">
+              <a:buSzPct val="80000"/>
+              <a:tabLst/>
+            </a:pPr>
+            <a:endParaRPr kumimoji="0" lang="en-US" sz="1800" b="0" i="0" u="none" strike="noStrike" kern="0" cap="none" spc="0" normalizeH="0" baseline="0" noProof="0" dirty="0" err="1">
+              <a:ln>
+                <a:noFill/>
+              </a:ln>
+              <a:effectLst/>
+              <a:uLnTx/>
+              <a:uFillTx/>
+              <a:ea typeface="Arial Unicode MS" pitchFamily="34" charset="-128"/>
+              <a:cs typeface="Arial Unicode MS" pitchFamily="34" charset="-128"/>
+            </a:endParaRPr>
+          </a:p>
+        </p:txBody>
+      </p:sp>
+      <p:sp>
+        <p:nvSpPr>
+          <p:cNvPr id="74" name="Rectangle 73">
+            <a:extLst>
+              <a:ext uri="{FF2B5EF4-FFF2-40B4-BE49-F238E27FC236}">
+                <a16:creationId xmlns:a16="http://schemas.microsoft.com/office/drawing/2014/main" id="{FF79564D-0A61-4E41-AAB7-83D4DC74DF98}"/>
+              </a:ext>
+            </a:extLst>
+          </p:cNvPr>
+          <p:cNvSpPr/>
+          <p:nvPr/>
+        </p:nvSpPr>
+        <p:spPr>
+          <a:xfrm>
+            <a:off x="4347552" y="3984329"/>
+            <a:ext cx="1217001" cy="415498"/>
+          </a:xfrm>
+          <a:prstGeom prst="rect">
+            <a:avLst/>
+          </a:prstGeom>
+        </p:spPr>
+        <p:txBody>
+          <a:bodyPr wrap="none">
+            <a:spAutoFit/>
+          </a:bodyPr>
+          <a:lstStyle/>
+          <a:p>
+            <a:pPr algn="ctr"/>
+            <a:r>
+              <a:rPr lang="en-US" dirty="0">
                 <a:solidFill>
-                  <a:schemeClr val="tx1"/>
+                  <a:srgbClr val="000000"/>
                 </a:solidFill>
-                <a:latin typeface="+mn-lt"/>
-                <a:ea typeface="+mn-ea"/>
-                <a:cs typeface="+mn-cs"/>
-              </a:defRPr>
-            </a:lvl2pPr>
-            <a:lvl3pPr marL="358775" indent="-179388" algn="l" defTabSz="1088558" rtl="0" eaLnBrk="1" latinLnBrk="0" hangingPunct="1">
-              <a:spcBef>
-                <a:spcPts val="300"/>
-              </a:spcBef>
-              <a:buClr>
-                <a:schemeClr val="tx1"/>
-              </a:buClr>
-              <a:buSzPct val="100000"/>
-              <a:buFont typeface="Arial" panose="020B0604020202020204" pitchFamily="34" charset="0"/>
-              <a:buChar char="–"/>
-              <a:defRPr lang="en-US" sz="1800" kern="1200" noProof="0" dirty="0" smtClean="0">
-                <a:solidFill>
-                  <a:schemeClr val="tx1"/>
-                </a:solidFill>
-                <a:latin typeface="+mn-lt"/>
-                <a:ea typeface="+mn-ea"/>
-                <a:cs typeface="+mn-cs"/>
-              </a:defRPr>
-            </a:lvl3pPr>
-            <a:lvl4pPr marL="539892" indent="-179964" algn="l" defTabSz="1088558" rtl="0" eaLnBrk="1" latinLnBrk="0" hangingPunct="1">
-              <a:spcBef>
-                <a:spcPts val="300"/>
-              </a:spcBef>
-              <a:buClr>
-                <a:schemeClr val="tx1"/>
-              </a:buClr>
-              <a:buSzPct val="120000"/>
-              <a:buFont typeface="Arial" pitchFamily="34" charset="0"/>
-              <a:buChar char="▫"/>
-              <a:defRPr sz="1600" kern="1200">
-                <a:solidFill>
-                  <a:schemeClr val="tx1"/>
-                </a:solidFill>
-                <a:latin typeface="+mn-lt"/>
-                <a:ea typeface="+mn-ea"/>
-                <a:cs typeface="+mn-cs"/>
-              </a:defRPr>
-            </a:lvl4pPr>
-            <a:lvl5pPr marL="719856" indent="-179964" algn="l" defTabSz="1088558" rtl="0" eaLnBrk="1" latinLnBrk="0" hangingPunct="1">
-              <a:spcBef>
-                <a:spcPts val="100"/>
-              </a:spcBef>
-              <a:buClr>
-                <a:schemeClr val="tx1"/>
-              </a:buClr>
-              <a:buSzPct val="100000"/>
-              <a:buFont typeface="Symbol" panose="05050102010706020507" pitchFamily="18" charset="2"/>
-              <a:buChar char="-"/>
-              <a:defRPr sz="1400" kern="1200" baseline="0">
-                <a:solidFill>
-                  <a:schemeClr val="tx1"/>
-                </a:solidFill>
-                <a:latin typeface="+mn-lt"/>
-                <a:ea typeface="+mn-ea"/>
-                <a:cs typeface="+mn-cs"/>
-              </a:defRPr>
-            </a:lvl5pPr>
-            <a:lvl6pPr marL="2993535" indent="-272140" algn="l" defTabSz="1088558" rtl="0" eaLnBrk="1" latinLnBrk="0" hangingPunct="1">
-              <a:spcBef>
-                <a:spcPct val="20000"/>
-              </a:spcBef>
-              <a:buFont typeface="Arial" pitchFamily="34" charset="0"/>
-              <a:buChar char="•"/>
-              <a:defRPr sz="2400" kern="1200">
-                <a:solidFill>
-                  <a:schemeClr val="tx1"/>
-                </a:solidFill>
-                <a:latin typeface="+mn-lt"/>
-                <a:ea typeface="+mn-ea"/>
-                <a:cs typeface="+mn-cs"/>
-              </a:defRPr>
-            </a:lvl6pPr>
-            <a:lvl7pPr marL="3537814" indent="-272140" algn="l" defTabSz="1088558" rtl="0" eaLnBrk="1" latinLnBrk="0" hangingPunct="1">
-              <a:spcBef>
-                <a:spcPct val="20000"/>
-              </a:spcBef>
-              <a:buFont typeface="Arial" pitchFamily="34" charset="0"/>
-              <a:buChar char="•"/>
-              <a:defRPr sz="2400" kern="1200">
-                <a:solidFill>
-                  <a:schemeClr val="tx1"/>
-                </a:solidFill>
-                <a:latin typeface="+mn-lt"/>
-                <a:ea typeface="+mn-ea"/>
-                <a:cs typeface="+mn-cs"/>
-              </a:defRPr>
-            </a:lvl7pPr>
-            <a:lvl8pPr marL="4082093" indent="-272140" algn="l" defTabSz="1088558" rtl="0" eaLnBrk="1" latinLnBrk="0" hangingPunct="1">
-              <a:spcBef>
-                <a:spcPct val="20000"/>
-              </a:spcBef>
-              <a:buFont typeface="Arial" pitchFamily="34" charset="0"/>
-              <a:buChar char="•"/>
-              <a:defRPr sz="2400" kern="1200">
-                <a:solidFill>
-                  <a:schemeClr val="tx1"/>
-                </a:solidFill>
-                <a:latin typeface="+mn-lt"/>
-                <a:ea typeface="+mn-ea"/>
-                <a:cs typeface="+mn-cs"/>
-              </a:defRPr>
-            </a:lvl8pPr>
-            <a:lvl9pPr marL="4626373" indent="-272140" algn="l" defTabSz="1088558" rtl="0" eaLnBrk="1" latinLnBrk="0" hangingPunct="1">
-              <a:spcBef>
-                <a:spcPct val="20000"/>
-              </a:spcBef>
-              <a:buFont typeface="Arial" pitchFamily="34" charset="0"/>
-              <a:buChar char="•"/>
-              <a:defRPr sz="2400" kern="1200">
-                <a:solidFill>
-                  <a:schemeClr val="tx1"/>
-                </a:solidFill>
-                <a:latin typeface="+mn-lt"/>
-                <a:ea typeface="+mn-ea"/>
-                <a:cs typeface="+mn-cs"/>
-              </a:defRPr>
-            </a:lvl9pPr>
-          </a:lstStyle>
-          <a:p>
-            <a:pPr lvl="1"/>
-            <a:r>
-              <a:rPr lang="en-US" dirty="0"/>
-              <a:t>A pod is a runtime environment for </a:t>
-            </a:r>
-            <a:r>
-              <a:rPr lang="en-US" dirty="0" err="1"/>
-              <a:t>docker</a:t>
-            </a:r>
-            <a:r>
-              <a:rPr lang="en-US" dirty="0"/>
-              <a:t> containers</a:t>
-            </a:r>
-          </a:p>
-          <a:p>
-            <a:pPr lvl="1"/>
-            <a:r>
-              <a:rPr lang="en-US" dirty="0"/>
-              <a:t>One or more (</a:t>
-            </a:r>
-            <a:r>
-              <a:rPr lang="en-US" dirty="0" err="1"/>
-              <a:t>docker</a:t>
-            </a:r>
-            <a:r>
-              <a:rPr lang="en-US" dirty="0"/>
-              <a:t>) containers can run within a single pod</a:t>
-            </a:r>
-          </a:p>
-          <a:p>
-            <a:pPr lvl="1"/>
-            <a:r>
-              <a:rPr lang="en-US" dirty="0"/>
-              <a:t>All containers in a pod share network &amp; storage</a:t>
-            </a:r>
-          </a:p>
-          <a:p>
-            <a:pPr lvl="1"/>
-            <a:r>
-              <a:rPr lang="en-US" dirty="0"/>
-              <a:t>A pod can be considered as a portable, logical host</a:t>
-            </a:r>
-          </a:p>
-          <a:p>
-            <a:pPr lvl="1"/>
-            <a:r>
-              <a:rPr lang="en-US" dirty="0"/>
-              <a:t>Pods can communicate with each other</a:t>
+                <a:latin typeface="Consolas" panose="020B0609020204030204" pitchFamily="49" charset="0"/>
+              </a:rPr>
+              <a:t>init.sh</a:t>
             </a:r>
           </a:p>
         </p:txBody>
@@ -14854,7 +16175,7 @@
     </p:spTree>
     <p:extLst>
       <p:ext uri="{BB962C8B-B14F-4D97-AF65-F5344CB8AC3E}">
-        <p14:creationId xmlns:p14="http://schemas.microsoft.com/office/powerpoint/2010/main" val="1869039868"/>
+        <p14:creationId xmlns:p14="http://schemas.microsoft.com/office/powerpoint/2010/main" val="2065002230"/>
       </p:ext>
     </p:extLst>
   </p:cSld>
@@ -14882,7 +16203,7 @@
                             </p:stCondLst>
                             <p:childTnLst>
                               <p:par>
-                                <p:cTn id="5" presetID="1" presetClass="entr" presetSubtype="0" fill="hold" grpId="0" nodeType="clickEffect">
+                                <p:cTn id="5" presetID="1" presetClass="entr" presetSubtype="0" fill="hold" nodeType="clickEffect">
                                   <p:stCondLst>
                                     <p:cond delay="0"/>
                                   </p:stCondLst>
@@ -14895,7 +16216,511 @@
                                           </p:stCondLst>
                                         </p:cTn>
                                         <p:tgtEl>
-                                          <p:spTgt spid="12"/>
+                                          <p:spTgt spid="11"/>
+                                        </p:tgtEl>
+                                        <p:attrNameLst>
+                                          <p:attrName>style.visibility</p:attrName>
+                                        </p:attrNameLst>
+                                      </p:cBhvr>
+                                      <p:to>
+                                        <p:strVal val="visible"/>
+                                      </p:to>
+                                    </p:set>
+                                  </p:childTnLst>
+                                </p:cTn>
+                              </p:par>
+                              <p:par>
+                                <p:cTn id="7" presetID="1" presetClass="entr" presetSubtype="0" fill="hold" nodeType="withEffect">
+                                  <p:stCondLst>
+                                    <p:cond delay="0"/>
+                                  </p:stCondLst>
+                                  <p:childTnLst>
+                                    <p:set>
+                                      <p:cBhvr>
+                                        <p:cTn id="8" dur="1" fill="hold">
+                                          <p:stCondLst>
+                                            <p:cond delay="0"/>
+                                          </p:stCondLst>
+                                        </p:cTn>
+                                        <p:tgtEl>
+                                          <p:spTgt spid="9"/>
+                                        </p:tgtEl>
+                                        <p:attrNameLst>
+                                          <p:attrName>style.visibility</p:attrName>
+                                        </p:attrNameLst>
+                                      </p:cBhvr>
+                                      <p:to>
+                                        <p:strVal val="visible"/>
+                                      </p:to>
+                                    </p:set>
+                                  </p:childTnLst>
+                                </p:cTn>
+                              </p:par>
+                              <p:par>
+                                <p:cTn id="9" presetID="1" presetClass="entr" presetSubtype="0" fill="hold" grpId="0" nodeType="withEffect">
+                                  <p:stCondLst>
+                                    <p:cond delay="0"/>
+                                  </p:stCondLst>
+                                  <p:childTnLst>
+                                    <p:set>
+                                      <p:cBhvr>
+                                        <p:cTn id="10" dur="1" fill="hold">
+                                          <p:stCondLst>
+                                            <p:cond delay="0"/>
+                                          </p:stCondLst>
+                                        </p:cTn>
+                                        <p:tgtEl>
+                                          <p:spTgt spid="13"/>
+                                        </p:tgtEl>
+                                        <p:attrNameLst>
+                                          <p:attrName>style.visibility</p:attrName>
+                                        </p:attrNameLst>
+                                      </p:cBhvr>
+                                      <p:to>
+                                        <p:strVal val="visible"/>
+                                      </p:to>
+                                    </p:set>
+                                  </p:childTnLst>
+                                </p:cTn>
+                              </p:par>
+                            </p:childTnLst>
+                          </p:cTn>
+                        </p:par>
+                      </p:childTnLst>
+                    </p:cTn>
+                  </p:par>
+                  <p:par>
+                    <p:cTn id="11" fill="hold">
+                      <p:stCondLst>
+                        <p:cond delay="indefinite"/>
+                      </p:stCondLst>
+                      <p:childTnLst>
+                        <p:par>
+                          <p:cTn id="12" fill="hold">
+                            <p:stCondLst>
+                              <p:cond delay="0"/>
+                            </p:stCondLst>
+                            <p:childTnLst>
+                              <p:par>
+                                <p:cTn id="13" presetID="1" presetClass="entr" presetSubtype="0" fill="hold" nodeType="clickEffect">
+                                  <p:stCondLst>
+                                    <p:cond delay="0"/>
+                                  </p:stCondLst>
+                                  <p:childTnLst>
+                                    <p:set>
+                                      <p:cBhvr>
+                                        <p:cTn id="14" dur="1" fill="hold">
+                                          <p:stCondLst>
+                                            <p:cond delay="0"/>
+                                          </p:stCondLst>
+                                        </p:cTn>
+                                        <p:tgtEl>
+                                          <p:spTgt spid="62"/>
+                                        </p:tgtEl>
+                                        <p:attrNameLst>
+                                          <p:attrName>style.visibility</p:attrName>
+                                        </p:attrNameLst>
+                                      </p:cBhvr>
+                                      <p:to>
+                                        <p:strVal val="visible"/>
+                                      </p:to>
+                                    </p:set>
+                                  </p:childTnLst>
+                                </p:cTn>
+                              </p:par>
+                              <p:par>
+                                <p:cTn id="15" presetID="1" presetClass="entr" presetSubtype="0" fill="hold" nodeType="withEffect">
+                                  <p:stCondLst>
+                                    <p:cond delay="0"/>
+                                  </p:stCondLst>
+                                  <p:childTnLst>
+                                    <p:set>
+                                      <p:cBhvr>
+                                        <p:cTn id="16" dur="1" fill="hold">
+                                          <p:stCondLst>
+                                            <p:cond delay="0"/>
+                                          </p:stCondLst>
+                                        </p:cTn>
+                                        <p:tgtEl>
+                                          <p:spTgt spid="44"/>
+                                        </p:tgtEl>
+                                        <p:attrNameLst>
+                                          <p:attrName>style.visibility</p:attrName>
+                                        </p:attrNameLst>
+                                      </p:cBhvr>
+                                      <p:to>
+                                        <p:strVal val="visible"/>
+                                      </p:to>
+                                    </p:set>
+                                  </p:childTnLst>
+                                </p:cTn>
+                              </p:par>
+                              <p:par>
+                                <p:cTn id="17" presetID="1" presetClass="entr" presetSubtype="0" fill="hold" nodeType="withEffect">
+                                  <p:stCondLst>
+                                    <p:cond delay="0"/>
+                                  </p:stCondLst>
+                                  <p:childTnLst>
+                                    <p:set>
+                                      <p:cBhvr>
+                                        <p:cTn id="18" dur="1" fill="hold">
+                                          <p:stCondLst>
+                                            <p:cond delay="0"/>
+                                          </p:stCondLst>
+                                        </p:cTn>
+                                        <p:tgtEl>
+                                          <p:spTgt spid="40"/>
+                                        </p:tgtEl>
+                                        <p:attrNameLst>
+                                          <p:attrName>style.visibility</p:attrName>
+                                        </p:attrNameLst>
+                                      </p:cBhvr>
+                                      <p:to>
+                                        <p:strVal val="visible"/>
+                                      </p:to>
+                                    </p:set>
+                                  </p:childTnLst>
+                                </p:cTn>
+                              </p:par>
+                            </p:childTnLst>
+                          </p:cTn>
+                        </p:par>
+                      </p:childTnLst>
+                    </p:cTn>
+                  </p:par>
+                  <p:par>
+                    <p:cTn id="19" fill="hold">
+                      <p:stCondLst>
+                        <p:cond delay="indefinite"/>
+                      </p:stCondLst>
+                      <p:childTnLst>
+                        <p:par>
+                          <p:cTn id="20" fill="hold">
+                            <p:stCondLst>
+                              <p:cond delay="0"/>
+                            </p:stCondLst>
+                            <p:childTnLst>
+                              <p:par>
+                                <p:cTn id="21" presetID="1" presetClass="entr" presetSubtype="0" fill="hold" nodeType="clickEffect">
+                                  <p:stCondLst>
+                                    <p:cond delay="0"/>
+                                  </p:stCondLst>
+                                  <p:childTnLst>
+                                    <p:set>
+                                      <p:cBhvr>
+                                        <p:cTn id="22" dur="1" fill="hold">
+                                          <p:stCondLst>
+                                            <p:cond delay="0"/>
+                                          </p:stCondLst>
+                                        </p:cTn>
+                                        <p:tgtEl>
+                                          <p:spTgt spid="41"/>
+                                        </p:tgtEl>
+                                        <p:attrNameLst>
+                                          <p:attrName>style.visibility</p:attrName>
+                                        </p:attrNameLst>
+                                      </p:cBhvr>
+                                      <p:to>
+                                        <p:strVal val="visible"/>
+                                      </p:to>
+                                    </p:set>
+                                  </p:childTnLst>
+                                </p:cTn>
+                              </p:par>
+                              <p:par>
+                                <p:cTn id="23" presetID="1" presetClass="entr" presetSubtype="0" fill="hold" nodeType="withEffect">
+                                  <p:stCondLst>
+                                    <p:cond delay="0"/>
+                                  </p:stCondLst>
+                                  <p:childTnLst>
+                                    <p:set>
+                                      <p:cBhvr>
+                                        <p:cTn id="24" dur="1" fill="hold">
+                                          <p:stCondLst>
+                                            <p:cond delay="0"/>
+                                          </p:stCondLst>
+                                        </p:cTn>
+                                        <p:tgtEl>
+                                          <p:spTgt spid="42"/>
+                                        </p:tgtEl>
+                                        <p:attrNameLst>
+                                          <p:attrName>style.visibility</p:attrName>
+                                        </p:attrNameLst>
+                                      </p:cBhvr>
+                                      <p:to>
+                                        <p:strVal val="visible"/>
+                                      </p:to>
+                                    </p:set>
+                                  </p:childTnLst>
+                                </p:cTn>
+                              </p:par>
+                              <p:par>
+                                <p:cTn id="25" presetID="1" presetClass="entr" presetSubtype="0" fill="hold" nodeType="withEffect">
+                                  <p:stCondLst>
+                                    <p:cond delay="0"/>
+                                  </p:stCondLst>
+                                  <p:childTnLst>
+                                    <p:set>
+                                      <p:cBhvr>
+                                        <p:cTn id="26" dur="1" fill="hold">
+                                          <p:stCondLst>
+                                            <p:cond delay="0"/>
+                                          </p:stCondLst>
+                                        </p:cTn>
+                                        <p:tgtEl>
+                                          <p:spTgt spid="43"/>
+                                        </p:tgtEl>
+                                        <p:attrNameLst>
+                                          <p:attrName>style.visibility</p:attrName>
+                                        </p:attrNameLst>
+                                      </p:cBhvr>
+                                      <p:to>
+                                        <p:strVal val="visible"/>
+                                      </p:to>
+                                    </p:set>
+                                  </p:childTnLst>
+                                </p:cTn>
+                              </p:par>
+                            </p:childTnLst>
+                          </p:cTn>
+                        </p:par>
+                      </p:childTnLst>
+                    </p:cTn>
+                  </p:par>
+                  <p:par>
+                    <p:cTn id="27" fill="hold">
+                      <p:stCondLst>
+                        <p:cond delay="indefinite"/>
+                      </p:stCondLst>
+                      <p:childTnLst>
+                        <p:par>
+                          <p:cTn id="28" fill="hold">
+                            <p:stCondLst>
+                              <p:cond delay="0"/>
+                            </p:stCondLst>
+                            <p:childTnLst>
+                              <p:par>
+                                <p:cTn id="29" presetID="1" presetClass="entr" presetSubtype="0" fill="hold" nodeType="clickEffect">
+                                  <p:stCondLst>
+                                    <p:cond delay="0"/>
+                                  </p:stCondLst>
+                                  <p:childTnLst>
+                                    <p:set>
+                                      <p:cBhvr>
+                                        <p:cTn id="30" dur="1" fill="hold">
+                                          <p:stCondLst>
+                                            <p:cond delay="0"/>
+                                          </p:stCondLst>
+                                        </p:cTn>
+                                        <p:tgtEl>
+                                          <p:spTgt spid="71"/>
+                                        </p:tgtEl>
+                                        <p:attrNameLst>
+                                          <p:attrName>style.visibility</p:attrName>
+                                        </p:attrNameLst>
+                                      </p:cBhvr>
+                                      <p:to>
+                                        <p:strVal val="visible"/>
+                                      </p:to>
+                                    </p:set>
+                                  </p:childTnLst>
+                                </p:cTn>
+                              </p:par>
+                              <p:par>
+                                <p:cTn id="31" presetID="1" presetClass="entr" presetSubtype="0" fill="hold" grpId="0" nodeType="withEffect">
+                                  <p:stCondLst>
+                                    <p:cond delay="0"/>
+                                  </p:stCondLst>
+                                  <p:childTnLst>
+                                    <p:set>
+                                      <p:cBhvr>
+                                        <p:cTn id="32" dur="1" fill="hold">
+                                          <p:stCondLst>
+                                            <p:cond delay="0"/>
+                                          </p:stCondLst>
+                                        </p:cTn>
+                                        <p:tgtEl>
+                                          <p:spTgt spid="3"/>
+                                        </p:tgtEl>
+                                        <p:attrNameLst>
+                                          <p:attrName>style.visibility</p:attrName>
+                                        </p:attrNameLst>
+                                      </p:cBhvr>
+                                      <p:to>
+                                        <p:strVal val="visible"/>
+                                      </p:to>
+                                    </p:set>
+                                  </p:childTnLst>
+                                </p:cTn>
+                              </p:par>
+                              <p:par>
+                                <p:cTn id="33" presetID="1" presetClass="entr" presetSubtype="0" fill="hold" nodeType="withEffect">
+                                  <p:stCondLst>
+                                    <p:cond delay="0"/>
+                                  </p:stCondLst>
+                                  <p:childTnLst>
+                                    <p:set>
+                                      <p:cBhvr>
+                                        <p:cTn id="34" dur="1" fill="hold">
+                                          <p:stCondLst>
+                                            <p:cond delay="0"/>
+                                          </p:stCondLst>
+                                        </p:cTn>
+                                        <p:tgtEl>
+                                          <p:spTgt spid="45"/>
+                                        </p:tgtEl>
+                                        <p:attrNameLst>
+                                          <p:attrName>style.visibility</p:attrName>
+                                        </p:attrNameLst>
+                                      </p:cBhvr>
+                                      <p:to>
+                                        <p:strVal val="visible"/>
+                                      </p:to>
+                                    </p:set>
+                                  </p:childTnLst>
+                                </p:cTn>
+                              </p:par>
+                              <p:par>
+                                <p:cTn id="35" presetID="1" presetClass="entr" presetSubtype="0" fill="hold" grpId="0" nodeType="withEffect">
+                                  <p:stCondLst>
+                                    <p:cond delay="0"/>
+                                  </p:stCondLst>
+                                  <p:childTnLst>
+                                    <p:set>
+                                      <p:cBhvr>
+                                        <p:cTn id="36" dur="1" fill="hold">
+                                          <p:stCondLst>
+                                            <p:cond delay="0"/>
+                                          </p:stCondLst>
+                                        </p:cTn>
+                                        <p:tgtEl>
+                                          <p:spTgt spid="74"/>
+                                        </p:tgtEl>
+                                        <p:attrNameLst>
+                                          <p:attrName>style.visibility</p:attrName>
+                                        </p:attrNameLst>
+                                      </p:cBhvr>
+                                      <p:to>
+                                        <p:strVal val="visible"/>
+                                      </p:to>
+                                    </p:set>
+                                  </p:childTnLst>
+                                </p:cTn>
+                              </p:par>
+                              <p:par>
+                                <p:cTn id="37" presetID="1" presetClass="entr" presetSubtype="0" fill="hold" grpId="0" nodeType="withEffect">
+                                  <p:stCondLst>
+                                    <p:cond delay="0"/>
+                                  </p:stCondLst>
+                                  <p:childTnLst>
+                                    <p:set>
+                                      <p:cBhvr>
+                                        <p:cTn id="38" dur="1" fill="hold">
+                                          <p:stCondLst>
+                                            <p:cond delay="0"/>
+                                          </p:stCondLst>
+                                        </p:cTn>
+                                        <p:tgtEl>
+                                          <p:spTgt spid="75"/>
+                                        </p:tgtEl>
+                                        <p:attrNameLst>
+                                          <p:attrName>style.visibility</p:attrName>
+                                        </p:attrNameLst>
+                                      </p:cBhvr>
+                                      <p:to>
+                                        <p:strVal val="visible"/>
+                                      </p:to>
+                                    </p:set>
+                                  </p:childTnLst>
+                                </p:cTn>
+                              </p:par>
+                            </p:childTnLst>
+                          </p:cTn>
+                        </p:par>
+                      </p:childTnLst>
+                    </p:cTn>
+                  </p:par>
+                  <p:par>
+                    <p:cTn id="39" fill="hold">
+                      <p:stCondLst>
+                        <p:cond delay="indefinite"/>
+                      </p:stCondLst>
+                      <p:childTnLst>
+                        <p:par>
+                          <p:cTn id="40" fill="hold">
+                            <p:stCondLst>
+                              <p:cond delay="0"/>
+                            </p:stCondLst>
+                            <p:childTnLst>
+                              <p:par>
+                                <p:cTn id="41" presetID="1" presetClass="entr" presetSubtype="0" fill="hold" grpId="0" nodeType="clickEffect">
+                                  <p:stCondLst>
+                                    <p:cond delay="0"/>
+                                  </p:stCondLst>
+                                  <p:childTnLst>
+                                    <p:set>
+                                      <p:cBhvr>
+                                        <p:cTn id="42" dur="1" fill="hold">
+                                          <p:stCondLst>
+                                            <p:cond delay="0"/>
+                                          </p:stCondLst>
+                                        </p:cTn>
+                                        <p:tgtEl>
+                                          <p:spTgt spid="70"/>
+                                        </p:tgtEl>
+                                        <p:attrNameLst>
+                                          <p:attrName>style.visibility</p:attrName>
+                                        </p:attrNameLst>
+                                      </p:cBhvr>
+                                      <p:to>
+                                        <p:strVal val="visible"/>
+                                      </p:to>
+                                    </p:set>
+                                  </p:childTnLst>
+                                </p:cTn>
+                              </p:par>
+                              <p:par>
+                                <p:cTn id="43" presetID="1" presetClass="entr" presetSubtype="0" fill="hold" grpId="0" nodeType="withEffect">
+                                  <p:stCondLst>
+                                    <p:cond delay="0"/>
+                                  </p:stCondLst>
+                                  <p:childTnLst>
+                                    <p:set>
+                                      <p:cBhvr>
+                                        <p:cTn id="44" dur="1" fill="hold">
+                                          <p:stCondLst>
+                                            <p:cond delay="0"/>
+                                          </p:stCondLst>
+                                        </p:cTn>
+                                        <p:tgtEl>
+                                          <p:spTgt spid="72"/>
+                                        </p:tgtEl>
+                                        <p:attrNameLst>
+                                          <p:attrName>style.visibility</p:attrName>
+                                        </p:attrNameLst>
+                                      </p:cBhvr>
+                                      <p:to>
+                                        <p:strVal val="visible"/>
+                                      </p:to>
+                                    </p:set>
+                                  </p:childTnLst>
+                                </p:cTn>
+                              </p:par>
+                              <p:par>
+                                <p:cTn id="45" presetID="1" presetClass="entr" presetSubtype="0" fill="hold" grpId="0" nodeType="withEffect">
+                                  <p:stCondLst>
+                                    <p:cond delay="0"/>
+                                  </p:stCondLst>
+                                  <p:childTnLst>
+                                    <p:set>
+                                      <p:cBhvr>
+                                        <p:cTn id="46" dur="1" fill="hold">
+                                          <p:stCondLst>
+                                            <p:cond delay="0"/>
+                                          </p:stCondLst>
+                                        </p:cTn>
+                                        <p:tgtEl>
+                                          <p:spTgt spid="48"/>
                                         </p:tgtEl>
                                         <p:attrNameLst>
                                           <p:attrName>style.visibility</p:attrName>
@@ -14936,13 +16761,582 @@
       </p:par>
     </p:tnLst>
     <p:bldLst>
-      <p:bldP spid="12" grpId="0"/>
+      <p:bldP spid="48" grpId="0" animBg="1"/>
+      <p:bldP spid="3" grpId="0" animBg="1"/>
+      <p:bldP spid="13" grpId="0" animBg="1"/>
+      <p:bldP spid="70" grpId="0" animBg="1"/>
+      <p:bldP spid="72" grpId="0" animBg="1"/>
+      <p:bldP spid="75" grpId="0" animBg="1"/>
+      <p:bldP spid="74" grpId="0"/>
     </p:bldLst>
   </p:timing>
 </p:sld>
 </file>
 
 <file path=ppt/slides/slide3.xml><?xml version="1.0" encoding="utf-8"?>
+<p:sld xmlns:a="http://schemas.openxmlformats.org/drawingml/2006/main" xmlns:r="http://schemas.openxmlformats.org/officeDocument/2006/relationships" xmlns:p="http://schemas.openxmlformats.org/presentationml/2006/main">
+  <p:cSld>
+    <p:spTree>
+      <p:nvGrpSpPr>
+        <p:cNvPr id="1" name=""/>
+        <p:cNvGrpSpPr/>
+        <p:nvPr/>
+      </p:nvGrpSpPr>
+      <p:grpSpPr>
+        <a:xfrm>
+          <a:off x="0" y="0"/>
+          <a:ext cx="0" cy="0"/>
+          <a:chOff x="0" y="0"/>
+          <a:chExt cx="0" cy="0"/>
+        </a:xfrm>
+      </p:grpSpPr>
+      <p:sp>
+        <p:nvSpPr>
+          <p:cNvPr id="24" name="Title 23"/>
+          <p:cNvSpPr>
+            <a:spLocks noGrp="1"/>
+          </p:cNvSpPr>
+          <p:nvPr>
+            <p:ph type="title"/>
+          </p:nvPr>
+        </p:nvSpPr>
+        <p:spPr>
+          <a:xfrm>
+            <a:off x="504001" y="504000"/>
+            <a:ext cx="11186476" cy="369332"/>
+          </a:xfrm>
+        </p:spPr>
+        <p:txBody>
+          <a:bodyPr/>
+          <a:lstStyle/>
+          <a:p>
+            <a:r>
+              <a:rPr lang="en-US" dirty="0"/>
+              <a:t>Pods – logical hosts</a:t>
+            </a:r>
+          </a:p>
+        </p:txBody>
+      </p:sp>
+      <p:sp>
+        <p:nvSpPr>
+          <p:cNvPr id="28" name="Rectangle 27"/>
+          <p:cNvSpPr/>
+          <p:nvPr/>
+        </p:nvSpPr>
+        <p:spPr bwMode="gray">
+          <a:xfrm>
+            <a:off x="1663635" y="5707380"/>
+            <a:ext cx="5652801" cy="662940"/>
+          </a:xfrm>
+          <a:prstGeom prst="rect">
+            <a:avLst/>
+          </a:prstGeom>
+          <a:ln>
+            <a:headEnd/>
+            <a:tailEnd/>
+          </a:ln>
+        </p:spPr>
+        <p:style>
+          <a:lnRef idx="1">
+            <a:schemeClr val="accent2"/>
+          </a:lnRef>
+          <a:fillRef idx="2">
+            <a:schemeClr val="accent2"/>
+          </a:fillRef>
+          <a:effectRef idx="1">
+            <a:schemeClr val="accent2"/>
+          </a:effectRef>
+          <a:fontRef idx="minor">
+            <a:schemeClr val="dk1"/>
+          </a:fontRef>
+        </p:style>
+        <p:txBody>
+          <a:bodyPr lIns="90000" tIns="72000" rIns="90000" bIns="72000" rtlCol="0" anchor="t"/>
+          <a:lstStyle/>
+          <a:p>
+            <a:pPr algn="ctr" defTabSz="914400" fontAlgn="base">
+              <a:spcBef>
+                <a:spcPct val="50000"/>
+              </a:spcBef>
+              <a:spcAft>
+                <a:spcPct val="0"/>
+              </a:spcAft>
+              <a:buClr>
+                <a:srgbClr val="F0AB00"/>
+              </a:buClr>
+              <a:buSzPct val="80000"/>
+            </a:pPr>
+            <a:r>
+              <a:rPr lang="de-DE" sz="2400" b="1" kern="0" dirty="0" err="1">
+                <a:ea typeface="Arial Unicode MS" pitchFamily="34" charset="-128"/>
+                <a:cs typeface="Arial Unicode MS" pitchFamily="34" charset="-128"/>
+              </a:rPr>
+              <a:t>Node</a:t>
+            </a:r>
+            <a:endParaRPr lang="de-DE" sz="2400" b="1" kern="0" dirty="0">
+              <a:ea typeface="Arial Unicode MS" pitchFamily="34" charset="-128"/>
+              <a:cs typeface="Arial Unicode MS" pitchFamily="34" charset="-128"/>
+            </a:endParaRPr>
+          </a:p>
+        </p:txBody>
+      </p:sp>
+      <p:pic>
+        <p:nvPicPr>
+          <p:cNvPr id="25" name="Picture 24">
+            <a:extLst>
+              <a:ext uri="{FF2B5EF4-FFF2-40B4-BE49-F238E27FC236}">
+                <a16:creationId xmlns:a16="http://schemas.microsoft.com/office/drawing/2014/main" id="{950F6B9E-7ECA-4E2E-90FC-81D7CD017235}"/>
+              </a:ext>
+            </a:extLst>
+          </p:cNvPr>
+          <p:cNvPicPr>
+            <a:picLocks noChangeAspect="1"/>
+          </p:cNvPicPr>
+          <p:nvPr/>
+        </p:nvPicPr>
+        <p:blipFill>
+          <a:blip r:embed="rId3"/>
+          <a:stretch>
+            <a:fillRect/>
+          </a:stretch>
+        </p:blipFill>
+        <p:spPr>
+          <a:xfrm>
+            <a:off x="1783491" y="1842476"/>
+            <a:ext cx="5532945" cy="3511527"/>
+          </a:xfrm>
+          <a:prstGeom prst="rect">
+            <a:avLst/>
+          </a:prstGeom>
+        </p:spPr>
+      </p:pic>
+      <p:sp>
+        <p:nvSpPr>
+          <p:cNvPr id="2" name="Rectangle 1"/>
+          <p:cNvSpPr/>
+          <p:nvPr/>
+        </p:nvSpPr>
+        <p:spPr bwMode="gray">
+          <a:xfrm>
+            <a:off x="5091238" y="2385052"/>
+            <a:ext cx="1645920" cy="365760"/>
+          </a:xfrm>
+          <a:prstGeom prst="rect">
+            <a:avLst/>
+          </a:prstGeom>
+          <a:ln>
+            <a:headEnd/>
+            <a:tailEnd/>
+          </a:ln>
+        </p:spPr>
+        <p:style>
+          <a:lnRef idx="2">
+            <a:schemeClr val="accent2"/>
+          </a:lnRef>
+          <a:fillRef idx="1">
+            <a:schemeClr val="lt1"/>
+          </a:fillRef>
+          <a:effectRef idx="0">
+            <a:schemeClr val="accent2"/>
+          </a:effectRef>
+          <a:fontRef idx="minor">
+            <a:schemeClr val="dk1"/>
+          </a:fontRef>
+        </p:style>
+        <p:txBody>
+          <a:bodyPr lIns="90000" tIns="72000" rIns="90000" bIns="72000" rtlCol="0" anchor="ctr"/>
+          <a:lstStyle/>
+          <a:p>
+            <a:pPr marR="0" algn="ctr" defTabSz="914400" eaLnBrk="1" fontAlgn="base" latinLnBrk="0" hangingPunct="1">
+              <a:lnSpc>
+                <a:spcPct val="100000"/>
+              </a:lnSpc>
+              <a:spcBef>
+                <a:spcPct val="50000"/>
+              </a:spcBef>
+              <a:spcAft>
+                <a:spcPct val="0"/>
+              </a:spcAft>
+              <a:buClr>
+                <a:srgbClr val="F0AB00"/>
+              </a:buClr>
+              <a:buSzPct val="80000"/>
+              <a:tabLst/>
+            </a:pPr>
+            <a:r>
+              <a:rPr kumimoji="0" lang="de-DE" sz="1800" b="0" i="0" u="none" strike="noStrike" kern="0" cap="none" spc="0" normalizeH="0" baseline="0" noProof="0" dirty="0">
+                <a:ln>
+                  <a:noFill/>
+                </a:ln>
+                <a:effectLst/>
+                <a:uLnTx/>
+                <a:uFillTx/>
+                <a:ea typeface="Arial Unicode MS" pitchFamily="34" charset="-128"/>
+                <a:cs typeface="Arial Unicode MS" pitchFamily="34" charset="-128"/>
+              </a:rPr>
+              <a:t>IP: 10.10.10.1</a:t>
+            </a:r>
+          </a:p>
+        </p:txBody>
+      </p:sp>
+      <p:sp>
+        <p:nvSpPr>
+          <p:cNvPr id="26" name="Speech Bubble: Rectangle 25">
+            <a:extLst>
+              <a:ext uri="{FF2B5EF4-FFF2-40B4-BE49-F238E27FC236}">
+                <a16:creationId xmlns:a16="http://schemas.microsoft.com/office/drawing/2014/main" id="{20281DC0-01F2-4162-A183-3B37D61D7149}"/>
+              </a:ext>
+            </a:extLst>
+          </p:cNvPr>
+          <p:cNvSpPr/>
+          <p:nvPr/>
+        </p:nvSpPr>
+        <p:spPr bwMode="gray">
+          <a:xfrm>
+            <a:off x="504001" y="1254832"/>
+            <a:ext cx="3008446" cy="648436"/>
+          </a:xfrm>
+          <a:prstGeom prst="wedgeRectCallout">
+            <a:avLst>
+              <a:gd name="adj1" fmla="val 54047"/>
+              <a:gd name="adj2" fmla="val 157841"/>
+            </a:avLst>
+          </a:prstGeom>
+          <a:ln>
+            <a:headEnd/>
+            <a:tailEnd/>
+          </a:ln>
+        </p:spPr>
+        <p:style>
+          <a:lnRef idx="2">
+            <a:schemeClr val="accent5"/>
+          </a:lnRef>
+          <a:fillRef idx="1">
+            <a:schemeClr val="lt1"/>
+          </a:fillRef>
+          <a:effectRef idx="0">
+            <a:schemeClr val="accent5"/>
+          </a:effectRef>
+          <a:fontRef idx="minor">
+            <a:schemeClr val="dk1"/>
+          </a:fontRef>
+        </p:style>
+        <p:txBody>
+          <a:bodyPr lIns="90000" tIns="72000" rIns="90000" bIns="72000" rtlCol="0" anchor="ctr"/>
+          <a:lstStyle/>
+          <a:p>
+            <a:pPr marR="0" algn="ctr" defTabSz="914400" eaLnBrk="1" fontAlgn="base" latinLnBrk="0" hangingPunct="1">
+              <a:lnSpc>
+                <a:spcPct val="100000"/>
+              </a:lnSpc>
+              <a:spcBef>
+                <a:spcPct val="50000"/>
+              </a:spcBef>
+              <a:spcAft>
+                <a:spcPct val="0"/>
+              </a:spcAft>
+              <a:buClr>
+                <a:srgbClr val="F0AB00"/>
+              </a:buClr>
+              <a:buSzPct val="80000"/>
+              <a:tabLst/>
+            </a:pPr>
+            <a:r>
+              <a:rPr lang="en-US" sz="1800" kern="0" dirty="0">
+                <a:ea typeface="Arial Unicode MS" pitchFamily="34" charset="-128"/>
+                <a:cs typeface="Arial Unicode MS" pitchFamily="34" charset="-128"/>
+              </a:rPr>
+              <a:t>Pods logical constructs introduced by K8s</a:t>
+            </a:r>
+            <a:endParaRPr kumimoji="0" lang="en-US" sz="1800" b="0" i="0" u="none" strike="noStrike" kern="0" cap="none" spc="0" normalizeH="0" baseline="0" noProof="0" dirty="0" err="1">
+              <a:ln>
+                <a:noFill/>
+              </a:ln>
+              <a:effectLst/>
+              <a:uLnTx/>
+              <a:uFillTx/>
+              <a:ea typeface="Arial Unicode MS" pitchFamily="34" charset="-128"/>
+              <a:cs typeface="Arial Unicode MS" pitchFamily="34" charset="-128"/>
+            </a:endParaRPr>
+          </a:p>
+        </p:txBody>
+      </p:sp>
+      <p:sp>
+        <p:nvSpPr>
+          <p:cNvPr id="27" name="Speech Bubble: Rectangle 26">
+            <a:extLst>
+              <a:ext uri="{FF2B5EF4-FFF2-40B4-BE49-F238E27FC236}">
+                <a16:creationId xmlns:a16="http://schemas.microsoft.com/office/drawing/2014/main" id="{6FC65C12-31FC-482D-89AC-54BF317A81AF}"/>
+              </a:ext>
+            </a:extLst>
+          </p:cNvPr>
+          <p:cNvSpPr/>
+          <p:nvPr/>
+        </p:nvSpPr>
+        <p:spPr bwMode="gray">
+          <a:xfrm>
+            <a:off x="7892768" y="5481438"/>
+            <a:ext cx="3164111" cy="811931"/>
+          </a:xfrm>
+          <a:prstGeom prst="wedgeRectCallout">
+            <a:avLst>
+              <a:gd name="adj1" fmla="val -83985"/>
+              <a:gd name="adj2" fmla="val 19918"/>
+            </a:avLst>
+          </a:prstGeom>
+          <a:ln>
+            <a:headEnd/>
+            <a:tailEnd/>
+          </a:ln>
+        </p:spPr>
+        <p:style>
+          <a:lnRef idx="2">
+            <a:schemeClr val="accent5"/>
+          </a:lnRef>
+          <a:fillRef idx="1">
+            <a:schemeClr val="lt1"/>
+          </a:fillRef>
+          <a:effectRef idx="0">
+            <a:schemeClr val="accent5"/>
+          </a:effectRef>
+          <a:fontRef idx="minor">
+            <a:schemeClr val="dk1"/>
+          </a:fontRef>
+        </p:style>
+        <p:txBody>
+          <a:bodyPr lIns="90000" tIns="72000" rIns="90000" bIns="72000" rtlCol="0" anchor="ctr"/>
+          <a:lstStyle/>
+          <a:p>
+            <a:pPr marR="0" algn="ctr" defTabSz="914400" eaLnBrk="1" fontAlgn="base" latinLnBrk="0" hangingPunct="1">
+              <a:lnSpc>
+                <a:spcPct val="100000"/>
+              </a:lnSpc>
+              <a:spcBef>
+                <a:spcPct val="50000"/>
+              </a:spcBef>
+              <a:spcAft>
+                <a:spcPct val="0"/>
+              </a:spcAft>
+              <a:buClr>
+                <a:srgbClr val="F0AB00"/>
+              </a:buClr>
+              <a:buSzPct val="80000"/>
+              <a:tabLst/>
+            </a:pPr>
+            <a:r>
+              <a:rPr kumimoji="0" lang="en-US" sz="1800" b="0" i="0" u="none" strike="noStrike" kern="0" cap="none" spc="0" normalizeH="0" baseline="0" noProof="0" dirty="0">
+                <a:ln>
+                  <a:noFill/>
+                </a:ln>
+                <a:effectLst/>
+                <a:uLnTx/>
+                <a:uFillTx/>
+                <a:ea typeface="Arial Unicode MS" pitchFamily="34" charset="-128"/>
+                <a:cs typeface="Arial Unicode MS" pitchFamily="34" charset="-128"/>
+              </a:rPr>
+              <a:t>Container </a:t>
+            </a:r>
+            <a:r>
+              <a:rPr lang="en-US" sz="1800" kern="0" dirty="0">
+                <a:ea typeface="Arial Unicode MS" pitchFamily="34" charset="-128"/>
+                <a:cs typeface="Arial Unicode MS" pitchFamily="34" charset="-128"/>
+              </a:rPr>
+              <a:t>processes</a:t>
+            </a:r>
+            <a:r>
+              <a:rPr kumimoji="0" lang="en-US" sz="1800" b="0" i="0" u="none" strike="noStrike" kern="0" cap="none" spc="0" normalizeH="0" baseline="0" noProof="0" dirty="0">
+                <a:ln>
+                  <a:noFill/>
+                </a:ln>
+                <a:effectLst/>
+                <a:uLnTx/>
+                <a:uFillTx/>
+                <a:ea typeface="Arial Unicode MS" pitchFamily="34" charset="-128"/>
+                <a:cs typeface="Arial Unicode MS" pitchFamily="34" charset="-128"/>
+              </a:rPr>
+              <a:t> run on a node</a:t>
+            </a:r>
+          </a:p>
+        </p:txBody>
+      </p:sp>
+      <p:sp>
+        <p:nvSpPr>
+          <p:cNvPr id="31" name="Speech Bubble: Rectangle 30">
+            <a:extLst>
+              <a:ext uri="{FF2B5EF4-FFF2-40B4-BE49-F238E27FC236}">
+                <a16:creationId xmlns:a16="http://schemas.microsoft.com/office/drawing/2014/main" id="{982F641C-A098-47BB-9CC4-EA6F57ADE3E1}"/>
+              </a:ext>
+            </a:extLst>
+          </p:cNvPr>
+          <p:cNvSpPr/>
+          <p:nvPr/>
+        </p:nvSpPr>
+        <p:spPr bwMode="gray">
+          <a:xfrm>
+            <a:off x="7892768" y="2426594"/>
+            <a:ext cx="3164110" cy="648436"/>
+          </a:xfrm>
+          <a:prstGeom prst="wedgeRectCallout">
+            <a:avLst>
+              <a:gd name="adj1" fmla="val -68230"/>
+              <a:gd name="adj2" fmla="val -103120"/>
+            </a:avLst>
+          </a:prstGeom>
+          <a:ln>
+            <a:headEnd/>
+            <a:tailEnd/>
+          </a:ln>
+        </p:spPr>
+        <p:style>
+          <a:lnRef idx="2">
+            <a:schemeClr val="accent5"/>
+          </a:lnRef>
+          <a:fillRef idx="1">
+            <a:schemeClr val="lt1"/>
+          </a:fillRef>
+          <a:effectRef idx="0">
+            <a:schemeClr val="accent5"/>
+          </a:effectRef>
+          <a:fontRef idx="minor">
+            <a:schemeClr val="dk1"/>
+          </a:fontRef>
+        </p:style>
+        <p:txBody>
+          <a:bodyPr lIns="90000" tIns="72000" rIns="90000" bIns="72000" rtlCol="0" anchor="ctr"/>
+          <a:lstStyle/>
+          <a:p>
+            <a:pPr marR="0" algn="ctr" defTabSz="914400" eaLnBrk="1" fontAlgn="base" latinLnBrk="0" hangingPunct="1">
+              <a:lnSpc>
+                <a:spcPct val="100000"/>
+              </a:lnSpc>
+              <a:spcBef>
+                <a:spcPct val="50000"/>
+              </a:spcBef>
+              <a:spcAft>
+                <a:spcPct val="0"/>
+              </a:spcAft>
+              <a:buClr>
+                <a:srgbClr val="F0AB00"/>
+              </a:buClr>
+              <a:buSzPct val="80000"/>
+              <a:tabLst/>
+            </a:pPr>
+            <a:r>
+              <a:rPr lang="en-US" sz="1800" kern="0" dirty="0">
+                <a:ea typeface="Arial Unicode MS" pitchFamily="34" charset="-128"/>
+                <a:cs typeface="Arial Unicode MS" pitchFamily="34" charset="-128"/>
+              </a:rPr>
+              <a:t>Container in a pod share network &amp; storage</a:t>
+            </a:r>
+            <a:endParaRPr kumimoji="0" lang="en-US" sz="1800" b="0" i="0" u="none" strike="noStrike" kern="0" cap="none" spc="0" normalizeH="0" baseline="0" noProof="0" dirty="0" err="1">
+              <a:ln>
+                <a:noFill/>
+              </a:ln>
+              <a:effectLst/>
+              <a:uLnTx/>
+              <a:uFillTx/>
+              <a:ea typeface="Arial Unicode MS" pitchFamily="34" charset="-128"/>
+              <a:cs typeface="Arial Unicode MS" pitchFamily="34" charset="-128"/>
+            </a:endParaRPr>
+          </a:p>
+        </p:txBody>
+      </p:sp>
+      <p:sp>
+        <p:nvSpPr>
+          <p:cNvPr id="33" name="Speech Bubble: Rectangle 32">
+            <a:extLst>
+              <a:ext uri="{FF2B5EF4-FFF2-40B4-BE49-F238E27FC236}">
+                <a16:creationId xmlns:a16="http://schemas.microsoft.com/office/drawing/2014/main" id="{BE5A964C-6A85-408B-BDBD-62D19CD8B0CD}"/>
+              </a:ext>
+            </a:extLst>
+          </p:cNvPr>
+          <p:cNvSpPr/>
+          <p:nvPr/>
+        </p:nvSpPr>
+        <p:spPr bwMode="gray">
+          <a:xfrm>
+            <a:off x="7892768" y="4628292"/>
+            <a:ext cx="3164110" cy="648436"/>
+          </a:xfrm>
+          <a:prstGeom prst="wedgeRectCallout">
+            <a:avLst>
+              <a:gd name="adj1" fmla="val -72772"/>
+              <a:gd name="adj2" fmla="val 21688"/>
+            </a:avLst>
+          </a:prstGeom>
+          <a:ln>
+            <a:headEnd/>
+            <a:tailEnd/>
+          </a:ln>
+        </p:spPr>
+        <p:style>
+          <a:lnRef idx="2">
+            <a:schemeClr val="accent5"/>
+          </a:lnRef>
+          <a:fillRef idx="1">
+            <a:schemeClr val="lt1"/>
+          </a:fillRef>
+          <a:effectRef idx="0">
+            <a:schemeClr val="accent5"/>
+          </a:effectRef>
+          <a:fontRef idx="minor">
+            <a:schemeClr val="dk1"/>
+          </a:fontRef>
+        </p:style>
+        <p:txBody>
+          <a:bodyPr lIns="90000" tIns="72000" rIns="90000" bIns="72000" rtlCol="0" anchor="ctr"/>
+          <a:lstStyle/>
+          <a:p>
+            <a:pPr marR="0" algn="ctr" defTabSz="914400" eaLnBrk="1" fontAlgn="base" latinLnBrk="0" hangingPunct="1">
+              <a:lnSpc>
+                <a:spcPct val="100000"/>
+              </a:lnSpc>
+              <a:spcBef>
+                <a:spcPct val="50000"/>
+              </a:spcBef>
+              <a:spcAft>
+                <a:spcPct val="0"/>
+              </a:spcAft>
+              <a:buClr>
+                <a:srgbClr val="F0AB00"/>
+              </a:buClr>
+              <a:buSzPct val="80000"/>
+              <a:tabLst/>
+            </a:pPr>
+            <a:r>
+              <a:rPr lang="en-US" sz="1800" kern="0" dirty="0">
+                <a:ea typeface="Arial Unicode MS" pitchFamily="34" charset="-128"/>
+                <a:cs typeface="Arial Unicode MS" pitchFamily="34" charset="-128"/>
+              </a:rPr>
+              <a:t>All containers of a pod run on the same node</a:t>
+            </a:r>
+            <a:endParaRPr kumimoji="0" lang="en-US" sz="1800" b="0" i="0" u="none" strike="noStrike" kern="0" cap="none" spc="0" normalizeH="0" baseline="0" noProof="0" dirty="0" err="1">
+              <a:ln>
+                <a:noFill/>
+              </a:ln>
+              <a:effectLst/>
+              <a:uLnTx/>
+              <a:uFillTx/>
+              <a:ea typeface="Arial Unicode MS" pitchFamily="34" charset="-128"/>
+              <a:cs typeface="Arial Unicode MS" pitchFamily="34" charset="-128"/>
+            </a:endParaRPr>
+          </a:p>
+        </p:txBody>
+      </p:sp>
+    </p:spTree>
+    <p:extLst>
+      <p:ext uri="{BB962C8B-B14F-4D97-AF65-F5344CB8AC3E}">
+        <p14:creationId xmlns:p14="http://schemas.microsoft.com/office/powerpoint/2010/main" val="2466337739"/>
+      </p:ext>
+    </p:extLst>
+  </p:cSld>
+  <p:clrMapOvr>
+    <a:masterClrMapping/>
+  </p:clrMapOvr>
+</p:sld>
+</file>
+
+<file path=ppt/slides/slide4.xml><?xml version="1.0" encoding="utf-8"?>
 <p:sld xmlns:a="http://schemas.openxmlformats.org/drawingml/2006/main" xmlns:r="http://schemas.openxmlformats.org/officeDocument/2006/relationships" xmlns:p="http://schemas.openxmlformats.org/presentationml/2006/main" show="0">
   <p:cSld>
     <p:spTree>
@@ -15120,2023 +17514,7 @@
 </p:sld>
 </file>
 
-<file path=ppt/slides/slide4.xml><?xml version="1.0" encoding="utf-8"?>
-<p:sld xmlns:a="http://schemas.openxmlformats.org/drawingml/2006/main" xmlns:r="http://schemas.openxmlformats.org/officeDocument/2006/relationships" xmlns:p="http://schemas.openxmlformats.org/presentationml/2006/main">
-  <p:cSld>
-    <p:spTree>
-      <p:nvGrpSpPr>
-        <p:cNvPr id="1" name=""/>
-        <p:cNvGrpSpPr/>
-        <p:nvPr/>
-      </p:nvGrpSpPr>
-      <p:grpSpPr>
-        <a:xfrm>
-          <a:off x="0" y="0"/>
-          <a:ext cx="0" cy="0"/>
-          <a:chOff x="0" y="0"/>
-          <a:chExt cx="0" cy="0"/>
-        </a:xfrm>
-      </p:grpSpPr>
-      <p:sp>
-        <p:nvSpPr>
-          <p:cNvPr id="24" name="Title 23"/>
-          <p:cNvSpPr>
-            <a:spLocks noGrp="1"/>
-          </p:cNvSpPr>
-          <p:nvPr>
-            <p:ph type="title"/>
-          </p:nvPr>
-        </p:nvSpPr>
-        <p:spPr>
-          <a:xfrm>
-            <a:off x="504001" y="504000"/>
-            <a:ext cx="11186476" cy="369332"/>
-          </a:xfrm>
-        </p:spPr>
-        <p:txBody>
-          <a:bodyPr/>
-          <a:lstStyle/>
-          <a:p>
-            <a:r>
-              <a:rPr lang="en-US" dirty="0"/>
-              <a:t>Pods – logical hosts</a:t>
-            </a:r>
-          </a:p>
-        </p:txBody>
-      </p:sp>
-      <p:sp>
-        <p:nvSpPr>
-          <p:cNvPr id="28" name="Rectangle 27"/>
-          <p:cNvSpPr/>
-          <p:nvPr/>
-        </p:nvSpPr>
-        <p:spPr bwMode="gray">
-          <a:xfrm>
-            <a:off x="444438" y="5707380"/>
-            <a:ext cx="11246039" cy="662940"/>
-          </a:xfrm>
-          <a:prstGeom prst="rect">
-            <a:avLst/>
-          </a:prstGeom>
-          <a:ln>
-            <a:headEnd/>
-            <a:tailEnd/>
-          </a:ln>
-        </p:spPr>
-        <p:style>
-          <a:lnRef idx="1">
-            <a:schemeClr val="accent2"/>
-          </a:lnRef>
-          <a:fillRef idx="2">
-            <a:schemeClr val="accent2"/>
-          </a:fillRef>
-          <a:effectRef idx="1">
-            <a:schemeClr val="accent2"/>
-          </a:effectRef>
-          <a:fontRef idx="minor">
-            <a:schemeClr val="dk1"/>
-          </a:fontRef>
-        </p:style>
-        <p:txBody>
-          <a:bodyPr lIns="90000" tIns="72000" rIns="90000" bIns="72000" rtlCol="0" anchor="t"/>
-          <a:lstStyle/>
-          <a:p>
-            <a:pPr algn="ctr" defTabSz="914400" fontAlgn="base">
-              <a:spcBef>
-                <a:spcPct val="50000"/>
-              </a:spcBef>
-              <a:spcAft>
-                <a:spcPct val="0"/>
-              </a:spcAft>
-              <a:buClr>
-                <a:srgbClr val="F0AB00"/>
-              </a:buClr>
-              <a:buSzPct val="80000"/>
-            </a:pPr>
-            <a:r>
-              <a:rPr lang="de-DE" sz="2400" b="1" kern="0" dirty="0" err="1">
-                <a:ea typeface="Arial Unicode MS" pitchFamily="34" charset="-128"/>
-                <a:cs typeface="Arial Unicode MS" pitchFamily="34" charset="-128"/>
-              </a:rPr>
-              <a:t>Node</a:t>
-            </a:r>
-            <a:endParaRPr lang="de-DE" sz="2400" b="1" kern="0" dirty="0">
-              <a:ea typeface="Arial Unicode MS" pitchFamily="34" charset="-128"/>
-              <a:cs typeface="Arial Unicode MS" pitchFamily="34" charset="-128"/>
-            </a:endParaRPr>
-          </a:p>
-        </p:txBody>
-      </p:sp>
-      <p:sp>
-        <p:nvSpPr>
-          <p:cNvPr id="42" name="Rectangle 41"/>
-          <p:cNvSpPr/>
-          <p:nvPr/>
-        </p:nvSpPr>
-        <p:spPr bwMode="gray">
-          <a:xfrm>
-            <a:off x="784338" y="1933108"/>
-            <a:ext cx="5032722" cy="3141422"/>
-          </a:xfrm>
-          <a:prstGeom prst="rect">
-            <a:avLst/>
-          </a:prstGeom>
-          <a:solidFill>
-            <a:schemeClr val="bg1">
-              <a:lumMod val="85000"/>
-            </a:schemeClr>
-          </a:solidFill>
-          <a:ln>
-            <a:headEnd/>
-            <a:tailEnd/>
-          </a:ln>
-        </p:spPr>
-        <p:style>
-          <a:lnRef idx="2">
-            <a:schemeClr val="accent2">
-              <a:shade val="50000"/>
-            </a:schemeClr>
-          </a:lnRef>
-          <a:fillRef idx="1">
-            <a:schemeClr val="accent2"/>
-          </a:fillRef>
-          <a:effectRef idx="0">
-            <a:schemeClr val="accent2"/>
-          </a:effectRef>
-          <a:fontRef idx="minor">
-            <a:schemeClr val="lt1"/>
-          </a:fontRef>
-        </p:style>
-        <p:txBody>
-          <a:bodyPr lIns="90000" tIns="72000" rIns="90000" bIns="72000" rtlCol="0" anchor="t"/>
-          <a:lstStyle/>
-          <a:p>
-            <a:pPr marR="0" algn="ctr" defTabSz="914400" eaLnBrk="1" fontAlgn="base" latinLnBrk="0" hangingPunct="1">
-              <a:lnSpc>
-                <a:spcPct val="100000"/>
-              </a:lnSpc>
-              <a:spcBef>
-                <a:spcPct val="50000"/>
-              </a:spcBef>
-              <a:spcAft>
-                <a:spcPct val="0"/>
-              </a:spcAft>
-              <a:buClr>
-                <a:srgbClr val="F0AB00"/>
-              </a:buClr>
-              <a:buSzPct val="80000"/>
-              <a:tabLst/>
-            </a:pPr>
-            <a:r>
-              <a:rPr lang="de-DE" sz="1600" b="1" kern="0" noProof="0" dirty="0" err="1">
-                <a:solidFill>
-                  <a:sysClr val="windowText" lastClr="000000"/>
-                </a:solidFill>
-                <a:ea typeface="Arial Unicode MS" pitchFamily="34" charset="-128"/>
-                <a:cs typeface="Arial Unicode MS" pitchFamily="34" charset="-128"/>
-              </a:rPr>
-              <a:t>Pod</a:t>
-            </a:r>
-            <a:r>
-              <a:rPr lang="de-DE" sz="1600" b="1" kern="0" noProof="0" dirty="0">
-                <a:solidFill>
-                  <a:sysClr val="windowText" lastClr="000000"/>
-                </a:solidFill>
-                <a:ea typeface="Arial Unicode MS" pitchFamily="34" charset="-128"/>
-                <a:cs typeface="Arial Unicode MS" pitchFamily="34" charset="-128"/>
-              </a:rPr>
-              <a:t>-A</a:t>
-            </a:r>
-            <a:endParaRPr kumimoji="0" lang="de-DE" sz="1600" b="1" i="0" u="none" strike="noStrike" kern="0" cap="none" spc="0" normalizeH="0" baseline="0" noProof="0" dirty="0">
-              <a:ln>
-                <a:noFill/>
-              </a:ln>
-              <a:solidFill>
-                <a:sysClr val="windowText" lastClr="000000"/>
-              </a:solidFill>
-              <a:effectLst/>
-              <a:uLnTx/>
-              <a:uFillTx/>
-              <a:ea typeface="Arial Unicode MS" pitchFamily="34" charset="-128"/>
-              <a:cs typeface="Arial Unicode MS" pitchFamily="34" charset="-128"/>
-            </a:endParaRPr>
-          </a:p>
-        </p:txBody>
-      </p:sp>
-      <p:sp>
-        <p:nvSpPr>
-          <p:cNvPr id="2" name="Rectangle 1"/>
-          <p:cNvSpPr/>
-          <p:nvPr/>
-        </p:nvSpPr>
-        <p:spPr bwMode="gray">
-          <a:xfrm>
-            <a:off x="612600" y="1811188"/>
-            <a:ext cx="1645920" cy="365760"/>
-          </a:xfrm>
-          <a:prstGeom prst="rect">
-            <a:avLst/>
-          </a:prstGeom>
-          <a:ln>
-            <a:headEnd/>
-            <a:tailEnd/>
-          </a:ln>
-        </p:spPr>
-        <p:style>
-          <a:lnRef idx="2">
-            <a:schemeClr val="accent2"/>
-          </a:lnRef>
-          <a:fillRef idx="1">
-            <a:schemeClr val="lt1"/>
-          </a:fillRef>
-          <a:effectRef idx="0">
-            <a:schemeClr val="accent2"/>
-          </a:effectRef>
-          <a:fontRef idx="minor">
-            <a:schemeClr val="dk1"/>
-          </a:fontRef>
-        </p:style>
-        <p:txBody>
-          <a:bodyPr lIns="90000" tIns="72000" rIns="90000" bIns="72000" rtlCol="0" anchor="ctr"/>
-          <a:lstStyle/>
-          <a:p>
-            <a:pPr marR="0" algn="ctr" defTabSz="914400" eaLnBrk="1" fontAlgn="base" latinLnBrk="0" hangingPunct="1">
-              <a:lnSpc>
-                <a:spcPct val="100000"/>
-              </a:lnSpc>
-              <a:spcBef>
-                <a:spcPct val="50000"/>
-              </a:spcBef>
-              <a:spcAft>
-                <a:spcPct val="0"/>
-              </a:spcAft>
-              <a:buClr>
-                <a:srgbClr val="F0AB00"/>
-              </a:buClr>
-              <a:buSzPct val="80000"/>
-              <a:tabLst/>
-            </a:pPr>
-            <a:r>
-              <a:rPr kumimoji="0" lang="de-DE" sz="1800" b="0" i="0" u="none" strike="noStrike" kern="0" cap="none" spc="0" normalizeH="0" baseline="0" noProof="0" dirty="0">
-                <a:ln>
-                  <a:noFill/>
-                </a:ln>
-                <a:effectLst/>
-                <a:uLnTx/>
-                <a:uFillTx/>
-                <a:ea typeface="Arial Unicode MS" pitchFamily="34" charset="-128"/>
-                <a:cs typeface="Arial Unicode MS" pitchFamily="34" charset="-128"/>
-              </a:rPr>
-              <a:t>IP: 10.10.10.1</a:t>
-            </a:r>
-          </a:p>
-        </p:txBody>
-      </p:sp>
-      <p:sp>
-        <p:nvSpPr>
-          <p:cNvPr id="3" name="Cylinder 2"/>
-          <p:cNvSpPr/>
-          <p:nvPr/>
-        </p:nvSpPr>
-        <p:spPr bwMode="gray">
-          <a:xfrm>
-            <a:off x="2801588" y="3816003"/>
-            <a:ext cx="998220" cy="1004248"/>
-          </a:xfrm>
-          <a:prstGeom prst="can">
-            <a:avLst/>
-          </a:prstGeom>
-          <a:ln>
-            <a:headEnd/>
-            <a:tailEnd/>
-          </a:ln>
-        </p:spPr>
-        <p:style>
-          <a:lnRef idx="2">
-            <a:schemeClr val="accent2"/>
-          </a:lnRef>
-          <a:fillRef idx="1">
-            <a:schemeClr val="lt1"/>
-          </a:fillRef>
-          <a:effectRef idx="0">
-            <a:schemeClr val="accent2"/>
-          </a:effectRef>
-          <a:fontRef idx="minor">
-            <a:schemeClr val="dk1"/>
-          </a:fontRef>
-        </p:style>
-        <p:txBody>
-          <a:bodyPr lIns="90000" tIns="72000" rIns="90000" bIns="72000" rtlCol="0" anchor="ctr"/>
-          <a:lstStyle/>
-          <a:p>
-            <a:pPr marR="0" algn="ctr" defTabSz="914400" eaLnBrk="1" fontAlgn="base" latinLnBrk="0" hangingPunct="1">
-              <a:lnSpc>
-                <a:spcPct val="100000"/>
-              </a:lnSpc>
-              <a:spcBef>
-                <a:spcPct val="50000"/>
-              </a:spcBef>
-              <a:spcAft>
-                <a:spcPct val="0"/>
-              </a:spcAft>
-              <a:buClr>
-                <a:srgbClr val="F0AB00"/>
-              </a:buClr>
-              <a:buSzPct val="80000"/>
-              <a:tabLst/>
-            </a:pPr>
-            <a:r>
-              <a:rPr kumimoji="0" lang="de-DE" sz="1800" b="0" i="0" u="none" strike="noStrike" kern="0" cap="none" spc="0" normalizeH="0" baseline="0" noProof="0" dirty="0" err="1">
-                <a:ln>
-                  <a:noFill/>
-                </a:ln>
-                <a:effectLst/>
-                <a:uLnTx/>
-                <a:uFillTx/>
-                <a:ea typeface="Arial Unicode MS" pitchFamily="34" charset="-128"/>
-                <a:cs typeface="Arial Unicode MS" pitchFamily="34" charset="-128"/>
-              </a:rPr>
-              <a:t>volume</a:t>
-            </a:r>
-            <a:endParaRPr kumimoji="0" lang="de-DE" sz="1800" b="0" i="0" u="none" strike="noStrike" kern="0" cap="none" spc="0" normalizeH="0" baseline="0" noProof="0" dirty="0">
-              <a:ln>
-                <a:noFill/>
-              </a:ln>
-              <a:effectLst/>
-              <a:uLnTx/>
-              <a:uFillTx/>
-              <a:ea typeface="Arial Unicode MS" pitchFamily="34" charset="-128"/>
-              <a:cs typeface="Arial Unicode MS" pitchFamily="34" charset="-128"/>
-            </a:endParaRPr>
-          </a:p>
-        </p:txBody>
-      </p:sp>
-      <p:sp>
-        <p:nvSpPr>
-          <p:cNvPr id="18" name="Rectangle 17"/>
-          <p:cNvSpPr/>
-          <p:nvPr/>
-        </p:nvSpPr>
-        <p:spPr bwMode="gray">
-          <a:xfrm>
-            <a:off x="6328698" y="1933108"/>
-            <a:ext cx="5032722" cy="3141422"/>
-          </a:xfrm>
-          <a:prstGeom prst="rect">
-            <a:avLst/>
-          </a:prstGeom>
-          <a:solidFill>
-            <a:schemeClr val="bg1">
-              <a:lumMod val="85000"/>
-            </a:schemeClr>
-          </a:solidFill>
-          <a:ln>
-            <a:headEnd/>
-            <a:tailEnd/>
-          </a:ln>
-        </p:spPr>
-        <p:style>
-          <a:lnRef idx="2">
-            <a:schemeClr val="accent2">
-              <a:shade val="50000"/>
-            </a:schemeClr>
-          </a:lnRef>
-          <a:fillRef idx="1">
-            <a:schemeClr val="accent2"/>
-          </a:fillRef>
-          <a:effectRef idx="0">
-            <a:schemeClr val="accent2"/>
-          </a:effectRef>
-          <a:fontRef idx="minor">
-            <a:schemeClr val="lt1"/>
-          </a:fontRef>
-        </p:style>
-        <p:txBody>
-          <a:bodyPr lIns="90000" tIns="72000" rIns="90000" bIns="72000" rtlCol="0" anchor="t"/>
-          <a:lstStyle/>
-          <a:p>
-            <a:pPr marR="0" algn="ctr" defTabSz="914400" eaLnBrk="1" fontAlgn="base" latinLnBrk="0" hangingPunct="1">
-              <a:lnSpc>
-                <a:spcPct val="100000"/>
-              </a:lnSpc>
-              <a:spcBef>
-                <a:spcPct val="50000"/>
-              </a:spcBef>
-              <a:spcAft>
-                <a:spcPct val="0"/>
-              </a:spcAft>
-              <a:buClr>
-                <a:srgbClr val="F0AB00"/>
-              </a:buClr>
-              <a:buSzPct val="80000"/>
-              <a:tabLst/>
-            </a:pPr>
-            <a:r>
-              <a:rPr lang="de-DE" sz="1600" b="1" kern="0" noProof="0" dirty="0" err="1">
-                <a:solidFill>
-                  <a:sysClr val="windowText" lastClr="000000"/>
-                </a:solidFill>
-                <a:ea typeface="Arial Unicode MS" pitchFamily="34" charset="-128"/>
-                <a:cs typeface="Arial Unicode MS" pitchFamily="34" charset="-128"/>
-              </a:rPr>
-              <a:t>Pod</a:t>
-            </a:r>
-            <a:r>
-              <a:rPr lang="de-DE" sz="1600" b="1" kern="0" noProof="0" dirty="0">
-                <a:solidFill>
-                  <a:sysClr val="windowText" lastClr="000000"/>
-                </a:solidFill>
-                <a:ea typeface="Arial Unicode MS" pitchFamily="34" charset="-128"/>
-                <a:cs typeface="Arial Unicode MS" pitchFamily="34" charset="-128"/>
-              </a:rPr>
-              <a:t>-B</a:t>
-            </a:r>
-            <a:endParaRPr kumimoji="0" lang="de-DE" sz="1600" b="1" i="0" u="none" strike="noStrike" kern="0" cap="none" spc="0" normalizeH="0" baseline="0" noProof="0" dirty="0">
-              <a:ln>
-                <a:noFill/>
-              </a:ln>
-              <a:solidFill>
-                <a:sysClr val="windowText" lastClr="000000"/>
-              </a:solidFill>
-              <a:effectLst/>
-              <a:uLnTx/>
-              <a:uFillTx/>
-              <a:ea typeface="Arial Unicode MS" pitchFamily="34" charset="-128"/>
-              <a:cs typeface="Arial Unicode MS" pitchFamily="34" charset="-128"/>
-            </a:endParaRPr>
-          </a:p>
-        </p:txBody>
-      </p:sp>
-      <p:sp>
-        <p:nvSpPr>
-          <p:cNvPr id="19" name="Rectangle 18"/>
-          <p:cNvSpPr/>
-          <p:nvPr/>
-        </p:nvSpPr>
-        <p:spPr bwMode="gray">
-          <a:xfrm>
-            <a:off x="6156960" y="1811188"/>
-            <a:ext cx="1645920" cy="365760"/>
-          </a:xfrm>
-          <a:prstGeom prst="rect">
-            <a:avLst/>
-          </a:prstGeom>
-          <a:ln>
-            <a:headEnd/>
-            <a:tailEnd/>
-          </a:ln>
-        </p:spPr>
-        <p:style>
-          <a:lnRef idx="2">
-            <a:schemeClr val="accent2"/>
-          </a:lnRef>
-          <a:fillRef idx="1">
-            <a:schemeClr val="lt1"/>
-          </a:fillRef>
-          <a:effectRef idx="0">
-            <a:schemeClr val="accent2"/>
-          </a:effectRef>
-          <a:fontRef idx="minor">
-            <a:schemeClr val="dk1"/>
-          </a:fontRef>
-        </p:style>
-        <p:txBody>
-          <a:bodyPr lIns="90000" tIns="72000" rIns="90000" bIns="72000" rtlCol="0" anchor="ctr"/>
-          <a:lstStyle/>
-          <a:p>
-            <a:pPr marR="0" algn="ctr" defTabSz="914400" eaLnBrk="1" fontAlgn="base" latinLnBrk="0" hangingPunct="1">
-              <a:lnSpc>
-                <a:spcPct val="100000"/>
-              </a:lnSpc>
-              <a:spcBef>
-                <a:spcPct val="50000"/>
-              </a:spcBef>
-              <a:spcAft>
-                <a:spcPct val="0"/>
-              </a:spcAft>
-              <a:buClr>
-                <a:srgbClr val="F0AB00"/>
-              </a:buClr>
-              <a:buSzPct val="80000"/>
-              <a:tabLst/>
-            </a:pPr>
-            <a:r>
-              <a:rPr kumimoji="0" lang="de-DE" sz="1800" b="0" i="0" u="none" strike="noStrike" kern="0" cap="none" spc="0" normalizeH="0" baseline="0" noProof="0" dirty="0">
-                <a:ln>
-                  <a:noFill/>
-                </a:ln>
-                <a:effectLst/>
-                <a:uLnTx/>
-                <a:uFillTx/>
-                <a:ea typeface="Arial Unicode MS" pitchFamily="34" charset="-128"/>
-                <a:cs typeface="Arial Unicode MS" pitchFamily="34" charset="-128"/>
-              </a:rPr>
-              <a:t>IP: 10.10.10.2</a:t>
-            </a:r>
-          </a:p>
-        </p:txBody>
-      </p:sp>
-      <p:sp>
-        <p:nvSpPr>
-          <p:cNvPr id="20" name="Rectangle 19"/>
-          <p:cNvSpPr/>
-          <p:nvPr/>
-        </p:nvSpPr>
-        <p:spPr bwMode="gray">
-          <a:xfrm>
-            <a:off x="6718018" y="2525574"/>
-            <a:ext cx="1627931" cy="1156258"/>
-          </a:xfrm>
-          <a:prstGeom prst="rect">
-            <a:avLst/>
-          </a:prstGeom>
-          <a:ln>
-            <a:headEnd/>
-            <a:tailEnd/>
-          </a:ln>
-        </p:spPr>
-        <p:style>
-          <a:lnRef idx="2">
-            <a:schemeClr val="accent2"/>
-          </a:lnRef>
-          <a:fillRef idx="1">
-            <a:schemeClr val="lt1"/>
-          </a:fillRef>
-          <a:effectRef idx="0">
-            <a:schemeClr val="accent2"/>
-          </a:effectRef>
-          <a:fontRef idx="minor">
-            <a:schemeClr val="dk1"/>
-          </a:fontRef>
-        </p:style>
-        <p:txBody>
-          <a:bodyPr lIns="90000" tIns="72000" rIns="90000" bIns="72000" rtlCol="0" anchor="ctr"/>
-          <a:lstStyle/>
-          <a:p>
-            <a:pPr marR="0" algn="ctr" defTabSz="914400" eaLnBrk="1" fontAlgn="base" latinLnBrk="0" hangingPunct="1">
-              <a:lnSpc>
-                <a:spcPct val="100000"/>
-              </a:lnSpc>
-              <a:spcBef>
-                <a:spcPct val="50000"/>
-              </a:spcBef>
-              <a:spcAft>
-                <a:spcPct val="0"/>
-              </a:spcAft>
-              <a:buClr>
-                <a:srgbClr val="F0AB00"/>
-              </a:buClr>
-              <a:buSzPct val="80000"/>
-              <a:tabLst/>
-            </a:pPr>
-            <a:r>
-              <a:rPr lang="de-DE" sz="1800" kern="0" dirty="0">
-                <a:ea typeface="Arial Unicode MS" pitchFamily="34" charset="-128"/>
-                <a:cs typeface="Arial Unicode MS" pitchFamily="34" charset="-128"/>
-              </a:rPr>
-              <a:t>C</a:t>
-            </a:r>
-            <a:r>
-              <a:rPr kumimoji="0" lang="de-DE" sz="1800" b="0" i="0" u="none" strike="noStrike" kern="0" cap="none" spc="0" normalizeH="0" baseline="0" noProof="0" dirty="0" err="1">
-                <a:ln>
-                  <a:noFill/>
-                </a:ln>
-                <a:effectLst/>
-                <a:uLnTx/>
-                <a:uFillTx/>
-                <a:ea typeface="Arial Unicode MS" pitchFamily="34" charset="-128"/>
-                <a:cs typeface="Arial Unicode MS" pitchFamily="34" charset="-128"/>
-              </a:rPr>
-              <a:t>ontainer</a:t>
-            </a:r>
-            <a:r>
-              <a:rPr kumimoji="0" lang="de-DE" sz="1800" b="0" i="0" u="none" strike="noStrike" kern="0" cap="none" spc="0" normalizeH="0" baseline="0" noProof="0" dirty="0">
-                <a:ln>
-                  <a:noFill/>
-                </a:ln>
-                <a:effectLst/>
-                <a:uLnTx/>
-                <a:uFillTx/>
-                <a:ea typeface="Arial Unicode MS" pitchFamily="34" charset="-128"/>
-                <a:cs typeface="Arial Unicode MS" pitchFamily="34" charset="-128"/>
-              </a:rPr>
-              <a:t>:</a:t>
-            </a:r>
-          </a:p>
-          <a:p>
-            <a:pPr marR="0" algn="ctr" defTabSz="914400" eaLnBrk="1" fontAlgn="base" latinLnBrk="0" hangingPunct="1">
-              <a:lnSpc>
-                <a:spcPct val="100000"/>
-              </a:lnSpc>
-              <a:spcBef>
-                <a:spcPct val="50000"/>
-              </a:spcBef>
-              <a:spcAft>
-                <a:spcPct val="0"/>
-              </a:spcAft>
-              <a:buClr>
-                <a:srgbClr val="F0AB00"/>
-              </a:buClr>
-              <a:buSzPct val="80000"/>
-              <a:tabLst/>
-            </a:pPr>
-            <a:r>
-              <a:rPr lang="de-DE" sz="1800" kern="0" dirty="0" err="1">
-                <a:ea typeface="Arial Unicode MS" pitchFamily="34" charset="-128"/>
-                <a:cs typeface="Arial Unicode MS" pitchFamily="34" charset="-128"/>
-              </a:rPr>
-              <a:t>nginx</a:t>
-            </a:r>
-            <a:endParaRPr kumimoji="0" lang="de-DE" sz="1800" b="0" i="0" u="none" strike="noStrike" kern="0" cap="none" spc="0" normalizeH="0" baseline="0" noProof="0" dirty="0">
-              <a:ln>
-                <a:noFill/>
-              </a:ln>
-              <a:effectLst/>
-              <a:uLnTx/>
-              <a:uFillTx/>
-              <a:ea typeface="Arial Unicode MS" pitchFamily="34" charset="-128"/>
-              <a:cs typeface="Arial Unicode MS" pitchFamily="34" charset="-128"/>
-            </a:endParaRPr>
-          </a:p>
-        </p:txBody>
-      </p:sp>
-      <p:sp>
-        <p:nvSpPr>
-          <p:cNvPr id="21" name="Cylinder 20"/>
-          <p:cNvSpPr/>
-          <p:nvPr/>
-        </p:nvSpPr>
-        <p:spPr bwMode="gray">
-          <a:xfrm>
-            <a:off x="8345949" y="4006330"/>
-            <a:ext cx="998220" cy="1004248"/>
-          </a:xfrm>
-          <a:prstGeom prst="can">
-            <a:avLst/>
-          </a:prstGeom>
-          <a:ln>
-            <a:headEnd/>
-            <a:tailEnd/>
-          </a:ln>
-        </p:spPr>
-        <p:style>
-          <a:lnRef idx="2">
-            <a:schemeClr val="accent2"/>
-          </a:lnRef>
-          <a:fillRef idx="1">
-            <a:schemeClr val="lt1"/>
-          </a:fillRef>
-          <a:effectRef idx="0">
-            <a:schemeClr val="accent2"/>
-          </a:effectRef>
-          <a:fontRef idx="minor">
-            <a:schemeClr val="dk1"/>
-          </a:fontRef>
-        </p:style>
-        <p:txBody>
-          <a:bodyPr lIns="90000" tIns="72000" rIns="90000" bIns="72000" rtlCol="0" anchor="ctr"/>
-          <a:lstStyle/>
-          <a:p>
-            <a:pPr marR="0" algn="ctr" defTabSz="914400" eaLnBrk="1" fontAlgn="base" latinLnBrk="0" hangingPunct="1">
-              <a:lnSpc>
-                <a:spcPct val="100000"/>
-              </a:lnSpc>
-              <a:spcBef>
-                <a:spcPct val="50000"/>
-              </a:spcBef>
-              <a:spcAft>
-                <a:spcPct val="0"/>
-              </a:spcAft>
-              <a:buClr>
-                <a:srgbClr val="F0AB00"/>
-              </a:buClr>
-              <a:buSzPct val="80000"/>
-              <a:tabLst/>
-            </a:pPr>
-            <a:r>
-              <a:rPr kumimoji="0" lang="de-DE" sz="1800" b="0" i="0" u="none" strike="noStrike" kern="0" cap="none" spc="0" normalizeH="0" baseline="0" noProof="0" dirty="0" err="1">
-                <a:ln>
-                  <a:noFill/>
-                </a:ln>
-                <a:effectLst/>
-                <a:uLnTx/>
-                <a:uFillTx/>
-                <a:ea typeface="Arial Unicode MS" pitchFamily="34" charset="-128"/>
-                <a:cs typeface="Arial Unicode MS" pitchFamily="34" charset="-128"/>
-              </a:rPr>
-              <a:t>volume</a:t>
-            </a:r>
-            <a:endParaRPr kumimoji="0" lang="de-DE" sz="1800" b="0" i="0" u="none" strike="noStrike" kern="0" cap="none" spc="0" normalizeH="0" baseline="0" noProof="0" dirty="0">
-              <a:ln>
-                <a:noFill/>
-              </a:ln>
-              <a:effectLst/>
-              <a:uLnTx/>
-              <a:uFillTx/>
-              <a:ea typeface="Arial Unicode MS" pitchFamily="34" charset="-128"/>
-              <a:cs typeface="Arial Unicode MS" pitchFamily="34" charset="-128"/>
-            </a:endParaRPr>
-          </a:p>
-        </p:txBody>
-      </p:sp>
-      <p:sp>
-        <p:nvSpPr>
-          <p:cNvPr id="22" name="Rectangle 21"/>
-          <p:cNvSpPr/>
-          <p:nvPr/>
-        </p:nvSpPr>
-        <p:spPr bwMode="gray">
-          <a:xfrm>
-            <a:off x="9344169" y="2525573"/>
-            <a:ext cx="1627931" cy="1156258"/>
-          </a:xfrm>
-          <a:prstGeom prst="rect">
-            <a:avLst/>
-          </a:prstGeom>
-          <a:ln>
-            <a:headEnd/>
-            <a:tailEnd/>
-          </a:ln>
-        </p:spPr>
-        <p:style>
-          <a:lnRef idx="2">
-            <a:schemeClr val="accent2"/>
-          </a:lnRef>
-          <a:fillRef idx="1">
-            <a:schemeClr val="lt1"/>
-          </a:fillRef>
-          <a:effectRef idx="0">
-            <a:schemeClr val="accent2"/>
-          </a:effectRef>
-          <a:fontRef idx="minor">
-            <a:schemeClr val="dk1"/>
-          </a:fontRef>
-        </p:style>
-        <p:txBody>
-          <a:bodyPr lIns="90000" tIns="72000" rIns="90000" bIns="72000" rtlCol="0" anchor="ctr"/>
-          <a:lstStyle/>
-          <a:p>
-            <a:pPr marR="0" algn="ctr" defTabSz="914400" eaLnBrk="1" fontAlgn="base" latinLnBrk="0" hangingPunct="1">
-              <a:lnSpc>
-                <a:spcPct val="100000"/>
-              </a:lnSpc>
-              <a:spcBef>
-                <a:spcPct val="50000"/>
-              </a:spcBef>
-              <a:spcAft>
-                <a:spcPct val="0"/>
-              </a:spcAft>
-              <a:buClr>
-                <a:srgbClr val="F0AB00"/>
-              </a:buClr>
-              <a:buSzPct val="80000"/>
-              <a:tabLst/>
-            </a:pPr>
-            <a:r>
-              <a:rPr lang="de-DE" sz="1800" kern="0" dirty="0">
-                <a:ea typeface="Arial Unicode MS" pitchFamily="34" charset="-128"/>
-                <a:cs typeface="Arial Unicode MS" pitchFamily="34" charset="-128"/>
-              </a:rPr>
-              <a:t>C</a:t>
-            </a:r>
-            <a:r>
-              <a:rPr kumimoji="0" lang="de-DE" sz="1800" b="0" i="0" u="none" strike="noStrike" kern="0" cap="none" spc="0" normalizeH="0" baseline="0" noProof="0" dirty="0" err="1">
-                <a:ln>
-                  <a:noFill/>
-                </a:ln>
-                <a:effectLst/>
-                <a:uLnTx/>
-                <a:uFillTx/>
-                <a:ea typeface="Arial Unicode MS" pitchFamily="34" charset="-128"/>
-                <a:cs typeface="Arial Unicode MS" pitchFamily="34" charset="-128"/>
-              </a:rPr>
-              <a:t>ontainer</a:t>
-            </a:r>
-            <a:r>
-              <a:rPr kumimoji="0" lang="de-DE" sz="1800" b="0" i="0" u="none" strike="noStrike" kern="0" cap="none" spc="0" normalizeH="0" baseline="0" noProof="0" dirty="0">
-                <a:ln>
-                  <a:noFill/>
-                </a:ln>
-                <a:effectLst/>
-                <a:uLnTx/>
-                <a:uFillTx/>
-                <a:ea typeface="Arial Unicode MS" pitchFamily="34" charset="-128"/>
-                <a:cs typeface="Arial Unicode MS" pitchFamily="34" charset="-128"/>
-              </a:rPr>
-              <a:t>:</a:t>
-            </a:r>
-          </a:p>
-          <a:p>
-            <a:pPr marR="0" algn="ctr" defTabSz="914400" eaLnBrk="1" fontAlgn="base" latinLnBrk="0" hangingPunct="1">
-              <a:lnSpc>
-                <a:spcPct val="100000"/>
-              </a:lnSpc>
-              <a:spcBef>
-                <a:spcPct val="50000"/>
-              </a:spcBef>
-              <a:spcAft>
-                <a:spcPct val="0"/>
-              </a:spcAft>
-              <a:buClr>
-                <a:srgbClr val="F0AB00"/>
-              </a:buClr>
-              <a:buSzPct val="80000"/>
-              <a:tabLst/>
-            </a:pPr>
-            <a:r>
-              <a:rPr lang="de-DE" sz="1800" kern="0" dirty="0" err="1">
-                <a:ea typeface="Arial Unicode MS" pitchFamily="34" charset="-128"/>
-                <a:cs typeface="Arial Unicode MS" pitchFamily="34" charset="-128"/>
-              </a:rPr>
-              <a:t>proxy</a:t>
-            </a:r>
-            <a:endParaRPr kumimoji="0" lang="de-DE" sz="1800" b="0" i="0" u="none" strike="noStrike" kern="0" cap="none" spc="0" normalizeH="0" baseline="0" noProof="0" dirty="0">
-              <a:ln>
-                <a:noFill/>
-              </a:ln>
-              <a:effectLst/>
-              <a:uLnTx/>
-              <a:uFillTx/>
-              <a:ea typeface="Arial Unicode MS" pitchFamily="34" charset="-128"/>
-              <a:cs typeface="Arial Unicode MS" pitchFamily="34" charset="-128"/>
-            </a:endParaRPr>
-          </a:p>
-        </p:txBody>
-      </p:sp>
-      <p:sp>
-        <p:nvSpPr>
-          <p:cNvPr id="23" name="Rectangle 22"/>
-          <p:cNvSpPr/>
-          <p:nvPr/>
-        </p:nvSpPr>
-        <p:spPr bwMode="gray">
-          <a:xfrm>
-            <a:off x="2486733" y="2540136"/>
-            <a:ext cx="1627931" cy="1156258"/>
-          </a:xfrm>
-          <a:prstGeom prst="rect">
-            <a:avLst/>
-          </a:prstGeom>
-          <a:ln>
-            <a:headEnd/>
-            <a:tailEnd/>
-          </a:ln>
-        </p:spPr>
-        <p:style>
-          <a:lnRef idx="2">
-            <a:schemeClr val="accent2"/>
-          </a:lnRef>
-          <a:fillRef idx="1">
-            <a:schemeClr val="lt1"/>
-          </a:fillRef>
-          <a:effectRef idx="0">
-            <a:schemeClr val="accent2"/>
-          </a:effectRef>
-          <a:fontRef idx="minor">
-            <a:schemeClr val="dk1"/>
-          </a:fontRef>
-        </p:style>
-        <p:txBody>
-          <a:bodyPr lIns="90000" tIns="72000" rIns="90000" bIns="72000" rtlCol="0" anchor="ctr"/>
-          <a:lstStyle/>
-          <a:p>
-            <a:pPr marR="0" algn="ctr" defTabSz="914400" eaLnBrk="1" fontAlgn="base" latinLnBrk="0" hangingPunct="1">
-              <a:lnSpc>
-                <a:spcPct val="100000"/>
-              </a:lnSpc>
-              <a:spcBef>
-                <a:spcPct val="50000"/>
-              </a:spcBef>
-              <a:spcAft>
-                <a:spcPct val="0"/>
-              </a:spcAft>
-              <a:buClr>
-                <a:srgbClr val="F0AB00"/>
-              </a:buClr>
-              <a:buSzPct val="80000"/>
-              <a:tabLst/>
-            </a:pPr>
-            <a:r>
-              <a:rPr lang="de-DE" sz="1800" kern="0" dirty="0">
-                <a:ea typeface="Arial Unicode MS" pitchFamily="34" charset="-128"/>
-                <a:cs typeface="Arial Unicode MS" pitchFamily="34" charset="-128"/>
-              </a:rPr>
-              <a:t>C</a:t>
-            </a:r>
-            <a:r>
-              <a:rPr kumimoji="0" lang="de-DE" sz="1800" b="0" i="0" u="none" strike="noStrike" kern="0" cap="none" spc="0" normalizeH="0" baseline="0" noProof="0" dirty="0" err="1">
-                <a:ln>
-                  <a:noFill/>
-                </a:ln>
-                <a:effectLst/>
-                <a:uLnTx/>
-                <a:uFillTx/>
-                <a:ea typeface="Arial Unicode MS" pitchFamily="34" charset="-128"/>
-                <a:cs typeface="Arial Unicode MS" pitchFamily="34" charset="-128"/>
-              </a:rPr>
-              <a:t>ontainer</a:t>
-            </a:r>
-            <a:r>
-              <a:rPr lang="de-DE" sz="1800" kern="0" dirty="0">
-                <a:ea typeface="Arial Unicode MS" pitchFamily="34" charset="-128"/>
-                <a:cs typeface="Arial Unicode MS" pitchFamily="34" charset="-128"/>
-              </a:rPr>
-              <a:t>:</a:t>
-            </a:r>
-            <a:endParaRPr kumimoji="0" lang="de-DE" sz="1800" b="0" i="0" u="none" strike="noStrike" kern="0" cap="none" spc="0" normalizeH="0" baseline="0" noProof="0" dirty="0">
-              <a:ln>
-                <a:noFill/>
-              </a:ln>
-              <a:effectLst/>
-              <a:uLnTx/>
-              <a:uFillTx/>
-              <a:ea typeface="Arial Unicode MS" pitchFamily="34" charset="-128"/>
-              <a:cs typeface="Arial Unicode MS" pitchFamily="34" charset="-128"/>
-            </a:endParaRPr>
-          </a:p>
-          <a:p>
-            <a:pPr marR="0" algn="ctr" defTabSz="914400" eaLnBrk="1" fontAlgn="base" latinLnBrk="0" hangingPunct="1">
-              <a:lnSpc>
-                <a:spcPct val="100000"/>
-              </a:lnSpc>
-              <a:spcBef>
-                <a:spcPct val="50000"/>
-              </a:spcBef>
-              <a:spcAft>
-                <a:spcPct val="0"/>
-              </a:spcAft>
-              <a:buClr>
-                <a:srgbClr val="F0AB00"/>
-              </a:buClr>
-              <a:buSzPct val="80000"/>
-              <a:tabLst/>
-            </a:pPr>
-            <a:r>
-              <a:rPr lang="de-DE" sz="1800" kern="0" dirty="0" err="1">
-                <a:ea typeface="Arial Unicode MS" pitchFamily="34" charset="-128"/>
-                <a:cs typeface="Arial Unicode MS" pitchFamily="34" charset="-128"/>
-              </a:rPr>
-              <a:t>nginx</a:t>
-            </a:r>
-            <a:endParaRPr kumimoji="0" lang="de-DE" sz="1800" b="0" i="0" u="none" strike="noStrike" kern="0" cap="none" spc="0" normalizeH="0" baseline="0" noProof="0" dirty="0">
-              <a:ln>
-                <a:noFill/>
-              </a:ln>
-              <a:effectLst/>
-              <a:uLnTx/>
-              <a:uFillTx/>
-              <a:ea typeface="Arial Unicode MS" pitchFamily="34" charset="-128"/>
-              <a:cs typeface="Arial Unicode MS" pitchFamily="34" charset="-128"/>
-            </a:endParaRPr>
-          </a:p>
-        </p:txBody>
-      </p:sp>
-      <p:cxnSp>
-        <p:nvCxnSpPr>
-          <p:cNvPr id="5" name="Connector: Elbow 4"/>
-          <p:cNvCxnSpPr>
-            <a:stCxn id="23" idx="3"/>
-            <a:endCxn id="3" idx="4"/>
-          </p:cNvCxnSpPr>
-          <p:nvPr/>
-        </p:nvCxnSpPr>
-        <p:spPr>
-          <a:xfrm flipH="1">
-            <a:off x="3799808" y="3118265"/>
-            <a:ext cx="314856" cy="1199862"/>
-          </a:xfrm>
-          <a:prstGeom prst="bentConnector3">
-            <a:avLst>
-              <a:gd name="adj1" fmla="val -186352"/>
-            </a:avLst>
-          </a:prstGeom>
-          <a:ln w="57150">
-            <a:solidFill>
-              <a:schemeClr val="tx1"/>
-            </a:solidFill>
-            <a:headEnd type="triangle"/>
-            <a:tailEnd type="triangle"/>
-          </a:ln>
-        </p:spPr>
-        <p:style>
-          <a:lnRef idx="1">
-            <a:schemeClr val="accent1"/>
-          </a:lnRef>
-          <a:fillRef idx="0">
-            <a:schemeClr val="accent1"/>
-          </a:fillRef>
-          <a:effectRef idx="0">
-            <a:schemeClr val="accent1"/>
-          </a:effectRef>
-          <a:fontRef idx="minor">
-            <a:schemeClr val="tx1"/>
-          </a:fontRef>
-        </p:style>
-      </p:cxnSp>
-      <p:cxnSp>
-        <p:nvCxnSpPr>
-          <p:cNvPr id="29" name="Connector: Elbow 28"/>
-          <p:cNvCxnSpPr>
-            <a:stCxn id="20" idx="2"/>
-            <a:endCxn id="21" idx="2"/>
-          </p:cNvCxnSpPr>
-          <p:nvPr/>
-        </p:nvCxnSpPr>
-        <p:spPr>
-          <a:xfrm rot="16200000" flipH="1">
-            <a:off x="7525655" y="3688160"/>
-            <a:ext cx="826622" cy="813965"/>
-          </a:xfrm>
-          <a:prstGeom prst="bentConnector2">
-            <a:avLst/>
-          </a:prstGeom>
-          <a:ln w="57150">
-            <a:solidFill>
-              <a:schemeClr val="tx1"/>
-            </a:solidFill>
-            <a:headEnd type="triangle"/>
-            <a:tailEnd type="triangle"/>
-          </a:ln>
-        </p:spPr>
-        <p:style>
-          <a:lnRef idx="1">
-            <a:schemeClr val="accent1"/>
-          </a:lnRef>
-          <a:fillRef idx="0">
-            <a:schemeClr val="accent1"/>
-          </a:fillRef>
-          <a:effectRef idx="0">
-            <a:schemeClr val="accent1"/>
-          </a:effectRef>
-          <a:fontRef idx="minor">
-            <a:schemeClr val="tx1"/>
-          </a:fontRef>
-        </p:style>
-      </p:cxnSp>
-      <p:cxnSp>
-        <p:nvCxnSpPr>
-          <p:cNvPr id="32" name="Connector: Elbow 31"/>
-          <p:cNvCxnSpPr>
-            <a:stCxn id="22" idx="2"/>
-            <a:endCxn id="21" idx="4"/>
-          </p:cNvCxnSpPr>
-          <p:nvPr/>
-        </p:nvCxnSpPr>
-        <p:spPr>
-          <a:xfrm rot="5400000">
-            <a:off x="9337841" y="3688159"/>
-            <a:ext cx="826623" cy="813966"/>
-          </a:xfrm>
-          <a:prstGeom prst="bentConnector2">
-            <a:avLst/>
-          </a:prstGeom>
-          <a:ln w="57150">
-            <a:solidFill>
-              <a:schemeClr val="tx1"/>
-            </a:solidFill>
-            <a:headEnd type="triangle"/>
-            <a:tailEnd type="triangle"/>
-          </a:ln>
-        </p:spPr>
-        <p:style>
-          <a:lnRef idx="1">
-            <a:schemeClr val="accent1"/>
-          </a:lnRef>
-          <a:fillRef idx="0">
-            <a:schemeClr val="accent1"/>
-          </a:fillRef>
-          <a:effectRef idx="0">
-            <a:schemeClr val="accent1"/>
-          </a:effectRef>
-          <a:fontRef idx="minor">
-            <a:schemeClr val="tx1"/>
-          </a:fontRef>
-        </p:style>
-      </p:cxnSp>
-      <p:cxnSp>
-        <p:nvCxnSpPr>
-          <p:cNvPr id="36" name="Connector: Elbow 35"/>
-          <p:cNvCxnSpPr>
-            <a:stCxn id="22" idx="1"/>
-            <a:endCxn id="20" idx="3"/>
-          </p:cNvCxnSpPr>
-          <p:nvPr/>
-        </p:nvCxnSpPr>
-        <p:spPr>
-          <a:xfrm rot="10800000" flipV="1">
-            <a:off x="8345949" y="3103701"/>
-            <a:ext cx="998220" cy="1"/>
-          </a:xfrm>
-          <a:prstGeom prst="bentConnector3">
-            <a:avLst>
-              <a:gd name="adj1" fmla="val 50000"/>
-            </a:avLst>
-          </a:prstGeom>
-          <a:ln w="57150">
-            <a:solidFill>
-              <a:schemeClr val="tx1"/>
-            </a:solidFill>
-            <a:headEnd type="triangle"/>
-            <a:tailEnd type="triangle"/>
-          </a:ln>
-        </p:spPr>
-        <p:style>
-          <a:lnRef idx="1">
-            <a:schemeClr val="accent1"/>
-          </a:lnRef>
-          <a:fillRef idx="0">
-            <a:schemeClr val="accent1"/>
-          </a:fillRef>
-          <a:effectRef idx="0">
-            <a:schemeClr val="accent1"/>
-          </a:effectRef>
-          <a:fontRef idx="minor">
-            <a:schemeClr val="tx1"/>
-          </a:fontRef>
-        </p:style>
-      </p:cxnSp>
-    </p:spTree>
-    <p:extLst>
-      <p:ext uri="{BB962C8B-B14F-4D97-AF65-F5344CB8AC3E}">
-        <p14:creationId xmlns:p14="http://schemas.microsoft.com/office/powerpoint/2010/main" val="2466337739"/>
-      </p:ext>
-    </p:extLst>
-  </p:cSld>
-  <p:clrMapOvr>
-    <a:masterClrMapping/>
-  </p:clrMapOvr>
-</p:sld>
-</file>
-
 <file path=ppt/slides/slide5.xml><?xml version="1.0" encoding="utf-8"?>
-<p:sld xmlns:a="http://schemas.openxmlformats.org/drawingml/2006/main" xmlns:r="http://schemas.openxmlformats.org/officeDocument/2006/relationships" xmlns:p="http://schemas.openxmlformats.org/presentationml/2006/main">
-  <p:cSld>
-    <p:spTree>
-      <p:nvGrpSpPr>
-        <p:cNvPr id="1" name=""/>
-        <p:cNvGrpSpPr/>
-        <p:nvPr/>
-      </p:nvGrpSpPr>
-      <p:grpSpPr>
-        <a:xfrm>
-          <a:off x="0" y="0"/>
-          <a:ext cx="0" cy="0"/>
-          <a:chOff x="0" y="0"/>
-          <a:chExt cx="0" cy="0"/>
-        </a:xfrm>
-      </p:grpSpPr>
-      <p:sp>
-        <p:nvSpPr>
-          <p:cNvPr id="2" name="Title 1">
-            <a:extLst>
-              <a:ext uri="{FF2B5EF4-FFF2-40B4-BE49-F238E27FC236}">
-                <a16:creationId xmlns:a16="http://schemas.microsoft.com/office/drawing/2014/main" id="{C2AD8DC7-A4C9-412C-A423-2880AD0B6E76}"/>
-              </a:ext>
-            </a:extLst>
-          </p:cNvPr>
-          <p:cNvSpPr>
-            <a:spLocks noGrp="1"/>
-          </p:cNvSpPr>
-          <p:nvPr>
-            <p:ph type="title"/>
-          </p:nvPr>
-        </p:nvSpPr>
-        <p:spPr/>
-        <p:txBody>
-          <a:bodyPr/>
-          <a:lstStyle/>
-          <a:p>
-            <a:r>
-              <a:rPr lang="en-US" dirty="0"/>
-              <a:t>Sidecar pattern – or when to use multiple container in a pod</a:t>
-            </a:r>
-          </a:p>
-        </p:txBody>
-      </p:sp>
-      <p:grpSp>
-        <p:nvGrpSpPr>
-          <p:cNvPr id="11" name="Group 10">
-            <a:extLst>
-              <a:ext uri="{FF2B5EF4-FFF2-40B4-BE49-F238E27FC236}">
-                <a16:creationId xmlns:a16="http://schemas.microsoft.com/office/drawing/2014/main" id="{FB2CD143-0D2F-4657-9000-8B31A4D6BDB6}"/>
-              </a:ext>
-            </a:extLst>
-          </p:cNvPr>
-          <p:cNvGrpSpPr/>
-          <p:nvPr/>
-        </p:nvGrpSpPr>
-        <p:grpSpPr>
-          <a:xfrm>
-            <a:off x="3495009" y="2656763"/>
-            <a:ext cx="5204460" cy="3263342"/>
-            <a:chOff x="3394095" y="2548608"/>
-            <a:chExt cx="5204460" cy="3263342"/>
-          </a:xfrm>
-        </p:grpSpPr>
-        <p:sp>
-          <p:nvSpPr>
-            <p:cNvPr id="3" name="Rectangle 2">
-              <a:extLst>
-                <a:ext uri="{FF2B5EF4-FFF2-40B4-BE49-F238E27FC236}">
-                  <a16:creationId xmlns:a16="http://schemas.microsoft.com/office/drawing/2014/main" id="{78AAD8F1-386E-40CE-979F-C79845ECC6E3}"/>
-                </a:ext>
-              </a:extLst>
-            </p:cNvPr>
-            <p:cNvSpPr/>
-            <p:nvPr/>
-          </p:nvSpPr>
-          <p:spPr bwMode="gray">
-            <a:xfrm>
-              <a:off x="3565833" y="2670528"/>
-              <a:ext cx="5032722" cy="3141422"/>
-            </a:xfrm>
-            <a:prstGeom prst="rect">
-              <a:avLst/>
-            </a:prstGeom>
-            <a:solidFill>
-              <a:schemeClr val="bg1">
-                <a:lumMod val="85000"/>
-              </a:schemeClr>
-            </a:solidFill>
-            <a:ln>
-              <a:headEnd/>
-              <a:tailEnd/>
-            </a:ln>
-          </p:spPr>
-          <p:style>
-            <a:lnRef idx="2">
-              <a:schemeClr val="accent2">
-                <a:shade val="50000"/>
-              </a:schemeClr>
-            </a:lnRef>
-            <a:fillRef idx="1">
-              <a:schemeClr val="accent2"/>
-            </a:fillRef>
-            <a:effectRef idx="0">
-              <a:schemeClr val="accent2"/>
-            </a:effectRef>
-            <a:fontRef idx="minor">
-              <a:schemeClr val="lt1"/>
-            </a:fontRef>
-          </p:style>
-          <p:txBody>
-            <a:bodyPr lIns="90000" tIns="72000" rIns="90000" bIns="72000" rtlCol="0" anchor="t"/>
-            <a:lstStyle/>
-            <a:p>
-              <a:pPr algn="ctr" defTabSz="914400" fontAlgn="base">
-                <a:spcBef>
-                  <a:spcPct val="50000"/>
-                </a:spcBef>
-                <a:spcAft>
-                  <a:spcPct val="0"/>
-                </a:spcAft>
-                <a:buClr>
-                  <a:srgbClr val="F0AB00"/>
-                </a:buClr>
-                <a:buSzPct val="80000"/>
-              </a:pPr>
-              <a:r>
-                <a:rPr lang="de-DE" sz="1600" b="1" kern="0" dirty="0" err="1">
-                  <a:solidFill>
-                    <a:sysClr val="windowText" lastClr="000000"/>
-                  </a:solidFill>
-                  <a:ea typeface="Arial Unicode MS" pitchFamily="34" charset="-128"/>
-                </a:rPr>
-                <a:t>Pod</a:t>
-              </a:r>
-              <a:r>
-                <a:rPr lang="de-DE" sz="1600" b="1" kern="0" dirty="0">
-                  <a:solidFill>
-                    <a:sysClr val="windowText" lastClr="000000"/>
-                  </a:solidFill>
-                  <a:ea typeface="Arial Unicode MS" pitchFamily="34" charset="-128"/>
-                </a:rPr>
-                <a:t>-B</a:t>
-              </a:r>
-            </a:p>
-          </p:txBody>
-        </p:sp>
-        <p:sp>
-          <p:nvSpPr>
-            <p:cNvPr id="4" name="Rectangle 3">
-              <a:extLst>
-                <a:ext uri="{FF2B5EF4-FFF2-40B4-BE49-F238E27FC236}">
-                  <a16:creationId xmlns:a16="http://schemas.microsoft.com/office/drawing/2014/main" id="{4306B961-6B68-43FE-86D9-2321AB2204D3}"/>
-                </a:ext>
-              </a:extLst>
-            </p:cNvPr>
-            <p:cNvSpPr/>
-            <p:nvPr/>
-          </p:nvSpPr>
-          <p:spPr bwMode="gray">
-            <a:xfrm>
-              <a:off x="3394095" y="2548608"/>
-              <a:ext cx="1645920" cy="365760"/>
-            </a:xfrm>
-            <a:prstGeom prst="rect">
-              <a:avLst/>
-            </a:prstGeom>
-            <a:solidFill>
-              <a:schemeClr val="bg1">
-                <a:lumMod val="85000"/>
-              </a:schemeClr>
-            </a:solidFill>
-            <a:ln>
-              <a:headEnd/>
-              <a:tailEnd/>
-            </a:ln>
-          </p:spPr>
-          <p:style>
-            <a:lnRef idx="2">
-              <a:schemeClr val="accent2">
-                <a:shade val="50000"/>
-              </a:schemeClr>
-            </a:lnRef>
-            <a:fillRef idx="1">
-              <a:schemeClr val="accent2"/>
-            </a:fillRef>
-            <a:effectRef idx="0">
-              <a:schemeClr val="accent2"/>
-            </a:effectRef>
-            <a:fontRef idx="minor">
-              <a:schemeClr val="lt1"/>
-            </a:fontRef>
-          </p:style>
-          <p:txBody>
-            <a:bodyPr lIns="90000" tIns="72000" rIns="90000" bIns="72000" rtlCol="0" anchor="t"/>
-            <a:lstStyle/>
-            <a:p>
-              <a:pPr algn="ctr" defTabSz="914400" fontAlgn="base">
-                <a:spcBef>
-                  <a:spcPct val="50000"/>
-                </a:spcBef>
-                <a:spcAft>
-                  <a:spcPct val="0"/>
-                </a:spcAft>
-                <a:buClr>
-                  <a:srgbClr val="F0AB00"/>
-                </a:buClr>
-                <a:buSzPct val="80000"/>
-              </a:pPr>
-              <a:r>
-                <a:rPr lang="de-DE" sz="1600" b="1" kern="0" dirty="0">
-                  <a:solidFill>
-                    <a:sysClr val="windowText" lastClr="000000"/>
-                  </a:solidFill>
-                  <a:ea typeface="Arial Unicode MS" pitchFamily="34" charset="-128"/>
-                </a:rPr>
-                <a:t>IP: 10.10.10.2</a:t>
-              </a:r>
-            </a:p>
-          </p:txBody>
-        </p:sp>
-        <p:sp>
-          <p:nvSpPr>
-            <p:cNvPr id="5" name="Rectangle 4">
-              <a:extLst>
-                <a:ext uri="{FF2B5EF4-FFF2-40B4-BE49-F238E27FC236}">
-                  <a16:creationId xmlns:a16="http://schemas.microsoft.com/office/drawing/2014/main" id="{D359A288-FA58-4435-A556-6E47F71703E0}"/>
-                </a:ext>
-              </a:extLst>
-            </p:cNvPr>
-            <p:cNvSpPr/>
-            <p:nvPr/>
-          </p:nvSpPr>
-          <p:spPr bwMode="gray">
-            <a:xfrm>
-              <a:off x="3955153" y="3262994"/>
-              <a:ext cx="1627931" cy="1156258"/>
-            </a:xfrm>
-            <a:prstGeom prst="rect">
-              <a:avLst/>
-            </a:prstGeom>
-            <a:solidFill>
-              <a:schemeClr val="bg1"/>
-            </a:solidFill>
-            <a:ln>
-              <a:headEnd/>
-              <a:tailEnd/>
-            </a:ln>
-          </p:spPr>
-          <p:style>
-            <a:lnRef idx="2">
-              <a:schemeClr val="accent2">
-                <a:shade val="50000"/>
-              </a:schemeClr>
-            </a:lnRef>
-            <a:fillRef idx="1">
-              <a:schemeClr val="accent2"/>
-            </a:fillRef>
-            <a:effectRef idx="0">
-              <a:schemeClr val="accent2"/>
-            </a:effectRef>
-            <a:fontRef idx="minor">
-              <a:schemeClr val="lt1"/>
-            </a:fontRef>
-          </p:style>
-          <p:txBody>
-            <a:bodyPr lIns="90000" tIns="72000" rIns="90000" bIns="72000" rtlCol="0" anchor="t"/>
-            <a:lstStyle/>
-            <a:p>
-              <a:pPr algn="ctr" defTabSz="914400" fontAlgn="base">
-                <a:spcBef>
-                  <a:spcPct val="50000"/>
-                </a:spcBef>
-                <a:spcAft>
-                  <a:spcPct val="0"/>
-                </a:spcAft>
-                <a:buClr>
-                  <a:srgbClr val="F0AB00"/>
-                </a:buClr>
-                <a:buSzPct val="80000"/>
-              </a:pPr>
-              <a:r>
-                <a:rPr lang="de-DE" sz="1600" kern="0" dirty="0">
-                  <a:solidFill>
-                    <a:sysClr val="windowText" lastClr="000000"/>
-                  </a:solidFill>
-                  <a:ea typeface="Arial Unicode MS" pitchFamily="34" charset="-128"/>
-                </a:rPr>
-                <a:t>C</a:t>
-              </a:r>
-              <a:r>
-                <a:rPr lang="de-DE" sz="1600" kern="0" dirty="0" err="1">
-                  <a:solidFill>
-                    <a:sysClr val="windowText" lastClr="000000"/>
-                  </a:solidFill>
-                  <a:ea typeface="Arial Unicode MS" pitchFamily="34" charset="-128"/>
-                </a:rPr>
-                <a:t>ontainer</a:t>
-              </a:r>
-              <a:r>
-                <a:rPr lang="de-DE" sz="1600" kern="0" dirty="0">
-                  <a:solidFill>
-                    <a:sysClr val="windowText" lastClr="000000"/>
-                  </a:solidFill>
-                  <a:ea typeface="Arial Unicode MS" pitchFamily="34" charset="-128"/>
-                </a:rPr>
-                <a:t>:</a:t>
-              </a:r>
-            </a:p>
-            <a:p>
-              <a:pPr algn="ctr" defTabSz="914400" fontAlgn="base">
-                <a:spcBef>
-                  <a:spcPct val="50000"/>
-                </a:spcBef>
-                <a:spcAft>
-                  <a:spcPct val="0"/>
-                </a:spcAft>
-                <a:buClr>
-                  <a:srgbClr val="F0AB00"/>
-                </a:buClr>
-                <a:buSzPct val="80000"/>
-              </a:pPr>
-              <a:r>
-                <a:rPr lang="de-DE" sz="1600" kern="0" dirty="0" err="1">
-                  <a:solidFill>
-                    <a:sysClr val="windowText" lastClr="000000"/>
-                  </a:solidFill>
-                  <a:ea typeface="Arial Unicode MS" pitchFamily="34" charset="-128"/>
-                </a:rPr>
-                <a:t>nginx</a:t>
-              </a:r>
-              <a:endParaRPr lang="de-DE" sz="1600" kern="0" dirty="0">
-                <a:solidFill>
-                  <a:sysClr val="windowText" lastClr="000000"/>
-                </a:solidFill>
-                <a:ea typeface="Arial Unicode MS" pitchFamily="34" charset="-128"/>
-              </a:endParaRPr>
-            </a:p>
-          </p:txBody>
-        </p:sp>
-        <p:sp>
-          <p:nvSpPr>
-            <p:cNvPr id="6" name="Cylinder 5">
-              <a:extLst>
-                <a:ext uri="{FF2B5EF4-FFF2-40B4-BE49-F238E27FC236}">
-                  <a16:creationId xmlns:a16="http://schemas.microsoft.com/office/drawing/2014/main" id="{2F8DF86F-FD0C-44AF-BE66-43A5E289EC3C}"/>
-                </a:ext>
-              </a:extLst>
-            </p:cNvPr>
-            <p:cNvSpPr/>
-            <p:nvPr/>
-          </p:nvSpPr>
-          <p:spPr bwMode="gray">
-            <a:xfrm>
-              <a:off x="5583084" y="4743750"/>
-              <a:ext cx="998220" cy="1004248"/>
-            </a:xfrm>
-            <a:prstGeom prst="can">
-              <a:avLst/>
-            </a:prstGeom>
-            <a:solidFill>
-              <a:schemeClr val="bg1"/>
-            </a:solidFill>
-            <a:ln>
-              <a:headEnd/>
-              <a:tailEnd/>
-            </a:ln>
-          </p:spPr>
-          <p:style>
-            <a:lnRef idx="2">
-              <a:schemeClr val="accent2">
-                <a:shade val="50000"/>
-              </a:schemeClr>
-            </a:lnRef>
-            <a:fillRef idx="1">
-              <a:schemeClr val="accent2"/>
-            </a:fillRef>
-            <a:effectRef idx="0">
-              <a:schemeClr val="accent2"/>
-            </a:effectRef>
-            <a:fontRef idx="minor">
-              <a:schemeClr val="lt1"/>
-            </a:fontRef>
-          </p:style>
-          <p:txBody>
-            <a:bodyPr lIns="90000" tIns="72000" rIns="90000" bIns="72000" rtlCol="0" anchor="t"/>
-            <a:lstStyle/>
-            <a:p>
-              <a:pPr algn="ctr" defTabSz="914400" fontAlgn="base">
-                <a:spcBef>
-                  <a:spcPct val="50000"/>
-                </a:spcBef>
-                <a:spcAft>
-                  <a:spcPct val="0"/>
-                </a:spcAft>
-                <a:buClr>
-                  <a:srgbClr val="F0AB00"/>
-                </a:buClr>
-                <a:buSzPct val="80000"/>
-              </a:pPr>
-              <a:r>
-                <a:rPr lang="de-DE" sz="1600" kern="0" dirty="0" err="1">
-                  <a:solidFill>
-                    <a:sysClr val="windowText" lastClr="000000"/>
-                  </a:solidFill>
-                  <a:ea typeface="Arial Unicode MS" pitchFamily="34" charset="-128"/>
-                </a:rPr>
-                <a:t>volume</a:t>
-              </a:r>
-              <a:endParaRPr lang="de-DE" sz="1600" kern="0" dirty="0">
-                <a:solidFill>
-                  <a:sysClr val="windowText" lastClr="000000"/>
-                </a:solidFill>
-                <a:ea typeface="Arial Unicode MS" pitchFamily="34" charset="-128"/>
-              </a:endParaRPr>
-            </a:p>
-          </p:txBody>
-        </p:sp>
-        <p:sp>
-          <p:nvSpPr>
-            <p:cNvPr id="7" name="Rectangle 6">
-              <a:extLst>
-                <a:ext uri="{FF2B5EF4-FFF2-40B4-BE49-F238E27FC236}">
-                  <a16:creationId xmlns:a16="http://schemas.microsoft.com/office/drawing/2014/main" id="{03072AD4-D880-47B9-994A-3B2C64739E7B}"/>
-                </a:ext>
-              </a:extLst>
-            </p:cNvPr>
-            <p:cNvSpPr/>
-            <p:nvPr/>
-          </p:nvSpPr>
-          <p:spPr bwMode="gray">
-            <a:xfrm>
-              <a:off x="6581304" y="3262993"/>
-              <a:ext cx="1627931" cy="1156258"/>
-            </a:xfrm>
-            <a:prstGeom prst="rect">
-              <a:avLst/>
-            </a:prstGeom>
-            <a:solidFill>
-              <a:schemeClr val="bg1"/>
-            </a:solidFill>
-            <a:ln>
-              <a:headEnd/>
-              <a:tailEnd/>
-            </a:ln>
-          </p:spPr>
-          <p:style>
-            <a:lnRef idx="2">
-              <a:schemeClr val="accent2">
-                <a:shade val="50000"/>
-              </a:schemeClr>
-            </a:lnRef>
-            <a:fillRef idx="1">
-              <a:schemeClr val="accent2"/>
-            </a:fillRef>
-            <a:effectRef idx="0">
-              <a:schemeClr val="accent2"/>
-            </a:effectRef>
-            <a:fontRef idx="minor">
-              <a:schemeClr val="lt1"/>
-            </a:fontRef>
-          </p:style>
-          <p:txBody>
-            <a:bodyPr lIns="90000" tIns="72000" rIns="90000" bIns="72000" rtlCol="0" anchor="t"/>
-            <a:lstStyle/>
-            <a:p>
-              <a:pPr algn="ctr" defTabSz="914400" fontAlgn="base">
-                <a:spcBef>
-                  <a:spcPct val="50000"/>
-                </a:spcBef>
-                <a:spcAft>
-                  <a:spcPct val="0"/>
-                </a:spcAft>
-                <a:buClr>
-                  <a:srgbClr val="F0AB00"/>
-                </a:buClr>
-                <a:buSzPct val="80000"/>
-              </a:pPr>
-              <a:r>
-                <a:rPr lang="de-DE" sz="1600" kern="0" dirty="0">
-                  <a:solidFill>
-                    <a:sysClr val="windowText" lastClr="000000"/>
-                  </a:solidFill>
-                  <a:ea typeface="Arial Unicode MS" pitchFamily="34" charset="-128"/>
-                </a:rPr>
-                <a:t>C</a:t>
-              </a:r>
-              <a:r>
-                <a:rPr lang="de-DE" sz="1600" kern="0" dirty="0" err="1">
-                  <a:solidFill>
-                    <a:sysClr val="windowText" lastClr="000000"/>
-                  </a:solidFill>
-                  <a:ea typeface="Arial Unicode MS" pitchFamily="34" charset="-128"/>
-                </a:rPr>
-                <a:t>ontainer</a:t>
-              </a:r>
-              <a:r>
-                <a:rPr lang="de-DE" sz="1600" kern="0" dirty="0">
-                  <a:solidFill>
-                    <a:sysClr val="windowText" lastClr="000000"/>
-                  </a:solidFill>
-                  <a:ea typeface="Arial Unicode MS" pitchFamily="34" charset="-128"/>
-                </a:rPr>
-                <a:t>:</a:t>
-              </a:r>
-            </a:p>
-            <a:p>
-              <a:pPr algn="ctr" defTabSz="914400" fontAlgn="base">
-                <a:spcBef>
-                  <a:spcPct val="50000"/>
-                </a:spcBef>
-                <a:spcAft>
-                  <a:spcPct val="0"/>
-                </a:spcAft>
-                <a:buClr>
-                  <a:srgbClr val="F0AB00"/>
-                </a:buClr>
-                <a:buSzPct val="80000"/>
-              </a:pPr>
-              <a:r>
-                <a:rPr lang="de-DE" sz="1600" kern="0" dirty="0" err="1">
-                  <a:solidFill>
-                    <a:sysClr val="windowText" lastClr="000000"/>
-                  </a:solidFill>
-                  <a:ea typeface="Arial Unicode MS" pitchFamily="34" charset="-128"/>
-                </a:rPr>
-                <a:t>proxy</a:t>
-              </a:r>
-              <a:endParaRPr lang="de-DE" sz="1600" kern="0" dirty="0">
-                <a:solidFill>
-                  <a:sysClr val="windowText" lastClr="000000"/>
-                </a:solidFill>
-                <a:ea typeface="Arial Unicode MS" pitchFamily="34" charset="-128"/>
-              </a:endParaRPr>
-            </a:p>
-          </p:txBody>
-        </p:sp>
-        <p:cxnSp>
-          <p:nvCxnSpPr>
-            <p:cNvPr id="8" name="Connector: Elbow 7">
-              <a:extLst>
-                <a:ext uri="{FF2B5EF4-FFF2-40B4-BE49-F238E27FC236}">
-                  <a16:creationId xmlns:a16="http://schemas.microsoft.com/office/drawing/2014/main" id="{A9F69B7D-24E3-4263-985E-C5D03E2AFBED}"/>
-                </a:ext>
-              </a:extLst>
-            </p:cNvPr>
-            <p:cNvCxnSpPr>
-              <a:stCxn id="5" idx="2"/>
-              <a:endCxn id="6" idx="2"/>
-            </p:cNvCxnSpPr>
-            <p:nvPr/>
-          </p:nvCxnSpPr>
-          <p:spPr>
-            <a:xfrm rot="16200000" flipH="1">
-              <a:off x="4762790" y="4425580"/>
-              <a:ext cx="826622" cy="813965"/>
-            </a:xfrm>
-            <a:prstGeom prst="bentConnector2">
-              <a:avLst/>
-            </a:prstGeom>
-            <a:solidFill>
-              <a:schemeClr val="bg1">
-                <a:lumMod val="85000"/>
-              </a:schemeClr>
-            </a:solidFill>
-            <a:ln>
-              <a:headEnd/>
-              <a:tailEnd/>
-            </a:ln>
-          </p:spPr>
-          <p:style>
-            <a:lnRef idx="2">
-              <a:schemeClr val="accent2">
-                <a:shade val="50000"/>
-              </a:schemeClr>
-            </a:lnRef>
-            <a:fillRef idx="1">
-              <a:schemeClr val="accent2"/>
-            </a:fillRef>
-            <a:effectRef idx="0">
-              <a:schemeClr val="accent2"/>
-            </a:effectRef>
-            <a:fontRef idx="minor">
-              <a:schemeClr val="lt1"/>
-            </a:fontRef>
-          </p:style>
-        </p:cxnSp>
-        <p:cxnSp>
-          <p:nvCxnSpPr>
-            <p:cNvPr id="9" name="Connector: Elbow 8">
-              <a:extLst>
-                <a:ext uri="{FF2B5EF4-FFF2-40B4-BE49-F238E27FC236}">
-                  <a16:creationId xmlns:a16="http://schemas.microsoft.com/office/drawing/2014/main" id="{4D95C8FA-3BFA-4BA1-A483-C434537E54B9}"/>
-                </a:ext>
-              </a:extLst>
-            </p:cNvPr>
-            <p:cNvCxnSpPr>
-              <a:stCxn id="7" idx="2"/>
-              <a:endCxn id="6" idx="4"/>
-            </p:cNvCxnSpPr>
-            <p:nvPr/>
-          </p:nvCxnSpPr>
-          <p:spPr>
-            <a:xfrm rot="5400000">
-              <a:off x="6574976" y="4425579"/>
-              <a:ext cx="826623" cy="813966"/>
-            </a:xfrm>
-            <a:prstGeom prst="bentConnector2">
-              <a:avLst/>
-            </a:prstGeom>
-            <a:solidFill>
-              <a:schemeClr val="bg1">
-                <a:lumMod val="85000"/>
-              </a:schemeClr>
-            </a:solidFill>
-            <a:ln>
-              <a:headEnd/>
-              <a:tailEnd/>
-            </a:ln>
-          </p:spPr>
-          <p:style>
-            <a:lnRef idx="2">
-              <a:schemeClr val="accent2">
-                <a:shade val="50000"/>
-              </a:schemeClr>
-            </a:lnRef>
-            <a:fillRef idx="1">
-              <a:schemeClr val="accent2"/>
-            </a:fillRef>
-            <a:effectRef idx="0">
-              <a:schemeClr val="accent2"/>
-            </a:effectRef>
-            <a:fontRef idx="minor">
-              <a:schemeClr val="lt1"/>
-            </a:fontRef>
-          </p:style>
-        </p:cxnSp>
-        <p:cxnSp>
-          <p:nvCxnSpPr>
-            <p:cNvPr id="10" name="Connector: Elbow 9">
-              <a:extLst>
-                <a:ext uri="{FF2B5EF4-FFF2-40B4-BE49-F238E27FC236}">
-                  <a16:creationId xmlns:a16="http://schemas.microsoft.com/office/drawing/2014/main" id="{0FF28FED-1367-412F-8C10-8037765AB121}"/>
-                </a:ext>
-              </a:extLst>
-            </p:cNvPr>
-            <p:cNvCxnSpPr>
-              <a:stCxn id="7" idx="1"/>
-              <a:endCxn id="5" idx="3"/>
-            </p:cNvCxnSpPr>
-            <p:nvPr/>
-          </p:nvCxnSpPr>
-          <p:spPr>
-            <a:xfrm rot="10800000" flipV="1">
-              <a:off x="5583084" y="3841121"/>
-              <a:ext cx="998220" cy="1"/>
-            </a:xfrm>
-            <a:prstGeom prst="bentConnector3">
-              <a:avLst>
-                <a:gd name="adj1" fmla="val 50000"/>
-              </a:avLst>
-            </a:prstGeom>
-            <a:solidFill>
-              <a:schemeClr val="bg1">
-                <a:lumMod val="85000"/>
-              </a:schemeClr>
-            </a:solidFill>
-            <a:ln>
-              <a:headEnd/>
-              <a:tailEnd/>
-            </a:ln>
-          </p:spPr>
-          <p:style>
-            <a:lnRef idx="2">
-              <a:schemeClr val="accent2">
-                <a:shade val="50000"/>
-              </a:schemeClr>
-            </a:lnRef>
-            <a:fillRef idx="1">
-              <a:schemeClr val="accent2"/>
-            </a:fillRef>
-            <a:effectRef idx="0">
-              <a:schemeClr val="accent2"/>
-            </a:effectRef>
-            <a:fontRef idx="minor">
-              <a:schemeClr val="lt1"/>
-            </a:fontRef>
-          </p:style>
-        </p:cxnSp>
-      </p:grpSp>
-      <p:sp>
-        <p:nvSpPr>
-          <p:cNvPr id="12" name="Speech Bubble: Rectangle 11">
-            <a:extLst>
-              <a:ext uri="{FF2B5EF4-FFF2-40B4-BE49-F238E27FC236}">
-                <a16:creationId xmlns:a16="http://schemas.microsoft.com/office/drawing/2014/main" id="{CEC408BF-E469-4FEB-B3B1-E9272ECCBFBD}"/>
-              </a:ext>
-            </a:extLst>
-          </p:cNvPr>
-          <p:cNvSpPr/>
-          <p:nvPr/>
-        </p:nvSpPr>
-        <p:spPr bwMode="gray">
-          <a:xfrm>
-            <a:off x="8310149" y="1616445"/>
-            <a:ext cx="3008446" cy="915844"/>
-          </a:xfrm>
-          <a:prstGeom prst="wedgeRectCallout">
-            <a:avLst>
-              <a:gd name="adj1" fmla="val -56757"/>
-              <a:gd name="adj2" fmla="val 119702"/>
-            </a:avLst>
-          </a:prstGeom>
-          <a:ln>
-            <a:headEnd/>
-            <a:tailEnd/>
-          </a:ln>
-        </p:spPr>
-        <p:style>
-          <a:lnRef idx="2">
-            <a:schemeClr val="accent5"/>
-          </a:lnRef>
-          <a:fillRef idx="1">
-            <a:schemeClr val="lt1"/>
-          </a:fillRef>
-          <a:effectRef idx="0">
-            <a:schemeClr val="accent5"/>
-          </a:effectRef>
-          <a:fontRef idx="minor">
-            <a:schemeClr val="dk1"/>
-          </a:fontRef>
-        </p:style>
-        <p:txBody>
-          <a:bodyPr lIns="90000" tIns="72000" rIns="90000" bIns="72000" rtlCol="0" anchor="ctr"/>
-          <a:lstStyle/>
-          <a:p>
-            <a:pPr marR="0" algn="ctr" defTabSz="914400" eaLnBrk="1" fontAlgn="base" latinLnBrk="0" hangingPunct="1">
-              <a:lnSpc>
-                <a:spcPct val="100000"/>
-              </a:lnSpc>
-              <a:spcBef>
-                <a:spcPct val="50000"/>
-              </a:spcBef>
-              <a:spcAft>
-                <a:spcPct val="0"/>
-              </a:spcAft>
-              <a:buClr>
-                <a:srgbClr val="F0AB00"/>
-              </a:buClr>
-              <a:buSzPct val="80000"/>
-              <a:tabLst/>
-            </a:pPr>
-            <a:r>
-              <a:rPr lang="en-US" sz="1800" kern="0" dirty="0">
-                <a:ea typeface="Arial Unicode MS" pitchFamily="34" charset="-128"/>
-                <a:cs typeface="Arial Unicode MS" pitchFamily="34" charset="-128"/>
-              </a:rPr>
-              <a:t>Helper container</a:t>
-            </a:r>
-            <a:endParaRPr kumimoji="0" lang="en-US" sz="1800" b="0" i="0" u="none" strike="noStrike" kern="0" cap="none" spc="0" normalizeH="0" baseline="0" noProof="0" dirty="0" err="1">
-              <a:ln>
-                <a:noFill/>
-              </a:ln>
-              <a:effectLst/>
-              <a:uLnTx/>
-              <a:uFillTx/>
-              <a:ea typeface="Arial Unicode MS" pitchFamily="34" charset="-128"/>
-              <a:cs typeface="Arial Unicode MS" pitchFamily="34" charset="-128"/>
-            </a:endParaRPr>
-          </a:p>
-        </p:txBody>
-      </p:sp>
-      <p:sp>
-        <p:nvSpPr>
-          <p:cNvPr id="13" name="Speech Bubble: Rectangle 12">
-            <a:extLst>
-              <a:ext uri="{FF2B5EF4-FFF2-40B4-BE49-F238E27FC236}">
-                <a16:creationId xmlns:a16="http://schemas.microsoft.com/office/drawing/2014/main" id="{A6BFAEFB-B711-43D3-9AF6-2BA756B0F93E}"/>
-              </a:ext>
-            </a:extLst>
-          </p:cNvPr>
-          <p:cNvSpPr/>
-          <p:nvPr/>
-        </p:nvSpPr>
-        <p:spPr bwMode="gray">
-          <a:xfrm>
-            <a:off x="504001" y="1616445"/>
-            <a:ext cx="3008446" cy="915844"/>
-          </a:xfrm>
-          <a:prstGeom prst="wedgeRectCallout">
-            <a:avLst>
-              <a:gd name="adj1" fmla="val 58938"/>
-              <a:gd name="adj2" fmla="val 166939"/>
-            </a:avLst>
-          </a:prstGeom>
-          <a:ln>
-            <a:headEnd/>
-            <a:tailEnd/>
-          </a:ln>
-        </p:spPr>
-        <p:style>
-          <a:lnRef idx="2">
-            <a:schemeClr val="accent5"/>
-          </a:lnRef>
-          <a:fillRef idx="1">
-            <a:schemeClr val="lt1"/>
-          </a:fillRef>
-          <a:effectRef idx="0">
-            <a:schemeClr val="accent5"/>
-          </a:effectRef>
-          <a:fontRef idx="minor">
-            <a:schemeClr val="dk1"/>
-          </a:fontRef>
-        </p:style>
-        <p:txBody>
-          <a:bodyPr lIns="90000" tIns="72000" rIns="90000" bIns="72000" rtlCol="0" anchor="ctr"/>
-          <a:lstStyle/>
-          <a:p>
-            <a:pPr marR="0" algn="ctr" defTabSz="914400" eaLnBrk="1" fontAlgn="base" latinLnBrk="0" hangingPunct="1">
-              <a:lnSpc>
-                <a:spcPct val="100000"/>
-              </a:lnSpc>
-              <a:spcBef>
-                <a:spcPct val="50000"/>
-              </a:spcBef>
-              <a:spcAft>
-                <a:spcPct val="0"/>
-              </a:spcAft>
-              <a:buClr>
-                <a:srgbClr val="F0AB00"/>
-              </a:buClr>
-              <a:buSzPct val="80000"/>
-              <a:tabLst/>
-            </a:pPr>
-            <a:r>
-              <a:rPr lang="en-US" sz="1800" kern="0" dirty="0">
-                <a:ea typeface="Arial Unicode MS" pitchFamily="34" charset="-128"/>
-                <a:cs typeface="Arial Unicode MS" pitchFamily="34" charset="-128"/>
-              </a:rPr>
-              <a:t>Application container</a:t>
-            </a:r>
-            <a:endParaRPr kumimoji="0" lang="en-US" sz="1800" b="0" i="0" u="none" strike="noStrike" kern="0" cap="none" spc="0" normalizeH="0" baseline="0" noProof="0" dirty="0" err="1">
-              <a:ln>
-                <a:noFill/>
-              </a:ln>
-              <a:effectLst/>
-              <a:uLnTx/>
-              <a:uFillTx/>
-              <a:ea typeface="Arial Unicode MS" pitchFamily="34" charset="-128"/>
-              <a:cs typeface="Arial Unicode MS" pitchFamily="34" charset="-128"/>
-            </a:endParaRPr>
-          </a:p>
-        </p:txBody>
-      </p:sp>
-    </p:spTree>
-    <p:extLst>
-      <p:ext uri="{BB962C8B-B14F-4D97-AF65-F5344CB8AC3E}">
-        <p14:creationId xmlns:p14="http://schemas.microsoft.com/office/powerpoint/2010/main" val="171295343"/>
-      </p:ext>
-    </p:extLst>
-  </p:cSld>
-  <p:clrMapOvr>
-    <a:masterClrMapping/>
-  </p:clrMapOvr>
-</p:sld>
-</file>
-
-<file path=ppt/slides/slide6.xml><?xml version="1.0" encoding="utf-8"?>
 <p:sld xmlns:a="http://schemas.openxmlformats.org/drawingml/2006/main" xmlns:r="http://schemas.openxmlformats.org/officeDocument/2006/relationships" xmlns:p="http://schemas.openxmlformats.org/presentationml/2006/main">
   <p:cSld>
     <p:spTree>
@@ -17318,86 +17696,6 @@
       </p:sp>
       <p:sp>
         <p:nvSpPr>
-          <p:cNvPr id="7" name="Rectangle 6">
-            <a:extLst>
-              <a:ext uri="{FF2B5EF4-FFF2-40B4-BE49-F238E27FC236}">
-                <a16:creationId xmlns:a16="http://schemas.microsoft.com/office/drawing/2014/main" id="{F62BA42E-2B79-4410-93D7-619C1E44880F}"/>
-              </a:ext>
-            </a:extLst>
-          </p:cNvPr>
-          <p:cNvSpPr/>
-          <p:nvPr/>
-        </p:nvSpPr>
-        <p:spPr bwMode="gray">
-          <a:xfrm>
-            <a:off x="1794338" y="1566045"/>
-            <a:ext cx="8614901" cy="3890060"/>
-          </a:xfrm>
-          <a:prstGeom prst="rect">
-            <a:avLst/>
-          </a:prstGeom>
-          <a:solidFill>
-            <a:schemeClr val="bg1"/>
-          </a:solidFill>
-          <a:ln>
-            <a:solidFill>
-              <a:schemeClr val="accent5">
-                <a:lumMod val="75000"/>
-              </a:schemeClr>
-            </a:solidFill>
-            <a:headEnd/>
-            <a:tailEnd/>
-          </a:ln>
-        </p:spPr>
-        <p:style>
-          <a:lnRef idx="2">
-            <a:schemeClr val="accent5"/>
-          </a:lnRef>
-          <a:fillRef idx="1">
-            <a:schemeClr val="lt1"/>
-          </a:fillRef>
-          <a:effectRef idx="0">
-            <a:schemeClr val="accent5"/>
-          </a:effectRef>
-          <a:fontRef idx="minor">
-            <a:schemeClr val="dk1"/>
-          </a:fontRef>
-        </p:style>
-        <p:txBody>
-          <a:bodyPr lIns="90000" tIns="72000" rIns="90000" bIns="72000" rtlCol="0" anchor="ctr"/>
-          <a:lstStyle/>
-          <a:p>
-            <a:pPr marR="0" algn="ctr" defTabSz="914400" eaLnBrk="1" fontAlgn="base" latinLnBrk="0" hangingPunct="1">
-              <a:lnSpc>
-                <a:spcPct val="100000"/>
-              </a:lnSpc>
-              <a:spcBef>
-                <a:spcPct val="50000"/>
-              </a:spcBef>
-              <a:spcAft>
-                <a:spcPct val="0"/>
-              </a:spcAft>
-              <a:buClr>
-                <a:srgbClr val="F0AB00"/>
-              </a:buClr>
-              <a:buSzPct val="80000"/>
-              <a:tabLst/>
-            </a:pPr>
-            <a:endParaRPr kumimoji="0" lang="en-US" sz="1800" b="0" i="0" u="none" strike="noStrike" kern="0" cap="none" spc="0" normalizeH="0" baseline="0" noProof="0" dirty="0" err="1">
-              <a:ln>
-                <a:noFill/>
-              </a:ln>
-              <a:effectLst/>
-              <a:uLnTx/>
-              <a:uFillTx/>
-              <a:ea typeface="Arial Unicode MS" pitchFamily="34" charset="-128"/>
-              <a:cs typeface="Arial Unicode MS" pitchFamily="34" charset="-128"/>
-            </a:endParaRPr>
-          </a:p>
-        </p:txBody>
-      </p:sp>
-      <p:sp>
-        <p:nvSpPr>
           <p:cNvPr id="3" name="Title 2">
             <a:extLst>
               <a:ext uri="{FF2B5EF4-FFF2-40B4-BE49-F238E27FC236}">
@@ -17425,56 +17723,6 @@
             <a:r>
               <a:rPr lang="en-US" dirty="0"/>
               <a:t>Pods on process level</a:t>
-            </a:r>
-          </a:p>
-        </p:txBody>
-      </p:sp>
-      <p:sp>
-        <p:nvSpPr>
-          <p:cNvPr id="15" name="TextBox 14">
-            <a:extLst>
-              <a:ext uri="{FF2B5EF4-FFF2-40B4-BE49-F238E27FC236}">
-                <a16:creationId xmlns:a16="http://schemas.microsoft.com/office/drawing/2014/main" id="{9FA87A93-6583-4DB9-878C-9C6C24A914E4}"/>
-              </a:ext>
-            </a:extLst>
-          </p:cNvPr>
-          <p:cNvSpPr txBox="1"/>
-          <p:nvPr/>
-        </p:nvSpPr>
-        <p:spPr>
-          <a:xfrm>
-            <a:off x="5456909" y="5175637"/>
-            <a:ext cx="1209610" cy="246221"/>
-          </a:xfrm>
-          <a:prstGeom prst="rect">
-            <a:avLst/>
-          </a:prstGeom>
-          <a:noFill/>
-        </p:spPr>
-        <p:txBody>
-          <a:bodyPr wrap="square" lIns="0" tIns="0" rIns="0" bIns="0" rtlCol="0">
-            <a:spAutoFit/>
-          </a:bodyPr>
-          <a:lstStyle/>
-          <a:p>
-            <a:pPr algn="ctr" fontAlgn="base">
-              <a:spcBef>
-                <a:spcPct val="50000"/>
-              </a:spcBef>
-              <a:spcAft>
-                <a:spcPct val="0"/>
-              </a:spcAft>
-              <a:buClr>
-                <a:srgbClr val="F0AB00"/>
-              </a:buClr>
-              <a:buSzPct val="80000"/>
-            </a:pPr>
-            <a:r>
-              <a:rPr lang="en-US" sz="1600" kern="0" dirty="0">
-                <a:ea typeface="Arial Unicode MS" pitchFamily="34" charset="-128"/>
-                <a:cs typeface="Arial Unicode MS" pitchFamily="34" charset="-128"/>
-              </a:rPr>
-              <a:t>user</a:t>
             </a:r>
           </a:p>
         </p:txBody>
@@ -20878,7 +21126,7 @@
 </p:sld>
 </file>
 
-<file path=ppt/slides/slide7.xml><?xml version="1.0" encoding="utf-8"?>
+<file path=ppt/slides/slide6.xml><?xml version="1.0" encoding="utf-8"?>
 <p:sld xmlns:a="http://schemas.openxmlformats.org/drawingml/2006/main" xmlns:r="http://schemas.openxmlformats.org/officeDocument/2006/relationships" xmlns:p="http://schemas.openxmlformats.org/presentationml/2006/main">
   <p:cSld>
     <p:spTree>
@@ -22261,6 +22509,874 @@
     <p:extLst>
       <p:ext uri="{BB962C8B-B14F-4D97-AF65-F5344CB8AC3E}">
         <p14:creationId xmlns:p14="http://schemas.microsoft.com/office/powerpoint/2010/main" val="3556395316"/>
+      </p:ext>
+    </p:extLst>
+  </p:cSld>
+  <p:clrMapOvr>
+    <a:masterClrMapping/>
+  </p:clrMapOvr>
+</p:sld>
+</file>
+
+<file path=ppt/slides/slide7.xml><?xml version="1.0" encoding="utf-8"?>
+<p:sld xmlns:a="http://schemas.openxmlformats.org/drawingml/2006/main" xmlns:r="http://schemas.openxmlformats.org/officeDocument/2006/relationships" xmlns:p="http://schemas.openxmlformats.org/presentationml/2006/main">
+  <p:cSld>
+    <p:spTree>
+      <p:nvGrpSpPr>
+        <p:cNvPr id="1" name=""/>
+        <p:cNvGrpSpPr/>
+        <p:nvPr/>
+      </p:nvGrpSpPr>
+      <p:grpSpPr>
+        <a:xfrm>
+          <a:off x="0" y="0"/>
+          <a:ext cx="0" cy="0"/>
+          <a:chOff x="0" y="0"/>
+          <a:chExt cx="0" cy="0"/>
+        </a:xfrm>
+      </p:grpSpPr>
+      <p:sp>
+        <p:nvSpPr>
+          <p:cNvPr id="2" name="Title 1">
+            <a:extLst>
+              <a:ext uri="{FF2B5EF4-FFF2-40B4-BE49-F238E27FC236}">
+                <a16:creationId xmlns:a16="http://schemas.microsoft.com/office/drawing/2014/main" id="{C2AD8DC7-A4C9-412C-A423-2880AD0B6E76}"/>
+              </a:ext>
+            </a:extLst>
+          </p:cNvPr>
+          <p:cNvSpPr>
+            <a:spLocks noGrp="1"/>
+          </p:cNvSpPr>
+          <p:nvPr>
+            <p:ph type="title"/>
+          </p:nvPr>
+        </p:nvSpPr>
+        <p:spPr/>
+        <p:txBody>
+          <a:bodyPr/>
+          <a:lstStyle/>
+          <a:p>
+            <a:r>
+              <a:rPr lang="en-US" dirty="0"/>
+              <a:t>Sidecar pattern – or when to use multiple container in a pod</a:t>
+            </a:r>
+          </a:p>
+        </p:txBody>
+      </p:sp>
+      <p:grpSp>
+        <p:nvGrpSpPr>
+          <p:cNvPr id="11" name="Group 10">
+            <a:extLst>
+              <a:ext uri="{FF2B5EF4-FFF2-40B4-BE49-F238E27FC236}">
+                <a16:creationId xmlns:a16="http://schemas.microsoft.com/office/drawing/2014/main" id="{FB2CD143-0D2F-4657-9000-8B31A4D6BDB6}"/>
+              </a:ext>
+            </a:extLst>
+          </p:cNvPr>
+          <p:cNvGrpSpPr/>
+          <p:nvPr/>
+        </p:nvGrpSpPr>
+        <p:grpSpPr>
+          <a:xfrm>
+            <a:off x="3495009" y="2656763"/>
+            <a:ext cx="5204460" cy="3263342"/>
+            <a:chOff x="3394095" y="2548608"/>
+            <a:chExt cx="5204460" cy="3263342"/>
+          </a:xfrm>
+        </p:grpSpPr>
+        <p:sp>
+          <p:nvSpPr>
+            <p:cNvPr id="3" name="Rectangle 2">
+              <a:extLst>
+                <a:ext uri="{FF2B5EF4-FFF2-40B4-BE49-F238E27FC236}">
+                  <a16:creationId xmlns:a16="http://schemas.microsoft.com/office/drawing/2014/main" id="{78AAD8F1-386E-40CE-979F-C79845ECC6E3}"/>
+                </a:ext>
+              </a:extLst>
+            </p:cNvPr>
+            <p:cNvSpPr/>
+            <p:nvPr/>
+          </p:nvSpPr>
+          <p:spPr bwMode="gray">
+            <a:xfrm>
+              <a:off x="3565833" y="2670528"/>
+              <a:ext cx="5032722" cy="3141422"/>
+            </a:xfrm>
+            <a:prstGeom prst="rect">
+              <a:avLst/>
+            </a:prstGeom>
+            <a:solidFill>
+              <a:schemeClr val="bg1">
+                <a:lumMod val="85000"/>
+              </a:schemeClr>
+            </a:solidFill>
+            <a:ln>
+              <a:headEnd/>
+              <a:tailEnd/>
+            </a:ln>
+          </p:spPr>
+          <p:style>
+            <a:lnRef idx="2">
+              <a:schemeClr val="accent2">
+                <a:shade val="50000"/>
+              </a:schemeClr>
+            </a:lnRef>
+            <a:fillRef idx="1">
+              <a:schemeClr val="accent2"/>
+            </a:fillRef>
+            <a:effectRef idx="0">
+              <a:schemeClr val="accent2"/>
+            </a:effectRef>
+            <a:fontRef idx="minor">
+              <a:schemeClr val="lt1"/>
+            </a:fontRef>
+          </p:style>
+          <p:txBody>
+            <a:bodyPr lIns="90000" tIns="72000" rIns="90000" bIns="72000" rtlCol="0" anchor="t"/>
+            <a:lstStyle/>
+            <a:p>
+              <a:pPr algn="ctr" defTabSz="914400" fontAlgn="base">
+                <a:spcBef>
+                  <a:spcPct val="50000"/>
+                </a:spcBef>
+                <a:spcAft>
+                  <a:spcPct val="0"/>
+                </a:spcAft>
+                <a:buClr>
+                  <a:srgbClr val="F0AB00"/>
+                </a:buClr>
+                <a:buSzPct val="80000"/>
+              </a:pPr>
+              <a:r>
+                <a:rPr lang="de-DE" sz="1600" b="1" kern="0" dirty="0" err="1">
+                  <a:solidFill>
+                    <a:sysClr val="windowText" lastClr="000000"/>
+                  </a:solidFill>
+                  <a:ea typeface="Arial Unicode MS" pitchFamily="34" charset="-128"/>
+                </a:rPr>
+                <a:t>Pod</a:t>
+              </a:r>
+              <a:r>
+                <a:rPr lang="de-DE" sz="1600" b="1" kern="0" dirty="0">
+                  <a:solidFill>
+                    <a:sysClr val="windowText" lastClr="000000"/>
+                  </a:solidFill>
+                  <a:ea typeface="Arial Unicode MS" pitchFamily="34" charset="-128"/>
+                </a:rPr>
+                <a:t>-B</a:t>
+              </a:r>
+            </a:p>
+          </p:txBody>
+        </p:sp>
+        <p:sp>
+          <p:nvSpPr>
+            <p:cNvPr id="4" name="Rectangle 3">
+              <a:extLst>
+                <a:ext uri="{FF2B5EF4-FFF2-40B4-BE49-F238E27FC236}">
+                  <a16:creationId xmlns:a16="http://schemas.microsoft.com/office/drawing/2014/main" id="{4306B961-6B68-43FE-86D9-2321AB2204D3}"/>
+                </a:ext>
+              </a:extLst>
+            </p:cNvPr>
+            <p:cNvSpPr/>
+            <p:nvPr/>
+          </p:nvSpPr>
+          <p:spPr bwMode="gray">
+            <a:xfrm>
+              <a:off x="3394095" y="2548608"/>
+              <a:ext cx="1645920" cy="365760"/>
+            </a:xfrm>
+            <a:prstGeom prst="rect">
+              <a:avLst/>
+            </a:prstGeom>
+            <a:solidFill>
+              <a:schemeClr val="bg1">
+                <a:lumMod val="85000"/>
+              </a:schemeClr>
+            </a:solidFill>
+            <a:ln>
+              <a:headEnd/>
+              <a:tailEnd/>
+            </a:ln>
+          </p:spPr>
+          <p:style>
+            <a:lnRef idx="2">
+              <a:schemeClr val="accent2">
+                <a:shade val="50000"/>
+              </a:schemeClr>
+            </a:lnRef>
+            <a:fillRef idx="1">
+              <a:schemeClr val="accent2"/>
+            </a:fillRef>
+            <a:effectRef idx="0">
+              <a:schemeClr val="accent2"/>
+            </a:effectRef>
+            <a:fontRef idx="minor">
+              <a:schemeClr val="lt1"/>
+            </a:fontRef>
+          </p:style>
+          <p:txBody>
+            <a:bodyPr lIns="90000" tIns="72000" rIns="90000" bIns="72000" rtlCol="0" anchor="t"/>
+            <a:lstStyle/>
+            <a:p>
+              <a:pPr algn="ctr" defTabSz="914400" fontAlgn="base">
+                <a:spcBef>
+                  <a:spcPct val="50000"/>
+                </a:spcBef>
+                <a:spcAft>
+                  <a:spcPct val="0"/>
+                </a:spcAft>
+                <a:buClr>
+                  <a:srgbClr val="F0AB00"/>
+                </a:buClr>
+                <a:buSzPct val="80000"/>
+              </a:pPr>
+              <a:r>
+                <a:rPr lang="de-DE" sz="1600" b="1" kern="0" dirty="0">
+                  <a:solidFill>
+                    <a:sysClr val="windowText" lastClr="000000"/>
+                  </a:solidFill>
+                  <a:ea typeface="Arial Unicode MS" pitchFamily="34" charset="-128"/>
+                </a:rPr>
+                <a:t>IP: 10.10.10.2</a:t>
+              </a:r>
+            </a:p>
+          </p:txBody>
+        </p:sp>
+        <p:sp>
+          <p:nvSpPr>
+            <p:cNvPr id="5" name="Rectangle 4">
+              <a:extLst>
+                <a:ext uri="{FF2B5EF4-FFF2-40B4-BE49-F238E27FC236}">
+                  <a16:creationId xmlns:a16="http://schemas.microsoft.com/office/drawing/2014/main" id="{D359A288-FA58-4435-A556-6E47F71703E0}"/>
+                </a:ext>
+              </a:extLst>
+            </p:cNvPr>
+            <p:cNvSpPr/>
+            <p:nvPr/>
+          </p:nvSpPr>
+          <p:spPr bwMode="gray">
+            <a:xfrm>
+              <a:off x="3955153" y="3262994"/>
+              <a:ext cx="1627931" cy="1156258"/>
+            </a:xfrm>
+            <a:prstGeom prst="rect">
+              <a:avLst/>
+            </a:prstGeom>
+            <a:solidFill>
+              <a:schemeClr val="bg1"/>
+            </a:solidFill>
+            <a:ln>
+              <a:headEnd/>
+              <a:tailEnd/>
+            </a:ln>
+          </p:spPr>
+          <p:style>
+            <a:lnRef idx="2">
+              <a:schemeClr val="accent2">
+                <a:shade val="50000"/>
+              </a:schemeClr>
+            </a:lnRef>
+            <a:fillRef idx="1">
+              <a:schemeClr val="accent2"/>
+            </a:fillRef>
+            <a:effectRef idx="0">
+              <a:schemeClr val="accent2"/>
+            </a:effectRef>
+            <a:fontRef idx="minor">
+              <a:schemeClr val="lt1"/>
+            </a:fontRef>
+          </p:style>
+          <p:txBody>
+            <a:bodyPr lIns="90000" tIns="72000" rIns="90000" bIns="72000" rtlCol="0" anchor="t"/>
+            <a:lstStyle/>
+            <a:p>
+              <a:pPr algn="ctr" defTabSz="914400" fontAlgn="base">
+                <a:spcBef>
+                  <a:spcPct val="50000"/>
+                </a:spcBef>
+                <a:spcAft>
+                  <a:spcPct val="0"/>
+                </a:spcAft>
+                <a:buClr>
+                  <a:srgbClr val="F0AB00"/>
+                </a:buClr>
+                <a:buSzPct val="80000"/>
+              </a:pPr>
+              <a:r>
+                <a:rPr lang="de-DE" sz="1600" kern="0" dirty="0">
+                  <a:solidFill>
+                    <a:sysClr val="windowText" lastClr="000000"/>
+                  </a:solidFill>
+                  <a:ea typeface="Arial Unicode MS" pitchFamily="34" charset="-128"/>
+                </a:rPr>
+                <a:t>C</a:t>
+              </a:r>
+              <a:r>
+                <a:rPr lang="de-DE" sz="1600" kern="0" dirty="0" err="1">
+                  <a:solidFill>
+                    <a:sysClr val="windowText" lastClr="000000"/>
+                  </a:solidFill>
+                  <a:ea typeface="Arial Unicode MS" pitchFamily="34" charset="-128"/>
+                </a:rPr>
+                <a:t>ontainer</a:t>
+              </a:r>
+              <a:r>
+                <a:rPr lang="de-DE" sz="1600" kern="0" dirty="0">
+                  <a:solidFill>
+                    <a:sysClr val="windowText" lastClr="000000"/>
+                  </a:solidFill>
+                  <a:ea typeface="Arial Unicode MS" pitchFamily="34" charset="-128"/>
+                </a:rPr>
+                <a:t>:</a:t>
+              </a:r>
+            </a:p>
+            <a:p>
+              <a:pPr algn="ctr" defTabSz="914400" fontAlgn="base">
+                <a:spcBef>
+                  <a:spcPct val="50000"/>
+                </a:spcBef>
+                <a:spcAft>
+                  <a:spcPct val="0"/>
+                </a:spcAft>
+                <a:buClr>
+                  <a:srgbClr val="F0AB00"/>
+                </a:buClr>
+                <a:buSzPct val="80000"/>
+              </a:pPr>
+              <a:r>
+                <a:rPr lang="de-DE" sz="1600" kern="0" dirty="0" err="1">
+                  <a:solidFill>
+                    <a:sysClr val="windowText" lastClr="000000"/>
+                  </a:solidFill>
+                  <a:ea typeface="Arial Unicode MS" pitchFamily="34" charset="-128"/>
+                </a:rPr>
+                <a:t>nginx</a:t>
+              </a:r>
+              <a:endParaRPr lang="de-DE" sz="1600" kern="0" dirty="0">
+                <a:solidFill>
+                  <a:sysClr val="windowText" lastClr="000000"/>
+                </a:solidFill>
+                <a:ea typeface="Arial Unicode MS" pitchFamily="34" charset="-128"/>
+              </a:endParaRPr>
+            </a:p>
+          </p:txBody>
+        </p:sp>
+        <p:sp>
+          <p:nvSpPr>
+            <p:cNvPr id="6" name="Cylinder 5">
+              <a:extLst>
+                <a:ext uri="{FF2B5EF4-FFF2-40B4-BE49-F238E27FC236}">
+                  <a16:creationId xmlns:a16="http://schemas.microsoft.com/office/drawing/2014/main" id="{2F8DF86F-FD0C-44AF-BE66-43A5E289EC3C}"/>
+                </a:ext>
+              </a:extLst>
+            </p:cNvPr>
+            <p:cNvSpPr/>
+            <p:nvPr/>
+          </p:nvSpPr>
+          <p:spPr bwMode="gray">
+            <a:xfrm>
+              <a:off x="5583084" y="4743750"/>
+              <a:ext cx="998220" cy="1004248"/>
+            </a:xfrm>
+            <a:prstGeom prst="can">
+              <a:avLst/>
+            </a:prstGeom>
+            <a:solidFill>
+              <a:schemeClr val="bg1"/>
+            </a:solidFill>
+            <a:ln>
+              <a:headEnd/>
+              <a:tailEnd/>
+            </a:ln>
+          </p:spPr>
+          <p:style>
+            <a:lnRef idx="2">
+              <a:schemeClr val="accent2">
+                <a:shade val="50000"/>
+              </a:schemeClr>
+            </a:lnRef>
+            <a:fillRef idx="1">
+              <a:schemeClr val="accent2"/>
+            </a:fillRef>
+            <a:effectRef idx="0">
+              <a:schemeClr val="accent2"/>
+            </a:effectRef>
+            <a:fontRef idx="minor">
+              <a:schemeClr val="lt1"/>
+            </a:fontRef>
+          </p:style>
+          <p:txBody>
+            <a:bodyPr lIns="90000" tIns="72000" rIns="90000" bIns="72000" rtlCol="0" anchor="t"/>
+            <a:lstStyle/>
+            <a:p>
+              <a:pPr algn="ctr" defTabSz="914400" fontAlgn="base">
+                <a:spcBef>
+                  <a:spcPct val="50000"/>
+                </a:spcBef>
+                <a:spcAft>
+                  <a:spcPct val="0"/>
+                </a:spcAft>
+                <a:buClr>
+                  <a:srgbClr val="F0AB00"/>
+                </a:buClr>
+                <a:buSzPct val="80000"/>
+              </a:pPr>
+              <a:r>
+                <a:rPr lang="de-DE" sz="1600" kern="0" dirty="0" err="1">
+                  <a:solidFill>
+                    <a:sysClr val="windowText" lastClr="000000"/>
+                  </a:solidFill>
+                  <a:ea typeface="Arial Unicode MS" pitchFamily="34" charset="-128"/>
+                </a:rPr>
+                <a:t>volume</a:t>
+              </a:r>
+              <a:endParaRPr lang="de-DE" sz="1600" kern="0" dirty="0">
+                <a:solidFill>
+                  <a:sysClr val="windowText" lastClr="000000"/>
+                </a:solidFill>
+                <a:ea typeface="Arial Unicode MS" pitchFamily="34" charset="-128"/>
+              </a:endParaRPr>
+            </a:p>
+          </p:txBody>
+        </p:sp>
+        <p:sp>
+          <p:nvSpPr>
+            <p:cNvPr id="7" name="Rectangle 6">
+              <a:extLst>
+                <a:ext uri="{FF2B5EF4-FFF2-40B4-BE49-F238E27FC236}">
+                  <a16:creationId xmlns:a16="http://schemas.microsoft.com/office/drawing/2014/main" id="{03072AD4-D880-47B9-994A-3B2C64739E7B}"/>
+                </a:ext>
+              </a:extLst>
+            </p:cNvPr>
+            <p:cNvSpPr/>
+            <p:nvPr/>
+          </p:nvSpPr>
+          <p:spPr bwMode="gray">
+            <a:xfrm>
+              <a:off x="6581304" y="3262993"/>
+              <a:ext cx="1627931" cy="1156258"/>
+            </a:xfrm>
+            <a:prstGeom prst="rect">
+              <a:avLst/>
+            </a:prstGeom>
+            <a:solidFill>
+              <a:schemeClr val="bg1"/>
+            </a:solidFill>
+            <a:ln>
+              <a:headEnd/>
+              <a:tailEnd/>
+            </a:ln>
+          </p:spPr>
+          <p:style>
+            <a:lnRef idx="2">
+              <a:schemeClr val="accent2">
+                <a:shade val="50000"/>
+              </a:schemeClr>
+            </a:lnRef>
+            <a:fillRef idx="1">
+              <a:schemeClr val="accent2"/>
+            </a:fillRef>
+            <a:effectRef idx="0">
+              <a:schemeClr val="accent2"/>
+            </a:effectRef>
+            <a:fontRef idx="minor">
+              <a:schemeClr val="lt1"/>
+            </a:fontRef>
+          </p:style>
+          <p:txBody>
+            <a:bodyPr lIns="90000" tIns="72000" rIns="90000" bIns="72000" rtlCol="0" anchor="t"/>
+            <a:lstStyle/>
+            <a:p>
+              <a:pPr algn="ctr" defTabSz="914400" fontAlgn="base">
+                <a:spcBef>
+                  <a:spcPct val="50000"/>
+                </a:spcBef>
+                <a:spcAft>
+                  <a:spcPct val="0"/>
+                </a:spcAft>
+                <a:buClr>
+                  <a:srgbClr val="F0AB00"/>
+                </a:buClr>
+                <a:buSzPct val="80000"/>
+              </a:pPr>
+              <a:r>
+                <a:rPr lang="de-DE" sz="1600" kern="0" dirty="0">
+                  <a:solidFill>
+                    <a:sysClr val="windowText" lastClr="000000"/>
+                  </a:solidFill>
+                  <a:ea typeface="Arial Unicode MS" pitchFamily="34" charset="-128"/>
+                </a:rPr>
+                <a:t>C</a:t>
+              </a:r>
+              <a:r>
+                <a:rPr lang="de-DE" sz="1600" kern="0" dirty="0" err="1">
+                  <a:solidFill>
+                    <a:sysClr val="windowText" lastClr="000000"/>
+                  </a:solidFill>
+                  <a:ea typeface="Arial Unicode MS" pitchFamily="34" charset="-128"/>
+                </a:rPr>
+                <a:t>ontainer</a:t>
+              </a:r>
+              <a:r>
+                <a:rPr lang="de-DE" sz="1600" kern="0" dirty="0">
+                  <a:solidFill>
+                    <a:sysClr val="windowText" lastClr="000000"/>
+                  </a:solidFill>
+                  <a:ea typeface="Arial Unicode MS" pitchFamily="34" charset="-128"/>
+                </a:rPr>
+                <a:t>:</a:t>
+              </a:r>
+            </a:p>
+            <a:p>
+              <a:pPr algn="ctr" defTabSz="914400" fontAlgn="base">
+                <a:spcBef>
+                  <a:spcPct val="50000"/>
+                </a:spcBef>
+                <a:spcAft>
+                  <a:spcPct val="0"/>
+                </a:spcAft>
+                <a:buClr>
+                  <a:srgbClr val="F0AB00"/>
+                </a:buClr>
+                <a:buSzPct val="80000"/>
+              </a:pPr>
+              <a:r>
+                <a:rPr lang="de-DE" sz="1600" kern="0" dirty="0" err="1">
+                  <a:solidFill>
+                    <a:sysClr val="windowText" lastClr="000000"/>
+                  </a:solidFill>
+                  <a:ea typeface="Arial Unicode MS" pitchFamily="34" charset="-128"/>
+                </a:rPr>
+                <a:t>proxy</a:t>
+              </a:r>
+              <a:endParaRPr lang="de-DE" sz="1600" kern="0" dirty="0">
+                <a:solidFill>
+                  <a:sysClr val="windowText" lastClr="000000"/>
+                </a:solidFill>
+                <a:ea typeface="Arial Unicode MS" pitchFamily="34" charset="-128"/>
+              </a:endParaRPr>
+            </a:p>
+          </p:txBody>
+        </p:sp>
+        <p:cxnSp>
+          <p:nvCxnSpPr>
+            <p:cNvPr id="8" name="Connector: Elbow 7">
+              <a:extLst>
+                <a:ext uri="{FF2B5EF4-FFF2-40B4-BE49-F238E27FC236}">
+                  <a16:creationId xmlns:a16="http://schemas.microsoft.com/office/drawing/2014/main" id="{A9F69B7D-24E3-4263-985E-C5D03E2AFBED}"/>
+                </a:ext>
+              </a:extLst>
+            </p:cNvPr>
+            <p:cNvCxnSpPr>
+              <a:stCxn id="5" idx="2"/>
+              <a:endCxn id="6" idx="2"/>
+            </p:cNvCxnSpPr>
+            <p:nvPr/>
+          </p:nvCxnSpPr>
+          <p:spPr>
+            <a:xfrm rot="16200000" flipH="1">
+              <a:off x="4762790" y="4425580"/>
+              <a:ext cx="826622" cy="813965"/>
+            </a:xfrm>
+            <a:prstGeom prst="bentConnector2">
+              <a:avLst/>
+            </a:prstGeom>
+            <a:solidFill>
+              <a:schemeClr val="bg1">
+                <a:lumMod val="85000"/>
+              </a:schemeClr>
+            </a:solidFill>
+            <a:ln>
+              <a:headEnd/>
+              <a:tailEnd/>
+            </a:ln>
+          </p:spPr>
+          <p:style>
+            <a:lnRef idx="2">
+              <a:schemeClr val="accent2">
+                <a:shade val="50000"/>
+              </a:schemeClr>
+            </a:lnRef>
+            <a:fillRef idx="1">
+              <a:schemeClr val="accent2"/>
+            </a:fillRef>
+            <a:effectRef idx="0">
+              <a:schemeClr val="accent2"/>
+            </a:effectRef>
+            <a:fontRef idx="minor">
+              <a:schemeClr val="lt1"/>
+            </a:fontRef>
+          </p:style>
+        </p:cxnSp>
+        <p:cxnSp>
+          <p:nvCxnSpPr>
+            <p:cNvPr id="9" name="Connector: Elbow 8">
+              <a:extLst>
+                <a:ext uri="{FF2B5EF4-FFF2-40B4-BE49-F238E27FC236}">
+                  <a16:creationId xmlns:a16="http://schemas.microsoft.com/office/drawing/2014/main" id="{4D95C8FA-3BFA-4BA1-A483-C434537E54B9}"/>
+                </a:ext>
+              </a:extLst>
+            </p:cNvPr>
+            <p:cNvCxnSpPr>
+              <a:stCxn id="7" idx="2"/>
+              <a:endCxn id="6" idx="4"/>
+            </p:cNvCxnSpPr>
+            <p:nvPr/>
+          </p:nvCxnSpPr>
+          <p:spPr>
+            <a:xfrm rot="5400000">
+              <a:off x="6574976" y="4425579"/>
+              <a:ext cx="826623" cy="813966"/>
+            </a:xfrm>
+            <a:prstGeom prst="bentConnector2">
+              <a:avLst/>
+            </a:prstGeom>
+            <a:solidFill>
+              <a:schemeClr val="bg1">
+                <a:lumMod val="85000"/>
+              </a:schemeClr>
+            </a:solidFill>
+            <a:ln>
+              <a:headEnd/>
+              <a:tailEnd/>
+            </a:ln>
+          </p:spPr>
+          <p:style>
+            <a:lnRef idx="2">
+              <a:schemeClr val="accent2">
+                <a:shade val="50000"/>
+              </a:schemeClr>
+            </a:lnRef>
+            <a:fillRef idx="1">
+              <a:schemeClr val="accent2"/>
+            </a:fillRef>
+            <a:effectRef idx="0">
+              <a:schemeClr val="accent2"/>
+            </a:effectRef>
+            <a:fontRef idx="minor">
+              <a:schemeClr val="lt1"/>
+            </a:fontRef>
+          </p:style>
+        </p:cxnSp>
+        <p:cxnSp>
+          <p:nvCxnSpPr>
+            <p:cNvPr id="10" name="Connector: Elbow 9">
+              <a:extLst>
+                <a:ext uri="{FF2B5EF4-FFF2-40B4-BE49-F238E27FC236}">
+                  <a16:creationId xmlns:a16="http://schemas.microsoft.com/office/drawing/2014/main" id="{0FF28FED-1367-412F-8C10-8037765AB121}"/>
+                </a:ext>
+              </a:extLst>
+            </p:cNvPr>
+            <p:cNvCxnSpPr>
+              <a:stCxn id="7" idx="1"/>
+              <a:endCxn id="5" idx="3"/>
+            </p:cNvCxnSpPr>
+            <p:nvPr/>
+          </p:nvCxnSpPr>
+          <p:spPr>
+            <a:xfrm rot="10800000" flipV="1">
+              <a:off x="5583084" y="3841121"/>
+              <a:ext cx="998220" cy="1"/>
+            </a:xfrm>
+            <a:prstGeom prst="bentConnector3">
+              <a:avLst>
+                <a:gd name="adj1" fmla="val 50000"/>
+              </a:avLst>
+            </a:prstGeom>
+            <a:solidFill>
+              <a:schemeClr val="bg1">
+                <a:lumMod val="85000"/>
+              </a:schemeClr>
+            </a:solidFill>
+            <a:ln>
+              <a:headEnd/>
+              <a:tailEnd/>
+            </a:ln>
+          </p:spPr>
+          <p:style>
+            <a:lnRef idx="2">
+              <a:schemeClr val="accent2">
+                <a:shade val="50000"/>
+              </a:schemeClr>
+            </a:lnRef>
+            <a:fillRef idx="1">
+              <a:schemeClr val="accent2"/>
+            </a:fillRef>
+            <a:effectRef idx="0">
+              <a:schemeClr val="accent2"/>
+            </a:effectRef>
+            <a:fontRef idx="minor">
+              <a:schemeClr val="lt1"/>
+            </a:fontRef>
+          </p:style>
+        </p:cxnSp>
+      </p:grpSp>
+      <p:sp>
+        <p:nvSpPr>
+          <p:cNvPr id="12" name="Speech Bubble: Rectangle 11">
+            <a:extLst>
+              <a:ext uri="{FF2B5EF4-FFF2-40B4-BE49-F238E27FC236}">
+                <a16:creationId xmlns:a16="http://schemas.microsoft.com/office/drawing/2014/main" id="{CEC408BF-E469-4FEB-B3B1-E9272ECCBFBD}"/>
+              </a:ext>
+            </a:extLst>
+          </p:cNvPr>
+          <p:cNvSpPr/>
+          <p:nvPr/>
+        </p:nvSpPr>
+        <p:spPr bwMode="gray">
+          <a:xfrm>
+            <a:off x="8310149" y="1616445"/>
+            <a:ext cx="3008446" cy="915844"/>
+          </a:xfrm>
+          <a:prstGeom prst="wedgeRectCallout">
+            <a:avLst>
+              <a:gd name="adj1" fmla="val -56757"/>
+              <a:gd name="adj2" fmla="val 119702"/>
+            </a:avLst>
+          </a:prstGeom>
+          <a:ln>
+            <a:headEnd/>
+            <a:tailEnd/>
+          </a:ln>
+        </p:spPr>
+        <p:style>
+          <a:lnRef idx="2">
+            <a:schemeClr val="accent5"/>
+          </a:lnRef>
+          <a:fillRef idx="1">
+            <a:schemeClr val="lt1"/>
+          </a:fillRef>
+          <a:effectRef idx="0">
+            <a:schemeClr val="accent5"/>
+          </a:effectRef>
+          <a:fontRef idx="minor">
+            <a:schemeClr val="dk1"/>
+          </a:fontRef>
+        </p:style>
+        <p:txBody>
+          <a:bodyPr lIns="90000" tIns="72000" rIns="90000" bIns="72000" rtlCol="0" anchor="ctr"/>
+          <a:lstStyle/>
+          <a:p>
+            <a:pPr marR="0" algn="ctr" defTabSz="914400" eaLnBrk="1" fontAlgn="base" latinLnBrk="0" hangingPunct="1">
+              <a:lnSpc>
+                <a:spcPct val="100000"/>
+              </a:lnSpc>
+              <a:spcBef>
+                <a:spcPct val="50000"/>
+              </a:spcBef>
+              <a:spcAft>
+                <a:spcPct val="0"/>
+              </a:spcAft>
+              <a:buClr>
+                <a:srgbClr val="F0AB00"/>
+              </a:buClr>
+              <a:buSzPct val="80000"/>
+              <a:tabLst/>
+            </a:pPr>
+            <a:r>
+              <a:rPr lang="en-US" sz="1800" kern="0" dirty="0">
+                <a:ea typeface="Arial Unicode MS" pitchFamily="34" charset="-128"/>
+                <a:cs typeface="Arial Unicode MS" pitchFamily="34" charset="-128"/>
+              </a:rPr>
+              <a:t>Helper container</a:t>
+            </a:r>
+            <a:endParaRPr kumimoji="0" lang="en-US" sz="1800" b="0" i="0" u="none" strike="noStrike" kern="0" cap="none" spc="0" normalizeH="0" baseline="0" noProof="0" dirty="0" err="1">
+              <a:ln>
+                <a:noFill/>
+              </a:ln>
+              <a:effectLst/>
+              <a:uLnTx/>
+              <a:uFillTx/>
+              <a:ea typeface="Arial Unicode MS" pitchFamily="34" charset="-128"/>
+              <a:cs typeface="Arial Unicode MS" pitchFamily="34" charset="-128"/>
+            </a:endParaRPr>
+          </a:p>
+        </p:txBody>
+      </p:sp>
+      <p:sp>
+        <p:nvSpPr>
+          <p:cNvPr id="13" name="Speech Bubble: Rectangle 12">
+            <a:extLst>
+              <a:ext uri="{FF2B5EF4-FFF2-40B4-BE49-F238E27FC236}">
+                <a16:creationId xmlns:a16="http://schemas.microsoft.com/office/drawing/2014/main" id="{A6BFAEFB-B711-43D3-9AF6-2BA756B0F93E}"/>
+              </a:ext>
+            </a:extLst>
+          </p:cNvPr>
+          <p:cNvSpPr/>
+          <p:nvPr/>
+        </p:nvSpPr>
+        <p:spPr bwMode="gray">
+          <a:xfrm>
+            <a:off x="504001" y="1616445"/>
+            <a:ext cx="3008446" cy="915844"/>
+          </a:xfrm>
+          <a:prstGeom prst="wedgeRectCallout">
+            <a:avLst>
+              <a:gd name="adj1" fmla="val 58938"/>
+              <a:gd name="adj2" fmla="val 166939"/>
+            </a:avLst>
+          </a:prstGeom>
+          <a:ln>
+            <a:headEnd/>
+            <a:tailEnd/>
+          </a:ln>
+        </p:spPr>
+        <p:style>
+          <a:lnRef idx="2">
+            <a:schemeClr val="accent5"/>
+          </a:lnRef>
+          <a:fillRef idx="1">
+            <a:schemeClr val="lt1"/>
+          </a:fillRef>
+          <a:effectRef idx="0">
+            <a:schemeClr val="accent5"/>
+          </a:effectRef>
+          <a:fontRef idx="minor">
+            <a:schemeClr val="dk1"/>
+          </a:fontRef>
+        </p:style>
+        <p:txBody>
+          <a:bodyPr lIns="90000" tIns="72000" rIns="90000" bIns="72000" rtlCol="0" anchor="ctr"/>
+          <a:lstStyle/>
+          <a:p>
+            <a:pPr marR="0" algn="ctr" defTabSz="914400" eaLnBrk="1" fontAlgn="base" latinLnBrk="0" hangingPunct="1">
+              <a:lnSpc>
+                <a:spcPct val="100000"/>
+              </a:lnSpc>
+              <a:spcBef>
+                <a:spcPct val="50000"/>
+              </a:spcBef>
+              <a:spcAft>
+                <a:spcPct val="0"/>
+              </a:spcAft>
+              <a:buClr>
+                <a:srgbClr val="F0AB00"/>
+              </a:buClr>
+              <a:buSzPct val="80000"/>
+              <a:tabLst/>
+            </a:pPr>
+            <a:r>
+              <a:rPr lang="en-US" sz="1800" kern="0" dirty="0">
+                <a:ea typeface="Arial Unicode MS" pitchFamily="34" charset="-128"/>
+                <a:cs typeface="Arial Unicode MS" pitchFamily="34" charset="-128"/>
+              </a:rPr>
+              <a:t>Application container</a:t>
+            </a:r>
+            <a:endParaRPr kumimoji="0" lang="en-US" sz="1800" b="0" i="0" u="none" strike="noStrike" kern="0" cap="none" spc="0" normalizeH="0" baseline="0" noProof="0" dirty="0" err="1">
+              <a:ln>
+                <a:noFill/>
+              </a:ln>
+              <a:effectLst/>
+              <a:uLnTx/>
+              <a:uFillTx/>
+              <a:ea typeface="Arial Unicode MS" pitchFamily="34" charset="-128"/>
+              <a:cs typeface="Arial Unicode MS" pitchFamily="34" charset="-128"/>
+            </a:endParaRPr>
+          </a:p>
+        </p:txBody>
+      </p:sp>
+    </p:spTree>
+    <p:extLst>
+      <p:ext uri="{BB962C8B-B14F-4D97-AF65-F5344CB8AC3E}">
+        <p14:creationId xmlns:p14="http://schemas.microsoft.com/office/powerpoint/2010/main" val="171295343"/>
       </p:ext>
     </p:extLst>
   </p:cSld>

--- a/kubernetes/02_pods.pptx
+++ b/kubernetes/02_pods.pptx
@@ -15673,7 +15673,7 @@
                   </a:solidFill>
                   <a:latin typeface="Consolas" panose="020B0609020204030204" pitchFamily="49" charset="0"/>
                 </a:rPr>
-                <a:t>Recourse Consumption</a:t>
+                <a:t>Resource Consumption</a:t>
               </a:r>
             </a:p>
           </p:txBody>
